--- a/Presentation_1106_JiayuChen.pptx
+++ b/Presentation_1106_JiayuChen.pptx
@@ -5,26 +5,29 @@
     <p:sldMasterId id="2147483648" r:id="rId1"/>
   </p:sldMasterIdLst>
   <p:notesMasterIdLst>
-    <p:notesMasterId r:id="rId19"/>
+    <p:notesMasterId r:id="rId22"/>
   </p:notesMasterIdLst>
   <p:sldIdLst>
     <p:sldId id="256" r:id="rId2"/>
     <p:sldId id="291" r:id="rId3"/>
     <p:sldId id="340" r:id="rId4"/>
-    <p:sldId id="349" r:id="rId5"/>
-    <p:sldId id="351" r:id="rId6"/>
-    <p:sldId id="324" r:id="rId7"/>
-    <p:sldId id="353" r:id="rId8"/>
-    <p:sldId id="352" r:id="rId9"/>
-    <p:sldId id="346" r:id="rId10"/>
-    <p:sldId id="348" r:id="rId11"/>
-    <p:sldId id="342" r:id="rId12"/>
-    <p:sldId id="343" r:id="rId13"/>
-    <p:sldId id="344" r:id="rId14"/>
-    <p:sldId id="345" r:id="rId15"/>
-    <p:sldId id="325" r:id="rId16"/>
-    <p:sldId id="347" r:id="rId17"/>
-    <p:sldId id="263" r:id="rId18"/>
+    <p:sldId id="354" r:id="rId5"/>
+    <p:sldId id="355" r:id="rId6"/>
+    <p:sldId id="349" r:id="rId7"/>
+    <p:sldId id="351" r:id="rId8"/>
+    <p:sldId id="324" r:id="rId9"/>
+    <p:sldId id="353" r:id="rId10"/>
+    <p:sldId id="352" r:id="rId11"/>
+    <p:sldId id="346" r:id="rId12"/>
+    <p:sldId id="356" r:id="rId13"/>
+    <p:sldId id="348" r:id="rId14"/>
+    <p:sldId id="342" r:id="rId15"/>
+    <p:sldId id="343" r:id="rId16"/>
+    <p:sldId id="344" r:id="rId17"/>
+    <p:sldId id="345" r:id="rId18"/>
+    <p:sldId id="325" r:id="rId19"/>
+    <p:sldId id="347" r:id="rId20"/>
+    <p:sldId id="263" r:id="rId21"/>
   </p:sldIdLst>
   <p:sldSz cx="12192000" cy="6858000"/>
   <p:notesSz cx="6858000" cy="9144000"/>
@@ -225,7 +228,7 @@
           <a:p>
             <a:fld id="{F724740E-8F52-4821-8A8D-03DDEC038A3B}" type="datetimeFigureOut">
               <a:rPr lang="zh-CN" altLang="en-US" smtClean="0"/>
-              <a:t>2023-11-05</a:t>
+              <a:t>2023-11-06</a:t>
             </a:fld>
             <a:endParaRPr lang="zh-CN" altLang="en-US"/>
           </a:p>
@@ -654,7 +657,7 @@
     </p:spTree>
     <p:extLst>
       <p:ext uri="{BB962C8B-B14F-4D97-AF65-F5344CB8AC3E}">
-        <p14:creationId xmlns:p14="http://schemas.microsoft.com/office/powerpoint/2010/main" val="3040035200"/>
+        <p14:creationId xmlns:p14="http://schemas.microsoft.com/office/powerpoint/2010/main" val="2271989615"/>
       </p:ext>
     </p:extLst>
   </p:cSld>
@@ -738,7 +741,7 @@
     </p:spTree>
     <p:extLst>
       <p:ext uri="{BB962C8B-B14F-4D97-AF65-F5344CB8AC3E}">
-        <p14:creationId xmlns:p14="http://schemas.microsoft.com/office/powerpoint/2010/main" val="3443642887"/>
+        <p14:creationId xmlns:p14="http://schemas.microsoft.com/office/powerpoint/2010/main" val="3611980438"/>
       </p:ext>
     </p:extLst>
   </p:cSld>
@@ -822,7 +825,7 @@
     </p:spTree>
     <p:extLst>
       <p:ext uri="{BB962C8B-B14F-4D97-AF65-F5344CB8AC3E}">
-        <p14:creationId xmlns:p14="http://schemas.microsoft.com/office/powerpoint/2010/main" val="3269583232"/>
+        <p14:creationId xmlns:p14="http://schemas.microsoft.com/office/powerpoint/2010/main" val="1878692281"/>
       </p:ext>
     </p:extLst>
   </p:cSld>
@@ -878,36 +881,6 @@
           <a:p>
             <a:endParaRPr lang="en-US" altLang="zh-CN" dirty="0"/>
           </a:p>
-          <a:p>
-            <a:r>
-              <a:rPr lang="en-US" altLang="zh-CN" dirty="0"/>
-              <a:t>For D Prediction:</a:t>
-            </a:r>
-          </a:p>
-          <a:p>
-            <a:r>
-              <a:rPr lang="en-US" altLang="zh-CN" dirty="0"/>
-              <a:t>The reason is peaks are not aligned properly. Both mean and median methods significantly affect height of small peaks, leading to a decrease in their accuracy.</a:t>
-            </a:r>
-          </a:p>
-          <a:p>
-            <a:endParaRPr lang="en-US" altLang="zh-CN" dirty="0"/>
-          </a:p>
-          <a:p>
-            <a:r>
-              <a:rPr lang="en-US" altLang="zh-CN" dirty="0"/>
-              <a:t>For S prediction:</a:t>
-            </a:r>
-          </a:p>
-          <a:p>
-            <a:r>
-              <a:rPr lang="en-US" altLang="zh-CN" dirty="0"/>
-              <a:t>Due to the limitation of the sampling rate, even with a perfect "Get Template" algorithm, the S prediction result is still not as good as that of the "No Template" algorithm.</a:t>
-            </a:r>
-          </a:p>
-          <a:p>
-            <a:endParaRPr lang="en-US" altLang="zh-CN" dirty="0"/>
-          </a:p>
         </p:txBody>
       </p:sp>
       <p:sp>
@@ -936,7 +909,7 @@
     </p:spTree>
     <p:extLst>
       <p:ext uri="{BB962C8B-B14F-4D97-AF65-F5344CB8AC3E}">
-        <p14:creationId xmlns:p14="http://schemas.microsoft.com/office/powerpoint/2010/main" val="468277658"/>
+        <p14:creationId xmlns:p14="http://schemas.microsoft.com/office/powerpoint/2010/main" val="3040035200"/>
       </p:ext>
     </p:extLst>
   </p:cSld>
@@ -1020,7 +993,7 @@
     </p:spTree>
     <p:extLst>
       <p:ext uri="{BB962C8B-B14F-4D97-AF65-F5344CB8AC3E}">
-        <p14:creationId xmlns:p14="http://schemas.microsoft.com/office/powerpoint/2010/main" val="2993614160"/>
+        <p14:creationId xmlns:p14="http://schemas.microsoft.com/office/powerpoint/2010/main" val="3443642887"/>
       </p:ext>
     </p:extLst>
   </p:cSld>
@@ -1104,7 +1077,7 @@
     </p:spTree>
     <p:extLst>
       <p:ext uri="{BB962C8B-B14F-4D97-AF65-F5344CB8AC3E}">
-        <p14:creationId xmlns:p14="http://schemas.microsoft.com/office/powerpoint/2010/main" val="3591586733"/>
+        <p14:creationId xmlns:p14="http://schemas.microsoft.com/office/powerpoint/2010/main" val="3269583232"/>
       </p:ext>
     </p:extLst>
   </p:cSld>
@@ -1160,6 +1133,36 @@
           <a:p>
             <a:endParaRPr lang="en-US" altLang="zh-CN" dirty="0"/>
           </a:p>
+          <a:p>
+            <a:r>
+              <a:rPr lang="en-US" altLang="zh-CN" dirty="0"/>
+              <a:t>For D Prediction:</a:t>
+            </a:r>
+          </a:p>
+          <a:p>
+            <a:r>
+              <a:rPr lang="en-US" altLang="zh-CN" dirty="0"/>
+              <a:t>The reason is peaks are not aligned properly. Both mean and median methods significantly affect height of small peaks, leading to a decrease in their accuracy.</a:t>
+            </a:r>
+          </a:p>
+          <a:p>
+            <a:endParaRPr lang="en-US" altLang="zh-CN" dirty="0"/>
+          </a:p>
+          <a:p>
+            <a:r>
+              <a:rPr lang="en-US" altLang="zh-CN" dirty="0"/>
+              <a:t>For S prediction:</a:t>
+            </a:r>
+          </a:p>
+          <a:p>
+            <a:r>
+              <a:rPr lang="en-US" altLang="zh-CN" dirty="0"/>
+              <a:t>Due to the limitation of the sampling rate, even with a perfect "Get Template" algorithm, the S prediction result is still not as good as that of the "No Template" algorithm.</a:t>
+            </a:r>
+          </a:p>
+          <a:p>
+            <a:endParaRPr lang="en-US" altLang="zh-CN" dirty="0"/>
+          </a:p>
         </p:txBody>
       </p:sp>
       <p:sp>
@@ -1188,7 +1191,7 @@
     </p:spTree>
     <p:extLst>
       <p:ext uri="{BB962C8B-B14F-4D97-AF65-F5344CB8AC3E}">
-        <p14:creationId xmlns:p14="http://schemas.microsoft.com/office/powerpoint/2010/main" val="3741618995"/>
+        <p14:creationId xmlns:p14="http://schemas.microsoft.com/office/powerpoint/2010/main" val="468277658"/>
       </p:ext>
     </p:extLst>
   </p:cSld>
@@ -1242,7 +1245,7 @@
           <a:bodyPr/>
           <a:lstStyle/>
           <a:p>
-            <a:endParaRPr lang="zh-CN" altLang="en-US" dirty="0"/>
+            <a:endParaRPr lang="en-US" altLang="zh-CN" dirty="0"/>
           </a:p>
         </p:txBody>
       </p:sp>
@@ -1272,7 +1275,175 @@
     </p:spTree>
     <p:extLst>
       <p:ext uri="{BB962C8B-B14F-4D97-AF65-F5344CB8AC3E}">
-        <p14:creationId xmlns:p14="http://schemas.microsoft.com/office/powerpoint/2010/main" val="3344493625"/>
+        <p14:creationId xmlns:p14="http://schemas.microsoft.com/office/powerpoint/2010/main" val="2993614160"/>
+      </p:ext>
+    </p:extLst>
+  </p:cSld>
+  <p:clrMapOvr>
+    <a:masterClrMapping/>
+  </p:clrMapOvr>
+</p:notes>
+</file>
+
+<file path=ppt/notesSlides/notesSlide18.xml><?xml version="1.0" encoding="utf-8"?>
+<p:notes xmlns:a="http://schemas.openxmlformats.org/drawingml/2006/main" xmlns:r="http://schemas.openxmlformats.org/officeDocument/2006/relationships" xmlns:p="http://schemas.openxmlformats.org/presentationml/2006/main">
+  <p:cSld>
+    <p:spTree>
+      <p:nvGrpSpPr>
+        <p:cNvPr id="1" name=""/>
+        <p:cNvGrpSpPr/>
+        <p:nvPr/>
+      </p:nvGrpSpPr>
+      <p:grpSpPr>
+        <a:xfrm>
+          <a:off x="0" y="0"/>
+          <a:ext cx="0" cy="0"/>
+          <a:chOff x="0" y="0"/>
+          <a:chExt cx="0" cy="0"/>
+        </a:xfrm>
+      </p:grpSpPr>
+      <p:sp>
+        <p:nvSpPr>
+          <p:cNvPr id="2" name="幻灯片图像占位符 1"/>
+          <p:cNvSpPr>
+            <a:spLocks noGrp="1" noRot="1" noChangeAspect="1"/>
+          </p:cNvSpPr>
+          <p:nvPr>
+            <p:ph type="sldImg"/>
+          </p:nvPr>
+        </p:nvSpPr>
+        <p:spPr/>
+      </p:sp>
+      <p:sp>
+        <p:nvSpPr>
+          <p:cNvPr id="3" name="备注占位符 2"/>
+          <p:cNvSpPr>
+            <a:spLocks noGrp="1"/>
+          </p:cNvSpPr>
+          <p:nvPr>
+            <p:ph type="body" idx="1"/>
+          </p:nvPr>
+        </p:nvSpPr>
+        <p:spPr/>
+        <p:txBody>
+          <a:bodyPr/>
+          <a:lstStyle/>
+          <a:p>
+            <a:endParaRPr lang="en-US" altLang="zh-CN" dirty="0"/>
+          </a:p>
+        </p:txBody>
+      </p:sp>
+      <p:sp>
+        <p:nvSpPr>
+          <p:cNvPr id="4" name="灯片编号占位符 3"/>
+          <p:cNvSpPr>
+            <a:spLocks noGrp="1"/>
+          </p:cNvSpPr>
+          <p:nvPr>
+            <p:ph type="sldNum" sz="quarter" idx="5"/>
+          </p:nvPr>
+        </p:nvSpPr>
+        <p:spPr/>
+        <p:txBody>
+          <a:bodyPr/>
+          <a:lstStyle/>
+          <a:p>
+            <a:fld id="{E39FA662-60CA-45D5-8BB1-0A7D21FB8FF0}" type="slidenum">
+              <a:rPr lang="zh-CN" altLang="en-US" smtClean="0"/>
+              <a:t>18</a:t>
+            </a:fld>
+            <a:endParaRPr lang="zh-CN" altLang="en-US"/>
+          </a:p>
+        </p:txBody>
+      </p:sp>
+    </p:spTree>
+    <p:extLst>
+      <p:ext uri="{BB962C8B-B14F-4D97-AF65-F5344CB8AC3E}">
+        <p14:creationId xmlns:p14="http://schemas.microsoft.com/office/powerpoint/2010/main" val="3591586733"/>
+      </p:ext>
+    </p:extLst>
+  </p:cSld>
+  <p:clrMapOvr>
+    <a:masterClrMapping/>
+  </p:clrMapOvr>
+</p:notes>
+</file>
+
+<file path=ppt/notesSlides/notesSlide19.xml><?xml version="1.0" encoding="utf-8"?>
+<p:notes xmlns:a="http://schemas.openxmlformats.org/drawingml/2006/main" xmlns:r="http://schemas.openxmlformats.org/officeDocument/2006/relationships" xmlns:p="http://schemas.openxmlformats.org/presentationml/2006/main">
+  <p:cSld>
+    <p:spTree>
+      <p:nvGrpSpPr>
+        <p:cNvPr id="1" name=""/>
+        <p:cNvGrpSpPr/>
+        <p:nvPr/>
+      </p:nvGrpSpPr>
+      <p:grpSpPr>
+        <a:xfrm>
+          <a:off x="0" y="0"/>
+          <a:ext cx="0" cy="0"/>
+          <a:chOff x="0" y="0"/>
+          <a:chExt cx="0" cy="0"/>
+        </a:xfrm>
+      </p:grpSpPr>
+      <p:sp>
+        <p:nvSpPr>
+          <p:cNvPr id="2" name="幻灯片图像占位符 1"/>
+          <p:cNvSpPr>
+            <a:spLocks noGrp="1" noRot="1" noChangeAspect="1"/>
+          </p:cNvSpPr>
+          <p:nvPr>
+            <p:ph type="sldImg"/>
+          </p:nvPr>
+        </p:nvSpPr>
+        <p:spPr/>
+      </p:sp>
+      <p:sp>
+        <p:nvSpPr>
+          <p:cNvPr id="3" name="备注占位符 2"/>
+          <p:cNvSpPr>
+            <a:spLocks noGrp="1"/>
+          </p:cNvSpPr>
+          <p:nvPr>
+            <p:ph type="body" idx="1"/>
+          </p:nvPr>
+        </p:nvSpPr>
+        <p:spPr/>
+        <p:txBody>
+          <a:bodyPr/>
+          <a:lstStyle/>
+          <a:p>
+            <a:endParaRPr lang="en-US" altLang="zh-CN" dirty="0"/>
+          </a:p>
+        </p:txBody>
+      </p:sp>
+      <p:sp>
+        <p:nvSpPr>
+          <p:cNvPr id="4" name="灯片编号占位符 3"/>
+          <p:cNvSpPr>
+            <a:spLocks noGrp="1"/>
+          </p:cNvSpPr>
+          <p:nvPr>
+            <p:ph type="sldNum" sz="quarter" idx="5"/>
+          </p:nvPr>
+        </p:nvSpPr>
+        <p:spPr/>
+        <p:txBody>
+          <a:bodyPr/>
+          <a:lstStyle/>
+          <a:p>
+            <a:fld id="{E39FA662-60CA-45D5-8BB1-0A7D21FB8FF0}" type="slidenum">
+              <a:rPr lang="zh-CN" altLang="en-US" smtClean="0"/>
+              <a:t>19</a:t>
+            </a:fld>
+            <a:endParaRPr lang="zh-CN" altLang="en-US"/>
+          </a:p>
+        </p:txBody>
+      </p:sp>
+    </p:spTree>
+    <p:extLst>
+      <p:ext uri="{BB962C8B-B14F-4D97-AF65-F5344CB8AC3E}">
+        <p14:creationId xmlns:p14="http://schemas.microsoft.com/office/powerpoint/2010/main" val="3741618995"/>
       </p:ext>
     </p:extLst>
   </p:cSld>
@@ -1357,6 +1528,90 @@
     <p:extLst>
       <p:ext uri="{BB962C8B-B14F-4D97-AF65-F5344CB8AC3E}">
         <p14:creationId xmlns:p14="http://schemas.microsoft.com/office/powerpoint/2010/main" val="3407264430"/>
+      </p:ext>
+    </p:extLst>
+  </p:cSld>
+  <p:clrMapOvr>
+    <a:masterClrMapping/>
+  </p:clrMapOvr>
+</p:notes>
+</file>
+
+<file path=ppt/notesSlides/notesSlide20.xml><?xml version="1.0" encoding="utf-8"?>
+<p:notes xmlns:a="http://schemas.openxmlformats.org/drawingml/2006/main" xmlns:r="http://schemas.openxmlformats.org/officeDocument/2006/relationships" xmlns:p="http://schemas.openxmlformats.org/presentationml/2006/main">
+  <p:cSld>
+    <p:spTree>
+      <p:nvGrpSpPr>
+        <p:cNvPr id="1" name=""/>
+        <p:cNvGrpSpPr/>
+        <p:nvPr/>
+      </p:nvGrpSpPr>
+      <p:grpSpPr>
+        <a:xfrm>
+          <a:off x="0" y="0"/>
+          <a:ext cx="0" cy="0"/>
+          <a:chOff x="0" y="0"/>
+          <a:chExt cx="0" cy="0"/>
+        </a:xfrm>
+      </p:grpSpPr>
+      <p:sp>
+        <p:nvSpPr>
+          <p:cNvPr id="2" name="幻灯片图像占位符 1"/>
+          <p:cNvSpPr>
+            <a:spLocks noGrp="1" noRot="1" noChangeAspect="1"/>
+          </p:cNvSpPr>
+          <p:nvPr>
+            <p:ph type="sldImg"/>
+          </p:nvPr>
+        </p:nvSpPr>
+        <p:spPr/>
+      </p:sp>
+      <p:sp>
+        <p:nvSpPr>
+          <p:cNvPr id="3" name="备注占位符 2"/>
+          <p:cNvSpPr>
+            <a:spLocks noGrp="1"/>
+          </p:cNvSpPr>
+          <p:nvPr>
+            <p:ph type="body" idx="1"/>
+          </p:nvPr>
+        </p:nvSpPr>
+        <p:spPr/>
+        <p:txBody>
+          <a:bodyPr/>
+          <a:lstStyle/>
+          <a:p>
+            <a:endParaRPr lang="zh-CN" altLang="en-US" dirty="0"/>
+          </a:p>
+        </p:txBody>
+      </p:sp>
+      <p:sp>
+        <p:nvSpPr>
+          <p:cNvPr id="4" name="灯片编号占位符 3"/>
+          <p:cNvSpPr>
+            <a:spLocks noGrp="1"/>
+          </p:cNvSpPr>
+          <p:nvPr>
+            <p:ph type="sldNum" sz="quarter" idx="5"/>
+          </p:nvPr>
+        </p:nvSpPr>
+        <p:spPr/>
+        <p:txBody>
+          <a:bodyPr/>
+          <a:lstStyle/>
+          <a:p>
+            <a:fld id="{E39FA662-60CA-45D5-8BB1-0A7D21FB8FF0}" type="slidenum">
+              <a:rPr lang="zh-CN" altLang="en-US" smtClean="0"/>
+              <a:t>20</a:t>
+            </a:fld>
+            <a:endParaRPr lang="zh-CN" altLang="en-US"/>
+          </a:p>
+        </p:txBody>
+      </p:sp>
+    </p:spTree>
+    <p:extLst>
+      <p:ext uri="{BB962C8B-B14F-4D97-AF65-F5344CB8AC3E}">
+        <p14:creationId xmlns:p14="http://schemas.microsoft.com/office/powerpoint/2010/main" val="3344493625"/>
       </p:ext>
     </p:extLst>
   </p:cSld>
@@ -1530,7 +1785,7 @@
     </p:spTree>
     <p:extLst>
       <p:ext uri="{BB962C8B-B14F-4D97-AF65-F5344CB8AC3E}">
-        <p14:creationId xmlns:p14="http://schemas.microsoft.com/office/powerpoint/2010/main" val="1428298652"/>
+        <p14:creationId xmlns:p14="http://schemas.microsoft.com/office/powerpoint/2010/main" val="3399794954"/>
       </p:ext>
     </p:extLst>
   </p:cSld>
@@ -1584,6 +1839,9 @@
           <a:bodyPr/>
           <a:lstStyle/>
           <a:p>
+            <a:pPr marL="228600" indent="-228600">
+              <a:buAutoNum type="arabicPeriod"/>
+            </a:pPr>
             <a:endParaRPr lang="en-US" altLang="zh-CN" dirty="0"/>
           </a:p>
         </p:txBody>
@@ -1614,7 +1872,7 @@
     </p:spTree>
     <p:extLst>
       <p:ext uri="{BB962C8B-B14F-4D97-AF65-F5344CB8AC3E}">
-        <p14:creationId xmlns:p14="http://schemas.microsoft.com/office/powerpoint/2010/main" val="1896620225"/>
+        <p14:creationId xmlns:p14="http://schemas.microsoft.com/office/powerpoint/2010/main" val="2899707417"/>
       </p:ext>
     </p:extLst>
   </p:cSld>
@@ -1668,6 +1926,9 @@
           <a:bodyPr/>
           <a:lstStyle/>
           <a:p>
+            <a:pPr marL="228600" indent="-228600">
+              <a:buAutoNum type="arabicPeriod"/>
+            </a:pPr>
             <a:endParaRPr lang="en-US" altLang="zh-CN" dirty="0"/>
           </a:p>
         </p:txBody>
@@ -1698,7 +1959,7 @@
     </p:spTree>
     <p:extLst>
       <p:ext uri="{BB962C8B-B14F-4D97-AF65-F5344CB8AC3E}">
-        <p14:creationId xmlns:p14="http://schemas.microsoft.com/office/powerpoint/2010/main" val="3282655697"/>
+        <p14:creationId xmlns:p14="http://schemas.microsoft.com/office/powerpoint/2010/main" val="1428298652"/>
       </p:ext>
     </p:extLst>
   </p:cSld>
@@ -1782,7 +2043,7 @@
     </p:spTree>
     <p:extLst>
       <p:ext uri="{BB962C8B-B14F-4D97-AF65-F5344CB8AC3E}">
-        <p14:creationId xmlns:p14="http://schemas.microsoft.com/office/powerpoint/2010/main" val="1278288585"/>
+        <p14:creationId xmlns:p14="http://schemas.microsoft.com/office/powerpoint/2010/main" val="1896620225"/>
       </p:ext>
     </p:extLst>
   </p:cSld>
@@ -1866,7 +2127,7 @@
     </p:spTree>
     <p:extLst>
       <p:ext uri="{BB962C8B-B14F-4D97-AF65-F5344CB8AC3E}">
-        <p14:creationId xmlns:p14="http://schemas.microsoft.com/office/powerpoint/2010/main" val="2271989615"/>
+        <p14:creationId xmlns:p14="http://schemas.microsoft.com/office/powerpoint/2010/main" val="3282655697"/>
       </p:ext>
     </p:extLst>
   </p:cSld>
@@ -1950,7 +2211,7 @@
     </p:spTree>
     <p:extLst>
       <p:ext uri="{BB962C8B-B14F-4D97-AF65-F5344CB8AC3E}">
-        <p14:creationId xmlns:p14="http://schemas.microsoft.com/office/powerpoint/2010/main" val="3611980438"/>
+        <p14:creationId xmlns:p14="http://schemas.microsoft.com/office/powerpoint/2010/main" val="1278288585"/>
       </p:ext>
     </p:extLst>
   </p:cSld>
@@ -2107,7 +2368,7 @@
           <a:p>
             <a:fld id="{5647DC1B-4743-47FE-A400-A2B750CAD470}" type="datetimeFigureOut">
               <a:rPr lang="zh-CN" altLang="en-US" smtClean="0"/>
-              <a:t>2023-11-05</a:t>
+              <a:t>2023-11-06</a:t>
             </a:fld>
             <a:endParaRPr lang="zh-CN" altLang="en-US"/>
           </a:p>
@@ -2305,7 +2566,7 @@
           <a:p>
             <a:fld id="{5647DC1B-4743-47FE-A400-A2B750CAD470}" type="datetimeFigureOut">
               <a:rPr lang="zh-CN" altLang="en-US" smtClean="0"/>
-              <a:t>2023-11-05</a:t>
+              <a:t>2023-11-06</a:t>
             </a:fld>
             <a:endParaRPr lang="zh-CN" altLang="en-US"/>
           </a:p>
@@ -2513,7 +2774,7 @@
           <a:p>
             <a:fld id="{5647DC1B-4743-47FE-A400-A2B750CAD470}" type="datetimeFigureOut">
               <a:rPr lang="zh-CN" altLang="en-US" smtClean="0"/>
-              <a:t>2023-11-05</a:t>
+              <a:t>2023-11-06</a:t>
             </a:fld>
             <a:endParaRPr lang="zh-CN" altLang="en-US"/>
           </a:p>
@@ -2711,7 +2972,7 @@
           <a:p>
             <a:fld id="{5647DC1B-4743-47FE-A400-A2B750CAD470}" type="datetimeFigureOut">
               <a:rPr lang="zh-CN" altLang="en-US" smtClean="0"/>
-              <a:t>2023-11-05</a:t>
+              <a:t>2023-11-06</a:t>
             </a:fld>
             <a:endParaRPr lang="zh-CN" altLang="en-US"/>
           </a:p>
@@ -2986,7 +3247,7 @@
           <a:p>
             <a:fld id="{5647DC1B-4743-47FE-A400-A2B750CAD470}" type="datetimeFigureOut">
               <a:rPr lang="zh-CN" altLang="en-US" smtClean="0"/>
-              <a:t>2023-11-05</a:t>
+              <a:t>2023-11-06</a:t>
             </a:fld>
             <a:endParaRPr lang="zh-CN" altLang="en-US"/>
           </a:p>
@@ -3251,7 +3512,7 @@
           <a:p>
             <a:fld id="{5647DC1B-4743-47FE-A400-A2B750CAD470}" type="datetimeFigureOut">
               <a:rPr lang="zh-CN" altLang="en-US" smtClean="0"/>
-              <a:t>2023-11-05</a:t>
+              <a:t>2023-11-06</a:t>
             </a:fld>
             <a:endParaRPr lang="zh-CN" altLang="en-US"/>
           </a:p>
@@ -3663,7 +3924,7 @@
           <a:p>
             <a:fld id="{5647DC1B-4743-47FE-A400-A2B750CAD470}" type="datetimeFigureOut">
               <a:rPr lang="zh-CN" altLang="en-US" smtClean="0"/>
-              <a:t>2023-11-05</a:t>
+              <a:t>2023-11-06</a:t>
             </a:fld>
             <a:endParaRPr lang="zh-CN" altLang="en-US"/>
           </a:p>
@@ -3804,7 +4065,7 @@
           <a:p>
             <a:fld id="{5647DC1B-4743-47FE-A400-A2B750CAD470}" type="datetimeFigureOut">
               <a:rPr lang="zh-CN" altLang="en-US" smtClean="0"/>
-              <a:t>2023-11-05</a:t>
+              <a:t>2023-11-06</a:t>
             </a:fld>
             <a:endParaRPr lang="zh-CN" altLang="en-US"/>
           </a:p>
@@ -3917,7 +4178,7 @@
           <a:p>
             <a:fld id="{5647DC1B-4743-47FE-A400-A2B750CAD470}" type="datetimeFigureOut">
               <a:rPr lang="zh-CN" altLang="en-US" smtClean="0"/>
-              <a:t>2023-11-05</a:t>
+              <a:t>2023-11-06</a:t>
             </a:fld>
             <a:endParaRPr lang="zh-CN" altLang="en-US"/>
           </a:p>
@@ -4228,7 +4489,7 @@
           <a:p>
             <a:fld id="{5647DC1B-4743-47FE-A400-A2B750CAD470}" type="datetimeFigureOut">
               <a:rPr lang="zh-CN" altLang="en-US" smtClean="0"/>
-              <a:t>2023-11-05</a:t>
+              <a:t>2023-11-06</a:t>
             </a:fld>
             <a:endParaRPr lang="zh-CN" altLang="en-US"/>
           </a:p>
@@ -4516,7 +4777,7 @@
           <a:p>
             <a:fld id="{5647DC1B-4743-47FE-A400-A2B750CAD470}" type="datetimeFigureOut">
               <a:rPr lang="zh-CN" altLang="en-US" smtClean="0"/>
-              <a:t>2023-11-05</a:t>
+              <a:t>2023-11-06</a:t>
             </a:fld>
             <a:endParaRPr lang="zh-CN" altLang="en-US"/>
           </a:p>
@@ -4757,7 +5018,7 @@
           <a:p>
             <a:fld id="{5647DC1B-4743-47FE-A400-A2B750CAD470}" type="datetimeFigureOut">
               <a:rPr lang="zh-CN" altLang="en-US" smtClean="0"/>
-              <a:t>2023-11-05</a:t>
+              <a:t>2023-11-06</a:t>
             </a:fld>
             <a:endParaRPr lang="zh-CN" altLang="en-US"/>
           </a:p>
@@ -5301,6 +5562,6188 @@
       </p:grpSpPr>
       <p:sp>
         <p:nvSpPr>
+          <p:cNvPr id="55" name="文本框 54">
+            <a:extLst>
+              <a:ext uri="{FF2B5EF4-FFF2-40B4-BE49-F238E27FC236}">
+                <a16:creationId xmlns:a16="http://schemas.microsoft.com/office/drawing/2014/main" id="{32A2BE86-86A6-F1FC-83EE-91A826B532E5}"/>
+              </a:ext>
+            </a:extLst>
+          </p:cNvPr>
+          <p:cNvSpPr txBox="1"/>
+          <p:nvPr/>
+        </p:nvSpPr>
+        <p:spPr>
+          <a:xfrm>
+            <a:off x="609599" y="106251"/>
+            <a:ext cx="6898481" cy="461665"/>
+          </a:xfrm>
+          <a:prstGeom prst="rect">
+            <a:avLst/>
+          </a:prstGeom>
+          <a:noFill/>
+        </p:spPr>
+        <p:txBody>
+          <a:bodyPr wrap="square" rtlCol="0">
+            <a:spAutoFit/>
+          </a:bodyPr>
+          <a:lstStyle>
+            <a:defPPr>
+              <a:defRPr lang="zh-CN"/>
+            </a:defPPr>
+            <a:lvl1pPr>
+              <a:defRPr sz="2400">
+                <a:latin typeface="Consolas" panose="020B0609020204030204" pitchFamily="49" charset="0"/>
+                <a:cs typeface="Times New Roman" panose="02020603050405020304" pitchFamily="18" charset="0"/>
+              </a:defRPr>
+            </a:lvl1pPr>
+          </a:lstStyle>
+          <a:p>
+            <a:r>
+              <a:rPr lang="en-US" altLang="zh-CN" dirty="0"/>
+              <a:t>Part_2: </a:t>
+            </a:r>
+            <a:r>
+              <a:rPr lang="en-US" altLang="zh-CN" sz="1400" dirty="0"/>
+              <a:t>Paper Reading</a:t>
+            </a:r>
+          </a:p>
+        </p:txBody>
+      </p:sp>
+      <p:sp>
+        <p:nvSpPr>
+          <p:cNvPr id="8" name="文本框 7">
+            <a:extLst>
+              <a:ext uri="{FF2B5EF4-FFF2-40B4-BE49-F238E27FC236}">
+                <a16:creationId xmlns:a16="http://schemas.microsoft.com/office/drawing/2014/main" id="{43ECD4F3-F35E-2206-FF84-688217EDEE5A}"/>
+              </a:ext>
+            </a:extLst>
+          </p:cNvPr>
+          <p:cNvSpPr txBox="1"/>
+          <p:nvPr/>
+        </p:nvSpPr>
+        <p:spPr>
+          <a:xfrm>
+            <a:off x="134577" y="737107"/>
+            <a:ext cx="9524679" cy="5355312"/>
+          </a:xfrm>
+          <a:prstGeom prst="rect">
+            <a:avLst/>
+          </a:prstGeom>
+          <a:noFill/>
+        </p:spPr>
+        <p:txBody>
+          <a:bodyPr wrap="square">
+            <a:spAutoFit/>
+          </a:bodyPr>
+          <a:lstStyle/>
+          <a:p>
+            <a:pPr lvl="1"/>
+            <a:r>
+              <a:rPr lang="en-US" altLang="zh-CN" dirty="0"/>
+              <a:t>Paper_3: k-Shape</a:t>
+            </a:r>
+          </a:p>
+          <a:p>
+            <a:pPr lvl="1"/>
+            <a:endParaRPr lang="en-US" altLang="zh-CN" dirty="0"/>
+          </a:p>
+          <a:p>
+            <a:pPr lvl="1"/>
+            <a:r>
+              <a:rPr lang="en-US" altLang="zh-CN" dirty="0"/>
+              <a:t>NLAAF: Nonlinear alignment and averaging filters</a:t>
+            </a:r>
+          </a:p>
+          <a:p>
+            <a:pPr lvl="1"/>
+            <a:endParaRPr lang="en-US" altLang="zh-CN" dirty="0"/>
+          </a:p>
+          <a:p>
+            <a:pPr lvl="1"/>
+            <a:endParaRPr lang="en-US" altLang="zh-CN" dirty="0"/>
+          </a:p>
+          <a:p>
+            <a:pPr lvl="1"/>
+            <a:r>
+              <a:rPr lang="en-US" altLang="zh-CN" dirty="0"/>
+              <a:t>PSA: Prioritized shape averaging</a:t>
+            </a:r>
+          </a:p>
+          <a:p>
+            <a:pPr lvl="1"/>
+            <a:endParaRPr lang="en-US" altLang="zh-CN" dirty="0"/>
+          </a:p>
+          <a:p>
+            <a:pPr lvl="1"/>
+            <a:endParaRPr lang="en-US" altLang="zh-CN" dirty="0"/>
+          </a:p>
+          <a:p>
+            <a:pPr lvl="1"/>
+            <a:r>
+              <a:rPr lang="en-US" altLang="zh-CN" dirty="0"/>
+              <a:t>RSTMF: Ranking Shape-based Template Matching Framework</a:t>
+            </a:r>
+          </a:p>
+          <a:p>
+            <a:pPr lvl="1"/>
+            <a:endParaRPr lang="en-US" altLang="zh-CN" dirty="0"/>
+          </a:p>
+          <a:p>
+            <a:pPr lvl="1"/>
+            <a:endParaRPr lang="en-US" altLang="zh-CN" dirty="0"/>
+          </a:p>
+          <a:p>
+            <a:pPr lvl="1"/>
+            <a:r>
+              <a:rPr lang="en-US" altLang="zh-CN" dirty="0"/>
+              <a:t>DBA: Dynamic Time Warping Barycenter Averaging</a:t>
+            </a:r>
+          </a:p>
+          <a:p>
+            <a:pPr lvl="1"/>
+            <a:endParaRPr lang="en-US" altLang="zh-CN" dirty="0"/>
+          </a:p>
+          <a:p>
+            <a:pPr lvl="1"/>
+            <a:endParaRPr lang="en-US" altLang="zh-CN" dirty="0"/>
+          </a:p>
+          <a:p>
+            <a:pPr lvl="1"/>
+            <a:r>
+              <a:rPr lang="en-US" altLang="zh-CN" dirty="0"/>
+              <a:t>KSC: K-Spectral Centroid Clustering</a:t>
+            </a:r>
+          </a:p>
+          <a:p>
+            <a:pPr lvl="1"/>
+            <a:endParaRPr lang="en-US" altLang="zh-CN" dirty="0"/>
+          </a:p>
+          <a:p>
+            <a:pPr lvl="1"/>
+            <a:endParaRPr lang="en-US" altLang="zh-CN" dirty="0"/>
+          </a:p>
+          <a:p>
+            <a:pPr lvl="1"/>
+            <a:r>
+              <a:rPr lang="en-US" altLang="zh-CN" dirty="0"/>
+              <a:t>Matrix Decomposition</a:t>
+            </a:r>
+            <a:endParaRPr lang="zh-CN" altLang="en-US" dirty="0"/>
+          </a:p>
+          <a:p>
+            <a:pPr lvl="1"/>
+            <a:endParaRPr lang="en-US" altLang="zh-CN" dirty="0"/>
+          </a:p>
+        </p:txBody>
+      </p:sp>
+    </p:spTree>
+    <p:extLst>
+      <p:ext uri="{BB962C8B-B14F-4D97-AF65-F5344CB8AC3E}">
+        <p14:creationId xmlns:p14="http://schemas.microsoft.com/office/powerpoint/2010/main" val="319194230"/>
+      </p:ext>
+    </p:extLst>
+  </p:cSld>
+  <p:clrMapOvr>
+    <a:masterClrMapping/>
+  </p:clrMapOvr>
+</p:sld>
+</file>
+
+<file path=ppt/slides/slide11.xml><?xml version="1.0" encoding="utf-8"?>
+<p:sld xmlns:a="http://schemas.openxmlformats.org/drawingml/2006/main" xmlns:r="http://schemas.openxmlformats.org/officeDocument/2006/relationships" xmlns:p="http://schemas.openxmlformats.org/presentationml/2006/main">
+  <p:cSld>
+    <p:spTree>
+      <p:nvGrpSpPr>
+        <p:cNvPr id="1" name=""/>
+        <p:cNvGrpSpPr/>
+        <p:nvPr/>
+      </p:nvGrpSpPr>
+      <p:grpSpPr>
+        <a:xfrm>
+          <a:off x="0" y="0"/>
+          <a:ext cx="0" cy="0"/>
+          <a:chOff x="0" y="0"/>
+          <a:chExt cx="0" cy="0"/>
+        </a:xfrm>
+      </p:grpSpPr>
+      <p:sp>
+        <p:nvSpPr>
+          <p:cNvPr id="63" name="文本框 62">
+            <a:extLst>
+              <a:ext uri="{FF2B5EF4-FFF2-40B4-BE49-F238E27FC236}">
+                <a16:creationId xmlns:a16="http://schemas.microsoft.com/office/drawing/2014/main" id="{204AE680-9190-FAD6-3CF8-9C593C260F05}"/>
+              </a:ext>
+            </a:extLst>
+          </p:cNvPr>
+          <p:cNvSpPr txBox="1"/>
+          <p:nvPr/>
+        </p:nvSpPr>
+        <p:spPr>
+          <a:xfrm>
+            <a:off x="609599" y="106251"/>
+            <a:ext cx="6400801" cy="461665"/>
+          </a:xfrm>
+          <a:prstGeom prst="rect">
+            <a:avLst/>
+          </a:prstGeom>
+          <a:noFill/>
+        </p:spPr>
+        <p:txBody>
+          <a:bodyPr wrap="square" rtlCol="0">
+            <a:spAutoFit/>
+          </a:bodyPr>
+          <a:lstStyle>
+            <a:defPPr>
+              <a:defRPr lang="zh-CN"/>
+            </a:defPPr>
+            <a:lvl1pPr>
+              <a:defRPr sz="2400">
+                <a:latin typeface="Consolas" panose="020B0609020204030204" pitchFamily="49" charset="0"/>
+                <a:cs typeface="Times New Roman" panose="02020603050405020304" pitchFamily="18" charset="0"/>
+              </a:defRPr>
+            </a:lvl1pPr>
+          </a:lstStyle>
+          <a:p>
+            <a:r>
+              <a:rPr lang="en-US" altLang="zh-CN" dirty="0"/>
+              <a:t>Work_3: </a:t>
+            </a:r>
+            <a:r>
+              <a:rPr lang="en-US" altLang="zh-CN" sz="1400" dirty="0"/>
+              <a:t>Learning Progress and Future Learning Plan</a:t>
+            </a:r>
+          </a:p>
+        </p:txBody>
+      </p:sp>
+      <p:sp>
+        <p:nvSpPr>
+          <p:cNvPr id="2" name="文本框 1">
+            <a:extLst>
+              <a:ext uri="{FF2B5EF4-FFF2-40B4-BE49-F238E27FC236}">
+                <a16:creationId xmlns:a16="http://schemas.microsoft.com/office/drawing/2014/main" id="{83F21988-D9C8-EEB1-82D8-632A3509FA1C}"/>
+              </a:ext>
+            </a:extLst>
+          </p:cNvPr>
+          <p:cNvSpPr txBox="1"/>
+          <p:nvPr/>
+        </p:nvSpPr>
+        <p:spPr>
+          <a:xfrm>
+            <a:off x="703943" y="776514"/>
+            <a:ext cx="10522857" cy="2862322"/>
+          </a:xfrm>
+          <a:prstGeom prst="rect">
+            <a:avLst/>
+          </a:prstGeom>
+          <a:noFill/>
+        </p:spPr>
+        <p:txBody>
+          <a:bodyPr wrap="square" rtlCol="0">
+            <a:spAutoFit/>
+          </a:bodyPr>
+          <a:lstStyle/>
+          <a:p>
+            <a:r>
+              <a:rPr lang="zh-CN" altLang="en-US" dirty="0"/>
+              <a:t>已经完成的</a:t>
+            </a:r>
+            <a:r>
+              <a:rPr lang="en-US" altLang="zh-CN" dirty="0"/>
+              <a:t>:</a:t>
+            </a:r>
+          </a:p>
+          <a:p>
+            <a:endParaRPr lang="en-US" altLang="zh-CN" dirty="0"/>
+          </a:p>
+          <a:p>
+            <a:pPr marL="342900" indent="-342900">
+              <a:buAutoNum type="arabicPeriod"/>
+            </a:pPr>
+            <a:r>
+              <a:rPr lang="en-US" altLang="zh-CN" dirty="0"/>
+              <a:t>EE120 (all videos and lectures)</a:t>
+            </a:r>
+          </a:p>
+          <a:p>
+            <a:pPr marL="342900" indent="-342900">
+              <a:buAutoNum type="arabicPeriod"/>
+            </a:pPr>
+            <a:r>
+              <a:rPr lang="en-US" altLang="zh-CN" dirty="0"/>
+              <a:t>Complex Functions and Integral Transforms (completed half of the exercise book)</a:t>
+            </a:r>
+          </a:p>
+          <a:p>
+            <a:pPr marL="342900" indent="-342900">
+              <a:buAutoNum type="arabicPeriod"/>
+            </a:pPr>
+            <a:endParaRPr lang="en-US" altLang="zh-CN" dirty="0"/>
+          </a:p>
+          <a:p>
+            <a:endParaRPr lang="en-US" altLang="zh-CN" dirty="0"/>
+          </a:p>
+          <a:p>
+            <a:r>
+              <a:rPr lang="zh-CN" altLang="en-US" dirty="0"/>
+              <a:t>接下来打算做的：</a:t>
+            </a:r>
+            <a:endParaRPr lang="en-US" altLang="zh-CN" dirty="0"/>
+          </a:p>
+          <a:p>
+            <a:pPr marL="342900" indent="-342900">
+              <a:buAutoNum type="arabicPeriod"/>
+            </a:pPr>
+            <a:r>
+              <a:rPr lang="zh-CN" altLang="en-US" dirty="0"/>
+              <a:t>现代数字信号处理</a:t>
+            </a:r>
+            <a:r>
+              <a:rPr lang="en-US" altLang="zh-CN" dirty="0"/>
+              <a:t>I</a:t>
+            </a:r>
+          </a:p>
+          <a:p>
+            <a:pPr marL="342900" indent="-342900">
+              <a:buAutoNum type="arabicPeriod"/>
+            </a:pPr>
+            <a:r>
+              <a:rPr lang="zh-CN" altLang="en-US" dirty="0"/>
+              <a:t>现在数字信号处理</a:t>
+            </a:r>
+            <a:r>
+              <a:rPr lang="en-US" altLang="zh-CN" dirty="0"/>
+              <a:t>II </a:t>
+            </a:r>
+          </a:p>
+          <a:p>
+            <a:r>
+              <a:rPr lang="en-US" altLang="zh-CN" dirty="0"/>
+              <a:t>(</a:t>
+            </a:r>
+            <a:r>
+              <a:rPr lang="zh-CN" altLang="en-US" b="0" i="0" dirty="0">
+                <a:solidFill>
+                  <a:srgbClr val="18191C"/>
+                </a:solidFill>
+                <a:effectLst/>
+                <a:latin typeface="PingFang SC"/>
+              </a:rPr>
+              <a:t>列信号处理、时频分析、压缩感知、贝叶斯方法</a:t>
+            </a:r>
+            <a:r>
+              <a:rPr lang="en-US" altLang="zh-CN" dirty="0"/>
+              <a:t>)</a:t>
+            </a:r>
+          </a:p>
+        </p:txBody>
+      </p:sp>
+      <p:pic>
+        <p:nvPicPr>
+          <p:cNvPr id="9" name="图片 8">
+            <a:extLst>
+              <a:ext uri="{FF2B5EF4-FFF2-40B4-BE49-F238E27FC236}">
+                <a16:creationId xmlns:a16="http://schemas.microsoft.com/office/drawing/2014/main" id="{9F0DF3EA-DF71-889D-DC00-CFFA65C6846D}"/>
+              </a:ext>
+            </a:extLst>
+          </p:cNvPr>
+          <p:cNvPicPr>
+            <a:picLocks noChangeAspect="1"/>
+          </p:cNvPicPr>
+          <p:nvPr/>
+        </p:nvPicPr>
+        <p:blipFill rotWithShape="1">
+          <a:blip r:embed="rId3"/>
+          <a:srcRect r="39409"/>
+          <a:stretch/>
+        </p:blipFill>
+        <p:spPr>
+          <a:xfrm>
+            <a:off x="8249720" y="2125666"/>
+            <a:ext cx="1630118" cy="2740993"/>
+          </a:xfrm>
+          <a:prstGeom prst="rect">
+            <a:avLst/>
+          </a:prstGeom>
+        </p:spPr>
+      </p:pic>
+      <p:pic>
+        <p:nvPicPr>
+          <p:cNvPr id="15" name="图片 14">
+            <a:extLst>
+              <a:ext uri="{FF2B5EF4-FFF2-40B4-BE49-F238E27FC236}">
+                <a16:creationId xmlns:a16="http://schemas.microsoft.com/office/drawing/2014/main" id="{779C41A8-3A07-F1CB-D9E5-058891249DFE}"/>
+              </a:ext>
+            </a:extLst>
+          </p:cNvPr>
+          <p:cNvPicPr>
+            <a:picLocks noChangeAspect="1"/>
+          </p:cNvPicPr>
+          <p:nvPr/>
+        </p:nvPicPr>
+        <p:blipFill rotWithShape="1">
+          <a:blip r:embed="rId4"/>
+          <a:srcRect r="17025"/>
+          <a:stretch/>
+        </p:blipFill>
+        <p:spPr>
+          <a:xfrm>
+            <a:off x="9879838" y="2125667"/>
+            <a:ext cx="2312162" cy="2740993"/>
+          </a:xfrm>
+          <a:prstGeom prst="rect">
+            <a:avLst/>
+          </a:prstGeom>
+        </p:spPr>
+      </p:pic>
+      <p:sp>
+        <p:nvSpPr>
+          <p:cNvPr id="3" name="文本框 2">
+            <a:extLst>
+              <a:ext uri="{FF2B5EF4-FFF2-40B4-BE49-F238E27FC236}">
+                <a16:creationId xmlns:a16="http://schemas.microsoft.com/office/drawing/2014/main" id="{2FCE5A5B-C1EF-0E6E-FD4B-81D319F00A3D}"/>
+              </a:ext>
+            </a:extLst>
+          </p:cNvPr>
+          <p:cNvSpPr txBox="1"/>
+          <p:nvPr/>
+        </p:nvSpPr>
+        <p:spPr>
+          <a:xfrm>
+            <a:off x="703944" y="3989496"/>
+            <a:ext cx="5829592" cy="1754326"/>
+          </a:xfrm>
+          <a:prstGeom prst="rect">
+            <a:avLst/>
+          </a:prstGeom>
+          <a:noFill/>
+        </p:spPr>
+        <p:txBody>
+          <a:bodyPr wrap="square" rtlCol="0">
+            <a:spAutoFit/>
+          </a:bodyPr>
+          <a:lstStyle/>
+          <a:p>
+            <a:r>
+              <a:rPr lang="zh-CN" altLang="en-US" dirty="0"/>
+              <a:t>接来下的科研方向：</a:t>
+            </a:r>
+            <a:endParaRPr lang="en-US" altLang="zh-CN" dirty="0"/>
+          </a:p>
+          <a:p>
+            <a:pPr marL="342900" indent="-342900">
+              <a:buAutoNum type="arabicPeriod"/>
+            </a:pPr>
+            <a:r>
+              <a:rPr lang="zh-CN" altLang="en-US" dirty="0"/>
+              <a:t>对</a:t>
+            </a:r>
+            <a:r>
+              <a:rPr lang="en-US" altLang="zh-CN" dirty="0"/>
+              <a:t>K-shape</a:t>
+            </a:r>
+            <a:r>
+              <a:rPr lang="zh-CN" altLang="en-US" dirty="0"/>
+              <a:t>中提及的方法进行进一步的尝试</a:t>
+            </a:r>
+            <a:endParaRPr lang="en-US" altLang="zh-CN" dirty="0"/>
+          </a:p>
+          <a:p>
+            <a:pPr marL="342900" indent="-342900">
+              <a:buAutoNum type="arabicPeriod"/>
+            </a:pPr>
+            <a:r>
+              <a:rPr lang="zh-CN" altLang="en-US" dirty="0"/>
+              <a:t>在数据挖掘期刊中，进一步寻找最新的方法</a:t>
+            </a:r>
+            <a:endParaRPr lang="en-US" altLang="zh-CN" dirty="0"/>
+          </a:p>
+          <a:p>
+            <a:pPr marL="342900" indent="-342900">
+              <a:buAutoNum type="arabicPeriod"/>
+            </a:pPr>
+            <a:r>
+              <a:rPr lang="zh-CN" altLang="en-US" dirty="0"/>
+              <a:t>寻找能对频域进行有效分解的算法</a:t>
+            </a:r>
+            <a:endParaRPr lang="en-US" altLang="zh-CN" dirty="0"/>
+          </a:p>
+          <a:p>
+            <a:pPr marL="342900" indent="-342900">
+              <a:buAutoNum type="arabicPeriod"/>
+            </a:pPr>
+            <a:r>
+              <a:rPr lang="zh-CN" altLang="en-US" dirty="0"/>
+              <a:t>慢慢探索真实数据集</a:t>
+            </a:r>
+            <a:endParaRPr lang="en-US" altLang="zh-CN" dirty="0"/>
+          </a:p>
+          <a:p>
+            <a:pPr marL="342900" indent="-342900">
+              <a:buAutoNum type="arabicPeriod"/>
+            </a:pPr>
+            <a:endParaRPr lang="en-US" altLang="zh-CN" dirty="0"/>
+          </a:p>
+        </p:txBody>
+      </p:sp>
+    </p:spTree>
+    <p:extLst>
+      <p:ext uri="{BB962C8B-B14F-4D97-AF65-F5344CB8AC3E}">
+        <p14:creationId xmlns:p14="http://schemas.microsoft.com/office/powerpoint/2010/main" val="1512982219"/>
+      </p:ext>
+    </p:extLst>
+  </p:cSld>
+  <p:clrMapOvr>
+    <a:masterClrMapping/>
+  </p:clrMapOvr>
+</p:sld>
+</file>
+
+<file path=ppt/slides/slide12.xml><?xml version="1.0" encoding="utf-8"?>
+<p:sld xmlns:a="http://schemas.openxmlformats.org/drawingml/2006/main" xmlns:r="http://schemas.openxmlformats.org/officeDocument/2006/relationships" xmlns:p="http://schemas.openxmlformats.org/presentationml/2006/main">
+  <p:cSld>
+    <p:spTree>
+      <p:nvGrpSpPr>
+        <p:cNvPr id="1" name=""/>
+        <p:cNvGrpSpPr/>
+        <p:nvPr/>
+      </p:nvGrpSpPr>
+      <p:grpSpPr>
+        <a:xfrm>
+          <a:off x="0" y="0"/>
+          <a:ext cx="0" cy="0"/>
+          <a:chOff x="0" y="0"/>
+          <a:chExt cx="0" cy="0"/>
+        </a:xfrm>
+      </p:grpSpPr>
+      <p:sp>
+        <p:nvSpPr>
+          <p:cNvPr id="2" name="文本框 1">
+            <a:extLst>
+              <a:ext uri="{FF2B5EF4-FFF2-40B4-BE49-F238E27FC236}">
+                <a16:creationId xmlns:a16="http://schemas.microsoft.com/office/drawing/2014/main" id="{4301BE2B-0820-0143-B72A-D9CEA12265BD}"/>
+              </a:ext>
+            </a:extLst>
+          </p:cNvPr>
+          <p:cNvSpPr txBox="1"/>
+          <p:nvPr/>
+        </p:nvSpPr>
+        <p:spPr>
+          <a:xfrm>
+            <a:off x="1122218" y="423950"/>
+            <a:ext cx="7645697" cy="461665"/>
+          </a:xfrm>
+          <a:prstGeom prst="rect">
+            <a:avLst/>
+          </a:prstGeom>
+          <a:noFill/>
+        </p:spPr>
+        <p:txBody>
+          <a:bodyPr wrap="square" rtlCol="0">
+            <a:spAutoFit/>
+          </a:bodyPr>
+          <a:lstStyle>
+            <a:defPPr>
+              <a:defRPr lang="zh-CN"/>
+            </a:defPPr>
+            <a:lvl1pPr>
+              <a:defRPr sz="2400">
+                <a:latin typeface="Consolas" panose="020B0609020204030204" pitchFamily="49" charset="0"/>
+                <a:cs typeface="Times New Roman" panose="02020603050405020304" pitchFamily="18" charset="0"/>
+              </a:defRPr>
+            </a:lvl1pPr>
+          </a:lstStyle>
+          <a:p>
+            <a:r>
+              <a:rPr lang="en-US" altLang="zh-CN" dirty="0"/>
+              <a:t>Some Thoughts about My Undergraduate Thesis</a:t>
+            </a:r>
+            <a:endParaRPr lang="en-US" altLang="zh-CN" sz="1400" dirty="0"/>
+          </a:p>
+        </p:txBody>
+      </p:sp>
+      <p:sp>
+        <p:nvSpPr>
+          <p:cNvPr id="4" name="文本框 3">
+            <a:extLst>
+              <a:ext uri="{FF2B5EF4-FFF2-40B4-BE49-F238E27FC236}">
+                <a16:creationId xmlns:a16="http://schemas.microsoft.com/office/drawing/2014/main" id="{634643DC-48E7-FBAD-A6E6-15E027B3BE4D}"/>
+              </a:ext>
+            </a:extLst>
+          </p:cNvPr>
+          <p:cNvSpPr txBox="1"/>
+          <p:nvPr/>
+        </p:nvSpPr>
+        <p:spPr>
+          <a:xfrm>
+            <a:off x="1216742" y="1047135"/>
+            <a:ext cx="9682316" cy="369332"/>
+          </a:xfrm>
+          <a:prstGeom prst="rect">
+            <a:avLst/>
+          </a:prstGeom>
+          <a:noFill/>
+        </p:spPr>
+        <p:txBody>
+          <a:bodyPr wrap="square" rtlCol="0">
+            <a:spAutoFit/>
+          </a:bodyPr>
+          <a:lstStyle/>
+          <a:p>
+            <a:r>
+              <a:rPr lang="en-US" altLang="zh-CN" dirty="0"/>
+              <a:t>I hope it is a framework for any periodic physical signal</a:t>
+            </a:r>
+          </a:p>
+        </p:txBody>
+      </p:sp>
+      <p:sp>
+        <p:nvSpPr>
+          <p:cNvPr id="5" name="矩形 4">
+            <a:extLst>
+              <a:ext uri="{FF2B5EF4-FFF2-40B4-BE49-F238E27FC236}">
+                <a16:creationId xmlns:a16="http://schemas.microsoft.com/office/drawing/2014/main" id="{A03AC945-4149-9314-274C-A7CF6B60170C}"/>
+              </a:ext>
+            </a:extLst>
+          </p:cNvPr>
+          <p:cNvSpPr/>
+          <p:nvPr/>
+        </p:nvSpPr>
+        <p:spPr>
+          <a:xfrm>
+            <a:off x="3365363" y="1977597"/>
+            <a:ext cx="2544097" cy="1106129"/>
+          </a:xfrm>
+          <a:prstGeom prst="rect">
+            <a:avLst/>
+          </a:prstGeom>
+          <a:noFill/>
+          <a:ln>
+            <a:solidFill>
+              <a:schemeClr val="tx1"/>
+            </a:solidFill>
+          </a:ln>
+        </p:spPr>
+        <p:style>
+          <a:lnRef idx="2">
+            <a:schemeClr val="accent1">
+              <a:shade val="15000"/>
+            </a:schemeClr>
+          </a:lnRef>
+          <a:fillRef idx="1">
+            <a:schemeClr val="accent1"/>
+          </a:fillRef>
+          <a:effectRef idx="0">
+            <a:schemeClr val="accent1"/>
+          </a:effectRef>
+          <a:fontRef idx="minor">
+            <a:schemeClr val="lt1"/>
+          </a:fontRef>
+        </p:style>
+        <p:txBody>
+          <a:bodyPr rtlCol="0" anchor="ctr"/>
+          <a:lstStyle/>
+          <a:p>
+            <a:pPr algn="ctr"/>
+            <a:r>
+              <a:rPr lang="en-US" altLang="zh-CN" dirty="0">
+                <a:solidFill>
+                  <a:schemeClr val="tx1"/>
+                </a:solidFill>
+              </a:rPr>
+              <a:t>Segmentation</a:t>
+            </a:r>
+            <a:endParaRPr lang="zh-CN" altLang="en-US" dirty="0">
+              <a:solidFill>
+                <a:schemeClr val="tx1"/>
+              </a:solidFill>
+            </a:endParaRPr>
+          </a:p>
+        </p:txBody>
+      </p:sp>
+      <p:sp>
+        <p:nvSpPr>
+          <p:cNvPr id="6" name="矩形 5">
+            <a:extLst>
+              <a:ext uri="{FF2B5EF4-FFF2-40B4-BE49-F238E27FC236}">
+                <a16:creationId xmlns:a16="http://schemas.microsoft.com/office/drawing/2014/main" id="{7B8A2C0D-3203-C334-45AB-BCDC6F5F1BA4}"/>
+              </a:ext>
+            </a:extLst>
+          </p:cNvPr>
+          <p:cNvSpPr/>
+          <p:nvPr/>
+        </p:nvSpPr>
+        <p:spPr>
+          <a:xfrm>
+            <a:off x="6781799" y="1976283"/>
+            <a:ext cx="2544097" cy="1106129"/>
+          </a:xfrm>
+          <a:prstGeom prst="rect">
+            <a:avLst/>
+          </a:prstGeom>
+          <a:noFill/>
+          <a:ln>
+            <a:solidFill>
+              <a:schemeClr val="tx1"/>
+            </a:solidFill>
+          </a:ln>
+        </p:spPr>
+        <p:style>
+          <a:lnRef idx="2">
+            <a:schemeClr val="accent1">
+              <a:shade val="15000"/>
+            </a:schemeClr>
+          </a:lnRef>
+          <a:fillRef idx="1">
+            <a:schemeClr val="accent1"/>
+          </a:fillRef>
+          <a:effectRef idx="0">
+            <a:schemeClr val="accent1"/>
+          </a:effectRef>
+          <a:fontRef idx="minor">
+            <a:schemeClr val="lt1"/>
+          </a:fontRef>
+        </p:style>
+        <p:txBody>
+          <a:bodyPr rtlCol="0" anchor="ctr"/>
+          <a:lstStyle/>
+          <a:p>
+            <a:pPr algn="ctr"/>
+            <a:r>
+              <a:rPr lang="en-US" altLang="zh-CN" dirty="0">
+                <a:solidFill>
+                  <a:schemeClr val="tx1"/>
+                </a:solidFill>
+              </a:rPr>
+              <a:t>Get Template</a:t>
+            </a:r>
+            <a:endParaRPr lang="zh-CN" altLang="en-US" dirty="0">
+              <a:solidFill>
+                <a:schemeClr val="tx1"/>
+              </a:solidFill>
+            </a:endParaRPr>
+          </a:p>
+        </p:txBody>
+      </p:sp>
+      <p:cxnSp>
+        <p:nvCxnSpPr>
+          <p:cNvPr id="8" name="直接箭头连接符 7">
+            <a:extLst>
+              <a:ext uri="{FF2B5EF4-FFF2-40B4-BE49-F238E27FC236}">
+                <a16:creationId xmlns:a16="http://schemas.microsoft.com/office/drawing/2014/main" id="{E946C300-CC64-4B32-8BDB-E64AB8E10FB7}"/>
+              </a:ext>
+            </a:extLst>
+          </p:cNvPr>
+          <p:cNvCxnSpPr>
+            <a:stCxn id="5" idx="3"/>
+            <a:endCxn id="6" idx="1"/>
+          </p:cNvCxnSpPr>
+          <p:nvPr/>
+        </p:nvCxnSpPr>
+        <p:spPr>
+          <a:xfrm flipV="1">
+            <a:off x="5909460" y="2529348"/>
+            <a:ext cx="872339" cy="1314"/>
+          </a:xfrm>
+          <a:prstGeom prst="straightConnector1">
+            <a:avLst/>
+          </a:prstGeom>
+          <a:ln>
+            <a:tailEnd type="triangle"/>
+          </a:ln>
+        </p:spPr>
+        <p:style>
+          <a:lnRef idx="1">
+            <a:schemeClr val="accent1"/>
+          </a:lnRef>
+          <a:fillRef idx="0">
+            <a:schemeClr val="accent1"/>
+          </a:fillRef>
+          <a:effectRef idx="0">
+            <a:schemeClr val="accent1"/>
+          </a:effectRef>
+          <a:fontRef idx="minor">
+            <a:schemeClr val="tx1"/>
+          </a:fontRef>
+        </p:style>
+      </p:cxnSp>
+      <p:cxnSp>
+        <p:nvCxnSpPr>
+          <p:cNvPr id="10" name="直接箭头连接符 9">
+            <a:extLst>
+              <a:ext uri="{FF2B5EF4-FFF2-40B4-BE49-F238E27FC236}">
+                <a16:creationId xmlns:a16="http://schemas.microsoft.com/office/drawing/2014/main" id="{80C6A644-9077-E596-5407-66B9912006CF}"/>
+              </a:ext>
+            </a:extLst>
+          </p:cNvPr>
+          <p:cNvCxnSpPr>
+            <a:stCxn id="6" idx="3"/>
+          </p:cNvCxnSpPr>
+          <p:nvPr/>
+        </p:nvCxnSpPr>
+        <p:spPr>
+          <a:xfrm>
+            <a:off x="9325896" y="2529348"/>
+            <a:ext cx="820993" cy="0"/>
+          </a:xfrm>
+          <a:prstGeom prst="straightConnector1">
+            <a:avLst/>
+          </a:prstGeom>
+          <a:ln>
+            <a:tailEnd type="triangle"/>
+          </a:ln>
+        </p:spPr>
+        <p:style>
+          <a:lnRef idx="1">
+            <a:schemeClr val="accent1"/>
+          </a:lnRef>
+          <a:fillRef idx="0">
+            <a:schemeClr val="accent1"/>
+          </a:fillRef>
+          <a:effectRef idx="0">
+            <a:schemeClr val="accent1"/>
+          </a:effectRef>
+          <a:fontRef idx="minor">
+            <a:schemeClr val="tx1"/>
+          </a:fontRef>
+        </p:style>
+      </p:cxnSp>
+      <p:cxnSp>
+        <p:nvCxnSpPr>
+          <p:cNvPr id="11" name="直接箭头连接符 10">
+            <a:extLst>
+              <a:ext uri="{FF2B5EF4-FFF2-40B4-BE49-F238E27FC236}">
+                <a16:creationId xmlns:a16="http://schemas.microsoft.com/office/drawing/2014/main" id="{33B7ED3B-5447-7723-BA18-653C95605C6F}"/>
+              </a:ext>
+            </a:extLst>
+          </p:cNvPr>
+          <p:cNvCxnSpPr>
+            <a:cxnSpLocks/>
+            <a:endCxn id="5" idx="1"/>
+          </p:cNvCxnSpPr>
+          <p:nvPr/>
+        </p:nvCxnSpPr>
+        <p:spPr>
+          <a:xfrm>
+            <a:off x="2414091" y="2530662"/>
+            <a:ext cx="951272" cy="0"/>
+          </a:xfrm>
+          <a:prstGeom prst="straightConnector1">
+            <a:avLst/>
+          </a:prstGeom>
+          <a:ln>
+            <a:tailEnd type="triangle"/>
+          </a:ln>
+        </p:spPr>
+        <p:style>
+          <a:lnRef idx="1">
+            <a:schemeClr val="accent1"/>
+          </a:lnRef>
+          <a:fillRef idx="0">
+            <a:schemeClr val="accent1"/>
+          </a:fillRef>
+          <a:effectRef idx="0">
+            <a:schemeClr val="accent1"/>
+          </a:effectRef>
+          <a:fontRef idx="minor">
+            <a:schemeClr val="tx1"/>
+          </a:fontRef>
+        </p:style>
+      </p:cxnSp>
+      <p:grpSp>
+        <p:nvGrpSpPr>
+          <p:cNvPr id="21" name="组合 20">
+            <a:extLst>
+              <a:ext uri="{FF2B5EF4-FFF2-40B4-BE49-F238E27FC236}">
+                <a16:creationId xmlns:a16="http://schemas.microsoft.com/office/drawing/2014/main" id="{67A72710-C4CC-51E1-45E8-60583582528B}"/>
+              </a:ext>
+            </a:extLst>
+          </p:cNvPr>
+          <p:cNvGrpSpPr/>
+          <p:nvPr/>
+        </p:nvGrpSpPr>
+        <p:grpSpPr>
+          <a:xfrm>
+            <a:off x="248877" y="2248872"/>
+            <a:ext cx="2215945" cy="560950"/>
+            <a:chOff x="195416" y="2868049"/>
+            <a:chExt cx="2287228" cy="1129275"/>
+          </a:xfrm>
+        </p:grpSpPr>
+        <p:sp>
+          <p:nvSpPr>
+            <p:cNvPr id="15" name="任意多边形: 形状 14">
+              <a:extLst>
+                <a:ext uri="{FF2B5EF4-FFF2-40B4-BE49-F238E27FC236}">
+                  <a16:creationId xmlns:a16="http://schemas.microsoft.com/office/drawing/2014/main" id="{50EA9E2F-8315-C0A8-2B94-5D63826FF782}"/>
+                </a:ext>
+              </a:extLst>
+            </p:cNvPr>
+            <p:cNvSpPr/>
+            <p:nvPr/>
+          </p:nvSpPr>
+          <p:spPr>
+            <a:xfrm>
+              <a:off x="575187" y="2878327"/>
+              <a:ext cx="376084" cy="1114015"/>
+            </a:xfrm>
+            <a:custGeom>
+              <a:avLst/>
+              <a:gdLst>
+                <a:gd name="connsiteX0" fmla="*/ 0 w 376084"/>
+                <a:gd name="connsiteY0" fmla="*/ 617041 h 1114015"/>
+                <a:gd name="connsiteX1" fmla="*/ 103239 w 376084"/>
+                <a:gd name="connsiteY1" fmla="*/ 12357 h 1114015"/>
+                <a:gd name="connsiteX2" fmla="*/ 103239 w 376084"/>
+                <a:gd name="connsiteY2" fmla="*/ 1111112 h 1114015"/>
+                <a:gd name="connsiteX3" fmla="*/ 199103 w 376084"/>
+                <a:gd name="connsiteY3" fmla="*/ 344196 h 1114015"/>
+                <a:gd name="connsiteX4" fmla="*/ 228600 w 376084"/>
+                <a:gd name="connsiteY4" fmla="*/ 690783 h 1114015"/>
+                <a:gd name="connsiteX5" fmla="*/ 272845 w 376084"/>
+                <a:gd name="connsiteY5" fmla="*/ 565421 h 1114015"/>
+                <a:gd name="connsiteX6" fmla="*/ 376084 w 376084"/>
+                <a:gd name="connsiteY6" fmla="*/ 558047 h 1114015"/>
+              </a:gdLst>
+              <a:ahLst/>
+              <a:cxnLst>
+                <a:cxn ang="0">
+                  <a:pos x="connsiteX0" y="connsiteY0"/>
+                </a:cxn>
+                <a:cxn ang="0">
+                  <a:pos x="connsiteX1" y="connsiteY1"/>
+                </a:cxn>
+                <a:cxn ang="0">
+                  <a:pos x="connsiteX2" y="connsiteY2"/>
+                </a:cxn>
+                <a:cxn ang="0">
+                  <a:pos x="connsiteX3" y="connsiteY3"/>
+                </a:cxn>
+                <a:cxn ang="0">
+                  <a:pos x="connsiteX4" y="connsiteY4"/>
+                </a:cxn>
+                <a:cxn ang="0">
+                  <a:pos x="connsiteX5" y="connsiteY5"/>
+                </a:cxn>
+                <a:cxn ang="0">
+                  <a:pos x="connsiteX6" y="connsiteY6"/>
+                </a:cxn>
+              </a:cxnLst>
+              <a:rect l="l" t="t" r="r" b="b"/>
+              <a:pathLst>
+                <a:path w="376084" h="1114015">
+                  <a:moveTo>
+                    <a:pt x="0" y="617041"/>
+                  </a:moveTo>
+                  <a:cubicBezTo>
+                    <a:pt x="43016" y="273526"/>
+                    <a:pt x="86032" y="-69988"/>
+                    <a:pt x="103239" y="12357"/>
+                  </a:cubicBezTo>
+                  <a:cubicBezTo>
+                    <a:pt x="120446" y="94702"/>
+                    <a:pt x="87262" y="1055806"/>
+                    <a:pt x="103239" y="1111112"/>
+                  </a:cubicBezTo>
+                  <a:cubicBezTo>
+                    <a:pt x="119216" y="1166419"/>
+                    <a:pt x="178210" y="414251"/>
+                    <a:pt x="199103" y="344196"/>
+                  </a:cubicBezTo>
+                  <a:cubicBezTo>
+                    <a:pt x="219997" y="274141"/>
+                    <a:pt x="216310" y="653912"/>
+                    <a:pt x="228600" y="690783"/>
+                  </a:cubicBezTo>
+                  <a:cubicBezTo>
+                    <a:pt x="240890" y="727654"/>
+                    <a:pt x="248264" y="587544"/>
+                    <a:pt x="272845" y="565421"/>
+                  </a:cubicBezTo>
+                  <a:cubicBezTo>
+                    <a:pt x="297426" y="543298"/>
+                    <a:pt x="336755" y="550672"/>
+                    <a:pt x="376084" y="558047"/>
+                  </a:cubicBezTo>
+                </a:path>
+              </a:pathLst>
+            </a:custGeom>
+            <a:noFill/>
+          </p:spPr>
+          <p:style>
+            <a:lnRef idx="2">
+              <a:schemeClr val="accent1">
+                <a:shade val="15000"/>
+              </a:schemeClr>
+            </a:lnRef>
+            <a:fillRef idx="1">
+              <a:schemeClr val="accent1"/>
+            </a:fillRef>
+            <a:effectRef idx="0">
+              <a:schemeClr val="accent1"/>
+            </a:effectRef>
+            <a:fontRef idx="minor">
+              <a:schemeClr val="lt1"/>
+            </a:fontRef>
+          </p:style>
+          <p:txBody>
+            <a:bodyPr rtlCol="0" anchor="ctr"/>
+            <a:lstStyle/>
+            <a:p>
+              <a:pPr algn="ctr"/>
+              <a:endParaRPr lang="zh-CN" altLang="en-US"/>
+            </a:p>
+          </p:txBody>
+        </p:sp>
+        <p:sp>
+          <p:nvSpPr>
+            <p:cNvPr id="16" name="任意多边形: 形状 15">
+              <a:extLst>
+                <a:ext uri="{FF2B5EF4-FFF2-40B4-BE49-F238E27FC236}">
+                  <a16:creationId xmlns:a16="http://schemas.microsoft.com/office/drawing/2014/main" id="{07E2BE94-E0D8-AFB9-DC8B-E81DDF2727B1}"/>
+                </a:ext>
+              </a:extLst>
+            </p:cNvPr>
+            <p:cNvSpPr/>
+            <p:nvPr/>
+          </p:nvSpPr>
+          <p:spPr>
+            <a:xfrm>
+              <a:off x="958645" y="2875935"/>
+              <a:ext cx="376084" cy="1114015"/>
+            </a:xfrm>
+            <a:custGeom>
+              <a:avLst/>
+              <a:gdLst>
+                <a:gd name="connsiteX0" fmla="*/ 0 w 376084"/>
+                <a:gd name="connsiteY0" fmla="*/ 617041 h 1114015"/>
+                <a:gd name="connsiteX1" fmla="*/ 103239 w 376084"/>
+                <a:gd name="connsiteY1" fmla="*/ 12357 h 1114015"/>
+                <a:gd name="connsiteX2" fmla="*/ 103239 w 376084"/>
+                <a:gd name="connsiteY2" fmla="*/ 1111112 h 1114015"/>
+                <a:gd name="connsiteX3" fmla="*/ 199103 w 376084"/>
+                <a:gd name="connsiteY3" fmla="*/ 344196 h 1114015"/>
+                <a:gd name="connsiteX4" fmla="*/ 228600 w 376084"/>
+                <a:gd name="connsiteY4" fmla="*/ 690783 h 1114015"/>
+                <a:gd name="connsiteX5" fmla="*/ 272845 w 376084"/>
+                <a:gd name="connsiteY5" fmla="*/ 565421 h 1114015"/>
+                <a:gd name="connsiteX6" fmla="*/ 376084 w 376084"/>
+                <a:gd name="connsiteY6" fmla="*/ 558047 h 1114015"/>
+              </a:gdLst>
+              <a:ahLst/>
+              <a:cxnLst>
+                <a:cxn ang="0">
+                  <a:pos x="connsiteX0" y="connsiteY0"/>
+                </a:cxn>
+                <a:cxn ang="0">
+                  <a:pos x="connsiteX1" y="connsiteY1"/>
+                </a:cxn>
+                <a:cxn ang="0">
+                  <a:pos x="connsiteX2" y="connsiteY2"/>
+                </a:cxn>
+                <a:cxn ang="0">
+                  <a:pos x="connsiteX3" y="connsiteY3"/>
+                </a:cxn>
+                <a:cxn ang="0">
+                  <a:pos x="connsiteX4" y="connsiteY4"/>
+                </a:cxn>
+                <a:cxn ang="0">
+                  <a:pos x="connsiteX5" y="connsiteY5"/>
+                </a:cxn>
+                <a:cxn ang="0">
+                  <a:pos x="connsiteX6" y="connsiteY6"/>
+                </a:cxn>
+              </a:cxnLst>
+              <a:rect l="l" t="t" r="r" b="b"/>
+              <a:pathLst>
+                <a:path w="376084" h="1114015">
+                  <a:moveTo>
+                    <a:pt x="0" y="617041"/>
+                  </a:moveTo>
+                  <a:cubicBezTo>
+                    <a:pt x="43016" y="273526"/>
+                    <a:pt x="86032" y="-69988"/>
+                    <a:pt x="103239" y="12357"/>
+                  </a:cubicBezTo>
+                  <a:cubicBezTo>
+                    <a:pt x="120446" y="94702"/>
+                    <a:pt x="87262" y="1055806"/>
+                    <a:pt x="103239" y="1111112"/>
+                  </a:cubicBezTo>
+                  <a:cubicBezTo>
+                    <a:pt x="119216" y="1166419"/>
+                    <a:pt x="178210" y="414251"/>
+                    <a:pt x="199103" y="344196"/>
+                  </a:cubicBezTo>
+                  <a:cubicBezTo>
+                    <a:pt x="219997" y="274141"/>
+                    <a:pt x="216310" y="653912"/>
+                    <a:pt x="228600" y="690783"/>
+                  </a:cubicBezTo>
+                  <a:cubicBezTo>
+                    <a:pt x="240890" y="727654"/>
+                    <a:pt x="248264" y="587544"/>
+                    <a:pt x="272845" y="565421"/>
+                  </a:cubicBezTo>
+                  <a:cubicBezTo>
+                    <a:pt x="297426" y="543298"/>
+                    <a:pt x="336755" y="550672"/>
+                    <a:pt x="376084" y="558047"/>
+                  </a:cubicBezTo>
+                </a:path>
+              </a:pathLst>
+            </a:custGeom>
+            <a:noFill/>
+          </p:spPr>
+          <p:style>
+            <a:lnRef idx="2">
+              <a:schemeClr val="accent1">
+                <a:shade val="15000"/>
+              </a:schemeClr>
+            </a:lnRef>
+            <a:fillRef idx="1">
+              <a:schemeClr val="accent1"/>
+            </a:fillRef>
+            <a:effectRef idx="0">
+              <a:schemeClr val="accent1"/>
+            </a:effectRef>
+            <a:fontRef idx="minor">
+              <a:schemeClr val="lt1"/>
+            </a:fontRef>
+          </p:style>
+          <p:txBody>
+            <a:bodyPr rtlCol="0" anchor="ctr"/>
+            <a:lstStyle/>
+            <a:p>
+              <a:pPr algn="ctr"/>
+              <a:endParaRPr lang="zh-CN" altLang="en-US"/>
+            </a:p>
+          </p:txBody>
+        </p:sp>
+        <p:sp>
+          <p:nvSpPr>
+            <p:cNvPr id="17" name="任意多边形: 形状 16">
+              <a:extLst>
+                <a:ext uri="{FF2B5EF4-FFF2-40B4-BE49-F238E27FC236}">
+                  <a16:creationId xmlns:a16="http://schemas.microsoft.com/office/drawing/2014/main" id="{EB70FBF3-A3C7-1D91-A347-FEFCE5B63367}"/>
+                </a:ext>
+              </a:extLst>
+            </p:cNvPr>
+            <p:cNvSpPr/>
+            <p:nvPr/>
+          </p:nvSpPr>
+          <p:spPr>
+            <a:xfrm>
+              <a:off x="1339644" y="2875935"/>
+              <a:ext cx="376084" cy="1114015"/>
+            </a:xfrm>
+            <a:custGeom>
+              <a:avLst/>
+              <a:gdLst>
+                <a:gd name="connsiteX0" fmla="*/ 0 w 376084"/>
+                <a:gd name="connsiteY0" fmla="*/ 617041 h 1114015"/>
+                <a:gd name="connsiteX1" fmla="*/ 103239 w 376084"/>
+                <a:gd name="connsiteY1" fmla="*/ 12357 h 1114015"/>
+                <a:gd name="connsiteX2" fmla="*/ 103239 w 376084"/>
+                <a:gd name="connsiteY2" fmla="*/ 1111112 h 1114015"/>
+                <a:gd name="connsiteX3" fmla="*/ 199103 w 376084"/>
+                <a:gd name="connsiteY3" fmla="*/ 344196 h 1114015"/>
+                <a:gd name="connsiteX4" fmla="*/ 228600 w 376084"/>
+                <a:gd name="connsiteY4" fmla="*/ 690783 h 1114015"/>
+                <a:gd name="connsiteX5" fmla="*/ 272845 w 376084"/>
+                <a:gd name="connsiteY5" fmla="*/ 565421 h 1114015"/>
+                <a:gd name="connsiteX6" fmla="*/ 376084 w 376084"/>
+                <a:gd name="connsiteY6" fmla="*/ 558047 h 1114015"/>
+              </a:gdLst>
+              <a:ahLst/>
+              <a:cxnLst>
+                <a:cxn ang="0">
+                  <a:pos x="connsiteX0" y="connsiteY0"/>
+                </a:cxn>
+                <a:cxn ang="0">
+                  <a:pos x="connsiteX1" y="connsiteY1"/>
+                </a:cxn>
+                <a:cxn ang="0">
+                  <a:pos x="connsiteX2" y="connsiteY2"/>
+                </a:cxn>
+                <a:cxn ang="0">
+                  <a:pos x="connsiteX3" y="connsiteY3"/>
+                </a:cxn>
+                <a:cxn ang="0">
+                  <a:pos x="connsiteX4" y="connsiteY4"/>
+                </a:cxn>
+                <a:cxn ang="0">
+                  <a:pos x="connsiteX5" y="connsiteY5"/>
+                </a:cxn>
+                <a:cxn ang="0">
+                  <a:pos x="connsiteX6" y="connsiteY6"/>
+                </a:cxn>
+              </a:cxnLst>
+              <a:rect l="l" t="t" r="r" b="b"/>
+              <a:pathLst>
+                <a:path w="376084" h="1114015">
+                  <a:moveTo>
+                    <a:pt x="0" y="617041"/>
+                  </a:moveTo>
+                  <a:cubicBezTo>
+                    <a:pt x="43016" y="273526"/>
+                    <a:pt x="86032" y="-69988"/>
+                    <a:pt x="103239" y="12357"/>
+                  </a:cubicBezTo>
+                  <a:cubicBezTo>
+                    <a:pt x="120446" y="94702"/>
+                    <a:pt x="87262" y="1055806"/>
+                    <a:pt x="103239" y="1111112"/>
+                  </a:cubicBezTo>
+                  <a:cubicBezTo>
+                    <a:pt x="119216" y="1166419"/>
+                    <a:pt x="178210" y="414251"/>
+                    <a:pt x="199103" y="344196"/>
+                  </a:cubicBezTo>
+                  <a:cubicBezTo>
+                    <a:pt x="219997" y="274141"/>
+                    <a:pt x="216310" y="653912"/>
+                    <a:pt x="228600" y="690783"/>
+                  </a:cubicBezTo>
+                  <a:cubicBezTo>
+                    <a:pt x="240890" y="727654"/>
+                    <a:pt x="248264" y="587544"/>
+                    <a:pt x="272845" y="565421"/>
+                  </a:cubicBezTo>
+                  <a:cubicBezTo>
+                    <a:pt x="297426" y="543298"/>
+                    <a:pt x="336755" y="550672"/>
+                    <a:pt x="376084" y="558047"/>
+                  </a:cubicBezTo>
+                </a:path>
+              </a:pathLst>
+            </a:custGeom>
+            <a:noFill/>
+          </p:spPr>
+          <p:style>
+            <a:lnRef idx="2">
+              <a:schemeClr val="accent1">
+                <a:shade val="15000"/>
+              </a:schemeClr>
+            </a:lnRef>
+            <a:fillRef idx="1">
+              <a:schemeClr val="accent1"/>
+            </a:fillRef>
+            <a:effectRef idx="0">
+              <a:schemeClr val="accent1"/>
+            </a:effectRef>
+            <a:fontRef idx="minor">
+              <a:schemeClr val="lt1"/>
+            </a:fontRef>
+          </p:style>
+          <p:txBody>
+            <a:bodyPr rtlCol="0" anchor="ctr"/>
+            <a:lstStyle/>
+            <a:p>
+              <a:pPr algn="ctr"/>
+              <a:endParaRPr lang="zh-CN" altLang="en-US"/>
+            </a:p>
+          </p:txBody>
+        </p:sp>
+        <p:sp>
+          <p:nvSpPr>
+            <p:cNvPr id="18" name="任意多边形: 形状 17">
+              <a:extLst>
+                <a:ext uri="{FF2B5EF4-FFF2-40B4-BE49-F238E27FC236}">
+                  <a16:creationId xmlns:a16="http://schemas.microsoft.com/office/drawing/2014/main" id="{CBD7B8FD-4A0E-4E5C-DE10-183F3BBAAF8A}"/>
+                </a:ext>
+              </a:extLst>
+            </p:cNvPr>
+            <p:cNvSpPr/>
+            <p:nvPr/>
+          </p:nvSpPr>
+          <p:spPr>
+            <a:xfrm>
+              <a:off x="1723102" y="2875935"/>
+              <a:ext cx="376084" cy="1114015"/>
+            </a:xfrm>
+            <a:custGeom>
+              <a:avLst/>
+              <a:gdLst>
+                <a:gd name="connsiteX0" fmla="*/ 0 w 376084"/>
+                <a:gd name="connsiteY0" fmla="*/ 617041 h 1114015"/>
+                <a:gd name="connsiteX1" fmla="*/ 103239 w 376084"/>
+                <a:gd name="connsiteY1" fmla="*/ 12357 h 1114015"/>
+                <a:gd name="connsiteX2" fmla="*/ 103239 w 376084"/>
+                <a:gd name="connsiteY2" fmla="*/ 1111112 h 1114015"/>
+                <a:gd name="connsiteX3" fmla="*/ 199103 w 376084"/>
+                <a:gd name="connsiteY3" fmla="*/ 344196 h 1114015"/>
+                <a:gd name="connsiteX4" fmla="*/ 228600 w 376084"/>
+                <a:gd name="connsiteY4" fmla="*/ 690783 h 1114015"/>
+                <a:gd name="connsiteX5" fmla="*/ 272845 w 376084"/>
+                <a:gd name="connsiteY5" fmla="*/ 565421 h 1114015"/>
+                <a:gd name="connsiteX6" fmla="*/ 376084 w 376084"/>
+                <a:gd name="connsiteY6" fmla="*/ 558047 h 1114015"/>
+              </a:gdLst>
+              <a:ahLst/>
+              <a:cxnLst>
+                <a:cxn ang="0">
+                  <a:pos x="connsiteX0" y="connsiteY0"/>
+                </a:cxn>
+                <a:cxn ang="0">
+                  <a:pos x="connsiteX1" y="connsiteY1"/>
+                </a:cxn>
+                <a:cxn ang="0">
+                  <a:pos x="connsiteX2" y="connsiteY2"/>
+                </a:cxn>
+                <a:cxn ang="0">
+                  <a:pos x="connsiteX3" y="connsiteY3"/>
+                </a:cxn>
+                <a:cxn ang="0">
+                  <a:pos x="connsiteX4" y="connsiteY4"/>
+                </a:cxn>
+                <a:cxn ang="0">
+                  <a:pos x="connsiteX5" y="connsiteY5"/>
+                </a:cxn>
+                <a:cxn ang="0">
+                  <a:pos x="connsiteX6" y="connsiteY6"/>
+                </a:cxn>
+              </a:cxnLst>
+              <a:rect l="l" t="t" r="r" b="b"/>
+              <a:pathLst>
+                <a:path w="376084" h="1114015">
+                  <a:moveTo>
+                    <a:pt x="0" y="617041"/>
+                  </a:moveTo>
+                  <a:cubicBezTo>
+                    <a:pt x="43016" y="273526"/>
+                    <a:pt x="86032" y="-69988"/>
+                    <a:pt x="103239" y="12357"/>
+                  </a:cubicBezTo>
+                  <a:cubicBezTo>
+                    <a:pt x="120446" y="94702"/>
+                    <a:pt x="87262" y="1055806"/>
+                    <a:pt x="103239" y="1111112"/>
+                  </a:cubicBezTo>
+                  <a:cubicBezTo>
+                    <a:pt x="119216" y="1166419"/>
+                    <a:pt x="178210" y="414251"/>
+                    <a:pt x="199103" y="344196"/>
+                  </a:cubicBezTo>
+                  <a:cubicBezTo>
+                    <a:pt x="219997" y="274141"/>
+                    <a:pt x="216310" y="653912"/>
+                    <a:pt x="228600" y="690783"/>
+                  </a:cubicBezTo>
+                  <a:cubicBezTo>
+                    <a:pt x="240890" y="727654"/>
+                    <a:pt x="248264" y="587544"/>
+                    <a:pt x="272845" y="565421"/>
+                  </a:cubicBezTo>
+                  <a:cubicBezTo>
+                    <a:pt x="297426" y="543298"/>
+                    <a:pt x="336755" y="550672"/>
+                    <a:pt x="376084" y="558047"/>
+                  </a:cubicBezTo>
+                </a:path>
+              </a:pathLst>
+            </a:custGeom>
+            <a:noFill/>
+          </p:spPr>
+          <p:style>
+            <a:lnRef idx="2">
+              <a:schemeClr val="accent1">
+                <a:shade val="15000"/>
+              </a:schemeClr>
+            </a:lnRef>
+            <a:fillRef idx="1">
+              <a:schemeClr val="accent1"/>
+            </a:fillRef>
+            <a:effectRef idx="0">
+              <a:schemeClr val="accent1"/>
+            </a:effectRef>
+            <a:fontRef idx="minor">
+              <a:schemeClr val="lt1"/>
+            </a:fontRef>
+          </p:style>
+          <p:txBody>
+            <a:bodyPr rtlCol="0" anchor="ctr"/>
+            <a:lstStyle/>
+            <a:p>
+              <a:pPr algn="ctr"/>
+              <a:endParaRPr lang="zh-CN" altLang="en-US"/>
+            </a:p>
+          </p:txBody>
+        </p:sp>
+        <p:sp>
+          <p:nvSpPr>
+            <p:cNvPr id="19" name="任意多边形: 形状 18">
+              <a:extLst>
+                <a:ext uri="{FF2B5EF4-FFF2-40B4-BE49-F238E27FC236}">
+                  <a16:creationId xmlns:a16="http://schemas.microsoft.com/office/drawing/2014/main" id="{B3A65FEE-0FF9-41F0-4348-50E95597A382}"/>
+                </a:ext>
+              </a:extLst>
+            </p:cNvPr>
+            <p:cNvSpPr/>
+            <p:nvPr/>
+          </p:nvSpPr>
+          <p:spPr>
+            <a:xfrm>
+              <a:off x="2106560" y="2883309"/>
+              <a:ext cx="376084" cy="1114015"/>
+            </a:xfrm>
+            <a:custGeom>
+              <a:avLst/>
+              <a:gdLst>
+                <a:gd name="connsiteX0" fmla="*/ 0 w 376084"/>
+                <a:gd name="connsiteY0" fmla="*/ 617041 h 1114015"/>
+                <a:gd name="connsiteX1" fmla="*/ 103239 w 376084"/>
+                <a:gd name="connsiteY1" fmla="*/ 12357 h 1114015"/>
+                <a:gd name="connsiteX2" fmla="*/ 103239 w 376084"/>
+                <a:gd name="connsiteY2" fmla="*/ 1111112 h 1114015"/>
+                <a:gd name="connsiteX3" fmla="*/ 199103 w 376084"/>
+                <a:gd name="connsiteY3" fmla="*/ 344196 h 1114015"/>
+                <a:gd name="connsiteX4" fmla="*/ 228600 w 376084"/>
+                <a:gd name="connsiteY4" fmla="*/ 690783 h 1114015"/>
+                <a:gd name="connsiteX5" fmla="*/ 272845 w 376084"/>
+                <a:gd name="connsiteY5" fmla="*/ 565421 h 1114015"/>
+                <a:gd name="connsiteX6" fmla="*/ 376084 w 376084"/>
+                <a:gd name="connsiteY6" fmla="*/ 558047 h 1114015"/>
+              </a:gdLst>
+              <a:ahLst/>
+              <a:cxnLst>
+                <a:cxn ang="0">
+                  <a:pos x="connsiteX0" y="connsiteY0"/>
+                </a:cxn>
+                <a:cxn ang="0">
+                  <a:pos x="connsiteX1" y="connsiteY1"/>
+                </a:cxn>
+                <a:cxn ang="0">
+                  <a:pos x="connsiteX2" y="connsiteY2"/>
+                </a:cxn>
+                <a:cxn ang="0">
+                  <a:pos x="connsiteX3" y="connsiteY3"/>
+                </a:cxn>
+                <a:cxn ang="0">
+                  <a:pos x="connsiteX4" y="connsiteY4"/>
+                </a:cxn>
+                <a:cxn ang="0">
+                  <a:pos x="connsiteX5" y="connsiteY5"/>
+                </a:cxn>
+                <a:cxn ang="0">
+                  <a:pos x="connsiteX6" y="connsiteY6"/>
+                </a:cxn>
+              </a:cxnLst>
+              <a:rect l="l" t="t" r="r" b="b"/>
+              <a:pathLst>
+                <a:path w="376084" h="1114015">
+                  <a:moveTo>
+                    <a:pt x="0" y="617041"/>
+                  </a:moveTo>
+                  <a:cubicBezTo>
+                    <a:pt x="43016" y="273526"/>
+                    <a:pt x="86032" y="-69988"/>
+                    <a:pt x="103239" y="12357"/>
+                  </a:cubicBezTo>
+                  <a:cubicBezTo>
+                    <a:pt x="120446" y="94702"/>
+                    <a:pt x="87262" y="1055806"/>
+                    <a:pt x="103239" y="1111112"/>
+                  </a:cubicBezTo>
+                  <a:cubicBezTo>
+                    <a:pt x="119216" y="1166419"/>
+                    <a:pt x="178210" y="414251"/>
+                    <a:pt x="199103" y="344196"/>
+                  </a:cubicBezTo>
+                  <a:cubicBezTo>
+                    <a:pt x="219997" y="274141"/>
+                    <a:pt x="216310" y="653912"/>
+                    <a:pt x="228600" y="690783"/>
+                  </a:cubicBezTo>
+                  <a:cubicBezTo>
+                    <a:pt x="240890" y="727654"/>
+                    <a:pt x="248264" y="587544"/>
+                    <a:pt x="272845" y="565421"/>
+                  </a:cubicBezTo>
+                  <a:cubicBezTo>
+                    <a:pt x="297426" y="543298"/>
+                    <a:pt x="336755" y="550672"/>
+                    <a:pt x="376084" y="558047"/>
+                  </a:cubicBezTo>
+                </a:path>
+              </a:pathLst>
+            </a:custGeom>
+            <a:noFill/>
+          </p:spPr>
+          <p:style>
+            <a:lnRef idx="2">
+              <a:schemeClr val="accent1">
+                <a:shade val="15000"/>
+              </a:schemeClr>
+            </a:lnRef>
+            <a:fillRef idx="1">
+              <a:schemeClr val="accent1"/>
+            </a:fillRef>
+            <a:effectRef idx="0">
+              <a:schemeClr val="accent1"/>
+            </a:effectRef>
+            <a:fontRef idx="minor">
+              <a:schemeClr val="lt1"/>
+            </a:fontRef>
+          </p:style>
+          <p:txBody>
+            <a:bodyPr rtlCol="0" anchor="ctr"/>
+            <a:lstStyle/>
+            <a:p>
+              <a:pPr algn="ctr"/>
+              <a:endParaRPr lang="zh-CN" altLang="en-US"/>
+            </a:p>
+          </p:txBody>
+        </p:sp>
+        <p:sp>
+          <p:nvSpPr>
+            <p:cNvPr id="20" name="任意多边形: 形状 19">
+              <a:extLst>
+                <a:ext uri="{FF2B5EF4-FFF2-40B4-BE49-F238E27FC236}">
+                  <a16:creationId xmlns:a16="http://schemas.microsoft.com/office/drawing/2014/main" id="{62E69419-7C21-C930-F3E1-54AF1A180055}"/>
+                </a:ext>
+              </a:extLst>
+            </p:cNvPr>
+            <p:cNvSpPr/>
+            <p:nvPr/>
+          </p:nvSpPr>
+          <p:spPr>
+            <a:xfrm>
+              <a:off x="195416" y="2868049"/>
+              <a:ext cx="376084" cy="1114015"/>
+            </a:xfrm>
+            <a:custGeom>
+              <a:avLst/>
+              <a:gdLst>
+                <a:gd name="connsiteX0" fmla="*/ 0 w 376084"/>
+                <a:gd name="connsiteY0" fmla="*/ 617041 h 1114015"/>
+                <a:gd name="connsiteX1" fmla="*/ 103239 w 376084"/>
+                <a:gd name="connsiteY1" fmla="*/ 12357 h 1114015"/>
+                <a:gd name="connsiteX2" fmla="*/ 103239 w 376084"/>
+                <a:gd name="connsiteY2" fmla="*/ 1111112 h 1114015"/>
+                <a:gd name="connsiteX3" fmla="*/ 199103 w 376084"/>
+                <a:gd name="connsiteY3" fmla="*/ 344196 h 1114015"/>
+                <a:gd name="connsiteX4" fmla="*/ 228600 w 376084"/>
+                <a:gd name="connsiteY4" fmla="*/ 690783 h 1114015"/>
+                <a:gd name="connsiteX5" fmla="*/ 272845 w 376084"/>
+                <a:gd name="connsiteY5" fmla="*/ 565421 h 1114015"/>
+                <a:gd name="connsiteX6" fmla="*/ 376084 w 376084"/>
+                <a:gd name="connsiteY6" fmla="*/ 558047 h 1114015"/>
+              </a:gdLst>
+              <a:ahLst/>
+              <a:cxnLst>
+                <a:cxn ang="0">
+                  <a:pos x="connsiteX0" y="connsiteY0"/>
+                </a:cxn>
+                <a:cxn ang="0">
+                  <a:pos x="connsiteX1" y="connsiteY1"/>
+                </a:cxn>
+                <a:cxn ang="0">
+                  <a:pos x="connsiteX2" y="connsiteY2"/>
+                </a:cxn>
+                <a:cxn ang="0">
+                  <a:pos x="connsiteX3" y="connsiteY3"/>
+                </a:cxn>
+                <a:cxn ang="0">
+                  <a:pos x="connsiteX4" y="connsiteY4"/>
+                </a:cxn>
+                <a:cxn ang="0">
+                  <a:pos x="connsiteX5" y="connsiteY5"/>
+                </a:cxn>
+                <a:cxn ang="0">
+                  <a:pos x="connsiteX6" y="connsiteY6"/>
+                </a:cxn>
+              </a:cxnLst>
+              <a:rect l="l" t="t" r="r" b="b"/>
+              <a:pathLst>
+                <a:path w="376084" h="1114015">
+                  <a:moveTo>
+                    <a:pt x="0" y="617041"/>
+                  </a:moveTo>
+                  <a:cubicBezTo>
+                    <a:pt x="43016" y="273526"/>
+                    <a:pt x="86032" y="-69988"/>
+                    <a:pt x="103239" y="12357"/>
+                  </a:cubicBezTo>
+                  <a:cubicBezTo>
+                    <a:pt x="120446" y="94702"/>
+                    <a:pt x="87262" y="1055806"/>
+                    <a:pt x="103239" y="1111112"/>
+                  </a:cubicBezTo>
+                  <a:cubicBezTo>
+                    <a:pt x="119216" y="1166419"/>
+                    <a:pt x="178210" y="414251"/>
+                    <a:pt x="199103" y="344196"/>
+                  </a:cubicBezTo>
+                  <a:cubicBezTo>
+                    <a:pt x="219997" y="274141"/>
+                    <a:pt x="216310" y="653912"/>
+                    <a:pt x="228600" y="690783"/>
+                  </a:cubicBezTo>
+                  <a:cubicBezTo>
+                    <a:pt x="240890" y="727654"/>
+                    <a:pt x="248264" y="587544"/>
+                    <a:pt x="272845" y="565421"/>
+                  </a:cubicBezTo>
+                  <a:cubicBezTo>
+                    <a:pt x="297426" y="543298"/>
+                    <a:pt x="336755" y="550672"/>
+                    <a:pt x="376084" y="558047"/>
+                  </a:cubicBezTo>
+                </a:path>
+              </a:pathLst>
+            </a:custGeom>
+            <a:noFill/>
+          </p:spPr>
+          <p:style>
+            <a:lnRef idx="2">
+              <a:schemeClr val="accent1">
+                <a:shade val="15000"/>
+              </a:schemeClr>
+            </a:lnRef>
+            <a:fillRef idx="1">
+              <a:schemeClr val="accent1"/>
+            </a:fillRef>
+            <a:effectRef idx="0">
+              <a:schemeClr val="accent1"/>
+            </a:effectRef>
+            <a:fontRef idx="minor">
+              <a:schemeClr val="lt1"/>
+            </a:fontRef>
+          </p:style>
+          <p:txBody>
+            <a:bodyPr rtlCol="0" anchor="ctr"/>
+            <a:lstStyle/>
+            <a:p>
+              <a:pPr algn="ctr"/>
+              <a:endParaRPr lang="zh-CN" altLang="en-US"/>
+            </a:p>
+          </p:txBody>
+        </p:sp>
+      </p:grpSp>
+      <p:sp>
+        <p:nvSpPr>
+          <p:cNvPr id="22" name="任意多边形: 形状 21">
+            <a:extLst>
+              <a:ext uri="{FF2B5EF4-FFF2-40B4-BE49-F238E27FC236}">
+                <a16:creationId xmlns:a16="http://schemas.microsoft.com/office/drawing/2014/main" id="{31792F20-6139-56D9-DB68-C81EB48AC315}"/>
+              </a:ext>
+            </a:extLst>
+          </p:cNvPr>
+          <p:cNvSpPr/>
+          <p:nvPr/>
+        </p:nvSpPr>
+        <p:spPr>
+          <a:xfrm>
+            <a:off x="10389502" y="2033722"/>
+            <a:ext cx="1215401" cy="980768"/>
+          </a:xfrm>
+          <a:custGeom>
+            <a:avLst/>
+            <a:gdLst>
+              <a:gd name="connsiteX0" fmla="*/ 0 w 376084"/>
+              <a:gd name="connsiteY0" fmla="*/ 617041 h 1114015"/>
+              <a:gd name="connsiteX1" fmla="*/ 103239 w 376084"/>
+              <a:gd name="connsiteY1" fmla="*/ 12357 h 1114015"/>
+              <a:gd name="connsiteX2" fmla="*/ 103239 w 376084"/>
+              <a:gd name="connsiteY2" fmla="*/ 1111112 h 1114015"/>
+              <a:gd name="connsiteX3" fmla="*/ 199103 w 376084"/>
+              <a:gd name="connsiteY3" fmla="*/ 344196 h 1114015"/>
+              <a:gd name="connsiteX4" fmla="*/ 228600 w 376084"/>
+              <a:gd name="connsiteY4" fmla="*/ 690783 h 1114015"/>
+              <a:gd name="connsiteX5" fmla="*/ 272845 w 376084"/>
+              <a:gd name="connsiteY5" fmla="*/ 565421 h 1114015"/>
+              <a:gd name="connsiteX6" fmla="*/ 376084 w 376084"/>
+              <a:gd name="connsiteY6" fmla="*/ 558047 h 1114015"/>
+            </a:gdLst>
+            <a:ahLst/>
+            <a:cxnLst>
+              <a:cxn ang="0">
+                <a:pos x="connsiteX0" y="connsiteY0"/>
+              </a:cxn>
+              <a:cxn ang="0">
+                <a:pos x="connsiteX1" y="connsiteY1"/>
+              </a:cxn>
+              <a:cxn ang="0">
+                <a:pos x="connsiteX2" y="connsiteY2"/>
+              </a:cxn>
+              <a:cxn ang="0">
+                <a:pos x="connsiteX3" y="connsiteY3"/>
+              </a:cxn>
+              <a:cxn ang="0">
+                <a:pos x="connsiteX4" y="connsiteY4"/>
+              </a:cxn>
+              <a:cxn ang="0">
+                <a:pos x="connsiteX5" y="connsiteY5"/>
+              </a:cxn>
+              <a:cxn ang="0">
+                <a:pos x="connsiteX6" y="connsiteY6"/>
+              </a:cxn>
+            </a:cxnLst>
+            <a:rect l="l" t="t" r="r" b="b"/>
+            <a:pathLst>
+              <a:path w="376084" h="1114015">
+                <a:moveTo>
+                  <a:pt x="0" y="617041"/>
+                </a:moveTo>
+                <a:cubicBezTo>
+                  <a:pt x="43016" y="273526"/>
+                  <a:pt x="86032" y="-69988"/>
+                  <a:pt x="103239" y="12357"/>
+                </a:cubicBezTo>
+                <a:cubicBezTo>
+                  <a:pt x="120446" y="94702"/>
+                  <a:pt x="87262" y="1055806"/>
+                  <a:pt x="103239" y="1111112"/>
+                </a:cubicBezTo>
+                <a:cubicBezTo>
+                  <a:pt x="119216" y="1166419"/>
+                  <a:pt x="178210" y="414251"/>
+                  <a:pt x="199103" y="344196"/>
+                </a:cubicBezTo>
+                <a:cubicBezTo>
+                  <a:pt x="219997" y="274141"/>
+                  <a:pt x="216310" y="653912"/>
+                  <a:pt x="228600" y="690783"/>
+                </a:cubicBezTo>
+                <a:cubicBezTo>
+                  <a:pt x="240890" y="727654"/>
+                  <a:pt x="248264" y="587544"/>
+                  <a:pt x="272845" y="565421"/>
+                </a:cubicBezTo>
+                <a:cubicBezTo>
+                  <a:pt x="297426" y="543298"/>
+                  <a:pt x="336755" y="550672"/>
+                  <a:pt x="376084" y="558047"/>
+                </a:cubicBezTo>
+              </a:path>
+            </a:pathLst>
+          </a:custGeom>
+          <a:noFill/>
+        </p:spPr>
+        <p:style>
+          <a:lnRef idx="2">
+            <a:schemeClr val="accent1">
+              <a:shade val="15000"/>
+            </a:schemeClr>
+          </a:lnRef>
+          <a:fillRef idx="1">
+            <a:schemeClr val="accent1"/>
+          </a:fillRef>
+          <a:effectRef idx="0">
+            <a:schemeClr val="accent1"/>
+          </a:effectRef>
+          <a:fontRef idx="minor">
+            <a:schemeClr val="lt1"/>
+          </a:fontRef>
+        </p:style>
+        <p:txBody>
+          <a:bodyPr rtlCol="0" anchor="ctr"/>
+          <a:lstStyle/>
+          <a:p>
+            <a:pPr algn="ctr"/>
+            <a:endParaRPr lang="zh-CN" altLang="en-US"/>
+          </a:p>
+        </p:txBody>
+      </p:sp>
+      <p:sp>
+        <p:nvSpPr>
+          <p:cNvPr id="24" name="文本框 23">
+            <a:extLst>
+              <a:ext uri="{FF2B5EF4-FFF2-40B4-BE49-F238E27FC236}">
+                <a16:creationId xmlns:a16="http://schemas.microsoft.com/office/drawing/2014/main" id="{7FE00A53-B85F-EC86-249E-AB95B07A94B7}"/>
+              </a:ext>
+            </a:extLst>
+          </p:cNvPr>
+          <p:cNvSpPr txBox="1"/>
+          <p:nvPr/>
+        </p:nvSpPr>
+        <p:spPr>
+          <a:xfrm>
+            <a:off x="1275735" y="3370006"/>
+            <a:ext cx="8930149" cy="923330"/>
+          </a:xfrm>
+          <a:prstGeom prst="rect">
+            <a:avLst/>
+          </a:prstGeom>
+          <a:noFill/>
+        </p:spPr>
+        <p:txBody>
+          <a:bodyPr wrap="square" rtlCol="0">
+            <a:spAutoFit/>
+          </a:bodyPr>
+          <a:lstStyle/>
+          <a:p>
+            <a:r>
+              <a:rPr lang="zh-CN" altLang="en-US" dirty="0"/>
+              <a:t>真正实现起来的效果：</a:t>
+            </a:r>
+            <a:endParaRPr lang="en-US" altLang="zh-CN" dirty="0"/>
+          </a:p>
+          <a:p>
+            <a:pPr marL="342900" indent="-342900">
+              <a:buAutoNum type="arabicPeriod"/>
+            </a:pPr>
+            <a:r>
+              <a:rPr lang="zh-CN" altLang="en-US" dirty="0"/>
+              <a:t>即使分隔的一塌糊涂，也能合成一个还算可以的信号</a:t>
+            </a:r>
+            <a:endParaRPr lang="en-US" altLang="zh-CN" dirty="0"/>
+          </a:p>
+          <a:p>
+            <a:pPr marL="342900" indent="-342900">
+              <a:buAutoNum type="arabicPeriod"/>
+            </a:pPr>
+            <a:r>
+              <a:rPr lang="zh-CN" altLang="en-US" dirty="0"/>
+              <a:t>同时，如果能在分隔过程中产生更多的信息，那么模板合成的会更加好。</a:t>
+            </a:r>
+            <a:endParaRPr lang="en-US" altLang="zh-CN" dirty="0"/>
+          </a:p>
+        </p:txBody>
+      </p:sp>
+      <p:sp>
+        <p:nvSpPr>
+          <p:cNvPr id="25" name="任意多边形: 形状 24">
+            <a:extLst>
+              <a:ext uri="{FF2B5EF4-FFF2-40B4-BE49-F238E27FC236}">
+                <a16:creationId xmlns:a16="http://schemas.microsoft.com/office/drawing/2014/main" id="{4B5F50FC-13A1-628C-62CA-CFEECFE98F0F}"/>
+              </a:ext>
+            </a:extLst>
+          </p:cNvPr>
+          <p:cNvSpPr/>
+          <p:nvPr/>
+        </p:nvSpPr>
+        <p:spPr>
+          <a:xfrm>
+            <a:off x="1614185" y="4849857"/>
+            <a:ext cx="1858297" cy="1274790"/>
+          </a:xfrm>
+          <a:custGeom>
+            <a:avLst/>
+            <a:gdLst>
+              <a:gd name="connsiteX0" fmla="*/ 0 w 1858297"/>
+              <a:gd name="connsiteY0" fmla="*/ 577693 h 1274790"/>
+              <a:gd name="connsiteX1" fmla="*/ 184355 w 1858297"/>
+              <a:gd name="connsiteY1" fmla="*/ 695681 h 1274790"/>
+              <a:gd name="connsiteX2" fmla="*/ 324465 w 1858297"/>
+              <a:gd name="connsiteY2" fmla="*/ 408087 h 1274790"/>
+              <a:gd name="connsiteX3" fmla="*/ 582561 w 1858297"/>
+              <a:gd name="connsiteY3" fmla="*/ 931655 h 1274790"/>
+              <a:gd name="connsiteX4" fmla="*/ 803787 w 1858297"/>
+              <a:gd name="connsiteY4" fmla="*/ 2506 h 1274790"/>
+              <a:gd name="connsiteX5" fmla="*/ 1017639 w 1858297"/>
+              <a:gd name="connsiteY5" fmla="*/ 1270868 h 1274790"/>
+              <a:gd name="connsiteX6" fmla="*/ 1297858 w 1858297"/>
+              <a:gd name="connsiteY6" fmla="*/ 408087 h 1274790"/>
+              <a:gd name="connsiteX7" fmla="*/ 1578077 w 1858297"/>
+              <a:gd name="connsiteY7" fmla="*/ 651435 h 1274790"/>
+              <a:gd name="connsiteX8" fmla="*/ 1696065 w 1858297"/>
+              <a:gd name="connsiteY8" fmla="*/ 474455 h 1274790"/>
+              <a:gd name="connsiteX9" fmla="*/ 1858297 w 1858297"/>
+              <a:gd name="connsiteY9" fmla="*/ 629313 h 1274790"/>
+              <a:gd name="connsiteX10" fmla="*/ 1858297 w 1858297"/>
+              <a:gd name="connsiteY10" fmla="*/ 629313 h 1274790"/>
+              <a:gd name="connsiteX11" fmla="*/ 1858297 w 1858297"/>
+              <a:gd name="connsiteY11" fmla="*/ 621939 h 1274790"/>
+            </a:gdLst>
+            <a:ahLst/>
+            <a:cxnLst>
+              <a:cxn ang="0">
+                <a:pos x="connsiteX0" y="connsiteY0"/>
+              </a:cxn>
+              <a:cxn ang="0">
+                <a:pos x="connsiteX1" y="connsiteY1"/>
+              </a:cxn>
+              <a:cxn ang="0">
+                <a:pos x="connsiteX2" y="connsiteY2"/>
+              </a:cxn>
+              <a:cxn ang="0">
+                <a:pos x="connsiteX3" y="connsiteY3"/>
+              </a:cxn>
+              <a:cxn ang="0">
+                <a:pos x="connsiteX4" y="connsiteY4"/>
+              </a:cxn>
+              <a:cxn ang="0">
+                <a:pos x="connsiteX5" y="connsiteY5"/>
+              </a:cxn>
+              <a:cxn ang="0">
+                <a:pos x="connsiteX6" y="connsiteY6"/>
+              </a:cxn>
+              <a:cxn ang="0">
+                <a:pos x="connsiteX7" y="connsiteY7"/>
+              </a:cxn>
+              <a:cxn ang="0">
+                <a:pos x="connsiteX8" y="connsiteY8"/>
+              </a:cxn>
+              <a:cxn ang="0">
+                <a:pos x="connsiteX9" y="connsiteY9"/>
+              </a:cxn>
+              <a:cxn ang="0">
+                <a:pos x="connsiteX10" y="connsiteY10"/>
+              </a:cxn>
+              <a:cxn ang="0">
+                <a:pos x="connsiteX11" y="connsiteY11"/>
+              </a:cxn>
+            </a:cxnLst>
+            <a:rect l="l" t="t" r="r" b="b"/>
+            <a:pathLst>
+              <a:path w="1858297" h="1274790">
+                <a:moveTo>
+                  <a:pt x="0" y="577693"/>
+                </a:moveTo>
+                <a:cubicBezTo>
+                  <a:pt x="65139" y="650821"/>
+                  <a:pt x="130278" y="723949"/>
+                  <a:pt x="184355" y="695681"/>
+                </a:cubicBezTo>
+                <a:cubicBezTo>
+                  <a:pt x="238433" y="667413"/>
+                  <a:pt x="258097" y="368758"/>
+                  <a:pt x="324465" y="408087"/>
+                </a:cubicBezTo>
+                <a:cubicBezTo>
+                  <a:pt x="390833" y="447416"/>
+                  <a:pt x="502674" y="999252"/>
+                  <a:pt x="582561" y="931655"/>
+                </a:cubicBezTo>
+                <a:cubicBezTo>
+                  <a:pt x="662448" y="864058"/>
+                  <a:pt x="731274" y="-54029"/>
+                  <a:pt x="803787" y="2506"/>
+                </a:cubicBezTo>
+                <a:cubicBezTo>
+                  <a:pt x="876300" y="59041"/>
+                  <a:pt x="935294" y="1203271"/>
+                  <a:pt x="1017639" y="1270868"/>
+                </a:cubicBezTo>
+                <a:cubicBezTo>
+                  <a:pt x="1099984" y="1338465"/>
+                  <a:pt x="1204452" y="511326"/>
+                  <a:pt x="1297858" y="408087"/>
+                </a:cubicBezTo>
+                <a:cubicBezTo>
+                  <a:pt x="1391264" y="304848"/>
+                  <a:pt x="1511709" y="640374"/>
+                  <a:pt x="1578077" y="651435"/>
+                </a:cubicBezTo>
+                <a:cubicBezTo>
+                  <a:pt x="1644445" y="662496"/>
+                  <a:pt x="1649362" y="478142"/>
+                  <a:pt x="1696065" y="474455"/>
+                </a:cubicBezTo>
+                <a:cubicBezTo>
+                  <a:pt x="1742768" y="470768"/>
+                  <a:pt x="1858297" y="629313"/>
+                  <a:pt x="1858297" y="629313"/>
+                </a:cubicBezTo>
+                <a:lnTo>
+                  <a:pt x="1858297" y="629313"/>
+                </a:lnTo>
+                <a:lnTo>
+                  <a:pt x="1858297" y="621939"/>
+                </a:lnTo>
+              </a:path>
+            </a:pathLst>
+          </a:custGeom>
+          <a:noFill/>
+        </p:spPr>
+        <p:style>
+          <a:lnRef idx="2">
+            <a:schemeClr val="accent1">
+              <a:shade val="15000"/>
+            </a:schemeClr>
+          </a:lnRef>
+          <a:fillRef idx="1">
+            <a:schemeClr val="accent1"/>
+          </a:fillRef>
+          <a:effectRef idx="0">
+            <a:schemeClr val="accent1"/>
+          </a:effectRef>
+          <a:fontRef idx="minor">
+            <a:schemeClr val="lt1"/>
+          </a:fontRef>
+        </p:style>
+        <p:txBody>
+          <a:bodyPr rtlCol="0" anchor="ctr"/>
+          <a:lstStyle/>
+          <a:p>
+            <a:pPr algn="ctr"/>
+            <a:endParaRPr lang="zh-CN" altLang="en-US"/>
+          </a:p>
+        </p:txBody>
+      </p:sp>
+      <p:sp>
+        <p:nvSpPr>
+          <p:cNvPr id="29" name="任意多边形: 形状 28">
+            <a:extLst>
+              <a:ext uri="{FF2B5EF4-FFF2-40B4-BE49-F238E27FC236}">
+                <a16:creationId xmlns:a16="http://schemas.microsoft.com/office/drawing/2014/main" id="{0A55D519-A13B-A630-98F1-37B28AE47609}"/>
+              </a:ext>
+            </a:extLst>
+          </p:cNvPr>
+          <p:cNvSpPr/>
+          <p:nvPr/>
+        </p:nvSpPr>
+        <p:spPr>
+          <a:xfrm>
+            <a:off x="1657474" y="4846998"/>
+            <a:ext cx="1858297" cy="1274790"/>
+          </a:xfrm>
+          <a:custGeom>
+            <a:avLst/>
+            <a:gdLst>
+              <a:gd name="connsiteX0" fmla="*/ 0 w 1858297"/>
+              <a:gd name="connsiteY0" fmla="*/ 577693 h 1274790"/>
+              <a:gd name="connsiteX1" fmla="*/ 184355 w 1858297"/>
+              <a:gd name="connsiteY1" fmla="*/ 695681 h 1274790"/>
+              <a:gd name="connsiteX2" fmla="*/ 324465 w 1858297"/>
+              <a:gd name="connsiteY2" fmla="*/ 408087 h 1274790"/>
+              <a:gd name="connsiteX3" fmla="*/ 582561 w 1858297"/>
+              <a:gd name="connsiteY3" fmla="*/ 931655 h 1274790"/>
+              <a:gd name="connsiteX4" fmla="*/ 803787 w 1858297"/>
+              <a:gd name="connsiteY4" fmla="*/ 2506 h 1274790"/>
+              <a:gd name="connsiteX5" fmla="*/ 1017639 w 1858297"/>
+              <a:gd name="connsiteY5" fmla="*/ 1270868 h 1274790"/>
+              <a:gd name="connsiteX6" fmla="*/ 1297858 w 1858297"/>
+              <a:gd name="connsiteY6" fmla="*/ 408087 h 1274790"/>
+              <a:gd name="connsiteX7" fmla="*/ 1578077 w 1858297"/>
+              <a:gd name="connsiteY7" fmla="*/ 651435 h 1274790"/>
+              <a:gd name="connsiteX8" fmla="*/ 1696065 w 1858297"/>
+              <a:gd name="connsiteY8" fmla="*/ 474455 h 1274790"/>
+              <a:gd name="connsiteX9" fmla="*/ 1858297 w 1858297"/>
+              <a:gd name="connsiteY9" fmla="*/ 629313 h 1274790"/>
+              <a:gd name="connsiteX10" fmla="*/ 1858297 w 1858297"/>
+              <a:gd name="connsiteY10" fmla="*/ 629313 h 1274790"/>
+              <a:gd name="connsiteX11" fmla="*/ 1858297 w 1858297"/>
+              <a:gd name="connsiteY11" fmla="*/ 621939 h 1274790"/>
+            </a:gdLst>
+            <a:ahLst/>
+            <a:cxnLst>
+              <a:cxn ang="0">
+                <a:pos x="connsiteX0" y="connsiteY0"/>
+              </a:cxn>
+              <a:cxn ang="0">
+                <a:pos x="connsiteX1" y="connsiteY1"/>
+              </a:cxn>
+              <a:cxn ang="0">
+                <a:pos x="connsiteX2" y="connsiteY2"/>
+              </a:cxn>
+              <a:cxn ang="0">
+                <a:pos x="connsiteX3" y="connsiteY3"/>
+              </a:cxn>
+              <a:cxn ang="0">
+                <a:pos x="connsiteX4" y="connsiteY4"/>
+              </a:cxn>
+              <a:cxn ang="0">
+                <a:pos x="connsiteX5" y="connsiteY5"/>
+              </a:cxn>
+              <a:cxn ang="0">
+                <a:pos x="connsiteX6" y="connsiteY6"/>
+              </a:cxn>
+              <a:cxn ang="0">
+                <a:pos x="connsiteX7" y="connsiteY7"/>
+              </a:cxn>
+              <a:cxn ang="0">
+                <a:pos x="connsiteX8" y="connsiteY8"/>
+              </a:cxn>
+              <a:cxn ang="0">
+                <a:pos x="connsiteX9" y="connsiteY9"/>
+              </a:cxn>
+              <a:cxn ang="0">
+                <a:pos x="connsiteX10" y="connsiteY10"/>
+              </a:cxn>
+              <a:cxn ang="0">
+                <a:pos x="connsiteX11" y="connsiteY11"/>
+              </a:cxn>
+            </a:cxnLst>
+            <a:rect l="l" t="t" r="r" b="b"/>
+            <a:pathLst>
+              <a:path w="1858297" h="1274790">
+                <a:moveTo>
+                  <a:pt x="0" y="577693"/>
+                </a:moveTo>
+                <a:cubicBezTo>
+                  <a:pt x="65139" y="650821"/>
+                  <a:pt x="130278" y="723949"/>
+                  <a:pt x="184355" y="695681"/>
+                </a:cubicBezTo>
+                <a:cubicBezTo>
+                  <a:pt x="238433" y="667413"/>
+                  <a:pt x="258097" y="368758"/>
+                  <a:pt x="324465" y="408087"/>
+                </a:cubicBezTo>
+                <a:cubicBezTo>
+                  <a:pt x="390833" y="447416"/>
+                  <a:pt x="502674" y="999252"/>
+                  <a:pt x="582561" y="931655"/>
+                </a:cubicBezTo>
+                <a:cubicBezTo>
+                  <a:pt x="662448" y="864058"/>
+                  <a:pt x="731274" y="-54029"/>
+                  <a:pt x="803787" y="2506"/>
+                </a:cubicBezTo>
+                <a:cubicBezTo>
+                  <a:pt x="876300" y="59041"/>
+                  <a:pt x="935294" y="1203271"/>
+                  <a:pt x="1017639" y="1270868"/>
+                </a:cubicBezTo>
+                <a:cubicBezTo>
+                  <a:pt x="1099984" y="1338465"/>
+                  <a:pt x="1204452" y="511326"/>
+                  <a:pt x="1297858" y="408087"/>
+                </a:cubicBezTo>
+                <a:cubicBezTo>
+                  <a:pt x="1391264" y="304848"/>
+                  <a:pt x="1511709" y="640374"/>
+                  <a:pt x="1578077" y="651435"/>
+                </a:cubicBezTo>
+                <a:cubicBezTo>
+                  <a:pt x="1644445" y="662496"/>
+                  <a:pt x="1649362" y="478142"/>
+                  <a:pt x="1696065" y="474455"/>
+                </a:cubicBezTo>
+                <a:cubicBezTo>
+                  <a:pt x="1742768" y="470768"/>
+                  <a:pt x="1858297" y="629313"/>
+                  <a:pt x="1858297" y="629313"/>
+                </a:cubicBezTo>
+                <a:lnTo>
+                  <a:pt x="1858297" y="629313"/>
+                </a:lnTo>
+                <a:lnTo>
+                  <a:pt x="1858297" y="621939"/>
+                </a:lnTo>
+              </a:path>
+            </a:pathLst>
+          </a:custGeom>
+          <a:noFill/>
+        </p:spPr>
+        <p:style>
+          <a:lnRef idx="2">
+            <a:schemeClr val="accent1">
+              <a:shade val="15000"/>
+            </a:schemeClr>
+          </a:lnRef>
+          <a:fillRef idx="1">
+            <a:schemeClr val="accent1"/>
+          </a:fillRef>
+          <a:effectRef idx="0">
+            <a:schemeClr val="accent1"/>
+          </a:effectRef>
+          <a:fontRef idx="minor">
+            <a:schemeClr val="lt1"/>
+          </a:fontRef>
+        </p:style>
+        <p:txBody>
+          <a:bodyPr rtlCol="0" anchor="ctr"/>
+          <a:lstStyle/>
+          <a:p>
+            <a:pPr algn="ctr"/>
+            <a:endParaRPr lang="zh-CN" altLang="en-US"/>
+          </a:p>
+        </p:txBody>
+      </p:sp>
+      <p:sp>
+        <p:nvSpPr>
+          <p:cNvPr id="30" name="任意多边形: 形状 29">
+            <a:extLst>
+              <a:ext uri="{FF2B5EF4-FFF2-40B4-BE49-F238E27FC236}">
+                <a16:creationId xmlns:a16="http://schemas.microsoft.com/office/drawing/2014/main" id="{8B7DF9A2-5379-73D4-49EE-BD23CB4E37C8}"/>
+              </a:ext>
+            </a:extLst>
+          </p:cNvPr>
+          <p:cNvSpPr/>
+          <p:nvPr/>
+        </p:nvSpPr>
+        <p:spPr>
+          <a:xfrm>
+            <a:off x="1700763" y="4844139"/>
+            <a:ext cx="1858297" cy="1274790"/>
+          </a:xfrm>
+          <a:custGeom>
+            <a:avLst/>
+            <a:gdLst>
+              <a:gd name="connsiteX0" fmla="*/ 0 w 1858297"/>
+              <a:gd name="connsiteY0" fmla="*/ 577693 h 1274790"/>
+              <a:gd name="connsiteX1" fmla="*/ 184355 w 1858297"/>
+              <a:gd name="connsiteY1" fmla="*/ 695681 h 1274790"/>
+              <a:gd name="connsiteX2" fmla="*/ 324465 w 1858297"/>
+              <a:gd name="connsiteY2" fmla="*/ 408087 h 1274790"/>
+              <a:gd name="connsiteX3" fmla="*/ 582561 w 1858297"/>
+              <a:gd name="connsiteY3" fmla="*/ 931655 h 1274790"/>
+              <a:gd name="connsiteX4" fmla="*/ 803787 w 1858297"/>
+              <a:gd name="connsiteY4" fmla="*/ 2506 h 1274790"/>
+              <a:gd name="connsiteX5" fmla="*/ 1017639 w 1858297"/>
+              <a:gd name="connsiteY5" fmla="*/ 1270868 h 1274790"/>
+              <a:gd name="connsiteX6" fmla="*/ 1297858 w 1858297"/>
+              <a:gd name="connsiteY6" fmla="*/ 408087 h 1274790"/>
+              <a:gd name="connsiteX7" fmla="*/ 1578077 w 1858297"/>
+              <a:gd name="connsiteY7" fmla="*/ 651435 h 1274790"/>
+              <a:gd name="connsiteX8" fmla="*/ 1696065 w 1858297"/>
+              <a:gd name="connsiteY8" fmla="*/ 474455 h 1274790"/>
+              <a:gd name="connsiteX9" fmla="*/ 1858297 w 1858297"/>
+              <a:gd name="connsiteY9" fmla="*/ 629313 h 1274790"/>
+              <a:gd name="connsiteX10" fmla="*/ 1858297 w 1858297"/>
+              <a:gd name="connsiteY10" fmla="*/ 629313 h 1274790"/>
+              <a:gd name="connsiteX11" fmla="*/ 1858297 w 1858297"/>
+              <a:gd name="connsiteY11" fmla="*/ 621939 h 1274790"/>
+            </a:gdLst>
+            <a:ahLst/>
+            <a:cxnLst>
+              <a:cxn ang="0">
+                <a:pos x="connsiteX0" y="connsiteY0"/>
+              </a:cxn>
+              <a:cxn ang="0">
+                <a:pos x="connsiteX1" y="connsiteY1"/>
+              </a:cxn>
+              <a:cxn ang="0">
+                <a:pos x="connsiteX2" y="connsiteY2"/>
+              </a:cxn>
+              <a:cxn ang="0">
+                <a:pos x="connsiteX3" y="connsiteY3"/>
+              </a:cxn>
+              <a:cxn ang="0">
+                <a:pos x="connsiteX4" y="connsiteY4"/>
+              </a:cxn>
+              <a:cxn ang="0">
+                <a:pos x="connsiteX5" y="connsiteY5"/>
+              </a:cxn>
+              <a:cxn ang="0">
+                <a:pos x="connsiteX6" y="connsiteY6"/>
+              </a:cxn>
+              <a:cxn ang="0">
+                <a:pos x="connsiteX7" y="connsiteY7"/>
+              </a:cxn>
+              <a:cxn ang="0">
+                <a:pos x="connsiteX8" y="connsiteY8"/>
+              </a:cxn>
+              <a:cxn ang="0">
+                <a:pos x="connsiteX9" y="connsiteY9"/>
+              </a:cxn>
+              <a:cxn ang="0">
+                <a:pos x="connsiteX10" y="connsiteY10"/>
+              </a:cxn>
+              <a:cxn ang="0">
+                <a:pos x="connsiteX11" y="connsiteY11"/>
+              </a:cxn>
+            </a:cxnLst>
+            <a:rect l="l" t="t" r="r" b="b"/>
+            <a:pathLst>
+              <a:path w="1858297" h="1274790">
+                <a:moveTo>
+                  <a:pt x="0" y="577693"/>
+                </a:moveTo>
+                <a:cubicBezTo>
+                  <a:pt x="65139" y="650821"/>
+                  <a:pt x="130278" y="723949"/>
+                  <a:pt x="184355" y="695681"/>
+                </a:cubicBezTo>
+                <a:cubicBezTo>
+                  <a:pt x="238433" y="667413"/>
+                  <a:pt x="258097" y="368758"/>
+                  <a:pt x="324465" y="408087"/>
+                </a:cubicBezTo>
+                <a:cubicBezTo>
+                  <a:pt x="390833" y="447416"/>
+                  <a:pt x="502674" y="999252"/>
+                  <a:pt x="582561" y="931655"/>
+                </a:cubicBezTo>
+                <a:cubicBezTo>
+                  <a:pt x="662448" y="864058"/>
+                  <a:pt x="731274" y="-54029"/>
+                  <a:pt x="803787" y="2506"/>
+                </a:cubicBezTo>
+                <a:cubicBezTo>
+                  <a:pt x="876300" y="59041"/>
+                  <a:pt x="935294" y="1203271"/>
+                  <a:pt x="1017639" y="1270868"/>
+                </a:cubicBezTo>
+                <a:cubicBezTo>
+                  <a:pt x="1099984" y="1338465"/>
+                  <a:pt x="1204452" y="511326"/>
+                  <a:pt x="1297858" y="408087"/>
+                </a:cubicBezTo>
+                <a:cubicBezTo>
+                  <a:pt x="1391264" y="304848"/>
+                  <a:pt x="1511709" y="640374"/>
+                  <a:pt x="1578077" y="651435"/>
+                </a:cubicBezTo>
+                <a:cubicBezTo>
+                  <a:pt x="1644445" y="662496"/>
+                  <a:pt x="1649362" y="478142"/>
+                  <a:pt x="1696065" y="474455"/>
+                </a:cubicBezTo>
+                <a:cubicBezTo>
+                  <a:pt x="1742768" y="470768"/>
+                  <a:pt x="1858297" y="629313"/>
+                  <a:pt x="1858297" y="629313"/>
+                </a:cubicBezTo>
+                <a:lnTo>
+                  <a:pt x="1858297" y="629313"/>
+                </a:lnTo>
+                <a:lnTo>
+                  <a:pt x="1858297" y="621939"/>
+                </a:lnTo>
+              </a:path>
+            </a:pathLst>
+          </a:custGeom>
+          <a:noFill/>
+        </p:spPr>
+        <p:style>
+          <a:lnRef idx="2">
+            <a:schemeClr val="accent1">
+              <a:shade val="15000"/>
+            </a:schemeClr>
+          </a:lnRef>
+          <a:fillRef idx="1">
+            <a:schemeClr val="accent1"/>
+          </a:fillRef>
+          <a:effectRef idx="0">
+            <a:schemeClr val="accent1"/>
+          </a:effectRef>
+          <a:fontRef idx="minor">
+            <a:schemeClr val="lt1"/>
+          </a:fontRef>
+        </p:style>
+        <p:txBody>
+          <a:bodyPr rtlCol="0" anchor="ctr"/>
+          <a:lstStyle/>
+          <a:p>
+            <a:pPr algn="ctr"/>
+            <a:endParaRPr lang="zh-CN" altLang="en-US"/>
+          </a:p>
+        </p:txBody>
+      </p:sp>
+      <p:sp>
+        <p:nvSpPr>
+          <p:cNvPr id="31" name="任意多边形: 形状 30">
+            <a:extLst>
+              <a:ext uri="{FF2B5EF4-FFF2-40B4-BE49-F238E27FC236}">
+                <a16:creationId xmlns:a16="http://schemas.microsoft.com/office/drawing/2014/main" id="{9F1398D2-A22F-213B-658E-50419B470006}"/>
+              </a:ext>
+            </a:extLst>
+          </p:cNvPr>
+          <p:cNvSpPr/>
+          <p:nvPr/>
+        </p:nvSpPr>
+        <p:spPr>
+          <a:xfrm>
+            <a:off x="1744052" y="4841280"/>
+            <a:ext cx="1858297" cy="1274790"/>
+          </a:xfrm>
+          <a:custGeom>
+            <a:avLst/>
+            <a:gdLst>
+              <a:gd name="connsiteX0" fmla="*/ 0 w 1858297"/>
+              <a:gd name="connsiteY0" fmla="*/ 577693 h 1274790"/>
+              <a:gd name="connsiteX1" fmla="*/ 184355 w 1858297"/>
+              <a:gd name="connsiteY1" fmla="*/ 695681 h 1274790"/>
+              <a:gd name="connsiteX2" fmla="*/ 324465 w 1858297"/>
+              <a:gd name="connsiteY2" fmla="*/ 408087 h 1274790"/>
+              <a:gd name="connsiteX3" fmla="*/ 582561 w 1858297"/>
+              <a:gd name="connsiteY3" fmla="*/ 931655 h 1274790"/>
+              <a:gd name="connsiteX4" fmla="*/ 803787 w 1858297"/>
+              <a:gd name="connsiteY4" fmla="*/ 2506 h 1274790"/>
+              <a:gd name="connsiteX5" fmla="*/ 1017639 w 1858297"/>
+              <a:gd name="connsiteY5" fmla="*/ 1270868 h 1274790"/>
+              <a:gd name="connsiteX6" fmla="*/ 1297858 w 1858297"/>
+              <a:gd name="connsiteY6" fmla="*/ 408087 h 1274790"/>
+              <a:gd name="connsiteX7" fmla="*/ 1578077 w 1858297"/>
+              <a:gd name="connsiteY7" fmla="*/ 651435 h 1274790"/>
+              <a:gd name="connsiteX8" fmla="*/ 1696065 w 1858297"/>
+              <a:gd name="connsiteY8" fmla="*/ 474455 h 1274790"/>
+              <a:gd name="connsiteX9" fmla="*/ 1858297 w 1858297"/>
+              <a:gd name="connsiteY9" fmla="*/ 629313 h 1274790"/>
+              <a:gd name="connsiteX10" fmla="*/ 1858297 w 1858297"/>
+              <a:gd name="connsiteY10" fmla="*/ 629313 h 1274790"/>
+              <a:gd name="connsiteX11" fmla="*/ 1858297 w 1858297"/>
+              <a:gd name="connsiteY11" fmla="*/ 621939 h 1274790"/>
+            </a:gdLst>
+            <a:ahLst/>
+            <a:cxnLst>
+              <a:cxn ang="0">
+                <a:pos x="connsiteX0" y="connsiteY0"/>
+              </a:cxn>
+              <a:cxn ang="0">
+                <a:pos x="connsiteX1" y="connsiteY1"/>
+              </a:cxn>
+              <a:cxn ang="0">
+                <a:pos x="connsiteX2" y="connsiteY2"/>
+              </a:cxn>
+              <a:cxn ang="0">
+                <a:pos x="connsiteX3" y="connsiteY3"/>
+              </a:cxn>
+              <a:cxn ang="0">
+                <a:pos x="connsiteX4" y="connsiteY4"/>
+              </a:cxn>
+              <a:cxn ang="0">
+                <a:pos x="connsiteX5" y="connsiteY5"/>
+              </a:cxn>
+              <a:cxn ang="0">
+                <a:pos x="connsiteX6" y="connsiteY6"/>
+              </a:cxn>
+              <a:cxn ang="0">
+                <a:pos x="connsiteX7" y="connsiteY7"/>
+              </a:cxn>
+              <a:cxn ang="0">
+                <a:pos x="connsiteX8" y="connsiteY8"/>
+              </a:cxn>
+              <a:cxn ang="0">
+                <a:pos x="connsiteX9" y="connsiteY9"/>
+              </a:cxn>
+              <a:cxn ang="0">
+                <a:pos x="connsiteX10" y="connsiteY10"/>
+              </a:cxn>
+              <a:cxn ang="0">
+                <a:pos x="connsiteX11" y="connsiteY11"/>
+              </a:cxn>
+            </a:cxnLst>
+            <a:rect l="l" t="t" r="r" b="b"/>
+            <a:pathLst>
+              <a:path w="1858297" h="1274790">
+                <a:moveTo>
+                  <a:pt x="0" y="577693"/>
+                </a:moveTo>
+                <a:cubicBezTo>
+                  <a:pt x="65139" y="650821"/>
+                  <a:pt x="130278" y="723949"/>
+                  <a:pt x="184355" y="695681"/>
+                </a:cubicBezTo>
+                <a:cubicBezTo>
+                  <a:pt x="238433" y="667413"/>
+                  <a:pt x="258097" y="368758"/>
+                  <a:pt x="324465" y="408087"/>
+                </a:cubicBezTo>
+                <a:cubicBezTo>
+                  <a:pt x="390833" y="447416"/>
+                  <a:pt x="502674" y="999252"/>
+                  <a:pt x="582561" y="931655"/>
+                </a:cubicBezTo>
+                <a:cubicBezTo>
+                  <a:pt x="662448" y="864058"/>
+                  <a:pt x="731274" y="-54029"/>
+                  <a:pt x="803787" y="2506"/>
+                </a:cubicBezTo>
+                <a:cubicBezTo>
+                  <a:pt x="876300" y="59041"/>
+                  <a:pt x="935294" y="1203271"/>
+                  <a:pt x="1017639" y="1270868"/>
+                </a:cubicBezTo>
+                <a:cubicBezTo>
+                  <a:pt x="1099984" y="1338465"/>
+                  <a:pt x="1204452" y="511326"/>
+                  <a:pt x="1297858" y="408087"/>
+                </a:cubicBezTo>
+                <a:cubicBezTo>
+                  <a:pt x="1391264" y="304848"/>
+                  <a:pt x="1511709" y="640374"/>
+                  <a:pt x="1578077" y="651435"/>
+                </a:cubicBezTo>
+                <a:cubicBezTo>
+                  <a:pt x="1644445" y="662496"/>
+                  <a:pt x="1649362" y="478142"/>
+                  <a:pt x="1696065" y="474455"/>
+                </a:cubicBezTo>
+                <a:cubicBezTo>
+                  <a:pt x="1742768" y="470768"/>
+                  <a:pt x="1858297" y="629313"/>
+                  <a:pt x="1858297" y="629313"/>
+                </a:cubicBezTo>
+                <a:lnTo>
+                  <a:pt x="1858297" y="629313"/>
+                </a:lnTo>
+                <a:lnTo>
+                  <a:pt x="1858297" y="621939"/>
+                </a:lnTo>
+              </a:path>
+            </a:pathLst>
+          </a:custGeom>
+          <a:noFill/>
+        </p:spPr>
+        <p:style>
+          <a:lnRef idx="2">
+            <a:schemeClr val="accent1">
+              <a:shade val="15000"/>
+            </a:schemeClr>
+          </a:lnRef>
+          <a:fillRef idx="1">
+            <a:schemeClr val="accent1"/>
+          </a:fillRef>
+          <a:effectRef idx="0">
+            <a:schemeClr val="accent1"/>
+          </a:effectRef>
+          <a:fontRef idx="minor">
+            <a:schemeClr val="lt1"/>
+          </a:fontRef>
+        </p:style>
+        <p:txBody>
+          <a:bodyPr rtlCol="0" anchor="ctr"/>
+          <a:lstStyle/>
+          <a:p>
+            <a:pPr algn="ctr"/>
+            <a:endParaRPr lang="zh-CN" altLang="en-US"/>
+          </a:p>
+        </p:txBody>
+      </p:sp>
+      <p:sp>
+        <p:nvSpPr>
+          <p:cNvPr id="32" name="任意多边形: 形状 31">
+            <a:extLst>
+              <a:ext uri="{FF2B5EF4-FFF2-40B4-BE49-F238E27FC236}">
+                <a16:creationId xmlns:a16="http://schemas.microsoft.com/office/drawing/2014/main" id="{8A96E889-AB66-7F41-278C-93A9ECA52CE1}"/>
+              </a:ext>
+            </a:extLst>
+          </p:cNvPr>
+          <p:cNvSpPr/>
+          <p:nvPr/>
+        </p:nvSpPr>
+        <p:spPr>
+          <a:xfrm>
+            <a:off x="1787341" y="4838421"/>
+            <a:ext cx="1858297" cy="1274790"/>
+          </a:xfrm>
+          <a:custGeom>
+            <a:avLst/>
+            <a:gdLst>
+              <a:gd name="connsiteX0" fmla="*/ 0 w 1858297"/>
+              <a:gd name="connsiteY0" fmla="*/ 577693 h 1274790"/>
+              <a:gd name="connsiteX1" fmla="*/ 184355 w 1858297"/>
+              <a:gd name="connsiteY1" fmla="*/ 695681 h 1274790"/>
+              <a:gd name="connsiteX2" fmla="*/ 324465 w 1858297"/>
+              <a:gd name="connsiteY2" fmla="*/ 408087 h 1274790"/>
+              <a:gd name="connsiteX3" fmla="*/ 582561 w 1858297"/>
+              <a:gd name="connsiteY3" fmla="*/ 931655 h 1274790"/>
+              <a:gd name="connsiteX4" fmla="*/ 803787 w 1858297"/>
+              <a:gd name="connsiteY4" fmla="*/ 2506 h 1274790"/>
+              <a:gd name="connsiteX5" fmla="*/ 1017639 w 1858297"/>
+              <a:gd name="connsiteY5" fmla="*/ 1270868 h 1274790"/>
+              <a:gd name="connsiteX6" fmla="*/ 1297858 w 1858297"/>
+              <a:gd name="connsiteY6" fmla="*/ 408087 h 1274790"/>
+              <a:gd name="connsiteX7" fmla="*/ 1578077 w 1858297"/>
+              <a:gd name="connsiteY7" fmla="*/ 651435 h 1274790"/>
+              <a:gd name="connsiteX8" fmla="*/ 1696065 w 1858297"/>
+              <a:gd name="connsiteY8" fmla="*/ 474455 h 1274790"/>
+              <a:gd name="connsiteX9" fmla="*/ 1858297 w 1858297"/>
+              <a:gd name="connsiteY9" fmla="*/ 629313 h 1274790"/>
+              <a:gd name="connsiteX10" fmla="*/ 1858297 w 1858297"/>
+              <a:gd name="connsiteY10" fmla="*/ 629313 h 1274790"/>
+              <a:gd name="connsiteX11" fmla="*/ 1858297 w 1858297"/>
+              <a:gd name="connsiteY11" fmla="*/ 621939 h 1274790"/>
+            </a:gdLst>
+            <a:ahLst/>
+            <a:cxnLst>
+              <a:cxn ang="0">
+                <a:pos x="connsiteX0" y="connsiteY0"/>
+              </a:cxn>
+              <a:cxn ang="0">
+                <a:pos x="connsiteX1" y="connsiteY1"/>
+              </a:cxn>
+              <a:cxn ang="0">
+                <a:pos x="connsiteX2" y="connsiteY2"/>
+              </a:cxn>
+              <a:cxn ang="0">
+                <a:pos x="connsiteX3" y="connsiteY3"/>
+              </a:cxn>
+              <a:cxn ang="0">
+                <a:pos x="connsiteX4" y="connsiteY4"/>
+              </a:cxn>
+              <a:cxn ang="0">
+                <a:pos x="connsiteX5" y="connsiteY5"/>
+              </a:cxn>
+              <a:cxn ang="0">
+                <a:pos x="connsiteX6" y="connsiteY6"/>
+              </a:cxn>
+              <a:cxn ang="0">
+                <a:pos x="connsiteX7" y="connsiteY7"/>
+              </a:cxn>
+              <a:cxn ang="0">
+                <a:pos x="connsiteX8" y="connsiteY8"/>
+              </a:cxn>
+              <a:cxn ang="0">
+                <a:pos x="connsiteX9" y="connsiteY9"/>
+              </a:cxn>
+              <a:cxn ang="0">
+                <a:pos x="connsiteX10" y="connsiteY10"/>
+              </a:cxn>
+              <a:cxn ang="0">
+                <a:pos x="connsiteX11" y="connsiteY11"/>
+              </a:cxn>
+            </a:cxnLst>
+            <a:rect l="l" t="t" r="r" b="b"/>
+            <a:pathLst>
+              <a:path w="1858297" h="1274790">
+                <a:moveTo>
+                  <a:pt x="0" y="577693"/>
+                </a:moveTo>
+                <a:cubicBezTo>
+                  <a:pt x="65139" y="650821"/>
+                  <a:pt x="130278" y="723949"/>
+                  <a:pt x="184355" y="695681"/>
+                </a:cubicBezTo>
+                <a:cubicBezTo>
+                  <a:pt x="238433" y="667413"/>
+                  <a:pt x="258097" y="368758"/>
+                  <a:pt x="324465" y="408087"/>
+                </a:cubicBezTo>
+                <a:cubicBezTo>
+                  <a:pt x="390833" y="447416"/>
+                  <a:pt x="502674" y="999252"/>
+                  <a:pt x="582561" y="931655"/>
+                </a:cubicBezTo>
+                <a:cubicBezTo>
+                  <a:pt x="662448" y="864058"/>
+                  <a:pt x="731274" y="-54029"/>
+                  <a:pt x="803787" y="2506"/>
+                </a:cubicBezTo>
+                <a:cubicBezTo>
+                  <a:pt x="876300" y="59041"/>
+                  <a:pt x="935294" y="1203271"/>
+                  <a:pt x="1017639" y="1270868"/>
+                </a:cubicBezTo>
+                <a:cubicBezTo>
+                  <a:pt x="1099984" y="1338465"/>
+                  <a:pt x="1204452" y="511326"/>
+                  <a:pt x="1297858" y="408087"/>
+                </a:cubicBezTo>
+                <a:cubicBezTo>
+                  <a:pt x="1391264" y="304848"/>
+                  <a:pt x="1511709" y="640374"/>
+                  <a:pt x="1578077" y="651435"/>
+                </a:cubicBezTo>
+                <a:cubicBezTo>
+                  <a:pt x="1644445" y="662496"/>
+                  <a:pt x="1649362" y="478142"/>
+                  <a:pt x="1696065" y="474455"/>
+                </a:cubicBezTo>
+                <a:cubicBezTo>
+                  <a:pt x="1742768" y="470768"/>
+                  <a:pt x="1858297" y="629313"/>
+                  <a:pt x="1858297" y="629313"/>
+                </a:cubicBezTo>
+                <a:lnTo>
+                  <a:pt x="1858297" y="629313"/>
+                </a:lnTo>
+                <a:lnTo>
+                  <a:pt x="1858297" y="621939"/>
+                </a:lnTo>
+              </a:path>
+            </a:pathLst>
+          </a:custGeom>
+          <a:noFill/>
+        </p:spPr>
+        <p:style>
+          <a:lnRef idx="2">
+            <a:schemeClr val="accent1">
+              <a:shade val="15000"/>
+            </a:schemeClr>
+          </a:lnRef>
+          <a:fillRef idx="1">
+            <a:schemeClr val="accent1"/>
+          </a:fillRef>
+          <a:effectRef idx="0">
+            <a:schemeClr val="accent1"/>
+          </a:effectRef>
+          <a:fontRef idx="minor">
+            <a:schemeClr val="lt1"/>
+          </a:fontRef>
+        </p:style>
+        <p:txBody>
+          <a:bodyPr rtlCol="0" anchor="ctr"/>
+          <a:lstStyle/>
+          <a:p>
+            <a:pPr algn="ctr"/>
+            <a:endParaRPr lang="zh-CN" altLang="en-US"/>
+          </a:p>
+        </p:txBody>
+      </p:sp>
+      <p:sp>
+        <p:nvSpPr>
+          <p:cNvPr id="33" name="任意多边形: 形状 32">
+            <a:extLst>
+              <a:ext uri="{FF2B5EF4-FFF2-40B4-BE49-F238E27FC236}">
+                <a16:creationId xmlns:a16="http://schemas.microsoft.com/office/drawing/2014/main" id="{EA74A1EF-F448-71F5-418E-7DA840D1B7F1}"/>
+              </a:ext>
+            </a:extLst>
+          </p:cNvPr>
+          <p:cNvSpPr/>
+          <p:nvPr/>
+        </p:nvSpPr>
+        <p:spPr>
+          <a:xfrm>
+            <a:off x="1830630" y="4853520"/>
+            <a:ext cx="1858297" cy="1274790"/>
+          </a:xfrm>
+          <a:custGeom>
+            <a:avLst/>
+            <a:gdLst>
+              <a:gd name="connsiteX0" fmla="*/ 0 w 1858297"/>
+              <a:gd name="connsiteY0" fmla="*/ 577693 h 1274790"/>
+              <a:gd name="connsiteX1" fmla="*/ 184355 w 1858297"/>
+              <a:gd name="connsiteY1" fmla="*/ 695681 h 1274790"/>
+              <a:gd name="connsiteX2" fmla="*/ 324465 w 1858297"/>
+              <a:gd name="connsiteY2" fmla="*/ 408087 h 1274790"/>
+              <a:gd name="connsiteX3" fmla="*/ 582561 w 1858297"/>
+              <a:gd name="connsiteY3" fmla="*/ 931655 h 1274790"/>
+              <a:gd name="connsiteX4" fmla="*/ 803787 w 1858297"/>
+              <a:gd name="connsiteY4" fmla="*/ 2506 h 1274790"/>
+              <a:gd name="connsiteX5" fmla="*/ 1017639 w 1858297"/>
+              <a:gd name="connsiteY5" fmla="*/ 1270868 h 1274790"/>
+              <a:gd name="connsiteX6" fmla="*/ 1297858 w 1858297"/>
+              <a:gd name="connsiteY6" fmla="*/ 408087 h 1274790"/>
+              <a:gd name="connsiteX7" fmla="*/ 1578077 w 1858297"/>
+              <a:gd name="connsiteY7" fmla="*/ 651435 h 1274790"/>
+              <a:gd name="connsiteX8" fmla="*/ 1696065 w 1858297"/>
+              <a:gd name="connsiteY8" fmla="*/ 474455 h 1274790"/>
+              <a:gd name="connsiteX9" fmla="*/ 1858297 w 1858297"/>
+              <a:gd name="connsiteY9" fmla="*/ 629313 h 1274790"/>
+              <a:gd name="connsiteX10" fmla="*/ 1858297 w 1858297"/>
+              <a:gd name="connsiteY10" fmla="*/ 629313 h 1274790"/>
+              <a:gd name="connsiteX11" fmla="*/ 1858297 w 1858297"/>
+              <a:gd name="connsiteY11" fmla="*/ 621939 h 1274790"/>
+            </a:gdLst>
+            <a:ahLst/>
+            <a:cxnLst>
+              <a:cxn ang="0">
+                <a:pos x="connsiteX0" y="connsiteY0"/>
+              </a:cxn>
+              <a:cxn ang="0">
+                <a:pos x="connsiteX1" y="connsiteY1"/>
+              </a:cxn>
+              <a:cxn ang="0">
+                <a:pos x="connsiteX2" y="connsiteY2"/>
+              </a:cxn>
+              <a:cxn ang="0">
+                <a:pos x="connsiteX3" y="connsiteY3"/>
+              </a:cxn>
+              <a:cxn ang="0">
+                <a:pos x="connsiteX4" y="connsiteY4"/>
+              </a:cxn>
+              <a:cxn ang="0">
+                <a:pos x="connsiteX5" y="connsiteY5"/>
+              </a:cxn>
+              <a:cxn ang="0">
+                <a:pos x="connsiteX6" y="connsiteY6"/>
+              </a:cxn>
+              <a:cxn ang="0">
+                <a:pos x="connsiteX7" y="connsiteY7"/>
+              </a:cxn>
+              <a:cxn ang="0">
+                <a:pos x="connsiteX8" y="connsiteY8"/>
+              </a:cxn>
+              <a:cxn ang="0">
+                <a:pos x="connsiteX9" y="connsiteY9"/>
+              </a:cxn>
+              <a:cxn ang="0">
+                <a:pos x="connsiteX10" y="connsiteY10"/>
+              </a:cxn>
+              <a:cxn ang="0">
+                <a:pos x="connsiteX11" y="connsiteY11"/>
+              </a:cxn>
+            </a:cxnLst>
+            <a:rect l="l" t="t" r="r" b="b"/>
+            <a:pathLst>
+              <a:path w="1858297" h="1274790">
+                <a:moveTo>
+                  <a:pt x="0" y="577693"/>
+                </a:moveTo>
+                <a:cubicBezTo>
+                  <a:pt x="65139" y="650821"/>
+                  <a:pt x="130278" y="723949"/>
+                  <a:pt x="184355" y="695681"/>
+                </a:cubicBezTo>
+                <a:cubicBezTo>
+                  <a:pt x="238433" y="667413"/>
+                  <a:pt x="258097" y="368758"/>
+                  <a:pt x="324465" y="408087"/>
+                </a:cubicBezTo>
+                <a:cubicBezTo>
+                  <a:pt x="390833" y="447416"/>
+                  <a:pt x="502674" y="999252"/>
+                  <a:pt x="582561" y="931655"/>
+                </a:cubicBezTo>
+                <a:cubicBezTo>
+                  <a:pt x="662448" y="864058"/>
+                  <a:pt x="731274" y="-54029"/>
+                  <a:pt x="803787" y="2506"/>
+                </a:cubicBezTo>
+                <a:cubicBezTo>
+                  <a:pt x="876300" y="59041"/>
+                  <a:pt x="935294" y="1203271"/>
+                  <a:pt x="1017639" y="1270868"/>
+                </a:cubicBezTo>
+                <a:cubicBezTo>
+                  <a:pt x="1099984" y="1338465"/>
+                  <a:pt x="1204452" y="511326"/>
+                  <a:pt x="1297858" y="408087"/>
+                </a:cubicBezTo>
+                <a:cubicBezTo>
+                  <a:pt x="1391264" y="304848"/>
+                  <a:pt x="1511709" y="640374"/>
+                  <a:pt x="1578077" y="651435"/>
+                </a:cubicBezTo>
+                <a:cubicBezTo>
+                  <a:pt x="1644445" y="662496"/>
+                  <a:pt x="1649362" y="478142"/>
+                  <a:pt x="1696065" y="474455"/>
+                </a:cubicBezTo>
+                <a:cubicBezTo>
+                  <a:pt x="1742768" y="470768"/>
+                  <a:pt x="1858297" y="629313"/>
+                  <a:pt x="1858297" y="629313"/>
+                </a:cubicBezTo>
+                <a:lnTo>
+                  <a:pt x="1858297" y="629313"/>
+                </a:lnTo>
+                <a:lnTo>
+                  <a:pt x="1858297" y="621939"/>
+                </a:lnTo>
+              </a:path>
+            </a:pathLst>
+          </a:custGeom>
+          <a:noFill/>
+        </p:spPr>
+        <p:style>
+          <a:lnRef idx="2">
+            <a:schemeClr val="accent1">
+              <a:shade val="15000"/>
+            </a:schemeClr>
+          </a:lnRef>
+          <a:fillRef idx="1">
+            <a:schemeClr val="accent1"/>
+          </a:fillRef>
+          <a:effectRef idx="0">
+            <a:schemeClr val="accent1"/>
+          </a:effectRef>
+          <a:fontRef idx="minor">
+            <a:schemeClr val="lt1"/>
+          </a:fontRef>
+        </p:style>
+        <p:txBody>
+          <a:bodyPr rtlCol="0" anchor="ctr"/>
+          <a:lstStyle/>
+          <a:p>
+            <a:pPr algn="ctr"/>
+            <a:endParaRPr lang="zh-CN" altLang="en-US"/>
+          </a:p>
+        </p:txBody>
+      </p:sp>
+      <p:grpSp>
+        <p:nvGrpSpPr>
+          <p:cNvPr id="42" name="组合 41">
+            <a:extLst>
+              <a:ext uri="{FF2B5EF4-FFF2-40B4-BE49-F238E27FC236}">
+                <a16:creationId xmlns:a16="http://schemas.microsoft.com/office/drawing/2014/main" id="{4EBDEFC7-3285-49E0-36A4-4207371A9CD5}"/>
+              </a:ext>
+            </a:extLst>
+          </p:cNvPr>
+          <p:cNvGrpSpPr/>
+          <p:nvPr/>
+        </p:nvGrpSpPr>
+        <p:grpSpPr>
+          <a:xfrm>
+            <a:off x="4640960" y="4757631"/>
+            <a:ext cx="1936955" cy="1374342"/>
+            <a:chOff x="4640960" y="4757631"/>
+            <a:chExt cx="1936955" cy="1374342"/>
+          </a:xfrm>
+        </p:grpSpPr>
+        <p:sp>
+          <p:nvSpPr>
+            <p:cNvPr id="36" name="任意多边形: 形状 35">
+              <a:extLst>
+                <a:ext uri="{FF2B5EF4-FFF2-40B4-BE49-F238E27FC236}">
+                  <a16:creationId xmlns:a16="http://schemas.microsoft.com/office/drawing/2014/main" id="{0F243C20-AD86-C3CC-D479-691FA624ABE7}"/>
+                </a:ext>
+              </a:extLst>
+            </p:cNvPr>
+            <p:cNvSpPr/>
+            <p:nvPr/>
+          </p:nvSpPr>
+          <p:spPr>
+            <a:xfrm>
+              <a:off x="4640960" y="4857183"/>
+              <a:ext cx="1858297" cy="1274790"/>
+            </a:xfrm>
+            <a:custGeom>
+              <a:avLst/>
+              <a:gdLst>
+                <a:gd name="connsiteX0" fmla="*/ 0 w 1858297"/>
+                <a:gd name="connsiteY0" fmla="*/ 577693 h 1274790"/>
+                <a:gd name="connsiteX1" fmla="*/ 184355 w 1858297"/>
+                <a:gd name="connsiteY1" fmla="*/ 695681 h 1274790"/>
+                <a:gd name="connsiteX2" fmla="*/ 324465 w 1858297"/>
+                <a:gd name="connsiteY2" fmla="*/ 408087 h 1274790"/>
+                <a:gd name="connsiteX3" fmla="*/ 582561 w 1858297"/>
+                <a:gd name="connsiteY3" fmla="*/ 931655 h 1274790"/>
+                <a:gd name="connsiteX4" fmla="*/ 803787 w 1858297"/>
+                <a:gd name="connsiteY4" fmla="*/ 2506 h 1274790"/>
+                <a:gd name="connsiteX5" fmla="*/ 1017639 w 1858297"/>
+                <a:gd name="connsiteY5" fmla="*/ 1270868 h 1274790"/>
+                <a:gd name="connsiteX6" fmla="*/ 1297858 w 1858297"/>
+                <a:gd name="connsiteY6" fmla="*/ 408087 h 1274790"/>
+                <a:gd name="connsiteX7" fmla="*/ 1578077 w 1858297"/>
+                <a:gd name="connsiteY7" fmla="*/ 651435 h 1274790"/>
+                <a:gd name="connsiteX8" fmla="*/ 1696065 w 1858297"/>
+                <a:gd name="connsiteY8" fmla="*/ 474455 h 1274790"/>
+                <a:gd name="connsiteX9" fmla="*/ 1858297 w 1858297"/>
+                <a:gd name="connsiteY9" fmla="*/ 629313 h 1274790"/>
+                <a:gd name="connsiteX10" fmla="*/ 1858297 w 1858297"/>
+                <a:gd name="connsiteY10" fmla="*/ 629313 h 1274790"/>
+                <a:gd name="connsiteX11" fmla="*/ 1858297 w 1858297"/>
+                <a:gd name="connsiteY11" fmla="*/ 621939 h 1274790"/>
+              </a:gdLst>
+              <a:ahLst/>
+              <a:cxnLst>
+                <a:cxn ang="0">
+                  <a:pos x="connsiteX0" y="connsiteY0"/>
+                </a:cxn>
+                <a:cxn ang="0">
+                  <a:pos x="connsiteX1" y="connsiteY1"/>
+                </a:cxn>
+                <a:cxn ang="0">
+                  <a:pos x="connsiteX2" y="connsiteY2"/>
+                </a:cxn>
+                <a:cxn ang="0">
+                  <a:pos x="connsiteX3" y="connsiteY3"/>
+                </a:cxn>
+                <a:cxn ang="0">
+                  <a:pos x="connsiteX4" y="connsiteY4"/>
+                </a:cxn>
+                <a:cxn ang="0">
+                  <a:pos x="connsiteX5" y="connsiteY5"/>
+                </a:cxn>
+                <a:cxn ang="0">
+                  <a:pos x="connsiteX6" y="connsiteY6"/>
+                </a:cxn>
+                <a:cxn ang="0">
+                  <a:pos x="connsiteX7" y="connsiteY7"/>
+                </a:cxn>
+                <a:cxn ang="0">
+                  <a:pos x="connsiteX8" y="connsiteY8"/>
+                </a:cxn>
+                <a:cxn ang="0">
+                  <a:pos x="connsiteX9" y="connsiteY9"/>
+                </a:cxn>
+                <a:cxn ang="0">
+                  <a:pos x="connsiteX10" y="connsiteY10"/>
+                </a:cxn>
+                <a:cxn ang="0">
+                  <a:pos x="connsiteX11" y="connsiteY11"/>
+                </a:cxn>
+              </a:cxnLst>
+              <a:rect l="l" t="t" r="r" b="b"/>
+              <a:pathLst>
+                <a:path w="1858297" h="1274790">
+                  <a:moveTo>
+                    <a:pt x="0" y="577693"/>
+                  </a:moveTo>
+                  <a:cubicBezTo>
+                    <a:pt x="65139" y="650821"/>
+                    <a:pt x="130278" y="723949"/>
+                    <a:pt x="184355" y="695681"/>
+                  </a:cubicBezTo>
+                  <a:cubicBezTo>
+                    <a:pt x="238433" y="667413"/>
+                    <a:pt x="258097" y="368758"/>
+                    <a:pt x="324465" y="408087"/>
+                  </a:cubicBezTo>
+                  <a:cubicBezTo>
+                    <a:pt x="390833" y="447416"/>
+                    <a:pt x="502674" y="999252"/>
+                    <a:pt x="582561" y="931655"/>
+                  </a:cubicBezTo>
+                  <a:cubicBezTo>
+                    <a:pt x="662448" y="864058"/>
+                    <a:pt x="731274" y="-54029"/>
+                    <a:pt x="803787" y="2506"/>
+                  </a:cubicBezTo>
+                  <a:cubicBezTo>
+                    <a:pt x="876300" y="59041"/>
+                    <a:pt x="935294" y="1203271"/>
+                    <a:pt x="1017639" y="1270868"/>
+                  </a:cubicBezTo>
+                  <a:cubicBezTo>
+                    <a:pt x="1099984" y="1338465"/>
+                    <a:pt x="1204452" y="511326"/>
+                    <a:pt x="1297858" y="408087"/>
+                  </a:cubicBezTo>
+                  <a:cubicBezTo>
+                    <a:pt x="1391264" y="304848"/>
+                    <a:pt x="1511709" y="640374"/>
+                    <a:pt x="1578077" y="651435"/>
+                  </a:cubicBezTo>
+                  <a:cubicBezTo>
+                    <a:pt x="1644445" y="662496"/>
+                    <a:pt x="1649362" y="478142"/>
+                    <a:pt x="1696065" y="474455"/>
+                  </a:cubicBezTo>
+                  <a:cubicBezTo>
+                    <a:pt x="1742768" y="470768"/>
+                    <a:pt x="1858297" y="629313"/>
+                    <a:pt x="1858297" y="629313"/>
+                  </a:cubicBezTo>
+                  <a:lnTo>
+                    <a:pt x="1858297" y="629313"/>
+                  </a:lnTo>
+                  <a:lnTo>
+                    <a:pt x="1858297" y="621939"/>
+                  </a:lnTo>
+                </a:path>
+              </a:pathLst>
+            </a:custGeom>
+            <a:noFill/>
+          </p:spPr>
+          <p:style>
+            <a:lnRef idx="2">
+              <a:schemeClr val="accent1">
+                <a:shade val="15000"/>
+              </a:schemeClr>
+            </a:lnRef>
+            <a:fillRef idx="1">
+              <a:schemeClr val="accent1"/>
+            </a:fillRef>
+            <a:effectRef idx="0">
+              <a:schemeClr val="accent1"/>
+            </a:effectRef>
+            <a:fontRef idx="minor">
+              <a:schemeClr val="lt1"/>
+            </a:fontRef>
+          </p:style>
+          <p:txBody>
+            <a:bodyPr rtlCol="0" anchor="ctr"/>
+            <a:lstStyle/>
+            <a:p>
+              <a:pPr algn="ctr"/>
+              <a:endParaRPr lang="zh-CN" altLang="en-US"/>
+            </a:p>
+          </p:txBody>
+        </p:sp>
+        <p:sp>
+          <p:nvSpPr>
+            <p:cNvPr id="37" name="椭圆 36">
+              <a:extLst>
+                <a:ext uri="{FF2B5EF4-FFF2-40B4-BE49-F238E27FC236}">
+                  <a16:creationId xmlns:a16="http://schemas.microsoft.com/office/drawing/2014/main" id="{C3691A93-90A0-CC84-305B-12199AB9154E}"/>
+                </a:ext>
+              </a:extLst>
+            </p:cNvPr>
+            <p:cNvSpPr/>
+            <p:nvPr/>
+          </p:nvSpPr>
+          <p:spPr>
+            <a:xfrm>
+              <a:off x="5324168" y="4757631"/>
+              <a:ext cx="216445" cy="199103"/>
+            </a:xfrm>
+            <a:prstGeom prst="ellipse">
+              <a:avLst/>
+            </a:prstGeom>
+            <a:noFill/>
+            <a:ln>
+              <a:solidFill>
+                <a:srgbClr val="FF0000"/>
+              </a:solidFill>
+            </a:ln>
+          </p:spPr>
+          <p:style>
+            <a:lnRef idx="2">
+              <a:schemeClr val="accent1">
+                <a:shade val="15000"/>
+              </a:schemeClr>
+            </a:lnRef>
+            <a:fillRef idx="1">
+              <a:schemeClr val="accent1"/>
+            </a:fillRef>
+            <a:effectRef idx="0">
+              <a:schemeClr val="accent1"/>
+            </a:effectRef>
+            <a:fontRef idx="minor">
+              <a:schemeClr val="lt1"/>
+            </a:fontRef>
+          </p:style>
+          <p:txBody>
+            <a:bodyPr rtlCol="0" anchor="ctr"/>
+            <a:lstStyle/>
+            <a:p>
+              <a:pPr algn="ctr"/>
+              <a:endParaRPr lang="zh-CN" altLang="en-US"/>
+            </a:p>
+          </p:txBody>
+        </p:sp>
+        <p:sp>
+          <p:nvSpPr>
+            <p:cNvPr id="38" name="任意多边形: 形状 37">
+              <a:extLst>
+                <a:ext uri="{FF2B5EF4-FFF2-40B4-BE49-F238E27FC236}">
+                  <a16:creationId xmlns:a16="http://schemas.microsoft.com/office/drawing/2014/main" id="{D7F40D18-37F8-2FA3-C04B-E8E23B04A1DB}"/>
+                </a:ext>
+              </a:extLst>
+            </p:cNvPr>
+            <p:cNvSpPr/>
+            <p:nvPr/>
+          </p:nvSpPr>
+          <p:spPr>
+            <a:xfrm>
+              <a:off x="4719618" y="4857183"/>
+              <a:ext cx="1858297" cy="1274790"/>
+            </a:xfrm>
+            <a:custGeom>
+              <a:avLst/>
+              <a:gdLst>
+                <a:gd name="connsiteX0" fmla="*/ 0 w 1858297"/>
+                <a:gd name="connsiteY0" fmla="*/ 577693 h 1274790"/>
+                <a:gd name="connsiteX1" fmla="*/ 184355 w 1858297"/>
+                <a:gd name="connsiteY1" fmla="*/ 695681 h 1274790"/>
+                <a:gd name="connsiteX2" fmla="*/ 324465 w 1858297"/>
+                <a:gd name="connsiteY2" fmla="*/ 408087 h 1274790"/>
+                <a:gd name="connsiteX3" fmla="*/ 582561 w 1858297"/>
+                <a:gd name="connsiteY3" fmla="*/ 931655 h 1274790"/>
+                <a:gd name="connsiteX4" fmla="*/ 803787 w 1858297"/>
+                <a:gd name="connsiteY4" fmla="*/ 2506 h 1274790"/>
+                <a:gd name="connsiteX5" fmla="*/ 1017639 w 1858297"/>
+                <a:gd name="connsiteY5" fmla="*/ 1270868 h 1274790"/>
+                <a:gd name="connsiteX6" fmla="*/ 1297858 w 1858297"/>
+                <a:gd name="connsiteY6" fmla="*/ 408087 h 1274790"/>
+                <a:gd name="connsiteX7" fmla="*/ 1578077 w 1858297"/>
+                <a:gd name="connsiteY7" fmla="*/ 651435 h 1274790"/>
+                <a:gd name="connsiteX8" fmla="*/ 1696065 w 1858297"/>
+                <a:gd name="connsiteY8" fmla="*/ 474455 h 1274790"/>
+                <a:gd name="connsiteX9" fmla="*/ 1858297 w 1858297"/>
+                <a:gd name="connsiteY9" fmla="*/ 629313 h 1274790"/>
+                <a:gd name="connsiteX10" fmla="*/ 1858297 w 1858297"/>
+                <a:gd name="connsiteY10" fmla="*/ 629313 h 1274790"/>
+                <a:gd name="connsiteX11" fmla="*/ 1858297 w 1858297"/>
+                <a:gd name="connsiteY11" fmla="*/ 621939 h 1274790"/>
+              </a:gdLst>
+              <a:ahLst/>
+              <a:cxnLst>
+                <a:cxn ang="0">
+                  <a:pos x="connsiteX0" y="connsiteY0"/>
+                </a:cxn>
+                <a:cxn ang="0">
+                  <a:pos x="connsiteX1" y="connsiteY1"/>
+                </a:cxn>
+                <a:cxn ang="0">
+                  <a:pos x="connsiteX2" y="connsiteY2"/>
+                </a:cxn>
+                <a:cxn ang="0">
+                  <a:pos x="connsiteX3" y="connsiteY3"/>
+                </a:cxn>
+                <a:cxn ang="0">
+                  <a:pos x="connsiteX4" y="connsiteY4"/>
+                </a:cxn>
+                <a:cxn ang="0">
+                  <a:pos x="connsiteX5" y="connsiteY5"/>
+                </a:cxn>
+                <a:cxn ang="0">
+                  <a:pos x="connsiteX6" y="connsiteY6"/>
+                </a:cxn>
+                <a:cxn ang="0">
+                  <a:pos x="connsiteX7" y="connsiteY7"/>
+                </a:cxn>
+                <a:cxn ang="0">
+                  <a:pos x="connsiteX8" y="connsiteY8"/>
+                </a:cxn>
+                <a:cxn ang="0">
+                  <a:pos x="connsiteX9" y="connsiteY9"/>
+                </a:cxn>
+                <a:cxn ang="0">
+                  <a:pos x="connsiteX10" y="connsiteY10"/>
+                </a:cxn>
+                <a:cxn ang="0">
+                  <a:pos x="connsiteX11" y="connsiteY11"/>
+                </a:cxn>
+              </a:cxnLst>
+              <a:rect l="l" t="t" r="r" b="b"/>
+              <a:pathLst>
+                <a:path w="1858297" h="1274790">
+                  <a:moveTo>
+                    <a:pt x="0" y="577693"/>
+                  </a:moveTo>
+                  <a:cubicBezTo>
+                    <a:pt x="65139" y="650821"/>
+                    <a:pt x="130278" y="723949"/>
+                    <a:pt x="184355" y="695681"/>
+                  </a:cubicBezTo>
+                  <a:cubicBezTo>
+                    <a:pt x="238433" y="667413"/>
+                    <a:pt x="258097" y="368758"/>
+                    <a:pt x="324465" y="408087"/>
+                  </a:cubicBezTo>
+                  <a:cubicBezTo>
+                    <a:pt x="390833" y="447416"/>
+                    <a:pt x="502674" y="999252"/>
+                    <a:pt x="582561" y="931655"/>
+                  </a:cubicBezTo>
+                  <a:cubicBezTo>
+                    <a:pt x="662448" y="864058"/>
+                    <a:pt x="731274" y="-54029"/>
+                    <a:pt x="803787" y="2506"/>
+                  </a:cubicBezTo>
+                  <a:cubicBezTo>
+                    <a:pt x="876300" y="59041"/>
+                    <a:pt x="935294" y="1203271"/>
+                    <a:pt x="1017639" y="1270868"/>
+                  </a:cubicBezTo>
+                  <a:cubicBezTo>
+                    <a:pt x="1099984" y="1338465"/>
+                    <a:pt x="1204452" y="511326"/>
+                    <a:pt x="1297858" y="408087"/>
+                  </a:cubicBezTo>
+                  <a:cubicBezTo>
+                    <a:pt x="1391264" y="304848"/>
+                    <a:pt x="1511709" y="640374"/>
+                    <a:pt x="1578077" y="651435"/>
+                  </a:cubicBezTo>
+                  <a:cubicBezTo>
+                    <a:pt x="1644445" y="662496"/>
+                    <a:pt x="1649362" y="478142"/>
+                    <a:pt x="1696065" y="474455"/>
+                  </a:cubicBezTo>
+                  <a:cubicBezTo>
+                    <a:pt x="1742768" y="470768"/>
+                    <a:pt x="1858297" y="629313"/>
+                    <a:pt x="1858297" y="629313"/>
+                  </a:cubicBezTo>
+                  <a:lnTo>
+                    <a:pt x="1858297" y="629313"/>
+                  </a:lnTo>
+                  <a:lnTo>
+                    <a:pt x="1858297" y="621939"/>
+                  </a:lnTo>
+                </a:path>
+              </a:pathLst>
+            </a:custGeom>
+            <a:noFill/>
+          </p:spPr>
+          <p:style>
+            <a:lnRef idx="2">
+              <a:schemeClr val="accent1">
+                <a:shade val="15000"/>
+              </a:schemeClr>
+            </a:lnRef>
+            <a:fillRef idx="1">
+              <a:schemeClr val="accent1"/>
+            </a:fillRef>
+            <a:effectRef idx="0">
+              <a:schemeClr val="accent1"/>
+            </a:effectRef>
+            <a:fontRef idx="minor">
+              <a:schemeClr val="lt1"/>
+            </a:fontRef>
+          </p:style>
+          <p:txBody>
+            <a:bodyPr rtlCol="0" anchor="ctr"/>
+            <a:lstStyle/>
+            <a:p>
+              <a:pPr algn="ctr"/>
+              <a:endParaRPr lang="zh-CN" altLang="en-US"/>
+            </a:p>
+          </p:txBody>
+        </p:sp>
+        <p:sp>
+          <p:nvSpPr>
+            <p:cNvPr id="39" name="椭圆 38">
+              <a:extLst>
+                <a:ext uri="{FF2B5EF4-FFF2-40B4-BE49-F238E27FC236}">
+                  <a16:creationId xmlns:a16="http://schemas.microsoft.com/office/drawing/2014/main" id="{C4ECA51E-5A64-AB5C-38A0-63C72181B2D4}"/>
+                </a:ext>
+              </a:extLst>
+            </p:cNvPr>
+            <p:cNvSpPr/>
+            <p:nvPr/>
+          </p:nvSpPr>
+          <p:spPr>
+            <a:xfrm>
+              <a:off x="5402826" y="4757631"/>
+              <a:ext cx="216445" cy="199103"/>
+            </a:xfrm>
+            <a:prstGeom prst="ellipse">
+              <a:avLst/>
+            </a:prstGeom>
+            <a:noFill/>
+            <a:ln>
+              <a:solidFill>
+                <a:srgbClr val="FF0000"/>
+              </a:solidFill>
+            </a:ln>
+          </p:spPr>
+          <p:style>
+            <a:lnRef idx="2">
+              <a:schemeClr val="accent1">
+                <a:shade val="15000"/>
+              </a:schemeClr>
+            </a:lnRef>
+            <a:fillRef idx="1">
+              <a:schemeClr val="accent1"/>
+            </a:fillRef>
+            <a:effectRef idx="0">
+              <a:schemeClr val="accent1"/>
+            </a:effectRef>
+            <a:fontRef idx="minor">
+              <a:schemeClr val="lt1"/>
+            </a:fontRef>
+          </p:style>
+          <p:txBody>
+            <a:bodyPr rtlCol="0" anchor="ctr"/>
+            <a:lstStyle/>
+            <a:p>
+              <a:pPr algn="ctr"/>
+              <a:endParaRPr lang="zh-CN" altLang="en-US"/>
+            </a:p>
+          </p:txBody>
+        </p:sp>
+      </p:grpSp>
+      <p:grpSp>
+        <p:nvGrpSpPr>
+          <p:cNvPr id="43" name="组合 42">
+            <a:extLst>
+              <a:ext uri="{FF2B5EF4-FFF2-40B4-BE49-F238E27FC236}">
+                <a16:creationId xmlns:a16="http://schemas.microsoft.com/office/drawing/2014/main" id="{6D221DD5-3E12-2EFC-0312-7096C4BD968D}"/>
+              </a:ext>
+            </a:extLst>
+          </p:cNvPr>
+          <p:cNvGrpSpPr/>
+          <p:nvPr/>
+        </p:nvGrpSpPr>
+        <p:grpSpPr>
+          <a:xfrm>
+            <a:off x="4807974" y="4757631"/>
+            <a:ext cx="1936955" cy="1374342"/>
+            <a:chOff x="4640960" y="4757631"/>
+            <a:chExt cx="1936955" cy="1374342"/>
+          </a:xfrm>
+        </p:grpSpPr>
+        <p:sp>
+          <p:nvSpPr>
+            <p:cNvPr id="44" name="任意多边形: 形状 43">
+              <a:extLst>
+                <a:ext uri="{FF2B5EF4-FFF2-40B4-BE49-F238E27FC236}">
+                  <a16:creationId xmlns:a16="http://schemas.microsoft.com/office/drawing/2014/main" id="{D536E464-209D-D56F-E389-59547D33FD38}"/>
+                </a:ext>
+              </a:extLst>
+            </p:cNvPr>
+            <p:cNvSpPr/>
+            <p:nvPr/>
+          </p:nvSpPr>
+          <p:spPr>
+            <a:xfrm>
+              <a:off x="4640960" y="4857183"/>
+              <a:ext cx="1858297" cy="1274790"/>
+            </a:xfrm>
+            <a:custGeom>
+              <a:avLst/>
+              <a:gdLst>
+                <a:gd name="connsiteX0" fmla="*/ 0 w 1858297"/>
+                <a:gd name="connsiteY0" fmla="*/ 577693 h 1274790"/>
+                <a:gd name="connsiteX1" fmla="*/ 184355 w 1858297"/>
+                <a:gd name="connsiteY1" fmla="*/ 695681 h 1274790"/>
+                <a:gd name="connsiteX2" fmla="*/ 324465 w 1858297"/>
+                <a:gd name="connsiteY2" fmla="*/ 408087 h 1274790"/>
+                <a:gd name="connsiteX3" fmla="*/ 582561 w 1858297"/>
+                <a:gd name="connsiteY3" fmla="*/ 931655 h 1274790"/>
+                <a:gd name="connsiteX4" fmla="*/ 803787 w 1858297"/>
+                <a:gd name="connsiteY4" fmla="*/ 2506 h 1274790"/>
+                <a:gd name="connsiteX5" fmla="*/ 1017639 w 1858297"/>
+                <a:gd name="connsiteY5" fmla="*/ 1270868 h 1274790"/>
+                <a:gd name="connsiteX6" fmla="*/ 1297858 w 1858297"/>
+                <a:gd name="connsiteY6" fmla="*/ 408087 h 1274790"/>
+                <a:gd name="connsiteX7" fmla="*/ 1578077 w 1858297"/>
+                <a:gd name="connsiteY7" fmla="*/ 651435 h 1274790"/>
+                <a:gd name="connsiteX8" fmla="*/ 1696065 w 1858297"/>
+                <a:gd name="connsiteY8" fmla="*/ 474455 h 1274790"/>
+                <a:gd name="connsiteX9" fmla="*/ 1858297 w 1858297"/>
+                <a:gd name="connsiteY9" fmla="*/ 629313 h 1274790"/>
+                <a:gd name="connsiteX10" fmla="*/ 1858297 w 1858297"/>
+                <a:gd name="connsiteY10" fmla="*/ 629313 h 1274790"/>
+                <a:gd name="connsiteX11" fmla="*/ 1858297 w 1858297"/>
+                <a:gd name="connsiteY11" fmla="*/ 621939 h 1274790"/>
+              </a:gdLst>
+              <a:ahLst/>
+              <a:cxnLst>
+                <a:cxn ang="0">
+                  <a:pos x="connsiteX0" y="connsiteY0"/>
+                </a:cxn>
+                <a:cxn ang="0">
+                  <a:pos x="connsiteX1" y="connsiteY1"/>
+                </a:cxn>
+                <a:cxn ang="0">
+                  <a:pos x="connsiteX2" y="connsiteY2"/>
+                </a:cxn>
+                <a:cxn ang="0">
+                  <a:pos x="connsiteX3" y="connsiteY3"/>
+                </a:cxn>
+                <a:cxn ang="0">
+                  <a:pos x="connsiteX4" y="connsiteY4"/>
+                </a:cxn>
+                <a:cxn ang="0">
+                  <a:pos x="connsiteX5" y="connsiteY5"/>
+                </a:cxn>
+                <a:cxn ang="0">
+                  <a:pos x="connsiteX6" y="connsiteY6"/>
+                </a:cxn>
+                <a:cxn ang="0">
+                  <a:pos x="connsiteX7" y="connsiteY7"/>
+                </a:cxn>
+                <a:cxn ang="0">
+                  <a:pos x="connsiteX8" y="connsiteY8"/>
+                </a:cxn>
+                <a:cxn ang="0">
+                  <a:pos x="connsiteX9" y="connsiteY9"/>
+                </a:cxn>
+                <a:cxn ang="0">
+                  <a:pos x="connsiteX10" y="connsiteY10"/>
+                </a:cxn>
+                <a:cxn ang="0">
+                  <a:pos x="connsiteX11" y="connsiteY11"/>
+                </a:cxn>
+              </a:cxnLst>
+              <a:rect l="l" t="t" r="r" b="b"/>
+              <a:pathLst>
+                <a:path w="1858297" h="1274790">
+                  <a:moveTo>
+                    <a:pt x="0" y="577693"/>
+                  </a:moveTo>
+                  <a:cubicBezTo>
+                    <a:pt x="65139" y="650821"/>
+                    <a:pt x="130278" y="723949"/>
+                    <a:pt x="184355" y="695681"/>
+                  </a:cubicBezTo>
+                  <a:cubicBezTo>
+                    <a:pt x="238433" y="667413"/>
+                    <a:pt x="258097" y="368758"/>
+                    <a:pt x="324465" y="408087"/>
+                  </a:cubicBezTo>
+                  <a:cubicBezTo>
+                    <a:pt x="390833" y="447416"/>
+                    <a:pt x="502674" y="999252"/>
+                    <a:pt x="582561" y="931655"/>
+                  </a:cubicBezTo>
+                  <a:cubicBezTo>
+                    <a:pt x="662448" y="864058"/>
+                    <a:pt x="731274" y="-54029"/>
+                    <a:pt x="803787" y="2506"/>
+                  </a:cubicBezTo>
+                  <a:cubicBezTo>
+                    <a:pt x="876300" y="59041"/>
+                    <a:pt x="935294" y="1203271"/>
+                    <a:pt x="1017639" y="1270868"/>
+                  </a:cubicBezTo>
+                  <a:cubicBezTo>
+                    <a:pt x="1099984" y="1338465"/>
+                    <a:pt x="1204452" y="511326"/>
+                    <a:pt x="1297858" y="408087"/>
+                  </a:cubicBezTo>
+                  <a:cubicBezTo>
+                    <a:pt x="1391264" y="304848"/>
+                    <a:pt x="1511709" y="640374"/>
+                    <a:pt x="1578077" y="651435"/>
+                  </a:cubicBezTo>
+                  <a:cubicBezTo>
+                    <a:pt x="1644445" y="662496"/>
+                    <a:pt x="1649362" y="478142"/>
+                    <a:pt x="1696065" y="474455"/>
+                  </a:cubicBezTo>
+                  <a:cubicBezTo>
+                    <a:pt x="1742768" y="470768"/>
+                    <a:pt x="1858297" y="629313"/>
+                    <a:pt x="1858297" y="629313"/>
+                  </a:cubicBezTo>
+                  <a:lnTo>
+                    <a:pt x="1858297" y="629313"/>
+                  </a:lnTo>
+                  <a:lnTo>
+                    <a:pt x="1858297" y="621939"/>
+                  </a:lnTo>
+                </a:path>
+              </a:pathLst>
+            </a:custGeom>
+            <a:noFill/>
+          </p:spPr>
+          <p:style>
+            <a:lnRef idx="2">
+              <a:schemeClr val="accent1">
+                <a:shade val="15000"/>
+              </a:schemeClr>
+            </a:lnRef>
+            <a:fillRef idx="1">
+              <a:schemeClr val="accent1"/>
+            </a:fillRef>
+            <a:effectRef idx="0">
+              <a:schemeClr val="accent1"/>
+            </a:effectRef>
+            <a:fontRef idx="minor">
+              <a:schemeClr val="lt1"/>
+            </a:fontRef>
+          </p:style>
+          <p:txBody>
+            <a:bodyPr rtlCol="0" anchor="ctr"/>
+            <a:lstStyle/>
+            <a:p>
+              <a:pPr algn="ctr"/>
+              <a:endParaRPr lang="zh-CN" altLang="en-US"/>
+            </a:p>
+          </p:txBody>
+        </p:sp>
+        <p:sp>
+          <p:nvSpPr>
+            <p:cNvPr id="45" name="椭圆 44">
+              <a:extLst>
+                <a:ext uri="{FF2B5EF4-FFF2-40B4-BE49-F238E27FC236}">
+                  <a16:creationId xmlns:a16="http://schemas.microsoft.com/office/drawing/2014/main" id="{F3604CD5-AACD-73E0-91A5-E521B98628C4}"/>
+                </a:ext>
+              </a:extLst>
+            </p:cNvPr>
+            <p:cNvSpPr/>
+            <p:nvPr/>
+          </p:nvSpPr>
+          <p:spPr>
+            <a:xfrm>
+              <a:off x="5324168" y="4757631"/>
+              <a:ext cx="216445" cy="199103"/>
+            </a:xfrm>
+            <a:prstGeom prst="ellipse">
+              <a:avLst/>
+            </a:prstGeom>
+            <a:noFill/>
+            <a:ln>
+              <a:solidFill>
+                <a:srgbClr val="FF0000"/>
+              </a:solidFill>
+            </a:ln>
+          </p:spPr>
+          <p:style>
+            <a:lnRef idx="2">
+              <a:schemeClr val="accent1">
+                <a:shade val="15000"/>
+              </a:schemeClr>
+            </a:lnRef>
+            <a:fillRef idx="1">
+              <a:schemeClr val="accent1"/>
+            </a:fillRef>
+            <a:effectRef idx="0">
+              <a:schemeClr val="accent1"/>
+            </a:effectRef>
+            <a:fontRef idx="minor">
+              <a:schemeClr val="lt1"/>
+            </a:fontRef>
+          </p:style>
+          <p:txBody>
+            <a:bodyPr rtlCol="0" anchor="ctr"/>
+            <a:lstStyle/>
+            <a:p>
+              <a:pPr algn="ctr"/>
+              <a:endParaRPr lang="zh-CN" altLang="en-US"/>
+            </a:p>
+          </p:txBody>
+        </p:sp>
+        <p:sp>
+          <p:nvSpPr>
+            <p:cNvPr id="46" name="任意多边形: 形状 45">
+              <a:extLst>
+                <a:ext uri="{FF2B5EF4-FFF2-40B4-BE49-F238E27FC236}">
+                  <a16:creationId xmlns:a16="http://schemas.microsoft.com/office/drawing/2014/main" id="{33C780CB-F54A-CB72-96A1-3DA6AD5A831F}"/>
+                </a:ext>
+              </a:extLst>
+            </p:cNvPr>
+            <p:cNvSpPr/>
+            <p:nvPr/>
+          </p:nvSpPr>
+          <p:spPr>
+            <a:xfrm>
+              <a:off x="4719618" y="4857183"/>
+              <a:ext cx="1858297" cy="1274790"/>
+            </a:xfrm>
+            <a:custGeom>
+              <a:avLst/>
+              <a:gdLst>
+                <a:gd name="connsiteX0" fmla="*/ 0 w 1858297"/>
+                <a:gd name="connsiteY0" fmla="*/ 577693 h 1274790"/>
+                <a:gd name="connsiteX1" fmla="*/ 184355 w 1858297"/>
+                <a:gd name="connsiteY1" fmla="*/ 695681 h 1274790"/>
+                <a:gd name="connsiteX2" fmla="*/ 324465 w 1858297"/>
+                <a:gd name="connsiteY2" fmla="*/ 408087 h 1274790"/>
+                <a:gd name="connsiteX3" fmla="*/ 582561 w 1858297"/>
+                <a:gd name="connsiteY3" fmla="*/ 931655 h 1274790"/>
+                <a:gd name="connsiteX4" fmla="*/ 803787 w 1858297"/>
+                <a:gd name="connsiteY4" fmla="*/ 2506 h 1274790"/>
+                <a:gd name="connsiteX5" fmla="*/ 1017639 w 1858297"/>
+                <a:gd name="connsiteY5" fmla="*/ 1270868 h 1274790"/>
+                <a:gd name="connsiteX6" fmla="*/ 1297858 w 1858297"/>
+                <a:gd name="connsiteY6" fmla="*/ 408087 h 1274790"/>
+                <a:gd name="connsiteX7" fmla="*/ 1578077 w 1858297"/>
+                <a:gd name="connsiteY7" fmla="*/ 651435 h 1274790"/>
+                <a:gd name="connsiteX8" fmla="*/ 1696065 w 1858297"/>
+                <a:gd name="connsiteY8" fmla="*/ 474455 h 1274790"/>
+                <a:gd name="connsiteX9" fmla="*/ 1858297 w 1858297"/>
+                <a:gd name="connsiteY9" fmla="*/ 629313 h 1274790"/>
+                <a:gd name="connsiteX10" fmla="*/ 1858297 w 1858297"/>
+                <a:gd name="connsiteY10" fmla="*/ 629313 h 1274790"/>
+                <a:gd name="connsiteX11" fmla="*/ 1858297 w 1858297"/>
+                <a:gd name="connsiteY11" fmla="*/ 621939 h 1274790"/>
+              </a:gdLst>
+              <a:ahLst/>
+              <a:cxnLst>
+                <a:cxn ang="0">
+                  <a:pos x="connsiteX0" y="connsiteY0"/>
+                </a:cxn>
+                <a:cxn ang="0">
+                  <a:pos x="connsiteX1" y="connsiteY1"/>
+                </a:cxn>
+                <a:cxn ang="0">
+                  <a:pos x="connsiteX2" y="connsiteY2"/>
+                </a:cxn>
+                <a:cxn ang="0">
+                  <a:pos x="connsiteX3" y="connsiteY3"/>
+                </a:cxn>
+                <a:cxn ang="0">
+                  <a:pos x="connsiteX4" y="connsiteY4"/>
+                </a:cxn>
+                <a:cxn ang="0">
+                  <a:pos x="connsiteX5" y="connsiteY5"/>
+                </a:cxn>
+                <a:cxn ang="0">
+                  <a:pos x="connsiteX6" y="connsiteY6"/>
+                </a:cxn>
+                <a:cxn ang="0">
+                  <a:pos x="connsiteX7" y="connsiteY7"/>
+                </a:cxn>
+                <a:cxn ang="0">
+                  <a:pos x="connsiteX8" y="connsiteY8"/>
+                </a:cxn>
+                <a:cxn ang="0">
+                  <a:pos x="connsiteX9" y="connsiteY9"/>
+                </a:cxn>
+                <a:cxn ang="0">
+                  <a:pos x="connsiteX10" y="connsiteY10"/>
+                </a:cxn>
+                <a:cxn ang="0">
+                  <a:pos x="connsiteX11" y="connsiteY11"/>
+                </a:cxn>
+              </a:cxnLst>
+              <a:rect l="l" t="t" r="r" b="b"/>
+              <a:pathLst>
+                <a:path w="1858297" h="1274790">
+                  <a:moveTo>
+                    <a:pt x="0" y="577693"/>
+                  </a:moveTo>
+                  <a:cubicBezTo>
+                    <a:pt x="65139" y="650821"/>
+                    <a:pt x="130278" y="723949"/>
+                    <a:pt x="184355" y="695681"/>
+                  </a:cubicBezTo>
+                  <a:cubicBezTo>
+                    <a:pt x="238433" y="667413"/>
+                    <a:pt x="258097" y="368758"/>
+                    <a:pt x="324465" y="408087"/>
+                  </a:cubicBezTo>
+                  <a:cubicBezTo>
+                    <a:pt x="390833" y="447416"/>
+                    <a:pt x="502674" y="999252"/>
+                    <a:pt x="582561" y="931655"/>
+                  </a:cubicBezTo>
+                  <a:cubicBezTo>
+                    <a:pt x="662448" y="864058"/>
+                    <a:pt x="731274" y="-54029"/>
+                    <a:pt x="803787" y="2506"/>
+                  </a:cubicBezTo>
+                  <a:cubicBezTo>
+                    <a:pt x="876300" y="59041"/>
+                    <a:pt x="935294" y="1203271"/>
+                    <a:pt x="1017639" y="1270868"/>
+                  </a:cubicBezTo>
+                  <a:cubicBezTo>
+                    <a:pt x="1099984" y="1338465"/>
+                    <a:pt x="1204452" y="511326"/>
+                    <a:pt x="1297858" y="408087"/>
+                  </a:cubicBezTo>
+                  <a:cubicBezTo>
+                    <a:pt x="1391264" y="304848"/>
+                    <a:pt x="1511709" y="640374"/>
+                    <a:pt x="1578077" y="651435"/>
+                  </a:cubicBezTo>
+                  <a:cubicBezTo>
+                    <a:pt x="1644445" y="662496"/>
+                    <a:pt x="1649362" y="478142"/>
+                    <a:pt x="1696065" y="474455"/>
+                  </a:cubicBezTo>
+                  <a:cubicBezTo>
+                    <a:pt x="1742768" y="470768"/>
+                    <a:pt x="1858297" y="629313"/>
+                    <a:pt x="1858297" y="629313"/>
+                  </a:cubicBezTo>
+                  <a:lnTo>
+                    <a:pt x="1858297" y="629313"/>
+                  </a:lnTo>
+                  <a:lnTo>
+                    <a:pt x="1858297" y="621939"/>
+                  </a:lnTo>
+                </a:path>
+              </a:pathLst>
+            </a:custGeom>
+            <a:noFill/>
+          </p:spPr>
+          <p:style>
+            <a:lnRef idx="2">
+              <a:schemeClr val="accent1">
+                <a:shade val="15000"/>
+              </a:schemeClr>
+            </a:lnRef>
+            <a:fillRef idx="1">
+              <a:schemeClr val="accent1"/>
+            </a:fillRef>
+            <a:effectRef idx="0">
+              <a:schemeClr val="accent1"/>
+            </a:effectRef>
+            <a:fontRef idx="minor">
+              <a:schemeClr val="lt1"/>
+            </a:fontRef>
+          </p:style>
+          <p:txBody>
+            <a:bodyPr rtlCol="0" anchor="ctr"/>
+            <a:lstStyle/>
+            <a:p>
+              <a:pPr algn="ctr"/>
+              <a:endParaRPr lang="zh-CN" altLang="en-US"/>
+            </a:p>
+          </p:txBody>
+        </p:sp>
+        <p:sp>
+          <p:nvSpPr>
+            <p:cNvPr id="47" name="椭圆 46">
+              <a:extLst>
+                <a:ext uri="{FF2B5EF4-FFF2-40B4-BE49-F238E27FC236}">
+                  <a16:creationId xmlns:a16="http://schemas.microsoft.com/office/drawing/2014/main" id="{0CFAAAAD-F04F-27A4-76FE-E8A9B1445817}"/>
+                </a:ext>
+              </a:extLst>
+            </p:cNvPr>
+            <p:cNvSpPr/>
+            <p:nvPr/>
+          </p:nvSpPr>
+          <p:spPr>
+            <a:xfrm>
+              <a:off x="5402826" y="4757631"/>
+              <a:ext cx="216445" cy="199103"/>
+            </a:xfrm>
+            <a:prstGeom prst="ellipse">
+              <a:avLst/>
+            </a:prstGeom>
+            <a:noFill/>
+            <a:ln>
+              <a:solidFill>
+                <a:srgbClr val="FF0000"/>
+              </a:solidFill>
+            </a:ln>
+          </p:spPr>
+          <p:style>
+            <a:lnRef idx="2">
+              <a:schemeClr val="accent1">
+                <a:shade val="15000"/>
+              </a:schemeClr>
+            </a:lnRef>
+            <a:fillRef idx="1">
+              <a:schemeClr val="accent1"/>
+            </a:fillRef>
+            <a:effectRef idx="0">
+              <a:schemeClr val="accent1"/>
+            </a:effectRef>
+            <a:fontRef idx="minor">
+              <a:schemeClr val="lt1"/>
+            </a:fontRef>
+          </p:style>
+          <p:txBody>
+            <a:bodyPr rtlCol="0" anchor="ctr"/>
+            <a:lstStyle/>
+            <a:p>
+              <a:pPr algn="ctr"/>
+              <a:endParaRPr lang="zh-CN" altLang="en-US"/>
+            </a:p>
+          </p:txBody>
+        </p:sp>
+      </p:grpSp>
+      <p:grpSp>
+        <p:nvGrpSpPr>
+          <p:cNvPr id="48" name="组合 47">
+            <a:extLst>
+              <a:ext uri="{FF2B5EF4-FFF2-40B4-BE49-F238E27FC236}">
+                <a16:creationId xmlns:a16="http://schemas.microsoft.com/office/drawing/2014/main" id="{3905A07A-1539-CE5C-826D-C7CE0B2685D4}"/>
+              </a:ext>
+            </a:extLst>
+          </p:cNvPr>
+          <p:cNvGrpSpPr/>
+          <p:nvPr/>
+        </p:nvGrpSpPr>
+        <p:grpSpPr>
+          <a:xfrm>
+            <a:off x="4945066" y="4757631"/>
+            <a:ext cx="1936955" cy="1374342"/>
+            <a:chOff x="4640960" y="4757631"/>
+            <a:chExt cx="1936955" cy="1374342"/>
+          </a:xfrm>
+        </p:grpSpPr>
+        <p:sp>
+          <p:nvSpPr>
+            <p:cNvPr id="49" name="任意多边形: 形状 48">
+              <a:extLst>
+                <a:ext uri="{FF2B5EF4-FFF2-40B4-BE49-F238E27FC236}">
+                  <a16:creationId xmlns:a16="http://schemas.microsoft.com/office/drawing/2014/main" id="{9FEB77AF-DF15-A3A5-0DAB-B9902EC255D6}"/>
+                </a:ext>
+              </a:extLst>
+            </p:cNvPr>
+            <p:cNvSpPr/>
+            <p:nvPr/>
+          </p:nvSpPr>
+          <p:spPr>
+            <a:xfrm>
+              <a:off x="4640960" y="4857183"/>
+              <a:ext cx="1858297" cy="1274790"/>
+            </a:xfrm>
+            <a:custGeom>
+              <a:avLst/>
+              <a:gdLst>
+                <a:gd name="connsiteX0" fmla="*/ 0 w 1858297"/>
+                <a:gd name="connsiteY0" fmla="*/ 577693 h 1274790"/>
+                <a:gd name="connsiteX1" fmla="*/ 184355 w 1858297"/>
+                <a:gd name="connsiteY1" fmla="*/ 695681 h 1274790"/>
+                <a:gd name="connsiteX2" fmla="*/ 324465 w 1858297"/>
+                <a:gd name="connsiteY2" fmla="*/ 408087 h 1274790"/>
+                <a:gd name="connsiteX3" fmla="*/ 582561 w 1858297"/>
+                <a:gd name="connsiteY3" fmla="*/ 931655 h 1274790"/>
+                <a:gd name="connsiteX4" fmla="*/ 803787 w 1858297"/>
+                <a:gd name="connsiteY4" fmla="*/ 2506 h 1274790"/>
+                <a:gd name="connsiteX5" fmla="*/ 1017639 w 1858297"/>
+                <a:gd name="connsiteY5" fmla="*/ 1270868 h 1274790"/>
+                <a:gd name="connsiteX6" fmla="*/ 1297858 w 1858297"/>
+                <a:gd name="connsiteY6" fmla="*/ 408087 h 1274790"/>
+                <a:gd name="connsiteX7" fmla="*/ 1578077 w 1858297"/>
+                <a:gd name="connsiteY7" fmla="*/ 651435 h 1274790"/>
+                <a:gd name="connsiteX8" fmla="*/ 1696065 w 1858297"/>
+                <a:gd name="connsiteY8" fmla="*/ 474455 h 1274790"/>
+                <a:gd name="connsiteX9" fmla="*/ 1858297 w 1858297"/>
+                <a:gd name="connsiteY9" fmla="*/ 629313 h 1274790"/>
+                <a:gd name="connsiteX10" fmla="*/ 1858297 w 1858297"/>
+                <a:gd name="connsiteY10" fmla="*/ 629313 h 1274790"/>
+                <a:gd name="connsiteX11" fmla="*/ 1858297 w 1858297"/>
+                <a:gd name="connsiteY11" fmla="*/ 621939 h 1274790"/>
+              </a:gdLst>
+              <a:ahLst/>
+              <a:cxnLst>
+                <a:cxn ang="0">
+                  <a:pos x="connsiteX0" y="connsiteY0"/>
+                </a:cxn>
+                <a:cxn ang="0">
+                  <a:pos x="connsiteX1" y="connsiteY1"/>
+                </a:cxn>
+                <a:cxn ang="0">
+                  <a:pos x="connsiteX2" y="connsiteY2"/>
+                </a:cxn>
+                <a:cxn ang="0">
+                  <a:pos x="connsiteX3" y="connsiteY3"/>
+                </a:cxn>
+                <a:cxn ang="0">
+                  <a:pos x="connsiteX4" y="connsiteY4"/>
+                </a:cxn>
+                <a:cxn ang="0">
+                  <a:pos x="connsiteX5" y="connsiteY5"/>
+                </a:cxn>
+                <a:cxn ang="0">
+                  <a:pos x="connsiteX6" y="connsiteY6"/>
+                </a:cxn>
+                <a:cxn ang="0">
+                  <a:pos x="connsiteX7" y="connsiteY7"/>
+                </a:cxn>
+                <a:cxn ang="0">
+                  <a:pos x="connsiteX8" y="connsiteY8"/>
+                </a:cxn>
+                <a:cxn ang="0">
+                  <a:pos x="connsiteX9" y="connsiteY9"/>
+                </a:cxn>
+                <a:cxn ang="0">
+                  <a:pos x="connsiteX10" y="connsiteY10"/>
+                </a:cxn>
+                <a:cxn ang="0">
+                  <a:pos x="connsiteX11" y="connsiteY11"/>
+                </a:cxn>
+              </a:cxnLst>
+              <a:rect l="l" t="t" r="r" b="b"/>
+              <a:pathLst>
+                <a:path w="1858297" h="1274790">
+                  <a:moveTo>
+                    <a:pt x="0" y="577693"/>
+                  </a:moveTo>
+                  <a:cubicBezTo>
+                    <a:pt x="65139" y="650821"/>
+                    <a:pt x="130278" y="723949"/>
+                    <a:pt x="184355" y="695681"/>
+                  </a:cubicBezTo>
+                  <a:cubicBezTo>
+                    <a:pt x="238433" y="667413"/>
+                    <a:pt x="258097" y="368758"/>
+                    <a:pt x="324465" y="408087"/>
+                  </a:cubicBezTo>
+                  <a:cubicBezTo>
+                    <a:pt x="390833" y="447416"/>
+                    <a:pt x="502674" y="999252"/>
+                    <a:pt x="582561" y="931655"/>
+                  </a:cubicBezTo>
+                  <a:cubicBezTo>
+                    <a:pt x="662448" y="864058"/>
+                    <a:pt x="731274" y="-54029"/>
+                    <a:pt x="803787" y="2506"/>
+                  </a:cubicBezTo>
+                  <a:cubicBezTo>
+                    <a:pt x="876300" y="59041"/>
+                    <a:pt x="935294" y="1203271"/>
+                    <a:pt x="1017639" y="1270868"/>
+                  </a:cubicBezTo>
+                  <a:cubicBezTo>
+                    <a:pt x="1099984" y="1338465"/>
+                    <a:pt x="1204452" y="511326"/>
+                    <a:pt x="1297858" y="408087"/>
+                  </a:cubicBezTo>
+                  <a:cubicBezTo>
+                    <a:pt x="1391264" y="304848"/>
+                    <a:pt x="1511709" y="640374"/>
+                    <a:pt x="1578077" y="651435"/>
+                  </a:cubicBezTo>
+                  <a:cubicBezTo>
+                    <a:pt x="1644445" y="662496"/>
+                    <a:pt x="1649362" y="478142"/>
+                    <a:pt x="1696065" y="474455"/>
+                  </a:cubicBezTo>
+                  <a:cubicBezTo>
+                    <a:pt x="1742768" y="470768"/>
+                    <a:pt x="1858297" y="629313"/>
+                    <a:pt x="1858297" y="629313"/>
+                  </a:cubicBezTo>
+                  <a:lnTo>
+                    <a:pt x="1858297" y="629313"/>
+                  </a:lnTo>
+                  <a:lnTo>
+                    <a:pt x="1858297" y="621939"/>
+                  </a:lnTo>
+                </a:path>
+              </a:pathLst>
+            </a:custGeom>
+            <a:noFill/>
+          </p:spPr>
+          <p:style>
+            <a:lnRef idx="2">
+              <a:schemeClr val="accent1">
+                <a:shade val="15000"/>
+              </a:schemeClr>
+            </a:lnRef>
+            <a:fillRef idx="1">
+              <a:schemeClr val="accent1"/>
+            </a:fillRef>
+            <a:effectRef idx="0">
+              <a:schemeClr val="accent1"/>
+            </a:effectRef>
+            <a:fontRef idx="minor">
+              <a:schemeClr val="lt1"/>
+            </a:fontRef>
+          </p:style>
+          <p:txBody>
+            <a:bodyPr rtlCol="0" anchor="ctr"/>
+            <a:lstStyle/>
+            <a:p>
+              <a:pPr algn="ctr"/>
+              <a:endParaRPr lang="zh-CN" altLang="en-US"/>
+            </a:p>
+          </p:txBody>
+        </p:sp>
+        <p:sp>
+          <p:nvSpPr>
+            <p:cNvPr id="50" name="椭圆 49">
+              <a:extLst>
+                <a:ext uri="{FF2B5EF4-FFF2-40B4-BE49-F238E27FC236}">
+                  <a16:creationId xmlns:a16="http://schemas.microsoft.com/office/drawing/2014/main" id="{6B8782E1-880C-1766-37A5-72BC4FF717F6}"/>
+                </a:ext>
+              </a:extLst>
+            </p:cNvPr>
+            <p:cNvSpPr/>
+            <p:nvPr/>
+          </p:nvSpPr>
+          <p:spPr>
+            <a:xfrm>
+              <a:off x="5324168" y="4757631"/>
+              <a:ext cx="216445" cy="199103"/>
+            </a:xfrm>
+            <a:prstGeom prst="ellipse">
+              <a:avLst/>
+            </a:prstGeom>
+            <a:noFill/>
+            <a:ln>
+              <a:solidFill>
+                <a:srgbClr val="FF0000"/>
+              </a:solidFill>
+            </a:ln>
+          </p:spPr>
+          <p:style>
+            <a:lnRef idx="2">
+              <a:schemeClr val="accent1">
+                <a:shade val="15000"/>
+              </a:schemeClr>
+            </a:lnRef>
+            <a:fillRef idx="1">
+              <a:schemeClr val="accent1"/>
+            </a:fillRef>
+            <a:effectRef idx="0">
+              <a:schemeClr val="accent1"/>
+            </a:effectRef>
+            <a:fontRef idx="minor">
+              <a:schemeClr val="lt1"/>
+            </a:fontRef>
+          </p:style>
+          <p:txBody>
+            <a:bodyPr rtlCol="0" anchor="ctr"/>
+            <a:lstStyle/>
+            <a:p>
+              <a:pPr algn="ctr"/>
+              <a:endParaRPr lang="zh-CN" altLang="en-US"/>
+            </a:p>
+          </p:txBody>
+        </p:sp>
+        <p:sp>
+          <p:nvSpPr>
+            <p:cNvPr id="51" name="任意多边形: 形状 50">
+              <a:extLst>
+                <a:ext uri="{FF2B5EF4-FFF2-40B4-BE49-F238E27FC236}">
+                  <a16:creationId xmlns:a16="http://schemas.microsoft.com/office/drawing/2014/main" id="{90B69C68-6136-B34A-F8DA-236E7A3F7599}"/>
+                </a:ext>
+              </a:extLst>
+            </p:cNvPr>
+            <p:cNvSpPr/>
+            <p:nvPr/>
+          </p:nvSpPr>
+          <p:spPr>
+            <a:xfrm>
+              <a:off x="4719618" y="4857183"/>
+              <a:ext cx="1858297" cy="1274790"/>
+            </a:xfrm>
+            <a:custGeom>
+              <a:avLst/>
+              <a:gdLst>
+                <a:gd name="connsiteX0" fmla="*/ 0 w 1858297"/>
+                <a:gd name="connsiteY0" fmla="*/ 577693 h 1274790"/>
+                <a:gd name="connsiteX1" fmla="*/ 184355 w 1858297"/>
+                <a:gd name="connsiteY1" fmla="*/ 695681 h 1274790"/>
+                <a:gd name="connsiteX2" fmla="*/ 324465 w 1858297"/>
+                <a:gd name="connsiteY2" fmla="*/ 408087 h 1274790"/>
+                <a:gd name="connsiteX3" fmla="*/ 582561 w 1858297"/>
+                <a:gd name="connsiteY3" fmla="*/ 931655 h 1274790"/>
+                <a:gd name="connsiteX4" fmla="*/ 803787 w 1858297"/>
+                <a:gd name="connsiteY4" fmla="*/ 2506 h 1274790"/>
+                <a:gd name="connsiteX5" fmla="*/ 1017639 w 1858297"/>
+                <a:gd name="connsiteY5" fmla="*/ 1270868 h 1274790"/>
+                <a:gd name="connsiteX6" fmla="*/ 1297858 w 1858297"/>
+                <a:gd name="connsiteY6" fmla="*/ 408087 h 1274790"/>
+                <a:gd name="connsiteX7" fmla="*/ 1578077 w 1858297"/>
+                <a:gd name="connsiteY7" fmla="*/ 651435 h 1274790"/>
+                <a:gd name="connsiteX8" fmla="*/ 1696065 w 1858297"/>
+                <a:gd name="connsiteY8" fmla="*/ 474455 h 1274790"/>
+                <a:gd name="connsiteX9" fmla="*/ 1858297 w 1858297"/>
+                <a:gd name="connsiteY9" fmla="*/ 629313 h 1274790"/>
+                <a:gd name="connsiteX10" fmla="*/ 1858297 w 1858297"/>
+                <a:gd name="connsiteY10" fmla="*/ 629313 h 1274790"/>
+                <a:gd name="connsiteX11" fmla="*/ 1858297 w 1858297"/>
+                <a:gd name="connsiteY11" fmla="*/ 621939 h 1274790"/>
+              </a:gdLst>
+              <a:ahLst/>
+              <a:cxnLst>
+                <a:cxn ang="0">
+                  <a:pos x="connsiteX0" y="connsiteY0"/>
+                </a:cxn>
+                <a:cxn ang="0">
+                  <a:pos x="connsiteX1" y="connsiteY1"/>
+                </a:cxn>
+                <a:cxn ang="0">
+                  <a:pos x="connsiteX2" y="connsiteY2"/>
+                </a:cxn>
+                <a:cxn ang="0">
+                  <a:pos x="connsiteX3" y="connsiteY3"/>
+                </a:cxn>
+                <a:cxn ang="0">
+                  <a:pos x="connsiteX4" y="connsiteY4"/>
+                </a:cxn>
+                <a:cxn ang="0">
+                  <a:pos x="connsiteX5" y="connsiteY5"/>
+                </a:cxn>
+                <a:cxn ang="0">
+                  <a:pos x="connsiteX6" y="connsiteY6"/>
+                </a:cxn>
+                <a:cxn ang="0">
+                  <a:pos x="connsiteX7" y="connsiteY7"/>
+                </a:cxn>
+                <a:cxn ang="0">
+                  <a:pos x="connsiteX8" y="connsiteY8"/>
+                </a:cxn>
+                <a:cxn ang="0">
+                  <a:pos x="connsiteX9" y="connsiteY9"/>
+                </a:cxn>
+                <a:cxn ang="0">
+                  <a:pos x="connsiteX10" y="connsiteY10"/>
+                </a:cxn>
+                <a:cxn ang="0">
+                  <a:pos x="connsiteX11" y="connsiteY11"/>
+                </a:cxn>
+              </a:cxnLst>
+              <a:rect l="l" t="t" r="r" b="b"/>
+              <a:pathLst>
+                <a:path w="1858297" h="1274790">
+                  <a:moveTo>
+                    <a:pt x="0" y="577693"/>
+                  </a:moveTo>
+                  <a:cubicBezTo>
+                    <a:pt x="65139" y="650821"/>
+                    <a:pt x="130278" y="723949"/>
+                    <a:pt x="184355" y="695681"/>
+                  </a:cubicBezTo>
+                  <a:cubicBezTo>
+                    <a:pt x="238433" y="667413"/>
+                    <a:pt x="258097" y="368758"/>
+                    <a:pt x="324465" y="408087"/>
+                  </a:cubicBezTo>
+                  <a:cubicBezTo>
+                    <a:pt x="390833" y="447416"/>
+                    <a:pt x="502674" y="999252"/>
+                    <a:pt x="582561" y="931655"/>
+                  </a:cubicBezTo>
+                  <a:cubicBezTo>
+                    <a:pt x="662448" y="864058"/>
+                    <a:pt x="731274" y="-54029"/>
+                    <a:pt x="803787" y="2506"/>
+                  </a:cubicBezTo>
+                  <a:cubicBezTo>
+                    <a:pt x="876300" y="59041"/>
+                    <a:pt x="935294" y="1203271"/>
+                    <a:pt x="1017639" y="1270868"/>
+                  </a:cubicBezTo>
+                  <a:cubicBezTo>
+                    <a:pt x="1099984" y="1338465"/>
+                    <a:pt x="1204452" y="511326"/>
+                    <a:pt x="1297858" y="408087"/>
+                  </a:cubicBezTo>
+                  <a:cubicBezTo>
+                    <a:pt x="1391264" y="304848"/>
+                    <a:pt x="1511709" y="640374"/>
+                    <a:pt x="1578077" y="651435"/>
+                  </a:cubicBezTo>
+                  <a:cubicBezTo>
+                    <a:pt x="1644445" y="662496"/>
+                    <a:pt x="1649362" y="478142"/>
+                    <a:pt x="1696065" y="474455"/>
+                  </a:cubicBezTo>
+                  <a:cubicBezTo>
+                    <a:pt x="1742768" y="470768"/>
+                    <a:pt x="1858297" y="629313"/>
+                    <a:pt x="1858297" y="629313"/>
+                  </a:cubicBezTo>
+                  <a:lnTo>
+                    <a:pt x="1858297" y="629313"/>
+                  </a:lnTo>
+                  <a:lnTo>
+                    <a:pt x="1858297" y="621939"/>
+                  </a:lnTo>
+                </a:path>
+              </a:pathLst>
+            </a:custGeom>
+            <a:noFill/>
+          </p:spPr>
+          <p:style>
+            <a:lnRef idx="2">
+              <a:schemeClr val="accent1">
+                <a:shade val="15000"/>
+              </a:schemeClr>
+            </a:lnRef>
+            <a:fillRef idx="1">
+              <a:schemeClr val="accent1"/>
+            </a:fillRef>
+            <a:effectRef idx="0">
+              <a:schemeClr val="accent1"/>
+            </a:effectRef>
+            <a:fontRef idx="minor">
+              <a:schemeClr val="lt1"/>
+            </a:fontRef>
+          </p:style>
+          <p:txBody>
+            <a:bodyPr rtlCol="0" anchor="ctr"/>
+            <a:lstStyle/>
+            <a:p>
+              <a:pPr algn="ctr"/>
+              <a:endParaRPr lang="zh-CN" altLang="en-US"/>
+            </a:p>
+          </p:txBody>
+        </p:sp>
+        <p:sp>
+          <p:nvSpPr>
+            <p:cNvPr id="52" name="椭圆 51">
+              <a:extLst>
+                <a:ext uri="{FF2B5EF4-FFF2-40B4-BE49-F238E27FC236}">
+                  <a16:creationId xmlns:a16="http://schemas.microsoft.com/office/drawing/2014/main" id="{B3DB8228-F33A-650F-6226-D500117477DF}"/>
+                </a:ext>
+              </a:extLst>
+            </p:cNvPr>
+            <p:cNvSpPr/>
+            <p:nvPr/>
+          </p:nvSpPr>
+          <p:spPr>
+            <a:xfrm>
+              <a:off x="5402826" y="4757631"/>
+              <a:ext cx="216445" cy="199103"/>
+            </a:xfrm>
+            <a:prstGeom prst="ellipse">
+              <a:avLst/>
+            </a:prstGeom>
+            <a:noFill/>
+            <a:ln>
+              <a:solidFill>
+                <a:srgbClr val="FF0000"/>
+              </a:solidFill>
+            </a:ln>
+          </p:spPr>
+          <p:style>
+            <a:lnRef idx="2">
+              <a:schemeClr val="accent1">
+                <a:shade val="15000"/>
+              </a:schemeClr>
+            </a:lnRef>
+            <a:fillRef idx="1">
+              <a:schemeClr val="accent1"/>
+            </a:fillRef>
+            <a:effectRef idx="0">
+              <a:schemeClr val="accent1"/>
+            </a:effectRef>
+            <a:fontRef idx="minor">
+              <a:schemeClr val="lt1"/>
+            </a:fontRef>
+          </p:style>
+          <p:txBody>
+            <a:bodyPr rtlCol="0" anchor="ctr"/>
+            <a:lstStyle/>
+            <a:p>
+              <a:pPr algn="ctr"/>
+              <a:endParaRPr lang="zh-CN" altLang="en-US"/>
+            </a:p>
+          </p:txBody>
+        </p:sp>
+      </p:grpSp>
+      <p:grpSp>
+        <p:nvGrpSpPr>
+          <p:cNvPr id="56" name="组合 55">
+            <a:extLst>
+              <a:ext uri="{FF2B5EF4-FFF2-40B4-BE49-F238E27FC236}">
+                <a16:creationId xmlns:a16="http://schemas.microsoft.com/office/drawing/2014/main" id="{0F6525B9-0428-D99A-17E1-8F6A5307934C}"/>
+              </a:ext>
+            </a:extLst>
+          </p:cNvPr>
+          <p:cNvGrpSpPr/>
+          <p:nvPr/>
+        </p:nvGrpSpPr>
+        <p:grpSpPr>
+          <a:xfrm>
+            <a:off x="7760244" y="4757631"/>
+            <a:ext cx="1858297" cy="1359243"/>
+            <a:chOff x="7760244" y="4757631"/>
+            <a:chExt cx="1858297" cy="1359243"/>
+          </a:xfrm>
+        </p:grpSpPr>
+        <p:sp>
+          <p:nvSpPr>
+            <p:cNvPr id="53" name="任意多边形: 形状 52">
+              <a:extLst>
+                <a:ext uri="{FF2B5EF4-FFF2-40B4-BE49-F238E27FC236}">
+                  <a16:creationId xmlns:a16="http://schemas.microsoft.com/office/drawing/2014/main" id="{15324DD5-457C-7938-25A1-D204C0734837}"/>
+                </a:ext>
+              </a:extLst>
+            </p:cNvPr>
+            <p:cNvSpPr/>
+            <p:nvPr/>
+          </p:nvSpPr>
+          <p:spPr>
+            <a:xfrm>
+              <a:off x="7760244" y="4842084"/>
+              <a:ext cx="1858297" cy="1274790"/>
+            </a:xfrm>
+            <a:custGeom>
+              <a:avLst/>
+              <a:gdLst>
+                <a:gd name="connsiteX0" fmla="*/ 0 w 1858297"/>
+                <a:gd name="connsiteY0" fmla="*/ 577693 h 1274790"/>
+                <a:gd name="connsiteX1" fmla="*/ 184355 w 1858297"/>
+                <a:gd name="connsiteY1" fmla="*/ 695681 h 1274790"/>
+                <a:gd name="connsiteX2" fmla="*/ 324465 w 1858297"/>
+                <a:gd name="connsiteY2" fmla="*/ 408087 h 1274790"/>
+                <a:gd name="connsiteX3" fmla="*/ 582561 w 1858297"/>
+                <a:gd name="connsiteY3" fmla="*/ 931655 h 1274790"/>
+                <a:gd name="connsiteX4" fmla="*/ 803787 w 1858297"/>
+                <a:gd name="connsiteY4" fmla="*/ 2506 h 1274790"/>
+                <a:gd name="connsiteX5" fmla="*/ 1017639 w 1858297"/>
+                <a:gd name="connsiteY5" fmla="*/ 1270868 h 1274790"/>
+                <a:gd name="connsiteX6" fmla="*/ 1297858 w 1858297"/>
+                <a:gd name="connsiteY6" fmla="*/ 408087 h 1274790"/>
+                <a:gd name="connsiteX7" fmla="*/ 1578077 w 1858297"/>
+                <a:gd name="connsiteY7" fmla="*/ 651435 h 1274790"/>
+                <a:gd name="connsiteX8" fmla="*/ 1696065 w 1858297"/>
+                <a:gd name="connsiteY8" fmla="*/ 474455 h 1274790"/>
+                <a:gd name="connsiteX9" fmla="*/ 1858297 w 1858297"/>
+                <a:gd name="connsiteY9" fmla="*/ 629313 h 1274790"/>
+                <a:gd name="connsiteX10" fmla="*/ 1858297 w 1858297"/>
+                <a:gd name="connsiteY10" fmla="*/ 629313 h 1274790"/>
+                <a:gd name="connsiteX11" fmla="*/ 1858297 w 1858297"/>
+                <a:gd name="connsiteY11" fmla="*/ 621939 h 1274790"/>
+              </a:gdLst>
+              <a:ahLst/>
+              <a:cxnLst>
+                <a:cxn ang="0">
+                  <a:pos x="connsiteX0" y="connsiteY0"/>
+                </a:cxn>
+                <a:cxn ang="0">
+                  <a:pos x="connsiteX1" y="connsiteY1"/>
+                </a:cxn>
+                <a:cxn ang="0">
+                  <a:pos x="connsiteX2" y="connsiteY2"/>
+                </a:cxn>
+                <a:cxn ang="0">
+                  <a:pos x="connsiteX3" y="connsiteY3"/>
+                </a:cxn>
+                <a:cxn ang="0">
+                  <a:pos x="connsiteX4" y="connsiteY4"/>
+                </a:cxn>
+                <a:cxn ang="0">
+                  <a:pos x="connsiteX5" y="connsiteY5"/>
+                </a:cxn>
+                <a:cxn ang="0">
+                  <a:pos x="connsiteX6" y="connsiteY6"/>
+                </a:cxn>
+                <a:cxn ang="0">
+                  <a:pos x="connsiteX7" y="connsiteY7"/>
+                </a:cxn>
+                <a:cxn ang="0">
+                  <a:pos x="connsiteX8" y="connsiteY8"/>
+                </a:cxn>
+                <a:cxn ang="0">
+                  <a:pos x="connsiteX9" y="connsiteY9"/>
+                </a:cxn>
+                <a:cxn ang="0">
+                  <a:pos x="connsiteX10" y="connsiteY10"/>
+                </a:cxn>
+                <a:cxn ang="0">
+                  <a:pos x="connsiteX11" y="connsiteY11"/>
+                </a:cxn>
+              </a:cxnLst>
+              <a:rect l="l" t="t" r="r" b="b"/>
+              <a:pathLst>
+                <a:path w="1858297" h="1274790">
+                  <a:moveTo>
+                    <a:pt x="0" y="577693"/>
+                  </a:moveTo>
+                  <a:cubicBezTo>
+                    <a:pt x="65139" y="650821"/>
+                    <a:pt x="130278" y="723949"/>
+                    <a:pt x="184355" y="695681"/>
+                  </a:cubicBezTo>
+                  <a:cubicBezTo>
+                    <a:pt x="238433" y="667413"/>
+                    <a:pt x="258097" y="368758"/>
+                    <a:pt x="324465" y="408087"/>
+                  </a:cubicBezTo>
+                  <a:cubicBezTo>
+                    <a:pt x="390833" y="447416"/>
+                    <a:pt x="502674" y="999252"/>
+                    <a:pt x="582561" y="931655"/>
+                  </a:cubicBezTo>
+                  <a:cubicBezTo>
+                    <a:pt x="662448" y="864058"/>
+                    <a:pt x="731274" y="-54029"/>
+                    <a:pt x="803787" y="2506"/>
+                  </a:cubicBezTo>
+                  <a:cubicBezTo>
+                    <a:pt x="876300" y="59041"/>
+                    <a:pt x="935294" y="1203271"/>
+                    <a:pt x="1017639" y="1270868"/>
+                  </a:cubicBezTo>
+                  <a:cubicBezTo>
+                    <a:pt x="1099984" y="1338465"/>
+                    <a:pt x="1204452" y="511326"/>
+                    <a:pt x="1297858" y="408087"/>
+                  </a:cubicBezTo>
+                  <a:cubicBezTo>
+                    <a:pt x="1391264" y="304848"/>
+                    <a:pt x="1511709" y="640374"/>
+                    <a:pt x="1578077" y="651435"/>
+                  </a:cubicBezTo>
+                  <a:cubicBezTo>
+                    <a:pt x="1644445" y="662496"/>
+                    <a:pt x="1649362" y="478142"/>
+                    <a:pt x="1696065" y="474455"/>
+                  </a:cubicBezTo>
+                  <a:cubicBezTo>
+                    <a:pt x="1742768" y="470768"/>
+                    <a:pt x="1858297" y="629313"/>
+                    <a:pt x="1858297" y="629313"/>
+                  </a:cubicBezTo>
+                  <a:lnTo>
+                    <a:pt x="1858297" y="629313"/>
+                  </a:lnTo>
+                  <a:lnTo>
+                    <a:pt x="1858297" y="621939"/>
+                  </a:lnTo>
+                </a:path>
+              </a:pathLst>
+            </a:custGeom>
+            <a:noFill/>
+          </p:spPr>
+          <p:style>
+            <a:lnRef idx="2">
+              <a:schemeClr val="accent1">
+                <a:shade val="15000"/>
+              </a:schemeClr>
+            </a:lnRef>
+            <a:fillRef idx="1">
+              <a:schemeClr val="accent1"/>
+            </a:fillRef>
+            <a:effectRef idx="0">
+              <a:schemeClr val="accent1"/>
+            </a:effectRef>
+            <a:fontRef idx="minor">
+              <a:schemeClr val="lt1"/>
+            </a:fontRef>
+          </p:style>
+          <p:txBody>
+            <a:bodyPr rtlCol="0" anchor="ctr"/>
+            <a:lstStyle/>
+            <a:p>
+              <a:pPr algn="ctr"/>
+              <a:endParaRPr lang="zh-CN" altLang="en-US"/>
+            </a:p>
+          </p:txBody>
+        </p:sp>
+        <p:sp>
+          <p:nvSpPr>
+            <p:cNvPr id="54" name="椭圆 53">
+              <a:extLst>
+                <a:ext uri="{FF2B5EF4-FFF2-40B4-BE49-F238E27FC236}">
+                  <a16:creationId xmlns:a16="http://schemas.microsoft.com/office/drawing/2014/main" id="{DF65E92B-0004-AF87-B3CC-C8FFBBC7A164}"/>
+                </a:ext>
+              </a:extLst>
+            </p:cNvPr>
+            <p:cNvSpPr/>
+            <p:nvPr/>
+          </p:nvSpPr>
+          <p:spPr>
+            <a:xfrm>
+              <a:off x="8436077" y="4757631"/>
+              <a:ext cx="216445" cy="199103"/>
+            </a:xfrm>
+            <a:prstGeom prst="ellipse">
+              <a:avLst/>
+            </a:prstGeom>
+            <a:noFill/>
+            <a:ln>
+              <a:solidFill>
+                <a:srgbClr val="FF0000"/>
+              </a:solidFill>
+            </a:ln>
+          </p:spPr>
+          <p:style>
+            <a:lnRef idx="2">
+              <a:schemeClr val="accent1">
+                <a:shade val="15000"/>
+              </a:schemeClr>
+            </a:lnRef>
+            <a:fillRef idx="1">
+              <a:schemeClr val="accent1"/>
+            </a:fillRef>
+            <a:effectRef idx="0">
+              <a:schemeClr val="accent1"/>
+            </a:effectRef>
+            <a:fontRef idx="minor">
+              <a:schemeClr val="lt1"/>
+            </a:fontRef>
+          </p:style>
+          <p:txBody>
+            <a:bodyPr rtlCol="0" anchor="ctr"/>
+            <a:lstStyle/>
+            <a:p>
+              <a:pPr algn="ctr"/>
+              <a:endParaRPr lang="zh-CN" altLang="en-US"/>
+            </a:p>
+          </p:txBody>
+        </p:sp>
+        <p:sp>
+          <p:nvSpPr>
+            <p:cNvPr id="55" name="椭圆 54">
+              <a:extLst>
+                <a:ext uri="{FF2B5EF4-FFF2-40B4-BE49-F238E27FC236}">
+                  <a16:creationId xmlns:a16="http://schemas.microsoft.com/office/drawing/2014/main" id="{8EFD7174-3438-9D3E-B879-C78ABB19DBD5}"/>
+                </a:ext>
+              </a:extLst>
+            </p:cNvPr>
+            <p:cNvSpPr/>
+            <p:nvPr/>
+          </p:nvSpPr>
+          <p:spPr>
+            <a:xfrm>
+              <a:off x="7945624" y="5162176"/>
+              <a:ext cx="216445" cy="199103"/>
+            </a:xfrm>
+            <a:prstGeom prst="ellipse">
+              <a:avLst/>
+            </a:prstGeom>
+            <a:noFill/>
+            <a:ln>
+              <a:solidFill>
+                <a:srgbClr val="FF0000"/>
+              </a:solidFill>
+            </a:ln>
+          </p:spPr>
+          <p:style>
+            <a:lnRef idx="2">
+              <a:schemeClr val="accent1">
+                <a:shade val="15000"/>
+              </a:schemeClr>
+            </a:lnRef>
+            <a:fillRef idx="1">
+              <a:schemeClr val="accent1"/>
+            </a:fillRef>
+            <a:effectRef idx="0">
+              <a:schemeClr val="accent1"/>
+            </a:effectRef>
+            <a:fontRef idx="minor">
+              <a:schemeClr val="lt1"/>
+            </a:fontRef>
+          </p:style>
+          <p:txBody>
+            <a:bodyPr rtlCol="0" anchor="ctr"/>
+            <a:lstStyle/>
+            <a:p>
+              <a:pPr algn="ctr"/>
+              <a:endParaRPr lang="zh-CN" altLang="en-US"/>
+            </a:p>
+          </p:txBody>
+        </p:sp>
+      </p:grpSp>
+      <p:grpSp>
+        <p:nvGrpSpPr>
+          <p:cNvPr id="57" name="组合 56">
+            <a:extLst>
+              <a:ext uri="{FF2B5EF4-FFF2-40B4-BE49-F238E27FC236}">
+                <a16:creationId xmlns:a16="http://schemas.microsoft.com/office/drawing/2014/main" id="{0AB2879D-17BF-0BA7-7A2E-338B80E49149}"/>
+              </a:ext>
+            </a:extLst>
+          </p:cNvPr>
+          <p:cNvGrpSpPr/>
+          <p:nvPr/>
+        </p:nvGrpSpPr>
+        <p:grpSpPr>
+          <a:xfrm>
+            <a:off x="7832760" y="4757631"/>
+            <a:ext cx="1858297" cy="1359243"/>
+            <a:chOff x="7760244" y="4757631"/>
+            <a:chExt cx="1858297" cy="1359243"/>
+          </a:xfrm>
+        </p:grpSpPr>
+        <p:sp>
+          <p:nvSpPr>
+            <p:cNvPr id="58" name="任意多边形: 形状 57">
+              <a:extLst>
+                <a:ext uri="{FF2B5EF4-FFF2-40B4-BE49-F238E27FC236}">
+                  <a16:creationId xmlns:a16="http://schemas.microsoft.com/office/drawing/2014/main" id="{085FA17B-C0D2-1B81-477D-AB0B78521369}"/>
+                </a:ext>
+              </a:extLst>
+            </p:cNvPr>
+            <p:cNvSpPr/>
+            <p:nvPr/>
+          </p:nvSpPr>
+          <p:spPr>
+            <a:xfrm>
+              <a:off x="7760244" y="4842084"/>
+              <a:ext cx="1858297" cy="1274790"/>
+            </a:xfrm>
+            <a:custGeom>
+              <a:avLst/>
+              <a:gdLst>
+                <a:gd name="connsiteX0" fmla="*/ 0 w 1858297"/>
+                <a:gd name="connsiteY0" fmla="*/ 577693 h 1274790"/>
+                <a:gd name="connsiteX1" fmla="*/ 184355 w 1858297"/>
+                <a:gd name="connsiteY1" fmla="*/ 695681 h 1274790"/>
+                <a:gd name="connsiteX2" fmla="*/ 324465 w 1858297"/>
+                <a:gd name="connsiteY2" fmla="*/ 408087 h 1274790"/>
+                <a:gd name="connsiteX3" fmla="*/ 582561 w 1858297"/>
+                <a:gd name="connsiteY3" fmla="*/ 931655 h 1274790"/>
+                <a:gd name="connsiteX4" fmla="*/ 803787 w 1858297"/>
+                <a:gd name="connsiteY4" fmla="*/ 2506 h 1274790"/>
+                <a:gd name="connsiteX5" fmla="*/ 1017639 w 1858297"/>
+                <a:gd name="connsiteY5" fmla="*/ 1270868 h 1274790"/>
+                <a:gd name="connsiteX6" fmla="*/ 1297858 w 1858297"/>
+                <a:gd name="connsiteY6" fmla="*/ 408087 h 1274790"/>
+                <a:gd name="connsiteX7" fmla="*/ 1578077 w 1858297"/>
+                <a:gd name="connsiteY7" fmla="*/ 651435 h 1274790"/>
+                <a:gd name="connsiteX8" fmla="*/ 1696065 w 1858297"/>
+                <a:gd name="connsiteY8" fmla="*/ 474455 h 1274790"/>
+                <a:gd name="connsiteX9" fmla="*/ 1858297 w 1858297"/>
+                <a:gd name="connsiteY9" fmla="*/ 629313 h 1274790"/>
+                <a:gd name="connsiteX10" fmla="*/ 1858297 w 1858297"/>
+                <a:gd name="connsiteY10" fmla="*/ 629313 h 1274790"/>
+                <a:gd name="connsiteX11" fmla="*/ 1858297 w 1858297"/>
+                <a:gd name="connsiteY11" fmla="*/ 621939 h 1274790"/>
+              </a:gdLst>
+              <a:ahLst/>
+              <a:cxnLst>
+                <a:cxn ang="0">
+                  <a:pos x="connsiteX0" y="connsiteY0"/>
+                </a:cxn>
+                <a:cxn ang="0">
+                  <a:pos x="connsiteX1" y="connsiteY1"/>
+                </a:cxn>
+                <a:cxn ang="0">
+                  <a:pos x="connsiteX2" y="connsiteY2"/>
+                </a:cxn>
+                <a:cxn ang="0">
+                  <a:pos x="connsiteX3" y="connsiteY3"/>
+                </a:cxn>
+                <a:cxn ang="0">
+                  <a:pos x="connsiteX4" y="connsiteY4"/>
+                </a:cxn>
+                <a:cxn ang="0">
+                  <a:pos x="connsiteX5" y="connsiteY5"/>
+                </a:cxn>
+                <a:cxn ang="0">
+                  <a:pos x="connsiteX6" y="connsiteY6"/>
+                </a:cxn>
+                <a:cxn ang="0">
+                  <a:pos x="connsiteX7" y="connsiteY7"/>
+                </a:cxn>
+                <a:cxn ang="0">
+                  <a:pos x="connsiteX8" y="connsiteY8"/>
+                </a:cxn>
+                <a:cxn ang="0">
+                  <a:pos x="connsiteX9" y="connsiteY9"/>
+                </a:cxn>
+                <a:cxn ang="0">
+                  <a:pos x="connsiteX10" y="connsiteY10"/>
+                </a:cxn>
+                <a:cxn ang="0">
+                  <a:pos x="connsiteX11" y="connsiteY11"/>
+                </a:cxn>
+              </a:cxnLst>
+              <a:rect l="l" t="t" r="r" b="b"/>
+              <a:pathLst>
+                <a:path w="1858297" h="1274790">
+                  <a:moveTo>
+                    <a:pt x="0" y="577693"/>
+                  </a:moveTo>
+                  <a:cubicBezTo>
+                    <a:pt x="65139" y="650821"/>
+                    <a:pt x="130278" y="723949"/>
+                    <a:pt x="184355" y="695681"/>
+                  </a:cubicBezTo>
+                  <a:cubicBezTo>
+                    <a:pt x="238433" y="667413"/>
+                    <a:pt x="258097" y="368758"/>
+                    <a:pt x="324465" y="408087"/>
+                  </a:cubicBezTo>
+                  <a:cubicBezTo>
+                    <a:pt x="390833" y="447416"/>
+                    <a:pt x="502674" y="999252"/>
+                    <a:pt x="582561" y="931655"/>
+                  </a:cubicBezTo>
+                  <a:cubicBezTo>
+                    <a:pt x="662448" y="864058"/>
+                    <a:pt x="731274" y="-54029"/>
+                    <a:pt x="803787" y="2506"/>
+                  </a:cubicBezTo>
+                  <a:cubicBezTo>
+                    <a:pt x="876300" y="59041"/>
+                    <a:pt x="935294" y="1203271"/>
+                    <a:pt x="1017639" y="1270868"/>
+                  </a:cubicBezTo>
+                  <a:cubicBezTo>
+                    <a:pt x="1099984" y="1338465"/>
+                    <a:pt x="1204452" y="511326"/>
+                    <a:pt x="1297858" y="408087"/>
+                  </a:cubicBezTo>
+                  <a:cubicBezTo>
+                    <a:pt x="1391264" y="304848"/>
+                    <a:pt x="1511709" y="640374"/>
+                    <a:pt x="1578077" y="651435"/>
+                  </a:cubicBezTo>
+                  <a:cubicBezTo>
+                    <a:pt x="1644445" y="662496"/>
+                    <a:pt x="1649362" y="478142"/>
+                    <a:pt x="1696065" y="474455"/>
+                  </a:cubicBezTo>
+                  <a:cubicBezTo>
+                    <a:pt x="1742768" y="470768"/>
+                    <a:pt x="1858297" y="629313"/>
+                    <a:pt x="1858297" y="629313"/>
+                  </a:cubicBezTo>
+                  <a:lnTo>
+                    <a:pt x="1858297" y="629313"/>
+                  </a:lnTo>
+                  <a:lnTo>
+                    <a:pt x="1858297" y="621939"/>
+                  </a:lnTo>
+                </a:path>
+              </a:pathLst>
+            </a:custGeom>
+            <a:noFill/>
+          </p:spPr>
+          <p:style>
+            <a:lnRef idx="2">
+              <a:schemeClr val="accent1">
+                <a:shade val="15000"/>
+              </a:schemeClr>
+            </a:lnRef>
+            <a:fillRef idx="1">
+              <a:schemeClr val="accent1"/>
+            </a:fillRef>
+            <a:effectRef idx="0">
+              <a:schemeClr val="accent1"/>
+            </a:effectRef>
+            <a:fontRef idx="minor">
+              <a:schemeClr val="lt1"/>
+            </a:fontRef>
+          </p:style>
+          <p:txBody>
+            <a:bodyPr rtlCol="0" anchor="ctr"/>
+            <a:lstStyle/>
+            <a:p>
+              <a:pPr algn="ctr"/>
+              <a:endParaRPr lang="zh-CN" altLang="en-US"/>
+            </a:p>
+          </p:txBody>
+        </p:sp>
+        <p:sp>
+          <p:nvSpPr>
+            <p:cNvPr id="59" name="椭圆 58">
+              <a:extLst>
+                <a:ext uri="{FF2B5EF4-FFF2-40B4-BE49-F238E27FC236}">
+                  <a16:creationId xmlns:a16="http://schemas.microsoft.com/office/drawing/2014/main" id="{36BF54A0-2A1B-A4AF-496F-A1A2E2F6CACC}"/>
+                </a:ext>
+              </a:extLst>
+            </p:cNvPr>
+            <p:cNvSpPr/>
+            <p:nvPr/>
+          </p:nvSpPr>
+          <p:spPr>
+            <a:xfrm>
+              <a:off x="8436077" y="4757631"/>
+              <a:ext cx="216445" cy="199103"/>
+            </a:xfrm>
+            <a:prstGeom prst="ellipse">
+              <a:avLst/>
+            </a:prstGeom>
+            <a:noFill/>
+            <a:ln>
+              <a:solidFill>
+                <a:srgbClr val="FF0000"/>
+              </a:solidFill>
+            </a:ln>
+          </p:spPr>
+          <p:style>
+            <a:lnRef idx="2">
+              <a:schemeClr val="accent1">
+                <a:shade val="15000"/>
+              </a:schemeClr>
+            </a:lnRef>
+            <a:fillRef idx="1">
+              <a:schemeClr val="accent1"/>
+            </a:fillRef>
+            <a:effectRef idx="0">
+              <a:schemeClr val="accent1"/>
+            </a:effectRef>
+            <a:fontRef idx="minor">
+              <a:schemeClr val="lt1"/>
+            </a:fontRef>
+          </p:style>
+          <p:txBody>
+            <a:bodyPr rtlCol="0" anchor="ctr"/>
+            <a:lstStyle/>
+            <a:p>
+              <a:pPr algn="ctr"/>
+              <a:endParaRPr lang="zh-CN" altLang="en-US"/>
+            </a:p>
+          </p:txBody>
+        </p:sp>
+        <p:sp>
+          <p:nvSpPr>
+            <p:cNvPr id="60" name="椭圆 59">
+              <a:extLst>
+                <a:ext uri="{FF2B5EF4-FFF2-40B4-BE49-F238E27FC236}">
+                  <a16:creationId xmlns:a16="http://schemas.microsoft.com/office/drawing/2014/main" id="{B81CEA52-7AE9-7B4A-F82D-1B2CF3350559}"/>
+                </a:ext>
+              </a:extLst>
+            </p:cNvPr>
+            <p:cNvSpPr/>
+            <p:nvPr/>
+          </p:nvSpPr>
+          <p:spPr>
+            <a:xfrm>
+              <a:off x="7945624" y="5162176"/>
+              <a:ext cx="216445" cy="199103"/>
+            </a:xfrm>
+            <a:prstGeom prst="ellipse">
+              <a:avLst/>
+            </a:prstGeom>
+            <a:noFill/>
+            <a:ln>
+              <a:solidFill>
+                <a:srgbClr val="FF0000"/>
+              </a:solidFill>
+            </a:ln>
+          </p:spPr>
+          <p:style>
+            <a:lnRef idx="2">
+              <a:schemeClr val="accent1">
+                <a:shade val="15000"/>
+              </a:schemeClr>
+            </a:lnRef>
+            <a:fillRef idx="1">
+              <a:schemeClr val="accent1"/>
+            </a:fillRef>
+            <a:effectRef idx="0">
+              <a:schemeClr val="accent1"/>
+            </a:effectRef>
+            <a:fontRef idx="minor">
+              <a:schemeClr val="lt1"/>
+            </a:fontRef>
+          </p:style>
+          <p:txBody>
+            <a:bodyPr rtlCol="0" anchor="ctr"/>
+            <a:lstStyle/>
+            <a:p>
+              <a:pPr algn="ctr"/>
+              <a:endParaRPr lang="zh-CN" altLang="en-US"/>
+            </a:p>
+          </p:txBody>
+        </p:sp>
+      </p:grpSp>
+      <p:grpSp>
+        <p:nvGrpSpPr>
+          <p:cNvPr id="61" name="组合 60">
+            <a:extLst>
+              <a:ext uri="{FF2B5EF4-FFF2-40B4-BE49-F238E27FC236}">
+                <a16:creationId xmlns:a16="http://schemas.microsoft.com/office/drawing/2014/main" id="{9680A63E-EF46-9408-9D61-CDC041B652ED}"/>
+              </a:ext>
+            </a:extLst>
+          </p:cNvPr>
+          <p:cNvGrpSpPr/>
+          <p:nvPr/>
+        </p:nvGrpSpPr>
+        <p:grpSpPr>
+          <a:xfrm>
+            <a:off x="7905256" y="4757631"/>
+            <a:ext cx="1858297" cy="1359243"/>
+            <a:chOff x="7760244" y="4757631"/>
+            <a:chExt cx="1858297" cy="1359243"/>
+          </a:xfrm>
+        </p:grpSpPr>
+        <p:sp>
+          <p:nvSpPr>
+            <p:cNvPr id="62" name="任意多边形: 形状 61">
+              <a:extLst>
+                <a:ext uri="{FF2B5EF4-FFF2-40B4-BE49-F238E27FC236}">
+                  <a16:creationId xmlns:a16="http://schemas.microsoft.com/office/drawing/2014/main" id="{C372098A-726B-2FF4-7BE7-EBDC432DA79D}"/>
+                </a:ext>
+              </a:extLst>
+            </p:cNvPr>
+            <p:cNvSpPr/>
+            <p:nvPr/>
+          </p:nvSpPr>
+          <p:spPr>
+            <a:xfrm>
+              <a:off x="7760244" y="4842084"/>
+              <a:ext cx="1858297" cy="1274790"/>
+            </a:xfrm>
+            <a:custGeom>
+              <a:avLst/>
+              <a:gdLst>
+                <a:gd name="connsiteX0" fmla="*/ 0 w 1858297"/>
+                <a:gd name="connsiteY0" fmla="*/ 577693 h 1274790"/>
+                <a:gd name="connsiteX1" fmla="*/ 184355 w 1858297"/>
+                <a:gd name="connsiteY1" fmla="*/ 695681 h 1274790"/>
+                <a:gd name="connsiteX2" fmla="*/ 324465 w 1858297"/>
+                <a:gd name="connsiteY2" fmla="*/ 408087 h 1274790"/>
+                <a:gd name="connsiteX3" fmla="*/ 582561 w 1858297"/>
+                <a:gd name="connsiteY3" fmla="*/ 931655 h 1274790"/>
+                <a:gd name="connsiteX4" fmla="*/ 803787 w 1858297"/>
+                <a:gd name="connsiteY4" fmla="*/ 2506 h 1274790"/>
+                <a:gd name="connsiteX5" fmla="*/ 1017639 w 1858297"/>
+                <a:gd name="connsiteY5" fmla="*/ 1270868 h 1274790"/>
+                <a:gd name="connsiteX6" fmla="*/ 1297858 w 1858297"/>
+                <a:gd name="connsiteY6" fmla="*/ 408087 h 1274790"/>
+                <a:gd name="connsiteX7" fmla="*/ 1578077 w 1858297"/>
+                <a:gd name="connsiteY7" fmla="*/ 651435 h 1274790"/>
+                <a:gd name="connsiteX8" fmla="*/ 1696065 w 1858297"/>
+                <a:gd name="connsiteY8" fmla="*/ 474455 h 1274790"/>
+                <a:gd name="connsiteX9" fmla="*/ 1858297 w 1858297"/>
+                <a:gd name="connsiteY9" fmla="*/ 629313 h 1274790"/>
+                <a:gd name="connsiteX10" fmla="*/ 1858297 w 1858297"/>
+                <a:gd name="connsiteY10" fmla="*/ 629313 h 1274790"/>
+                <a:gd name="connsiteX11" fmla="*/ 1858297 w 1858297"/>
+                <a:gd name="connsiteY11" fmla="*/ 621939 h 1274790"/>
+              </a:gdLst>
+              <a:ahLst/>
+              <a:cxnLst>
+                <a:cxn ang="0">
+                  <a:pos x="connsiteX0" y="connsiteY0"/>
+                </a:cxn>
+                <a:cxn ang="0">
+                  <a:pos x="connsiteX1" y="connsiteY1"/>
+                </a:cxn>
+                <a:cxn ang="0">
+                  <a:pos x="connsiteX2" y="connsiteY2"/>
+                </a:cxn>
+                <a:cxn ang="0">
+                  <a:pos x="connsiteX3" y="connsiteY3"/>
+                </a:cxn>
+                <a:cxn ang="0">
+                  <a:pos x="connsiteX4" y="connsiteY4"/>
+                </a:cxn>
+                <a:cxn ang="0">
+                  <a:pos x="connsiteX5" y="connsiteY5"/>
+                </a:cxn>
+                <a:cxn ang="0">
+                  <a:pos x="connsiteX6" y="connsiteY6"/>
+                </a:cxn>
+                <a:cxn ang="0">
+                  <a:pos x="connsiteX7" y="connsiteY7"/>
+                </a:cxn>
+                <a:cxn ang="0">
+                  <a:pos x="connsiteX8" y="connsiteY8"/>
+                </a:cxn>
+                <a:cxn ang="0">
+                  <a:pos x="connsiteX9" y="connsiteY9"/>
+                </a:cxn>
+                <a:cxn ang="0">
+                  <a:pos x="connsiteX10" y="connsiteY10"/>
+                </a:cxn>
+                <a:cxn ang="0">
+                  <a:pos x="connsiteX11" y="connsiteY11"/>
+                </a:cxn>
+              </a:cxnLst>
+              <a:rect l="l" t="t" r="r" b="b"/>
+              <a:pathLst>
+                <a:path w="1858297" h="1274790">
+                  <a:moveTo>
+                    <a:pt x="0" y="577693"/>
+                  </a:moveTo>
+                  <a:cubicBezTo>
+                    <a:pt x="65139" y="650821"/>
+                    <a:pt x="130278" y="723949"/>
+                    <a:pt x="184355" y="695681"/>
+                  </a:cubicBezTo>
+                  <a:cubicBezTo>
+                    <a:pt x="238433" y="667413"/>
+                    <a:pt x="258097" y="368758"/>
+                    <a:pt x="324465" y="408087"/>
+                  </a:cubicBezTo>
+                  <a:cubicBezTo>
+                    <a:pt x="390833" y="447416"/>
+                    <a:pt x="502674" y="999252"/>
+                    <a:pt x="582561" y="931655"/>
+                  </a:cubicBezTo>
+                  <a:cubicBezTo>
+                    <a:pt x="662448" y="864058"/>
+                    <a:pt x="731274" y="-54029"/>
+                    <a:pt x="803787" y="2506"/>
+                  </a:cubicBezTo>
+                  <a:cubicBezTo>
+                    <a:pt x="876300" y="59041"/>
+                    <a:pt x="935294" y="1203271"/>
+                    <a:pt x="1017639" y="1270868"/>
+                  </a:cubicBezTo>
+                  <a:cubicBezTo>
+                    <a:pt x="1099984" y="1338465"/>
+                    <a:pt x="1204452" y="511326"/>
+                    <a:pt x="1297858" y="408087"/>
+                  </a:cubicBezTo>
+                  <a:cubicBezTo>
+                    <a:pt x="1391264" y="304848"/>
+                    <a:pt x="1511709" y="640374"/>
+                    <a:pt x="1578077" y="651435"/>
+                  </a:cubicBezTo>
+                  <a:cubicBezTo>
+                    <a:pt x="1644445" y="662496"/>
+                    <a:pt x="1649362" y="478142"/>
+                    <a:pt x="1696065" y="474455"/>
+                  </a:cubicBezTo>
+                  <a:cubicBezTo>
+                    <a:pt x="1742768" y="470768"/>
+                    <a:pt x="1858297" y="629313"/>
+                    <a:pt x="1858297" y="629313"/>
+                  </a:cubicBezTo>
+                  <a:lnTo>
+                    <a:pt x="1858297" y="629313"/>
+                  </a:lnTo>
+                  <a:lnTo>
+                    <a:pt x="1858297" y="621939"/>
+                  </a:lnTo>
+                </a:path>
+              </a:pathLst>
+            </a:custGeom>
+            <a:noFill/>
+          </p:spPr>
+          <p:style>
+            <a:lnRef idx="2">
+              <a:schemeClr val="accent1">
+                <a:shade val="15000"/>
+              </a:schemeClr>
+            </a:lnRef>
+            <a:fillRef idx="1">
+              <a:schemeClr val="accent1"/>
+            </a:fillRef>
+            <a:effectRef idx="0">
+              <a:schemeClr val="accent1"/>
+            </a:effectRef>
+            <a:fontRef idx="minor">
+              <a:schemeClr val="lt1"/>
+            </a:fontRef>
+          </p:style>
+          <p:txBody>
+            <a:bodyPr rtlCol="0" anchor="ctr"/>
+            <a:lstStyle/>
+            <a:p>
+              <a:pPr algn="ctr"/>
+              <a:endParaRPr lang="zh-CN" altLang="en-US"/>
+            </a:p>
+          </p:txBody>
+        </p:sp>
+        <p:sp>
+          <p:nvSpPr>
+            <p:cNvPr id="63" name="椭圆 62">
+              <a:extLst>
+                <a:ext uri="{FF2B5EF4-FFF2-40B4-BE49-F238E27FC236}">
+                  <a16:creationId xmlns:a16="http://schemas.microsoft.com/office/drawing/2014/main" id="{5856545E-CB39-9D95-40CB-DB083B51159C}"/>
+                </a:ext>
+              </a:extLst>
+            </p:cNvPr>
+            <p:cNvSpPr/>
+            <p:nvPr/>
+          </p:nvSpPr>
+          <p:spPr>
+            <a:xfrm>
+              <a:off x="8436077" y="4757631"/>
+              <a:ext cx="216445" cy="199103"/>
+            </a:xfrm>
+            <a:prstGeom prst="ellipse">
+              <a:avLst/>
+            </a:prstGeom>
+            <a:noFill/>
+            <a:ln>
+              <a:solidFill>
+                <a:srgbClr val="FF0000"/>
+              </a:solidFill>
+            </a:ln>
+          </p:spPr>
+          <p:style>
+            <a:lnRef idx="2">
+              <a:schemeClr val="accent1">
+                <a:shade val="15000"/>
+              </a:schemeClr>
+            </a:lnRef>
+            <a:fillRef idx="1">
+              <a:schemeClr val="accent1"/>
+            </a:fillRef>
+            <a:effectRef idx="0">
+              <a:schemeClr val="accent1"/>
+            </a:effectRef>
+            <a:fontRef idx="minor">
+              <a:schemeClr val="lt1"/>
+            </a:fontRef>
+          </p:style>
+          <p:txBody>
+            <a:bodyPr rtlCol="0" anchor="ctr"/>
+            <a:lstStyle/>
+            <a:p>
+              <a:pPr algn="ctr"/>
+              <a:endParaRPr lang="zh-CN" altLang="en-US"/>
+            </a:p>
+          </p:txBody>
+        </p:sp>
+        <p:sp>
+          <p:nvSpPr>
+            <p:cNvPr id="1024" name="椭圆 1023">
+              <a:extLst>
+                <a:ext uri="{FF2B5EF4-FFF2-40B4-BE49-F238E27FC236}">
+                  <a16:creationId xmlns:a16="http://schemas.microsoft.com/office/drawing/2014/main" id="{0A1B83F9-935B-1EB1-BEB4-B2FEB46D93E3}"/>
+                </a:ext>
+              </a:extLst>
+            </p:cNvPr>
+            <p:cNvSpPr/>
+            <p:nvPr/>
+          </p:nvSpPr>
+          <p:spPr>
+            <a:xfrm>
+              <a:off x="7945624" y="5162176"/>
+              <a:ext cx="216445" cy="199103"/>
+            </a:xfrm>
+            <a:prstGeom prst="ellipse">
+              <a:avLst/>
+            </a:prstGeom>
+            <a:noFill/>
+            <a:ln>
+              <a:solidFill>
+                <a:srgbClr val="FF0000"/>
+              </a:solidFill>
+            </a:ln>
+          </p:spPr>
+          <p:style>
+            <a:lnRef idx="2">
+              <a:schemeClr val="accent1">
+                <a:shade val="15000"/>
+              </a:schemeClr>
+            </a:lnRef>
+            <a:fillRef idx="1">
+              <a:schemeClr val="accent1"/>
+            </a:fillRef>
+            <a:effectRef idx="0">
+              <a:schemeClr val="accent1"/>
+            </a:effectRef>
+            <a:fontRef idx="minor">
+              <a:schemeClr val="lt1"/>
+            </a:fontRef>
+          </p:style>
+          <p:txBody>
+            <a:bodyPr rtlCol="0" anchor="ctr"/>
+            <a:lstStyle/>
+            <a:p>
+              <a:pPr algn="ctr"/>
+              <a:endParaRPr lang="zh-CN" altLang="en-US"/>
+            </a:p>
+          </p:txBody>
+        </p:sp>
+      </p:grpSp>
+      <p:grpSp>
+        <p:nvGrpSpPr>
+          <p:cNvPr id="1025" name="组合 1024">
+            <a:extLst>
+              <a:ext uri="{FF2B5EF4-FFF2-40B4-BE49-F238E27FC236}">
+                <a16:creationId xmlns:a16="http://schemas.microsoft.com/office/drawing/2014/main" id="{F4A032A1-4562-F661-5097-FAFB32D1456A}"/>
+              </a:ext>
+            </a:extLst>
+          </p:cNvPr>
+          <p:cNvGrpSpPr/>
+          <p:nvPr/>
+        </p:nvGrpSpPr>
+        <p:grpSpPr>
+          <a:xfrm>
+            <a:off x="7977772" y="4757631"/>
+            <a:ext cx="1858297" cy="1359243"/>
+            <a:chOff x="7760244" y="4757631"/>
+            <a:chExt cx="1858297" cy="1359243"/>
+          </a:xfrm>
+        </p:grpSpPr>
+        <p:sp>
+          <p:nvSpPr>
+            <p:cNvPr id="1027" name="任意多边形: 形状 1026">
+              <a:extLst>
+                <a:ext uri="{FF2B5EF4-FFF2-40B4-BE49-F238E27FC236}">
+                  <a16:creationId xmlns:a16="http://schemas.microsoft.com/office/drawing/2014/main" id="{D8E497C2-942B-863B-332C-67EA42192946}"/>
+                </a:ext>
+              </a:extLst>
+            </p:cNvPr>
+            <p:cNvSpPr/>
+            <p:nvPr/>
+          </p:nvSpPr>
+          <p:spPr>
+            <a:xfrm>
+              <a:off x="7760244" y="4842084"/>
+              <a:ext cx="1858297" cy="1274790"/>
+            </a:xfrm>
+            <a:custGeom>
+              <a:avLst/>
+              <a:gdLst>
+                <a:gd name="connsiteX0" fmla="*/ 0 w 1858297"/>
+                <a:gd name="connsiteY0" fmla="*/ 577693 h 1274790"/>
+                <a:gd name="connsiteX1" fmla="*/ 184355 w 1858297"/>
+                <a:gd name="connsiteY1" fmla="*/ 695681 h 1274790"/>
+                <a:gd name="connsiteX2" fmla="*/ 324465 w 1858297"/>
+                <a:gd name="connsiteY2" fmla="*/ 408087 h 1274790"/>
+                <a:gd name="connsiteX3" fmla="*/ 582561 w 1858297"/>
+                <a:gd name="connsiteY3" fmla="*/ 931655 h 1274790"/>
+                <a:gd name="connsiteX4" fmla="*/ 803787 w 1858297"/>
+                <a:gd name="connsiteY4" fmla="*/ 2506 h 1274790"/>
+                <a:gd name="connsiteX5" fmla="*/ 1017639 w 1858297"/>
+                <a:gd name="connsiteY5" fmla="*/ 1270868 h 1274790"/>
+                <a:gd name="connsiteX6" fmla="*/ 1297858 w 1858297"/>
+                <a:gd name="connsiteY6" fmla="*/ 408087 h 1274790"/>
+                <a:gd name="connsiteX7" fmla="*/ 1578077 w 1858297"/>
+                <a:gd name="connsiteY7" fmla="*/ 651435 h 1274790"/>
+                <a:gd name="connsiteX8" fmla="*/ 1696065 w 1858297"/>
+                <a:gd name="connsiteY8" fmla="*/ 474455 h 1274790"/>
+                <a:gd name="connsiteX9" fmla="*/ 1858297 w 1858297"/>
+                <a:gd name="connsiteY9" fmla="*/ 629313 h 1274790"/>
+                <a:gd name="connsiteX10" fmla="*/ 1858297 w 1858297"/>
+                <a:gd name="connsiteY10" fmla="*/ 629313 h 1274790"/>
+                <a:gd name="connsiteX11" fmla="*/ 1858297 w 1858297"/>
+                <a:gd name="connsiteY11" fmla="*/ 621939 h 1274790"/>
+              </a:gdLst>
+              <a:ahLst/>
+              <a:cxnLst>
+                <a:cxn ang="0">
+                  <a:pos x="connsiteX0" y="connsiteY0"/>
+                </a:cxn>
+                <a:cxn ang="0">
+                  <a:pos x="connsiteX1" y="connsiteY1"/>
+                </a:cxn>
+                <a:cxn ang="0">
+                  <a:pos x="connsiteX2" y="connsiteY2"/>
+                </a:cxn>
+                <a:cxn ang="0">
+                  <a:pos x="connsiteX3" y="connsiteY3"/>
+                </a:cxn>
+                <a:cxn ang="0">
+                  <a:pos x="connsiteX4" y="connsiteY4"/>
+                </a:cxn>
+                <a:cxn ang="0">
+                  <a:pos x="connsiteX5" y="connsiteY5"/>
+                </a:cxn>
+                <a:cxn ang="0">
+                  <a:pos x="connsiteX6" y="connsiteY6"/>
+                </a:cxn>
+                <a:cxn ang="0">
+                  <a:pos x="connsiteX7" y="connsiteY7"/>
+                </a:cxn>
+                <a:cxn ang="0">
+                  <a:pos x="connsiteX8" y="connsiteY8"/>
+                </a:cxn>
+                <a:cxn ang="0">
+                  <a:pos x="connsiteX9" y="connsiteY9"/>
+                </a:cxn>
+                <a:cxn ang="0">
+                  <a:pos x="connsiteX10" y="connsiteY10"/>
+                </a:cxn>
+                <a:cxn ang="0">
+                  <a:pos x="connsiteX11" y="connsiteY11"/>
+                </a:cxn>
+              </a:cxnLst>
+              <a:rect l="l" t="t" r="r" b="b"/>
+              <a:pathLst>
+                <a:path w="1858297" h="1274790">
+                  <a:moveTo>
+                    <a:pt x="0" y="577693"/>
+                  </a:moveTo>
+                  <a:cubicBezTo>
+                    <a:pt x="65139" y="650821"/>
+                    <a:pt x="130278" y="723949"/>
+                    <a:pt x="184355" y="695681"/>
+                  </a:cubicBezTo>
+                  <a:cubicBezTo>
+                    <a:pt x="238433" y="667413"/>
+                    <a:pt x="258097" y="368758"/>
+                    <a:pt x="324465" y="408087"/>
+                  </a:cubicBezTo>
+                  <a:cubicBezTo>
+                    <a:pt x="390833" y="447416"/>
+                    <a:pt x="502674" y="999252"/>
+                    <a:pt x="582561" y="931655"/>
+                  </a:cubicBezTo>
+                  <a:cubicBezTo>
+                    <a:pt x="662448" y="864058"/>
+                    <a:pt x="731274" y="-54029"/>
+                    <a:pt x="803787" y="2506"/>
+                  </a:cubicBezTo>
+                  <a:cubicBezTo>
+                    <a:pt x="876300" y="59041"/>
+                    <a:pt x="935294" y="1203271"/>
+                    <a:pt x="1017639" y="1270868"/>
+                  </a:cubicBezTo>
+                  <a:cubicBezTo>
+                    <a:pt x="1099984" y="1338465"/>
+                    <a:pt x="1204452" y="511326"/>
+                    <a:pt x="1297858" y="408087"/>
+                  </a:cubicBezTo>
+                  <a:cubicBezTo>
+                    <a:pt x="1391264" y="304848"/>
+                    <a:pt x="1511709" y="640374"/>
+                    <a:pt x="1578077" y="651435"/>
+                  </a:cubicBezTo>
+                  <a:cubicBezTo>
+                    <a:pt x="1644445" y="662496"/>
+                    <a:pt x="1649362" y="478142"/>
+                    <a:pt x="1696065" y="474455"/>
+                  </a:cubicBezTo>
+                  <a:cubicBezTo>
+                    <a:pt x="1742768" y="470768"/>
+                    <a:pt x="1858297" y="629313"/>
+                    <a:pt x="1858297" y="629313"/>
+                  </a:cubicBezTo>
+                  <a:lnTo>
+                    <a:pt x="1858297" y="629313"/>
+                  </a:lnTo>
+                  <a:lnTo>
+                    <a:pt x="1858297" y="621939"/>
+                  </a:lnTo>
+                </a:path>
+              </a:pathLst>
+            </a:custGeom>
+            <a:noFill/>
+          </p:spPr>
+          <p:style>
+            <a:lnRef idx="2">
+              <a:schemeClr val="accent1">
+                <a:shade val="15000"/>
+              </a:schemeClr>
+            </a:lnRef>
+            <a:fillRef idx="1">
+              <a:schemeClr val="accent1"/>
+            </a:fillRef>
+            <a:effectRef idx="0">
+              <a:schemeClr val="accent1"/>
+            </a:effectRef>
+            <a:fontRef idx="minor">
+              <a:schemeClr val="lt1"/>
+            </a:fontRef>
+          </p:style>
+          <p:txBody>
+            <a:bodyPr rtlCol="0" anchor="ctr"/>
+            <a:lstStyle/>
+            <a:p>
+              <a:pPr algn="ctr"/>
+              <a:endParaRPr lang="zh-CN" altLang="en-US"/>
+            </a:p>
+          </p:txBody>
+        </p:sp>
+        <p:sp>
+          <p:nvSpPr>
+            <p:cNvPr id="1028" name="椭圆 1027">
+              <a:extLst>
+                <a:ext uri="{FF2B5EF4-FFF2-40B4-BE49-F238E27FC236}">
+                  <a16:creationId xmlns:a16="http://schemas.microsoft.com/office/drawing/2014/main" id="{951E8059-6269-228C-1AC1-F9D8ACC22E6F}"/>
+                </a:ext>
+              </a:extLst>
+            </p:cNvPr>
+            <p:cNvSpPr/>
+            <p:nvPr/>
+          </p:nvSpPr>
+          <p:spPr>
+            <a:xfrm>
+              <a:off x="8436077" y="4757631"/>
+              <a:ext cx="216445" cy="199103"/>
+            </a:xfrm>
+            <a:prstGeom prst="ellipse">
+              <a:avLst/>
+            </a:prstGeom>
+            <a:noFill/>
+            <a:ln>
+              <a:solidFill>
+                <a:srgbClr val="FF0000"/>
+              </a:solidFill>
+            </a:ln>
+          </p:spPr>
+          <p:style>
+            <a:lnRef idx="2">
+              <a:schemeClr val="accent1">
+                <a:shade val="15000"/>
+              </a:schemeClr>
+            </a:lnRef>
+            <a:fillRef idx="1">
+              <a:schemeClr val="accent1"/>
+            </a:fillRef>
+            <a:effectRef idx="0">
+              <a:schemeClr val="accent1"/>
+            </a:effectRef>
+            <a:fontRef idx="minor">
+              <a:schemeClr val="lt1"/>
+            </a:fontRef>
+          </p:style>
+          <p:txBody>
+            <a:bodyPr rtlCol="0" anchor="ctr"/>
+            <a:lstStyle/>
+            <a:p>
+              <a:pPr algn="ctr"/>
+              <a:endParaRPr lang="zh-CN" altLang="en-US"/>
+            </a:p>
+          </p:txBody>
+        </p:sp>
+        <p:sp>
+          <p:nvSpPr>
+            <p:cNvPr id="1029" name="椭圆 1028">
+              <a:extLst>
+                <a:ext uri="{FF2B5EF4-FFF2-40B4-BE49-F238E27FC236}">
+                  <a16:creationId xmlns:a16="http://schemas.microsoft.com/office/drawing/2014/main" id="{69A54E7A-BD84-C963-AAA5-808683DD82D1}"/>
+                </a:ext>
+              </a:extLst>
+            </p:cNvPr>
+            <p:cNvSpPr/>
+            <p:nvPr/>
+          </p:nvSpPr>
+          <p:spPr>
+            <a:xfrm>
+              <a:off x="7945624" y="5162176"/>
+              <a:ext cx="216445" cy="199103"/>
+            </a:xfrm>
+            <a:prstGeom prst="ellipse">
+              <a:avLst/>
+            </a:prstGeom>
+            <a:noFill/>
+            <a:ln>
+              <a:solidFill>
+                <a:srgbClr val="FF0000"/>
+              </a:solidFill>
+            </a:ln>
+          </p:spPr>
+          <p:style>
+            <a:lnRef idx="2">
+              <a:schemeClr val="accent1">
+                <a:shade val="15000"/>
+              </a:schemeClr>
+            </a:lnRef>
+            <a:fillRef idx="1">
+              <a:schemeClr val="accent1"/>
+            </a:fillRef>
+            <a:effectRef idx="0">
+              <a:schemeClr val="accent1"/>
+            </a:effectRef>
+            <a:fontRef idx="minor">
+              <a:schemeClr val="lt1"/>
+            </a:fontRef>
+          </p:style>
+          <p:txBody>
+            <a:bodyPr rtlCol="0" anchor="ctr"/>
+            <a:lstStyle/>
+            <a:p>
+              <a:pPr algn="ctr"/>
+              <a:endParaRPr lang="zh-CN" altLang="en-US"/>
+            </a:p>
+          </p:txBody>
+        </p:sp>
+      </p:grpSp>
+      <p:grpSp>
+        <p:nvGrpSpPr>
+          <p:cNvPr id="1030" name="组合 1029">
+            <a:extLst>
+              <a:ext uri="{FF2B5EF4-FFF2-40B4-BE49-F238E27FC236}">
+                <a16:creationId xmlns:a16="http://schemas.microsoft.com/office/drawing/2014/main" id="{F099F1BA-C749-56DE-2A1A-21B277CAB0A6}"/>
+              </a:ext>
+            </a:extLst>
+          </p:cNvPr>
+          <p:cNvGrpSpPr/>
+          <p:nvPr/>
+        </p:nvGrpSpPr>
+        <p:grpSpPr>
+          <a:xfrm>
+            <a:off x="8052194" y="4757631"/>
+            <a:ext cx="1858297" cy="1359243"/>
+            <a:chOff x="7760244" y="4757631"/>
+            <a:chExt cx="1858297" cy="1359243"/>
+          </a:xfrm>
+        </p:grpSpPr>
+        <p:sp>
+          <p:nvSpPr>
+            <p:cNvPr id="1031" name="任意多边形: 形状 1030">
+              <a:extLst>
+                <a:ext uri="{FF2B5EF4-FFF2-40B4-BE49-F238E27FC236}">
+                  <a16:creationId xmlns:a16="http://schemas.microsoft.com/office/drawing/2014/main" id="{20C81D7F-02B7-8BFD-D35C-E11C924FEFAF}"/>
+                </a:ext>
+              </a:extLst>
+            </p:cNvPr>
+            <p:cNvSpPr/>
+            <p:nvPr/>
+          </p:nvSpPr>
+          <p:spPr>
+            <a:xfrm>
+              <a:off x="7760244" y="4842084"/>
+              <a:ext cx="1858297" cy="1274790"/>
+            </a:xfrm>
+            <a:custGeom>
+              <a:avLst/>
+              <a:gdLst>
+                <a:gd name="connsiteX0" fmla="*/ 0 w 1858297"/>
+                <a:gd name="connsiteY0" fmla="*/ 577693 h 1274790"/>
+                <a:gd name="connsiteX1" fmla="*/ 184355 w 1858297"/>
+                <a:gd name="connsiteY1" fmla="*/ 695681 h 1274790"/>
+                <a:gd name="connsiteX2" fmla="*/ 324465 w 1858297"/>
+                <a:gd name="connsiteY2" fmla="*/ 408087 h 1274790"/>
+                <a:gd name="connsiteX3" fmla="*/ 582561 w 1858297"/>
+                <a:gd name="connsiteY3" fmla="*/ 931655 h 1274790"/>
+                <a:gd name="connsiteX4" fmla="*/ 803787 w 1858297"/>
+                <a:gd name="connsiteY4" fmla="*/ 2506 h 1274790"/>
+                <a:gd name="connsiteX5" fmla="*/ 1017639 w 1858297"/>
+                <a:gd name="connsiteY5" fmla="*/ 1270868 h 1274790"/>
+                <a:gd name="connsiteX6" fmla="*/ 1297858 w 1858297"/>
+                <a:gd name="connsiteY6" fmla="*/ 408087 h 1274790"/>
+                <a:gd name="connsiteX7" fmla="*/ 1578077 w 1858297"/>
+                <a:gd name="connsiteY7" fmla="*/ 651435 h 1274790"/>
+                <a:gd name="connsiteX8" fmla="*/ 1696065 w 1858297"/>
+                <a:gd name="connsiteY8" fmla="*/ 474455 h 1274790"/>
+                <a:gd name="connsiteX9" fmla="*/ 1858297 w 1858297"/>
+                <a:gd name="connsiteY9" fmla="*/ 629313 h 1274790"/>
+                <a:gd name="connsiteX10" fmla="*/ 1858297 w 1858297"/>
+                <a:gd name="connsiteY10" fmla="*/ 629313 h 1274790"/>
+                <a:gd name="connsiteX11" fmla="*/ 1858297 w 1858297"/>
+                <a:gd name="connsiteY11" fmla="*/ 621939 h 1274790"/>
+              </a:gdLst>
+              <a:ahLst/>
+              <a:cxnLst>
+                <a:cxn ang="0">
+                  <a:pos x="connsiteX0" y="connsiteY0"/>
+                </a:cxn>
+                <a:cxn ang="0">
+                  <a:pos x="connsiteX1" y="connsiteY1"/>
+                </a:cxn>
+                <a:cxn ang="0">
+                  <a:pos x="connsiteX2" y="connsiteY2"/>
+                </a:cxn>
+                <a:cxn ang="0">
+                  <a:pos x="connsiteX3" y="connsiteY3"/>
+                </a:cxn>
+                <a:cxn ang="0">
+                  <a:pos x="connsiteX4" y="connsiteY4"/>
+                </a:cxn>
+                <a:cxn ang="0">
+                  <a:pos x="connsiteX5" y="connsiteY5"/>
+                </a:cxn>
+                <a:cxn ang="0">
+                  <a:pos x="connsiteX6" y="connsiteY6"/>
+                </a:cxn>
+                <a:cxn ang="0">
+                  <a:pos x="connsiteX7" y="connsiteY7"/>
+                </a:cxn>
+                <a:cxn ang="0">
+                  <a:pos x="connsiteX8" y="connsiteY8"/>
+                </a:cxn>
+                <a:cxn ang="0">
+                  <a:pos x="connsiteX9" y="connsiteY9"/>
+                </a:cxn>
+                <a:cxn ang="0">
+                  <a:pos x="connsiteX10" y="connsiteY10"/>
+                </a:cxn>
+                <a:cxn ang="0">
+                  <a:pos x="connsiteX11" y="connsiteY11"/>
+                </a:cxn>
+              </a:cxnLst>
+              <a:rect l="l" t="t" r="r" b="b"/>
+              <a:pathLst>
+                <a:path w="1858297" h="1274790">
+                  <a:moveTo>
+                    <a:pt x="0" y="577693"/>
+                  </a:moveTo>
+                  <a:cubicBezTo>
+                    <a:pt x="65139" y="650821"/>
+                    <a:pt x="130278" y="723949"/>
+                    <a:pt x="184355" y="695681"/>
+                  </a:cubicBezTo>
+                  <a:cubicBezTo>
+                    <a:pt x="238433" y="667413"/>
+                    <a:pt x="258097" y="368758"/>
+                    <a:pt x="324465" y="408087"/>
+                  </a:cubicBezTo>
+                  <a:cubicBezTo>
+                    <a:pt x="390833" y="447416"/>
+                    <a:pt x="502674" y="999252"/>
+                    <a:pt x="582561" y="931655"/>
+                  </a:cubicBezTo>
+                  <a:cubicBezTo>
+                    <a:pt x="662448" y="864058"/>
+                    <a:pt x="731274" y="-54029"/>
+                    <a:pt x="803787" y="2506"/>
+                  </a:cubicBezTo>
+                  <a:cubicBezTo>
+                    <a:pt x="876300" y="59041"/>
+                    <a:pt x="935294" y="1203271"/>
+                    <a:pt x="1017639" y="1270868"/>
+                  </a:cubicBezTo>
+                  <a:cubicBezTo>
+                    <a:pt x="1099984" y="1338465"/>
+                    <a:pt x="1204452" y="511326"/>
+                    <a:pt x="1297858" y="408087"/>
+                  </a:cubicBezTo>
+                  <a:cubicBezTo>
+                    <a:pt x="1391264" y="304848"/>
+                    <a:pt x="1511709" y="640374"/>
+                    <a:pt x="1578077" y="651435"/>
+                  </a:cubicBezTo>
+                  <a:cubicBezTo>
+                    <a:pt x="1644445" y="662496"/>
+                    <a:pt x="1649362" y="478142"/>
+                    <a:pt x="1696065" y="474455"/>
+                  </a:cubicBezTo>
+                  <a:cubicBezTo>
+                    <a:pt x="1742768" y="470768"/>
+                    <a:pt x="1858297" y="629313"/>
+                    <a:pt x="1858297" y="629313"/>
+                  </a:cubicBezTo>
+                  <a:lnTo>
+                    <a:pt x="1858297" y="629313"/>
+                  </a:lnTo>
+                  <a:lnTo>
+                    <a:pt x="1858297" y="621939"/>
+                  </a:lnTo>
+                </a:path>
+              </a:pathLst>
+            </a:custGeom>
+            <a:noFill/>
+          </p:spPr>
+          <p:style>
+            <a:lnRef idx="2">
+              <a:schemeClr val="accent1">
+                <a:shade val="15000"/>
+              </a:schemeClr>
+            </a:lnRef>
+            <a:fillRef idx="1">
+              <a:schemeClr val="accent1"/>
+            </a:fillRef>
+            <a:effectRef idx="0">
+              <a:schemeClr val="accent1"/>
+            </a:effectRef>
+            <a:fontRef idx="minor">
+              <a:schemeClr val="lt1"/>
+            </a:fontRef>
+          </p:style>
+          <p:txBody>
+            <a:bodyPr rtlCol="0" anchor="ctr"/>
+            <a:lstStyle/>
+            <a:p>
+              <a:pPr algn="ctr"/>
+              <a:endParaRPr lang="zh-CN" altLang="en-US"/>
+            </a:p>
+          </p:txBody>
+        </p:sp>
+        <p:sp>
+          <p:nvSpPr>
+            <p:cNvPr id="1032" name="椭圆 1031">
+              <a:extLst>
+                <a:ext uri="{FF2B5EF4-FFF2-40B4-BE49-F238E27FC236}">
+                  <a16:creationId xmlns:a16="http://schemas.microsoft.com/office/drawing/2014/main" id="{049326B9-5505-049D-A06C-F3838F8F1545}"/>
+                </a:ext>
+              </a:extLst>
+            </p:cNvPr>
+            <p:cNvSpPr/>
+            <p:nvPr/>
+          </p:nvSpPr>
+          <p:spPr>
+            <a:xfrm>
+              <a:off x="8436077" y="4757631"/>
+              <a:ext cx="216445" cy="199103"/>
+            </a:xfrm>
+            <a:prstGeom prst="ellipse">
+              <a:avLst/>
+            </a:prstGeom>
+            <a:noFill/>
+            <a:ln>
+              <a:solidFill>
+                <a:srgbClr val="FF0000"/>
+              </a:solidFill>
+            </a:ln>
+          </p:spPr>
+          <p:style>
+            <a:lnRef idx="2">
+              <a:schemeClr val="accent1">
+                <a:shade val="15000"/>
+              </a:schemeClr>
+            </a:lnRef>
+            <a:fillRef idx="1">
+              <a:schemeClr val="accent1"/>
+            </a:fillRef>
+            <a:effectRef idx="0">
+              <a:schemeClr val="accent1"/>
+            </a:effectRef>
+            <a:fontRef idx="minor">
+              <a:schemeClr val="lt1"/>
+            </a:fontRef>
+          </p:style>
+          <p:txBody>
+            <a:bodyPr rtlCol="0" anchor="ctr"/>
+            <a:lstStyle/>
+            <a:p>
+              <a:pPr algn="ctr"/>
+              <a:endParaRPr lang="zh-CN" altLang="en-US"/>
+            </a:p>
+          </p:txBody>
+        </p:sp>
+        <p:sp>
+          <p:nvSpPr>
+            <p:cNvPr id="1033" name="椭圆 1032">
+              <a:extLst>
+                <a:ext uri="{FF2B5EF4-FFF2-40B4-BE49-F238E27FC236}">
+                  <a16:creationId xmlns:a16="http://schemas.microsoft.com/office/drawing/2014/main" id="{36E9DF15-FB08-58EA-AB87-79E8AC9A876D}"/>
+                </a:ext>
+              </a:extLst>
+            </p:cNvPr>
+            <p:cNvSpPr/>
+            <p:nvPr/>
+          </p:nvSpPr>
+          <p:spPr>
+            <a:xfrm>
+              <a:off x="7945624" y="5162176"/>
+              <a:ext cx="216445" cy="199103"/>
+            </a:xfrm>
+            <a:prstGeom prst="ellipse">
+              <a:avLst/>
+            </a:prstGeom>
+            <a:noFill/>
+            <a:ln>
+              <a:solidFill>
+                <a:srgbClr val="FF0000"/>
+              </a:solidFill>
+            </a:ln>
+          </p:spPr>
+          <p:style>
+            <a:lnRef idx="2">
+              <a:schemeClr val="accent1">
+                <a:shade val="15000"/>
+              </a:schemeClr>
+            </a:lnRef>
+            <a:fillRef idx="1">
+              <a:schemeClr val="accent1"/>
+            </a:fillRef>
+            <a:effectRef idx="0">
+              <a:schemeClr val="accent1"/>
+            </a:effectRef>
+            <a:fontRef idx="minor">
+              <a:schemeClr val="lt1"/>
+            </a:fontRef>
+          </p:style>
+          <p:txBody>
+            <a:bodyPr rtlCol="0" anchor="ctr"/>
+            <a:lstStyle/>
+            <a:p>
+              <a:pPr algn="ctr"/>
+              <a:endParaRPr lang="zh-CN" altLang="en-US"/>
+            </a:p>
+          </p:txBody>
+        </p:sp>
+      </p:grpSp>
+      <p:grpSp>
+        <p:nvGrpSpPr>
+          <p:cNvPr id="1034" name="组合 1033">
+            <a:extLst>
+              <a:ext uri="{FF2B5EF4-FFF2-40B4-BE49-F238E27FC236}">
+                <a16:creationId xmlns:a16="http://schemas.microsoft.com/office/drawing/2014/main" id="{4C6BE11D-BCB5-7DC4-ED59-E0941FDAC72B}"/>
+              </a:ext>
+            </a:extLst>
+          </p:cNvPr>
+          <p:cNvGrpSpPr/>
+          <p:nvPr/>
+        </p:nvGrpSpPr>
+        <p:grpSpPr>
+          <a:xfrm>
+            <a:off x="8124710" y="4757631"/>
+            <a:ext cx="1858297" cy="1359243"/>
+            <a:chOff x="7760244" y="4757631"/>
+            <a:chExt cx="1858297" cy="1359243"/>
+          </a:xfrm>
+        </p:grpSpPr>
+        <p:sp>
+          <p:nvSpPr>
+            <p:cNvPr id="1035" name="任意多边形: 形状 1034">
+              <a:extLst>
+                <a:ext uri="{FF2B5EF4-FFF2-40B4-BE49-F238E27FC236}">
+                  <a16:creationId xmlns:a16="http://schemas.microsoft.com/office/drawing/2014/main" id="{89AC3BB5-8629-5AE4-3BB7-185701DE79FA}"/>
+                </a:ext>
+              </a:extLst>
+            </p:cNvPr>
+            <p:cNvSpPr/>
+            <p:nvPr/>
+          </p:nvSpPr>
+          <p:spPr>
+            <a:xfrm>
+              <a:off x="7760244" y="4842084"/>
+              <a:ext cx="1858297" cy="1274790"/>
+            </a:xfrm>
+            <a:custGeom>
+              <a:avLst/>
+              <a:gdLst>
+                <a:gd name="connsiteX0" fmla="*/ 0 w 1858297"/>
+                <a:gd name="connsiteY0" fmla="*/ 577693 h 1274790"/>
+                <a:gd name="connsiteX1" fmla="*/ 184355 w 1858297"/>
+                <a:gd name="connsiteY1" fmla="*/ 695681 h 1274790"/>
+                <a:gd name="connsiteX2" fmla="*/ 324465 w 1858297"/>
+                <a:gd name="connsiteY2" fmla="*/ 408087 h 1274790"/>
+                <a:gd name="connsiteX3" fmla="*/ 582561 w 1858297"/>
+                <a:gd name="connsiteY3" fmla="*/ 931655 h 1274790"/>
+                <a:gd name="connsiteX4" fmla="*/ 803787 w 1858297"/>
+                <a:gd name="connsiteY4" fmla="*/ 2506 h 1274790"/>
+                <a:gd name="connsiteX5" fmla="*/ 1017639 w 1858297"/>
+                <a:gd name="connsiteY5" fmla="*/ 1270868 h 1274790"/>
+                <a:gd name="connsiteX6" fmla="*/ 1297858 w 1858297"/>
+                <a:gd name="connsiteY6" fmla="*/ 408087 h 1274790"/>
+                <a:gd name="connsiteX7" fmla="*/ 1578077 w 1858297"/>
+                <a:gd name="connsiteY7" fmla="*/ 651435 h 1274790"/>
+                <a:gd name="connsiteX8" fmla="*/ 1696065 w 1858297"/>
+                <a:gd name="connsiteY8" fmla="*/ 474455 h 1274790"/>
+                <a:gd name="connsiteX9" fmla="*/ 1858297 w 1858297"/>
+                <a:gd name="connsiteY9" fmla="*/ 629313 h 1274790"/>
+                <a:gd name="connsiteX10" fmla="*/ 1858297 w 1858297"/>
+                <a:gd name="connsiteY10" fmla="*/ 629313 h 1274790"/>
+                <a:gd name="connsiteX11" fmla="*/ 1858297 w 1858297"/>
+                <a:gd name="connsiteY11" fmla="*/ 621939 h 1274790"/>
+              </a:gdLst>
+              <a:ahLst/>
+              <a:cxnLst>
+                <a:cxn ang="0">
+                  <a:pos x="connsiteX0" y="connsiteY0"/>
+                </a:cxn>
+                <a:cxn ang="0">
+                  <a:pos x="connsiteX1" y="connsiteY1"/>
+                </a:cxn>
+                <a:cxn ang="0">
+                  <a:pos x="connsiteX2" y="connsiteY2"/>
+                </a:cxn>
+                <a:cxn ang="0">
+                  <a:pos x="connsiteX3" y="connsiteY3"/>
+                </a:cxn>
+                <a:cxn ang="0">
+                  <a:pos x="connsiteX4" y="connsiteY4"/>
+                </a:cxn>
+                <a:cxn ang="0">
+                  <a:pos x="connsiteX5" y="connsiteY5"/>
+                </a:cxn>
+                <a:cxn ang="0">
+                  <a:pos x="connsiteX6" y="connsiteY6"/>
+                </a:cxn>
+                <a:cxn ang="0">
+                  <a:pos x="connsiteX7" y="connsiteY7"/>
+                </a:cxn>
+                <a:cxn ang="0">
+                  <a:pos x="connsiteX8" y="connsiteY8"/>
+                </a:cxn>
+                <a:cxn ang="0">
+                  <a:pos x="connsiteX9" y="connsiteY9"/>
+                </a:cxn>
+                <a:cxn ang="0">
+                  <a:pos x="connsiteX10" y="connsiteY10"/>
+                </a:cxn>
+                <a:cxn ang="0">
+                  <a:pos x="connsiteX11" y="connsiteY11"/>
+                </a:cxn>
+              </a:cxnLst>
+              <a:rect l="l" t="t" r="r" b="b"/>
+              <a:pathLst>
+                <a:path w="1858297" h="1274790">
+                  <a:moveTo>
+                    <a:pt x="0" y="577693"/>
+                  </a:moveTo>
+                  <a:cubicBezTo>
+                    <a:pt x="65139" y="650821"/>
+                    <a:pt x="130278" y="723949"/>
+                    <a:pt x="184355" y="695681"/>
+                  </a:cubicBezTo>
+                  <a:cubicBezTo>
+                    <a:pt x="238433" y="667413"/>
+                    <a:pt x="258097" y="368758"/>
+                    <a:pt x="324465" y="408087"/>
+                  </a:cubicBezTo>
+                  <a:cubicBezTo>
+                    <a:pt x="390833" y="447416"/>
+                    <a:pt x="502674" y="999252"/>
+                    <a:pt x="582561" y="931655"/>
+                  </a:cubicBezTo>
+                  <a:cubicBezTo>
+                    <a:pt x="662448" y="864058"/>
+                    <a:pt x="731274" y="-54029"/>
+                    <a:pt x="803787" y="2506"/>
+                  </a:cubicBezTo>
+                  <a:cubicBezTo>
+                    <a:pt x="876300" y="59041"/>
+                    <a:pt x="935294" y="1203271"/>
+                    <a:pt x="1017639" y="1270868"/>
+                  </a:cubicBezTo>
+                  <a:cubicBezTo>
+                    <a:pt x="1099984" y="1338465"/>
+                    <a:pt x="1204452" y="511326"/>
+                    <a:pt x="1297858" y="408087"/>
+                  </a:cubicBezTo>
+                  <a:cubicBezTo>
+                    <a:pt x="1391264" y="304848"/>
+                    <a:pt x="1511709" y="640374"/>
+                    <a:pt x="1578077" y="651435"/>
+                  </a:cubicBezTo>
+                  <a:cubicBezTo>
+                    <a:pt x="1644445" y="662496"/>
+                    <a:pt x="1649362" y="478142"/>
+                    <a:pt x="1696065" y="474455"/>
+                  </a:cubicBezTo>
+                  <a:cubicBezTo>
+                    <a:pt x="1742768" y="470768"/>
+                    <a:pt x="1858297" y="629313"/>
+                    <a:pt x="1858297" y="629313"/>
+                  </a:cubicBezTo>
+                  <a:lnTo>
+                    <a:pt x="1858297" y="629313"/>
+                  </a:lnTo>
+                  <a:lnTo>
+                    <a:pt x="1858297" y="621939"/>
+                  </a:lnTo>
+                </a:path>
+              </a:pathLst>
+            </a:custGeom>
+            <a:noFill/>
+          </p:spPr>
+          <p:style>
+            <a:lnRef idx="2">
+              <a:schemeClr val="accent1">
+                <a:shade val="15000"/>
+              </a:schemeClr>
+            </a:lnRef>
+            <a:fillRef idx="1">
+              <a:schemeClr val="accent1"/>
+            </a:fillRef>
+            <a:effectRef idx="0">
+              <a:schemeClr val="accent1"/>
+            </a:effectRef>
+            <a:fontRef idx="minor">
+              <a:schemeClr val="lt1"/>
+            </a:fontRef>
+          </p:style>
+          <p:txBody>
+            <a:bodyPr rtlCol="0" anchor="ctr"/>
+            <a:lstStyle/>
+            <a:p>
+              <a:pPr algn="ctr"/>
+              <a:endParaRPr lang="zh-CN" altLang="en-US"/>
+            </a:p>
+          </p:txBody>
+        </p:sp>
+        <p:sp>
+          <p:nvSpPr>
+            <p:cNvPr id="1036" name="椭圆 1035">
+              <a:extLst>
+                <a:ext uri="{FF2B5EF4-FFF2-40B4-BE49-F238E27FC236}">
+                  <a16:creationId xmlns:a16="http://schemas.microsoft.com/office/drawing/2014/main" id="{EA61AE2E-7599-8103-10F4-C1621ABF8DA5}"/>
+                </a:ext>
+              </a:extLst>
+            </p:cNvPr>
+            <p:cNvSpPr/>
+            <p:nvPr/>
+          </p:nvSpPr>
+          <p:spPr>
+            <a:xfrm>
+              <a:off x="8436077" y="4757631"/>
+              <a:ext cx="216445" cy="199103"/>
+            </a:xfrm>
+            <a:prstGeom prst="ellipse">
+              <a:avLst/>
+            </a:prstGeom>
+            <a:noFill/>
+            <a:ln>
+              <a:solidFill>
+                <a:srgbClr val="FF0000"/>
+              </a:solidFill>
+            </a:ln>
+          </p:spPr>
+          <p:style>
+            <a:lnRef idx="2">
+              <a:schemeClr val="accent1">
+                <a:shade val="15000"/>
+              </a:schemeClr>
+            </a:lnRef>
+            <a:fillRef idx="1">
+              <a:schemeClr val="accent1"/>
+            </a:fillRef>
+            <a:effectRef idx="0">
+              <a:schemeClr val="accent1"/>
+            </a:effectRef>
+            <a:fontRef idx="minor">
+              <a:schemeClr val="lt1"/>
+            </a:fontRef>
+          </p:style>
+          <p:txBody>
+            <a:bodyPr rtlCol="0" anchor="ctr"/>
+            <a:lstStyle/>
+            <a:p>
+              <a:pPr algn="ctr"/>
+              <a:endParaRPr lang="zh-CN" altLang="en-US"/>
+            </a:p>
+          </p:txBody>
+        </p:sp>
+        <p:sp>
+          <p:nvSpPr>
+            <p:cNvPr id="1037" name="椭圆 1036">
+              <a:extLst>
+                <a:ext uri="{FF2B5EF4-FFF2-40B4-BE49-F238E27FC236}">
+                  <a16:creationId xmlns:a16="http://schemas.microsoft.com/office/drawing/2014/main" id="{93A85B6F-D08B-A22C-558B-B15C6DEE5400}"/>
+                </a:ext>
+              </a:extLst>
+            </p:cNvPr>
+            <p:cNvSpPr/>
+            <p:nvPr/>
+          </p:nvSpPr>
+          <p:spPr>
+            <a:xfrm>
+              <a:off x="7945624" y="5162176"/>
+              <a:ext cx="216445" cy="199103"/>
+            </a:xfrm>
+            <a:prstGeom prst="ellipse">
+              <a:avLst/>
+            </a:prstGeom>
+            <a:noFill/>
+            <a:ln>
+              <a:solidFill>
+                <a:srgbClr val="FF0000"/>
+              </a:solidFill>
+            </a:ln>
+          </p:spPr>
+          <p:style>
+            <a:lnRef idx="2">
+              <a:schemeClr val="accent1">
+                <a:shade val="15000"/>
+              </a:schemeClr>
+            </a:lnRef>
+            <a:fillRef idx="1">
+              <a:schemeClr val="accent1"/>
+            </a:fillRef>
+            <a:effectRef idx="0">
+              <a:schemeClr val="accent1"/>
+            </a:effectRef>
+            <a:fontRef idx="minor">
+              <a:schemeClr val="lt1"/>
+            </a:fontRef>
+          </p:style>
+          <p:txBody>
+            <a:bodyPr rtlCol="0" anchor="ctr"/>
+            <a:lstStyle/>
+            <a:p>
+              <a:pPr algn="ctr"/>
+              <a:endParaRPr lang="zh-CN" altLang="en-US"/>
+            </a:p>
+          </p:txBody>
+        </p:sp>
+      </p:grpSp>
+      <p:sp>
+        <p:nvSpPr>
+          <p:cNvPr id="1038" name="文本框 1037">
+            <a:extLst>
+              <a:ext uri="{FF2B5EF4-FFF2-40B4-BE49-F238E27FC236}">
+                <a16:creationId xmlns:a16="http://schemas.microsoft.com/office/drawing/2014/main" id="{D88088FB-8795-F8DD-9D96-9B7E0419FD37}"/>
+              </a:ext>
+            </a:extLst>
+          </p:cNvPr>
+          <p:cNvSpPr txBox="1"/>
+          <p:nvPr/>
+        </p:nvSpPr>
+        <p:spPr>
+          <a:xfrm>
+            <a:off x="981175" y="6155062"/>
+            <a:ext cx="3863066" cy="646331"/>
+          </a:xfrm>
+          <a:prstGeom prst="rect">
+            <a:avLst/>
+          </a:prstGeom>
+          <a:noFill/>
+        </p:spPr>
+        <p:txBody>
+          <a:bodyPr wrap="square" rtlCol="0">
+            <a:spAutoFit/>
+          </a:bodyPr>
+          <a:lstStyle/>
+          <a:p>
+            <a:r>
+              <a:rPr lang="en-US" altLang="zh-CN" dirty="0"/>
+              <a:t>Sliced signals without any knowledge of their nature</a:t>
+            </a:r>
+            <a:endParaRPr lang="zh-CN" altLang="en-US" dirty="0"/>
+          </a:p>
+        </p:txBody>
+      </p:sp>
+      <p:sp>
+        <p:nvSpPr>
+          <p:cNvPr id="1039" name="文本框 1038">
+            <a:extLst>
+              <a:ext uri="{FF2B5EF4-FFF2-40B4-BE49-F238E27FC236}">
+                <a16:creationId xmlns:a16="http://schemas.microsoft.com/office/drawing/2014/main" id="{52CED34B-F682-3561-978B-F62F4CF932D8}"/>
+              </a:ext>
+            </a:extLst>
+          </p:cNvPr>
+          <p:cNvSpPr txBox="1"/>
+          <p:nvPr/>
+        </p:nvSpPr>
+        <p:spPr>
+          <a:xfrm>
+            <a:off x="4224457" y="6107197"/>
+            <a:ext cx="3370006" cy="646331"/>
+          </a:xfrm>
+          <a:prstGeom prst="rect">
+            <a:avLst/>
+          </a:prstGeom>
+          <a:noFill/>
+        </p:spPr>
+        <p:txBody>
+          <a:bodyPr wrap="square" rtlCol="0">
+            <a:spAutoFit/>
+          </a:bodyPr>
+          <a:lstStyle/>
+          <a:p>
+            <a:r>
+              <a:rPr lang="en-US" altLang="zh-CN" dirty="0"/>
+              <a:t>Sliced signals with some knowledge of their nature</a:t>
+            </a:r>
+            <a:endParaRPr lang="zh-CN" altLang="en-US" dirty="0"/>
+          </a:p>
+        </p:txBody>
+      </p:sp>
+      <p:sp>
+        <p:nvSpPr>
+          <p:cNvPr id="1040" name="文本框 1039">
+            <a:extLst>
+              <a:ext uri="{FF2B5EF4-FFF2-40B4-BE49-F238E27FC236}">
+                <a16:creationId xmlns:a16="http://schemas.microsoft.com/office/drawing/2014/main" id="{CE62DF74-7FAB-A5B0-7121-FD7357C42624}"/>
+              </a:ext>
+            </a:extLst>
+          </p:cNvPr>
+          <p:cNvSpPr txBox="1"/>
+          <p:nvPr/>
+        </p:nvSpPr>
+        <p:spPr>
+          <a:xfrm>
+            <a:off x="7627196" y="6107196"/>
+            <a:ext cx="3370006" cy="646331"/>
+          </a:xfrm>
+          <a:prstGeom prst="rect">
+            <a:avLst/>
+          </a:prstGeom>
+          <a:noFill/>
+        </p:spPr>
+        <p:txBody>
+          <a:bodyPr wrap="square" rtlCol="0">
+            <a:spAutoFit/>
+          </a:bodyPr>
+          <a:lstStyle/>
+          <a:p>
+            <a:r>
+              <a:rPr lang="en-US" altLang="zh-CN" dirty="0"/>
+              <a:t>Sliced signals with deep knowledge of their nature</a:t>
+            </a:r>
+            <a:endParaRPr lang="zh-CN" altLang="en-US" dirty="0"/>
+          </a:p>
+        </p:txBody>
+      </p:sp>
+    </p:spTree>
+    <p:extLst>
+      <p:ext uri="{BB962C8B-B14F-4D97-AF65-F5344CB8AC3E}">
+        <p14:creationId xmlns:p14="http://schemas.microsoft.com/office/powerpoint/2010/main" val="2622384523"/>
+      </p:ext>
+    </p:extLst>
+  </p:cSld>
+  <p:clrMapOvr>
+    <a:masterClrMapping/>
+  </p:clrMapOvr>
+</p:sld>
+</file>
+
+<file path=ppt/slides/slide13.xml><?xml version="1.0" encoding="utf-8"?>
+<p:sld xmlns:a="http://schemas.openxmlformats.org/drawingml/2006/main" xmlns:r="http://schemas.openxmlformats.org/officeDocument/2006/relationships" xmlns:p="http://schemas.openxmlformats.org/presentationml/2006/main">
+  <p:cSld>
+    <p:spTree>
+      <p:nvGrpSpPr>
+        <p:cNvPr id="1" name=""/>
+        <p:cNvGrpSpPr/>
+        <p:nvPr/>
+      </p:nvGrpSpPr>
+      <p:grpSpPr>
+        <a:xfrm>
+          <a:off x="0" y="0"/>
+          <a:ext cx="0" cy="0"/>
+          <a:chOff x="0" y="0"/>
+          <a:chExt cx="0" cy="0"/>
+        </a:xfrm>
+      </p:grpSpPr>
+      <p:sp>
+        <p:nvSpPr>
           <p:cNvPr id="2" name="文本框 1">
             <a:extLst>
               <a:ext uri="{FF2B5EF4-FFF2-40B4-BE49-F238E27FC236}">
@@ -5360,7 +11803,7 @@
         <p:spPr>
           <a:xfrm>
             <a:off x="1122219" y="1228397"/>
-            <a:ext cx="10111839" cy="4401205"/>
+            <a:ext cx="10111839" cy="3693319"/>
           </a:xfrm>
           <a:prstGeom prst="rect">
             <a:avLst/>
@@ -5406,83 +11849,13 @@
           <a:p>
             <a:r>
               <a:rPr lang="en-US" altLang="zh-CN" dirty="0"/>
-              <a:t>3. </a:t>
-            </a:r>
-            <a:r>
-              <a:rPr lang="zh-CN" altLang="en-US" dirty="0">
-                <a:solidFill>
-                  <a:srgbClr val="FF0000"/>
-                </a:solidFill>
-              </a:rPr>
-              <a:t>我对最后效果的设想是这样的</a:t>
-            </a:r>
-            <a:endParaRPr lang="en-US" altLang="zh-CN" dirty="0">
-              <a:solidFill>
-                <a:srgbClr val="FF0000"/>
-              </a:solidFill>
-            </a:endParaRPr>
-          </a:p>
-          <a:p>
-            <a:endParaRPr lang="en-US" altLang="zh-CN" dirty="0"/>
-          </a:p>
-          <a:p>
-            <a:r>
-              <a:rPr lang="zh-CN" altLang="en-US" dirty="0"/>
-              <a:t>目前论文中提及</a:t>
-            </a:r>
-            <a:r>
-              <a:rPr lang="en-US" altLang="zh-CN" dirty="0"/>
-              <a:t>Time Alignment</a:t>
-            </a:r>
-            <a:r>
-              <a:rPr lang="zh-CN" altLang="en-US" dirty="0"/>
-              <a:t>或者</a:t>
-            </a:r>
-            <a:r>
-              <a:rPr lang="en-US" altLang="zh-CN" dirty="0"/>
-              <a:t>DTW</a:t>
-            </a:r>
-            <a:r>
-              <a:rPr lang="zh-CN" altLang="en-US" dirty="0"/>
-              <a:t>，常常的用途是</a:t>
-            </a:r>
-            <a:r>
-              <a:rPr lang="en-US" altLang="zh-CN" dirty="0"/>
-              <a:t>Clustering</a:t>
-            </a:r>
-            <a:r>
-              <a:rPr lang="en-US" altLang="zh-CN" sz="1600" dirty="0"/>
-              <a:t>, Classification, Data Argument</a:t>
-            </a:r>
-            <a:r>
-              <a:rPr lang="zh-CN" altLang="en-US" sz="1600" dirty="0"/>
-              <a:t>。我们能不能把目前的这个工作称为</a:t>
-            </a:r>
-            <a:r>
-              <a:rPr lang="en-US" altLang="zh-CN" sz="1600" dirty="0"/>
-              <a:t>DTW for Regression?</a:t>
-            </a:r>
-          </a:p>
-          <a:p>
+              <a:t>3. In the current thesis, when mentioning 'Time Alignment' or 'DTW,' they are often used for clustering, classification, and data argumentation. Can we refer to the current work as 'DTW for Regression'? </a:t>
+            </a:r>
+            <a:r>
+              <a:rPr lang="en-US" altLang="zh-CN"/>
+              <a:t>Compared to 'DTW for Classification,' 'DTW for Regression' has a distinct focus.</a:t>
+            </a:r>
             <a:endParaRPr lang="en-US" altLang="zh-CN" sz="1600" dirty="0"/>
-          </a:p>
-          <a:p>
-            <a:r>
-              <a:rPr lang="zh-CN" altLang="en-US" sz="1600" dirty="0"/>
-              <a:t>我们的研究重点在于，如何从粗糙的用于分类的</a:t>
-            </a:r>
-            <a:r>
-              <a:rPr lang="en-US" altLang="zh-CN" sz="1600" dirty="0"/>
-              <a:t>Time Alignment</a:t>
-            </a:r>
-            <a:r>
-              <a:rPr lang="zh-CN" altLang="en-US" sz="1600" dirty="0"/>
-              <a:t>，变成能够在其中提取特征的精细的</a:t>
-            </a:r>
-            <a:r>
-              <a:rPr lang="en-US" altLang="zh-CN" sz="1600" dirty="0"/>
-              <a:t>Time Alignment.</a:t>
-            </a:r>
           </a:p>
         </p:txBody>
       </p:sp>
@@ -5499,7 +11872,7 @@
 </p:sld>
 </file>
 
-<file path=ppt/slides/slide11.xml><?xml version="1.0" encoding="utf-8"?>
+<file path=ppt/slides/slide14.xml><?xml version="1.0" encoding="utf-8"?>
 <p:sld xmlns:a="http://schemas.openxmlformats.org/drawingml/2006/main" xmlns:r="http://schemas.openxmlformats.org/officeDocument/2006/relationships" xmlns:p="http://schemas.openxmlformats.org/presentationml/2006/main">
   <p:cSld>
     <p:spTree>
@@ -6154,7 +12527,7 @@
 </p:sld>
 </file>
 
-<file path=ppt/slides/slide12.xml><?xml version="1.0" encoding="utf-8"?>
+<file path=ppt/slides/slide15.xml><?xml version="1.0" encoding="utf-8"?>
 <p:sld xmlns:a="http://schemas.openxmlformats.org/drawingml/2006/main" xmlns:r="http://schemas.openxmlformats.org/officeDocument/2006/relationships" xmlns:p="http://schemas.openxmlformats.org/presentationml/2006/main">
   <p:cSld>
     <p:spTree>
@@ -6889,7 +13262,7 @@
 </p:sld>
 </file>
 
-<file path=ppt/slides/slide13.xml><?xml version="1.0" encoding="utf-8"?>
+<file path=ppt/slides/slide16.xml><?xml version="1.0" encoding="utf-8"?>
 <p:sld xmlns:a="http://schemas.openxmlformats.org/drawingml/2006/main" xmlns:r="http://schemas.openxmlformats.org/officeDocument/2006/relationships" xmlns:p="http://schemas.openxmlformats.org/presentationml/2006/main">
   <p:cSld>
     <p:spTree>
@@ -7564,7 +13937,7 @@
 </p:sld>
 </file>
 
-<file path=ppt/slides/slide14.xml><?xml version="1.0" encoding="utf-8"?>
+<file path=ppt/slides/slide17.xml><?xml version="1.0" encoding="utf-8"?>
 <p:sld xmlns:a="http://schemas.openxmlformats.org/drawingml/2006/main" xmlns:r="http://schemas.openxmlformats.org/officeDocument/2006/relationships" xmlns:p="http://schemas.openxmlformats.org/presentationml/2006/main">
   <p:cSld>
     <p:spTree>
@@ -8123,7 +14496,7 @@
 </p:sld>
 </file>
 
-<file path=ppt/slides/slide15.xml><?xml version="1.0" encoding="utf-8"?>
+<file path=ppt/slides/slide18.xml><?xml version="1.0" encoding="utf-8"?>
 <p:sld xmlns:a="http://schemas.openxmlformats.org/drawingml/2006/main" xmlns:r="http://schemas.openxmlformats.org/officeDocument/2006/relationships" xmlns:p="http://schemas.openxmlformats.org/presentationml/2006/main">
   <p:cSld>
     <p:spTree>
@@ -8721,7 +15094,7 @@
 </p:sld>
 </file>
 
-<file path=ppt/slides/slide16.xml><?xml version="1.0" encoding="utf-8"?>
+<file path=ppt/slides/slide19.xml><?xml version="1.0" encoding="utf-8"?>
 <p:sld xmlns:a="http://schemas.openxmlformats.org/drawingml/2006/main" xmlns:r="http://schemas.openxmlformats.org/officeDocument/2006/relationships" xmlns:p="http://schemas.openxmlformats.org/presentationml/2006/main">
   <p:cSld>
     <p:spTree>
@@ -9022,7 +15395,207 @@
 </p:sld>
 </file>
 
-<file path=ppt/slides/slide17.xml><?xml version="1.0" encoding="utf-8"?>
+<file path=ppt/slides/slide2.xml><?xml version="1.0" encoding="utf-8"?>
+<p:sld xmlns:a="http://schemas.openxmlformats.org/drawingml/2006/main" xmlns:r="http://schemas.openxmlformats.org/officeDocument/2006/relationships" xmlns:p="http://schemas.openxmlformats.org/presentationml/2006/main">
+  <p:cSld>
+    <p:spTree>
+      <p:nvGrpSpPr>
+        <p:cNvPr id="1" name=""/>
+        <p:cNvGrpSpPr/>
+        <p:nvPr/>
+      </p:nvGrpSpPr>
+      <p:grpSpPr>
+        <a:xfrm>
+          <a:off x="0" y="0"/>
+          <a:ext cx="0" cy="0"/>
+          <a:chOff x="0" y="0"/>
+          <a:chExt cx="0" cy="0"/>
+        </a:xfrm>
+      </p:grpSpPr>
+      <p:sp>
+        <p:nvSpPr>
+          <p:cNvPr id="2" name="文本框 1">
+            <a:extLst>
+              <a:ext uri="{FF2B5EF4-FFF2-40B4-BE49-F238E27FC236}">
+                <a16:creationId xmlns:a16="http://schemas.microsoft.com/office/drawing/2014/main" id="{4301BE2B-0820-0143-B72A-D9CEA12265BD}"/>
+              </a:ext>
+            </a:extLst>
+          </p:cNvPr>
+          <p:cNvSpPr txBox="1"/>
+          <p:nvPr/>
+        </p:nvSpPr>
+        <p:spPr>
+          <a:xfrm>
+            <a:off x="1574963" y="537330"/>
+            <a:ext cx="9042074" cy="461665"/>
+          </a:xfrm>
+          <a:prstGeom prst="rect">
+            <a:avLst/>
+          </a:prstGeom>
+          <a:noFill/>
+        </p:spPr>
+        <p:txBody>
+          <a:bodyPr wrap="square" rtlCol="0">
+            <a:spAutoFit/>
+          </a:bodyPr>
+          <a:lstStyle/>
+          <a:p>
+            <a:pPr algn="ctr"/>
+            <a:r>
+              <a:rPr lang="en-US" altLang="zh-CN" sz="2400" dirty="0">
+                <a:latin typeface="Consolas" panose="020B0609020204030204" pitchFamily="49" charset="0"/>
+                <a:cs typeface="Times New Roman" panose="02020603050405020304" pitchFamily="18" charset="0"/>
+              </a:rPr>
+              <a:t>Work Description</a:t>
+            </a:r>
+          </a:p>
+        </p:txBody>
+      </p:sp>
+      <p:sp>
+        <p:nvSpPr>
+          <p:cNvPr id="3" name="文本框 2">
+            <a:extLst>
+              <a:ext uri="{FF2B5EF4-FFF2-40B4-BE49-F238E27FC236}">
+                <a16:creationId xmlns:a16="http://schemas.microsoft.com/office/drawing/2014/main" id="{59F62255-7A4A-1C35-FF69-9A58CEC1EDD3}"/>
+              </a:ext>
+            </a:extLst>
+          </p:cNvPr>
+          <p:cNvSpPr txBox="1"/>
+          <p:nvPr/>
+        </p:nvSpPr>
+        <p:spPr>
+          <a:xfrm>
+            <a:off x="2415715" y="1706472"/>
+            <a:ext cx="8616079" cy="4247317"/>
+          </a:xfrm>
+          <a:prstGeom prst="rect">
+            <a:avLst/>
+          </a:prstGeom>
+          <a:noFill/>
+        </p:spPr>
+        <p:txBody>
+          <a:bodyPr wrap="square" rtlCol="0">
+            <a:spAutoFit/>
+          </a:bodyPr>
+          <a:lstStyle/>
+          <a:p>
+            <a:r>
+              <a:rPr lang="en-US" altLang="zh-CN" dirty="0"/>
+              <a:t>Part_1: </a:t>
+            </a:r>
+          </a:p>
+          <a:p>
+            <a:pPr marL="800100" lvl="1" indent="-342900">
+              <a:buAutoNum type="arabicPeriod"/>
+            </a:pPr>
+            <a:r>
+              <a:rPr lang="en-US" altLang="zh-CN" dirty="0"/>
+              <a:t>About Getting Template (Weighted Average, Kalman Filter, DTW)</a:t>
+            </a:r>
+          </a:p>
+          <a:p>
+            <a:pPr marL="800100" lvl="1" indent="-342900">
+              <a:buFontTx/>
+              <a:buAutoNum type="arabicPeriod"/>
+            </a:pPr>
+            <a:r>
+              <a:rPr lang="en-US" altLang="zh-CN" dirty="0"/>
+              <a:t>Some Thoughts about Removing Breathing Effect</a:t>
+            </a:r>
+          </a:p>
+          <a:p>
+            <a:pPr marL="800100" lvl="1" indent="-342900">
+              <a:buAutoNum type="arabicPeriod"/>
+            </a:pPr>
+            <a:endParaRPr lang="en-US" altLang="zh-CN" dirty="0"/>
+          </a:p>
+          <a:p>
+            <a:pPr marL="800100" lvl="1" indent="-342900">
+              <a:buAutoNum type="arabicPeriod"/>
+            </a:pPr>
+            <a:endParaRPr lang="en-US" altLang="zh-CN" dirty="0"/>
+          </a:p>
+          <a:p>
+            <a:r>
+              <a:rPr lang="en-US" altLang="zh-CN" dirty="0"/>
+              <a:t>Part_2: </a:t>
+            </a:r>
+          </a:p>
+          <a:p>
+            <a:pPr marL="800100" lvl="1" indent="-342900">
+              <a:buAutoNum type="arabicPeriod"/>
+            </a:pPr>
+            <a:r>
+              <a:rPr lang="en-US" altLang="zh-CN" dirty="0"/>
+              <a:t>Paper_1: A global averaging method for DTW</a:t>
+            </a:r>
+          </a:p>
+          <a:p>
+            <a:pPr marL="800100" lvl="1" indent="-342900">
+              <a:buAutoNum type="arabicPeriod"/>
+            </a:pPr>
+            <a:r>
+              <a:rPr lang="en-US" altLang="zh-CN" dirty="0"/>
+              <a:t>Paper_2: </a:t>
+            </a:r>
+            <a:r>
+              <a:rPr lang="en-US" altLang="zh-CN" dirty="0" err="1"/>
+              <a:t>shapeDTW</a:t>
+            </a:r>
+            <a:r>
+              <a:rPr lang="en-US" altLang="zh-CN" dirty="0"/>
+              <a:t>: shape Dynamic Time Warping</a:t>
+            </a:r>
+          </a:p>
+          <a:p>
+            <a:pPr marL="800100" lvl="1" indent="-342900">
+              <a:buAutoNum type="arabicPeriod"/>
+            </a:pPr>
+            <a:r>
+              <a:rPr lang="en-US" altLang="zh-CN" dirty="0"/>
+              <a:t>Paper_3: k-Shape</a:t>
+            </a:r>
+          </a:p>
+          <a:p>
+            <a:endParaRPr lang="en-US" altLang="zh-CN" dirty="0"/>
+          </a:p>
+          <a:p>
+            <a:endParaRPr lang="en-US" altLang="zh-CN" dirty="0"/>
+          </a:p>
+          <a:p>
+            <a:r>
+              <a:rPr lang="en-US" altLang="zh-CN" dirty="0"/>
+              <a:t>Part_3: Learning Progress and Future Learning Plan</a:t>
+            </a:r>
+          </a:p>
+          <a:p>
+            <a:endParaRPr lang="en-US" altLang="zh-CN" dirty="0"/>
+          </a:p>
+          <a:p>
+            <a:endParaRPr lang="en-US" altLang="zh-CN" dirty="0"/>
+          </a:p>
+          <a:p>
+            <a:r>
+              <a:rPr lang="en-US" altLang="zh-CN" dirty="0"/>
+              <a:t>Part_4: Questions</a:t>
+            </a:r>
+          </a:p>
+        </p:txBody>
+      </p:sp>
+    </p:spTree>
+    <p:extLst>
+      <p:ext uri="{BB962C8B-B14F-4D97-AF65-F5344CB8AC3E}">
+        <p14:creationId xmlns:p14="http://schemas.microsoft.com/office/powerpoint/2010/main" val="3563862824"/>
+      </p:ext>
+    </p:extLst>
+  </p:cSld>
+  <p:clrMapOvr>
+    <a:masterClrMapping/>
+  </p:clrMapOvr>
+</p:sld>
+</file>
+
+<file path=ppt/slides/slide20.xml><?xml version="1.0" encoding="utf-8"?>
 <p:sld xmlns:a="http://schemas.openxmlformats.org/drawingml/2006/main" xmlns:r="http://schemas.openxmlformats.org/officeDocument/2006/relationships" xmlns:p="http://schemas.openxmlformats.org/presentationml/2006/main">
   <p:cSld>
     <p:spTree>
@@ -9088,206 +15661,6 @@
     <p:extLst>
       <p:ext uri="{BB962C8B-B14F-4D97-AF65-F5344CB8AC3E}">
         <p14:creationId xmlns:p14="http://schemas.microsoft.com/office/powerpoint/2010/main" val="3015943919"/>
-      </p:ext>
-    </p:extLst>
-  </p:cSld>
-  <p:clrMapOvr>
-    <a:masterClrMapping/>
-  </p:clrMapOvr>
-</p:sld>
-</file>
-
-<file path=ppt/slides/slide2.xml><?xml version="1.0" encoding="utf-8"?>
-<p:sld xmlns:a="http://schemas.openxmlformats.org/drawingml/2006/main" xmlns:r="http://schemas.openxmlformats.org/officeDocument/2006/relationships" xmlns:p="http://schemas.openxmlformats.org/presentationml/2006/main">
-  <p:cSld>
-    <p:spTree>
-      <p:nvGrpSpPr>
-        <p:cNvPr id="1" name=""/>
-        <p:cNvGrpSpPr/>
-        <p:nvPr/>
-      </p:nvGrpSpPr>
-      <p:grpSpPr>
-        <a:xfrm>
-          <a:off x="0" y="0"/>
-          <a:ext cx="0" cy="0"/>
-          <a:chOff x="0" y="0"/>
-          <a:chExt cx="0" cy="0"/>
-        </a:xfrm>
-      </p:grpSpPr>
-      <p:sp>
-        <p:nvSpPr>
-          <p:cNvPr id="2" name="文本框 1">
-            <a:extLst>
-              <a:ext uri="{FF2B5EF4-FFF2-40B4-BE49-F238E27FC236}">
-                <a16:creationId xmlns:a16="http://schemas.microsoft.com/office/drawing/2014/main" id="{4301BE2B-0820-0143-B72A-D9CEA12265BD}"/>
-              </a:ext>
-            </a:extLst>
-          </p:cNvPr>
-          <p:cNvSpPr txBox="1"/>
-          <p:nvPr/>
-        </p:nvSpPr>
-        <p:spPr>
-          <a:xfrm>
-            <a:off x="1574963" y="537330"/>
-            <a:ext cx="9042074" cy="461665"/>
-          </a:xfrm>
-          <a:prstGeom prst="rect">
-            <a:avLst/>
-          </a:prstGeom>
-          <a:noFill/>
-        </p:spPr>
-        <p:txBody>
-          <a:bodyPr wrap="square" rtlCol="0">
-            <a:spAutoFit/>
-          </a:bodyPr>
-          <a:lstStyle/>
-          <a:p>
-            <a:pPr algn="ctr"/>
-            <a:r>
-              <a:rPr lang="en-US" altLang="zh-CN" sz="2400" dirty="0">
-                <a:latin typeface="Consolas" panose="020B0609020204030204" pitchFamily="49" charset="0"/>
-                <a:cs typeface="Times New Roman" panose="02020603050405020304" pitchFamily="18" charset="0"/>
-              </a:rPr>
-              <a:t>Work Description</a:t>
-            </a:r>
-          </a:p>
-        </p:txBody>
-      </p:sp>
-      <p:sp>
-        <p:nvSpPr>
-          <p:cNvPr id="3" name="文本框 2">
-            <a:extLst>
-              <a:ext uri="{FF2B5EF4-FFF2-40B4-BE49-F238E27FC236}">
-                <a16:creationId xmlns:a16="http://schemas.microsoft.com/office/drawing/2014/main" id="{59F62255-7A4A-1C35-FF69-9A58CEC1EDD3}"/>
-              </a:ext>
-            </a:extLst>
-          </p:cNvPr>
-          <p:cNvSpPr txBox="1"/>
-          <p:nvPr/>
-        </p:nvSpPr>
-        <p:spPr>
-          <a:xfrm>
-            <a:off x="2415715" y="1706472"/>
-            <a:ext cx="8616079" cy="4247317"/>
-          </a:xfrm>
-          <a:prstGeom prst="rect">
-            <a:avLst/>
-          </a:prstGeom>
-          <a:noFill/>
-        </p:spPr>
-        <p:txBody>
-          <a:bodyPr wrap="square" rtlCol="0">
-            <a:spAutoFit/>
-          </a:bodyPr>
-          <a:lstStyle/>
-          <a:p>
-            <a:r>
-              <a:rPr lang="en-US" altLang="zh-CN" dirty="0"/>
-              <a:t>Part_1: </a:t>
-            </a:r>
-          </a:p>
-          <a:p>
-            <a:pPr marL="800100" lvl="1" indent="-342900">
-              <a:buAutoNum type="arabicPeriod"/>
-            </a:pPr>
-            <a:r>
-              <a:rPr lang="en-US" altLang="zh-CN" dirty="0"/>
-              <a:t>About Getting Template (Weighted Average, Kalman Filter, DTW)</a:t>
-            </a:r>
-          </a:p>
-          <a:p>
-            <a:pPr marL="800100" lvl="1" indent="-342900">
-              <a:buFontTx/>
-              <a:buAutoNum type="arabicPeriod"/>
-            </a:pPr>
-            <a:r>
-              <a:rPr lang="en-US" altLang="zh-CN" dirty="0"/>
-              <a:t>Some Thoughts about Removing Breathing Effect</a:t>
-            </a:r>
-          </a:p>
-          <a:p>
-            <a:pPr marL="800100" lvl="1" indent="-342900">
-              <a:buAutoNum type="arabicPeriod"/>
-            </a:pPr>
-            <a:endParaRPr lang="en-US" altLang="zh-CN" dirty="0"/>
-          </a:p>
-          <a:p>
-            <a:pPr marL="800100" lvl="1" indent="-342900">
-              <a:buAutoNum type="arabicPeriod"/>
-            </a:pPr>
-            <a:endParaRPr lang="en-US" altLang="zh-CN" dirty="0"/>
-          </a:p>
-          <a:p>
-            <a:r>
-              <a:rPr lang="en-US" altLang="zh-CN" dirty="0"/>
-              <a:t>Part_2: </a:t>
-            </a:r>
-          </a:p>
-          <a:p>
-            <a:pPr marL="800100" lvl="1" indent="-342900">
-              <a:buAutoNum type="arabicPeriod"/>
-            </a:pPr>
-            <a:r>
-              <a:rPr lang="en-US" altLang="zh-CN" dirty="0"/>
-              <a:t>Paper_1: A global averaging method for DTW</a:t>
-            </a:r>
-          </a:p>
-          <a:p>
-            <a:pPr marL="800100" lvl="1" indent="-342900">
-              <a:buAutoNum type="arabicPeriod"/>
-            </a:pPr>
-            <a:r>
-              <a:rPr lang="en-US" altLang="zh-CN" dirty="0"/>
-              <a:t>Paper_2: </a:t>
-            </a:r>
-            <a:r>
-              <a:rPr lang="en-US" altLang="zh-CN" dirty="0" err="1"/>
-              <a:t>shapeDTW</a:t>
-            </a:r>
-            <a:r>
-              <a:rPr lang="en-US" altLang="zh-CN" dirty="0"/>
-              <a:t>: shape Dynamic Time Warping</a:t>
-            </a:r>
-          </a:p>
-          <a:p>
-            <a:pPr marL="800100" lvl="1" indent="-342900">
-              <a:buAutoNum type="arabicPeriod"/>
-            </a:pPr>
-            <a:r>
-              <a:rPr lang="en-US" altLang="zh-CN" dirty="0"/>
-              <a:t>Paper_3: k-Shape</a:t>
-            </a:r>
-          </a:p>
-          <a:p>
-            <a:endParaRPr lang="en-US" altLang="zh-CN" dirty="0"/>
-          </a:p>
-          <a:p>
-            <a:endParaRPr lang="en-US" altLang="zh-CN" dirty="0"/>
-          </a:p>
-          <a:p>
-            <a:r>
-              <a:rPr lang="en-US" altLang="zh-CN" dirty="0"/>
-              <a:t>Part_3: Learning Progress and Future Learning Plan</a:t>
-            </a:r>
-          </a:p>
-          <a:p>
-            <a:endParaRPr lang="en-US" altLang="zh-CN" dirty="0"/>
-          </a:p>
-          <a:p>
-            <a:r>
-              <a:rPr lang="en-US" altLang="zh-CN" dirty="0"/>
-              <a:t>Part_4: Questions</a:t>
-            </a:r>
-          </a:p>
-          <a:p>
-            <a:endParaRPr lang="en-US" altLang="zh-CN" dirty="0"/>
-          </a:p>
-        </p:txBody>
-      </p:sp>
-    </p:spTree>
-    <p:extLst>
-      <p:ext uri="{BB962C8B-B14F-4D97-AF65-F5344CB8AC3E}">
-        <p14:creationId xmlns:p14="http://schemas.microsoft.com/office/powerpoint/2010/main" val="3563862824"/>
       </p:ext>
     </p:extLst>
   </p:cSld>
@@ -9416,7 +15789,7 @@
         </p:nvSpPr>
         <p:spPr>
           <a:xfrm>
-            <a:off x="707923" y="2431260"/>
+            <a:off x="774290" y="1693841"/>
             <a:ext cx="8708922" cy="1200329"/>
           </a:xfrm>
           <a:prstGeom prst="rect">
@@ -9574,6 +15947,1238 @@
             </a:r>
             <a:r>
               <a:rPr lang="en-US" altLang="zh-CN" sz="1400" dirty="0"/>
+              <a:t>Research - Getting Template</a:t>
+            </a:r>
+          </a:p>
+        </p:txBody>
+      </p:sp>
+      <p:sp>
+        <p:nvSpPr>
+          <p:cNvPr id="5" name="文本框 4">
+            <a:extLst>
+              <a:ext uri="{FF2B5EF4-FFF2-40B4-BE49-F238E27FC236}">
+                <a16:creationId xmlns:a16="http://schemas.microsoft.com/office/drawing/2014/main" id="{ED0D1EB8-1FAD-5C0B-58E9-E5CE0A283F64}"/>
+              </a:ext>
+            </a:extLst>
+          </p:cNvPr>
+          <p:cNvSpPr txBox="1"/>
+          <p:nvPr/>
+        </p:nvSpPr>
+        <p:spPr>
+          <a:xfrm>
+            <a:off x="707923" y="870155"/>
+            <a:ext cx="8708922" cy="369332"/>
+          </a:xfrm>
+          <a:prstGeom prst="rect">
+            <a:avLst/>
+          </a:prstGeom>
+          <a:noFill/>
+        </p:spPr>
+        <p:txBody>
+          <a:bodyPr wrap="square" rtlCol="0">
+            <a:spAutoFit/>
+          </a:bodyPr>
+          <a:lstStyle/>
+          <a:p>
+            <a:r>
+              <a:rPr lang="en-US" altLang="zh-CN" dirty="0"/>
+              <a:t>Previous</a:t>
+            </a:r>
+            <a:r>
+              <a:rPr lang="zh-CN" altLang="en-US" dirty="0"/>
+              <a:t>的研究情况</a:t>
+            </a:r>
+          </a:p>
+        </p:txBody>
+      </p:sp>
+      <p:graphicFrame>
+        <p:nvGraphicFramePr>
+          <p:cNvPr id="2" name="表格 1">
+            <a:extLst>
+              <a:ext uri="{FF2B5EF4-FFF2-40B4-BE49-F238E27FC236}">
+                <a16:creationId xmlns:a16="http://schemas.microsoft.com/office/drawing/2014/main" id="{AFE1193D-C098-489C-9107-B3F82B55CD51}"/>
+              </a:ext>
+            </a:extLst>
+          </p:cNvPr>
+          <p:cNvGraphicFramePr>
+            <a:graphicFrameLocks noGrp="1"/>
+          </p:cNvGraphicFramePr>
+          <p:nvPr>
+            <p:extLst>
+              <p:ext uri="{D42A27DB-BD31-4B8C-83A1-F6EECF244321}">
+                <p14:modId xmlns:p14="http://schemas.microsoft.com/office/powerpoint/2010/main" val="3746675605"/>
+              </p:ext>
+            </p:extLst>
+          </p:nvPr>
+        </p:nvGraphicFramePr>
+        <p:xfrm>
+          <a:off x="1139723" y="1482836"/>
+          <a:ext cx="10209162" cy="4079240"/>
+        </p:xfrm>
+        <a:graphic>
+          <a:graphicData uri="http://schemas.openxmlformats.org/drawingml/2006/table">
+            <a:tbl>
+              <a:tblPr firstRow="1" bandRow="1">
+                <a:tableStyleId>{5C22544A-7EE6-4342-B048-85BDC9FD1C3A}</a:tableStyleId>
+              </a:tblPr>
+              <a:tblGrid>
+                <a:gridCol w="2093336">
+                  <a:extLst>
+                    <a:ext uri="{9D8B030D-6E8A-4147-A177-3AD203B41FA5}">
+                      <a16:colId xmlns:a16="http://schemas.microsoft.com/office/drawing/2014/main" val="2721979233"/>
+                    </a:ext>
+                  </a:extLst>
+                </a:gridCol>
+                <a:gridCol w="4001025">
+                  <a:extLst>
+                    <a:ext uri="{9D8B030D-6E8A-4147-A177-3AD203B41FA5}">
+                      <a16:colId xmlns:a16="http://schemas.microsoft.com/office/drawing/2014/main" val="2329472157"/>
+                    </a:ext>
+                  </a:extLst>
+                </a:gridCol>
+                <a:gridCol w="2064774">
+                  <a:extLst>
+                    <a:ext uri="{9D8B030D-6E8A-4147-A177-3AD203B41FA5}">
+                      <a16:colId xmlns:a16="http://schemas.microsoft.com/office/drawing/2014/main" val="3887092843"/>
+                    </a:ext>
+                  </a:extLst>
+                </a:gridCol>
+                <a:gridCol w="2050027">
+                  <a:extLst>
+                    <a:ext uri="{9D8B030D-6E8A-4147-A177-3AD203B41FA5}">
+                      <a16:colId xmlns:a16="http://schemas.microsoft.com/office/drawing/2014/main" val="68501977"/>
+                    </a:ext>
+                  </a:extLst>
+                </a:gridCol>
+              </a:tblGrid>
+              <a:tr h="370840">
+                <a:tc>
+                  <a:txBody>
+                    <a:bodyPr/>
+                    <a:lstStyle/>
+                    <a:p>
+                      <a:r>
+                        <a:rPr lang="en-US" altLang="zh-CN" dirty="0"/>
+                        <a:t>Model</a:t>
+                      </a:r>
+                      <a:endParaRPr lang="zh-CN" altLang="en-US" dirty="0"/>
+                    </a:p>
+                  </a:txBody>
+                  <a:tcPr/>
+                </a:tc>
+                <a:tc>
+                  <a:txBody>
+                    <a:bodyPr/>
+                    <a:lstStyle/>
+                    <a:p>
+                      <a:r>
+                        <a:rPr lang="en-US" altLang="zh-CN" dirty="0"/>
+                        <a:t>State</a:t>
+                      </a:r>
+                      <a:endParaRPr lang="zh-CN" altLang="en-US" dirty="0"/>
+                    </a:p>
+                  </a:txBody>
+                  <a:tcPr/>
+                </a:tc>
+                <a:tc>
+                  <a:txBody>
+                    <a:bodyPr/>
+                    <a:lstStyle/>
+                    <a:p>
+                      <a:r>
+                        <a:rPr lang="en-US" altLang="zh-CN" dirty="0"/>
+                        <a:t>S Prediction</a:t>
+                      </a:r>
+                      <a:endParaRPr lang="zh-CN" altLang="en-US" dirty="0"/>
+                    </a:p>
+                  </a:txBody>
+                  <a:tcPr/>
+                </a:tc>
+                <a:tc>
+                  <a:txBody>
+                    <a:bodyPr/>
+                    <a:lstStyle/>
+                    <a:p>
+                      <a:r>
+                        <a:rPr lang="en-US" altLang="zh-CN" dirty="0"/>
+                        <a:t>D Prediction</a:t>
+                      </a:r>
+                      <a:endParaRPr lang="zh-CN" altLang="en-US" dirty="0"/>
+                    </a:p>
+                  </a:txBody>
+                  <a:tcPr/>
+                </a:tc>
+                <a:extLst>
+                  <a:ext uri="{0D108BD9-81ED-4DB2-BD59-A6C34878D82A}">
+                    <a16:rowId xmlns:a16="http://schemas.microsoft.com/office/drawing/2014/main" val="3312699029"/>
+                  </a:ext>
+                </a:extLst>
+              </a:tr>
+              <a:tr h="370840">
+                <a:tc>
+                  <a:txBody>
+                    <a:bodyPr/>
+                    <a:lstStyle/>
+                    <a:p>
+                      <a:r>
+                        <a:rPr lang="en-US" altLang="zh-CN" dirty="0"/>
+                        <a:t>No Template</a:t>
+                      </a:r>
+                    </a:p>
+                  </a:txBody>
+                  <a:tcPr/>
+                </a:tc>
+                <a:tc>
+                  <a:txBody>
+                    <a:bodyPr/>
+                    <a:lstStyle/>
+                    <a:p>
+                      <a:r>
+                        <a:rPr lang="en-US" altLang="zh-CN" dirty="0"/>
+                        <a:t>No RR, Peak-Based Segmentation</a:t>
+                      </a:r>
+                      <a:endParaRPr lang="zh-CN" altLang="en-US" dirty="0"/>
+                    </a:p>
+                  </a:txBody>
+                  <a:tcPr/>
+                </a:tc>
+                <a:tc>
+                  <a:txBody>
+                    <a:bodyPr/>
+                    <a:lstStyle/>
+                    <a:p>
+                      <a:pPr marL="0" marR="0" lvl="0" indent="0" algn="ctr" defTabSz="914400" rtl="0" eaLnBrk="1" fontAlgn="auto" latinLnBrk="0" hangingPunct="1">
+                        <a:lnSpc>
+                          <a:spcPct val="100000"/>
+                        </a:lnSpc>
+                        <a:spcBef>
+                          <a:spcPts val="0"/>
+                        </a:spcBef>
+                        <a:spcAft>
+                          <a:spcPts val="0"/>
+                        </a:spcAft>
+                        <a:buClrTx/>
+                        <a:buSzTx/>
+                        <a:buFontTx/>
+                        <a:buNone/>
+                        <a:tabLst/>
+                        <a:defRPr/>
+                      </a:pPr>
+                      <a:r>
+                        <a:rPr lang="en-US" altLang="zh-CN" dirty="0"/>
+                        <a:t>0.79 / 1.64</a:t>
+                      </a:r>
+                      <a:endParaRPr lang="zh-CN" altLang="en-US" dirty="0"/>
+                    </a:p>
+                  </a:txBody>
+                  <a:tcPr/>
+                </a:tc>
+                <a:tc>
+                  <a:txBody>
+                    <a:bodyPr/>
+                    <a:lstStyle/>
+                    <a:p>
+                      <a:pPr marL="0" marR="0" lvl="0" indent="0" algn="ctr" defTabSz="914400" rtl="0" eaLnBrk="1" fontAlgn="auto" latinLnBrk="0" hangingPunct="1">
+                        <a:lnSpc>
+                          <a:spcPct val="100000"/>
+                        </a:lnSpc>
+                        <a:spcBef>
+                          <a:spcPts val="0"/>
+                        </a:spcBef>
+                        <a:spcAft>
+                          <a:spcPts val="0"/>
+                        </a:spcAft>
+                        <a:buClrTx/>
+                        <a:buSzTx/>
+                        <a:buFontTx/>
+                        <a:buNone/>
+                        <a:tabLst/>
+                        <a:defRPr/>
+                      </a:pPr>
+                      <a:r>
+                        <a:rPr lang="en-US" altLang="zh-CN" dirty="0"/>
+                        <a:t>1.79 / 4.31</a:t>
+                      </a:r>
+                      <a:endParaRPr lang="zh-CN" altLang="en-US" dirty="0"/>
+                    </a:p>
+                  </a:txBody>
+                  <a:tcPr/>
+                </a:tc>
+                <a:extLst>
+                  <a:ext uri="{0D108BD9-81ED-4DB2-BD59-A6C34878D82A}">
+                    <a16:rowId xmlns:a16="http://schemas.microsoft.com/office/drawing/2014/main" val="645629362"/>
+                  </a:ext>
+                </a:extLst>
+              </a:tr>
+              <a:tr h="370840">
+                <a:tc>
+                  <a:txBody>
+                    <a:bodyPr/>
+                    <a:lstStyle/>
+                    <a:p>
+                      <a:r>
+                        <a:rPr lang="en-US" altLang="zh-CN" dirty="0"/>
+                        <a:t>Mean</a:t>
+                      </a:r>
+                    </a:p>
+                  </a:txBody>
+                  <a:tcPr/>
+                </a:tc>
+                <a:tc>
+                  <a:txBody>
+                    <a:bodyPr/>
+                    <a:lstStyle/>
+                    <a:p>
+                      <a:r>
+                        <a:rPr lang="en-US" altLang="zh-CN" dirty="0"/>
+                        <a:t>No RR, Peak-Based Segmentation</a:t>
+                      </a:r>
+                      <a:endParaRPr lang="zh-CN" altLang="en-US" dirty="0"/>
+                    </a:p>
+                  </a:txBody>
+                  <a:tcPr/>
+                </a:tc>
+                <a:tc>
+                  <a:txBody>
+                    <a:bodyPr/>
+                    <a:lstStyle/>
+                    <a:p>
+                      <a:pPr marL="0" marR="0" lvl="0" indent="0" algn="ctr" defTabSz="914400" rtl="0" eaLnBrk="1" fontAlgn="auto" latinLnBrk="0" hangingPunct="1">
+                        <a:lnSpc>
+                          <a:spcPct val="100000"/>
+                        </a:lnSpc>
+                        <a:spcBef>
+                          <a:spcPts val="0"/>
+                        </a:spcBef>
+                        <a:spcAft>
+                          <a:spcPts val="0"/>
+                        </a:spcAft>
+                        <a:buClrTx/>
+                        <a:buSzTx/>
+                        <a:buFontTx/>
+                        <a:buNone/>
+                        <a:tabLst/>
+                        <a:defRPr/>
+                      </a:pPr>
+                      <a:r>
+                        <a:rPr lang="en-US" altLang="zh-CN" dirty="0"/>
+                        <a:t>1.35 / 1.38</a:t>
+                      </a:r>
+                      <a:endParaRPr lang="zh-CN" altLang="en-US" dirty="0"/>
+                    </a:p>
+                  </a:txBody>
+                  <a:tcPr/>
+                </a:tc>
+                <a:tc>
+                  <a:txBody>
+                    <a:bodyPr/>
+                    <a:lstStyle/>
+                    <a:p>
+                      <a:pPr marL="0" marR="0" lvl="0" indent="0" algn="ctr" defTabSz="914400" rtl="0" eaLnBrk="1" fontAlgn="auto" latinLnBrk="0" hangingPunct="1">
+                        <a:lnSpc>
+                          <a:spcPct val="100000"/>
+                        </a:lnSpc>
+                        <a:spcBef>
+                          <a:spcPts val="0"/>
+                        </a:spcBef>
+                        <a:spcAft>
+                          <a:spcPts val="0"/>
+                        </a:spcAft>
+                        <a:buClrTx/>
+                        <a:buSzTx/>
+                        <a:buFontTx/>
+                        <a:buNone/>
+                        <a:tabLst/>
+                        <a:defRPr/>
+                      </a:pPr>
+                      <a:r>
+                        <a:rPr lang="en-US" altLang="zh-CN" dirty="0"/>
+                        <a:t>4.53 / 4.44</a:t>
+                      </a:r>
+                      <a:endParaRPr lang="zh-CN" altLang="en-US" dirty="0"/>
+                    </a:p>
+                  </a:txBody>
+                  <a:tcPr/>
+                </a:tc>
+                <a:extLst>
+                  <a:ext uri="{0D108BD9-81ED-4DB2-BD59-A6C34878D82A}">
+                    <a16:rowId xmlns:a16="http://schemas.microsoft.com/office/drawing/2014/main" val="213170710"/>
+                  </a:ext>
+                </a:extLst>
+              </a:tr>
+              <a:tr h="370840">
+                <a:tc>
+                  <a:txBody>
+                    <a:bodyPr/>
+                    <a:lstStyle/>
+                    <a:p>
+                      <a:r>
+                        <a:rPr lang="en-US" altLang="zh-CN" dirty="0"/>
+                        <a:t>Median</a:t>
+                      </a:r>
+                      <a:endParaRPr lang="zh-CN" altLang="en-US" dirty="0"/>
+                    </a:p>
+                  </a:txBody>
+                  <a:tcPr/>
+                </a:tc>
+                <a:tc>
+                  <a:txBody>
+                    <a:bodyPr/>
+                    <a:lstStyle/>
+                    <a:p>
+                      <a:pPr marL="0" marR="0" lvl="0" indent="0" algn="l" defTabSz="914400" rtl="0" eaLnBrk="1" fontAlgn="auto" latinLnBrk="0" hangingPunct="1">
+                        <a:lnSpc>
+                          <a:spcPct val="100000"/>
+                        </a:lnSpc>
+                        <a:spcBef>
+                          <a:spcPts val="0"/>
+                        </a:spcBef>
+                        <a:spcAft>
+                          <a:spcPts val="0"/>
+                        </a:spcAft>
+                        <a:buClrTx/>
+                        <a:buSzTx/>
+                        <a:buFontTx/>
+                        <a:buNone/>
+                        <a:tabLst/>
+                        <a:defRPr/>
+                      </a:pPr>
+                      <a:r>
+                        <a:rPr lang="en-US" altLang="zh-CN" dirty="0"/>
+                        <a:t>No RR, Peak-Based Segmentation</a:t>
+                      </a:r>
+                      <a:endParaRPr lang="zh-CN" altLang="en-US" dirty="0"/>
+                    </a:p>
+                  </a:txBody>
+                  <a:tcPr/>
+                </a:tc>
+                <a:tc>
+                  <a:txBody>
+                    <a:bodyPr/>
+                    <a:lstStyle/>
+                    <a:p>
+                      <a:pPr marL="0" marR="0" lvl="0" indent="0" algn="ctr" defTabSz="914400" rtl="0" eaLnBrk="1" fontAlgn="auto" latinLnBrk="0" hangingPunct="1">
+                        <a:lnSpc>
+                          <a:spcPct val="100000"/>
+                        </a:lnSpc>
+                        <a:spcBef>
+                          <a:spcPts val="0"/>
+                        </a:spcBef>
+                        <a:spcAft>
+                          <a:spcPts val="0"/>
+                        </a:spcAft>
+                        <a:buClrTx/>
+                        <a:buSzTx/>
+                        <a:buFontTx/>
+                        <a:buNone/>
+                        <a:tabLst/>
+                        <a:defRPr/>
+                      </a:pPr>
+                      <a:r>
+                        <a:rPr lang="en-US" altLang="zh-CN" dirty="0"/>
+                        <a:t>1.42 / 1.45</a:t>
+                      </a:r>
+                      <a:endParaRPr lang="zh-CN" altLang="en-US" dirty="0"/>
+                    </a:p>
+                  </a:txBody>
+                  <a:tcPr/>
+                </a:tc>
+                <a:tc>
+                  <a:txBody>
+                    <a:bodyPr/>
+                    <a:lstStyle/>
+                    <a:p>
+                      <a:pPr marL="0" marR="0" lvl="0" indent="0" algn="ctr" defTabSz="914400" rtl="0" eaLnBrk="1" fontAlgn="auto" latinLnBrk="0" hangingPunct="1">
+                        <a:lnSpc>
+                          <a:spcPct val="100000"/>
+                        </a:lnSpc>
+                        <a:spcBef>
+                          <a:spcPts val="0"/>
+                        </a:spcBef>
+                        <a:spcAft>
+                          <a:spcPts val="0"/>
+                        </a:spcAft>
+                        <a:buClrTx/>
+                        <a:buSzTx/>
+                        <a:buFontTx/>
+                        <a:buNone/>
+                        <a:tabLst/>
+                        <a:defRPr/>
+                      </a:pPr>
+                      <a:r>
+                        <a:rPr lang="en-US" altLang="zh-CN" dirty="0"/>
+                        <a:t>4.07 / 4.49</a:t>
+                      </a:r>
+                      <a:endParaRPr lang="zh-CN" altLang="en-US" dirty="0"/>
+                    </a:p>
+                  </a:txBody>
+                  <a:tcPr/>
+                </a:tc>
+                <a:extLst>
+                  <a:ext uri="{0D108BD9-81ED-4DB2-BD59-A6C34878D82A}">
+                    <a16:rowId xmlns:a16="http://schemas.microsoft.com/office/drawing/2014/main" val="3424492985"/>
+                  </a:ext>
+                </a:extLst>
+              </a:tr>
+              <a:tr h="370840">
+                <a:tc>
+                  <a:txBody>
+                    <a:bodyPr/>
+                    <a:lstStyle/>
+                    <a:p>
+                      <a:pPr marL="0" marR="0" lvl="0" indent="0" algn="l" defTabSz="914400" rtl="0" eaLnBrk="1" fontAlgn="auto" latinLnBrk="0" hangingPunct="1">
+                        <a:lnSpc>
+                          <a:spcPct val="100000"/>
+                        </a:lnSpc>
+                        <a:spcBef>
+                          <a:spcPts val="0"/>
+                        </a:spcBef>
+                        <a:spcAft>
+                          <a:spcPts val="0"/>
+                        </a:spcAft>
+                        <a:buClrTx/>
+                        <a:buSzTx/>
+                        <a:buFontTx/>
+                        <a:buNone/>
+                        <a:tabLst/>
+                        <a:defRPr/>
+                      </a:pPr>
+                      <a:r>
+                        <a:rPr lang="en-US" altLang="zh-CN" dirty="0"/>
+                        <a:t>PCA</a:t>
+                      </a:r>
+                    </a:p>
+                  </a:txBody>
+                  <a:tcPr/>
+                </a:tc>
+                <a:tc>
+                  <a:txBody>
+                    <a:bodyPr/>
+                    <a:lstStyle/>
+                    <a:p>
+                      <a:pPr marL="0" marR="0" lvl="0" indent="0" algn="l" defTabSz="914400" rtl="0" eaLnBrk="1" fontAlgn="auto" latinLnBrk="0" hangingPunct="1">
+                        <a:lnSpc>
+                          <a:spcPct val="100000"/>
+                        </a:lnSpc>
+                        <a:spcBef>
+                          <a:spcPts val="0"/>
+                        </a:spcBef>
+                        <a:spcAft>
+                          <a:spcPts val="0"/>
+                        </a:spcAft>
+                        <a:buClrTx/>
+                        <a:buSzTx/>
+                        <a:buFontTx/>
+                        <a:buNone/>
+                        <a:tabLst/>
+                        <a:defRPr/>
+                      </a:pPr>
+                      <a:r>
+                        <a:rPr lang="en-US" altLang="zh-CN" dirty="0"/>
+                        <a:t>No RR, Peak-Based Segmentation</a:t>
+                      </a:r>
+                      <a:endParaRPr lang="zh-CN" altLang="en-US" dirty="0"/>
+                    </a:p>
+                  </a:txBody>
+                  <a:tcPr/>
+                </a:tc>
+                <a:tc>
+                  <a:txBody>
+                    <a:bodyPr/>
+                    <a:lstStyle/>
+                    <a:p>
+                      <a:pPr algn="ctr"/>
+                      <a:r>
+                        <a:rPr lang="en-US" altLang="zh-CN" dirty="0"/>
+                        <a:t>- / -</a:t>
+                      </a:r>
+                      <a:endParaRPr lang="zh-CN" altLang="en-US" dirty="0"/>
+                    </a:p>
+                  </a:txBody>
+                  <a:tcPr/>
+                </a:tc>
+                <a:tc>
+                  <a:txBody>
+                    <a:bodyPr/>
+                    <a:lstStyle/>
+                    <a:p>
+                      <a:pPr algn="ctr"/>
+                      <a:r>
+                        <a:rPr lang="en-US" altLang="zh-CN" dirty="0"/>
+                        <a:t>- / -</a:t>
+                      </a:r>
+                      <a:endParaRPr lang="zh-CN" altLang="en-US" dirty="0"/>
+                    </a:p>
+                  </a:txBody>
+                  <a:tcPr/>
+                </a:tc>
+                <a:extLst>
+                  <a:ext uri="{0D108BD9-81ED-4DB2-BD59-A6C34878D82A}">
+                    <a16:rowId xmlns:a16="http://schemas.microsoft.com/office/drawing/2014/main" val="2111113704"/>
+                  </a:ext>
+                </a:extLst>
+              </a:tr>
+              <a:tr h="370840">
+                <a:tc>
+                  <a:txBody>
+                    <a:bodyPr/>
+                    <a:lstStyle/>
+                    <a:p>
+                      <a:r>
+                        <a:rPr lang="en-US" altLang="zh-CN" dirty="0"/>
+                        <a:t>K-shape</a:t>
+                      </a:r>
+                    </a:p>
+                  </a:txBody>
+                  <a:tcPr/>
+                </a:tc>
+                <a:tc>
+                  <a:txBody>
+                    <a:bodyPr/>
+                    <a:lstStyle/>
+                    <a:p>
+                      <a:pPr marL="0" marR="0" lvl="0" indent="0" algn="l" defTabSz="914400" rtl="0" eaLnBrk="1" fontAlgn="auto" latinLnBrk="0" hangingPunct="1">
+                        <a:lnSpc>
+                          <a:spcPct val="100000"/>
+                        </a:lnSpc>
+                        <a:spcBef>
+                          <a:spcPts val="0"/>
+                        </a:spcBef>
+                        <a:spcAft>
+                          <a:spcPts val="0"/>
+                        </a:spcAft>
+                        <a:buClrTx/>
+                        <a:buSzTx/>
+                        <a:buFontTx/>
+                        <a:buNone/>
+                        <a:tabLst/>
+                        <a:defRPr/>
+                      </a:pPr>
+                      <a:r>
+                        <a:rPr lang="en-US" altLang="zh-CN" dirty="0"/>
+                        <a:t>No RR, Peak-Based Segmentation</a:t>
+                      </a:r>
+                      <a:endParaRPr lang="zh-CN" altLang="en-US" dirty="0"/>
+                    </a:p>
+                  </a:txBody>
+                  <a:tcPr/>
+                </a:tc>
+                <a:tc>
+                  <a:txBody>
+                    <a:bodyPr/>
+                    <a:lstStyle/>
+                    <a:p>
+                      <a:pPr algn="ctr"/>
+                      <a:r>
+                        <a:rPr lang="en-US" altLang="zh-CN" dirty="0"/>
+                        <a:t>2.20 / 2.74</a:t>
+                      </a:r>
+                      <a:endParaRPr lang="zh-CN" altLang="en-US" dirty="0"/>
+                    </a:p>
+                  </a:txBody>
+                  <a:tcPr/>
+                </a:tc>
+                <a:tc>
+                  <a:txBody>
+                    <a:bodyPr/>
+                    <a:lstStyle/>
+                    <a:p>
+                      <a:pPr algn="ctr"/>
+                      <a:r>
+                        <a:rPr lang="en-US" altLang="zh-CN" dirty="0"/>
+                        <a:t>4.85 / 5.88</a:t>
+                      </a:r>
+                      <a:endParaRPr lang="zh-CN" altLang="en-US" dirty="0"/>
+                    </a:p>
+                  </a:txBody>
+                  <a:tcPr/>
+                </a:tc>
+                <a:extLst>
+                  <a:ext uri="{0D108BD9-81ED-4DB2-BD59-A6C34878D82A}">
+                    <a16:rowId xmlns:a16="http://schemas.microsoft.com/office/drawing/2014/main" val="26936941"/>
+                  </a:ext>
+                </a:extLst>
+              </a:tr>
+              <a:tr h="370840">
+                <a:tc>
+                  <a:txBody>
+                    <a:bodyPr/>
+                    <a:lstStyle/>
+                    <a:p>
+                      <a:r>
+                        <a:rPr lang="en-US" altLang="zh-CN" dirty="0"/>
+                        <a:t>Clustering</a:t>
+                      </a:r>
+                      <a:endParaRPr lang="zh-CN" altLang="en-US" dirty="0"/>
+                    </a:p>
+                  </a:txBody>
+                  <a:tcPr/>
+                </a:tc>
+                <a:tc>
+                  <a:txBody>
+                    <a:bodyPr/>
+                    <a:lstStyle/>
+                    <a:p>
+                      <a:pPr marL="0" marR="0" lvl="0" indent="0" algn="l" defTabSz="914400" rtl="0" eaLnBrk="1" fontAlgn="auto" latinLnBrk="0" hangingPunct="1">
+                        <a:lnSpc>
+                          <a:spcPct val="100000"/>
+                        </a:lnSpc>
+                        <a:spcBef>
+                          <a:spcPts val="0"/>
+                        </a:spcBef>
+                        <a:spcAft>
+                          <a:spcPts val="0"/>
+                        </a:spcAft>
+                        <a:buClrTx/>
+                        <a:buSzTx/>
+                        <a:buFontTx/>
+                        <a:buNone/>
+                        <a:tabLst/>
+                        <a:defRPr/>
+                      </a:pPr>
+                      <a:r>
+                        <a:rPr lang="en-US" altLang="zh-CN" dirty="0"/>
+                        <a:t>No RR, Peak-Based Segmentation</a:t>
+                      </a:r>
+                      <a:endParaRPr lang="zh-CN" altLang="en-US" dirty="0"/>
+                    </a:p>
+                  </a:txBody>
+                  <a:tcPr/>
+                </a:tc>
+                <a:tc>
+                  <a:txBody>
+                    <a:bodyPr/>
+                    <a:lstStyle/>
+                    <a:p>
+                      <a:endParaRPr lang="zh-CN" altLang="en-US" dirty="0"/>
+                    </a:p>
+                  </a:txBody>
+                  <a:tcPr/>
+                </a:tc>
+                <a:tc>
+                  <a:txBody>
+                    <a:bodyPr/>
+                    <a:lstStyle/>
+                    <a:p>
+                      <a:endParaRPr lang="zh-CN" altLang="en-US"/>
+                    </a:p>
+                  </a:txBody>
+                  <a:tcPr/>
+                </a:tc>
+                <a:extLst>
+                  <a:ext uri="{0D108BD9-81ED-4DB2-BD59-A6C34878D82A}">
+                    <a16:rowId xmlns:a16="http://schemas.microsoft.com/office/drawing/2014/main" val="3358596880"/>
+                  </a:ext>
+                </a:extLst>
+              </a:tr>
+              <a:tr h="370840">
+                <a:tc>
+                  <a:txBody>
+                    <a:bodyPr/>
+                    <a:lstStyle/>
+                    <a:p>
+                      <a:pPr marL="0" marR="0" lvl="0" indent="0" algn="l" defTabSz="914400" rtl="0" eaLnBrk="1" fontAlgn="auto" latinLnBrk="0" hangingPunct="1">
+                        <a:lnSpc>
+                          <a:spcPct val="100000"/>
+                        </a:lnSpc>
+                        <a:spcBef>
+                          <a:spcPts val="0"/>
+                        </a:spcBef>
+                        <a:spcAft>
+                          <a:spcPts val="0"/>
+                        </a:spcAft>
+                        <a:buClrTx/>
+                        <a:buSzTx/>
+                        <a:buFontTx/>
+                        <a:buNone/>
+                        <a:tabLst/>
+                        <a:defRPr/>
+                      </a:pPr>
+                      <a:r>
+                        <a:rPr lang="en-US" altLang="zh-CN" dirty="0"/>
+                        <a:t>Weighted Avg</a:t>
+                      </a:r>
+                      <a:endParaRPr lang="zh-CN" altLang="en-US" dirty="0"/>
+                    </a:p>
+                  </a:txBody>
+                  <a:tcPr/>
+                </a:tc>
+                <a:tc>
+                  <a:txBody>
+                    <a:bodyPr/>
+                    <a:lstStyle/>
+                    <a:p>
+                      <a:pPr marL="0" marR="0" lvl="0" indent="0" algn="l" defTabSz="914400" rtl="0" eaLnBrk="1" fontAlgn="auto" latinLnBrk="0" hangingPunct="1">
+                        <a:lnSpc>
+                          <a:spcPct val="100000"/>
+                        </a:lnSpc>
+                        <a:spcBef>
+                          <a:spcPts val="0"/>
+                        </a:spcBef>
+                        <a:spcAft>
+                          <a:spcPts val="0"/>
+                        </a:spcAft>
+                        <a:buClrTx/>
+                        <a:buSzTx/>
+                        <a:buFontTx/>
+                        <a:buNone/>
+                        <a:tabLst/>
+                        <a:defRPr/>
+                      </a:pPr>
+                      <a:r>
+                        <a:rPr lang="en-US" altLang="zh-CN" dirty="0"/>
+                        <a:t>No RR, Peak-Based Segmentation</a:t>
+                      </a:r>
+                      <a:endParaRPr lang="zh-CN" altLang="en-US" dirty="0"/>
+                    </a:p>
+                  </a:txBody>
+                  <a:tcPr/>
+                </a:tc>
+                <a:tc>
+                  <a:txBody>
+                    <a:bodyPr/>
+                    <a:lstStyle/>
+                    <a:p>
+                      <a:pPr algn="ctr"/>
+                      <a:endParaRPr lang="zh-CN" altLang="en-US" dirty="0"/>
+                    </a:p>
+                  </a:txBody>
+                  <a:tcPr/>
+                </a:tc>
+                <a:tc>
+                  <a:txBody>
+                    <a:bodyPr/>
+                    <a:lstStyle/>
+                    <a:p>
+                      <a:pPr algn="ctr"/>
+                      <a:endParaRPr lang="zh-CN" altLang="en-US" dirty="0"/>
+                    </a:p>
+                  </a:txBody>
+                  <a:tcPr/>
+                </a:tc>
+                <a:extLst>
+                  <a:ext uri="{0D108BD9-81ED-4DB2-BD59-A6C34878D82A}">
+                    <a16:rowId xmlns:a16="http://schemas.microsoft.com/office/drawing/2014/main" val="766016371"/>
+                  </a:ext>
+                </a:extLst>
+              </a:tr>
+              <a:tr h="370840">
+                <a:tc>
+                  <a:txBody>
+                    <a:bodyPr/>
+                    <a:lstStyle/>
+                    <a:p>
+                      <a:r>
+                        <a:rPr lang="en-US" altLang="zh-CN" dirty="0"/>
+                        <a:t>K-shape 2</a:t>
+                      </a:r>
+                      <a:endParaRPr lang="zh-CN" altLang="en-US" dirty="0"/>
+                    </a:p>
+                  </a:txBody>
+                  <a:tcPr/>
+                </a:tc>
+                <a:tc>
+                  <a:txBody>
+                    <a:bodyPr/>
+                    <a:lstStyle/>
+                    <a:p>
+                      <a:pPr marL="0" marR="0" lvl="0" indent="0" algn="l" defTabSz="914400" rtl="0" eaLnBrk="1" fontAlgn="auto" latinLnBrk="0" hangingPunct="1">
+                        <a:lnSpc>
+                          <a:spcPct val="100000"/>
+                        </a:lnSpc>
+                        <a:spcBef>
+                          <a:spcPts val="0"/>
+                        </a:spcBef>
+                        <a:spcAft>
+                          <a:spcPts val="0"/>
+                        </a:spcAft>
+                        <a:buClrTx/>
+                        <a:buSzTx/>
+                        <a:buFontTx/>
+                        <a:buNone/>
+                        <a:tabLst/>
+                        <a:defRPr/>
+                      </a:pPr>
+                      <a:r>
+                        <a:rPr lang="en-US" altLang="zh-CN" dirty="0"/>
+                        <a:t>No RR, Peak-Based Segmentation</a:t>
+                      </a:r>
+                      <a:endParaRPr lang="zh-CN" altLang="en-US" dirty="0"/>
+                    </a:p>
+                  </a:txBody>
+                  <a:tcPr/>
+                </a:tc>
+                <a:tc>
+                  <a:txBody>
+                    <a:bodyPr/>
+                    <a:lstStyle/>
+                    <a:p>
+                      <a:endParaRPr lang="zh-CN" altLang="en-US"/>
+                    </a:p>
+                  </a:txBody>
+                  <a:tcPr/>
+                </a:tc>
+                <a:tc>
+                  <a:txBody>
+                    <a:bodyPr/>
+                    <a:lstStyle/>
+                    <a:p>
+                      <a:endParaRPr lang="zh-CN" altLang="en-US" dirty="0"/>
+                    </a:p>
+                  </a:txBody>
+                  <a:tcPr/>
+                </a:tc>
+                <a:extLst>
+                  <a:ext uri="{0D108BD9-81ED-4DB2-BD59-A6C34878D82A}">
+                    <a16:rowId xmlns:a16="http://schemas.microsoft.com/office/drawing/2014/main" val="1684763513"/>
+                  </a:ext>
+                </a:extLst>
+              </a:tr>
+              <a:tr h="370840">
+                <a:tc>
+                  <a:txBody>
+                    <a:bodyPr/>
+                    <a:lstStyle/>
+                    <a:p>
+                      <a:r>
+                        <a:rPr lang="en-US" altLang="zh-CN" dirty="0"/>
+                        <a:t>Kalman Filter</a:t>
+                      </a:r>
+                      <a:endParaRPr lang="zh-CN" altLang="en-US" dirty="0"/>
+                    </a:p>
+                  </a:txBody>
+                  <a:tcPr/>
+                </a:tc>
+                <a:tc>
+                  <a:txBody>
+                    <a:bodyPr/>
+                    <a:lstStyle/>
+                    <a:p>
+                      <a:pPr marL="0" marR="0" lvl="0" indent="0" algn="l" defTabSz="914400" rtl="0" eaLnBrk="1" fontAlgn="auto" latinLnBrk="0" hangingPunct="1">
+                        <a:lnSpc>
+                          <a:spcPct val="100000"/>
+                        </a:lnSpc>
+                        <a:spcBef>
+                          <a:spcPts val="0"/>
+                        </a:spcBef>
+                        <a:spcAft>
+                          <a:spcPts val="0"/>
+                        </a:spcAft>
+                        <a:buClrTx/>
+                        <a:buSzTx/>
+                        <a:buFontTx/>
+                        <a:buNone/>
+                        <a:tabLst/>
+                        <a:defRPr/>
+                      </a:pPr>
+                      <a:r>
+                        <a:rPr lang="en-US" altLang="zh-CN" dirty="0"/>
+                        <a:t>No RR, Peak-Based Segmentation</a:t>
+                      </a:r>
+                      <a:endParaRPr lang="zh-CN" altLang="en-US" dirty="0"/>
+                    </a:p>
+                  </a:txBody>
+                  <a:tcPr/>
+                </a:tc>
+                <a:tc>
+                  <a:txBody>
+                    <a:bodyPr/>
+                    <a:lstStyle/>
+                    <a:p>
+                      <a:endParaRPr lang="zh-CN" altLang="en-US"/>
+                    </a:p>
+                  </a:txBody>
+                  <a:tcPr/>
+                </a:tc>
+                <a:tc>
+                  <a:txBody>
+                    <a:bodyPr/>
+                    <a:lstStyle/>
+                    <a:p>
+                      <a:endParaRPr lang="zh-CN" altLang="en-US" dirty="0"/>
+                    </a:p>
+                  </a:txBody>
+                  <a:tcPr/>
+                </a:tc>
+                <a:extLst>
+                  <a:ext uri="{0D108BD9-81ED-4DB2-BD59-A6C34878D82A}">
+                    <a16:rowId xmlns:a16="http://schemas.microsoft.com/office/drawing/2014/main" val="1409619234"/>
+                  </a:ext>
+                </a:extLst>
+              </a:tr>
+              <a:tr h="370840">
+                <a:tc>
+                  <a:txBody>
+                    <a:bodyPr/>
+                    <a:lstStyle/>
+                    <a:p>
+                      <a:r>
+                        <a:rPr lang="en-US" altLang="zh-CN" dirty="0"/>
+                        <a:t>DBA</a:t>
+                      </a:r>
+                      <a:endParaRPr lang="zh-CN" altLang="en-US" dirty="0"/>
+                    </a:p>
+                  </a:txBody>
+                  <a:tcPr/>
+                </a:tc>
+                <a:tc>
+                  <a:txBody>
+                    <a:bodyPr/>
+                    <a:lstStyle/>
+                    <a:p>
+                      <a:pPr marL="0" marR="0" lvl="0" indent="0" algn="l" defTabSz="914400" rtl="0" eaLnBrk="1" fontAlgn="auto" latinLnBrk="0" hangingPunct="1">
+                        <a:lnSpc>
+                          <a:spcPct val="100000"/>
+                        </a:lnSpc>
+                        <a:spcBef>
+                          <a:spcPts val="0"/>
+                        </a:spcBef>
+                        <a:spcAft>
+                          <a:spcPts val="0"/>
+                        </a:spcAft>
+                        <a:buClrTx/>
+                        <a:buSzTx/>
+                        <a:buFontTx/>
+                        <a:buNone/>
+                        <a:tabLst/>
+                        <a:defRPr/>
+                      </a:pPr>
+                      <a:r>
+                        <a:rPr lang="en-US" altLang="zh-CN" dirty="0"/>
+                        <a:t>No RR, Peak-Based Segmentation</a:t>
+                      </a:r>
+                      <a:endParaRPr lang="zh-CN" altLang="en-US" dirty="0"/>
+                    </a:p>
+                  </a:txBody>
+                  <a:tcPr/>
+                </a:tc>
+                <a:tc>
+                  <a:txBody>
+                    <a:bodyPr/>
+                    <a:lstStyle/>
+                    <a:p>
+                      <a:endParaRPr lang="zh-CN" altLang="en-US" dirty="0"/>
+                    </a:p>
+                  </a:txBody>
+                  <a:tcPr/>
+                </a:tc>
+                <a:tc>
+                  <a:txBody>
+                    <a:bodyPr/>
+                    <a:lstStyle/>
+                    <a:p>
+                      <a:endParaRPr lang="zh-CN" altLang="en-US" dirty="0"/>
+                    </a:p>
+                  </a:txBody>
+                  <a:tcPr/>
+                </a:tc>
+                <a:extLst>
+                  <a:ext uri="{0D108BD9-81ED-4DB2-BD59-A6C34878D82A}">
+                    <a16:rowId xmlns:a16="http://schemas.microsoft.com/office/drawing/2014/main" val="994351504"/>
+                  </a:ext>
+                </a:extLst>
+              </a:tr>
+            </a:tbl>
+          </a:graphicData>
+        </a:graphic>
+      </p:graphicFrame>
+    </p:spTree>
+    <p:extLst>
+      <p:ext uri="{BB962C8B-B14F-4D97-AF65-F5344CB8AC3E}">
+        <p14:creationId xmlns:p14="http://schemas.microsoft.com/office/powerpoint/2010/main" val="2541047928"/>
+      </p:ext>
+    </p:extLst>
+  </p:cSld>
+  <p:clrMapOvr>
+    <a:masterClrMapping/>
+  </p:clrMapOvr>
+</p:sld>
+</file>
+
+<file path=ppt/slides/slide5.xml><?xml version="1.0" encoding="utf-8"?>
+<p:sld xmlns:a="http://schemas.openxmlformats.org/drawingml/2006/main" xmlns:r="http://schemas.openxmlformats.org/officeDocument/2006/relationships" xmlns:p="http://schemas.openxmlformats.org/presentationml/2006/main">
+  <p:cSld>
+    <p:spTree>
+      <p:nvGrpSpPr>
+        <p:cNvPr id="1" name=""/>
+        <p:cNvGrpSpPr/>
+        <p:nvPr/>
+      </p:nvGrpSpPr>
+      <p:grpSpPr>
+        <a:xfrm>
+          <a:off x="0" y="0"/>
+          <a:ext cx="0" cy="0"/>
+          <a:chOff x="0" y="0"/>
+          <a:chExt cx="0" cy="0"/>
+        </a:xfrm>
+      </p:grpSpPr>
+      <p:sp>
+        <p:nvSpPr>
+          <p:cNvPr id="55" name="文本框 54">
+            <a:extLst>
+              <a:ext uri="{FF2B5EF4-FFF2-40B4-BE49-F238E27FC236}">
+                <a16:creationId xmlns:a16="http://schemas.microsoft.com/office/drawing/2014/main" id="{32A2BE86-86A6-F1FC-83EE-91A826B532E5}"/>
+              </a:ext>
+            </a:extLst>
+          </p:cNvPr>
+          <p:cNvSpPr txBox="1"/>
+          <p:nvPr/>
+        </p:nvSpPr>
+        <p:spPr>
+          <a:xfrm>
+            <a:off x="609600" y="106251"/>
+            <a:ext cx="4584920" cy="461665"/>
+          </a:xfrm>
+          <a:prstGeom prst="rect">
+            <a:avLst/>
+          </a:prstGeom>
+          <a:noFill/>
+        </p:spPr>
+        <p:txBody>
+          <a:bodyPr wrap="square" rtlCol="0">
+            <a:spAutoFit/>
+          </a:bodyPr>
+          <a:lstStyle>
+            <a:defPPr>
+              <a:defRPr lang="zh-CN"/>
+            </a:defPPr>
+            <a:lvl1pPr>
+              <a:defRPr sz="2400">
+                <a:latin typeface="Consolas" panose="020B0609020204030204" pitchFamily="49" charset="0"/>
+                <a:cs typeface="Times New Roman" panose="02020603050405020304" pitchFamily="18" charset="0"/>
+              </a:defRPr>
+            </a:lvl1pPr>
+          </a:lstStyle>
+          <a:p>
+            <a:r>
+              <a:rPr lang="en-US" altLang="zh-CN" dirty="0"/>
+              <a:t>Part_1: </a:t>
+            </a:r>
+            <a:r>
+              <a:rPr lang="en-US" altLang="zh-CN" sz="1400" dirty="0"/>
+              <a:t>Research - Getting Template</a:t>
+            </a:r>
+          </a:p>
+        </p:txBody>
+      </p:sp>
+      <p:sp>
+        <p:nvSpPr>
+          <p:cNvPr id="5" name="文本框 4">
+            <a:extLst>
+              <a:ext uri="{FF2B5EF4-FFF2-40B4-BE49-F238E27FC236}">
+                <a16:creationId xmlns:a16="http://schemas.microsoft.com/office/drawing/2014/main" id="{ED0D1EB8-1FAD-5C0B-58E9-E5CE0A283F64}"/>
+              </a:ext>
+            </a:extLst>
+          </p:cNvPr>
+          <p:cNvSpPr txBox="1"/>
+          <p:nvPr/>
+        </p:nvSpPr>
+        <p:spPr>
+          <a:xfrm>
+            <a:off x="707923" y="870155"/>
+            <a:ext cx="8708922" cy="369332"/>
+          </a:xfrm>
+          <a:prstGeom prst="rect">
+            <a:avLst/>
+          </a:prstGeom>
+          <a:noFill/>
+        </p:spPr>
+        <p:txBody>
+          <a:bodyPr wrap="square" rtlCol="0">
+            <a:spAutoFit/>
+          </a:bodyPr>
+          <a:lstStyle/>
+          <a:p>
+            <a:r>
+              <a:rPr lang="zh-CN" altLang="en-US" dirty="0"/>
+              <a:t>已有的一些</a:t>
+            </a:r>
+            <a:r>
+              <a:rPr lang="en-US" altLang="zh-CN" dirty="0"/>
+              <a:t>DTW</a:t>
+            </a:r>
+            <a:r>
+              <a:rPr lang="zh-CN" altLang="en-US" dirty="0"/>
+              <a:t>的变形的效果示意图</a:t>
+            </a:r>
+            <a:endParaRPr lang="en-US" altLang="zh-CN" dirty="0"/>
+          </a:p>
+        </p:txBody>
+      </p:sp>
+    </p:spTree>
+    <p:extLst>
+      <p:ext uri="{BB962C8B-B14F-4D97-AF65-F5344CB8AC3E}">
+        <p14:creationId xmlns:p14="http://schemas.microsoft.com/office/powerpoint/2010/main" val="193996663"/>
+      </p:ext>
+    </p:extLst>
+  </p:cSld>
+  <p:clrMapOvr>
+    <a:masterClrMapping/>
+  </p:clrMapOvr>
+</p:sld>
+</file>
+
+<file path=ppt/slides/slide6.xml><?xml version="1.0" encoding="utf-8"?>
+<p:sld xmlns:a="http://schemas.openxmlformats.org/drawingml/2006/main" xmlns:r="http://schemas.openxmlformats.org/officeDocument/2006/relationships" xmlns:p="http://schemas.openxmlformats.org/presentationml/2006/main">
+  <p:cSld>
+    <p:spTree>
+      <p:nvGrpSpPr>
+        <p:cNvPr id="1" name=""/>
+        <p:cNvGrpSpPr/>
+        <p:nvPr/>
+      </p:nvGrpSpPr>
+      <p:grpSpPr>
+        <a:xfrm>
+          <a:off x="0" y="0"/>
+          <a:ext cx="0" cy="0"/>
+          <a:chOff x="0" y="0"/>
+          <a:chExt cx="0" cy="0"/>
+        </a:xfrm>
+      </p:grpSpPr>
+      <p:sp>
+        <p:nvSpPr>
+          <p:cNvPr id="55" name="文本框 54">
+            <a:extLst>
+              <a:ext uri="{FF2B5EF4-FFF2-40B4-BE49-F238E27FC236}">
+                <a16:creationId xmlns:a16="http://schemas.microsoft.com/office/drawing/2014/main" id="{32A2BE86-86A6-F1FC-83EE-91A826B532E5}"/>
+              </a:ext>
+            </a:extLst>
+          </p:cNvPr>
+          <p:cNvSpPr txBox="1"/>
+          <p:nvPr/>
+        </p:nvSpPr>
+        <p:spPr>
+          <a:xfrm>
+            <a:off x="609600" y="106251"/>
+            <a:ext cx="4584920" cy="461665"/>
+          </a:xfrm>
+          <a:prstGeom prst="rect">
+            <a:avLst/>
+          </a:prstGeom>
+          <a:noFill/>
+        </p:spPr>
+        <p:txBody>
+          <a:bodyPr wrap="square" rtlCol="0">
+            <a:spAutoFit/>
+          </a:bodyPr>
+          <a:lstStyle>
+            <a:defPPr>
+              <a:defRPr lang="zh-CN"/>
+            </a:defPPr>
+            <a:lvl1pPr>
+              <a:defRPr sz="2400">
+                <a:latin typeface="Consolas" panose="020B0609020204030204" pitchFamily="49" charset="0"/>
+                <a:cs typeface="Times New Roman" panose="02020603050405020304" pitchFamily="18" charset="0"/>
+              </a:defRPr>
+            </a:lvl1pPr>
+          </a:lstStyle>
+          <a:p>
+            <a:r>
+              <a:rPr lang="en-US" altLang="zh-CN" dirty="0"/>
+              <a:t>Part_1: </a:t>
+            </a:r>
+            <a:r>
+              <a:rPr lang="en-US" altLang="zh-CN" sz="1400" dirty="0"/>
               <a:t>Research - Breath Removal</a:t>
             </a:r>
           </a:p>
@@ -9592,7 +17197,7 @@
 </p:sld>
 </file>
 
-<file path=ppt/slides/slide5.xml><?xml version="1.0" encoding="utf-8"?>
+<file path=ppt/slides/slide7.xml><?xml version="1.0" encoding="utf-8"?>
 <p:sld xmlns:a="http://schemas.openxmlformats.org/drawingml/2006/main" xmlns:r="http://schemas.openxmlformats.org/officeDocument/2006/relationships" xmlns:p="http://schemas.openxmlformats.org/presentationml/2006/main">
   <p:cSld>
     <p:spTree>
@@ -9810,7 +17415,7 @@
 </p:sld>
 </file>
 
-<file path=ppt/slides/slide6.xml><?xml version="1.0" encoding="utf-8"?>
+<file path=ppt/slides/slide8.xml><?xml version="1.0" encoding="utf-8"?>
 <p:sld xmlns:a="http://schemas.openxmlformats.org/drawingml/2006/main" xmlns:r="http://schemas.openxmlformats.org/officeDocument/2006/relationships" xmlns:p="http://schemas.openxmlformats.org/presentationml/2006/main">
   <p:cSld>
     <p:spTree>
@@ -10035,7 +17640,7 @@
 </p:sld>
 </file>
 
-<file path=ppt/slides/slide7.xml><?xml version="1.0" encoding="utf-8"?>
+<file path=ppt/slides/slide9.xml><?xml version="1.0" encoding="utf-8"?>
 <p:sld xmlns:a="http://schemas.openxmlformats.org/drawingml/2006/main" xmlns:r="http://schemas.openxmlformats.org/officeDocument/2006/relationships" xmlns:p="http://schemas.openxmlformats.org/presentationml/2006/main">
   <p:cSld>
     <p:spTree>
@@ -10187,469 +17792,6 @@
     <p:extLst>
       <p:ext uri="{BB962C8B-B14F-4D97-AF65-F5344CB8AC3E}">
         <p14:creationId xmlns:p14="http://schemas.microsoft.com/office/powerpoint/2010/main" val="3554012306"/>
-      </p:ext>
-    </p:extLst>
-  </p:cSld>
-  <p:clrMapOvr>
-    <a:masterClrMapping/>
-  </p:clrMapOvr>
-</p:sld>
-</file>
-
-<file path=ppt/slides/slide8.xml><?xml version="1.0" encoding="utf-8"?>
-<p:sld xmlns:a="http://schemas.openxmlformats.org/drawingml/2006/main" xmlns:r="http://schemas.openxmlformats.org/officeDocument/2006/relationships" xmlns:p="http://schemas.openxmlformats.org/presentationml/2006/main">
-  <p:cSld>
-    <p:spTree>
-      <p:nvGrpSpPr>
-        <p:cNvPr id="1" name=""/>
-        <p:cNvGrpSpPr/>
-        <p:nvPr/>
-      </p:nvGrpSpPr>
-      <p:grpSpPr>
-        <a:xfrm>
-          <a:off x="0" y="0"/>
-          <a:ext cx="0" cy="0"/>
-          <a:chOff x="0" y="0"/>
-          <a:chExt cx="0" cy="0"/>
-        </a:xfrm>
-      </p:grpSpPr>
-      <p:sp>
-        <p:nvSpPr>
-          <p:cNvPr id="55" name="文本框 54">
-            <a:extLst>
-              <a:ext uri="{FF2B5EF4-FFF2-40B4-BE49-F238E27FC236}">
-                <a16:creationId xmlns:a16="http://schemas.microsoft.com/office/drawing/2014/main" id="{32A2BE86-86A6-F1FC-83EE-91A826B532E5}"/>
-              </a:ext>
-            </a:extLst>
-          </p:cNvPr>
-          <p:cNvSpPr txBox="1"/>
-          <p:nvPr/>
-        </p:nvSpPr>
-        <p:spPr>
-          <a:xfrm>
-            <a:off x="609599" y="106251"/>
-            <a:ext cx="6898481" cy="461665"/>
-          </a:xfrm>
-          <a:prstGeom prst="rect">
-            <a:avLst/>
-          </a:prstGeom>
-          <a:noFill/>
-        </p:spPr>
-        <p:txBody>
-          <a:bodyPr wrap="square" rtlCol="0">
-            <a:spAutoFit/>
-          </a:bodyPr>
-          <a:lstStyle>
-            <a:defPPr>
-              <a:defRPr lang="zh-CN"/>
-            </a:defPPr>
-            <a:lvl1pPr>
-              <a:defRPr sz="2400">
-                <a:latin typeface="Consolas" panose="020B0609020204030204" pitchFamily="49" charset="0"/>
-                <a:cs typeface="Times New Roman" panose="02020603050405020304" pitchFamily="18" charset="0"/>
-              </a:defRPr>
-            </a:lvl1pPr>
-          </a:lstStyle>
-          <a:p>
-            <a:r>
-              <a:rPr lang="en-US" altLang="zh-CN" dirty="0"/>
-              <a:t>Part_2: </a:t>
-            </a:r>
-            <a:r>
-              <a:rPr lang="en-US" altLang="zh-CN" sz="1400" dirty="0"/>
-              <a:t>Paper Reading</a:t>
-            </a:r>
-          </a:p>
-        </p:txBody>
-      </p:sp>
-      <p:sp>
-        <p:nvSpPr>
-          <p:cNvPr id="8" name="文本框 7">
-            <a:extLst>
-              <a:ext uri="{FF2B5EF4-FFF2-40B4-BE49-F238E27FC236}">
-                <a16:creationId xmlns:a16="http://schemas.microsoft.com/office/drawing/2014/main" id="{43ECD4F3-F35E-2206-FF84-688217EDEE5A}"/>
-              </a:ext>
-            </a:extLst>
-          </p:cNvPr>
-          <p:cNvSpPr txBox="1"/>
-          <p:nvPr/>
-        </p:nvSpPr>
-        <p:spPr>
-          <a:xfrm>
-            <a:off x="134577" y="737107"/>
-            <a:ext cx="9524679" cy="5355312"/>
-          </a:xfrm>
-          <a:prstGeom prst="rect">
-            <a:avLst/>
-          </a:prstGeom>
-          <a:noFill/>
-        </p:spPr>
-        <p:txBody>
-          <a:bodyPr wrap="square">
-            <a:spAutoFit/>
-          </a:bodyPr>
-          <a:lstStyle/>
-          <a:p>
-            <a:pPr lvl="1"/>
-            <a:r>
-              <a:rPr lang="en-US" altLang="zh-CN" dirty="0"/>
-              <a:t>Paper_3: k-Shape</a:t>
-            </a:r>
-          </a:p>
-          <a:p>
-            <a:pPr lvl="1"/>
-            <a:endParaRPr lang="en-US" altLang="zh-CN" dirty="0"/>
-          </a:p>
-          <a:p>
-            <a:pPr lvl="1"/>
-            <a:r>
-              <a:rPr lang="en-US" altLang="zh-CN" dirty="0"/>
-              <a:t>NLAAF: Nonlinear alignment and averaging filters</a:t>
-            </a:r>
-          </a:p>
-          <a:p>
-            <a:pPr lvl="1"/>
-            <a:endParaRPr lang="en-US" altLang="zh-CN" dirty="0"/>
-          </a:p>
-          <a:p>
-            <a:pPr lvl="1"/>
-            <a:endParaRPr lang="en-US" altLang="zh-CN" dirty="0"/>
-          </a:p>
-          <a:p>
-            <a:pPr lvl="1"/>
-            <a:r>
-              <a:rPr lang="en-US" altLang="zh-CN" dirty="0"/>
-              <a:t>PSA: Prioritized shape averaging</a:t>
-            </a:r>
-          </a:p>
-          <a:p>
-            <a:pPr lvl="1"/>
-            <a:endParaRPr lang="en-US" altLang="zh-CN" dirty="0"/>
-          </a:p>
-          <a:p>
-            <a:pPr lvl="1"/>
-            <a:endParaRPr lang="en-US" altLang="zh-CN" dirty="0"/>
-          </a:p>
-          <a:p>
-            <a:pPr lvl="1"/>
-            <a:r>
-              <a:rPr lang="en-US" altLang="zh-CN" dirty="0"/>
-              <a:t>RSTMF: Ranking Shape-based Template Matching Framework</a:t>
-            </a:r>
-          </a:p>
-          <a:p>
-            <a:pPr lvl="1"/>
-            <a:endParaRPr lang="en-US" altLang="zh-CN" dirty="0"/>
-          </a:p>
-          <a:p>
-            <a:pPr lvl="1"/>
-            <a:endParaRPr lang="en-US" altLang="zh-CN" dirty="0"/>
-          </a:p>
-          <a:p>
-            <a:pPr lvl="1"/>
-            <a:r>
-              <a:rPr lang="en-US" altLang="zh-CN" dirty="0"/>
-              <a:t>DBA: Dynamic Time Warping Barycenter Averaging</a:t>
-            </a:r>
-          </a:p>
-          <a:p>
-            <a:pPr lvl="1"/>
-            <a:endParaRPr lang="en-US" altLang="zh-CN" dirty="0"/>
-          </a:p>
-          <a:p>
-            <a:pPr lvl="1"/>
-            <a:endParaRPr lang="en-US" altLang="zh-CN" dirty="0"/>
-          </a:p>
-          <a:p>
-            <a:pPr lvl="1"/>
-            <a:r>
-              <a:rPr lang="en-US" altLang="zh-CN" dirty="0"/>
-              <a:t>KSC: K-Spectral Centroid Clustering</a:t>
-            </a:r>
-          </a:p>
-          <a:p>
-            <a:pPr lvl="1"/>
-            <a:endParaRPr lang="en-US" altLang="zh-CN" dirty="0"/>
-          </a:p>
-          <a:p>
-            <a:pPr lvl="1"/>
-            <a:endParaRPr lang="en-US" altLang="zh-CN" dirty="0"/>
-          </a:p>
-          <a:p>
-            <a:pPr lvl="1"/>
-            <a:r>
-              <a:rPr lang="en-US" altLang="zh-CN" dirty="0"/>
-              <a:t>Matrix Decomposition</a:t>
-            </a:r>
-            <a:endParaRPr lang="zh-CN" altLang="en-US" dirty="0"/>
-          </a:p>
-          <a:p>
-            <a:pPr lvl="1"/>
-            <a:endParaRPr lang="en-US" altLang="zh-CN" dirty="0"/>
-          </a:p>
-        </p:txBody>
-      </p:sp>
-    </p:spTree>
-    <p:extLst>
-      <p:ext uri="{BB962C8B-B14F-4D97-AF65-F5344CB8AC3E}">
-        <p14:creationId xmlns:p14="http://schemas.microsoft.com/office/powerpoint/2010/main" val="319194230"/>
-      </p:ext>
-    </p:extLst>
-  </p:cSld>
-  <p:clrMapOvr>
-    <a:masterClrMapping/>
-  </p:clrMapOvr>
-</p:sld>
-</file>
-
-<file path=ppt/slides/slide9.xml><?xml version="1.0" encoding="utf-8"?>
-<p:sld xmlns:a="http://schemas.openxmlformats.org/drawingml/2006/main" xmlns:r="http://schemas.openxmlformats.org/officeDocument/2006/relationships" xmlns:p="http://schemas.openxmlformats.org/presentationml/2006/main">
-  <p:cSld>
-    <p:spTree>
-      <p:nvGrpSpPr>
-        <p:cNvPr id="1" name=""/>
-        <p:cNvGrpSpPr/>
-        <p:nvPr/>
-      </p:nvGrpSpPr>
-      <p:grpSpPr>
-        <a:xfrm>
-          <a:off x="0" y="0"/>
-          <a:ext cx="0" cy="0"/>
-          <a:chOff x="0" y="0"/>
-          <a:chExt cx="0" cy="0"/>
-        </a:xfrm>
-      </p:grpSpPr>
-      <p:sp>
-        <p:nvSpPr>
-          <p:cNvPr id="63" name="文本框 62">
-            <a:extLst>
-              <a:ext uri="{FF2B5EF4-FFF2-40B4-BE49-F238E27FC236}">
-                <a16:creationId xmlns:a16="http://schemas.microsoft.com/office/drawing/2014/main" id="{204AE680-9190-FAD6-3CF8-9C593C260F05}"/>
-              </a:ext>
-            </a:extLst>
-          </p:cNvPr>
-          <p:cNvSpPr txBox="1"/>
-          <p:nvPr/>
-        </p:nvSpPr>
-        <p:spPr>
-          <a:xfrm>
-            <a:off x="609599" y="106251"/>
-            <a:ext cx="6400801" cy="461665"/>
-          </a:xfrm>
-          <a:prstGeom prst="rect">
-            <a:avLst/>
-          </a:prstGeom>
-          <a:noFill/>
-        </p:spPr>
-        <p:txBody>
-          <a:bodyPr wrap="square" rtlCol="0">
-            <a:spAutoFit/>
-          </a:bodyPr>
-          <a:lstStyle>
-            <a:defPPr>
-              <a:defRPr lang="zh-CN"/>
-            </a:defPPr>
-            <a:lvl1pPr>
-              <a:defRPr sz="2400">
-                <a:latin typeface="Consolas" panose="020B0609020204030204" pitchFamily="49" charset="0"/>
-                <a:cs typeface="Times New Roman" panose="02020603050405020304" pitchFamily="18" charset="0"/>
-              </a:defRPr>
-            </a:lvl1pPr>
-          </a:lstStyle>
-          <a:p>
-            <a:r>
-              <a:rPr lang="en-US" altLang="zh-CN" dirty="0"/>
-              <a:t>Work_3: </a:t>
-            </a:r>
-            <a:r>
-              <a:rPr lang="en-US" altLang="zh-CN" sz="1400" dirty="0"/>
-              <a:t>Learning Progress and Future Learning Plan</a:t>
-            </a:r>
-          </a:p>
-        </p:txBody>
-      </p:sp>
-      <p:sp>
-        <p:nvSpPr>
-          <p:cNvPr id="2" name="文本框 1">
-            <a:extLst>
-              <a:ext uri="{FF2B5EF4-FFF2-40B4-BE49-F238E27FC236}">
-                <a16:creationId xmlns:a16="http://schemas.microsoft.com/office/drawing/2014/main" id="{83F21988-D9C8-EEB1-82D8-632A3509FA1C}"/>
-              </a:ext>
-            </a:extLst>
-          </p:cNvPr>
-          <p:cNvSpPr txBox="1"/>
-          <p:nvPr/>
-        </p:nvSpPr>
-        <p:spPr>
-          <a:xfrm>
-            <a:off x="703943" y="776514"/>
-            <a:ext cx="10522857" cy="2585323"/>
-          </a:xfrm>
-          <a:prstGeom prst="rect">
-            <a:avLst/>
-          </a:prstGeom>
-          <a:noFill/>
-        </p:spPr>
-        <p:txBody>
-          <a:bodyPr wrap="square" rtlCol="0">
-            <a:spAutoFit/>
-          </a:bodyPr>
-          <a:lstStyle/>
-          <a:p>
-            <a:r>
-              <a:rPr lang="zh-CN" altLang="en-US" dirty="0"/>
-              <a:t>已经完成的</a:t>
-            </a:r>
-            <a:r>
-              <a:rPr lang="en-US" altLang="zh-CN" dirty="0"/>
-              <a:t>:</a:t>
-            </a:r>
-          </a:p>
-          <a:p>
-            <a:endParaRPr lang="en-US" altLang="zh-CN" dirty="0"/>
-          </a:p>
-          <a:p>
-            <a:pPr marL="342900" indent="-342900">
-              <a:buAutoNum type="arabicPeriod"/>
-            </a:pPr>
-            <a:r>
-              <a:rPr lang="en-US" altLang="zh-CN" dirty="0"/>
-              <a:t>EE120 (all videos and lectures)</a:t>
-            </a:r>
-          </a:p>
-          <a:p>
-            <a:pPr marL="342900" indent="-342900">
-              <a:buAutoNum type="arabicPeriod"/>
-            </a:pPr>
-            <a:r>
-              <a:rPr lang="en-US" altLang="zh-CN" dirty="0"/>
-              <a:t>Complex Functions and Integral Transforms (completed half of the exercise book)</a:t>
-            </a:r>
-          </a:p>
-          <a:p>
-            <a:pPr marL="342900" indent="-342900">
-              <a:buAutoNum type="arabicPeriod"/>
-            </a:pPr>
-            <a:endParaRPr lang="en-US" altLang="zh-CN" dirty="0"/>
-          </a:p>
-          <a:p>
-            <a:endParaRPr lang="en-US" altLang="zh-CN" dirty="0"/>
-          </a:p>
-          <a:p>
-            <a:r>
-              <a:rPr lang="zh-CN" altLang="en-US" dirty="0"/>
-              <a:t>接下来打算做的：</a:t>
-            </a:r>
-            <a:endParaRPr lang="en-US" altLang="zh-CN" dirty="0"/>
-          </a:p>
-          <a:p>
-            <a:pPr marL="342900" indent="-342900">
-              <a:buAutoNum type="arabicPeriod"/>
-            </a:pPr>
-            <a:r>
-              <a:rPr lang="zh-CN" altLang="en-US" dirty="0"/>
-              <a:t>现代数字信号处理</a:t>
-            </a:r>
-            <a:r>
-              <a:rPr lang="en-US" altLang="zh-CN" dirty="0"/>
-              <a:t>I</a:t>
-            </a:r>
-          </a:p>
-          <a:p>
-            <a:pPr marL="342900" indent="-342900">
-              <a:buAutoNum type="arabicPeriod"/>
-            </a:pPr>
-            <a:r>
-              <a:rPr lang="zh-CN" altLang="en-US" dirty="0"/>
-              <a:t>现在数字信号处理</a:t>
-            </a:r>
-            <a:r>
-              <a:rPr lang="en-US" altLang="zh-CN" dirty="0"/>
-              <a:t>II (</a:t>
-            </a:r>
-            <a:r>
-              <a:rPr lang="zh-CN" altLang="en-US" dirty="0"/>
-              <a:t>好处是和</a:t>
-            </a:r>
-            <a:r>
-              <a:rPr lang="en-US" altLang="zh-CN" dirty="0"/>
-              <a:t>ADSP</a:t>
-            </a:r>
-            <a:r>
-              <a:rPr lang="zh-CN" altLang="en-US" dirty="0"/>
-              <a:t>的内容很接近</a:t>
-            </a:r>
-            <a:r>
-              <a:rPr lang="en-US" altLang="zh-CN" dirty="0"/>
-              <a:t>)</a:t>
-            </a:r>
-          </a:p>
-        </p:txBody>
-      </p:sp>
-      <p:pic>
-        <p:nvPicPr>
-          <p:cNvPr id="9" name="图片 8">
-            <a:extLst>
-              <a:ext uri="{FF2B5EF4-FFF2-40B4-BE49-F238E27FC236}">
-                <a16:creationId xmlns:a16="http://schemas.microsoft.com/office/drawing/2014/main" id="{9F0DF3EA-DF71-889D-DC00-CFFA65C6846D}"/>
-              </a:ext>
-            </a:extLst>
-          </p:cNvPr>
-          <p:cNvPicPr>
-            <a:picLocks noChangeAspect="1"/>
-          </p:cNvPicPr>
-          <p:nvPr/>
-        </p:nvPicPr>
-        <p:blipFill>
-          <a:blip r:embed="rId3"/>
-          <a:stretch>
-            <a:fillRect/>
-          </a:stretch>
-        </p:blipFill>
-        <p:spPr>
-          <a:xfrm>
-            <a:off x="1879998" y="3780971"/>
-            <a:ext cx="2690351" cy="2740993"/>
-          </a:xfrm>
-          <a:prstGeom prst="rect">
-            <a:avLst/>
-          </a:prstGeom>
-        </p:spPr>
-      </p:pic>
-      <p:pic>
-        <p:nvPicPr>
-          <p:cNvPr id="15" name="图片 14">
-            <a:extLst>
-              <a:ext uri="{FF2B5EF4-FFF2-40B4-BE49-F238E27FC236}">
-                <a16:creationId xmlns:a16="http://schemas.microsoft.com/office/drawing/2014/main" id="{779C41A8-3A07-F1CB-D9E5-058891249DFE}"/>
-              </a:ext>
-            </a:extLst>
-          </p:cNvPr>
-          <p:cNvPicPr>
-            <a:picLocks noChangeAspect="1"/>
-          </p:cNvPicPr>
-          <p:nvPr/>
-        </p:nvPicPr>
-        <p:blipFill>
-          <a:blip r:embed="rId4"/>
-          <a:stretch>
-            <a:fillRect/>
-          </a:stretch>
-        </p:blipFill>
-        <p:spPr>
-          <a:xfrm>
-            <a:off x="4570349" y="3780970"/>
-            <a:ext cx="2786568" cy="2740993"/>
-          </a:xfrm>
-          <a:prstGeom prst="rect">
-            <a:avLst/>
-          </a:prstGeom>
-        </p:spPr>
-      </p:pic>
-    </p:spTree>
-    <p:extLst>
-      <p:ext uri="{BB962C8B-B14F-4D97-AF65-F5344CB8AC3E}">
-        <p14:creationId xmlns:p14="http://schemas.microsoft.com/office/powerpoint/2010/main" val="1512982219"/>
       </p:ext>
     </p:extLst>
   </p:cSld>

--- a/Presentation_1106_JiayuChen.pptx
+++ b/Presentation_1106_JiayuChen.pptx
@@ -5,29 +5,26 @@
     <p:sldMasterId id="2147483648" r:id="rId1"/>
   </p:sldMasterIdLst>
   <p:notesMasterIdLst>
-    <p:notesMasterId r:id="rId22"/>
+    <p:notesMasterId r:id="rId19"/>
   </p:notesMasterIdLst>
   <p:sldIdLst>
     <p:sldId id="256" r:id="rId2"/>
     <p:sldId id="291" r:id="rId3"/>
-    <p:sldId id="340" r:id="rId4"/>
-    <p:sldId id="354" r:id="rId5"/>
-    <p:sldId id="355" r:id="rId6"/>
-    <p:sldId id="349" r:id="rId7"/>
-    <p:sldId id="351" r:id="rId8"/>
-    <p:sldId id="324" r:id="rId9"/>
-    <p:sldId id="353" r:id="rId10"/>
-    <p:sldId id="352" r:id="rId11"/>
-    <p:sldId id="346" r:id="rId12"/>
-    <p:sldId id="356" r:id="rId13"/>
-    <p:sldId id="348" r:id="rId14"/>
-    <p:sldId id="342" r:id="rId15"/>
-    <p:sldId id="343" r:id="rId16"/>
-    <p:sldId id="344" r:id="rId17"/>
-    <p:sldId id="345" r:id="rId18"/>
-    <p:sldId id="325" r:id="rId19"/>
-    <p:sldId id="347" r:id="rId20"/>
-    <p:sldId id="263" r:id="rId21"/>
+    <p:sldId id="354" r:id="rId4"/>
+    <p:sldId id="357" r:id="rId5"/>
+    <p:sldId id="325" r:id="rId6"/>
+    <p:sldId id="355" r:id="rId7"/>
+    <p:sldId id="340" r:id="rId8"/>
+    <p:sldId id="349" r:id="rId9"/>
+    <p:sldId id="351" r:id="rId10"/>
+    <p:sldId id="324" r:id="rId11"/>
+    <p:sldId id="353" r:id="rId12"/>
+    <p:sldId id="352" r:id="rId13"/>
+    <p:sldId id="346" r:id="rId14"/>
+    <p:sldId id="356" r:id="rId15"/>
+    <p:sldId id="348" r:id="rId16"/>
+    <p:sldId id="358" r:id="rId17"/>
+    <p:sldId id="263" r:id="rId18"/>
   </p:sldIdLst>
   <p:sldSz cx="12192000" cy="6858000"/>
   <p:notesSz cx="6858000" cy="9144000"/>
@@ -657,7 +654,7 @@
     </p:spTree>
     <p:extLst>
       <p:ext uri="{BB962C8B-B14F-4D97-AF65-F5344CB8AC3E}">
-        <p14:creationId xmlns:p14="http://schemas.microsoft.com/office/powerpoint/2010/main" val="2271989615"/>
+        <p14:creationId xmlns:p14="http://schemas.microsoft.com/office/powerpoint/2010/main" val="3282655697"/>
       </p:ext>
     </p:extLst>
   </p:cSld>
@@ -741,7 +738,7 @@
     </p:spTree>
     <p:extLst>
       <p:ext uri="{BB962C8B-B14F-4D97-AF65-F5344CB8AC3E}">
-        <p14:creationId xmlns:p14="http://schemas.microsoft.com/office/powerpoint/2010/main" val="3611980438"/>
+        <p14:creationId xmlns:p14="http://schemas.microsoft.com/office/powerpoint/2010/main" val="1278288585"/>
       </p:ext>
     </p:extLst>
   </p:cSld>
@@ -825,7 +822,7 @@
     </p:spTree>
     <p:extLst>
       <p:ext uri="{BB962C8B-B14F-4D97-AF65-F5344CB8AC3E}">
-        <p14:creationId xmlns:p14="http://schemas.microsoft.com/office/powerpoint/2010/main" val="1878692281"/>
+        <p14:creationId xmlns:p14="http://schemas.microsoft.com/office/powerpoint/2010/main" val="2271989615"/>
       </p:ext>
     </p:extLst>
   </p:cSld>
@@ -909,7 +906,7 @@
     </p:spTree>
     <p:extLst>
       <p:ext uri="{BB962C8B-B14F-4D97-AF65-F5344CB8AC3E}">
-        <p14:creationId xmlns:p14="http://schemas.microsoft.com/office/powerpoint/2010/main" val="3040035200"/>
+        <p14:creationId xmlns:p14="http://schemas.microsoft.com/office/powerpoint/2010/main" val="3611980438"/>
       </p:ext>
     </p:extLst>
   </p:cSld>
@@ -993,7 +990,7 @@
     </p:spTree>
     <p:extLst>
       <p:ext uri="{BB962C8B-B14F-4D97-AF65-F5344CB8AC3E}">
-        <p14:creationId xmlns:p14="http://schemas.microsoft.com/office/powerpoint/2010/main" val="3443642887"/>
+        <p14:creationId xmlns:p14="http://schemas.microsoft.com/office/powerpoint/2010/main" val="1878692281"/>
       </p:ext>
     </p:extLst>
   </p:cSld>
@@ -1077,7 +1074,7 @@
     </p:spTree>
     <p:extLst>
       <p:ext uri="{BB962C8B-B14F-4D97-AF65-F5344CB8AC3E}">
-        <p14:creationId xmlns:p14="http://schemas.microsoft.com/office/powerpoint/2010/main" val="3269583232"/>
+        <p14:creationId xmlns:p14="http://schemas.microsoft.com/office/powerpoint/2010/main" val="3040035200"/>
       </p:ext>
     </p:extLst>
   </p:cSld>
@@ -1133,36 +1130,6 @@
           <a:p>
             <a:endParaRPr lang="en-US" altLang="zh-CN" dirty="0"/>
           </a:p>
-          <a:p>
-            <a:r>
-              <a:rPr lang="en-US" altLang="zh-CN" dirty="0"/>
-              <a:t>For D Prediction:</a:t>
-            </a:r>
-          </a:p>
-          <a:p>
-            <a:r>
-              <a:rPr lang="en-US" altLang="zh-CN" dirty="0"/>
-              <a:t>The reason is peaks are not aligned properly. Both mean and median methods significantly affect height of small peaks, leading to a decrease in their accuracy.</a:t>
-            </a:r>
-          </a:p>
-          <a:p>
-            <a:endParaRPr lang="en-US" altLang="zh-CN" dirty="0"/>
-          </a:p>
-          <a:p>
-            <a:r>
-              <a:rPr lang="en-US" altLang="zh-CN" dirty="0"/>
-              <a:t>For S prediction:</a:t>
-            </a:r>
-          </a:p>
-          <a:p>
-            <a:r>
-              <a:rPr lang="en-US" altLang="zh-CN" dirty="0"/>
-              <a:t>Due to the limitation of the sampling rate, even with a perfect "Get Template" algorithm, the S prediction result is still not as good as that of the "No Template" algorithm.</a:t>
-            </a:r>
-          </a:p>
-          <a:p>
-            <a:endParaRPr lang="en-US" altLang="zh-CN" dirty="0"/>
-          </a:p>
         </p:txBody>
       </p:sp>
       <p:sp>
@@ -1191,7 +1158,7 @@
     </p:spTree>
     <p:extLst>
       <p:ext uri="{BB962C8B-B14F-4D97-AF65-F5344CB8AC3E}">
-        <p14:creationId xmlns:p14="http://schemas.microsoft.com/office/powerpoint/2010/main" val="468277658"/>
+        <p14:creationId xmlns:p14="http://schemas.microsoft.com/office/powerpoint/2010/main" val="722599942"/>
       </p:ext>
     </p:extLst>
   </p:cSld>
@@ -1245,7 +1212,7 @@
           <a:bodyPr/>
           <a:lstStyle/>
           <a:p>
-            <a:endParaRPr lang="en-US" altLang="zh-CN" dirty="0"/>
+            <a:endParaRPr lang="zh-CN" altLang="en-US" dirty="0"/>
           </a:p>
         </p:txBody>
       </p:sp>
@@ -1275,175 +1242,7 @@
     </p:spTree>
     <p:extLst>
       <p:ext uri="{BB962C8B-B14F-4D97-AF65-F5344CB8AC3E}">
-        <p14:creationId xmlns:p14="http://schemas.microsoft.com/office/powerpoint/2010/main" val="2993614160"/>
-      </p:ext>
-    </p:extLst>
-  </p:cSld>
-  <p:clrMapOvr>
-    <a:masterClrMapping/>
-  </p:clrMapOvr>
-</p:notes>
-</file>
-
-<file path=ppt/notesSlides/notesSlide18.xml><?xml version="1.0" encoding="utf-8"?>
-<p:notes xmlns:a="http://schemas.openxmlformats.org/drawingml/2006/main" xmlns:r="http://schemas.openxmlformats.org/officeDocument/2006/relationships" xmlns:p="http://schemas.openxmlformats.org/presentationml/2006/main">
-  <p:cSld>
-    <p:spTree>
-      <p:nvGrpSpPr>
-        <p:cNvPr id="1" name=""/>
-        <p:cNvGrpSpPr/>
-        <p:nvPr/>
-      </p:nvGrpSpPr>
-      <p:grpSpPr>
-        <a:xfrm>
-          <a:off x="0" y="0"/>
-          <a:ext cx="0" cy="0"/>
-          <a:chOff x="0" y="0"/>
-          <a:chExt cx="0" cy="0"/>
-        </a:xfrm>
-      </p:grpSpPr>
-      <p:sp>
-        <p:nvSpPr>
-          <p:cNvPr id="2" name="幻灯片图像占位符 1"/>
-          <p:cNvSpPr>
-            <a:spLocks noGrp="1" noRot="1" noChangeAspect="1"/>
-          </p:cNvSpPr>
-          <p:nvPr>
-            <p:ph type="sldImg"/>
-          </p:nvPr>
-        </p:nvSpPr>
-        <p:spPr/>
-      </p:sp>
-      <p:sp>
-        <p:nvSpPr>
-          <p:cNvPr id="3" name="备注占位符 2"/>
-          <p:cNvSpPr>
-            <a:spLocks noGrp="1"/>
-          </p:cNvSpPr>
-          <p:nvPr>
-            <p:ph type="body" idx="1"/>
-          </p:nvPr>
-        </p:nvSpPr>
-        <p:spPr/>
-        <p:txBody>
-          <a:bodyPr/>
-          <a:lstStyle/>
-          <a:p>
-            <a:endParaRPr lang="en-US" altLang="zh-CN" dirty="0"/>
-          </a:p>
-        </p:txBody>
-      </p:sp>
-      <p:sp>
-        <p:nvSpPr>
-          <p:cNvPr id="4" name="灯片编号占位符 3"/>
-          <p:cNvSpPr>
-            <a:spLocks noGrp="1"/>
-          </p:cNvSpPr>
-          <p:nvPr>
-            <p:ph type="sldNum" sz="quarter" idx="5"/>
-          </p:nvPr>
-        </p:nvSpPr>
-        <p:spPr/>
-        <p:txBody>
-          <a:bodyPr/>
-          <a:lstStyle/>
-          <a:p>
-            <a:fld id="{E39FA662-60CA-45D5-8BB1-0A7D21FB8FF0}" type="slidenum">
-              <a:rPr lang="zh-CN" altLang="en-US" smtClean="0"/>
-              <a:t>18</a:t>
-            </a:fld>
-            <a:endParaRPr lang="zh-CN" altLang="en-US"/>
-          </a:p>
-        </p:txBody>
-      </p:sp>
-    </p:spTree>
-    <p:extLst>
-      <p:ext uri="{BB962C8B-B14F-4D97-AF65-F5344CB8AC3E}">
-        <p14:creationId xmlns:p14="http://schemas.microsoft.com/office/powerpoint/2010/main" val="3591586733"/>
-      </p:ext>
-    </p:extLst>
-  </p:cSld>
-  <p:clrMapOvr>
-    <a:masterClrMapping/>
-  </p:clrMapOvr>
-</p:notes>
-</file>
-
-<file path=ppt/notesSlides/notesSlide19.xml><?xml version="1.0" encoding="utf-8"?>
-<p:notes xmlns:a="http://schemas.openxmlformats.org/drawingml/2006/main" xmlns:r="http://schemas.openxmlformats.org/officeDocument/2006/relationships" xmlns:p="http://schemas.openxmlformats.org/presentationml/2006/main">
-  <p:cSld>
-    <p:spTree>
-      <p:nvGrpSpPr>
-        <p:cNvPr id="1" name=""/>
-        <p:cNvGrpSpPr/>
-        <p:nvPr/>
-      </p:nvGrpSpPr>
-      <p:grpSpPr>
-        <a:xfrm>
-          <a:off x="0" y="0"/>
-          <a:ext cx="0" cy="0"/>
-          <a:chOff x="0" y="0"/>
-          <a:chExt cx="0" cy="0"/>
-        </a:xfrm>
-      </p:grpSpPr>
-      <p:sp>
-        <p:nvSpPr>
-          <p:cNvPr id="2" name="幻灯片图像占位符 1"/>
-          <p:cNvSpPr>
-            <a:spLocks noGrp="1" noRot="1" noChangeAspect="1"/>
-          </p:cNvSpPr>
-          <p:nvPr>
-            <p:ph type="sldImg"/>
-          </p:nvPr>
-        </p:nvSpPr>
-        <p:spPr/>
-      </p:sp>
-      <p:sp>
-        <p:nvSpPr>
-          <p:cNvPr id="3" name="备注占位符 2"/>
-          <p:cNvSpPr>
-            <a:spLocks noGrp="1"/>
-          </p:cNvSpPr>
-          <p:nvPr>
-            <p:ph type="body" idx="1"/>
-          </p:nvPr>
-        </p:nvSpPr>
-        <p:spPr/>
-        <p:txBody>
-          <a:bodyPr/>
-          <a:lstStyle/>
-          <a:p>
-            <a:endParaRPr lang="en-US" altLang="zh-CN" dirty="0"/>
-          </a:p>
-        </p:txBody>
-      </p:sp>
-      <p:sp>
-        <p:nvSpPr>
-          <p:cNvPr id="4" name="灯片编号占位符 3"/>
-          <p:cNvSpPr>
-            <a:spLocks noGrp="1"/>
-          </p:cNvSpPr>
-          <p:nvPr>
-            <p:ph type="sldNum" sz="quarter" idx="5"/>
-          </p:nvPr>
-        </p:nvSpPr>
-        <p:spPr/>
-        <p:txBody>
-          <a:bodyPr/>
-          <a:lstStyle/>
-          <a:p>
-            <a:fld id="{E39FA662-60CA-45D5-8BB1-0A7D21FB8FF0}" type="slidenum">
-              <a:rPr lang="zh-CN" altLang="en-US" smtClean="0"/>
-              <a:t>19</a:t>
-            </a:fld>
-            <a:endParaRPr lang="zh-CN" altLang="en-US"/>
-          </a:p>
-        </p:txBody>
-      </p:sp>
-    </p:spTree>
-    <p:extLst>
-      <p:ext uri="{BB962C8B-B14F-4D97-AF65-F5344CB8AC3E}">
-        <p14:creationId xmlns:p14="http://schemas.microsoft.com/office/powerpoint/2010/main" val="3741618995"/>
+        <p14:creationId xmlns:p14="http://schemas.microsoft.com/office/powerpoint/2010/main" val="3344493625"/>
       </p:ext>
     </p:extLst>
   </p:cSld>
@@ -1537,90 +1336,6 @@
 </p:notes>
 </file>
 
-<file path=ppt/notesSlides/notesSlide20.xml><?xml version="1.0" encoding="utf-8"?>
-<p:notes xmlns:a="http://schemas.openxmlformats.org/drawingml/2006/main" xmlns:r="http://schemas.openxmlformats.org/officeDocument/2006/relationships" xmlns:p="http://schemas.openxmlformats.org/presentationml/2006/main">
-  <p:cSld>
-    <p:spTree>
-      <p:nvGrpSpPr>
-        <p:cNvPr id="1" name=""/>
-        <p:cNvGrpSpPr/>
-        <p:nvPr/>
-      </p:nvGrpSpPr>
-      <p:grpSpPr>
-        <a:xfrm>
-          <a:off x="0" y="0"/>
-          <a:ext cx="0" cy="0"/>
-          <a:chOff x="0" y="0"/>
-          <a:chExt cx="0" cy="0"/>
-        </a:xfrm>
-      </p:grpSpPr>
-      <p:sp>
-        <p:nvSpPr>
-          <p:cNvPr id="2" name="幻灯片图像占位符 1"/>
-          <p:cNvSpPr>
-            <a:spLocks noGrp="1" noRot="1" noChangeAspect="1"/>
-          </p:cNvSpPr>
-          <p:nvPr>
-            <p:ph type="sldImg"/>
-          </p:nvPr>
-        </p:nvSpPr>
-        <p:spPr/>
-      </p:sp>
-      <p:sp>
-        <p:nvSpPr>
-          <p:cNvPr id="3" name="备注占位符 2"/>
-          <p:cNvSpPr>
-            <a:spLocks noGrp="1"/>
-          </p:cNvSpPr>
-          <p:nvPr>
-            <p:ph type="body" idx="1"/>
-          </p:nvPr>
-        </p:nvSpPr>
-        <p:spPr/>
-        <p:txBody>
-          <a:bodyPr/>
-          <a:lstStyle/>
-          <a:p>
-            <a:endParaRPr lang="zh-CN" altLang="en-US" dirty="0"/>
-          </a:p>
-        </p:txBody>
-      </p:sp>
-      <p:sp>
-        <p:nvSpPr>
-          <p:cNvPr id="4" name="灯片编号占位符 3"/>
-          <p:cNvSpPr>
-            <a:spLocks noGrp="1"/>
-          </p:cNvSpPr>
-          <p:nvPr>
-            <p:ph type="sldNum" sz="quarter" idx="5"/>
-          </p:nvPr>
-        </p:nvSpPr>
-        <p:spPr/>
-        <p:txBody>
-          <a:bodyPr/>
-          <a:lstStyle/>
-          <a:p>
-            <a:fld id="{E39FA662-60CA-45D5-8BB1-0A7D21FB8FF0}" type="slidenum">
-              <a:rPr lang="zh-CN" altLang="en-US" smtClean="0"/>
-              <a:t>20</a:t>
-            </a:fld>
-            <a:endParaRPr lang="zh-CN" altLang="en-US"/>
-          </a:p>
-        </p:txBody>
-      </p:sp>
-    </p:spTree>
-    <p:extLst>
-      <p:ext uri="{BB962C8B-B14F-4D97-AF65-F5344CB8AC3E}">
-        <p14:creationId xmlns:p14="http://schemas.microsoft.com/office/powerpoint/2010/main" val="3344493625"/>
-      </p:ext>
-    </p:extLst>
-  </p:cSld>
-  <p:clrMapOvr>
-    <a:masterClrMapping/>
-  </p:clrMapOvr>
-</p:notes>
-</file>
-
 <file path=ppt/notesSlides/notesSlide3.xml><?xml version="1.0" encoding="utf-8"?>
 <p:notes xmlns:a="http://schemas.openxmlformats.org/drawingml/2006/main" xmlns:r="http://schemas.openxmlformats.org/officeDocument/2006/relationships" xmlns:p="http://schemas.openxmlformats.org/presentationml/2006/main">
   <p:cSld>
@@ -1698,7 +1413,7 @@
     </p:spTree>
     <p:extLst>
       <p:ext uri="{BB962C8B-B14F-4D97-AF65-F5344CB8AC3E}">
-        <p14:creationId xmlns:p14="http://schemas.microsoft.com/office/powerpoint/2010/main" val="2154649929"/>
+        <p14:creationId xmlns:p14="http://schemas.microsoft.com/office/powerpoint/2010/main" val="3399794954"/>
       </p:ext>
     </p:extLst>
   </p:cSld>
@@ -1785,7 +1500,7 @@
     </p:spTree>
     <p:extLst>
       <p:ext uri="{BB962C8B-B14F-4D97-AF65-F5344CB8AC3E}">
-        <p14:creationId xmlns:p14="http://schemas.microsoft.com/office/powerpoint/2010/main" val="3399794954"/>
+        <p14:creationId xmlns:p14="http://schemas.microsoft.com/office/powerpoint/2010/main" val="2839554658"/>
       </p:ext>
     </p:extLst>
   </p:cSld>
@@ -1839,9 +1554,6 @@
           <a:bodyPr/>
           <a:lstStyle/>
           <a:p>
-            <a:pPr marL="228600" indent="-228600">
-              <a:buAutoNum type="arabicPeriod"/>
-            </a:pPr>
             <a:endParaRPr lang="en-US" altLang="zh-CN" dirty="0"/>
           </a:p>
         </p:txBody>
@@ -1872,7 +1584,7 @@
     </p:spTree>
     <p:extLst>
       <p:ext uri="{BB962C8B-B14F-4D97-AF65-F5344CB8AC3E}">
-        <p14:creationId xmlns:p14="http://schemas.microsoft.com/office/powerpoint/2010/main" val="2899707417"/>
+        <p14:creationId xmlns:p14="http://schemas.microsoft.com/office/powerpoint/2010/main" val="1255835210"/>
       </p:ext>
     </p:extLst>
   </p:cSld>
@@ -1959,7 +1671,7 @@
     </p:spTree>
     <p:extLst>
       <p:ext uri="{BB962C8B-B14F-4D97-AF65-F5344CB8AC3E}">
-        <p14:creationId xmlns:p14="http://schemas.microsoft.com/office/powerpoint/2010/main" val="1428298652"/>
+        <p14:creationId xmlns:p14="http://schemas.microsoft.com/office/powerpoint/2010/main" val="2899707417"/>
       </p:ext>
     </p:extLst>
   </p:cSld>
@@ -2013,6 +1725,9 @@
           <a:bodyPr/>
           <a:lstStyle/>
           <a:p>
+            <a:pPr marL="228600" indent="-228600">
+              <a:buAutoNum type="arabicPeriod"/>
+            </a:pPr>
             <a:endParaRPr lang="en-US" altLang="zh-CN" dirty="0"/>
           </a:p>
         </p:txBody>
@@ -2043,7 +1758,7 @@
     </p:spTree>
     <p:extLst>
       <p:ext uri="{BB962C8B-B14F-4D97-AF65-F5344CB8AC3E}">
-        <p14:creationId xmlns:p14="http://schemas.microsoft.com/office/powerpoint/2010/main" val="1896620225"/>
+        <p14:creationId xmlns:p14="http://schemas.microsoft.com/office/powerpoint/2010/main" val="2154649929"/>
       </p:ext>
     </p:extLst>
   </p:cSld>
@@ -2097,6 +1812,9 @@
           <a:bodyPr/>
           <a:lstStyle/>
           <a:p>
+            <a:pPr marL="228600" indent="-228600">
+              <a:buAutoNum type="arabicPeriod"/>
+            </a:pPr>
             <a:endParaRPr lang="en-US" altLang="zh-CN" dirty="0"/>
           </a:p>
         </p:txBody>
@@ -2127,7 +1845,7 @@
     </p:spTree>
     <p:extLst>
       <p:ext uri="{BB962C8B-B14F-4D97-AF65-F5344CB8AC3E}">
-        <p14:creationId xmlns:p14="http://schemas.microsoft.com/office/powerpoint/2010/main" val="3282655697"/>
+        <p14:creationId xmlns:p14="http://schemas.microsoft.com/office/powerpoint/2010/main" val="1428298652"/>
       </p:ext>
     </p:extLst>
   </p:cSld>
@@ -2211,7 +1929,7 @@
     </p:spTree>
     <p:extLst>
       <p:ext uri="{BB962C8B-B14F-4D97-AF65-F5344CB8AC3E}">
-        <p14:creationId xmlns:p14="http://schemas.microsoft.com/office/powerpoint/2010/main" val="1278288585"/>
+        <p14:creationId xmlns:p14="http://schemas.microsoft.com/office/powerpoint/2010/main" val="1896620225"/>
       </p:ext>
     </p:extLst>
   </p:cSld>
@@ -5525,7 +5243,7 @@
                 <a:latin typeface="Consolas" panose="020B0609020204030204" pitchFamily="49" charset="0"/>
                 <a:cs typeface="Times New Roman" panose="02020603050405020304" pitchFamily="18" charset="0"/>
               </a:rPr>
-              <a:t>2023.9.18</a:t>
+              <a:t>2023.11.06</a:t>
             </a:r>
           </a:p>
         </p:txBody>
@@ -5623,8 +5341,8 @@
         </p:nvSpPr>
         <p:spPr>
           <a:xfrm>
-            <a:off x="134577" y="737107"/>
-            <a:ext cx="9524679" cy="5355312"/>
+            <a:off x="149325" y="766604"/>
+            <a:ext cx="6898481" cy="369332"/>
           </a:xfrm>
           <a:prstGeom prst="rect">
             <a:avLst/>
@@ -5640,106 +5358,125 @@
             <a:pPr lvl="1"/>
             <a:r>
               <a:rPr lang="en-US" altLang="zh-CN" dirty="0"/>
-              <a:t>Paper_3: k-Shape</a:t>
-            </a:r>
-          </a:p>
+              <a:t>Paper_2: </a:t>
+            </a:r>
+            <a:r>
+              <a:rPr lang="en-US" altLang="zh-CN" b="1" dirty="0" err="1"/>
+              <a:t>shapeDTW</a:t>
+            </a:r>
+            <a:r>
+              <a:rPr lang="en-US" altLang="zh-CN" b="1" dirty="0"/>
+              <a:t>: shape Dynamic Time Warping</a:t>
+            </a:r>
+          </a:p>
+        </p:txBody>
+      </p:sp>
+      <p:pic>
+        <p:nvPicPr>
+          <p:cNvPr id="10" name="图片 9">
+            <a:extLst>
+              <a:ext uri="{FF2B5EF4-FFF2-40B4-BE49-F238E27FC236}">
+                <a16:creationId xmlns:a16="http://schemas.microsoft.com/office/drawing/2014/main" id="{46A6FE53-CD6F-3661-88B7-280C4DD982E3}"/>
+              </a:ext>
+            </a:extLst>
+          </p:cNvPr>
+          <p:cNvPicPr>
+            <a:picLocks noChangeAspect="1"/>
+          </p:cNvPicPr>
+          <p:nvPr/>
+        </p:nvPicPr>
+        <p:blipFill>
+          <a:blip r:embed="rId3"/>
+          <a:stretch>
+            <a:fillRect/>
+          </a:stretch>
+        </p:blipFill>
+        <p:spPr>
+          <a:xfrm>
+            <a:off x="609599" y="1334624"/>
+            <a:ext cx="9065344" cy="5030418"/>
+          </a:xfrm>
+          <a:prstGeom prst="rect">
+            <a:avLst/>
+          </a:prstGeom>
+        </p:spPr>
+      </p:pic>
+      <p:sp>
+        <p:nvSpPr>
+          <p:cNvPr id="12" name="文本框 11">
+            <a:extLst>
+              <a:ext uri="{FF2B5EF4-FFF2-40B4-BE49-F238E27FC236}">
+                <a16:creationId xmlns:a16="http://schemas.microsoft.com/office/drawing/2014/main" id="{9331A1B9-8A70-9607-2BA3-C39B3D3F1E85}"/>
+              </a:ext>
+            </a:extLst>
+          </p:cNvPr>
+          <p:cNvSpPr txBox="1"/>
+          <p:nvPr/>
+        </p:nvSpPr>
+        <p:spPr>
+          <a:xfrm>
+            <a:off x="9207297" y="2690336"/>
+            <a:ext cx="2984703" cy="1477328"/>
+          </a:xfrm>
+          <a:prstGeom prst="rect">
+            <a:avLst/>
+          </a:prstGeom>
+          <a:noFill/>
+        </p:spPr>
+        <p:txBody>
+          <a:bodyPr wrap="square">
+            <a:spAutoFit/>
+          </a:bodyPr>
+          <a:lstStyle/>
           <a:p>
             <a:pPr lvl="1"/>
-            <a:endParaRPr lang="en-US" altLang="zh-CN" dirty="0"/>
+            <a:r>
+              <a:rPr lang="en-US" altLang="zh-CN" dirty="0"/>
+              <a:t>Shape Descriptors:</a:t>
+            </a:r>
           </a:p>
           <a:p>
             <a:pPr lvl="1"/>
             <a:r>
               <a:rPr lang="en-US" altLang="zh-CN" dirty="0"/>
-              <a:t>NLAAF: Nonlinear alignment and averaging filters</a:t>
+              <a:t>Raw-</a:t>
+            </a:r>
+            <a:r>
+              <a:rPr lang="en-US" altLang="zh-CN" dirty="0" err="1"/>
+              <a:t>Subseq</a:t>
+            </a:r>
+            <a:r>
+              <a:rPr lang="en-US" altLang="zh-CN" dirty="0"/>
+              <a:t>, </a:t>
             </a:r>
           </a:p>
           <a:p>
             <a:pPr lvl="1"/>
-            <a:endParaRPr lang="en-US" altLang="zh-CN" dirty="0"/>
+            <a:r>
+              <a:rPr lang="en-US" altLang="zh-CN" dirty="0"/>
+              <a:t>PAA, DWT, </a:t>
+            </a:r>
           </a:p>
           <a:p>
             <a:pPr lvl="1"/>
-            <a:endParaRPr lang="en-US" altLang="zh-CN" dirty="0"/>
+            <a:r>
+              <a:rPr lang="en-US" altLang="zh-CN" dirty="0"/>
+              <a:t>Slope, HOG1d</a:t>
+            </a:r>
           </a:p>
           <a:p>
             <a:pPr lvl="1"/>
             <a:r>
               <a:rPr lang="en-US" altLang="zh-CN" dirty="0"/>
-              <a:t>PSA: Prioritized shape averaging</a:t>
-            </a:r>
-          </a:p>
-          <a:p>
-            <a:pPr lvl="1"/>
-            <a:endParaRPr lang="en-US" altLang="zh-CN" dirty="0"/>
-          </a:p>
-          <a:p>
-            <a:pPr lvl="1"/>
-            <a:endParaRPr lang="en-US" altLang="zh-CN" dirty="0"/>
-          </a:p>
-          <a:p>
-            <a:pPr lvl="1"/>
-            <a:r>
-              <a:rPr lang="en-US" altLang="zh-CN" dirty="0"/>
-              <a:t>RSTMF: Ranking Shape-based Template Matching Framework</a:t>
-            </a:r>
-          </a:p>
-          <a:p>
-            <a:pPr lvl="1"/>
-            <a:endParaRPr lang="en-US" altLang="zh-CN" dirty="0"/>
-          </a:p>
-          <a:p>
-            <a:pPr lvl="1"/>
-            <a:endParaRPr lang="en-US" altLang="zh-CN" dirty="0"/>
-          </a:p>
-          <a:p>
-            <a:pPr lvl="1"/>
-            <a:r>
-              <a:rPr lang="en-US" altLang="zh-CN" dirty="0"/>
-              <a:t>DBA: Dynamic Time Warping Barycenter Averaging</a:t>
-            </a:r>
-          </a:p>
-          <a:p>
-            <a:pPr lvl="1"/>
-            <a:endParaRPr lang="en-US" altLang="zh-CN" dirty="0"/>
-          </a:p>
-          <a:p>
-            <a:pPr lvl="1"/>
-            <a:endParaRPr lang="en-US" altLang="zh-CN" dirty="0"/>
-          </a:p>
-          <a:p>
-            <a:pPr lvl="1"/>
-            <a:r>
-              <a:rPr lang="en-US" altLang="zh-CN" dirty="0"/>
-              <a:t>KSC: K-Spectral Centroid Clustering</a:t>
-            </a:r>
-          </a:p>
-          <a:p>
-            <a:pPr lvl="1"/>
-            <a:endParaRPr lang="en-US" altLang="zh-CN" dirty="0"/>
-          </a:p>
-          <a:p>
-            <a:pPr lvl="1"/>
-            <a:endParaRPr lang="en-US" altLang="zh-CN" dirty="0"/>
-          </a:p>
-          <a:p>
-            <a:pPr lvl="1"/>
-            <a:r>
-              <a:rPr lang="en-US" altLang="zh-CN" dirty="0"/>
-              <a:t>Matrix Decomposition</a:t>
-            </a:r>
-            <a:endParaRPr lang="zh-CN" altLang="en-US" dirty="0"/>
-          </a:p>
-          <a:p>
-            <a:pPr lvl="1"/>
-            <a:endParaRPr lang="en-US" altLang="zh-CN" dirty="0"/>
+              <a:t>Derivative</a:t>
+            </a:r>
           </a:p>
         </p:txBody>
       </p:sp>
     </p:spTree>
     <p:extLst>
       <p:ext uri="{BB962C8B-B14F-4D97-AF65-F5344CB8AC3E}">
-        <p14:creationId xmlns:p14="http://schemas.microsoft.com/office/powerpoint/2010/main" val="319194230"/>
+        <p14:creationId xmlns:p14="http://schemas.microsoft.com/office/powerpoint/2010/main" val="407941097"/>
       </p:ext>
     </p:extLst>
   </p:cSld>
@@ -5768,6 +5505,357 @@
       </p:grpSpPr>
       <p:sp>
         <p:nvSpPr>
+          <p:cNvPr id="55" name="文本框 54">
+            <a:extLst>
+              <a:ext uri="{FF2B5EF4-FFF2-40B4-BE49-F238E27FC236}">
+                <a16:creationId xmlns:a16="http://schemas.microsoft.com/office/drawing/2014/main" id="{32A2BE86-86A6-F1FC-83EE-91A826B532E5}"/>
+              </a:ext>
+            </a:extLst>
+          </p:cNvPr>
+          <p:cNvSpPr txBox="1"/>
+          <p:nvPr/>
+        </p:nvSpPr>
+        <p:spPr>
+          <a:xfrm>
+            <a:off x="609599" y="106251"/>
+            <a:ext cx="6898481" cy="461665"/>
+          </a:xfrm>
+          <a:prstGeom prst="rect">
+            <a:avLst/>
+          </a:prstGeom>
+          <a:noFill/>
+        </p:spPr>
+        <p:txBody>
+          <a:bodyPr wrap="square" rtlCol="0">
+            <a:spAutoFit/>
+          </a:bodyPr>
+          <a:lstStyle>
+            <a:defPPr>
+              <a:defRPr lang="zh-CN"/>
+            </a:defPPr>
+            <a:lvl1pPr>
+              <a:defRPr sz="2400">
+                <a:latin typeface="Consolas" panose="020B0609020204030204" pitchFamily="49" charset="0"/>
+                <a:cs typeface="Times New Roman" panose="02020603050405020304" pitchFamily="18" charset="0"/>
+              </a:defRPr>
+            </a:lvl1pPr>
+          </a:lstStyle>
+          <a:p>
+            <a:r>
+              <a:rPr lang="en-US" altLang="zh-CN" dirty="0"/>
+              <a:t>Part_2: </a:t>
+            </a:r>
+            <a:r>
+              <a:rPr lang="en-US" altLang="zh-CN" sz="1400" dirty="0"/>
+              <a:t>Paper Reading</a:t>
+            </a:r>
+          </a:p>
+        </p:txBody>
+      </p:sp>
+      <p:sp>
+        <p:nvSpPr>
+          <p:cNvPr id="8" name="文本框 7">
+            <a:extLst>
+              <a:ext uri="{FF2B5EF4-FFF2-40B4-BE49-F238E27FC236}">
+                <a16:creationId xmlns:a16="http://schemas.microsoft.com/office/drawing/2014/main" id="{43ECD4F3-F35E-2206-FF84-688217EDEE5A}"/>
+              </a:ext>
+            </a:extLst>
+          </p:cNvPr>
+          <p:cNvSpPr txBox="1"/>
+          <p:nvPr/>
+        </p:nvSpPr>
+        <p:spPr>
+          <a:xfrm>
+            <a:off x="149325" y="766604"/>
+            <a:ext cx="6898481" cy="923330"/>
+          </a:xfrm>
+          <a:prstGeom prst="rect">
+            <a:avLst/>
+          </a:prstGeom>
+          <a:noFill/>
+        </p:spPr>
+        <p:txBody>
+          <a:bodyPr wrap="square">
+            <a:spAutoFit/>
+          </a:bodyPr>
+          <a:lstStyle/>
+          <a:p>
+            <a:pPr lvl="1"/>
+            <a:r>
+              <a:rPr lang="en-US" altLang="zh-CN" dirty="0"/>
+              <a:t>Paper_2: </a:t>
+            </a:r>
+            <a:r>
+              <a:rPr lang="en-US" altLang="zh-CN" b="1" dirty="0" err="1"/>
+              <a:t>shapeDTW</a:t>
+            </a:r>
+            <a:r>
+              <a:rPr lang="en-US" altLang="zh-CN" b="1" dirty="0"/>
+              <a:t>: shape Dynamic Time Warping</a:t>
+            </a:r>
+          </a:p>
+          <a:p>
+            <a:pPr lvl="1"/>
+            <a:endParaRPr lang="en-US" altLang="zh-CN" dirty="0"/>
+          </a:p>
+          <a:p>
+            <a:pPr lvl="1"/>
+            <a:endParaRPr lang="en-US" altLang="zh-CN" dirty="0"/>
+          </a:p>
+        </p:txBody>
+      </p:sp>
+      <p:pic>
+        <p:nvPicPr>
+          <p:cNvPr id="7" name="图片 6">
+            <a:extLst>
+              <a:ext uri="{FF2B5EF4-FFF2-40B4-BE49-F238E27FC236}">
+                <a16:creationId xmlns:a16="http://schemas.microsoft.com/office/drawing/2014/main" id="{9F094601-D591-B9C0-8940-A7AA1C807275}"/>
+              </a:ext>
+            </a:extLst>
+          </p:cNvPr>
+          <p:cNvPicPr>
+            <a:picLocks noChangeAspect="1"/>
+          </p:cNvPicPr>
+          <p:nvPr/>
+        </p:nvPicPr>
+        <p:blipFill>
+          <a:blip r:embed="rId3"/>
+          <a:stretch>
+            <a:fillRect/>
+          </a:stretch>
+        </p:blipFill>
+        <p:spPr>
+          <a:xfrm>
+            <a:off x="0" y="1431469"/>
+            <a:ext cx="12192000" cy="4543245"/>
+          </a:xfrm>
+          <a:prstGeom prst="rect">
+            <a:avLst/>
+          </a:prstGeom>
+        </p:spPr>
+      </p:pic>
+    </p:spTree>
+    <p:extLst>
+      <p:ext uri="{BB962C8B-B14F-4D97-AF65-F5344CB8AC3E}">
+        <p14:creationId xmlns:p14="http://schemas.microsoft.com/office/powerpoint/2010/main" val="3554012306"/>
+      </p:ext>
+    </p:extLst>
+  </p:cSld>
+  <p:clrMapOvr>
+    <a:masterClrMapping/>
+  </p:clrMapOvr>
+</p:sld>
+</file>
+
+<file path=ppt/slides/slide12.xml><?xml version="1.0" encoding="utf-8"?>
+<p:sld xmlns:a="http://schemas.openxmlformats.org/drawingml/2006/main" xmlns:r="http://schemas.openxmlformats.org/officeDocument/2006/relationships" xmlns:p="http://schemas.openxmlformats.org/presentationml/2006/main">
+  <p:cSld>
+    <p:spTree>
+      <p:nvGrpSpPr>
+        <p:cNvPr id="1" name=""/>
+        <p:cNvGrpSpPr/>
+        <p:nvPr/>
+      </p:nvGrpSpPr>
+      <p:grpSpPr>
+        <a:xfrm>
+          <a:off x="0" y="0"/>
+          <a:ext cx="0" cy="0"/>
+          <a:chOff x="0" y="0"/>
+          <a:chExt cx="0" cy="0"/>
+        </a:xfrm>
+      </p:grpSpPr>
+      <p:sp>
+        <p:nvSpPr>
+          <p:cNvPr id="55" name="文本框 54">
+            <a:extLst>
+              <a:ext uri="{FF2B5EF4-FFF2-40B4-BE49-F238E27FC236}">
+                <a16:creationId xmlns:a16="http://schemas.microsoft.com/office/drawing/2014/main" id="{32A2BE86-86A6-F1FC-83EE-91A826B532E5}"/>
+              </a:ext>
+            </a:extLst>
+          </p:cNvPr>
+          <p:cNvSpPr txBox="1"/>
+          <p:nvPr/>
+        </p:nvSpPr>
+        <p:spPr>
+          <a:xfrm>
+            <a:off x="609599" y="106251"/>
+            <a:ext cx="6898481" cy="461665"/>
+          </a:xfrm>
+          <a:prstGeom prst="rect">
+            <a:avLst/>
+          </a:prstGeom>
+          <a:noFill/>
+        </p:spPr>
+        <p:txBody>
+          <a:bodyPr wrap="square" rtlCol="0">
+            <a:spAutoFit/>
+          </a:bodyPr>
+          <a:lstStyle>
+            <a:defPPr>
+              <a:defRPr lang="zh-CN"/>
+            </a:defPPr>
+            <a:lvl1pPr>
+              <a:defRPr sz="2400">
+                <a:latin typeface="Consolas" panose="020B0609020204030204" pitchFamily="49" charset="0"/>
+                <a:cs typeface="Times New Roman" panose="02020603050405020304" pitchFamily="18" charset="0"/>
+              </a:defRPr>
+            </a:lvl1pPr>
+          </a:lstStyle>
+          <a:p>
+            <a:r>
+              <a:rPr lang="en-US" altLang="zh-CN" dirty="0"/>
+              <a:t>Part_2: </a:t>
+            </a:r>
+            <a:r>
+              <a:rPr lang="en-US" altLang="zh-CN" sz="1400" dirty="0"/>
+              <a:t>Paper Reading</a:t>
+            </a:r>
+          </a:p>
+        </p:txBody>
+      </p:sp>
+      <p:sp>
+        <p:nvSpPr>
+          <p:cNvPr id="8" name="文本框 7">
+            <a:extLst>
+              <a:ext uri="{FF2B5EF4-FFF2-40B4-BE49-F238E27FC236}">
+                <a16:creationId xmlns:a16="http://schemas.microsoft.com/office/drawing/2014/main" id="{43ECD4F3-F35E-2206-FF84-688217EDEE5A}"/>
+              </a:ext>
+            </a:extLst>
+          </p:cNvPr>
+          <p:cNvSpPr txBox="1"/>
+          <p:nvPr/>
+        </p:nvSpPr>
+        <p:spPr>
+          <a:xfrm>
+            <a:off x="830825" y="1166842"/>
+            <a:ext cx="9524679" cy="4524315"/>
+          </a:xfrm>
+          <a:prstGeom prst="rect">
+            <a:avLst/>
+          </a:prstGeom>
+          <a:noFill/>
+        </p:spPr>
+        <p:txBody>
+          <a:bodyPr wrap="square">
+            <a:spAutoFit/>
+          </a:bodyPr>
+          <a:lstStyle/>
+          <a:p>
+            <a:pPr lvl="1"/>
+            <a:r>
+              <a:rPr lang="en-US" altLang="zh-CN" b="1" dirty="0"/>
+              <a:t>Paper_3: k-Shape</a:t>
+            </a:r>
+          </a:p>
+          <a:p>
+            <a:pPr lvl="1"/>
+            <a:endParaRPr lang="en-US" altLang="zh-CN" dirty="0"/>
+          </a:p>
+          <a:p>
+            <a:pPr lvl="1"/>
+            <a:endParaRPr lang="en-US" altLang="zh-CN" dirty="0"/>
+          </a:p>
+          <a:p>
+            <a:pPr lvl="1"/>
+            <a:r>
+              <a:rPr lang="en-US" altLang="zh-CN" dirty="0"/>
+              <a:t>NLAAF: Nonlinear alignment and averaging filters</a:t>
+            </a:r>
+          </a:p>
+          <a:p>
+            <a:pPr lvl="1"/>
+            <a:endParaRPr lang="en-US" altLang="zh-CN" dirty="0"/>
+          </a:p>
+          <a:p>
+            <a:pPr lvl="1"/>
+            <a:endParaRPr lang="en-US" altLang="zh-CN" dirty="0"/>
+          </a:p>
+          <a:p>
+            <a:pPr lvl="1"/>
+            <a:r>
+              <a:rPr lang="en-US" altLang="zh-CN" dirty="0"/>
+              <a:t>PSA: Prioritized shape averaging</a:t>
+            </a:r>
+          </a:p>
+          <a:p>
+            <a:pPr lvl="1"/>
+            <a:endParaRPr lang="en-US" altLang="zh-CN" dirty="0"/>
+          </a:p>
+          <a:p>
+            <a:pPr lvl="1"/>
+            <a:endParaRPr lang="en-US" altLang="zh-CN" dirty="0"/>
+          </a:p>
+          <a:p>
+            <a:pPr lvl="1"/>
+            <a:r>
+              <a:rPr lang="en-US" altLang="zh-CN" dirty="0"/>
+              <a:t>RSTMF: Ranking Shape-based Template Matching Framework</a:t>
+            </a:r>
+          </a:p>
+          <a:p>
+            <a:pPr lvl="1"/>
+            <a:endParaRPr lang="en-US" altLang="zh-CN" dirty="0"/>
+          </a:p>
+          <a:p>
+            <a:pPr lvl="1"/>
+            <a:endParaRPr lang="en-US" altLang="zh-CN" dirty="0"/>
+          </a:p>
+          <a:p>
+            <a:pPr lvl="1"/>
+            <a:r>
+              <a:rPr lang="en-US" altLang="zh-CN" dirty="0"/>
+              <a:t>DBA: Dynamic Time Warping Barycenter Averaging</a:t>
+            </a:r>
+          </a:p>
+          <a:p>
+            <a:pPr lvl="1"/>
+            <a:endParaRPr lang="en-US" altLang="zh-CN" dirty="0"/>
+          </a:p>
+          <a:p>
+            <a:pPr lvl="1"/>
+            <a:endParaRPr lang="en-US" altLang="zh-CN" dirty="0"/>
+          </a:p>
+          <a:p>
+            <a:pPr lvl="1"/>
+            <a:r>
+              <a:rPr lang="en-US" altLang="zh-CN" dirty="0"/>
+              <a:t>KSC: K-Spectral Centroid Clustering</a:t>
+            </a:r>
+          </a:p>
+        </p:txBody>
+      </p:sp>
+    </p:spTree>
+    <p:extLst>
+      <p:ext uri="{BB962C8B-B14F-4D97-AF65-F5344CB8AC3E}">
+        <p14:creationId xmlns:p14="http://schemas.microsoft.com/office/powerpoint/2010/main" val="319194230"/>
+      </p:ext>
+    </p:extLst>
+  </p:cSld>
+  <p:clrMapOvr>
+    <a:masterClrMapping/>
+  </p:clrMapOvr>
+</p:sld>
+</file>
+
+<file path=ppt/slides/slide13.xml><?xml version="1.0" encoding="utf-8"?>
+<p:sld xmlns:a="http://schemas.openxmlformats.org/drawingml/2006/main" xmlns:r="http://schemas.openxmlformats.org/officeDocument/2006/relationships" xmlns:p="http://schemas.openxmlformats.org/presentationml/2006/main">
+  <p:cSld>
+    <p:spTree>
+      <p:nvGrpSpPr>
+        <p:cNvPr id="1" name=""/>
+        <p:cNvGrpSpPr/>
+        <p:nvPr/>
+      </p:nvGrpSpPr>
+      <p:grpSpPr>
+        <a:xfrm>
+          <a:off x="0" y="0"/>
+          <a:ext cx="0" cy="0"/>
+          <a:chOff x="0" y="0"/>
+          <a:chExt cx="0" cy="0"/>
+        </a:xfrm>
+      </p:grpSpPr>
+      <p:sp>
+        <p:nvSpPr>
           <p:cNvPr id="63" name="文本框 62">
             <a:extLst>
               <a:ext uri="{FF2B5EF4-FFF2-40B4-BE49-F238E27FC236}">
@@ -5830,7 +5918,7 @@
         <p:spPr>
           <a:xfrm>
             <a:off x="703943" y="776514"/>
-            <a:ext cx="10522857" cy="2862322"/>
+            <a:ext cx="10522857" cy="2923877"/>
           </a:xfrm>
           <a:prstGeom prst="rect">
             <a:avLst/>
@@ -5844,16 +5932,9 @@
           <a:lstStyle/>
           <a:p>
             <a:r>
-              <a:rPr lang="zh-CN" altLang="en-US" dirty="0"/>
-              <a:t>已经完成的</a:t>
-            </a:r>
-            <a:r>
-              <a:rPr lang="en-US" altLang="zh-CN" dirty="0"/>
-              <a:t>:</a:t>
-            </a:r>
-          </a:p>
-          <a:p>
-            <a:endParaRPr lang="en-US" altLang="zh-CN" dirty="0"/>
+              <a:rPr lang="en-US" altLang="zh-CN" sz="2000" b="1" dirty="0"/>
+              <a:t>Completed theoretical studies:</a:t>
+            </a:r>
           </a:p>
           <a:p>
             <a:pPr marL="342900" indent="-342900">
@@ -5884,13 +5965,18 @@
           </a:p>
           <a:p>
             <a:r>
-              <a:rPr lang="zh-CN" altLang="en-US" dirty="0"/>
-              <a:t>接下来打算做的：</a:t>
-            </a:r>
-            <a:endParaRPr lang="en-US" altLang="zh-CN" dirty="0"/>
+              <a:rPr lang="en-US" altLang="zh-CN" sz="2000" b="1" dirty="0"/>
+              <a:t>Theoretical studies I plan to undertake next.</a:t>
+            </a:r>
+            <a:r>
+              <a:rPr lang="zh-CN" altLang="en-US" sz="2000" b="1" dirty="0"/>
+              <a:t>：</a:t>
+            </a:r>
+            <a:endParaRPr lang="en-US" altLang="zh-CN" sz="2000" b="1" dirty="0"/>
           </a:p>
           <a:p>
             <a:pPr marL="342900" indent="-342900">
+              <a:buFontTx/>
               <a:buAutoNum type="arabicPeriod"/>
             </a:pPr>
             <a:r>
@@ -5899,40 +5985,49 @@
             </a:r>
             <a:r>
               <a:rPr lang="en-US" altLang="zh-CN" dirty="0"/>
-              <a:t>I</a:t>
-            </a:r>
-          </a:p>
-          <a:p>
-            <a:pPr marL="342900" indent="-342900">
-              <a:buAutoNum type="arabicPeriod"/>
-            </a:pPr>
-            <a:r>
-              <a:rPr lang="zh-CN" altLang="en-US" dirty="0"/>
-              <a:t>现在数字信号处理</a:t>
-            </a:r>
-            <a:r>
-              <a:rPr lang="en-US" altLang="zh-CN" dirty="0"/>
-              <a:t>II </a:t>
-            </a:r>
-          </a:p>
-          <a:p>
-            <a:r>
-              <a:rPr lang="en-US" altLang="zh-CN" dirty="0"/>
-              <a:t>(</a:t>
+              <a:t>I  </a:t>
             </a:r>
             <a:r>
               <a:rPr lang="zh-CN" altLang="en-US" b="0" i="0" dirty="0">
-                <a:solidFill>
-                  <a:srgbClr val="18191C"/>
-                </a:solidFill>
                 <a:effectLst/>
                 <a:latin typeface="PingFang SC"/>
               </a:rPr>
-              <a:t>列信号处理、时频分析、压缩感知、贝叶斯方法</a:t>
+              <a:t>张颢</a:t>
+            </a:r>
+            <a:endParaRPr lang="en-US" altLang="zh-CN" dirty="0"/>
+          </a:p>
+          <a:p>
+            <a:pPr marL="342900" indent="-342900">
+              <a:buFontTx/>
+              <a:buAutoNum type="arabicPeriod"/>
+            </a:pPr>
+            <a:r>
+              <a:rPr lang="zh-CN" altLang="en-US" dirty="0"/>
+              <a:t>现在数字信号处理</a:t>
             </a:r>
             <a:r>
               <a:rPr lang="en-US" altLang="zh-CN" dirty="0"/>
-              <a:t>)</a:t>
+              <a:t>II </a:t>
+            </a:r>
+            <a:r>
+              <a:rPr lang="zh-CN" altLang="en-US" b="0" i="0" dirty="0">
+                <a:effectLst/>
+                <a:latin typeface="PingFang SC"/>
+              </a:rPr>
+              <a:t>张颢</a:t>
+            </a:r>
+            <a:endParaRPr lang="en-US" altLang="zh-CN" dirty="0"/>
+          </a:p>
+          <a:p>
+            <a:r>
+              <a:rPr lang="en-US" altLang="zh-CN" dirty="0"/>
+              <a:t>(Array signal processing, time-frequency analysis, </a:t>
+            </a:r>
+          </a:p>
+          <a:p>
+            <a:r>
+              <a:rPr lang="en-US" altLang="zh-CN" dirty="0"/>
+              <a:t>compressive sensing, Bayesian methods)</a:t>
             </a:r>
           </a:p>
         </p:txBody>
@@ -5958,7 +6053,7 @@
         </p:blipFill>
         <p:spPr>
           <a:xfrm>
-            <a:off x="8249720" y="2125666"/>
+            <a:off x="8099579" y="2443670"/>
             <a:ext cx="1630118" cy="2740993"/>
           </a:xfrm>
           <a:prstGeom prst="rect">
@@ -5987,7 +6082,7 @@
         </p:blipFill>
         <p:spPr>
           <a:xfrm>
-            <a:off x="9879838" y="2125667"/>
+            <a:off x="9739729" y="2443670"/>
             <a:ext cx="2312162" cy="2740993"/>
           </a:xfrm>
           <a:prstGeom prst="rect">
@@ -6009,8 +6104,8 @@
         </p:nvSpPr>
         <p:spPr>
           <a:xfrm>
-            <a:off x="703944" y="3989496"/>
-            <a:ext cx="5829592" cy="1754326"/>
+            <a:off x="703943" y="4141234"/>
+            <a:ext cx="7142199" cy="2062103"/>
           </a:xfrm>
           <a:prstGeom prst="rect">
             <a:avLst/>
@@ -6024,64 +6119,34 @@
           <a:lstStyle/>
           <a:p>
             <a:r>
-              <a:rPr lang="zh-CN" altLang="en-US" dirty="0"/>
-              <a:t>接来下的科研方向：</a:t>
+              <a:rPr lang="en-US" altLang="zh-CN" sz="2000" b="1" dirty="0"/>
+              <a:t>Next research directions:</a:t>
             </a:r>
             <a:endParaRPr lang="en-US" altLang="zh-CN" dirty="0"/>
           </a:p>
           <a:p>
-            <a:pPr marL="342900" indent="-342900">
-              <a:buAutoNum type="arabicPeriod"/>
-            </a:pPr>
-            <a:r>
-              <a:rPr lang="zh-CN" altLang="en-US" dirty="0"/>
-              <a:t>对</a:t>
-            </a:r>
             <a:r>
               <a:rPr lang="en-US" altLang="zh-CN" dirty="0"/>
-              <a:t>K-shape</a:t>
-            </a:r>
-            <a:r>
-              <a:rPr lang="zh-CN" altLang="en-US" dirty="0"/>
-              <a:t>中提及的方法进行进一步的尝试</a:t>
-            </a:r>
-            <a:endParaRPr lang="en-US" altLang="zh-CN" dirty="0"/>
-          </a:p>
-          <a:p>
-            <a:pPr marL="342900" indent="-342900">
-              <a:buAutoNum type="arabicPeriod"/>
-            </a:pPr>
-            <a:r>
-              <a:rPr lang="zh-CN" altLang="en-US" dirty="0"/>
-              <a:t>在数据挖掘期刊中，进一步寻找最新的方法</a:t>
-            </a:r>
-            <a:endParaRPr lang="en-US" altLang="zh-CN" dirty="0"/>
-          </a:p>
-          <a:p>
-            <a:pPr marL="342900" indent="-342900">
-              <a:buAutoNum type="arabicPeriod"/>
-            </a:pPr>
-            <a:r>
-              <a:rPr lang="zh-CN" altLang="en-US" dirty="0"/>
-              <a:t>寻找能对频域进行有效分解的算法</a:t>
-            </a:r>
-            <a:endParaRPr lang="en-US" altLang="zh-CN" dirty="0"/>
-          </a:p>
-          <a:p>
-            <a:pPr marL="342900" indent="-342900">
-              <a:buAutoNum type="arabicPeriod"/>
-            </a:pPr>
-            <a:r>
-              <a:rPr lang="zh-CN" altLang="en-US" dirty="0"/>
-              <a:t>慢慢探索真实数据集</a:t>
-            </a:r>
-            <a:endParaRPr lang="en-US" altLang="zh-CN" dirty="0"/>
-          </a:p>
-          <a:p>
-            <a:pPr marL="342900" indent="-342900">
-              <a:buAutoNum type="arabicPeriod"/>
-            </a:pPr>
-            <a:endParaRPr lang="en-US" altLang="zh-CN" dirty="0"/>
+              <a:t>1. Further exploration of methods mentioned in K-shape.</a:t>
+            </a:r>
+          </a:p>
+          <a:p>
+            <a:r>
+              <a:rPr lang="en-US" altLang="zh-CN" dirty="0"/>
+              <a:t>2. Seek out latest methods in data mining journals.</a:t>
+            </a:r>
+          </a:p>
+          <a:p>
+            <a:r>
+              <a:rPr lang="en-US" altLang="zh-CN" dirty="0"/>
+              <a:t>3. Search for algorithms that can effectively decompose the frequency domain.</a:t>
+            </a:r>
+          </a:p>
+          <a:p>
+            <a:r>
+              <a:rPr lang="en-US" altLang="zh-CN" dirty="0"/>
+              <a:t>4. Gradually explore real datasets based on the laboratory's research papers.</a:t>
+            </a:r>
           </a:p>
         </p:txBody>
       </p:sp>
@@ -6098,7 +6163,7 @@
 </p:sld>
 </file>
 
-<file path=ppt/slides/slide12.xml><?xml version="1.0" encoding="utf-8"?>
+<file path=ppt/slides/slide14.xml><?xml version="1.0" encoding="utf-8"?>
 <p:sld xmlns:a="http://schemas.openxmlformats.org/drawingml/2006/main" xmlns:r="http://schemas.openxmlformats.org/officeDocument/2006/relationships" xmlns:p="http://schemas.openxmlformats.org/presentationml/2006/main">
   <p:cSld>
     <p:spTree>
@@ -6191,7 +6256,7 @@
           <a:p>
             <a:r>
               <a:rPr lang="en-US" altLang="zh-CN" dirty="0"/>
-              <a:t>I hope it is a framework for any periodic physical signal</a:t>
+              <a:t>I hope it is a framework for any periodic physical signal.</a:t>
             </a:r>
           </a:p>
         </p:txBody>
@@ -6210,7 +6275,7 @@
         </p:nvSpPr>
         <p:spPr>
           <a:xfrm>
-            <a:off x="3365363" y="1977597"/>
+            <a:off x="3368911" y="1981769"/>
             <a:ext cx="2544097" cy="1106129"/>
           </a:xfrm>
           <a:prstGeom prst="rect">
@@ -6274,7 +6339,7 @@
         </p:nvSpPr>
         <p:spPr>
           <a:xfrm>
-            <a:off x="6781799" y="1976283"/>
+            <a:off x="6941684" y="1981401"/>
             <a:ext cx="2544097" cy="1106129"/>
           </a:xfrm>
           <a:prstGeom prst="rect">
@@ -6341,8 +6406,8 @@
         </p:nvCxnSpPr>
         <p:spPr>
           <a:xfrm flipV="1">
-            <a:off x="5909460" y="2529348"/>
-            <a:ext cx="872339" cy="1314"/>
+            <a:off x="5913008" y="2534466"/>
+            <a:ext cx="1028676" cy="368"/>
           </a:xfrm>
           <a:prstGeom prst="straightConnector1">
             <a:avLst/>
@@ -6382,7 +6447,7 @@
         </p:nvCxnSpPr>
         <p:spPr>
           <a:xfrm>
-            <a:off x="9325896" y="2529348"/>
+            <a:off x="9485781" y="2534466"/>
             <a:ext cx="820993" cy="0"/>
           </a:xfrm>
           <a:prstGeom prst="straightConnector1">
@@ -6424,7 +6489,7 @@
         </p:nvCxnSpPr>
         <p:spPr>
           <a:xfrm>
-            <a:off x="2414091" y="2530662"/>
+            <a:off x="2417639" y="2534834"/>
             <a:ext cx="951272" cy="0"/>
           </a:xfrm>
           <a:prstGeom prst="straightConnector1">
@@ -6463,7 +6528,7 @@
         </p:nvGrpSpPr>
         <p:grpSpPr>
           <a:xfrm>
-            <a:off x="248877" y="2248872"/>
+            <a:off x="408762" y="2253990"/>
             <a:ext cx="2215945" cy="560950"/>
             <a:chOff x="195416" y="2868049"/>
             <a:chExt cx="2287228" cy="1129275"/>
@@ -7234,7 +7299,7 @@
         </p:nvSpPr>
         <p:spPr>
           <a:xfrm>
-            <a:off x="10389502" y="2033722"/>
+            <a:off x="10549387" y="2038840"/>
             <a:ext cx="1215401" cy="980768"/>
           </a:xfrm>
           <a:custGeom>
@@ -7359,8 +7424,8 @@
         </p:nvSpPr>
         <p:spPr>
           <a:xfrm>
-            <a:off x="1275735" y="3370006"/>
-            <a:ext cx="8930149" cy="923330"/>
+            <a:off x="1148204" y="3222480"/>
+            <a:ext cx="10154265" cy="1477328"/>
           </a:xfrm>
           <a:prstGeom prst="rect">
             <a:avLst/>
@@ -7374,30 +7439,27 @@
           <a:lstStyle/>
           <a:p>
             <a:r>
-              <a:rPr lang="zh-CN" altLang="en-US" dirty="0"/>
-              <a:t>真正实现起来的效果：</a:t>
-            </a:r>
-            <a:endParaRPr lang="en-US" altLang="zh-CN" dirty="0"/>
+              <a:rPr lang="en-US" altLang="zh-CN" dirty="0"/>
+              <a:t>The actual achieved results should be as follows:</a:t>
+            </a:r>
           </a:p>
           <a:p>
             <a:pPr marL="342900" indent="-342900">
               <a:buAutoNum type="arabicPeriod"/>
             </a:pPr>
             <a:r>
-              <a:rPr lang="zh-CN" altLang="en-US" dirty="0"/>
-              <a:t>即使分隔的一塌糊涂，也能合成一个还算可以的信号</a:t>
-            </a:r>
-            <a:endParaRPr lang="en-US" altLang="zh-CN" dirty="0"/>
+              <a:rPr lang="en-US" altLang="zh-CN" dirty="0"/>
+              <a:t>Even when segmentation is only possible based on the periodic length, it's possible to synthesize a reasonably good signal. </a:t>
+            </a:r>
           </a:p>
           <a:p>
             <a:pPr marL="342900" indent="-342900">
               <a:buAutoNum type="arabicPeriod"/>
             </a:pPr>
             <a:r>
-              <a:rPr lang="zh-CN" altLang="en-US" dirty="0"/>
-              <a:t>同时，如果能在分隔过程中产生更多的信息，那么模板合成的会更加好。</a:t>
-            </a:r>
-            <a:endParaRPr lang="en-US" altLang="zh-CN" dirty="0"/>
+              <a:rPr lang="en-US" altLang="zh-CN" dirty="0"/>
+              <a:t>If more information can be generated during the segmentation process, the template synthesis will be even better.</a:t>
+            </a:r>
           </a:p>
         </p:txBody>
       </p:sp>
@@ -11725,7 +11787,7 @@
 </p:sld>
 </file>
 
-<file path=ppt/slides/slide13.xml><?xml version="1.0" encoding="utf-8"?>
+<file path=ppt/slides/slide15.xml><?xml version="1.0" encoding="utf-8"?>
 <p:sld xmlns:a="http://schemas.openxmlformats.org/drawingml/2006/main" xmlns:r="http://schemas.openxmlformats.org/officeDocument/2006/relationships" xmlns:p="http://schemas.openxmlformats.org/presentationml/2006/main">
   <p:cSld>
     <p:spTree>
@@ -11802,8 +11864,8 @@
         </p:nvSpPr>
         <p:spPr>
           <a:xfrm>
-            <a:off x="1122219" y="1228397"/>
-            <a:ext cx="10111839" cy="3693319"/>
+            <a:off x="1122219" y="1184152"/>
+            <a:ext cx="10111839" cy="5355312"/>
           </a:xfrm>
           <a:prstGeom prst="rect">
             <a:avLst/>
@@ -11828,7 +11890,7 @@
             </a:pPr>
             <a:r>
               <a:rPr lang="en-US" altLang="zh-CN" dirty="0"/>
-              <a:t>In our laboratory paper, does the deep learning model also have data shift in its dataset? I have built an identical model, but it doesn't work.</a:t>
+              <a:t>Do you think what I just said has any research value, or if it's implemented, does it make sense?</a:t>
             </a:r>
           </a:p>
           <a:p>
@@ -11838,24 +11900,40 @@
             <a:endParaRPr lang="en-US" altLang="zh-CN" dirty="0"/>
           </a:p>
           <a:p>
+            <a:pPr marL="342900" indent="-342900">
+              <a:buAutoNum type="arabicPeriod"/>
+            </a:pPr>
+            <a:endParaRPr lang="en-US" altLang="zh-CN" dirty="0"/>
+          </a:p>
+          <a:p>
             <a:r>
               <a:rPr lang="en-US" altLang="zh-CN" dirty="0"/>
-              <a:t>2. Regarding the proposal presentation, Professor Xie's advice is to approach it from a more general perspective. For instance, what I should write about is how to perform the extraction of a standard template from a periodic physical signal, then elucidate my methodology, and in the experimental section, validate it using our SCG signal or BCG signal.</a:t>
+              <a:t>2. In our laboratory paper, does the deep learning model also have data shift in its dataset? I have built an identical model, but it doesn't work.</a:t>
             </a:r>
           </a:p>
           <a:p>
             <a:endParaRPr lang="en-US" altLang="zh-CN" dirty="0"/>
           </a:p>
           <a:p>
+            <a:endParaRPr lang="en-US" altLang="zh-CN" dirty="0"/>
+          </a:p>
+          <a:p>
             <a:r>
               <a:rPr lang="en-US" altLang="zh-CN" dirty="0"/>
-              <a:t>3. In the current thesis, when mentioning 'Time Alignment' or 'DTW,' they are often used for clustering, classification, and data argumentation. Can we refer to the current work as 'DTW for Regression'? </a:t>
-            </a:r>
-            <a:r>
-              <a:rPr lang="en-US" altLang="zh-CN"/>
-              <a:t>Compared to 'DTW for Classification,' 'DTW for Regression' has a distinct focus.</a:t>
-            </a:r>
-            <a:endParaRPr lang="en-US" altLang="zh-CN" sz="1600" dirty="0"/>
+              <a:t>3. Regarding the proposal presentation, Professor Xie's advice is to approach it from a more general perspective. For instance, what I should write about is how to perform the extraction of a standard template from a periodic physical signal, then elucidate my methodology, and in the experimental section, validate it using our SCG signal or BCG signal.</a:t>
+            </a:r>
+          </a:p>
+          <a:p>
+            <a:endParaRPr lang="en-US" altLang="zh-CN" dirty="0"/>
+          </a:p>
+          <a:p>
+            <a:endParaRPr lang="en-US" altLang="zh-CN" dirty="0"/>
+          </a:p>
+          <a:p>
+            <a:r>
+              <a:rPr lang="en-US" altLang="zh-CN" dirty="0"/>
+              <a:t>4. In the current thesis, when mentioning 'Time Alignment' or 'DTW,' they are often used for clustering, classification, and data argumentation. Can we refer to the current work as 'DTW for Regression'? Compared to 'DTW for Classification,' 'DTW for Regression' has a distinct focus.</a:t>
+            </a:r>
           </a:p>
         </p:txBody>
       </p:sp>
@@ -11863,1396 +11941,6 @@
     <p:extLst>
       <p:ext uri="{BB962C8B-B14F-4D97-AF65-F5344CB8AC3E}">
         <p14:creationId xmlns:p14="http://schemas.microsoft.com/office/powerpoint/2010/main" val="1125496112"/>
-      </p:ext>
-    </p:extLst>
-  </p:cSld>
-  <p:clrMapOvr>
-    <a:masterClrMapping/>
-  </p:clrMapOvr>
-</p:sld>
-</file>
-
-<file path=ppt/slides/slide14.xml><?xml version="1.0" encoding="utf-8"?>
-<p:sld xmlns:a="http://schemas.openxmlformats.org/drawingml/2006/main" xmlns:r="http://schemas.openxmlformats.org/officeDocument/2006/relationships" xmlns:p="http://schemas.openxmlformats.org/presentationml/2006/main">
-  <p:cSld>
-    <p:spTree>
-      <p:nvGrpSpPr>
-        <p:cNvPr id="1" name=""/>
-        <p:cNvGrpSpPr/>
-        <p:nvPr/>
-      </p:nvGrpSpPr>
-      <p:grpSpPr>
-        <a:xfrm>
-          <a:off x="0" y="0"/>
-          <a:ext cx="0" cy="0"/>
-          <a:chOff x="0" y="0"/>
-          <a:chExt cx="0" cy="0"/>
-        </a:xfrm>
-      </p:grpSpPr>
-      <p:sp>
-        <p:nvSpPr>
-          <p:cNvPr id="55" name="文本框 54">
-            <a:extLst>
-              <a:ext uri="{FF2B5EF4-FFF2-40B4-BE49-F238E27FC236}">
-                <a16:creationId xmlns:a16="http://schemas.microsoft.com/office/drawing/2014/main" id="{32A2BE86-86A6-F1FC-83EE-91A826B532E5}"/>
-              </a:ext>
-            </a:extLst>
-          </p:cNvPr>
-          <p:cNvSpPr txBox="1"/>
-          <p:nvPr/>
-        </p:nvSpPr>
-        <p:spPr>
-          <a:xfrm>
-            <a:off x="609599" y="106251"/>
-            <a:ext cx="5382827" cy="461665"/>
-          </a:xfrm>
-          <a:prstGeom prst="rect">
-            <a:avLst/>
-          </a:prstGeom>
-          <a:noFill/>
-        </p:spPr>
-        <p:txBody>
-          <a:bodyPr wrap="square" rtlCol="0">
-            <a:spAutoFit/>
-          </a:bodyPr>
-          <a:lstStyle>
-            <a:defPPr>
-              <a:defRPr lang="zh-CN"/>
-            </a:defPPr>
-            <a:lvl1pPr>
-              <a:defRPr sz="2400">
-                <a:latin typeface="Consolas" panose="020B0609020204030204" pitchFamily="49" charset="0"/>
-                <a:cs typeface="Times New Roman" panose="02020603050405020304" pitchFamily="18" charset="0"/>
-              </a:defRPr>
-            </a:lvl1pPr>
-          </a:lstStyle>
-          <a:p>
-            <a:r>
-              <a:rPr lang="en-US" altLang="zh-CN" dirty="0"/>
-              <a:t>Work_3: </a:t>
-            </a:r>
-            <a:r>
-              <a:rPr lang="en-US" altLang="zh-CN" sz="1400" dirty="0"/>
-              <a:t>Obtaining Template</a:t>
-            </a:r>
-          </a:p>
-        </p:txBody>
-      </p:sp>
-      <p:sp>
-        <p:nvSpPr>
-          <p:cNvPr id="6" name="文本框 5">
-            <a:extLst>
-              <a:ext uri="{FF2B5EF4-FFF2-40B4-BE49-F238E27FC236}">
-                <a16:creationId xmlns:a16="http://schemas.microsoft.com/office/drawing/2014/main" id="{CB57B3DA-EA77-30D0-42EE-7EE902C6E4E9}"/>
-              </a:ext>
-            </a:extLst>
-          </p:cNvPr>
-          <p:cNvSpPr txBox="1"/>
-          <p:nvPr/>
-        </p:nvSpPr>
-        <p:spPr>
-          <a:xfrm>
-            <a:off x="1633999" y="833120"/>
-            <a:ext cx="8924000" cy="2308324"/>
-          </a:xfrm>
-          <a:prstGeom prst="rect">
-            <a:avLst/>
-          </a:prstGeom>
-          <a:noFill/>
-        </p:spPr>
-        <p:txBody>
-          <a:bodyPr wrap="square" rtlCol="0">
-            <a:spAutoFit/>
-          </a:bodyPr>
-          <a:lstStyle/>
-          <a:p>
-            <a:r>
-              <a:rPr lang="en-US" altLang="zh-CN" dirty="0"/>
-              <a:t>In Work 3, an attempt has been made to define what constitutes a good algorithm for obtaining an SCG signal template. </a:t>
-            </a:r>
-          </a:p>
-          <a:p>
-            <a:endParaRPr lang="en-US" altLang="zh-CN" dirty="0"/>
-          </a:p>
-          <a:p>
-            <a:r>
-              <a:rPr lang="en-US" altLang="zh-CN" dirty="0"/>
-              <a:t>Let’s begin with a comparison of algorithms that can recover a single-cycle signal, evaluating their performances on both noise-free and slightly noisy data.</a:t>
-            </a:r>
-          </a:p>
-          <a:p>
-            <a:endParaRPr lang="en-US" altLang="zh-CN" dirty="0"/>
-          </a:p>
-          <a:p>
-            <a:r>
-              <a:rPr lang="en-US" altLang="zh-CN" dirty="0"/>
-              <a:t>I will give analyses on this table in detail. </a:t>
-            </a:r>
-          </a:p>
-        </p:txBody>
-      </p:sp>
-      <p:graphicFrame>
-        <p:nvGraphicFramePr>
-          <p:cNvPr id="3" name="表格 3">
-            <a:extLst>
-              <a:ext uri="{FF2B5EF4-FFF2-40B4-BE49-F238E27FC236}">
-                <a16:creationId xmlns:a16="http://schemas.microsoft.com/office/drawing/2014/main" id="{553BDD7C-46C9-BDFE-EA8F-C4F7F31A592A}"/>
-              </a:ext>
-            </a:extLst>
-          </p:cNvPr>
-          <p:cNvGraphicFramePr>
-            <a:graphicFrameLocks noGrp="1"/>
-          </p:cNvGraphicFramePr>
-          <p:nvPr>
-            <p:extLst>
-              <p:ext uri="{D42A27DB-BD31-4B8C-83A1-F6EECF244321}">
-                <p14:modId xmlns:p14="http://schemas.microsoft.com/office/powerpoint/2010/main" val="4051909468"/>
-              </p:ext>
-            </p:extLst>
-          </p:nvPr>
-        </p:nvGraphicFramePr>
-        <p:xfrm>
-          <a:off x="2032000" y="3429000"/>
-          <a:ext cx="8127999" cy="2595880"/>
-        </p:xfrm>
-        <a:graphic>
-          <a:graphicData uri="http://schemas.openxmlformats.org/drawingml/2006/table">
-            <a:tbl>
-              <a:tblPr firstRow="1" bandRow="1">
-                <a:tableStyleId>{5C22544A-7EE6-4342-B048-85BDC9FD1C3A}</a:tableStyleId>
-              </a:tblPr>
-              <a:tblGrid>
-                <a:gridCol w="2709333">
-                  <a:extLst>
-                    <a:ext uri="{9D8B030D-6E8A-4147-A177-3AD203B41FA5}">
-                      <a16:colId xmlns:a16="http://schemas.microsoft.com/office/drawing/2014/main" val="2621986043"/>
-                    </a:ext>
-                  </a:extLst>
-                </a:gridCol>
-                <a:gridCol w="2709333">
-                  <a:extLst>
-                    <a:ext uri="{9D8B030D-6E8A-4147-A177-3AD203B41FA5}">
-                      <a16:colId xmlns:a16="http://schemas.microsoft.com/office/drawing/2014/main" val="518921487"/>
-                    </a:ext>
-                  </a:extLst>
-                </a:gridCol>
-                <a:gridCol w="2709333">
-                  <a:extLst>
-                    <a:ext uri="{9D8B030D-6E8A-4147-A177-3AD203B41FA5}">
-                      <a16:colId xmlns:a16="http://schemas.microsoft.com/office/drawing/2014/main" val="843961580"/>
-                    </a:ext>
-                  </a:extLst>
-                </a:gridCol>
-              </a:tblGrid>
-              <a:tr h="370840">
-                <a:tc gridSpan="3">
-                  <a:txBody>
-                    <a:bodyPr/>
-                    <a:lstStyle/>
-                    <a:p>
-                      <a:pPr marL="0" marR="0" lvl="0" indent="0" algn="ctr" defTabSz="914400" rtl="0" eaLnBrk="1" fontAlgn="auto" latinLnBrk="0" hangingPunct="1">
-                        <a:lnSpc>
-                          <a:spcPct val="100000"/>
-                        </a:lnSpc>
-                        <a:spcBef>
-                          <a:spcPts val="0"/>
-                        </a:spcBef>
-                        <a:spcAft>
-                          <a:spcPts val="0"/>
-                        </a:spcAft>
-                        <a:buClrTx/>
-                        <a:buSzTx/>
-                        <a:buFontTx/>
-                        <a:buNone/>
-                        <a:tabLst/>
-                        <a:defRPr/>
-                      </a:pPr>
-                      <a:r>
-                        <a:rPr lang="en-US" altLang="zh-CN" dirty="0"/>
-                        <a:t>No Noise / Noise Level of 0.1</a:t>
-                      </a:r>
-                      <a:endParaRPr lang="zh-CN" altLang="en-US" dirty="0"/>
-                    </a:p>
-                  </a:txBody>
-                  <a:tcPr/>
-                </a:tc>
-                <a:tc hMerge="1">
-                  <a:txBody>
-                    <a:bodyPr/>
-                    <a:lstStyle/>
-                    <a:p>
-                      <a:endParaRPr lang="zh-CN" altLang="en-US" dirty="0"/>
-                    </a:p>
-                  </a:txBody>
-                  <a:tcPr/>
-                </a:tc>
-                <a:tc hMerge="1">
-                  <a:txBody>
-                    <a:bodyPr/>
-                    <a:lstStyle/>
-                    <a:p>
-                      <a:endParaRPr lang="zh-CN" altLang="en-US" dirty="0"/>
-                    </a:p>
-                  </a:txBody>
-                  <a:tcPr/>
-                </a:tc>
-                <a:extLst>
-                  <a:ext uri="{0D108BD9-81ED-4DB2-BD59-A6C34878D82A}">
-                    <a16:rowId xmlns:a16="http://schemas.microsoft.com/office/drawing/2014/main" val="3909774708"/>
-                  </a:ext>
-                </a:extLst>
-              </a:tr>
-              <a:tr h="370840">
-                <a:tc>
-                  <a:txBody>
-                    <a:bodyPr/>
-                    <a:lstStyle/>
-                    <a:p>
-                      <a:pPr algn="ctr"/>
-                      <a:r>
-                        <a:rPr lang="en-US" altLang="zh-CN" dirty="0"/>
-                        <a:t>Method</a:t>
-                      </a:r>
-                      <a:endParaRPr lang="zh-CN" altLang="en-US" dirty="0"/>
-                    </a:p>
-                  </a:txBody>
-                  <a:tcPr/>
-                </a:tc>
-                <a:tc>
-                  <a:txBody>
-                    <a:bodyPr/>
-                    <a:lstStyle/>
-                    <a:p>
-                      <a:pPr algn="ctr"/>
-                      <a:r>
-                        <a:rPr lang="en-US" altLang="zh-CN" dirty="0"/>
-                        <a:t>S Prediction </a:t>
-                      </a:r>
-                      <a:endParaRPr lang="zh-CN" altLang="en-US" dirty="0"/>
-                    </a:p>
-                  </a:txBody>
-                  <a:tcPr/>
-                </a:tc>
-                <a:tc>
-                  <a:txBody>
-                    <a:bodyPr/>
-                    <a:lstStyle/>
-                    <a:p>
-                      <a:pPr algn="ctr"/>
-                      <a:r>
-                        <a:rPr lang="en-US" altLang="zh-CN" dirty="0"/>
-                        <a:t>D Prediction</a:t>
-                      </a:r>
-                      <a:endParaRPr lang="zh-CN" altLang="en-US" dirty="0"/>
-                    </a:p>
-                  </a:txBody>
-                  <a:tcPr/>
-                </a:tc>
-                <a:extLst>
-                  <a:ext uri="{0D108BD9-81ED-4DB2-BD59-A6C34878D82A}">
-                    <a16:rowId xmlns:a16="http://schemas.microsoft.com/office/drawing/2014/main" val="201775595"/>
-                  </a:ext>
-                </a:extLst>
-              </a:tr>
-              <a:tr h="370840">
-                <a:tc>
-                  <a:txBody>
-                    <a:bodyPr/>
-                    <a:lstStyle/>
-                    <a:p>
-                      <a:pPr algn="ctr"/>
-                      <a:r>
-                        <a:rPr lang="en-US" altLang="zh-CN" dirty="0"/>
-                        <a:t>No Template</a:t>
-                      </a:r>
-                      <a:endParaRPr lang="zh-CN" altLang="en-US" dirty="0"/>
-                    </a:p>
-                  </a:txBody>
-                  <a:tcPr/>
-                </a:tc>
-                <a:tc>
-                  <a:txBody>
-                    <a:bodyPr/>
-                    <a:lstStyle/>
-                    <a:p>
-                      <a:pPr marL="0" marR="0" lvl="0" indent="0" algn="ctr" defTabSz="914400" rtl="0" eaLnBrk="1" fontAlgn="auto" latinLnBrk="0" hangingPunct="1">
-                        <a:lnSpc>
-                          <a:spcPct val="100000"/>
-                        </a:lnSpc>
-                        <a:spcBef>
-                          <a:spcPts val="0"/>
-                        </a:spcBef>
-                        <a:spcAft>
-                          <a:spcPts val="0"/>
-                        </a:spcAft>
-                        <a:buClrTx/>
-                        <a:buSzTx/>
-                        <a:buFontTx/>
-                        <a:buNone/>
-                        <a:tabLst/>
-                        <a:defRPr/>
-                      </a:pPr>
-                      <a:r>
-                        <a:rPr lang="en-US" altLang="zh-CN" dirty="0"/>
-                        <a:t>0.79 / 1.64</a:t>
-                      </a:r>
-                      <a:endParaRPr lang="zh-CN" altLang="en-US" dirty="0"/>
-                    </a:p>
-                  </a:txBody>
-                  <a:tcPr/>
-                </a:tc>
-                <a:tc>
-                  <a:txBody>
-                    <a:bodyPr/>
-                    <a:lstStyle/>
-                    <a:p>
-                      <a:pPr marL="0" marR="0" lvl="0" indent="0" algn="ctr" defTabSz="914400" rtl="0" eaLnBrk="1" fontAlgn="auto" latinLnBrk="0" hangingPunct="1">
-                        <a:lnSpc>
-                          <a:spcPct val="100000"/>
-                        </a:lnSpc>
-                        <a:spcBef>
-                          <a:spcPts val="0"/>
-                        </a:spcBef>
-                        <a:spcAft>
-                          <a:spcPts val="0"/>
-                        </a:spcAft>
-                        <a:buClrTx/>
-                        <a:buSzTx/>
-                        <a:buFontTx/>
-                        <a:buNone/>
-                        <a:tabLst/>
-                        <a:defRPr/>
-                      </a:pPr>
-                      <a:r>
-                        <a:rPr lang="en-US" altLang="zh-CN" dirty="0"/>
-                        <a:t>1.79 / 4.31</a:t>
-                      </a:r>
-                      <a:endParaRPr lang="zh-CN" altLang="en-US" dirty="0"/>
-                    </a:p>
-                  </a:txBody>
-                  <a:tcPr/>
-                </a:tc>
-                <a:extLst>
-                  <a:ext uri="{0D108BD9-81ED-4DB2-BD59-A6C34878D82A}">
-                    <a16:rowId xmlns:a16="http://schemas.microsoft.com/office/drawing/2014/main" val="3388028633"/>
-                  </a:ext>
-                </a:extLst>
-              </a:tr>
-              <a:tr h="370840">
-                <a:tc>
-                  <a:txBody>
-                    <a:bodyPr/>
-                    <a:lstStyle/>
-                    <a:p>
-                      <a:pPr algn="ctr"/>
-                      <a:r>
-                        <a:rPr lang="en-US" altLang="zh-CN" dirty="0"/>
-                        <a:t>Median</a:t>
-                      </a:r>
-                      <a:endParaRPr lang="zh-CN" altLang="en-US" dirty="0"/>
-                    </a:p>
-                  </a:txBody>
-                  <a:tcPr/>
-                </a:tc>
-                <a:tc>
-                  <a:txBody>
-                    <a:bodyPr/>
-                    <a:lstStyle/>
-                    <a:p>
-                      <a:pPr marL="0" marR="0" lvl="0" indent="0" algn="ctr" defTabSz="914400" rtl="0" eaLnBrk="1" fontAlgn="auto" latinLnBrk="0" hangingPunct="1">
-                        <a:lnSpc>
-                          <a:spcPct val="100000"/>
-                        </a:lnSpc>
-                        <a:spcBef>
-                          <a:spcPts val="0"/>
-                        </a:spcBef>
-                        <a:spcAft>
-                          <a:spcPts val="0"/>
-                        </a:spcAft>
-                        <a:buClrTx/>
-                        <a:buSzTx/>
-                        <a:buFontTx/>
-                        <a:buNone/>
-                        <a:tabLst/>
-                        <a:defRPr/>
-                      </a:pPr>
-                      <a:r>
-                        <a:rPr lang="en-US" altLang="zh-CN" dirty="0"/>
-                        <a:t>1.42 / 1.45</a:t>
-                      </a:r>
-                      <a:endParaRPr lang="zh-CN" altLang="en-US" dirty="0"/>
-                    </a:p>
-                  </a:txBody>
-                  <a:tcPr/>
-                </a:tc>
-                <a:tc>
-                  <a:txBody>
-                    <a:bodyPr/>
-                    <a:lstStyle/>
-                    <a:p>
-                      <a:pPr marL="0" marR="0" lvl="0" indent="0" algn="ctr" defTabSz="914400" rtl="0" eaLnBrk="1" fontAlgn="auto" latinLnBrk="0" hangingPunct="1">
-                        <a:lnSpc>
-                          <a:spcPct val="100000"/>
-                        </a:lnSpc>
-                        <a:spcBef>
-                          <a:spcPts val="0"/>
-                        </a:spcBef>
-                        <a:spcAft>
-                          <a:spcPts val="0"/>
-                        </a:spcAft>
-                        <a:buClrTx/>
-                        <a:buSzTx/>
-                        <a:buFontTx/>
-                        <a:buNone/>
-                        <a:tabLst/>
-                        <a:defRPr/>
-                      </a:pPr>
-                      <a:r>
-                        <a:rPr lang="en-US" altLang="zh-CN" dirty="0"/>
-                        <a:t>4.07 / 4.49</a:t>
-                      </a:r>
-                      <a:endParaRPr lang="zh-CN" altLang="en-US" dirty="0"/>
-                    </a:p>
-                  </a:txBody>
-                  <a:tcPr/>
-                </a:tc>
-                <a:extLst>
-                  <a:ext uri="{0D108BD9-81ED-4DB2-BD59-A6C34878D82A}">
-                    <a16:rowId xmlns:a16="http://schemas.microsoft.com/office/drawing/2014/main" val="2570239062"/>
-                  </a:ext>
-                </a:extLst>
-              </a:tr>
-              <a:tr h="370840">
-                <a:tc>
-                  <a:txBody>
-                    <a:bodyPr/>
-                    <a:lstStyle/>
-                    <a:p>
-                      <a:pPr algn="ctr"/>
-                      <a:r>
-                        <a:rPr lang="en-US" altLang="zh-CN" dirty="0"/>
-                        <a:t>Mean</a:t>
-                      </a:r>
-                      <a:endParaRPr lang="zh-CN" altLang="en-US" dirty="0"/>
-                    </a:p>
-                  </a:txBody>
-                  <a:tcPr/>
-                </a:tc>
-                <a:tc>
-                  <a:txBody>
-                    <a:bodyPr/>
-                    <a:lstStyle/>
-                    <a:p>
-                      <a:pPr marL="0" marR="0" lvl="0" indent="0" algn="ctr" defTabSz="914400" rtl="0" eaLnBrk="1" fontAlgn="auto" latinLnBrk="0" hangingPunct="1">
-                        <a:lnSpc>
-                          <a:spcPct val="100000"/>
-                        </a:lnSpc>
-                        <a:spcBef>
-                          <a:spcPts val="0"/>
-                        </a:spcBef>
-                        <a:spcAft>
-                          <a:spcPts val="0"/>
-                        </a:spcAft>
-                        <a:buClrTx/>
-                        <a:buSzTx/>
-                        <a:buFontTx/>
-                        <a:buNone/>
-                        <a:tabLst/>
-                        <a:defRPr/>
-                      </a:pPr>
-                      <a:r>
-                        <a:rPr lang="en-US" altLang="zh-CN" dirty="0"/>
-                        <a:t>1.35 / 1.38</a:t>
-                      </a:r>
-                      <a:endParaRPr lang="zh-CN" altLang="en-US" dirty="0"/>
-                    </a:p>
-                  </a:txBody>
-                  <a:tcPr/>
-                </a:tc>
-                <a:tc>
-                  <a:txBody>
-                    <a:bodyPr/>
-                    <a:lstStyle/>
-                    <a:p>
-                      <a:pPr marL="0" marR="0" lvl="0" indent="0" algn="ctr" defTabSz="914400" rtl="0" eaLnBrk="1" fontAlgn="auto" latinLnBrk="0" hangingPunct="1">
-                        <a:lnSpc>
-                          <a:spcPct val="100000"/>
-                        </a:lnSpc>
-                        <a:spcBef>
-                          <a:spcPts val="0"/>
-                        </a:spcBef>
-                        <a:spcAft>
-                          <a:spcPts val="0"/>
-                        </a:spcAft>
-                        <a:buClrTx/>
-                        <a:buSzTx/>
-                        <a:buFontTx/>
-                        <a:buNone/>
-                        <a:tabLst/>
-                        <a:defRPr/>
-                      </a:pPr>
-                      <a:r>
-                        <a:rPr lang="en-US" altLang="zh-CN" dirty="0"/>
-                        <a:t>4.53 / 4.44</a:t>
-                      </a:r>
-                      <a:endParaRPr lang="zh-CN" altLang="en-US" dirty="0"/>
-                    </a:p>
-                  </a:txBody>
-                  <a:tcPr/>
-                </a:tc>
-                <a:extLst>
-                  <a:ext uri="{0D108BD9-81ED-4DB2-BD59-A6C34878D82A}">
-                    <a16:rowId xmlns:a16="http://schemas.microsoft.com/office/drawing/2014/main" val="2808206082"/>
-                  </a:ext>
-                </a:extLst>
-              </a:tr>
-              <a:tr h="370840">
-                <a:tc>
-                  <a:txBody>
-                    <a:bodyPr/>
-                    <a:lstStyle/>
-                    <a:p>
-                      <a:pPr algn="ctr"/>
-                      <a:r>
-                        <a:rPr lang="en-US" altLang="zh-CN" dirty="0"/>
-                        <a:t>K-shape</a:t>
-                      </a:r>
-                      <a:endParaRPr lang="zh-CN" altLang="en-US" dirty="0"/>
-                    </a:p>
-                  </a:txBody>
-                  <a:tcPr/>
-                </a:tc>
-                <a:tc>
-                  <a:txBody>
-                    <a:bodyPr/>
-                    <a:lstStyle/>
-                    <a:p>
-                      <a:pPr algn="ctr"/>
-                      <a:r>
-                        <a:rPr lang="en-US" altLang="zh-CN" dirty="0"/>
-                        <a:t>2.20 / 2.74</a:t>
-                      </a:r>
-                      <a:endParaRPr lang="zh-CN" altLang="en-US" dirty="0"/>
-                    </a:p>
-                  </a:txBody>
-                  <a:tcPr/>
-                </a:tc>
-                <a:tc>
-                  <a:txBody>
-                    <a:bodyPr/>
-                    <a:lstStyle/>
-                    <a:p>
-                      <a:pPr algn="ctr"/>
-                      <a:r>
-                        <a:rPr lang="en-US" altLang="zh-CN" dirty="0"/>
-                        <a:t>4.85 / 5.88</a:t>
-                      </a:r>
-                      <a:endParaRPr lang="zh-CN" altLang="en-US" dirty="0"/>
-                    </a:p>
-                  </a:txBody>
-                  <a:tcPr/>
-                </a:tc>
-                <a:extLst>
-                  <a:ext uri="{0D108BD9-81ED-4DB2-BD59-A6C34878D82A}">
-                    <a16:rowId xmlns:a16="http://schemas.microsoft.com/office/drawing/2014/main" val="1685611913"/>
-                  </a:ext>
-                </a:extLst>
-              </a:tr>
-              <a:tr h="370840">
-                <a:tc>
-                  <a:txBody>
-                    <a:bodyPr/>
-                    <a:lstStyle/>
-                    <a:p>
-                      <a:pPr algn="ctr"/>
-                      <a:r>
-                        <a:rPr lang="en-US" altLang="zh-CN" dirty="0"/>
-                        <a:t>PCA-based</a:t>
-                      </a:r>
-                      <a:endParaRPr lang="zh-CN" altLang="en-US" dirty="0"/>
-                    </a:p>
-                  </a:txBody>
-                  <a:tcPr/>
-                </a:tc>
-                <a:tc>
-                  <a:txBody>
-                    <a:bodyPr/>
-                    <a:lstStyle/>
-                    <a:p>
-                      <a:pPr algn="ctr"/>
-                      <a:r>
-                        <a:rPr lang="en-US" altLang="zh-CN" dirty="0"/>
-                        <a:t>- / -</a:t>
-                      </a:r>
-                      <a:endParaRPr lang="zh-CN" altLang="en-US" dirty="0"/>
-                    </a:p>
-                  </a:txBody>
-                  <a:tcPr/>
-                </a:tc>
-                <a:tc>
-                  <a:txBody>
-                    <a:bodyPr/>
-                    <a:lstStyle/>
-                    <a:p>
-                      <a:pPr algn="ctr"/>
-                      <a:r>
-                        <a:rPr lang="en-US" altLang="zh-CN" dirty="0"/>
-                        <a:t>- / -</a:t>
-                      </a:r>
-                      <a:endParaRPr lang="zh-CN" altLang="en-US" dirty="0"/>
-                    </a:p>
-                  </a:txBody>
-                  <a:tcPr/>
-                </a:tc>
-                <a:extLst>
-                  <a:ext uri="{0D108BD9-81ED-4DB2-BD59-A6C34878D82A}">
-                    <a16:rowId xmlns:a16="http://schemas.microsoft.com/office/drawing/2014/main" val="2690356915"/>
-                  </a:ext>
-                </a:extLst>
-              </a:tr>
-            </a:tbl>
-          </a:graphicData>
-        </a:graphic>
-      </p:graphicFrame>
-    </p:spTree>
-    <p:extLst>
-      <p:ext uri="{BB962C8B-B14F-4D97-AF65-F5344CB8AC3E}">
-        <p14:creationId xmlns:p14="http://schemas.microsoft.com/office/powerpoint/2010/main" val="1448799525"/>
-      </p:ext>
-    </p:extLst>
-  </p:cSld>
-  <p:clrMapOvr>
-    <a:masterClrMapping/>
-  </p:clrMapOvr>
-</p:sld>
-</file>
-
-<file path=ppt/slides/slide15.xml><?xml version="1.0" encoding="utf-8"?>
-<p:sld xmlns:a="http://schemas.openxmlformats.org/drawingml/2006/main" xmlns:r="http://schemas.openxmlformats.org/officeDocument/2006/relationships" xmlns:p="http://schemas.openxmlformats.org/presentationml/2006/main">
-  <p:cSld>
-    <p:spTree>
-      <p:nvGrpSpPr>
-        <p:cNvPr id="1" name=""/>
-        <p:cNvGrpSpPr/>
-        <p:nvPr/>
-      </p:nvGrpSpPr>
-      <p:grpSpPr>
-        <a:xfrm>
-          <a:off x="0" y="0"/>
-          <a:ext cx="0" cy="0"/>
-          <a:chOff x="0" y="0"/>
-          <a:chExt cx="0" cy="0"/>
-        </a:xfrm>
-      </p:grpSpPr>
-      <p:sp>
-        <p:nvSpPr>
-          <p:cNvPr id="6" name="文本框 5">
-            <a:extLst>
-              <a:ext uri="{FF2B5EF4-FFF2-40B4-BE49-F238E27FC236}">
-                <a16:creationId xmlns:a16="http://schemas.microsoft.com/office/drawing/2014/main" id="{CB57B3DA-EA77-30D0-42EE-7EE902C6E4E9}"/>
-              </a:ext>
-            </a:extLst>
-          </p:cNvPr>
-          <p:cNvSpPr txBox="1"/>
-          <p:nvPr/>
-        </p:nvSpPr>
-        <p:spPr>
-          <a:xfrm>
-            <a:off x="1690881" y="841683"/>
-            <a:ext cx="8967594" cy="2062103"/>
-          </a:xfrm>
-          <a:prstGeom prst="rect">
-            <a:avLst/>
-          </a:prstGeom>
-          <a:noFill/>
-        </p:spPr>
-        <p:txBody>
-          <a:bodyPr wrap="square" rtlCol="0">
-            <a:spAutoFit/>
-          </a:bodyPr>
-          <a:lstStyle/>
-          <a:p>
-            <a:r>
-              <a:rPr lang="en-US" altLang="zh-CN" sz="2000" b="1" dirty="0"/>
-              <a:t>1 Comparison of ‘No Template’ method and ‘Get Template’ method</a:t>
-            </a:r>
-          </a:p>
-          <a:p>
-            <a:endParaRPr lang="en-US" altLang="zh-CN" dirty="0"/>
-          </a:p>
-          <a:p>
-            <a:r>
-              <a:rPr lang="en-US" altLang="zh-CN" dirty="0"/>
-              <a:t>The ‘No Template’ method is not robust and is heavily affected by noise. </a:t>
-            </a:r>
-          </a:p>
-          <a:p>
-            <a:endParaRPr lang="en-US" altLang="zh-CN" dirty="0"/>
-          </a:p>
-          <a:p>
-            <a:r>
-              <a:rPr lang="en-US" altLang="zh-CN" dirty="0"/>
-              <a:t>However, the ‘Get Template’ methods, while not very accurate on clean signals(this part will be explained later), are less affected by noise.</a:t>
-            </a:r>
-          </a:p>
-        </p:txBody>
-      </p:sp>
-      <p:graphicFrame>
-        <p:nvGraphicFramePr>
-          <p:cNvPr id="2" name="表格 3">
-            <a:extLst>
-              <a:ext uri="{FF2B5EF4-FFF2-40B4-BE49-F238E27FC236}">
-                <a16:creationId xmlns:a16="http://schemas.microsoft.com/office/drawing/2014/main" id="{FF5A2F4E-179C-87FA-89F5-A96C23526E02}"/>
-              </a:ext>
-            </a:extLst>
-          </p:cNvPr>
-          <p:cNvGraphicFramePr>
-            <a:graphicFrameLocks noGrp="1"/>
-          </p:cNvGraphicFramePr>
-          <p:nvPr>
-            <p:extLst>
-              <p:ext uri="{D42A27DB-BD31-4B8C-83A1-F6EECF244321}">
-                <p14:modId xmlns:p14="http://schemas.microsoft.com/office/powerpoint/2010/main" val="303716509"/>
-              </p:ext>
-            </p:extLst>
-          </p:nvPr>
-        </p:nvGraphicFramePr>
-        <p:xfrm>
-          <a:off x="1928426" y="3454552"/>
-          <a:ext cx="8127999" cy="1854200"/>
-        </p:xfrm>
-        <a:graphic>
-          <a:graphicData uri="http://schemas.openxmlformats.org/drawingml/2006/table">
-            <a:tbl>
-              <a:tblPr firstRow="1" bandRow="1">
-                <a:tableStyleId>{5C22544A-7EE6-4342-B048-85BDC9FD1C3A}</a:tableStyleId>
-              </a:tblPr>
-              <a:tblGrid>
-                <a:gridCol w="2709333">
-                  <a:extLst>
-                    <a:ext uri="{9D8B030D-6E8A-4147-A177-3AD203B41FA5}">
-                      <a16:colId xmlns:a16="http://schemas.microsoft.com/office/drawing/2014/main" val="2621986043"/>
-                    </a:ext>
-                  </a:extLst>
-                </a:gridCol>
-                <a:gridCol w="2709333">
-                  <a:extLst>
-                    <a:ext uri="{9D8B030D-6E8A-4147-A177-3AD203B41FA5}">
-                      <a16:colId xmlns:a16="http://schemas.microsoft.com/office/drawing/2014/main" val="518921487"/>
-                    </a:ext>
-                  </a:extLst>
-                </a:gridCol>
-                <a:gridCol w="2709333">
-                  <a:extLst>
-                    <a:ext uri="{9D8B030D-6E8A-4147-A177-3AD203B41FA5}">
-                      <a16:colId xmlns:a16="http://schemas.microsoft.com/office/drawing/2014/main" val="843961580"/>
-                    </a:ext>
-                  </a:extLst>
-                </a:gridCol>
-              </a:tblGrid>
-              <a:tr h="370840">
-                <a:tc gridSpan="3">
-                  <a:txBody>
-                    <a:bodyPr/>
-                    <a:lstStyle/>
-                    <a:p>
-                      <a:pPr marL="0" marR="0" lvl="0" indent="0" algn="ctr" defTabSz="914400" rtl="0" eaLnBrk="1" fontAlgn="auto" latinLnBrk="0" hangingPunct="1">
-                        <a:lnSpc>
-                          <a:spcPct val="100000"/>
-                        </a:lnSpc>
-                        <a:spcBef>
-                          <a:spcPts val="0"/>
-                        </a:spcBef>
-                        <a:spcAft>
-                          <a:spcPts val="0"/>
-                        </a:spcAft>
-                        <a:buClrTx/>
-                        <a:buSzTx/>
-                        <a:buFontTx/>
-                        <a:buNone/>
-                        <a:tabLst/>
-                        <a:defRPr/>
-                      </a:pPr>
-                      <a:r>
-                        <a:rPr lang="en-US" altLang="zh-CN" dirty="0"/>
-                        <a:t>No Noise / Noise Level of 0.1</a:t>
-                      </a:r>
-                      <a:endParaRPr lang="zh-CN" altLang="en-US" dirty="0"/>
-                    </a:p>
-                  </a:txBody>
-                  <a:tcPr/>
-                </a:tc>
-                <a:tc hMerge="1">
-                  <a:txBody>
-                    <a:bodyPr/>
-                    <a:lstStyle/>
-                    <a:p>
-                      <a:endParaRPr lang="zh-CN" altLang="en-US" dirty="0"/>
-                    </a:p>
-                  </a:txBody>
-                  <a:tcPr/>
-                </a:tc>
-                <a:tc hMerge="1">
-                  <a:txBody>
-                    <a:bodyPr/>
-                    <a:lstStyle/>
-                    <a:p>
-                      <a:endParaRPr lang="zh-CN" altLang="en-US" dirty="0"/>
-                    </a:p>
-                  </a:txBody>
-                  <a:tcPr/>
-                </a:tc>
-                <a:extLst>
-                  <a:ext uri="{0D108BD9-81ED-4DB2-BD59-A6C34878D82A}">
-                    <a16:rowId xmlns:a16="http://schemas.microsoft.com/office/drawing/2014/main" val="3909774708"/>
-                  </a:ext>
-                </a:extLst>
-              </a:tr>
-              <a:tr h="370840">
-                <a:tc>
-                  <a:txBody>
-                    <a:bodyPr/>
-                    <a:lstStyle/>
-                    <a:p>
-                      <a:pPr algn="ctr"/>
-                      <a:r>
-                        <a:rPr lang="en-US" altLang="zh-CN" dirty="0"/>
-                        <a:t>Method</a:t>
-                      </a:r>
-                      <a:endParaRPr lang="zh-CN" altLang="en-US" dirty="0"/>
-                    </a:p>
-                  </a:txBody>
-                  <a:tcPr/>
-                </a:tc>
-                <a:tc>
-                  <a:txBody>
-                    <a:bodyPr/>
-                    <a:lstStyle/>
-                    <a:p>
-                      <a:pPr algn="ctr"/>
-                      <a:r>
-                        <a:rPr lang="en-US" altLang="zh-CN" dirty="0"/>
-                        <a:t>S Prediction </a:t>
-                      </a:r>
-                      <a:endParaRPr lang="zh-CN" altLang="en-US" dirty="0"/>
-                    </a:p>
-                  </a:txBody>
-                  <a:tcPr/>
-                </a:tc>
-                <a:tc>
-                  <a:txBody>
-                    <a:bodyPr/>
-                    <a:lstStyle/>
-                    <a:p>
-                      <a:pPr algn="ctr"/>
-                      <a:r>
-                        <a:rPr lang="en-US" altLang="zh-CN" dirty="0"/>
-                        <a:t>D Prediction</a:t>
-                      </a:r>
-                      <a:endParaRPr lang="zh-CN" altLang="en-US" dirty="0"/>
-                    </a:p>
-                  </a:txBody>
-                  <a:tcPr/>
-                </a:tc>
-                <a:extLst>
-                  <a:ext uri="{0D108BD9-81ED-4DB2-BD59-A6C34878D82A}">
-                    <a16:rowId xmlns:a16="http://schemas.microsoft.com/office/drawing/2014/main" val="201775595"/>
-                  </a:ext>
-                </a:extLst>
-              </a:tr>
-              <a:tr h="370840">
-                <a:tc>
-                  <a:txBody>
-                    <a:bodyPr/>
-                    <a:lstStyle/>
-                    <a:p>
-                      <a:pPr algn="ctr"/>
-                      <a:r>
-                        <a:rPr lang="en-US" altLang="zh-CN" dirty="0"/>
-                        <a:t>No Template</a:t>
-                      </a:r>
-                      <a:endParaRPr lang="zh-CN" altLang="en-US" dirty="0"/>
-                    </a:p>
-                  </a:txBody>
-                  <a:tcPr/>
-                </a:tc>
-                <a:tc>
-                  <a:txBody>
-                    <a:bodyPr/>
-                    <a:lstStyle/>
-                    <a:p>
-                      <a:pPr marL="0" marR="0" lvl="0" indent="0" algn="ctr" defTabSz="914400" rtl="0" eaLnBrk="1" fontAlgn="auto" latinLnBrk="0" hangingPunct="1">
-                        <a:lnSpc>
-                          <a:spcPct val="100000"/>
-                        </a:lnSpc>
-                        <a:spcBef>
-                          <a:spcPts val="0"/>
-                        </a:spcBef>
-                        <a:spcAft>
-                          <a:spcPts val="0"/>
-                        </a:spcAft>
-                        <a:buClrTx/>
-                        <a:buSzTx/>
-                        <a:buFontTx/>
-                        <a:buNone/>
-                        <a:tabLst/>
-                        <a:defRPr/>
-                      </a:pPr>
-                      <a:r>
-                        <a:rPr lang="en-US" altLang="zh-CN" dirty="0"/>
-                        <a:t>0.79 / 1.64</a:t>
-                      </a:r>
-                      <a:endParaRPr lang="zh-CN" altLang="en-US" dirty="0"/>
-                    </a:p>
-                  </a:txBody>
-                  <a:tcPr/>
-                </a:tc>
-                <a:tc>
-                  <a:txBody>
-                    <a:bodyPr/>
-                    <a:lstStyle/>
-                    <a:p>
-                      <a:pPr marL="0" marR="0" lvl="0" indent="0" algn="ctr" defTabSz="914400" rtl="0" eaLnBrk="1" fontAlgn="auto" latinLnBrk="0" hangingPunct="1">
-                        <a:lnSpc>
-                          <a:spcPct val="100000"/>
-                        </a:lnSpc>
-                        <a:spcBef>
-                          <a:spcPts val="0"/>
-                        </a:spcBef>
-                        <a:spcAft>
-                          <a:spcPts val="0"/>
-                        </a:spcAft>
-                        <a:buClrTx/>
-                        <a:buSzTx/>
-                        <a:buFontTx/>
-                        <a:buNone/>
-                        <a:tabLst/>
-                        <a:defRPr/>
-                      </a:pPr>
-                      <a:r>
-                        <a:rPr lang="en-US" altLang="zh-CN" dirty="0"/>
-                        <a:t>1.79 / 4.31</a:t>
-                      </a:r>
-                      <a:endParaRPr lang="zh-CN" altLang="en-US" dirty="0"/>
-                    </a:p>
-                  </a:txBody>
-                  <a:tcPr/>
-                </a:tc>
-                <a:extLst>
-                  <a:ext uri="{0D108BD9-81ED-4DB2-BD59-A6C34878D82A}">
-                    <a16:rowId xmlns:a16="http://schemas.microsoft.com/office/drawing/2014/main" val="3388028633"/>
-                  </a:ext>
-                </a:extLst>
-              </a:tr>
-              <a:tr h="370840">
-                <a:tc>
-                  <a:txBody>
-                    <a:bodyPr/>
-                    <a:lstStyle/>
-                    <a:p>
-                      <a:pPr algn="ctr"/>
-                      <a:r>
-                        <a:rPr lang="en-US" altLang="zh-CN" dirty="0"/>
-                        <a:t>Median</a:t>
-                      </a:r>
-                      <a:endParaRPr lang="zh-CN" altLang="en-US" dirty="0"/>
-                    </a:p>
-                  </a:txBody>
-                  <a:tcPr/>
-                </a:tc>
-                <a:tc>
-                  <a:txBody>
-                    <a:bodyPr/>
-                    <a:lstStyle/>
-                    <a:p>
-                      <a:pPr marL="0" marR="0" lvl="0" indent="0" algn="ctr" defTabSz="914400" rtl="0" eaLnBrk="1" fontAlgn="auto" latinLnBrk="0" hangingPunct="1">
-                        <a:lnSpc>
-                          <a:spcPct val="100000"/>
-                        </a:lnSpc>
-                        <a:spcBef>
-                          <a:spcPts val="0"/>
-                        </a:spcBef>
-                        <a:spcAft>
-                          <a:spcPts val="0"/>
-                        </a:spcAft>
-                        <a:buClrTx/>
-                        <a:buSzTx/>
-                        <a:buFontTx/>
-                        <a:buNone/>
-                        <a:tabLst/>
-                        <a:defRPr/>
-                      </a:pPr>
-                      <a:r>
-                        <a:rPr lang="en-US" altLang="zh-CN" dirty="0"/>
-                        <a:t>1.42 / 1.45</a:t>
-                      </a:r>
-                    </a:p>
-                  </a:txBody>
-                  <a:tcPr/>
-                </a:tc>
-                <a:tc>
-                  <a:txBody>
-                    <a:bodyPr/>
-                    <a:lstStyle/>
-                    <a:p>
-                      <a:pPr marL="0" marR="0" lvl="0" indent="0" algn="ctr" defTabSz="914400" rtl="0" eaLnBrk="1" fontAlgn="auto" latinLnBrk="0" hangingPunct="1">
-                        <a:lnSpc>
-                          <a:spcPct val="100000"/>
-                        </a:lnSpc>
-                        <a:spcBef>
-                          <a:spcPts val="0"/>
-                        </a:spcBef>
-                        <a:spcAft>
-                          <a:spcPts val="0"/>
-                        </a:spcAft>
-                        <a:buClrTx/>
-                        <a:buSzTx/>
-                        <a:buFontTx/>
-                        <a:buNone/>
-                        <a:tabLst/>
-                        <a:defRPr/>
-                      </a:pPr>
-                      <a:r>
-                        <a:rPr lang="en-US" altLang="zh-CN" dirty="0"/>
-                        <a:t>4.07 / 4.49</a:t>
-                      </a:r>
-                      <a:endParaRPr lang="zh-CN" altLang="en-US" dirty="0"/>
-                    </a:p>
-                  </a:txBody>
-                  <a:tcPr/>
-                </a:tc>
-                <a:extLst>
-                  <a:ext uri="{0D108BD9-81ED-4DB2-BD59-A6C34878D82A}">
-                    <a16:rowId xmlns:a16="http://schemas.microsoft.com/office/drawing/2014/main" val="2570239062"/>
-                  </a:ext>
-                </a:extLst>
-              </a:tr>
-              <a:tr h="370840">
-                <a:tc>
-                  <a:txBody>
-                    <a:bodyPr/>
-                    <a:lstStyle/>
-                    <a:p>
-                      <a:pPr algn="ctr"/>
-                      <a:r>
-                        <a:rPr lang="en-US" altLang="zh-CN" b="1" u="sng" dirty="0"/>
-                        <a:t>Mean</a:t>
-                      </a:r>
-                      <a:endParaRPr lang="zh-CN" altLang="en-US" b="1" u="sng" dirty="0"/>
-                    </a:p>
-                  </a:txBody>
-                  <a:tcPr/>
-                </a:tc>
-                <a:tc>
-                  <a:txBody>
-                    <a:bodyPr/>
-                    <a:lstStyle/>
-                    <a:p>
-                      <a:pPr marL="0" marR="0" lvl="0" indent="0" algn="ctr" defTabSz="914400" rtl="0" eaLnBrk="1" fontAlgn="auto" latinLnBrk="0" hangingPunct="1">
-                        <a:lnSpc>
-                          <a:spcPct val="100000"/>
-                        </a:lnSpc>
-                        <a:spcBef>
-                          <a:spcPts val="0"/>
-                        </a:spcBef>
-                        <a:spcAft>
-                          <a:spcPts val="0"/>
-                        </a:spcAft>
-                        <a:buClrTx/>
-                        <a:buSzTx/>
-                        <a:buFontTx/>
-                        <a:buNone/>
-                        <a:tabLst/>
-                        <a:defRPr/>
-                      </a:pPr>
-                      <a:r>
-                        <a:rPr lang="en-US" altLang="zh-CN" b="1" u="sng" dirty="0"/>
-                        <a:t>1.35 / 1.38</a:t>
-                      </a:r>
-                      <a:endParaRPr lang="zh-CN" altLang="en-US" b="1" u="sng" dirty="0"/>
-                    </a:p>
-                  </a:txBody>
-                  <a:tcPr/>
-                </a:tc>
-                <a:tc>
-                  <a:txBody>
-                    <a:bodyPr/>
-                    <a:lstStyle/>
-                    <a:p>
-                      <a:pPr marL="0" marR="0" lvl="0" indent="0" algn="ctr" defTabSz="914400" rtl="0" eaLnBrk="1" fontAlgn="auto" latinLnBrk="0" hangingPunct="1">
-                        <a:lnSpc>
-                          <a:spcPct val="100000"/>
-                        </a:lnSpc>
-                        <a:spcBef>
-                          <a:spcPts val="0"/>
-                        </a:spcBef>
-                        <a:spcAft>
-                          <a:spcPts val="0"/>
-                        </a:spcAft>
-                        <a:buClrTx/>
-                        <a:buSzTx/>
-                        <a:buFontTx/>
-                        <a:buNone/>
-                        <a:tabLst/>
-                        <a:defRPr/>
-                      </a:pPr>
-                      <a:r>
-                        <a:rPr lang="en-US" altLang="zh-CN" b="1" u="sng" dirty="0"/>
-                        <a:t>4.53 / 4.44</a:t>
-                      </a:r>
-                      <a:endParaRPr lang="zh-CN" altLang="en-US" b="1" u="sng" dirty="0"/>
-                    </a:p>
-                  </a:txBody>
-                  <a:tcPr/>
-                </a:tc>
-                <a:extLst>
-                  <a:ext uri="{0D108BD9-81ED-4DB2-BD59-A6C34878D82A}">
-                    <a16:rowId xmlns:a16="http://schemas.microsoft.com/office/drawing/2014/main" val="2808206082"/>
-                  </a:ext>
-                </a:extLst>
-              </a:tr>
-            </a:tbl>
-          </a:graphicData>
-        </a:graphic>
-      </p:graphicFrame>
-      <p:sp>
-        <p:nvSpPr>
-          <p:cNvPr id="3" name="文本框 2">
-            <a:extLst>
-              <a:ext uri="{FF2B5EF4-FFF2-40B4-BE49-F238E27FC236}">
-                <a16:creationId xmlns:a16="http://schemas.microsoft.com/office/drawing/2014/main" id="{AED2396D-B8D5-E6F7-60A0-E25B721A6298}"/>
-              </a:ext>
-            </a:extLst>
-          </p:cNvPr>
-          <p:cNvSpPr txBox="1"/>
-          <p:nvPr/>
-        </p:nvSpPr>
-        <p:spPr>
-          <a:xfrm>
-            <a:off x="609599" y="106251"/>
-            <a:ext cx="5382827" cy="461665"/>
-          </a:xfrm>
-          <a:prstGeom prst="rect">
-            <a:avLst/>
-          </a:prstGeom>
-          <a:noFill/>
-        </p:spPr>
-        <p:txBody>
-          <a:bodyPr wrap="square" rtlCol="0">
-            <a:spAutoFit/>
-          </a:bodyPr>
-          <a:lstStyle>
-            <a:defPPr>
-              <a:defRPr lang="zh-CN"/>
-            </a:defPPr>
-            <a:lvl1pPr>
-              <a:defRPr sz="2400">
-                <a:latin typeface="Consolas" panose="020B0609020204030204" pitchFamily="49" charset="0"/>
-                <a:cs typeface="Times New Roman" panose="02020603050405020304" pitchFamily="18" charset="0"/>
-              </a:defRPr>
-            </a:lvl1pPr>
-          </a:lstStyle>
-          <a:p>
-            <a:r>
-              <a:rPr lang="en-US" altLang="zh-CN" dirty="0"/>
-              <a:t>Work_3: </a:t>
-            </a:r>
-            <a:r>
-              <a:rPr lang="en-US" altLang="zh-CN" sz="1400" dirty="0"/>
-              <a:t>Obtaining Template</a:t>
-            </a:r>
-          </a:p>
-        </p:txBody>
-      </p:sp>
-      <p:sp>
-        <p:nvSpPr>
-          <p:cNvPr id="4" name="文本框 3">
-            <a:extLst>
-              <a:ext uri="{FF2B5EF4-FFF2-40B4-BE49-F238E27FC236}">
-                <a16:creationId xmlns:a16="http://schemas.microsoft.com/office/drawing/2014/main" id="{CB72C898-50A7-AB6B-6EA5-3115D1591377}"/>
-              </a:ext>
-            </a:extLst>
-          </p:cNvPr>
-          <p:cNvSpPr txBox="1"/>
-          <p:nvPr/>
-        </p:nvSpPr>
-        <p:spPr>
-          <a:xfrm>
-            <a:off x="10056425" y="4196986"/>
-            <a:ext cx="2027328" cy="369332"/>
-          </a:xfrm>
-          <a:prstGeom prst="rect">
-            <a:avLst/>
-          </a:prstGeom>
-          <a:noFill/>
-        </p:spPr>
-        <p:txBody>
-          <a:bodyPr wrap="square" rtlCol="0">
-            <a:spAutoFit/>
-          </a:bodyPr>
-          <a:lstStyle/>
-          <a:p>
-            <a:r>
-              <a:rPr lang="en-US" altLang="zh-CN" dirty="0"/>
-              <a:t>Raise Rapidly</a:t>
-            </a:r>
-            <a:endParaRPr lang="zh-CN" altLang="en-US" dirty="0"/>
-          </a:p>
-        </p:txBody>
-      </p:sp>
-      <p:sp>
-        <p:nvSpPr>
-          <p:cNvPr id="5" name="文本框 4">
-            <a:extLst>
-              <a:ext uri="{FF2B5EF4-FFF2-40B4-BE49-F238E27FC236}">
-                <a16:creationId xmlns:a16="http://schemas.microsoft.com/office/drawing/2014/main" id="{2CD47907-CA6C-F5F7-82BA-FBF5C26188EF}"/>
-              </a:ext>
-            </a:extLst>
-          </p:cNvPr>
-          <p:cNvSpPr txBox="1"/>
-          <p:nvPr/>
-        </p:nvSpPr>
-        <p:spPr>
-          <a:xfrm>
-            <a:off x="10056425" y="4568203"/>
-            <a:ext cx="2027328" cy="369332"/>
-          </a:xfrm>
-          <a:prstGeom prst="rect">
-            <a:avLst/>
-          </a:prstGeom>
-          <a:noFill/>
-        </p:spPr>
-        <p:txBody>
-          <a:bodyPr wrap="square" rtlCol="0">
-            <a:spAutoFit/>
-          </a:bodyPr>
-          <a:lstStyle/>
-          <a:p>
-            <a:r>
-              <a:rPr lang="en-US" altLang="zh-CN" dirty="0"/>
-              <a:t>Raise Slightly</a:t>
-            </a:r>
-            <a:endParaRPr lang="zh-CN" altLang="en-US" dirty="0"/>
-          </a:p>
-        </p:txBody>
-      </p:sp>
-      <p:sp>
-        <p:nvSpPr>
-          <p:cNvPr id="7" name="文本框 6">
-            <a:extLst>
-              <a:ext uri="{FF2B5EF4-FFF2-40B4-BE49-F238E27FC236}">
-                <a16:creationId xmlns:a16="http://schemas.microsoft.com/office/drawing/2014/main" id="{74DADE95-D09A-7CA9-2A48-C44CB1AC496C}"/>
-              </a:ext>
-            </a:extLst>
-          </p:cNvPr>
-          <p:cNvSpPr txBox="1"/>
-          <p:nvPr/>
-        </p:nvSpPr>
-        <p:spPr>
-          <a:xfrm>
-            <a:off x="10056425" y="4937535"/>
-            <a:ext cx="2027328" cy="369332"/>
-          </a:xfrm>
-          <a:prstGeom prst="rect">
-            <a:avLst/>
-          </a:prstGeom>
-          <a:noFill/>
-        </p:spPr>
-        <p:txBody>
-          <a:bodyPr wrap="square" rtlCol="0">
-            <a:spAutoFit/>
-          </a:bodyPr>
-          <a:lstStyle/>
-          <a:p>
-            <a:r>
-              <a:rPr lang="en-US" altLang="zh-CN" dirty="0"/>
-              <a:t>Raise Slightly</a:t>
-            </a:r>
-            <a:endParaRPr lang="zh-CN" altLang="en-US" dirty="0"/>
-          </a:p>
-        </p:txBody>
-      </p:sp>
-      <p:sp>
-        <p:nvSpPr>
-          <p:cNvPr id="9" name="文本框 8">
-            <a:extLst>
-              <a:ext uri="{FF2B5EF4-FFF2-40B4-BE49-F238E27FC236}">
-                <a16:creationId xmlns:a16="http://schemas.microsoft.com/office/drawing/2014/main" id="{1BC03467-F7A7-B716-C72F-CB4F4DD8A11A}"/>
-              </a:ext>
-            </a:extLst>
-          </p:cNvPr>
-          <p:cNvSpPr txBox="1"/>
-          <p:nvPr/>
-        </p:nvSpPr>
-        <p:spPr>
-          <a:xfrm>
-            <a:off x="1690881" y="5693151"/>
-            <a:ext cx="8967594" cy="646331"/>
-          </a:xfrm>
-          <a:prstGeom prst="rect">
-            <a:avLst/>
-          </a:prstGeom>
-          <a:noFill/>
-        </p:spPr>
-        <p:txBody>
-          <a:bodyPr wrap="square">
-            <a:spAutoFit/>
-          </a:bodyPr>
-          <a:lstStyle/>
-          <a:p>
-            <a:r>
-              <a:rPr lang="en-US" altLang="zh-CN" dirty="0"/>
-              <a:t>From results of Mean Method, we could say recovering a single cycle signal can help us to achieve noise reduction.</a:t>
-            </a:r>
-          </a:p>
-        </p:txBody>
-      </p:sp>
-      <p:cxnSp>
-        <p:nvCxnSpPr>
-          <p:cNvPr id="11" name="直接箭头连接符 10">
-            <a:extLst>
-              <a:ext uri="{FF2B5EF4-FFF2-40B4-BE49-F238E27FC236}">
-                <a16:creationId xmlns:a16="http://schemas.microsoft.com/office/drawing/2014/main" id="{13A5A95D-A7BB-F202-23B9-CE05FA5E2E1A}"/>
-              </a:ext>
-            </a:extLst>
-          </p:cNvPr>
-          <p:cNvCxnSpPr/>
-          <p:nvPr/>
-        </p:nvCxnSpPr>
-        <p:spPr>
-          <a:xfrm>
-            <a:off x="3219450" y="5238750"/>
-            <a:ext cx="0" cy="454401"/>
-          </a:xfrm>
-          <a:prstGeom prst="straightConnector1">
-            <a:avLst/>
-          </a:prstGeom>
-          <a:ln>
-            <a:solidFill>
-              <a:schemeClr val="tx1"/>
-            </a:solidFill>
-            <a:tailEnd type="triangle"/>
-          </a:ln>
-        </p:spPr>
-        <p:style>
-          <a:lnRef idx="1">
-            <a:schemeClr val="accent1"/>
-          </a:lnRef>
-          <a:fillRef idx="0">
-            <a:schemeClr val="accent1"/>
-          </a:fillRef>
-          <a:effectRef idx="0">
-            <a:schemeClr val="accent1"/>
-          </a:effectRef>
-          <a:fontRef idx="minor">
-            <a:schemeClr val="tx1"/>
-          </a:fontRef>
-        </p:style>
-      </p:cxnSp>
-    </p:spTree>
-    <p:extLst>
-      <p:ext uri="{BB962C8B-B14F-4D97-AF65-F5344CB8AC3E}">
-        <p14:creationId xmlns:p14="http://schemas.microsoft.com/office/powerpoint/2010/main" val="3443683651"/>
       </p:ext>
     </p:extLst>
   </p:cSld>
@@ -13279,354 +11967,12 @@
           <a:chExt cx="0" cy="0"/>
         </a:xfrm>
       </p:grpSpPr>
-      <p:graphicFrame>
-        <p:nvGraphicFramePr>
-          <p:cNvPr id="2" name="表格 3">
+      <p:sp>
+        <p:nvSpPr>
+          <p:cNvPr id="2" name="文本框 1">
             <a:extLst>
               <a:ext uri="{FF2B5EF4-FFF2-40B4-BE49-F238E27FC236}">
-                <a16:creationId xmlns:a16="http://schemas.microsoft.com/office/drawing/2014/main" id="{BA87E177-7C8A-25BD-2C7A-DC873E9DC626}"/>
-              </a:ext>
-            </a:extLst>
-          </p:cNvPr>
-          <p:cNvGraphicFramePr>
-            <a:graphicFrameLocks noGrp="1"/>
-          </p:cNvGraphicFramePr>
-          <p:nvPr>
-            <p:extLst>
-              <p:ext uri="{D42A27DB-BD31-4B8C-83A1-F6EECF244321}">
-                <p14:modId xmlns:p14="http://schemas.microsoft.com/office/powerpoint/2010/main" val="1519811204"/>
-              </p:ext>
-            </p:extLst>
-          </p:nvPr>
-        </p:nvGraphicFramePr>
-        <p:xfrm>
-          <a:off x="99606" y="640653"/>
-          <a:ext cx="7525083" cy="1854200"/>
-        </p:xfrm>
-        <a:graphic>
-          <a:graphicData uri="http://schemas.openxmlformats.org/drawingml/2006/table">
-            <a:tbl>
-              <a:tblPr firstRow="1" bandRow="1">
-                <a:tableStyleId>{5C22544A-7EE6-4342-B048-85BDC9FD1C3A}</a:tableStyleId>
-              </a:tblPr>
-              <a:tblGrid>
-                <a:gridCol w="2508361">
-                  <a:extLst>
-                    <a:ext uri="{9D8B030D-6E8A-4147-A177-3AD203B41FA5}">
-                      <a16:colId xmlns:a16="http://schemas.microsoft.com/office/drawing/2014/main" val="2621986043"/>
-                    </a:ext>
-                  </a:extLst>
-                </a:gridCol>
-                <a:gridCol w="2362150">
-                  <a:extLst>
-                    <a:ext uri="{9D8B030D-6E8A-4147-A177-3AD203B41FA5}">
-                      <a16:colId xmlns:a16="http://schemas.microsoft.com/office/drawing/2014/main" val="518921487"/>
-                    </a:ext>
-                  </a:extLst>
-                </a:gridCol>
-                <a:gridCol w="2654572">
-                  <a:extLst>
-                    <a:ext uri="{9D8B030D-6E8A-4147-A177-3AD203B41FA5}">
-                      <a16:colId xmlns:a16="http://schemas.microsoft.com/office/drawing/2014/main" val="843961580"/>
-                    </a:ext>
-                  </a:extLst>
-                </a:gridCol>
-              </a:tblGrid>
-              <a:tr h="370840">
-                <a:tc gridSpan="3">
-                  <a:txBody>
-                    <a:bodyPr/>
-                    <a:lstStyle/>
-                    <a:p>
-                      <a:pPr algn="ctr"/>
-                      <a:r>
-                        <a:rPr lang="en-US" altLang="zh-CN" dirty="0"/>
-                        <a:t>No Noise</a:t>
-                      </a:r>
-                      <a:endParaRPr lang="zh-CN" altLang="en-US" dirty="0"/>
-                    </a:p>
-                  </a:txBody>
-                  <a:tcPr/>
-                </a:tc>
-                <a:tc hMerge="1">
-                  <a:txBody>
-                    <a:bodyPr/>
-                    <a:lstStyle/>
-                    <a:p>
-                      <a:endParaRPr lang="zh-CN" altLang="en-US" dirty="0"/>
-                    </a:p>
-                  </a:txBody>
-                  <a:tcPr/>
-                </a:tc>
-                <a:tc hMerge="1">
-                  <a:txBody>
-                    <a:bodyPr/>
-                    <a:lstStyle/>
-                    <a:p>
-                      <a:endParaRPr lang="zh-CN" altLang="en-US" dirty="0"/>
-                    </a:p>
-                  </a:txBody>
-                  <a:tcPr/>
-                </a:tc>
-                <a:extLst>
-                  <a:ext uri="{0D108BD9-81ED-4DB2-BD59-A6C34878D82A}">
-                    <a16:rowId xmlns:a16="http://schemas.microsoft.com/office/drawing/2014/main" val="3909774708"/>
-                  </a:ext>
-                </a:extLst>
-              </a:tr>
-              <a:tr h="370840">
-                <a:tc>
-                  <a:txBody>
-                    <a:bodyPr/>
-                    <a:lstStyle/>
-                    <a:p>
-                      <a:pPr algn="ctr"/>
-                      <a:r>
-                        <a:rPr lang="en-US" altLang="zh-CN" dirty="0"/>
-                        <a:t>Method</a:t>
-                      </a:r>
-                      <a:endParaRPr lang="zh-CN" altLang="en-US" dirty="0"/>
-                    </a:p>
-                  </a:txBody>
-                  <a:tcPr/>
-                </a:tc>
-                <a:tc>
-                  <a:txBody>
-                    <a:bodyPr/>
-                    <a:lstStyle/>
-                    <a:p>
-                      <a:pPr algn="ctr"/>
-                      <a:r>
-                        <a:rPr lang="en-US" altLang="zh-CN" dirty="0"/>
-                        <a:t>S Prediction </a:t>
-                      </a:r>
-                      <a:endParaRPr lang="zh-CN" altLang="en-US" dirty="0"/>
-                    </a:p>
-                  </a:txBody>
-                  <a:tcPr/>
-                </a:tc>
-                <a:tc>
-                  <a:txBody>
-                    <a:bodyPr/>
-                    <a:lstStyle/>
-                    <a:p>
-                      <a:pPr algn="ctr"/>
-                      <a:r>
-                        <a:rPr lang="en-US" altLang="zh-CN" dirty="0"/>
-                        <a:t>D Prediction</a:t>
-                      </a:r>
-                      <a:endParaRPr lang="zh-CN" altLang="en-US" dirty="0"/>
-                    </a:p>
-                  </a:txBody>
-                  <a:tcPr/>
-                </a:tc>
-                <a:extLst>
-                  <a:ext uri="{0D108BD9-81ED-4DB2-BD59-A6C34878D82A}">
-                    <a16:rowId xmlns:a16="http://schemas.microsoft.com/office/drawing/2014/main" val="201775595"/>
-                  </a:ext>
-                </a:extLst>
-              </a:tr>
-              <a:tr h="370840">
-                <a:tc>
-                  <a:txBody>
-                    <a:bodyPr/>
-                    <a:lstStyle/>
-                    <a:p>
-                      <a:pPr algn="ctr"/>
-                      <a:r>
-                        <a:rPr lang="en-US" altLang="zh-CN" dirty="0"/>
-                        <a:t>No Template</a:t>
-                      </a:r>
-                      <a:endParaRPr lang="zh-CN" altLang="en-US" dirty="0"/>
-                    </a:p>
-                  </a:txBody>
-                  <a:tcPr/>
-                </a:tc>
-                <a:tc>
-                  <a:txBody>
-                    <a:bodyPr/>
-                    <a:lstStyle/>
-                    <a:p>
-                      <a:pPr algn="ctr"/>
-                      <a:r>
-                        <a:rPr lang="en-US" altLang="zh-CN" dirty="0"/>
-                        <a:t>0.79</a:t>
-                      </a:r>
-                      <a:endParaRPr lang="zh-CN" altLang="en-US" dirty="0"/>
-                    </a:p>
-                  </a:txBody>
-                  <a:tcPr/>
-                </a:tc>
-                <a:tc>
-                  <a:txBody>
-                    <a:bodyPr/>
-                    <a:lstStyle/>
-                    <a:p>
-                      <a:pPr algn="ctr"/>
-                      <a:r>
-                        <a:rPr lang="en-US" altLang="zh-CN" b="1" i="0" u="sng" dirty="0"/>
-                        <a:t>1.79</a:t>
-                      </a:r>
-                      <a:endParaRPr lang="zh-CN" altLang="en-US" b="1" i="0" u="sng" dirty="0"/>
-                    </a:p>
-                  </a:txBody>
-                  <a:tcPr/>
-                </a:tc>
-                <a:extLst>
-                  <a:ext uri="{0D108BD9-81ED-4DB2-BD59-A6C34878D82A}">
-                    <a16:rowId xmlns:a16="http://schemas.microsoft.com/office/drawing/2014/main" val="3388028633"/>
-                  </a:ext>
-                </a:extLst>
-              </a:tr>
-              <a:tr h="370840">
-                <a:tc>
-                  <a:txBody>
-                    <a:bodyPr/>
-                    <a:lstStyle/>
-                    <a:p>
-                      <a:pPr algn="ctr"/>
-                      <a:r>
-                        <a:rPr lang="en-US" altLang="zh-CN" dirty="0"/>
-                        <a:t>Median</a:t>
-                      </a:r>
-                      <a:endParaRPr lang="zh-CN" altLang="en-US" dirty="0"/>
-                    </a:p>
-                  </a:txBody>
-                  <a:tcPr/>
-                </a:tc>
-                <a:tc>
-                  <a:txBody>
-                    <a:bodyPr/>
-                    <a:lstStyle/>
-                    <a:p>
-                      <a:pPr algn="ctr"/>
-                      <a:r>
-                        <a:rPr lang="en-US" altLang="zh-CN" dirty="0"/>
-                        <a:t>1.42</a:t>
-                      </a:r>
-                      <a:endParaRPr lang="zh-CN" altLang="en-US" dirty="0"/>
-                    </a:p>
-                  </a:txBody>
-                  <a:tcPr/>
-                </a:tc>
-                <a:tc>
-                  <a:txBody>
-                    <a:bodyPr/>
-                    <a:lstStyle/>
-                    <a:p>
-                      <a:pPr algn="ctr"/>
-                      <a:r>
-                        <a:rPr lang="en-US" altLang="zh-CN" b="1" i="0" u="sng" dirty="0"/>
-                        <a:t>4.07</a:t>
-                      </a:r>
-                      <a:endParaRPr lang="zh-CN" altLang="en-US" b="1" i="0" u="sng" dirty="0"/>
-                    </a:p>
-                  </a:txBody>
-                  <a:tcPr/>
-                </a:tc>
-                <a:extLst>
-                  <a:ext uri="{0D108BD9-81ED-4DB2-BD59-A6C34878D82A}">
-                    <a16:rowId xmlns:a16="http://schemas.microsoft.com/office/drawing/2014/main" val="2570239062"/>
-                  </a:ext>
-                </a:extLst>
-              </a:tr>
-              <a:tr h="370840">
-                <a:tc>
-                  <a:txBody>
-                    <a:bodyPr/>
-                    <a:lstStyle/>
-                    <a:p>
-                      <a:pPr algn="ctr"/>
-                      <a:r>
-                        <a:rPr lang="en-US" altLang="zh-CN" dirty="0"/>
-                        <a:t>Mean</a:t>
-                      </a:r>
-                      <a:endParaRPr lang="zh-CN" altLang="en-US" dirty="0"/>
-                    </a:p>
-                  </a:txBody>
-                  <a:tcPr/>
-                </a:tc>
-                <a:tc>
-                  <a:txBody>
-                    <a:bodyPr/>
-                    <a:lstStyle/>
-                    <a:p>
-                      <a:pPr algn="ctr"/>
-                      <a:r>
-                        <a:rPr lang="en-US" altLang="zh-CN" dirty="0"/>
-                        <a:t>1.35</a:t>
-                      </a:r>
-                      <a:endParaRPr lang="zh-CN" altLang="en-US" dirty="0"/>
-                    </a:p>
-                  </a:txBody>
-                  <a:tcPr/>
-                </a:tc>
-                <a:tc>
-                  <a:txBody>
-                    <a:bodyPr/>
-                    <a:lstStyle/>
-                    <a:p>
-                      <a:pPr algn="ctr"/>
-                      <a:r>
-                        <a:rPr lang="en-US" altLang="zh-CN" b="1" i="0" u="sng" dirty="0"/>
-                        <a:t>4.53</a:t>
-                      </a:r>
-                      <a:endParaRPr lang="zh-CN" altLang="en-US" b="1" i="0" u="sng" dirty="0"/>
-                    </a:p>
-                  </a:txBody>
-                  <a:tcPr/>
-                </a:tc>
-                <a:extLst>
-                  <a:ext uri="{0D108BD9-81ED-4DB2-BD59-A6C34878D82A}">
-                    <a16:rowId xmlns:a16="http://schemas.microsoft.com/office/drawing/2014/main" val="2808206082"/>
-                  </a:ext>
-                </a:extLst>
-              </a:tr>
-            </a:tbl>
-          </a:graphicData>
-        </a:graphic>
-      </p:graphicFrame>
-      <p:pic>
-        <p:nvPicPr>
-          <p:cNvPr id="7" name="图片 6">
-            <a:extLst>
-              <a:ext uri="{FF2B5EF4-FFF2-40B4-BE49-F238E27FC236}">
-                <a16:creationId xmlns:a16="http://schemas.microsoft.com/office/drawing/2014/main" id="{4BB75359-18BE-D824-6D7A-3F0ED49A93A1}"/>
-              </a:ext>
-            </a:extLst>
-          </p:cNvPr>
-          <p:cNvPicPr>
-            <a:picLocks noChangeAspect="1"/>
-          </p:cNvPicPr>
-          <p:nvPr/>
-        </p:nvPicPr>
-        <p:blipFill rotWithShape="1">
-          <a:blip r:embed="rId3">
-            <a:extLst>
-              <a:ext uri="{28A0092B-C50C-407E-A947-70E740481C1C}">
-                <a14:useLocalDpi xmlns:a14="http://schemas.microsoft.com/office/drawing/2010/main" val="0"/>
-              </a:ext>
-            </a:extLst>
-          </a:blip>
-          <a:srcRect l="9388" t="3365" r="9380"/>
-          <a:stretch/>
-        </p:blipFill>
-        <p:spPr>
-          <a:xfrm>
-            <a:off x="0" y="3101523"/>
-            <a:ext cx="6136888" cy="3650226"/>
-          </a:xfrm>
-          <a:prstGeom prst="rect">
-            <a:avLst/>
-          </a:prstGeom>
-        </p:spPr>
-      </p:pic>
-      <p:sp>
-        <p:nvSpPr>
-          <p:cNvPr id="10" name="文本框 9">
-            <a:extLst>
-              <a:ext uri="{FF2B5EF4-FFF2-40B4-BE49-F238E27FC236}">
-                <a16:creationId xmlns:a16="http://schemas.microsoft.com/office/drawing/2014/main" id="{B4310260-81A8-8496-0281-6F4800D680CE}"/>
+                <a16:creationId xmlns:a16="http://schemas.microsoft.com/office/drawing/2014/main" id="{4301BE2B-0820-0143-B72A-D9CEA12265BD}"/>
               </a:ext>
             </a:extLst>
           </p:cNvPr>
@@ -13635,225 +11981,8 @@
         </p:nvSpPr>
         <p:spPr>
           <a:xfrm>
-            <a:off x="6200775" y="2670133"/>
-            <a:ext cx="5991225" cy="3970318"/>
-          </a:xfrm>
-          <a:prstGeom prst="rect">
-            <a:avLst/>
-          </a:prstGeom>
-          <a:noFill/>
-        </p:spPr>
-        <p:txBody>
-          <a:bodyPr wrap="square" rtlCol="0">
-            <a:spAutoFit/>
-          </a:bodyPr>
-          <a:lstStyle/>
-          <a:p>
-            <a:r>
-              <a:rPr lang="en-US" altLang="zh-CN" dirty="0"/>
-              <a:t>For D Prediction:</a:t>
-            </a:r>
-          </a:p>
-          <a:p>
-            <a:r>
-              <a:rPr lang="en-US" altLang="zh-CN" dirty="0"/>
-              <a:t>Small peaks are not aligned properly. Both mean and median methods significantly affect height of small peaks, leading to a decrease in accuracy.</a:t>
-            </a:r>
-          </a:p>
-          <a:p>
-            <a:endParaRPr lang="en-US" altLang="zh-CN" dirty="0"/>
-          </a:p>
-          <a:p>
-            <a:r>
-              <a:rPr lang="en-US" altLang="zh-CN" dirty="0"/>
-              <a:t>For S Prediction:</a:t>
-            </a:r>
-          </a:p>
-          <a:p>
-            <a:r>
-              <a:rPr lang="en-US" altLang="zh-CN" dirty="0"/>
-              <a:t>Due to the limitation of the </a:t>
-            </a:r>
-            <a:r>
-              <a:rPr lang="en-US" altLang="zh-CN" b="1" dirty="0"/>
-              <a:t>sampling rate</a:t>
-            </a:r>
-            <a:r>
-              <a:rPr lang="en-US" altLang="zh-CN" dirty="0"/>
-              <a:t>, even with a perfect "Get Template" algorithm, the S prediction result is still not as good as that of the "No Template" algorithm.</a:t>
-            </a:r>
-          </a:p>
-          <a:p>
-            <a:r>
-              <a:rPr lang="en-US" altLang="zh-CN" dirty="0"/>
-              <a:t>e.g.</a:t>
-            </a:r>
-          </a:p>
-          <a:p>
-            <a:r>
-              <a:rPr lang="en-US" altLang="zh-CN" dirty="0"/>
-              <a:t>No Template: d12 = 12.5 (can</a:t>
-            </a:r>
-            <a:r>
-              <a:rPr lang="en-US" altLang="zh-CN" b="0" i="0" dirty="0">
-                <a:solidFill>
-                  <a:srgbClr val="D1D5DB"/>
-                </a:solidFill>
-                <a:effectLst/>
-                <a:latin typeface="Söhne"/>
-              </a:rPr>
-              <a:t> </a:t>
-            </a:r>
-            <a:r>
-              <a:rPr lang="en-US" altLang="zh-CN" dirty="0"/>
-              <a:t>be</a:t>
-            </a:r>
-            <a:r>
-              <a:rPr lang="en-US" altLang="zh-CN" b="0" i="0" dirty="0">
-                <a:solidFill>
-                  <a:srgbClr val="D1D5DB"/>
-                </a:solidFill>
-                <a:effectLst/>
-                <a:latin typeface="Söhne"/>
-              </a:rPr>
-              <a:t> </a:t>
-            </a:r>
-            <a:r>
-              <a:rPr lang="en-US" altLang="zh-CN" dirty="0"/>
-              <a:t>a</a:t>
-            </a:r>
-            <a:r>
-              <a:rPr lang="en-US" altLang="zh-CN" b="0" i="0" dirty="0">
-                <a:solidFill>
-                  <a:srgbClr val="D1D5DB"/>
-                </a:solidFill>
-                <a:effectLst/>
-                <a:latin typeface="Söhne"/>
-              </a:rPr>
-              <a:t> </a:t>
-            </a:r>
-            <a:r>
-              <a:rPr lang="en-US" altLang="zh-CN" dirty="0"/>
-              <a:t>decimal)</a:t>
-            </a:r>
-          </a:p>
-          <a:p>
-            <a:r>
-              <a:rPr lang="en-US" altLang="zh-CN" dirty="0"/>
-              <a:t>Get Template: d12 = 12/13 (can only be int)</a:t>
-            </a:r>
-          </a:p>
-        </p:txBody>
-      </p:sp>
-      <p:sp>
-        <p:nvSpPr>
-          <p:cNvPr id="11" name="矩形 10">
-            <a:extLst>
-              <a:ext uri="{FF2B5EF4-FFF2-40B4-BE49-F238E27FC236}">
-                <a16:creationId xmlns:a16="http://schemas.microsoft.com/office/drawing/2014/main" id="{B85EE123-7AB0-1A33-EF12-34A69A59F3F3}"/>
-              </a:ext>
-            </a:extLst>
-          </p:cNvPr>
-          <p:cNvSpPr/>
-          <p:nvPr/>
-        </p:nvSpPr>
-        <p:spPr>
-          <a:xfrm>
-            <a:off x="3431141" y="5319713"/>
-            <a:ext cx="1071562" cy="635793"/>
-          </a:xfrm>
-          <a:prstGeom prst="rect">
-            <a:avLst/>
-          </a:prstGeom>
-          <a:noFill/>
-          <a:ln>
-            <a:solidFill>
-              <a:schemeClr val="tx1"/>
-            </a:solidFill>
-          </a:ln>
-        </p:spPr>
-        <p:style>
-          <a:lnRef idx="2">
-            <a:schemeClr val="accent1">
-              <a:shade val="15000"/>
-            </a:schemeClr>
-          </a:lnRef>
-          <a:fillRef idx="1">
-            <a:schemeClr val="accent1"/>
-          </a:fillRef>
-          <a:effectRef idx="0">
-            <a:schemeClr val="accent1"/>
-          </a:effectRef>
-          <a:fontRef idx="minor">
-            <a:schemeClr val="lt1"/>
-          </a:fontRef>
-        </p:style>
-        <p:txBody>
-          <a:bodyPr rtlCol="0" anchor="ctr"/>
-          <a:lstStyle/>
-          <a:p>
-            <a:pPr algn="ctr"/>
-            <a:endParaRPr lang="zh-CN" altLang="en-US"/>
-          </a:p>
-        </p:txBody>
-      </p:sp>
-      <p:sp>
-        <p:nvSpPr>
-          <p:cNvPr id="13" name="文本框 12">
-            <a:extLst>
-              <a:ext uri="{FF2B5EF4-FFF2-40B4-BE49-F238E27FC236}">
-                <a16:creationId xmlns:a16="http://schemas.microsoft.com/office/drawing/2014/main" id="{DF9D33C4-A4FE-2EE5-FAC1-FE7160D1A940}"/>
-              </a:ext>
-            </a:extLst>
-          </p:cNvPr>
-          <p:cNvSpPr txBox="1"/>
-          <p:nvPr/>
-        </p:nvSpPr>
-        <p:spPr>
-          <a:xfrm>
-            <a:off x="7698753" y="567916"/>
-            <a:ext cx="4493247" cy="1938992"/>
-          </a:xfrm>
-          <a:prstGeom prst="rect">
-            <a:avLst/>
-          </a:prstGeom>
-          <a:noFill/>
-        </p:spPr>
-        <p:txBody>
-          <a:bodyPr wrap="square">
-            <a:spAutoFit/>
-          </a:bodyPr>
-          <a:lstStyle/>
-          <a:p>
-            <a:r>
-              <a:rPr lang="en-US" altLang="zh-CN" sz="2000" b="1" dirty="0"/>
-              <a:t>2 Why does methods of getting the template result in poor performances for both S and D prediction, even in noise-free signals?</a:t>
-            </a:r>
-          </a:p>
-          <a:p>
-            <a:r>
-              <a:rPr lang="en-US" altLang="zh-CN" sz="2000" b="1" dirty="0"/>
-              <a:t>I think I find the reason.</a:t>
-            </a:r>
-          </a:p>
-        </p:txBody>
-      </p:sp>
-      <p:sp>
-        <p:nvSpPr>
-          <p:cNvPr id="3" name="文本框 2">
-            <a:extLst>
-              <a:ext uri="{FF2B5EF4-FFF2-40B4-BE49-F238E27FC236}">
-                <a16:creationId xmlns:a16="http://schemas.microsoft.com/office/drawing/2014/main" id="{C0C6F071-5A00-42B0-AAD5-FE3632B74030}"/>
-              </a:ext>
-            </a:extLst>
-          </p:cNvPr>
-          <p:cNvSpPr txBox="1"/>
-          <p:nvPr/>
-        </p:nvSpPr>
-        <p:spPr>
-          <a:xfrm>
-            <a:off x="609599" y="106251"/>
-            <a:ext cx="5382827" cy="461665"/>
+            <a:off x="1122219" y="423950"/>
+            <a:ext cx="5931724" cy="461665"/>
           </a:xfrm>
           <a:prstGeom prst="rect">
             <a:avLst/>
@@ -13878,21 +12007,18 @@
           <a:p>
             <a:r>
               <a:rPr lang="en-US" altLang="zh-CN" dirty="0"/>
-              <a:t>Work_3: </a:t>
-            </a:r>
-            <a:r>
-              <a:rPr lang="en-US" altLang="zh-CN" sz="1400" dirty="0"/>
-              <a:t>Obtaining Template</a:t>
-            </a:r>
+              <a:t>Questions</a:t>
+            </a:r>
+            <a:endParaRPr lang="en-US" altLang="zh-CN" sz="1400" dirty="0"/>
           </a:p>
         </p:txBody>
       </p:sp>
       <p:sp>
         <p:nvSpPr>
-          <p:cNvPr id="4" name="文本框 3">
+          <p:cNvPr id="3" name="文本框 2">
             <a:extLst>
               <a:ext uri="{FF2B5EF4-FFF2-40B4-BE49-F238E27FC236}">
-                <a16:creationId xmlns:a16="http://schemas.microsoft.com/office/drawing/2014/main" id="{25597499-5A5B-3E83-A315-D3C67CA8A88A}"/>
+                <a16:creationId xmlns:a16="http://schemas.microsoft.com/office/drawing/2014/main" id="{67F3CD36-4875-6579-F682-A0B365B9CD16}"/>
               </a:ext>
             </a:extLst>
           </p:cNvPr>
@@ -13901,8 +12027,8 @@
         </p:nvSpPr>
         <p:spPr>
           <a:xfrm>
-            <a:off x="1534124" y="2916857"/>
-            <a:ext cx="3533775" cy="369332"/>
+            <a:off x="1332942" y="1486494"/>
+            <a:ext cx="9526116" cy="646331"/>
           </a:xfrm>
           <a:prstGeom prst="rect">
             <a:avLst/>
@@ -13913,21 +12039,34 @@
           <a:bodyPr wrap="square" rtlCol="0">
             <a:spAutoFit/>
           </a:bodyPr>
-          <a:lstStyle/>
-          <a:p>
-            <a:pPr algn="ctr"/>
+          <a:lstStyle>
+            <a:defPPr>
+              <a:defRPr lang="zh-CN"/>
+            </a:defPPr>
+            <a:lvl1pPr>
+              <a:defRPr/>
+            </a:lvl1pPr>
+          </a:lstStyle>
+          <a:p>
             <a:r>
               <a:rPr lang="en-US" altLang="zh-CN" dirty="0"/>
-              <a:t>Example of Segmentation</a:t>
-            </a:r>
-            <a:endParaRPr lang="zh-CN" altLang="en-US" dirty="0"/>
+              <a:t>Regarding </a:t>
+            </a:r>
+            <a:r>
+              <a:rPr lang="en-US" altLang="zh-CN" b="1" dirty="0"/>
+              <a:t>excellent graduation theses in Jiangsu Province</a:t>
+            </a:r>
+            <a:r>
+              <a:rPr lang="en-US" altLang="zh-CN" dirty="0"/>
+              <a:t>, the bottom line is that there must be a thesis publication.</a:t>
+            </a:r>
           </a:p>
         </p:txBody>
       </p:sp>
     </p:spTree>
     <p:extLst>
       <p:ext uri="{BB962C8B-B14F-4D97-AF65-F5344CB8AC3E}">
-        <p14:creationId xmlns:p14="http://schemas.microsoft.com/office/powerpoint/2010/main" val="1776599111"/>
+        <p14:creationId xmlns:p14="http://schemas.microsoft.com/office/powerpoint/2010/main" val="2387149961"/>
       </p:ext>
     </p:extLst>
   </p:cSld>
@@ -13954,431 +12093,12 @@
           <a:chExt cx="0" cy="0"/>
         </a:xfrm>
       </p:grpSpPr>
-      <p:graphicFrame>
-        <p:nvGraphicFramePr>
-          <p:cNvPr id="2" name="表格 3">
+      <p:sp>
+        <p:nvSpPr>
+          <p:cNvPr id="2" name="文本框 1">
             <a:extLst>
               <a:ext uri="{FF2B5EF4-FFF2-40B4-BE49-F238E27FC236}">
-                <a16:creationId xmlns:a16="http://schemas.microsoft.com/office/drawing/2014/main" id="{B24DB881-6F3A-7407-1861-8BF681DAB37C}"/>
-              </a:ext>
-            </a:extLst>
-          </p:cNvPr>
-          <p:cNvGraphicFramePr>
-            <a:graphicFrameLocks noGrp="1"/>
-          </p:cNvGraphicFramePr>
-          <p:nvPr>
-            <p:extLst>
-              <p:ext uri="{D42A27DB-BD31-4B8C-83A1-F6EECF244321}">
-                <p14:modId xmlns:p14="http://schemas.microsoft.com/office/powerpoint/2010/main" val="922595192"/>
-              </p:ext>
-            </p:extLst>
-          </p:nvPr>
-        </p:nvGraphicFramePr>
-        <p:xfrm>
-          <a:off x="1928426" y="971535"/>
-          <a:ext cx="8127999" cy="1849120"/>
-        </p:xfrm>
-        <a:graphic>
-          <a:graphicData uri="http://schemas.openxmlformats.org/drawingml/2006/table">
-            <a:tbl>
-              <a:tblPr firstRow="1" bandRow="1">
-                <a:tableStyleId>{5C22544A-7EE6-4342-B048-85BDC9FD1C3A}</a:tableStyleId>
-              </a:tblPr>
-              <a:tblGrid>
-                <a:gridCol w="2709333">
-                  <a:extLst>
-                    <a:ext uri="{9D8B030D-6E8A-4147-A177-3AD203B41FA5}">
-                      <a16:colId xmlns:a16="http://schemas.microsoft.com/office/drawing/2014/main" val="2621986043"/>
-                    </a:ext>
-                  </a:extLst>
-                </a:gridCol>
-                <a:gridCol w="2709333">
-                  <a:extLst>
-                    <a:ext uri="{9D8B030D-6E8A-4147-A177-3AD203B41FA5}">
-                      <a16:colId xmlns:a16="http://schemas.microsoft.com/office/drawing/2014/main" val="518921487"/>
-                    </a:ext>
-                  </a:extLst>
-                </a:gridCol>
-                <a:gridCol w="2709333">
-                  <a:extLst>
-                    <a:ext uri="{9D8B030D-6E8A-4147-A177-3AD203B41FA5}">
-                      <a16:colId xmlns:a16="http://schemas.microsoft.com/office/drawing/2014/main" val="843961580"/>
-                    </a:ext>
-                  </a:extLst>
-                </a:gridCol>
-              </a:tblGrid>
-              <a:tr h="336709">
-                <a:tc gridSpan="3">
-                  <a:txBody>
-                    <a:bodyPr/>
-                    <a:lstStyle/>
-                    <a:p>
-                      <a:pPr marL="0" marR="0" lvl="0" indent="0" algn="ctr" defTabSz="914400" rtl="0" eaLnBrk="1" fontAlgn="auto" latinLnBrk="0" hangingPunct="1">
-                        <a:lnSpc>
-                          <a:spcPct val="100000"/>
-                        </a:lnSpc>
-                        <a:spcBef>
-                          <a:spcPts val="0"/>
-                        </a:spcBef>
-                        <a:spcAft>
-                          <a:spcPts val="0"/>
-                        </a:spcAft>
-                        <a:buClrTx/>
-                        <a:buSzTx/>
-                        <a:buFontTx/>
-                        <a:buNone/>
-                        <a:tabLst/>
-                        <a:defRPr/>
-                      </a:pPr>
-                      <a:r>
-                        <a:rPr lang="en-US" altLang="zh-CN" dirty="0"/>
-                        <a:t>No Noise / Noise Level of 0.1</a:t>
-                      </a:r>
-                      <a:endParaRPr lang="zh-CN" altLang="en-US" dirty="0"/>
-                    </a:p>
-                  </a:txBody>
-                  <a:tcPr/>
-                </a:tc>
-                <a:tc hMerge="1">
-                  <a:txBody>
-                    <a:bodyPr/>
-                    <a:lstStyle/>
-                    <a:p>
-                      <a:endParaRPr lang="zh-CN" altLang="en-US" dirty="0"/>
-                    </a:p>
-                  </a:txBody>
-                  <a:tcPr/>
-                </a:tc>
-                <a:tc hMerge="1">
-                  <a:txBody>
-                    <a:bodyPr/>
-                    <a:lstStyle/>
-                    <a:p>
-                      <a:endParaRPr lang="zh-CN" altLang="en-US" dirty="0"/>
-                    </a:p>
-                  </a:txBody>
-                  <a:tcPr/>
-                </a:tc>
-                <a:extLst>
-                  <a:ext uri="{0D108BD9-81ED-4DB2-BD59-A6C34878D82A}">
-                    <a16:rowId xmlns:a16="http://schemas.microsoft.com/office/drawing/2014/main" val="3909774708"/>
-                  </a:ext>
-                </a:extLst>
-              </a:tr>
-              <a:tr h="370840">
-                <a:tc>
-                  <a:txBody>
-                    <a:bodyPr/>
-                    <a:lstStyle/>
-                    <a:p>
-                      <a:pPr algn="ctr"/>
-                      <a:r>
-                        <a:rPr lang="en-US" altLang="zh-CN" dirty="0"/>
-                        <a:t>Method</a:t>
-                      </a:r>
-                      <a:endParaRPr lang="zh-CN" altLang="en-US" dirty="0"/>
-                    </a:p>
-                  </a:txBody>
-                  <a:tcPr/>
-                </a:tc>
-                <a:tc>
-                  <a:txBody>
-                    <a:bodyPr/>
-                    <a:lstStyle/>
-                    <a:p>
-                      <a:pPr algn="ctr"/>
-                      <a:r>
-                        <a:rPr lang="en-US" altLang="zh-CN" dirty="0"/>
-                        <a:t>S Prediction </a:t>
-                      </a:r>
-                      <a:endParaRPr lang="zh-CN" altLang="en-US" dirty="0"/>
-                    </a:p>
-                  </a:txBody>
-                  <a:tcPr/>
-                </a:tc>
-                <a:tc>
-                  <a:txBody>
-                    <a:bodyPr/>
-                    <a:lstStyle/>
-                    <a:p>
-                      <a:pPr algn="ctr"/>
-                      <a:r>
-                        <a:rPr lang="en-US" altLang="zh-CN" dirty="0"/>
-                        <a:t>D Prediction</a:t>
-                      </a:r>
-                      <a:endParaRPr lang="zh-CN" altLang="en-US" dirty="0"/>
-                    </a:p>
-                  </a:txBody>
-                  <a:tcPr/>
-                </a:tc>
-                <a:extLst>
-                  <a:ext uri="{0D108BD9-81ED-4DB2-BD59-A6C34878D82A}">
-                    <a16:rowId xmlns:a16="http://schemas.microsoft.com/office/drawing/2014/main" val="201775595"/>
-                  </a:ext>
-                </a:extLst>
-              </a:tr>
-              <a:tr h="370840">
-                <a:tc>
-                  <a:txBody>
-                    <a:bodyPr/>
-                    <a:lstStyle/>
-                    <a:p>
-                      <a:pPr algn="ctr"/>
-                      <a:r>
-                        <a:rPr lang="en-US" altLang="zh-CN" dirty="0"/>
-                        <a:t>No Template</a:t>
-                      </a:r>
-                      <a:endParaRPr lang="zh-CN" altLang="en-US" dirty="0"/>
-                    </a:p>
-                  </a:txBody>
-                  <a:tcPr/>
-                </a:tc>
-                <a:tc>
-                  <a:txBody>
-                    <a:bodyPr/>
-                    <a:lstStyle/>
-                    <a:p>
-                      <a:pPr marL="0" marR="0" lvl="0" indent="0" algn="ctr" defTabSz="914400" rtl="0" eaLnBrk="1" fontAlgn="auto" latinLnBrk="0" hangingPunct="1">
-                        <a:lnSpc>
-                          <a:spcPct val="100000"/>
-                        </a:lnSpc>
-                        <a:spcBef>
-                          <a:spcPts val="0"/>
-                        </a:spcBef>
-                        <a:spcAft>
-                          <a:spcPts val="0"/>
-                        </a:spcAft>
-                        <a:buClrTx/>
-                        <a:buSzTx/>
-                        <a:buFontTx/>
-                        <a:buNone/>
-                        <a:tabLst/>
-                        <a:defRPr/>
-                      </a:pPr>
-                      <a:r>
-                        <a:rPr lang="en-US" altLang="zh-CN" dirty="0"/>
-                        <a:t>0.79 / 1.64</a:t>
-                      </a:r>
-                      <a:endParaRPr lang="zh-CN" altLang="en-US" dirty="0"/>
-                    </a:p>
-                  </a:txBody>
-                  <a:tcPr/>
-                </a:tc>
-                <a:tc>
-                  <a:txBody>
-                    <a:bodyPr/>
-                    <a:lstStyle/>
-                    <a:p>
-                      <a:pPr marL="0" marR="0" lvl="0" indent="0" algn="ctr" defTabSz="914400" rtl="0" eaLnBrk="1" fontAlgn="auto" latinLnBrk="0" hangingPunct="1">
-                        <a:lnSpc>
-                          <a:spcPct val="100000"/>
-                        </a:lnSpc>
-                        <a:spcBef>
-                          <a:spcPts val="0"/>
-                        </a:spcBef>
-                        <a:spcAft>
-                          <a:spcPts val="0"/>
-                        </a:spcAft>
-                        <a:buClrTx/>
-                        <a:buSzTx/>
-                        <a:buFontTx/>
-                        <a:buNone/>
-                        <a:tabLst/>
-                        <a:defRPr/>
-                      </a:pPr>
-                      <a:r>
-                        <a:rPr lang="en-US" altLang="zh-CN" dirty="0"/>
-                        <a:t>1.79 / 4.31</a:t>
-                      </a:r>
-                      <a:endParaRPr lang="zh-CN" altLang="en-US" dirty="0"/>
-                    </a:p>
-                  </a:txBody>
-                  <a:tcPr/>
-                </a:tc>
-                <a:extLst>
-                  <a:ext uri="{0D108BD9-81ED-4DB2-BD59-A6C34878D82A}">
-                    <a16:rowId xmlns:a16="http://schemas.microsoft.com/office/drawing/2014/main" val="3388028633"/>
-                  </a:ext>
-                </a:extLst>
-              </a:tr>
-              <a:tr h="370840">
-                <a:tc>
-                  <a:txBody>
-                    <a:bodyPr/>
-                    <a:lstStyle/>
-                    <a:p>
-                      <a:pPr algn="ctr"/>
-                      <a:r>
-                        <a:rPr lang="en-US" altLang="zh-CN" dirty="0"/>
-                        <a:t>Median</a:t>
-                      </a:r>
-                      <a:endParaRPr lang="zh-CN" altLang="en-US" dirty="0"/>
-                    </a:p>
-                  </a:txBody>
-                  <a:tcPr/>
-                </a:tc>
-                <a:tc>
-                  <a:txBody>
-                    <a:bodyPr/>
-                    <a:lstStyle/>
-                    <a:p>
-                      <a:pPr marL="0" marR="0" lvl="0" indent="0" algn="ctr" defTabSz="914400" rtl="0" eaLnBrk="1" fontAlgn="auto" latinLnBrk="0" hangingPunct="1">
-                        <a:lnSpc>
-                          <a:spcPct val="100000"/>
-                        </a:lnSpc>
-                        <a:spcBef>
-                          <a:spcPts val="0"/>
-                        </a:spcBef>
-                        <a:spcAft>
-                          <a:spcPts val="0"/>
-                        </a:spcAft>
-                        <a:buClrTx/>
-                        <a:buSzTx/>
-                        <a:buFontTx/>
-                        <a:buNone/>
-                        <a:tabLst/>
-                        <a:defRPr/>
-                      </a:pPr>
-                      <a:r>
-                        <a:rPr lang="en-US" altLang="zh-CN" dirty="0"/>
-                        <a:t>1.42 / 1.45</a:t>
-                      </a:r>
-                      <a:endParaRPr lang="zh-CN" altLang="en-US" dirty="0"/>
-                    </a:p>
-                  </a:txBody>
-                  <a:tcPr/>
-                </a:tc>
-                <a:tc>
-                  <a:txBody>
-                    <a:bodyPr/>
-                    <a:lstStyle/>
-                    <a:p>
-                      <a:pPr marL="0" marR="0" lvl="0" indent="0" algn="ctr" defTabSz="914400" rtl="0" eaLnBrk="1" fontAlgn="auto" latinLnBrk="0" hangingPunct="1">
-                        <a:lnSpc>
-                          <a:spcPct val="100000"/>
-                        </a:lnSpc>
-                        <a:spcBef>
-                          <a:spcPts val="0"/>
-                        </a:spcBef>
-                        <a:spcAft>
-                          <a:spcPts val="0"/>
-                        </a:spcAft>
-                        <a:buClrTx/>
-                        <a:buSzTx/>
-                        <a:buFontTx/>
-                        <a:buNone/>
-                        <a:tabLst/>
-                        <a:defRPr/>
-                      </a:pPr>
-                      <a:r>
-                        <a:rPr lang="en-US" altLang="zh-CN" dirty="0"/>
-                        <a:t>4.07 / 4.49</a:t>
-                      </a:r>
-                      <a:endParaRPr lang="zh-CN" altLang="en-US" dirty="0"/>
-                    </a:p>
-                  </a:txBody>
-                  <a:tcPr/>
-                </a:tc>
-                <a:extLst>
-                  <a:ext uri="{0D108BD9-81ED-4DB2-BD59-A6C34878D82A}">
-                    <a16:rowId xmlns:a16="http://schemas.microsoft.com/office/drawing/2014/main" val="2570239062"/>
-                  </a:ext>
-                </a:extLst>
-              </a:tr>
-              <a:tr h="370840">
-                <a:tc>
-                  <a:txBody>
-                    <a:bodyPr/>
-                    <a:lstStyle/>
-                    <a:p>
-                      <a:pPr algn="ctr"/>
-                      <a:r>
-                        <a:rPr lang="en-US" altLang="zh-CN" b="1" i="0" u="sng" dirty="0"/>
-                        <a:t>K-shape</a:t>
-                      </a:r>
-                      <a:endParaRPr lang="zh-CN" altLang="en-US" b="1" i="0" u="sng" dirty="0"/>
-                    </a:p>
-                  </a:txBody>
-                  <a:tcPr/>
-                </a:tc>
-                <a:tc>
-                  <a:txBody>
-                    <a:bodyPr/>
-                    <a:lstStyle/>
-                    <a:p>
-                      <a:pPr marL="0" marR="0" lvl="0" indent="0" algn="ctr" defTabSz="914400" rtl="0" eaLnBrk="1" fontAlgn="auto" latinLnBrk="0" hangingPunct="1">
-                        <a:lnSpc>
-                          <a:spcPct val="100000"/>
-                        </a:lnSpc>
-                        <a:spcBef>
-                          <a:spcPts val="0"/>
-                        </a:spcBef>
-                        <a:spcAft>
-                          <a:spcPts val="0"/>
-                        </a:spcAft>
-                        <a:buClrTx/>
-                        <a:buSzTx/>
-                        <a:buFontTx/>
-                        <a:buNone/>
-                        <a:tabLst/>
-                        <a:defRPr/>
-                      </a:pPr>
-                      <a:r>
-                        <a:rPr lang="en-US" altLang="zh-CN" b="1" i="0" u="sng" dirty="0"/>
-                        <a:t>2.20 / 2.74</a:t>
-                      </a:r>
-                      <a:endParaRPr lang="zh-CN" altLang="en-US" b="1" i="0" u="sng" dirty="0"/>
-                    </a:p>
-                  </a:txBody>
-                  <a:tcPr/>
-                </a:tc>
-                <a:tc>
-                  <a:txBody>
-                    <a:bodyPr/>
-                    <a:lstStyle/>
-                    <a:p>
-                      <a:pPr marL="0" marR="0" lvl="0" indent="0" algn="ctr" defTabSz="914400" rtl="0" eaLnBrk="1" fontAlgn="auto" latinLnBrk="0" hangingPunct="1">
-                        <a:lnSpc>
-                          <a:spcPct val="100000"/>
-                        </a:lnSpc>
-                        <a:spcBef>
-                          <a:spcPts val="0"/>
-                        </a:spcBef>
-                        <a:spcAft>
-                          <a:spcPts val="0"/>
-                        </a:spcAft>
-                        <a:buClrTx/>
-                        <a:buSzTx/>
-                        <a:buFontTx/>
-                        <a:buNone/>
-                        <a:tabLst/>
-                        <a:defRPr/>
-                      </a:pPr>
-                      <a:r>
-                        <a:rPr lang="en-US" altLang="zh-CN" b="1" i="0" u="sng" dirty="0"/>
-                        <a:t>4.85 / 5.88</a:t>
-                      </a:r>
-                      <a:endParaRPr lang="zh-CN" altLang="en-US" b="1" i="0" u="sng" dirty="0"/>
-                    </a:p>
-                  </a:txBody>
-                  <a:tcPr/>
-                </a:tc>
-                <a:extLst>
-                  <a:ext uri="{0D108BD9-81ED-4DB2-BD59-A6C34878D82A}">
-                    <a16:rowId xmlns:a16="http://schemas.microsoft.com/office/drawing/2014/main" val="1685611913"/>
-                  </a:ext>
-                </a:extLst>
-              </a:tr>
-            </a:tbl>
-          </a:graphicData>
-        </a:graphic>
-      </p:graphicFrame>
-      <p:sp>
-        <p:nvSpPr>
-          <p:cNvPr id="5" name="文本框 4">
-            <a:extLst>
-              <a:ext uri="{FF2B5EF4-FFF2-40B4-BE49-F238E27FC236}">
-                <a16:creationId xmlns:a16="http://schemas.microsoft.com/office/drawing/2014/main" id="{CCD5C708-541E-7A6C-2981-64F38493D00B}"/>
+                <a16:creationId xmlns:a16="http://schemas.microsoft.com/office/drawing/2014/main" id="{4301BE2B-0820-0143-B72A-D9CEA12265BD}"/>
               </a:ext>
             </a:extLst>
           </p:cNvPr>
@@ -14387,69 +12107,8 @@
         </p:nvSpPr>
         <p:spPr>
           <a:xfrm>
-            <a:off x="1625392" y="3497367"/>
-            <a:ext cx="8941215" cy="2339102"/>
-          </a:xfrm>
-          <a:prstGeom prst="rect">
-            <a:avLst/>
-          </a:prstGeom>
-          <a:noFill/>
-        </p:spPr>
-        <p:txBody>
-          <a:bodyPr wrap="square" rtlCol="0">
-            <a:spAutoFit/>
-          </a:bodyPr>
-          <a:lstStyle/>
-          <a:p>
-            <a:r>
-              <a:rPr lang="en-US" altLang="zh-CN" sz="2000" b="1" dirty="0"/>
-              <a:t>3 Why the performance of K-shape is not satisfactory? </a:t>
-            </a:r>
-          </a:p>
-          <a:p>
-            <a:endParaRPr lang="en-US" altLang="zh-CN" dirty="0"/>
-          </a:p>
-          <a:p>
-            <a:r>
-              <a:rPr lang="en-US" altLang="zh-CN" dirty="0"/>
-              <a:t>The K-shape algorithm generates a new signal during clustering. The issue lies in the clustering rather than the underlying Time-Warping concept. </a:t>
-            </a:r>
-          </a:p>
-          <a:p>
-            <a:endParaRPr lang="en-US" altLang="zh-CN" dirty="0"/>
-          </a:p>
-          <a:p>
-            <a:r>
-              <a:rPr lang="en-US" altLang="zh-CN" dirty="0"/>
-              <a:t>We should discard clustering and focus on researching how to apply </a:t>
-            </a:r>
-            <a:r>
-              <a:rPr lang="en-US" altLang="zh-CN" b="1" dirty="0"/>
-              <a:t>Time-Warping</a:t>
-            </a:r>
-            <a:r>
-              <a:rPr lang="en-US" altLang="zh-CN" dirty="0"/>
-              <a:t> effectively.</a:t>
-            </a:r>
-          </a:p>
-        </p:txBody>
-      </p:sp>
-      <p:sp>
-        <p:nvSpPr>
-          <p:cNvPr id="3" name="文本框 2">
-            <a:extLst>
-              <a:ext uri="{FF2B5EF4-FFF2-40B4-BE49-F238E27FC236}">
-                <a16:creationId xmlns:a16="http://schemas.microsoft.com/office/drawing/2014/main" id="{76C70534-A73B-D60A-35C0-919FBC370C39}"/>
-              </a:ext>
-            </a:extLst>
-          </p:cNvPr>
-          <p:cNvSpPr txBox="1"/>
-          <p:nvPr/>
-        </p:nvSpPr>
-        <p:spPr>
-          <a:xfrm>
-            <a:off x="609599" y="106251"/>
-            <a:ext cx="5382827" cy="461665"/>
+            <a:off x="5114486" y="3105834"/>
+            <a:ext cx="1963028" cy="646331"/>
           </a:xfrm>
           <a:prstGeom prst="rect">
             <a:avLst/>
@@ -14464,8 +12123,8 @@
             <a:defPPr>
               <a:defRPr lang="zh-CN"/>
             </a:defPPr>
-            <a:lvl1pPr>
-              <a:defRPr sz="2400">
+            <a:lvl1pPr algn="ctr">
+              <a:defRPr sz="3600">
                 <a:latin typeface="Consolas" panose="020B0609020204030204" pitchFamily="49" charset="0"/>
                 <a:cs typeface="Times New Roman" panose="02020603050405020304" pitchFamily="18" charset="0"/>
               </a:defRPr>
@@ -14474,11 +12133,7 @@
           <a:p>
             <a:r>
               <a:rPr lang="en-US" altLang="zh-CN" dirty="0"/>
-              <a:t>Work_3: </a:t>
-            </a:r>
-            <a:r>
-              <a:rPr lang="en-US" altLang="zh-CN" sz="1400" dirty="0"/>
-              <a:t>Obtaining Template</a:t>
+              <a:t>Thanks!</a:t>
             </a:r>
           </a:p>
         </p:txBody>
@@ -14486,906 +12141,7 @@
     </p:spTree>
     <p:extLst>
       <p:ext uri="{BB962C8B-B14F-4D97-AF65-F5344CB8AC3E}">
-        <p14:creationId xmlns:p14="http://schemas.microsoft.com/office/powerpoint/2010/main" val="4131804544"/>
-      </p:ext>
-    </p:extLst>
-  </p:cSld>
-  <p:clrMapOvr>
-    <a:masterClrMapping/>
-  </p:clrMapOvr>
-</p:sld>
-</file>
-
-<file path=ppt/slides/slide18.xml><?xml version="1.0" encoding="utf-8"?>
-<p:sld xmlns:a="http://schemas.openxmlformats.org/drawingml/2006/main" xmlns:r="http://schemas.openxmlformats.org/officeDocument/2006/relationships" xmlns:p="http://schemas.openxmlformats.org/presentationml/2006/main">
-  <p:cSld>
-    <p:spTree>
-      <p:nvGrpSpPr>
-        <p:cNvPr id="1" name=""/>
-        <p:cNvGrpSpPr/>
-        <p:nvPr/>
-      </p:nvGrpSpPr>
-      <p:grpSpPr>
-        <a:xfrm>
-          <a:off x="0" y="0"/>
-          <a:ext cx="0" cy="0"/>
-          <a:chOff x="0" y="0"/>
-          <a:chExt cx="0" cy="0"/>
-        </a:xfrm>
-      </p:grpSpPr>
-      <p:sp>
-        <p:nvSpPr>
-          <p:cNvPr id="6" name="文本框 5">
-            <a:extLst>
-              <a:ext uri="{FF2B5EF4-FFF2-40B4-BE49-F238E27FC236}">
-                <a16:creationId xmlns:a16="http://schemas.microsoft.com/office/drawing/2014/main" id="{CB57B3DA-EA77-30D0-42EE-7EE902C6E4E9}"/>
-              </a:ext>
-            </a:extLst>
-          </p:cNvPr>
-          <p:cNvSpPr txBox="1"/>
-          <p:nvPr/>
-        </p:nvSpPr>
-        <p:spPr>
-          <a:xfrm>
-            <a:off x="6391276" y="418062"/>
-            <a:ext cx="5453061" cy="5632311"/>
-          </a:xfrm>
-          <a:prstGeom prst="rect">
-            <a:avLst/>
-          </a:prstGeom>
-          <a:noFill/>
-        </p:spPr>
-        <p:txBody>
-          <a:bodyPr wrap="square" rtlCol="0">
-            <a:spAutoFit/>
-          </a:bodyPr>
-          <a:lstStyle/>
-          <a:p>
-            <a:r>
-              <a:rPr lang="en-US" altLang="zh-CN" b="1" dirty="0"/>
-              <a:t>What features should a good algorithm for obtaining a template have?</a:t>
-            </a:r>
-          </a:p>
-          <a:p>
-            <a:endParaRPr lang="en-US" altLang="zh-CN" b="1" dirty="0"/>
-          </a:p>
-          <a:p>
-            <a:r>
-              <a:rPr lang="en-US" altLang="zh-CN" b="1" dirty="0"/>
-              <a:t>Feature 1</a:t>
-            </a:r>
-            <a:r>
-              <a:rPr lang="en-US" altLang="zh-CN" dirty="0"/>
-              <a:t>: The highest points of both large and small peaks for each piece should be aligned after applying the algorithm.</a:t>
-            </a:r>
-          </a:p>
-          <a:p>
-            <a:endParaRPr lang="en-US" altLang="zh-CN" dirty="0"/>
-          </a:p>
-          <a:p>
-            <a:r>
-              <a:rPr lang="en-US" altLang="zh-CN" b="1" dirty="0"/>
-              <a:t>Feature 2</a:t>
-            </a:r>
-            <a:r>
-              <a:rPr lang="en-US" altLang="zh-CN" dirty="0"/>
-              <a:t>: The distance between two peaks of the template should be the rounded average of distances between two peaks for all pieces.</a:t>
-            </a:r>
-          </a:p>
-          <a:p>
-            <a:endParaRPr lang="en-US" altLang="zh-CN" dirty="0"/>
-          </a:p>
-          <a:p>
-            <a:r>
-              <a:rPr lang="en-US" altLang="zh-CN" b="1" dirty="0"/>
-              <a:t>Feature</a:t>
-            </a:r>
-            <a:r>
-              <a:rPr lang="zh-CN" altLang="en-US" b="1" dirty="0"/>
-              <a:t> </a:t>
-            </a:r>
-            <a:r>
-              <a:rPr lang="en-US" altLang="zh-CN" b="1" dirty="0"/>
-              <a:t>3</a:t>
-            </a:r>
-            <a:r>
-              <a:rPr lang="en-US" altLang="zh-CN" dirty="0"/>
-              <a:t>: The ability to handle time shifts (possibly essential in real data but less critical in simulated signals).</a:t>
-            </a:r>
-          </a:p>
-          <a:p>
-            <a:endParaRPr lang="en-US" altLang="zh-CN" dirty="0"/>
-          </a:p>
-          <a:p>
-            <a:r>
-              <a:rPr lang="en-US" altLang="zh-CN" dirty="0"/>
-              <a:t>The primary focus of research should indeed be on </a:t>
-            </a:r>
-            <a:r>
-              <a:rPr lang="en-US" altLang="zh-CN" b="1" dirty="0"/>
-              <a:t>Time Warping </a:t>
-            </a:r>
-            <a:r>
-              <a:rPr lang="en-US" altLang="zh-CN" dirty="0"/>
-              <a:t>to get perfect template of SCG signals.</a:t>
-            </a:r>
-          </a:p>
-        </p:txBody>
-      </p:sp>
-      <p:pic>
-        <p:nvPicPr>
-          <p:cNvPr id="2" name="图片 1">
-            <a:extLst>
-              <a:ext uri="{FF2B5EF4-FFF2-40B4-BE49-F238E27FC236}">
-                <a16:creationId xmlns:a16="http://schemas.microsoft.com/office/drawing/2014/main" id="{0A4D642C-9BAB-C695-348A-3425F89A7A3F}"/>
-              </a:ext>
-            </a:extLst>
-          </p:cNvPr>
-          <p:cNvPicPr>
-            <a:picLocks noChangeAspect="1"/>
-          </p:cNvPicPr>
-          <p:nvPr/>
-        </p:nvPicPr>
-        <p:blipFill rotWithShape="1">
-          <a:blip r:embed="rId3">
-            <a:extLst>
-              <a:ext uri="{28A0092B-C50C-407E-A947-70E740481C1C}">
-                <a14:useLocalDpi xmlns:a14="http://schemas.microsoft.com/office/drawing/2010/main" val="0"/>
-              </a:ext>
-            </a:extLst>
-          </a:blip>
-          <a:srcRect l="8366" t="1824" r="8366"/>
-          <a:stretch/>
-        </p:blipFill>
-        <p:spPr>
-          <a:xfrm>
-            <a:off x="152399" y="3515631"/>
-            <a:ext cx="5700713" cy="2693193"/>
-          </a:xfrm>
-          <a:prstGeom prst="rect">
-            <a:avLst/>
-          </a:prstGeom>
-        </p:spPr>
-      </p:pic>
-      <p:pic>
-        <p:nvPicPr>
-          <p:cNvPr id="3" name="图片 2">
-            <a:extLst>
-              <a:ext uri="{FF2B5EF4-FFF2-40B4-BE49-F238E27FC236}">
-                <a16:creationId xmlns:a16="http://schemas.microsoft.com/office/drawing/2014/main" id="{385B2939-9B1A-831C-56E0-4FB6DE1A9143}"/>
-              </a:ext>
-            </a:extLst>
-          </p:cNvPr>
-          <p:cNvPicPr>
-            <a:picLocks noChangeAspect="1"/>
-          </p:cNvPicPr>
-          <p:nvPr/>
-        </p:nvPicPr>
-        <p:blipFill rotWithShape="1">
-          <a:blip r:embed="rId4">
-            <a:extLst>
-              <a:ext uri="{28A0092B-C50C-407E-A947-70E740481C1C}">
-                <a14:useLocalDpi xmlns:a14="http://schemas.microsoft.com/office/drawing/2010/main" val="0"/>
-              </a:ext>
-            </a:extLst>
-          </a:blip>
-          <a:srcRect l="8069" t="52719" r="8150" b="5674"/>
-          <a:stretch/>
-        </p:blipFill>
-        <p:spPr>
-          <a:xfrm>
-            <a:off x="152400" y="914400"/>
-            <a:ext cx="5700713" cy="2427969"/>
-          </a:xfrm>
-          <a:prstGeom prst="rect">
-            <a:avLst/>
-          </a:prstGeom>
-        </p:spPr>
-      </p:pic>
-      <p:sp>
-        <p:nvSpPr>
-          <p:cNvPr id="4" name="文本框 3">
-            <a:extLst>
-              <a:ext uri="{FF2B5EF4-FFF2-40B4-BE49-F238E27FC236}">
-                <a16:creationId xmlns:a16="http://schemas.microsoft.com/office/drawing/2014/main" id="{F46A60DB-76E0-1A8D-37CB-7F58BF45E21F}"/>
-              </a:ext>
-            </a:extLst>
-          </p:cNvPr>
-          <p:cNvSpPr txBox="1"/>
-          <p:nvPr/>
-        </p:nvSpPr>
-        <p:spPr>
-          <a:xfrm>
-            <a:off x="609599" y="106251"/>
-            <a:ext cx="5382827" cy="461665"/>
-          </a:xfrm>
-          <a:prstGeom prst="rect">
-            <a:avLst/>
-          </a:prstGeom>
-          <a:noFill/>
-        </p:spPr>
-        <p:txBody>
-          <a:bodyPr wrap="square" rtlCol="0">
-            <a:spAutoFit/>
-          </a:bodyPr>
-          <a:lstStyle>
-            <a:defPPr>
-              <a:defRPr lang="zh-CN"/>
-            </a:defPPr>
-            <a:lvl1pPr>
-              <a:defRPr sz="2400">
-                <a:latin typeface="Consolas" panose="020B0609020204030204" pitchFamily="49" charset="0"/>
-                <a:cs typeface="Times New Roman" panose="02020603050405020304" pitchFamily="18" charset="0"/>
-              </a:defRPr>
-            </a:lvl1pPr>
-          </a:lstStyle>
-          <a:p>
-            <a:r>
-              <a:rPr lang="en-US" altLang="zh-CN" dirty="0"/>
-              <a:t>Work_3: </a:t>
-            </a:r>
-            <a:r>
-              <a:rPr lang="en-US" altLang="zh-CN" sz="1400" dirty="0"/>
-              <a:t>Obtaining Template</a:t>
-            </a:r>
-          </a:p>
-        </p:txBody>
-      </p:sp>
-      <p:cxnSp>
-        <p:nvCxnSpPr>
-          <p:cNvPr id="7" name="直接箭头连接符 6">
-            <a:extLst>
-              <a:ext uri="{FF2B5EF4-FFF2-40B4-BE49-F238E27FC236}">
-                <a16:creationId xmlns:a16="http://schemas.microsoft.com/office/drawing/2014/main" id="{AA79CCAC-3E6C-C981-A276-CDDEE553D7B8}"/>
-              </a:ext>
-            </a:extLst>
-          </p:cNvPr>
-          <p:cNvCxnSpPr>
-            <a:cxnSpLocks/>
-          </p:cNvCxnSpPr>
-          <p:nvPr/>
-        </p:nvCxnSpPr>
-        <p:spPr>
-          <a:xfrm>
-            <a:off x="3614739" y="1314450"/>
-            <a:ext cx="0" cy="521494"/>
-          </a:xfrm>
-          <a:prstGeom prst="straightConnector1">
-            <a:avLst/>
-          </a:prstGeom>
-          <a:ln w="12700">
-            <a:solidFill>
-              <a:srgbClr val="C00000"/>
-            </a:solidFill>
-            <a:tailEnd type="triangle"/>
-          </a:ln>
-        </p:spPr>
-        <p:style>
-          <a:lnRef idx="1">
-            <a:schemeClr val="accent1"/>
-          </a:lnRef>
-          <a:fillRef idx="0">
-            <a:schemeClr val="accent1"/>
-          </a:fillRef>
-          <a:effectRef idx="0">
-            <a:schemeClr val="accent1"/>
-          </a:effectRef>
-          <a:fontRef idx="minor">
-            <a:schemeClr val="tx1"/>
-          </a:fontRef>
-        </p:style>
-      </p:cxnSp>
-      <p:cxnSp>
-        <p:nvCxnSpPr>
-          <p:cNvPr id="8" name="直接箭头连接符 7">
-            <a:extLst>
-              <a:ext uri="{FF2B5EF4-FFF2-40B4-BE49-F238E27FC236}">
-                <a16:creationId xmlns:a16="http://schemas.microsoft.com/office/drawing/2014/main" id="{0FA95417-0035-B4C7-9B52-B399BBB1CD0B}"/>
-              </a:ext>
-            </a:extLst>
-          </p:cNvPr>
-          <p:cNvCxnSpPr>
-            <a:cxnSpLocks/>
-          </p:cNvCxnSpPr>
-          <p:nvPr/>
-        </p:nvCxnSpPr>
-        <p:spPr>
-          <a:xfrm>
-            <a:off x="3724276" y="1314450"/>
-            <a:ext cx="0" cy="521493"/>
-          </a:xfrm>
-          <a:prstGeom prst="straightConnector1">
-            <a:avLst/>
-          </a:prstGeom>
-          <a:ln w="12700">
-            <a:solidFill>
-              <a:srgbClr val="C00000"/>
-            </a:solidFill>
-            <a:tailEnd type="triangle"/>
-          </a:ln>
-        </p:spPr>
-        <p:style>
-          <a:lnRef idx="1">
-            <a:schemeClr val="accent1"/>
-          </a:lnRef>
-          <a:fillRef idx="0">
-            <a:schemeClr val="accent1"/>
-          </a:fillRef>
-          <a:effectRef idx="0">
-            <a:schemeClr val="accent1"/>
-          </a:effectRef>
-          <a:fontRef idx="minor">
-            <a:schemeClr val="tx1"/>
-          </a:fontRef>
-        </p:style>
-      </p:cxnSp>
-      <p:cxnSp>
-        <p:nvCxnSpPr>
-          <p:cNvPr id="10" name="直接连接符 9">
-            <a:extLst>
-              <a:ext uri="{FF2B5EF4-FFF2-40B4-BE49-F238E27FC236}">
-                <a16:creationId xmlns:a16="http://schemas.microsoft.com/office/drawing/2014/main" id="{4DE0FC6C-D5A7-0F93-40F9-480C916DAC80}"/>
-              </a:ext>
-            </a:extLst>
-          </p:cNvPr>
-          <p:cNvCxnSpPr/>
-          <p:nvPr/>
-        </p:nvCxnSpPr>
-        <p:spPr>
-          <a:xfrm>
-            <a:off x="920750" y="1054100"/>
-            <a:ext cx="0" cy="1841500"/>
-          </a:xfrm>
-          <a:prstGeom prst="line">
-            <a:avLst/>
-          </a:prstGeom>
-          <a:ln w="9525">
-            <a:solidFill>
-              <a:srgbClr val="C00000"/>
-            </a:solidFill>
-            <a:prstDash val="dash"/>
-          </a:ln>
-        </p:spPr>
-        <p:style>
-          <a:lnRef idx="1">
-            <a:schemeClr val="accent1"/>
-          </a:lnRef>
-          <a:fillRef idx="0">
-            <a:schemeClr val="accent1"/>
-          </a:fillRef>
-          <a:effectRef idx="0">
-            <a:schemeClr val="accent1"/>
-          </a:effectRef>
-          <a:fontRef idx="minor">
-            <a:schemeClr val="tx1"/>
-          </a:fontRef>
-        </p:style>
-      </p:cxnSp>
-      <p:cxnSp>
-        <p:nvCxnSpPr>
-          <p:cNvPr id="11" name="直接连接符 10">
-            <a:extLst>
-              <a:ext uri="{FF2B5EF4-FFF2-40B4-BE49-F238E27FC236}">
-                <a16:creationId xmlns:a16="http://schemas.microsoft.com/office/drawing/2014/main" id="{A73DC5DC-5075-6B32-FC19-8DBD85DACA95}"/>
-              </a:ext>
-            </a:extLst>
-          </p:cNvPr>
-          <p:cNvCxnSpPr>
-            <a:cxnSpLocks/>
-          </p:cNvCxnSpPr>
-          <p:nvPr/>
-        </p:nvCxnSpPr>
-        <p:spPr>
-          <a:xfrm>
-            <a:off x="3656014" y="2105931"/>
-            <a:ext cx="0" cy="789669"/>
-          </a:xfrm>
-          <a:prstGeom prst="line">
-            <a:avLst/>
-          </a:prstGeom>
-          <a:ln w="9525">
-            <a:solidFill>
-              <a:srgbClr val="C00000"/>
-            </a:solidFill>
-            <a:prstDash val="dash"/>
-          </a:ln>
-        </p:spPr>
-        <p:style>
-          <a:lnRef idx="1">
-            <a:schemeClr val="accent1"/>
-          </a:lnRef>
-          <a:fillRef idx="0">
-            <a:schemeClr val="accent1"/>
-          </a:fillRef>
-          <a:effectRef idx="0">
-            <a:schemeClr val="accent1"/>
-          </a:effectRef>
-          <a:fontRef idx="minor">
-            <a:schemeClr val="tx1"/>
-          </a:fontRef>
-        </p:style>
-      </p:cxnSp>
-      <p:cxnSp>
-        <p:nvCxnSpPr>
-          <p:cNvPr id="16" name="直接箭头连接符 15">
-            <a:extLst>
-              <a:ext uri="{FF2B5EF4-FFF2-40B4-BE49-F238E27FC236}">
-                <a16:creationId xmlns:a16="http://schemas.microsoft.com/office/drawing/2014/main" id="{005F8071-7485-9E4A-C10A-08C5D14552FE}"/>
-              </a:ext>
-            </a:extLst>
-          </p:cNvPr>
-          <p:cNvCxnSpPr/>
-          <p:nvPr/>
-        </p:nvCxnSpPr>
-        <p:spPr>
-          <a:xfrm>
-            <a:off x="920750" y="2628896"/>
-            <a:ext cx="2735264" cy="0"/>
-          </a:xfrm>
-          <a:prstGeom prst="straightConnector1">
-            <a:avLst/>
-          </a:prstGeom>
-          <a:ln w="9525">
-            <a:solidFill>
-              <a:srgbClr val="C00000"/>
-            </a:solidFill>
-            <a:prstDash val="solid"/>
-            <a:headEnd type="triangle"/>
-            <a:tailEnd type="triangle"/>
-          </a:ln>
-        </p:spPr>
-        <p:style>
-          <a:lnRef idx="1">
-            <a:schemeClr val="accent1"/>
-          </a:lnRef>
-          <a:fillRef idx="0">
-            <a:schemeClr val="accent1"/>
-          </a:fillRef>
-          <a:effectRef idx="0">
-            <a:schemeClr val="accent1"/>
-          </a:effectRef>
-          <a:fontRef idx="minor">
-            <a:schemeClr val="tx1"/>
-          </a:fontRef>
-        </p:style>
-      </p:cxnSp>
-      <p:cxnSp>
-        <p:nvCxnSpPr>
-          <p:cNvPr id="18" name="直接箭头连接符 17">
-            <a:extLst>
-              <a:ext uri="{FF2B5EF4-FFF2-40B4-BE49-F238E27FC236}">
-                <a16:creationId xmlns:a16="http://schemas.microsoft.com/office/drawing/2014/main" id="{7B4CE1AE-5459-A292-4A71-2443A3B18017}"/>
-              </a:ext>
-            </a:extLst>
-          </p:cNvPr>
-          <p:cNvCxnSpPr>
-            <a:cxnSpLocks/>
-          </p:cNvCxnSpPr>
-          <p:nvPr/>
-        </p:nvCxnSpPr>
-        <p:spPr>
-          <a:xfrm>
-            <a:off x="3803650" y="1431922"/>
-            <a:ext cx="2535239" cy="0"/>
-          </a:xfrm>
-          <a:prstGeom prst="straightConnector1">
-            <a:avLst/>
-          </a:prstGeom>
-          <a:ln>
-            <a:solidFill>
-              <a:schemeClr val="tx1"/>
-            </a:solidFill>
-            <a:tailEnd type="triangle"/>
-          </a:ln>
-        </p:spPr>
-        <p:style>
-          <a:lnRef idx="1">
-            <a:schemeClr val="accent1"/>
-          </a:lnRef>
-          <a:fillRef idx="0">
-            <a:schemeClr val="accent1"/>
-          </a:fillRef>
-          <a:effectRef idx="0">
-            <a:schemeClr val="accent1"/>
-          </a:effectRef>
-          <a:fontRef idx="minor">
-            <a:schemeClr val="tx1"/>
-          </a:fontRef>
-        </p:style>
-      </p:cxnSp>
-      <p:cxnSp>
-        <p:nvCxnSpPr>
-          <p:cNvPr id="22" name="连接符: 肘形 21">
-            <a:extLst>
-              <a:ext uri="{FF2B5EF4-FFF2-40B4-BE49-F238E27FC236}">
-                <a16:creationId xmlns:a16="http://schemas.microsoft.com/office/drawing/2014/main" id="{27F874C5-0D53-3DBD-4A96-4A667333C494}"/>
-              </a:ext>
-            </a:extLst>
-          </p:cNvPr>
-          <p:cNvCxnSpPr/>
-          <p:nvPr/>
-        </p:nvCxnSpPr>
-        <p:spPr>
-          <a:xfrm>
-            <a:off x="2288382" y="2628896"/>
-            <a:ext cx="4050507" cy="158754"/>
-          </a:xfrm>
-          <a:prstGeom prst="bentConnector3">
-            <a:avLst>
-              <a:gd name="adj1" fmla="val 931"/>
-            </a:avLst>
-          </a:prstGeom>
-          <a:ln>
-            <a:solidFill>
-              <a:schemeClr val="tx1"/>
-            </a:solidFill>
-            <a:tailEnd type="triangle"/>
-          </a:ln>
-        </p:spPr>
-        <p:style>
-          <a:lnRef idx="1">
-            <a:schemeClr val="accent1"/>
-          </a:lnRef>
-          <a:fillRef idx="0">
-            <a:schemeClr val="accent1"/>
-          </a:fillRef>
-          <a:effectRef idx="0">
-            <a:schemeClr val="accent1"/>
-          </a:effectRef>
-          <a:fontRef idx="minor">
-            <a:schemeClr val="tx1"/>
-          </a:fontRef>
-        </p:style>
-      </p:cxnSp>
-      <p:cxnSp>
-        <p:nvCxnSpPr>
-          <p:cNvPr id="26" name="直接箭头连接符 25">
-            <a:extLst>
-              <a:ext uri="{FF2B5EF4-FFF2-40B4-BE49-F238E27FC236}">
-                <a16:creationId xmlns:a16="http://schemas.microsoft.com/office/drawing/2014/main" id="{D3990D89-AC1A-B39C-FFDA-F4624905C1FA}"/>
-              </a:ext>
-            </a:extLst>
-          </p:cNvPr>
-          <p:cNvCxnSpPr>
-            <a:cxnSpLocks/>
-          </p:cNvCxnSpPr>
-          <p:nvPr/>
-        </p:nvCxnSpPr>
-        <p:spPr>
-          <a:xfrm>
-            <a:off x="1873250" y="4165600"/>
-            <a:ext cx="4465639" cy="0"/>
-          </a:xfrm>
-          <a:prstGeom prst="straightConnector1">
-            <a:avLst/>
-          </a:prstGeom>
-          <a:ln>
-            <a:solidFill>
-              <a:schemeClr val="tx1"/>
-            </a:solidFill>
-            <a:tailEnd type="triangle"/>
-          </a:ln>
-        </p:spPr>
-        <p:style>
-          <a:lnRef idx="1">
-            <a:schemeClr val="accent1"/>
-          </a:lnRef>
-          <a:fillRef idx="0">
-            <a:schemeClr val="accent1"/>
-          </a:fillRef>
-          <a:effectRef idx="0">
-            <a:schemeClr val="accent1"/>
-          </a:effectRef>
-          <a:fontRef idx="minor">
-            <a:schemeClr val="tx1"/>
-          </a:fontRef>
-        </p:style>
-      </p:cxnSp>
-    </p:spTree>
-    <p:extLst>
-      <p:ext uri="{BB962C8B-B14F-4D97-AF65-F5344CB8AC3E}">
-        <p14:creationId xmlns:p14="http://schemas.microsoft.com/office/powerpoint/2010/main" val="2796366815"/>
-      </p:ext>
-    </p:extLst>
-  </p:cSld>
-  <p:clrMapOvr>
-    <a:masterClrMapping/>
-  </p:clrMapOvr>
-</p:sld>
-</file>
-
-<file path=ppt/slides/slide19.xml><?xml version="1.0" encoding="utf-8"?>
-<p:sld xmlns:a="http://schemas.openxmlformats.org/drawingml/2006/main" xmlns:r="http://schemas.openxmlformats.org/officeDocument/2006/relationships" xmlns:p="http://schemas.openxmlformats.org/presentationml/2006/main">
-  <p:cSld>
-    <p:spTree>
-      <p:nvGrpSpPr>
-        <p:cNvPr id="1" name=""/>
-        <p:cNvGrpSpPr/>
-        <p:nvPr/>
-      </p:nvGrpSpPr>
-      <p:grpSpPr>
-        <a:xfrm>
-          <a:off x="0" y="0"/>
-          <a:ext cx="0" cy="0"/>
-          <a:chOff x="0" y="0"/>
-          <a:chExt cx="0" cy="0"/>
-        </a:xfrm>
-      </p:grpSpPr>
-      <p:pic>
-        <p:nvPicPr>
-          <p:cNvPr id="2" name="图片 1">
-            <a:extLst>
-              <a:ext uri="{FF2B5EF4-FFF2-40B4-BE49-F238E27FC236}">
-                <a16:creationId xmlns:a16="http://schemas.microsoft.com/office/drawing/2014/main" id="{D741EF86-FB50-A5CE-DE0C-867C763EA9F1}"/>
-              </a:ext>
-            </a:extLst>
-          </p:cNvPr>
-          <p:cNvPicPr>
-            <a:picLocks noChangeAspect="1"/>
-          </p:cNvPicPr>
-          <p:nvPr/>
-        </p:nvPicPr>
-        <p:blipFill rotWithShape="1">
-          <a:blip r:embed="rId3">
-            <a:extLst>
-              <a:ext uri="{28A0092B-C50C-407E-A947-70E740481C1C}">
-                <a14:useLocalDpi xmlns:a14="http://schemas.microsoft.com/office/drawing/2010/main" val="0"/>
-              </a:ext>
-            </a:extLst>
-          </a:blip>
-          <a:srcRect t="5407" r="6565" b="4475"/>
-          <a:stretch/>
-        </p:blipFill>
-        <p:spPr>
-          <a:xfrm>
-            <a:off x="1330682" y="988622"/>
-            <a:ext cx="5688316" cy="2743200"/>
-          </a:xfrm>
-          <a:prstGeom prst="rect">
-            <a:avLst/>
-          </a:prstGeom>
-        </p:spPr>
-      </p:pic>
-      <p:sp>
-        <p:nvSpPr>
-          <p:cNvPr id="9" name="文本框 8">
-            <a:extLst>
-              <a:ext uri="{FF2B5EF4-FFF2-40B4-BE49-F238E27FC236}">
-                <a16:creationId xmlns:a16="http://schemas.microsoft.com/office/drawing/2014/main" id="{263C334F-51ED-70E6-E258-A6D9D793E646}"/>
-              </a:ext>
-            </a:extLst>
-          </p:cNvPr>
-          <p:cNvSpPr txBox="1"/>
-          <p:nvPr/>
-        </p:nvSpPr>
-        <p:spPr>
-          <a:xfrm>
-            <a:off x="1540072" y="642031"/>
-            <a:ext cx="9360099" cy="369332"/>
-          </a:xfrm>
-          <a:prstGeom prst="rect">
-            <a:avLst/>
-          </a:prstGeom>
-          <a:noFill/>
-        </p:spPr>
-        <p:txBody>
-          <a:bodyPr wrap="square">
-            <a:spAutoFit/>
-          </a:bodyPr>
-          <a:lstStyle/>
-          <a:p>
-            <a:r>
-              <a:rPr lang="en-US" altLang="zh-CN" dirty="0"/>
-              <a:t>The results I have obtained regarding SCG signal are as follows:</a:t>
-            </a:r>
-            <a:endParaRPr lang="zh-CN" altLang="en-US" dirty="0"/>
-          </a:p>
-        </p:txBody>
-      </p:sp>
-      <p:sp>
-        <p:nvSpPr>
-          <p:cNvPr id="10" name="文本框 9">
-            <a:extLst>
-              <a:ext uri="{FF2B5EF4-FFF2-40B4-BE49-F238E27FC236}">
-                <a16:creationId xmlns:a16="http://schemas.microsoft.com/office/drawing/2014/main" id="{52C60012-ACEC-D9D4-5300-F08CA1424642}"/>
-              </a:ext>
-            </a:extLst>
-          </p:cNvPr>
-          <p:cNvSpPr txBox="1"/>
-          <p:nvPr/>
-        </p:nvSpPr>
-        <p:spPr>
-          <a:xfrm>
-            <a:off x="1540072" y="3731822"/>
-            <a:ext cx="9867901" cy="3139321"/>
-          </a:xfrm>
-          <a:prstGeom prst="rect">
-            <a:avLst/>
-          </a:prstGeom>
-          <a:noFill/>
-        </p:spPr>
-        <p:txBody>
-          <a:bodyPr wrap="square" rtlCol="0">
-            <a:spAutoFit/>
-          </a:bodyPr>
-          <a:lstStyle/>
-          <a:p>
-            <a:r>
-              <a:rPr lang="en-US" altLang="zh-CN" dirty="0"/>
-              <a:t>Reason 1: </a:t>
-            </a:r>
-          </a:p>
-          <a:p>
-            <a:r>
-              <a:rPr lang="en-US" altLang="zh-CN" dirty="0"/>
-              <a:t>The method is based on derivations. However, ECG signals are relatively smooth, but simulated SCG signals are much sharper.</a:t>
-            </a:r>
-          </a:p>
-          <a:p>
-            <a:endParaRPr lang="en-US" altLang="zh-CN" dirty="0"/>
-          </a:p>
-          <a:p>
-            <a:r>
-              <a:rPr lang="en-US" altLang="zh-CN" dirty="0"/>
-              <a:t>Reason 2: </a:t>
-            </a:r>
-          </a:p>
-          <a:p>
-            <a:r>
-              <a:rPr lang="en-US" altLang="zh-CN" dirty="0"/>
-              <a:t>In the paper, after stretching the time axis, missing parts need to be interpolated. </a:t>
-            </a:r>
-          </a:p>
-          <a:p>
-            <a:r>
-              <a:rPr lang="en-US" altLang="zh-CN" dirty="0"/>
-              <a:t>The ECG signals in the paper have a sampling rate of </a:t>
-            </a:r>
-            <a:r>
-              <a:rPr lang="en-US" altLang="zh-CN" b="1" dirty="0"/>
-              <a:t>1 </a:t>
-            </a:r>
-            <a:r>
-              <a:rPr lang="en-US" altLang="zh-CN" b="1" dirty="0" err="1"/>
-              <a:t>KHz</a:t>
-            </a:r>
-            <a:r>
-              <a:rPr lang="en-US" altLang="zh-CN" dirty="0"/>
-              <a:t>, while our signals have a sampling rate of only </a:t>
-            </a:r>
-            <a:r>
-              <a:rPr lang="en-US" altLang="zh-CN" b="1" dirty="0"/>
-              <a:t>100 Hz</a:t>
-            </a:r>
-            <a:r>
-              <a:rPr lang="en-US" altLang="zh-CN" dirty="0"/>
-              <a:t>. The length of our templates is often in the range of 40-80. Interpolation will introduce significant errors which result in distortion.</a:t>
-            </a:r>
-          </a:p>
-        </p:txBody>
-      </p:sp>
-      <p:sp>
-        <p:nvSpPr>
-          <p:cNvPr id="3" name="文本框 2">
-            <a:extLst>
-              <a:ext uri="{FF2B5EF4-FFF2-40B4-BE49-F238E27FC236}">
-                <a16:creationId xmlns:a16="http://schemas.microsoft.com/office/drawing/2014/main" id="{1BD578A8-F942-DCAC-1B02-923A844B7EB8}"/>
-              </a:ext>
-            </a:extLst>
-          </p:cNvPr>
-          <p:cNvSpPr txBox="1"/>
-          <p:nvPr/>
-        </p:nvSpPr>
-        <p:spPr>
-          <a:xfrm>
-            <a:off x="7018998" y="1483059"/>
-            <a:ext cx="5089659" cy="1754326"/>
-          </a:xfrm>
-          <a:prstGeom prst="rect">
-            <a:avLst/>
-          </a:prstGeom>
-          <a:noFill/>
-        </p:spPr>
-        <p:txBody>
-          <a:bodyPr wrap="square" rtlCol="0">
-            <a:spAutoFit/>
-          </a:bodyPr>
-          <a:lstStyle/>
-          <a:p>
-            <a:pPr marL="342900" indent="-342900">
-              <a:buAutoNum type="arabicPeriod"/>
-            </a:pPr>
-            <a:r>
-              <a:rPr lang="en-US" altLang="zh-CN" dirty="0"/>
-              <a:t>Big peaks are aligned.</a:t>
-            </a:r>
-          </a:p>
-          <a:p>
-            <a:pPr marL="342900" indent="-342900">
-              <a:buAutoNum type="arabicPeriod"/>
-            </a:pPr>
-            <a:endParaRPr lang="en-US" altLang="zh-CN" dirty="0"/>
-          </a:p>
-          <a:p>
-            <a:pPr marL="342900" indent="-342900">
-              <a:buAutoNum type="arabicPeriod"/>
-            </a:pPr>
-            <a:r>
-              <a:rPr lang="en-US" altLang="zh-CN" dirty="0"/>
-              <a:t>The alignment effect for small peaks is not noticeable.</a:t>
-            </a:r>
-          </a:p>
-          <a:p>
-            <a:pPr marL="342900" indent="-342900">
-              <a:buAutoNum type="arabicPeriod"/>
-            </a:pPr>
-            <a:endParaRPr lang="en-US" altLang="zh-CN" dirty="0"/>
-          </a:p>
-          <a:p>
-            <a:pPr marL="342900" indent="-342900">
-              <a:buAutoNum type="arabicPeriod"/>
-            </a:pPr>
-            <a:r>
-              <a:rPr lang="en-US" altLang="zh-CN" dirty="0"/>
-              <a:t>The signal distortion is significant.</a:t>
-            </a:r>
-            <a:endParaRPr lang="zh-CN" altLang="en-US" dirty="0"/>
-          </a:p>
-        </p:txBody>
-      </p:sp>
-      <p:sp>
-        <p:nvSpPr>
-          <p:cNvPr id="4" name="文本框 3">
-            <a:extLst>
-              <a:ext uri="{FF2B5EF4-FFF2-40B4-BE49-F238E27FC236}">
-                <a16:creationId xmlns:a16="http://schemas.microsoft.com/office/drawing/2014/main" id="{0E69BF1B-8319-8912-5438-077981E5D5C8}"/>
-              </a:ext>
-            </a:extLst>
-          </p:cNvPr>
-          <p:cNvSpPr txBox="1"/>
-          <p:nvPr/>
-        </p:nvSpPr>
-        <p:spPr>
-          <a:xfrm>
-            <a:off x="609599" y="106251"/>
-            <a:ext cx="5382827" cy="461665"/>
-          </a:xfrm>
-          <a:prstGeom prst="rect">
-            <a:avLst/>
-          </a:prstGeom>
-          <a:noFill/>
-        </p:spPr>
-        <p:txBody>
-          <a:bodyPr wrap="square" rtlCol="0">
-            <a:spAutoFit/>
-          </a:bodyPr>
-          <a:lstStyle>
-            <a:defPPr>
-              <a:defRPr lang="zh-CN"/>
-            </a:defPPr>
-            <a:lvl1pPr>
-              <a:defRPr sz="2400">
-                <a:latin typeface="Consolas" panose="020B0609020204030204" pitchFamily="49" charset="0"/>
-                <a:cs typeface="Times New Roman" panose="02020603050405020304" pitchFamily="18" charset="0"/>
-              </a:defRPr>
-            </a:lvl1pPr>
-          </a:lstStyle>
-          <a:p>
-            <a:r>
-              <a:rPr lang="en-US" altLang="zh-CN" dirty="0"/>
-              <a:t>Work_3: </a:t>
-            </a:r>
-            <a:r>
-              <a:rPr lang="en-US" altLang="zh-CN" sz="1400" dirty="0"/>
-              <a:t>Obtaining Template</a:t>
-            </a:r>
-          </a:p>
-        </p:txBody>
-      </p:sp>
-    </p:spTree>
-    <p:extLst>
-      <p:ext uri="{BB962C8B-B14F-4D97-AF65-F5344CB8AC3E}">
-        <p14:creationId xmlns:p14="http://schemas.microsoft.com/office/powerpoint/2010/main" val="1004711516"/>
+        <p14:creationId xmlns:p14="http://schemas.microsoft.com/office/powerpoint/2010/main" val="3015943919"/>
       </p:ext>
     </p:extLst>
   </p:cSld>
@@ -15465,8 +12221,8 @@
         </p:nvSpPr>
         <p:spPr>
           <a:xfrm>
-            <a:off x="2415715" y="1706472"/>
-            <a:ext cx="8616079" cy="4247317"/>
+            <a:off x="2288551" y="1242357"/>
+            <a:ext cx="8616079" cy="5078313"/>
           </a:xfrm>
           <a:prstGeom prst="rect">
             <a:avLst/>
@@ -15577,7 +12333,19 @@
           <a:p>
             <a:r>
               <a:rPr lang="en-US" altLang="zh-CN" dirty="0"/>
-              <a:t>Part_4: Questions</a:t>
+              <a:t>Part_4: Some Thoughts about Undergraduate Thesis</a:t>
+            </a:r>
+          </a:p>
+          <a:p>
+            <a:endParaRPr lang="en-US" altLang="zh-CN" dirty="0"/>
+          </a:p>
+          <a:p>
+            <a:endParaRPr lang="en-US" altLang="zh-CN" dirty="0"/>
+          </a:p>
+          <a:p>
+            <a:r>
+              <a:rPr lang="en-US" altLang="zh-CN" dirty="0"/>
+              <a:t>Part_5: Questions</a:t>
             </a:r>
           </a:p>
         </p:txBody>
@@ -15586,81 +12354,6 @@
     <p:extLst>
       <p:ext uri="{BB962C8B-B14F-4D97-AF65-F5344CB8AC3E}">
         <p14:creationId xmlns:p14="http://schemas.microsoft.com/office/powerpoint/2010/main" val="3563862824"/>
-      </p:ext>
-    </p:extLst>
-  </p:cSld>
-  <p:clrMapOvr>
-    <a:masterClrMapping/>
-  </p:clrMapOvr>
-</p:sld>
-</file>
-
-<file path=ppt/slides/slide20.xml><?xml version="1.0" encoding="utf-8"?>
-<p:sld xmlns:a="http://schemas.openxmlformats.org/drawingml/2006/main" xmlns:r="http://schemas.openxmlformats.org/officeDocument/2006/relationships" xmlns:p="http://schemas.openxmlformats.org/presentationml/2006/main">
-  <p:cSld>
-    <p:spTree>
-      <p:nvGrpSpPr>
-        <p:cNvPr id="1" name=""/>
-        <p:cNvGrpSpPr/>
-        <p:nvPr/>
-      </p:nvGrpSpPr>
-      <p:grpSpPr>
-        <a:xfrm>
-          <a:off x="0" y="0"/>
-          <a:ext cx="0" cy="0"/>
-          <a:chOff x="0" y="0"/>
-          <a:chExt cx="0" cy="0"/>
-        </a:xfrm>
-      </p:grpSpPr>
-      <p:sp>
-        <p:nvSpPr>
-          <p:cNvPr id="2" name="文本框 1">
-            <a:extLst>
-              <a:ext uri="{FF2B5EF4-FFF2-40B4-BE49-F238E27FC236}">
-                <a16:creationId xmlns:a16="http://schemas.microsoft.com/office/drawing/2014/main" id="{4301BE2B-0820-0143-B72A-D9CEA12265BD}"/>
-              </a:ext>
-            </a:extLst>
-          </p:cNvPr>
-          <p:cNvSpPr txBox="1"/>
-          <p:nvPr/>
-        </p:nvSpPr>
-        <p:spPr>
-          <a:xfrm>
-            <a:off x="5114486" y="3105834"/>
-            <a:ext cx="1963028" cy="646331"/>
-          </a:xfrm>
-          <a:prstGeom prst="rect">
-            <a:avLst/>
-          </a:prstGeom>
-          <a:noFill/>
-        </p:spPr>
-        <p:txBody>
-          <a:bodyPr wrap="square" rtlCol="0">
-            <a:spAutoFit/>
-          </a:bodyPr>
-          <a:lstStyle>
-            <a:defPPr>
-              <a:defRPr lang="zh-CN"/>
-            </a:defPPr>
-            <a:lvl1pPr algn="ctr">
-              <a:defRPr sz="3600">
-                <a:latin typeface="Consolas" panose="020B0609020204030204" pitchFamily="49" charset="0"/>
-                <a:cs typeface="Times New Roman" panose="02020603050405020304" pitchFamily="18" charset="0"/>
-              </a:defRPr>
-            </a:lvl1pPr>
-          </a:lstStyle>
-          <a:p>
-            <a:r>
-              <a:rPr lang="en-US" altLang="zh-CN" dirty="0"/>
-              <a:t>Thanks!</a:t>
-            </a:r>
-          </a:p>
-        </p:txBody>
-      </p:sp>
-    </p:spTree>
-    <p:extLst>
-      <p:ext uri="{BB962C8B-B14F-4D97-AF65-F5344CB8AC3E}">
-        <p14:creationId xmlns:p14="http://schemas.microsoft.com/office/powerpoint/2010/main" val="3015943919"/>
       </p:ext>
     </p:extLst>
   </p:cSld>
@@ -15736,261 +12429,6 @@
           </a:p>
         </p:txBody>
       </p:sp>
-      <p:sp>
-        <p:nvSpPr>
-          <p:cNvPr id="5" name="文本框 4">
-            <a:extLst>
-              <a:ext uri="{FF2B5EF4-FFF2-40B4-BE49-F238E27FC236}">
-                <a16:creationId xmlns:a16="http://schemas.microsoft.com/office/drawing/2014/main" id="{ED0D1EB8-1FAD-5C0B-58E9-E5CE0A283F64}"/>
-              </a:ext>
-            </a:extLst>
-          </p:cNvPr>
-          <p:cNvSpPr txBox="1"/>
-          <p:nvPr/>
-        </p:nvSpPr>
-        <p:spPr>
-          <a:xfrm>
-            <a:off x="707923" y="870155"/>
-            <a:ext cx="8708922" cy="369332"/>
-          </a:xfrm>
-          <a:prstGeom prst="rect">
-            <a:avLst/>
-          </a:prstGeom>
-          <a:noFill/>
-        </p:spPr>
-        <p:txBody>
-          <a:bodyPr wrap="square" rtlCol="0">
-            <a:spAutoFit/>
-          </a:bodyPr>
-          <a:lstStyle/>
-          <a:p>
-            <a:r>
-              <a:rPr lang="en-US" altLang="zh-CN" dirty="0"/>
-              <a:t>Previous</a:t>
-            </a:r>
-            <a:r>
-              <a:rPr lang="zh-CN" altLang="en-US" dirty="0"/>
-              <a:t>的研究情况</a:t>
-            </a:r>
-          </a:p>
-        </p:txBody>
-      </p:sp>
-      <p:sp>
-        <p:nvSpPr>
-          <p:cNvPr id="6" name="文本框 5">
-            <a:extLst>
-              <a:ext uri="{FF2B5EF4-FFF2-40B4-BE49-F238E27FC236}">
-                <a16:creationId xmlns:a16="http://schemas.microsoft.com/office/drawing/2014/main" id="{1D4C1A41-B2E6-E35F-C397-BDA2A8D11293}"/>
-              </a:ext>
-            </a:extLst>
-          </p:cNvPr>
-          <p:cNvSpPr txBox="1"/>
-          <p:nvPr/>
-        </p:nvSpPr>
-        <p:spPr>
-          <a:xfrm>
-            <a:off x="774290" y="1693841"/>
-            <a:ext cx="8708922" cy="1200329"/>
-          </a:xfrm>
-          <a:prstGeom prst="rect">
-            <a:avLst/>
-          </a:prstGeom>
-          <a:noFill/>
-        </p:spPr>
-        <p:txBody>
-          <a:bodyPr wrap="square" rtlCol="0">
-            <a:spAutoFit/>
-          </a:bodyPr>
-          <a:lstStyle/>
-          <a:p>
-            <a:r>
-              <a:rPr lang="zh-CN" altLang="en-US" dirty="0"/>
-              <a:t>最新的进展</a:t>
-            </a:r>
-            <a:endParaRPr lang="en-US" altLang="zh-CN" dirty="0"/>
-          </a:p>
-          <a:p>
-            <a:pPr marL="342900" indent="-342900">
-              <a:buAutoNum type="arabicPeriod"/>
-            </a:pPr>
-            <a:r>
-              <a:rPr lang="en-US" altLang="zh-CN" dirty="0"/>
-              <a:t>KF</a:t>
-            </a:r>
-            <a:r>
-              <a:rPr lang="zh-CN" altLang="en-US" dirty="0"/>
-              <a:t>已经</a:t>
-            </a:r>
-            <a:r>
-              <a:rPr lang="en-US" altLang="zh-CN" dirty="0"/>
-              <a:t>try</a:t>
-            </a:r>
-            <a:r>
-              <a:rPr lang="zh-CN" altLang="en-US" dirty="0"/>
-              <a:t>出来了，但是调参还是没有很熟练</a:t>
-            </a:r>
-            <a:endParaRPr lang="en-US" altLang="zh-CN" dirty="0"/>
-          </a:p>
-          <a:p>
-            <a:pPr marL="342900" indent="-342900">
-              <a:buAutoNum type="arabicPeriod"/>
-            </a:pPr>
-            <a:r>
-              <a:rPr lang="zh-CN" altLang="en-US" dirty="0"/>
-              <a:t>使用</a:t>
-            </a:r>
-            <a:r>
-              <a:rPr lang="en-US" altLang="zh-CN" dirty="0"/>
-              <a:t>DBA</a:t>
-            </a:r>
-            <a:r>
-              <a:rPr lang="zh-CN" altLang="en-US" dirty="0"/>
-              <a:t>的算法，</a:t>
-            </a:r>
-            <a:r>
-              <a:rPr lang="en-US" altLang="zh-CN" dirty="0"/>
-              <a:t>D</a:t>
-            </a:r>
-            <a:r>
-              <a:rPr lang="zh-CN" altLang="en-US" dirty="0"/>
-              <a:t>的效果已经从原来的</a:t>
-            </a:r>
-            <a:r>
-              <a:rPr lang="en-US" altLang="zh-CN" dirty="0"/>
-              <a:t>4.5-&gt;3.5</a:t>
-            </a:r>
-            <a:r>
-              <a:rPr lang="zh-CN" altLang="en-US" dirty="0"/>
-              <a:t>了</a:t>
-            </a:r>
-            <a:endParaRPr lang="en-US" altLang="zh-CN" dirty="0"/>
-          </a:p>
-          <a:p>
-            <a:pPr marL="342900" indent="-342900">
-              <a:buAutoNum type="arabicPeriod"/>
-            </a:pPr>
-            <a:endParaRPr lang="zh-CN" altLang="en-US" dirty="0"/>
-          </a:p>
-        </p:txBody>
-      </p:sp>
-    </p:spTree>
-    <p:extLst>
-      <p:ext uri="{BB962C8B-B14F-4D97-AF65-F5344CB8AC3E}">
-        <p14:creationId xmlns:p14="http://schemas.microsoft.com/office/powerpoint/2010/main" val="1137058698"/>
-      </p:ext>
-    </p:extLst>
-  </p:cSld>
-  <p:clrMapOvr>
-    <a:masterClrMapping/>
-  </p:clrMapOvr>
-</p:sld>
-</file>
-
-<file path=ppt/slides/slide4.xml><?xml version="1.0" encoding="utf-8"?>
-<p:sld xmlns:a="http://schemas.openxmlformats.org/drawingml/2006/main" xmlns:r="http://schemas.openxmlformats.org/officeDocument/2006/relationships" xmlns:p="http://schemas.openxmlformats.org/presentationml/2006/main">
-  <p:cSld>
-    <p:spTree>
-      <p:nvGrpSpPr>
-        <p:cNvPr id="1" name=""/>
-        <p:cNvGrpSpPr/>
-        <p:nvPr/>
-      </p:nvGrpSpPr>
-      <p:grpSpPr>
-        <a:xfrm>
-          <a:off x="0" y="0"/>
-          <a:ext cx="0" cy="0"/>
-          <a:chOff x="0" y="0"/>
-          <a:chExt cx="0" cy="0"/>
-        </a:xfrm>
-      </p:grpSpPr>
-      <p:sp>
-        <p:nvSpPr>
-          <p:cNvPr id="55" name="文本框 54">
-            <a:extLst>
-              <a:ext uri="{FF2B5EF4-FFF2-40B4-BE49-F238E27FC236}">
-                <a16:creationId xmlns:a16="http://schemas.microsoft.com/office/drawing/2014/main" id="{32A2BE86-86A6-F1FC-83EE-91A826B532E5}"/>
-              </a:ext>
-            </a:extLst>
-          </p:cNvPr>
-          <p:cNvSpPr txBox="1"/>
-          <p:nvPr/>
-        </p:nvSpPr>
-        <p:spPr>
-          <a:xfrm>
-            <a:off x="609600" y="106251"/>
-            <a:ext cx="4584920" cy="461665"/>
-          </a:xfrm>
-          <a:prstGeom prst="rect">
-            <a:avLst/>
-          </a:prstGeom>
-          <a:noFill/>
-        </p:spPr>
-        <p:txBody>
-          <a:bodyPr wrap="square" rtlCol="0">
-            <a:spAutoFit/>
-          </a:bodyPr>
-          <a:lstStyle>
-            <a:defPPr>
-              <a:defRPr lang="zh-CN"/>
-            </a:defPPr>
-            <a:lvl1pPr>
-              <a:defRPr sz="2400">
-                <a:latin typeface="Consolas" panose="020B0609020204030204" pitchFamily="49" charset="0"/>
-                <a:cs typeface="Times New Roman" panose="02020603050405020304" pitchFamily="18" charset="0"/>
-              </a:defRPr>
-            </a:lvl1pPr>
-          </a:lstStyle>
-          <a:p>
-            <a:r>
-              <a:rPr lang="en-US" altLang="zh-CN" dirty="0"/>
-              <a:t>Part_1: </a:t>
-            </a:r>
-            <a:r>
-              <a:rPr lang="en-US" altLang="zh-CN" sz="1400" dirty="0"/>
-              <a:t>Research - Getting Template</a:t>
-            </a:r>
-          </a:p>
-        </p:txBody>
-      </p:sp>
-      <p:sp>
-        <p:nvSpPr>
-          <p:cNvPr id="5" name="文本框 4">
-            <a:extLst>
-              <a:ext uri="{FF2B5EF4-FFF2-40B4-BE49-F238E27FC236}">
-                <a16:creationId xmlns:a16="http://schemas.microsoft.com/office/drawing/2014/main" id="{ED0D1EB8-1FAD-5C0B-58E9-E5CE0A283F64}"/>
-              </a:ext>
-            </a:extLst>
-          </p:cNvPr>
-          <p:cNvSpPr txBox="1"/>
-          <p:nvPr/>
-        </p:nvSpPr>
-        <p:spPr>
-          <a:xfrm>
-            <a:off x="707923" y="870155"/>
-            <a:ext cx="8708922" cy="369332"/>
-          </a:xfrm>
-          <a:prstGeom prst="rect">
-            <a:avLst/>
-          </a:prstGeom>
-          <a:noFill/>
-        </p:spPr>
-        <p:txBody>
-          <a:bodyPr wrap="square" rtlCol="0">
-            <a:spAutoFit/>
-          </a:bodyPr>
-          <a:lstStyle/>
-          <a:p>
-            <a:r>
-              <a:rPr lang="en-US" altLang="zh-CN" dirty="0"/>
-              <a:t>Previous</a:t>
-            </a:r>
-            <a:r>
-              <a:rPr lang="zh-CN" altLang="en-US" dirty="0"/>
-              <a:t>的研究情况</a:t>
-            </a:r>
-          </a:p>
-        </p:txBody>
-      </p:sp>
       <p:graphicFrame>
         <p:nvGraphicFramePr>
           <p:cNvPr id="2" name="表格 1">
@@ -16006,14 +12444,14 @@
           <p:nvPr>
             <p:extLst>
               <p:ext uri="{D42A27DB-BD31-4B8C-83A1-F6EECF244321}">
-                <p14:modId xmlns:p14="http://schemas.microsoft.com/office/powerpoint/2010/main" val="3746675605"/>
+                <p14:modId xmlns:p14="http://schemas.microsoft.com/office/powerpoint/2010/main" val="4004949845"/>
               </p:ext>
             </p:extLst>
           </p:nvPr>
         </p:nvGraphicFramePr>
         <p:xfrm>
-          <a:off x="1139723" y="1482836"/>
-          <a:ext cx="10209162" cy="4079240"/>
+          <a:off x="991419" y="1084630"/>
+          <a:ext cx="10209162" cy="3708400"/>
         </p:xfrm>
         <a:graphic>
           <a:graphicData uri="http://schemas.openxmlformats.org/drawingml/2006/table">
@@ -16526,7 +12964,7 @@
                     <a:p>
                       <a:r>
                         <a:rPr lang="en-US" altLang="zh-CN" dirty="0"/>
-                        <a:t>K-shape</a:t>
+                        <a:t>K-shape 1</a:t>
                       </a:r>
                     </a:p>
                   </a:txBody>
@@ -16596,78 +13034,6 @@
                 <a:extLst>
                   <a:ext uri="{0D108BD9-81ED-4DB2-BD59-A6C34878D82A}">
                     <a16:rowId xmlns:a16="http://schemas.microsoft.com/office/drawing/2014/main" val="26936941"/>
-                  </a:ext>
-                </a:extLst>
-              </a:tr>
-              <a:tr h="370840">
-                <a:tc>
-                  <a:txBody>
-                    <a:bodyPr/>
-                    <a:lstStyle/>
-                    <a:p>
-                      <a:r>
-                        <a:rPr lang="en-US" altLang="zh-CN" dirty="0"/>
-                        <a:t>Clustering</a:t>
-                      </a:r>
-                      <a:endParaRPr lang="zh-CN" altLang="en-US" dirty="0"/>
-                    </a:p>
-                  </a:txBody>
-                  <a:tcPr/>
-                </a:tc>
-                <a:tc>
-                  <a:txBody>
-                    <a:bodyPr/>
-                    <a:lstStyle/>
-                    <a:p>
-                      <a:pPr marL="0" marR="0" lvl="0" indent="0" algn="l" defTabSz="914400" rtl="0" eaLnBrk="1" fontAlgn="auto" latinLnBrk="0" hangingPunct="1">
-                        <a:lnSpc>
-                          <a:spcPct val="100000"/>
-                        </a:lnSpc>
-                        <a:spcBef>
-                          <a:spcPts val="0"/>
-                        </a:spcBef>
-                        <a:spcAft>
-                          <a:spcPts val="0"/>
-                        </a:spcAft>
-                        <a:buClrTx/>
-                        <a:buSzTx/>
-                        <a:buFontTx/>
-                        <a:buNone/>
-                        <a:tabLst/>
-                        <a:defRPr/>
-                      </a:pPr>
-                      <a:r>
-                        <a:rPr lang="en-US" altLang="zh-CN" dirty="0"/>
-                        <a:t>No RR, Peak-Based Segmentation</a:t>
-                      </a:r>
-                      <a:endParaRPr lang="zh-CN" altLang="en-US" dirty="0"/>
-                    </a:p>
-                  </a:txBody>
-                  <a:tcPr/>
-                </a:tc>
-                <a:tc>
-                  <a:txBody>
-                    <a:bodyPr/>
-                    <a:lstStyle/>
-                    <a:p>
-                      <a:endParaRPr lang="zh-CN" altLang="en-US" dirty="0"/>
-                    </a:p>
-                  </a:txBody>
-                  <a:tcPr/>
-                </a:tc>
-                <a:tc>
-                  <a:txBody>
-                    <a:bodyPr/>
-                    <a:lstStyle/>
-                    <a:p>
-                      <a:endParaRPr lang="zh-CN" altLang="en-US"/>
-                    </a:p>
-                  </a:txBody>
-                  <a:tcPr/>
-                </a:tc>
-                <a:extLst>
-                  <a:ext uri="{0D108BD9-81ED-4DB2-BD59-A6C34878D82A}">
-                    <a16:rowId xmlns:a16="http://schemas.microsoft.com/office/drawing/2014/main" val="3358596880"/>
                   </a:ext>
                 </a:extLst>
               </a:tr>
@@ -16813,7 +13179,12 @@
                     <a:bodyPr/>
                     <a:lstStyle/>
                     <a:p>
-                      <a:endParaRPr lang="zh-CN" altLang="en-US"/>
+                      <a:pPr algn="ctr"/>
+                      <a:r>
+                        <a:rPr lang="en-US" altLang="zh-CN" dirty="0"/>
+                        <a:t>2.18 / 1.79</a:t>
+                      </a:r>
+                      <a:endParaRPr lang="zh-CN" altLang="en-US" dirty="0"/>
                     </a:p>
                   </a:txBody>
                   <a:tcPr/>
@@ -16823,6 +13194,11 @@
                     <a:bodyPr/>
                     <a:lstStyle/>
                     <a:p>
+                      <a:pPr algn="ctr"/>
+                      <a:r>
+                        <a:rPr lang="en-US" altLang="zh-CN" dirty="0"/>
+                        <a:t>4.76 / 5.24</a:t>
+                      </a:r>
                       <a:endParaRPr lang="zh-CN" altLang="en-US" dirty="0"/>
                     </a:p>
                   </a:txBody>
@@ -16885,7 +13261,19 @@
                     <a:bodyPr/>
                     <a:lstStyle/>
                     <a:p>
-                      <a:endParaRPr lang="zh-CN" altLang="en-US"/>
+                      <a:r>
+                        <a:rPr lang="en-US" altLang="zh-CN" sz="1800" kern="1200" dirty="0">
+                          <a:solidFill>
+                            <a:schemeClr val="dk1"/>
+                          </a:solidFill>
+                          <a:effectLst/>
+                          <a:latin typeface="+mn-lt"/>
+                          <a:ea typeface="+mn-ea"/>
+                          <a:cs typeface="+mn-cs"/>
+                        </a:rPr>
+                        <a:t>  1.45 / 1.37</a:t>
+                      </a:r>
+                      <a:endParaRPr lang="zh-CN" altLang="en-US" dirty="0"/>
                     </a:p>
                   </a:txBody>
                   <a:tcPr/>
@@ -16895,6 +13283,18 @@
                     <a:bodyPr/>
                     <a:lstStyle/>
                     <a:p>
+                      <a:r>
+                        <a:rPr lang="en-US" altLang="zh-CN" sz="1800" kern="1200" dirty="0">
+                          <a:solidFill>
+                            <a:schemeClr val="dk1"/>
+                          </a:solidFill>
+                          <a:effectLst/>
+                          <a:latin typeface="+mn-lt"/>
+                          <a:ea typeface="+mn-ea"/>
+                          <a:cs typeface="+mn-cs"/>
+                        </a:rPr>
+                        <a:t>  4.82 / 4.60</a:t>
+                      </a:r>
                       <a:endParaRPr lang="zh-CN" altLang="en-US" dirty="0"/>
                     </a:p>
                   </a:txBody>
@@ -16957,7 +13357,12 @@
                     <a:bodyPr/>
                     <a:lstStyle/>
                     <a:p>
-                      <a:endParaRPr lang="zh-CN" altLang="en-US" dirty="0"/>
+                      <a:pPr algn="ctr"/>
+                      <a:r>
+                        <a:rPr lang="en-US" altLang="zh-CN" u="sng" dirty="0"/>
+                        <a:t>2.05 / 1.96</a:t>
+                      </a:r>
+                      <a:endParaRPr lang="zh-CN" altLang="en-US" u="sng" dirty="0"/>
                     </a:p>
                   </a:txBody>
                   <a:tcPr/>
@@ -16967,7 +13372,12 @@
                     <a:bodyPr/>
                     <a:lstStyle/>
                     <a:p>
-                      <a:endParaRPr lang="zh-CN" altLang="en-US" dirty="0"/>
+                      <a:pPr algn="ctr"/>
+                      <a:r>
+                        <a:rPr lang="en-US" altLang="zh-CN" u="sng" dirty="0"/>
+                        <a:t>3.43 / 4.15</a:t>
+                      </a:r>
+                      <a:endParaRPr lang="zh-CN" altLang="en-US" u="sng" dirty="0"/>
                     </a:p>
                   </a:txBody>
                   <a:tcPr/>
@@ -16995,7 +13405,7 @@
 </p:sld>
 </file>
 
-<file path=ppt/slides/slide5.xml><?xml version="1.0" encoding="utf-8"?>
+<file path=ppt/slides/slide4.xml><?xml version="1.0" encoding="utf-8"?>
 <p:sld xmlns:a="http://schemas.openxmlformats.org/drawingml/2006/main" xmlns:r="http://schemas.openxmlformats.org/officeDocument/2006/relationships" xmlns:p="http://schemas.openxmlformats.org/presentationml/2006/main">
   <p:cSld>
     <p:spTree>
@@ -17063,10 +13473,10 @@
       </p:sp>
       <p:sp>
         <p:nvSpPr>
-          <p:cNvPr id="5" name="文本框 4">
+          <p:cNvPr id="3" name="文本框 2">
             <a:extLst>
               <a:ext uri="{FF2B5EF4-FFF2-40B4-BE49-F238E27FC236}">
-                <a16:creationId xmlns:a16="http://schemas.microsoft.com/office/drawing/2014/main" id="{ED0D1EB8-1FAD-5C0B-58E9-E5CE0A283F64}"/>
+                <a16:creationId xmlns:a16="http://schemas.microsoft.com/office/drawing/2014/main" id="{7E6479E6-9587-A2B7-5574-031FC4CC0E72}"/>
               </a:ext>
             </a:extLst>
           </p:cNvPr>
@@ -17075,8 +13485,8 @@
         </p:nvSpPr>
         <p:spPr>
           <a:xfrm>
-            <a:off x="707923" y="870155"/>
-            <a:ext cx="8708922" cy="369332"/>
+            <a:off x="609600" y="766916"/>
+            <a:ext cx="11358716" cy="4524315"/>
           </a:xfrm>
           <a:prstGeom prst="rect">
             <a:avLst/>
@@ -17091,15 +13501,166 @@
           <a:p>
             <a:r>
               <a:rPr lang="zh-CN" altLang="en-US" dirty="0"/>
-              <a:t>已有的一些</a:t>
-            </a:r>
+              <a:t>实验结果反映的初步结论：</a:t>
+            </a:r>
+            <a:endParaRPr lang="en-US" altLang="zh-CN" dirty="0"/>
+          </a:p>
+          <a:p>
+            <a:endParaRPr lang="en-US" altLang="zh-CN" dirty="0"/>
+          </a:p>
+          <a:p>
             <a:r>
               <a:rPr lang="en-US" altLang="zh-CN" dirty="0"/>
-              <a:t>DTW</a:t>
-            </a:r>
+              <a:t>Conclusion1:</a:t>
+            </a:r>
+          </a:p>
+          <a:p>
             <a:r>
               <a:rPr lang="zh-CN" altLang="en-US" dirty="0"/>
-              <a:t>的变形的效果示意图</a:t>
+              <a:t>在仍然使用线性回归的情况下，对纯净</a:t>
+            </a:r>
+            <a:r>
+              <a:rPr lang="en-US" altLang="zh-CN" dirty="0"/>
+              <a:t>SCG</a:t>
+            </a:r>
+            <a:r>
+              <a:rPr lang="zh-CN" altLang="en-US" dirty="0"/>
+              <a:t>信号的</a:t>
+            </a:r>
+            <a:r>
+              <a:rPr lang="en-US" altLang="zh-CN" dirty="0"/>
+              <a:t>D</a:t>
+            </a:r>
+            <a:r>
+              <a:rPr lang="zh-CN" altLang="en-US" dirty="0"/>
+              <a:t>指标预测的理论上限，应该是</a:t>
+            </a:r>
+            <a:r>
+              <a:rPr lang="en-US" altLang="zh-CN" dirty="0"/>
+              <a:t>1.8</a:t>
+            </a:r>
+            <a:r>
+              <a:rPr lang="zh-CN" altLang="en-US" dirty="0"/>
+              <a:t>。但是，目前使用</a:t>
+            </a:r>
+            <a:r>
+              <a:rPr lang="en-US" altLang="zh-CN" dirty="0"/>
+              <a:t>DBA</a:t>
+            </a:r>
+            <a:r>
+              <a:rPr lang="zh-CN" altLang="en-US" dirty="0"/>
+              <a:t>算法的效果，已经初步得出：获取标准模板的过程，是一个</a:t>
+            </a:r>
+            <a:r>
+              <a:rPr lang="en-US" altLang="zh-CN" dirty="0"/>
+              <a:t>denoising</a:t>
+            </a:r>
+            <a:r>
+              <a:rPr lang="zh-CN" altLang="en-US" dirty="0"/>
+              <a:t>的过程。</a:t>
+            </a:r>
+            <a:endParaRPr lang="en-US" altLang="zh-CN" dirty="0"/>
+          </a:p>
+          <a:p>
+            <a:r>
+              <a:rPr lang="zh-CN" altLang="en-US" dirty="0"/>
+              <a:t>（</a:t>
+            </a:r>
+            <a:r>
+              <a:rPr lang="en-US" altLang="zh-CN" dirty="0"/>
+              <a:t>DBA</a:t>
+            </a:r>
+            <a:r>
+              <a:rPr lang="zh-CN" altLang="en-US" dirty="0"/>
+              <a:t>算法会在之后简单的介绍）</a:t>
+            </a:r>
+            <a:endParaRPr lang="en-US" altLang="zh-CN" dirty="0"/>
+          </a:p>
+          <a:p>
+            <a:endParaRPr lang="en-US" altLang="zh-CN" dirty="0"/>
+          </a:p>
+          <a:p>
+            <a:r>
+              <a:rPr lang="en-US" altLang="zh-CN" dirty="0"/>
+              <a:t>Conclusion2:</a:t>
+            </a:r>
+          </a:p>
+          <a:p>
+            <a:r>
+              <a:rPr lang="zh-CN" altLang="en-US" dirty="0"/>
+              <a:t>我们之前对</a:t>
+            </a:r>
+            <a:r>
+              <a:rPr lang="en-US" altLang="zh-CN" dirty="0"/>
+              <a:t>K-shape</a:t>
+            </a:r>
+            <a:r>
+              <a:rPr lang="zh-CN" altLang="en-US" dirty="0"/>
+              <a:t>的使用和结论是错误的。</a:t>
+            </a:r>
+            <a:endParaRPr lang="en-US" altLang="zh-CN" dirty="0"/>
+          </a:p>
+          <a:p>
+            <a:r>
+              <a:rPr lang="en-US" altLang="zh-CN" dirty="0"/>
+              <a:t>K-shape</a:t>
+            </a:r>
+            <a:r>
+              <a:rPr lang="zh-CN" altLang="en-US" dirty="0"/>
+              <a:t>的精髓</a:t>
+            </a:r>
+            <a:endParaRPr lang="en-US" altLang="zh-CN" dirty="0"/>
+          </a:p>
+          <a:p>
+            <a:endParaRPr lang="en-US" altLang="zh-CN" dirty="0"/>
+          </a:p>
+          <a:p>
+            <a:endParaRPr lang="en-US" altLang="zh-CN" dirty="0"/>
+          </a:p>
+          <a:p>
+            <a:r>
+              <a:rPr lang="en-US" altLang="zh-CN" dirty="0"/>
+              <a:t>Conclusion3:</a:t>
+            </a:r>
+          </a:p>
+          <a:p>
+            <a:r>
+              <a:rPr lang="en-US" altLang="zh-CN" dirty="0"/>
+              <a:t>Kalman Filter</a:t>
+            </a:r>
+            <a:r>
+              <a:rPr lang="zh-CN" altLang="en-US" dirty="0"/>
+              <a:t>从原理上来说，</a:t>
+            </a:r>
+            <a:r>
+              <a:rPr lang="en-US" altLang="zh-CN" dirty="0"/>
+              <a:t>Multi-sensor confusion</a:t>
+            </a:r>
+            <a:r>
+              <a:rPr lang="zh-CN" altLang="en-US" dirty="0"/>
+              <a:t>的思路，是可以很好的抑制噪声的。</a:t>
+            </a:r>
+            <a:endParaRPr lang="en-US" altLang="zh-CN" dirty="0"/>
+          </a:p>
+          <a:p>
+            <a:r>
+              <a:rPr lang="zh-CN" altLang="en-US" dirty="0"/>
+              <a:t>目前虽然效果不好，但我仍然认为，</a:t>
+            </a:r>
+            <a:r>
+              <a:rPr lang="en-US" altLang="zh-CN" dirty="0"/>
+              <a:t>Kalman Filter</a:t>
+            </a:r>
+            <a:r>
+              <a:rPr lang="zh-CN" altLang="en-US" dirty="0"/>
+              <a:t>的道路是能走通的。</a:t>
+            </a:r>
+            <a:endParaRPr lang="en-US" altLang="zh-CN" dirty="0"/>
+          </a:p>
+          <a:p>
+            <a:r>
+              <a:rPr lang="zh-CN" altLang="en-US" dirty="0"/>
+              <a:t>但可能没有发表的价值。</a:t>
             </a:r>
             <a:endParaRPr lang="en-US" altLang="zh-CN" dirty="0"/>
           </a:p>
@@ -17108,7 +13669,556 @@
     </p:spTree>
     <p:extLst>
       <p:ext uri="{BB962C8B-B14F-4D97-AF65-F5344CB8AC3E}">
-        <p14:creationId xmlns:p14="http://schemas.microsoft.com/office/powerpoint/2010/main" val="193996663"/>
+        <p14:creationId xmlns:p14="http://schemas.microsoft.com/office/powerpoint/2010/main" val="1918894836"/>
+      </p:ext>
+    </p:extLst>
+  </p:cSld>
+  <p:clrMapOvr>
+    <a:masterClrMapping/>
+  </p:clrMapOvr>
+</p:sld>
+</file>
+
+<file path=ppt/slides/slide5.xml><?xml version="1.0" encoding="utf-8"?>
+<p:sld xmlns:a="http://schemas.openxmlformats.org/drawingml/2006/main" xmlns:r="http://schemas.openxmlformats.org/officeDocument/2006/relationships" xmlns:p="http://schemas.openxmlformats.org/presentationml/2006/main">
+  <p:cSld>
+    <p:spTree>
+      <p:nvGrpSpPr>
+        <p:cNvPr id="1" name=""/>
+        <p:cNvGrpSpPr/>
+        <p:nvPr/>
+      </p:nvGrpSpPr>
+      <p:grpSpPr>
+        <a:xfrm>
+          <a:off x="0" y="0"/>
+          <a:ext cx="0" cy="0"/>
+          <a:chOff x="0" y="0"/>
+          <a:chExt cx="0" cy="0"/>
+        </a:xfrm>
+      </p:grpSpPr>
+      <p:sp>
+        <p:nvSpPr>
+          <p:cNvPr id="6" name="文本框 5">
+            <a:extLst>
+              <a:ext uri="{FF2B5EF4-FFF2-40B4-BE49-F238E27FC236}">
+                <a16:creationId xmlns:a16="http://schemas.microsoft.com/office/drawing/2014/main" id="{CB57B3DA-EA77-30D0-42EE-7EE902C6E4E9}"/>
+              </a:ext>
+            </a:extLst>
+          </p:cNvPr>
+          <p:cNvSpPr txBox="1"/>
+          <p:nvPr/>
+        </p:nvSpPr>
+        <p:spPr>
+          <a:xfrm>
+            <a:off x="6391276" y="418062"/>
+            <a:ext cx="5453061" cy="5632311"/>
+          </a:xfrm>
+          <a:prstGeom prst="rect">
+            <a:avLst/>
+          </a:prstGeom>
+          <a:noFill/>
+        </p:spPr>
+        <p:txBody>
+          <a:bodyPr wrap="square" rtlCol="0">
+            <a:spAutoFit/>
+          </a:bodyPr>
+          <a:lstStyle/>
+          <a:p>
+            <a:r>
+              <a:rPr lang="en-US" altLang="zh-CN" b="1" dirty="0"/>
+              <a:t>What features should a good algorithm for obtaining a template have?</a:t>
+            </a:r>
+          </a:p>
+          <a:p>
+            <a:endParaRPr lang="en-US" altLang="zh-CN" b="1" dirty="0"/>
+          </a:p>
+          <a:p>
+            <a:r>
+              <a:rPr lang="en-US" altLang="zh-CN" b="1" dirty="0"/>
+              <a:t>Feature 1</a:t>
+            </a:r>
+            <a:r>
+              <a:rPr lang="en-US" altLang="zh-CN" dirty="0"/>
+              <a:t>: The highest points of both large and small peaks for each piece should be aligned after applying the algorithm.</a:t>
+            </a:r>
+          </a:p>
+          <a:p>
+            <a:endParaRPr lang="en-US" altLang="zh-CN" dirty="0"/>
+          </a:p>
+          <a:p>
+            <a:r>
+              <a:rPr lang="en-US" altLang="zh-CN" b="1" dirty="0"/>
+              <a:t>Feature 2</a:t>
+            </a:r>
+            <a:r>
+              <a:rPr lang="en-US" altLang="zh-CN" dirty="0"/>
+              <a:t>: The distance between two peaks of the template should be the rounded average of distances between two peaks for all pieces.</a:t>
+            </a:r>
+          </a:p>
+          <a:p>
+            <a:endParaRPr lang="en-US" altLang="zh-CN" dirty="0"/>
+          </a:p>
+          <a:p>
+            <a:r>
+              <a:rPr lang="en-US" altLang="zh-CN" b="1" dirty="0"/>
+              <a:t>Feature</a:t>
+            </a:r>
+            <a:r>
+              <a:rPr lang="zh-CN" altLang="en-US" b="1" dirty="0"/>
+              <a:t> </a:t>
+            </a:r>
+            <a:r>
+              <a:rPr lang="en-US" altLang="zh-CN" b="1" dirty="0"/>
+              <a:t>3</a:t>
+            </a:r>
+            <a:r>
+              <a:rPr lang="en-US" altLang="zh-CN" dirty="0"/>
+              <a:t>: The ability to handle time shifts (possibly essential in real data but less critical in simulated signals).</a:t>
+            </a:r>
+          </a:p>
+          <a:p>
+            <a:endParaRPr lang="en-US" altLang="zh-CN" dirty="0"/>
+          </a:p>
+          <a:p>
+            <a:r>
+              <a:rPr lang="en-US" altLang="zh-CN" dirty="0"/>
+              <a:t>The primary focus of research should indeed be on </a:t>
+            </a:r>
+            <a:r>
+              <a:rPr lang="en-US" altLang="zh-CN" b="1" dirty="0"/>
+              <a:t>Time Warping </a:t>
+            </a:r>
+            <a:r>
+              <a:rPr lang="en-US" altLang="zh-CN" dirty="0"/>
+              <a:t>to get perfect template of SCG signals.</a:t>
+            </a:r>
+          </a:p>
+        </p:txBody>
+      </p:sp>
+      <p:pic>
+        <p:nvPicPr>
+          <p:cNvPr id="2" name="图片 1">
+            <a:extLst>
+              <a:ext uri="{FF2B5EF4-FFF2-40B4-BE49-F238E27FC236}">
+                <a16:creationId xmlns:a16="http://schemas.microsoft.com/office/drawing/2014/main" id="{0A4D642C-9BAB-C695-348A-3425F89A7A3F}"/>
+              </a:ext>
+            </a:extLst>
+          </p:cNvPr>
+          <p:cNvPicPr>
+            <a:picLocks noChangeAspect="1"/>
+          </p:cNvPicPr>
+          <p:nvPr/>
+        </p:nvPicPr>
+        <p:blipFill rotWithShape="1">
+          <a:blip r:embed="rId3">
+            <a:extLst>
+              <a:ext uri="{28A0092B-C50C-407E-A947-70E740481C1C}">
+                <a14:useLocalDpi xmlns:a14="http://schemas.microsoft.com/office/drawing/2010/main" val="0"/>
+              </a:ext>
+            </a:extLst>
+          </a:blip>
+          <a:srcRect l="8366" t="1824" r="8366"/>
+          <a:stretch/>
+        </p:blipFill>
+        <p:spPr>
+          <a:xfrm>
+            <a:off x="152400" y="3515632"/>
+            <a:ext cx="5700713" cy="2693193"/>
+          </a:xfrm>
+          <a:prstGeom prst="rect">
+            <a:avLst/>
+          </a:prstGeom>
+        </p:spPr>
+      </p:pic>
+      <p:pic>
+        <p:nvPicPr>
+          <p:cNvPr id="3" name="图片 2">
+            <a:extLst>
+              <a:ext uri="{FF2B5EF4-FFF2-40B4-BE49-F238E27FC236}">
+                <a16:creationId xmlns:a16="http://schemas.microsoft.com/office/drawing/2014/main" id="{385B2939-9B1A-831C-56E0-4FB6DE1A9143}"/>
+              </a:ext>
+            </a:extLst>
+          </p:cNvPr>
+          <p:cNvPicPr>
+            <a:picLocks noChangeAspect="1"/>
+          </p:cNvPicPr>
+          <p:nvPr/>
+        </p:nvPicPr>
+        <p:blipFill rotWithShape="1">
+          <a:blip r:embed="rId4">
+            <a:extLst>
+              <a:ext uri="{28A0092B-C50C-407E-A947-70E740481C1C}">
+                <a14:useLocalDpi xmlns:a14="http://schemas.microsoft.com/office/drawing/2010/main" val="0"/>
+              </a:ext>
+            </a:extLst>
+          </a:blip>
+          <a:srcRect l="8069" t="52719" r="8150" b="5674"/>
+          <a:stretch/>
+        </p:blipFill>
+        <p:spPr>
+          <a:xfrm>
+            <a:off x="152400" y="914400"/>
+            <a:ext cx="5700713" cy="2427969"/>
+          </a:xfrm>
+          <a:prstGeom prst="rect">
+            <a:avLst/>
+          </a:prstGeom>
+        </p:spPr>
+      </p:pic>
+      <p:cxnSp>
+        <p:nvCxnSpPr>
+          <p:cNvPr id="7" name="直接箭头连接符 6">
+            <a:extLst>
+              <a:ext uri="{FF2B5EF4-FFF2-40B4-BE49-F238E27FC236}">
+                <a16:creationId xmlns:a16="http://schemas.microsoft.com/office/drawing/2014/main" id="{AA79CCAC-3E6C-C981-A276-CDDEE553D7B8}"/>
+              </a:ext>
+            </a:extLst>
+          </p:cNvPr>
+          <p:cNvCxnSpPr>
+            <a:cxnSpLocks/>
+          </p:cNvCxnSpPr>
+          <p:nvPr/>
+        </p:nvCxnSpPr>
+        <p:spPr>
+          <a:xfrm>
+            <a:off x="3614739" y="1314450"/>
+            <a:ext cx="0" cy="521494"/>
+          </a:xfrm>
+          <a:prstGeom prst="straightConnector1">
+            <a:avLst/>
+          </a:prstGeom>
+          <a:ln w="12700">
+            <a:solidFill>
+              <a:srgbClr val="C00000"/>
+            </a:solidFill>
+            <a:tailEnd type="triangle"/>
+          </a:ln>
+        </p:spPr>
+        <p:style>
+          <a:lnRef idx="1">
+            <a:schemeClr val="accent1"/>
+          </a:lnRef>
+          <a:fillRef idx="0">
+            <a:schemeClr val="accent1"/>
+          </a:fillRef>
+          <a:effectRef idx="0">
+            <a:schemeClr val="accent1"/>
+          </a:effectRef>
+          <a:fontRef idx="minor">
+            <a:schemeClr val="tx1"/>
+          </a:fontRef>
+        </p:style>
+      </p:cxnSp>
+      <p:cxnSp>
+        <p:nvCxnSpPr>
+          <p:cNvPr id="8" name="直接箭头连接符 7">
+            <a:extLst>
+              <a:ext uri="{FF2B5EF4-FFF2-40B4-BE49-F238E27FC236}">
+                <a16:creationId xmlns:a16="http://schemas.microsoft.com/office/drawing/2014/main" id="{0FA95417-0035-B4C7-9B52-B399BBB1CD0B}"/>
+              </a:ext>
+            </a:extLst>
+          </p:cNvPr>
+          <p:cNvCxnSpPr>
+            <a:cxnSpLocks/>
+          </p:cNvCxnSpPr>
+          <p:nvPr/>
+        </p:nvCxnSpPr>
+        <p:spPr>
+          <a:xfrm>
+            <a:off x="3724276" y="1314450"/>
+            <a:ext cx="0" cy="521493"/>
+          </a:xfrm>
+          <a:prstGeom prst="straightConnector1">
+            <a:avLst/>
+          </a:prstGeom>
+          <a:ln w="12700">
+            <a:solidFill>
+              <a:srgbClr val="C00000"/>
+            </a:solidFill>
+            <a:tailEnd type="triangle"/>
+          </a:ln>
+        </p:spPr>
+        <p:style>
+          <a:lnRef idx="1">
+            <a:schemeClr val="accent1"/>
+          </a:lnRef>
+          <a:fillRef idx="0">
+            <a:schemeClr val="accent1"/>
+          </a:fillRef>
+          <a:effectRef idx="0">
+            <a:schemeClr val="accent1"/>
+          </a:effectRef>
+          <a:fontRef idx="minor">
+            <a:schemeClr val="tx1"/>
+          </a:fontRef>
+        </p:style>
+      </p:cxnSp>
+      <p:cxnSp>
+        <p:nvCxnSpPr>
+          <p:cNvPr id="10" name="直接连接符 9">
+            <a:extLst>
+              <a:ext uri="{FF2B5EF4-FFF2-40B4-BE49-F238E27FC236}">
+                <a16:creationId xmlns:a16="http://schemas.microsoft.com/office/drawing/2014/main" id="{4DE0FC6C-D5A7-0F93-40F9-480C916DAC80}"/>
+              </a:ext>
+            </a:extLst>
+          </p:cNvPr>
+          <p:cNvCxnSpPr/>
+          <p:nvPr/>
+        </p:nvCxnSpPr>
+        <p:spPr>
+          <a:xfrm>
+            <a:off x="920750" y="1054100"/>
+            <a:ext cx="0" cy="1841500"/>
+          </a:xfrm>
+          <a:prstGeom prst="line">
+            <a:avLst/>
+          </a:prstGeom>
+          <a:ln w="9525">
+            <a:solidFill>
+              <a:srgbClr val="C00000"/>
+            </a:solidFill>
+            <a:prstDash val="dash"/>
+          </a:ln>
+        </p:spPr>
+        <p:style>
+          <a:lnRef idx="1">
+            <a:schemeClr val="accent1"/>
+          </a:lnRef>
+          <a:fillRef idx="0">
+            <a:schemeClr val="accent1"/>
+          </a:fillRef>
+          <a:effectRef idx="0">
+            <a:schemeClr val="accent1"/>
+          </a:effectRef>
+          <a:fontRef idx="minor">
+            <a:schemeClr val="tx1"/>
+          </a:fontRef>
+        </p:style>
+      </p:cxnSp>
+      <p:cxnSp>
+        <p:nvCxnSpPr>
+          <p:cNvPr id="11" name="直接连接符 10">
+            <a:extLst>
+              <a:ext uri="{FF2B5EF4-FFF2-40B4-BE49-F238E27FC236}">
+                <a16:creationId xmlns:a16="http://schemas.microsoft.com/office/drawing/2014/main" id="{A73DC5DC-5075-6B32-FC19-8DBD85DACA95}"/>
+              </a:ext>
+            </a:extLst>
+          </p:cNvPr>
+          <p:cNvCxnSpPr>
+            <a:cxnSpLocks/>
+          </p:cNvCxnSpPr>
+          <p:nvPr/>
+        </p:nvCxnSpPr>
+        <p:spPr>
+          <a:xfrm>
+            <a:off x="3656014" y="2105931"/>
+            <a:ext cx="0" cy="789669"/>
+          </a:xfrm>
+          <a:prstGeom prst="line">
+            <a:avLst/>
+          </a:prstGeom>
+          <a:ln w="9525">
+            <a:solidFill>
+              <a:srgbClr val="C00000"/>
+            </a:solidFill>
+            <a:prstDash val="dash"/>
+          </a:ln>
+        </p:spPr>
+        <p:style>
+          <a:lnRef idx="1">
+            <a:schemeClr val="accent1"/>
+          </a:lnRef>
+          <a:fillRef idx="0">
+            <a:schemeClr val="accent1"/>
+          </a:fillRef>
+          <a:effectRef idx="0">
+            <a:schemeClr val="accent1"/>
+          </a:effectRef>
+          <a:fontRef idx="minor">
+            <a:schemeClr val="tx1"/>
+          </a:fontRef>
+        </p:style>
+      </p:cxnSp>
+      <p:cxnSp>
+        <p:nvCxnSpPr>
+          <p:cNvPr id="16" name="直接箭头连接符 15">
+            <a:extLst>
+              <a:ext uri="{FF2B5EF4-FFF2-40B4-BE49-F238E27FC236}">
+                <a16:creationId xmlns:a16="http://schemas.microsoft.com/office/drawing/2014/main" id="{005F8071-7485-9E4A-C10A-08C5D14552FE}"/>
+              </a:ext>
+            </a:extLst>
+          </p:cNvPr>
+          <p:cNvCxnSpPr/>
+          <p:nvPr/>
+        </p:nvCxnSpPr>
+        <p:spPr>
+          <a:xfrm>
+            <a:off x="920750" y="2628896"/>
+            <a:ext cx="2735264" cy="0"/>
+          </a:xfrm>
+          <a:prstGeom prst="straightConnector1">
+            <a:avLst/>
+          </a:prstGeom>
+          <a:ln w="9525">
+            <a:solidFill>
+              <a:srgbClr val="C00000"/>
+            </a:solidFill>
+            <a:prstDash val="solid"/>
+            <a:headEnd type="triangle"/>
+            <a:tailEnd type="triangle"/>
+          </a:ln>
+        </p:spPr>
+        <p:style>
+          <a:lnRef idx="1">
+            <a:schemeClr val="accent1"/>
+          </a:lnRef>
+          <a:fillRef idx="0">
+            <a:schemeClr val="accent1"/>
+          </a:fillRef>
+          <a:effectRef idx="0">
+            <a:schemeClr val="accent1"/>
+          </a:effectRef>
+          <a:fontRef idx="minor">
+            <a:schemeClr val="tx1"/>
+          </a:fontRef>
+        </p:style>
+      </p:cxnSp>
+      <p:cxnSp>
+        <p:nvCxnSpPr>
+          <p:cNvPr id="18" name="直接箭头连接符 17">
+            <a:extLst>
+              <a:ext uri="{FF2B5EF4-FFF2-40B4-BE49-F238E27FC236}">
+                <a16:creationId xmlns:a16="http://schemas.microsoft.com/office/drawing/2014/main" id="{7B4CE1AE-5459-A292-4A71-2443A3B18017}"/>
+              </a:ext>
+            </a:extLst>
+          </p:cNvPr>
+          <p:cNvCxnSpPr>
+            <a:cxnSpLocks/>
+          </p:cNvCxnSpPr>
+          <p:nvPr/>
+        </p:nvCxnSpPr>
+        <p:spPr>
+          <a:xfrm>
+            <a:off x="3803650" y="1431922"/>
+            <a:ext cx="2535239" cy="0"/>
+          </a:xfrm>
+          <a:prstGeom prst="straightConnector1">
+            <a:avLst/>
+          </a:prstGeom>
+          <a:ln>
+            <a:solidFill>
+              <a:schemeClr val="tx1"/>
+            </a:solidFill>
+            <a:tailEnd type="triangle"/>
+          </a:ln>
+        </p:spPr>
+        <p:style>
+          <a:lnRef idx="1">
+            <a:schemeClr val="accent1"/>
+          </a:lnRef>
+          <a:fillRef idx="0">
+            <a:schemeClr val="accent1"/>
+          </a:fillRef>
+          <a:effectRef idx="0">
+            <a:schemeClr val="accent1"/>
+          </a:effectRef>
+          <a:fontRef idx="minor">
+            <a:schemeClr val="tx1"/>
+          </a:fontRef>
+        </p:style>
+      </p:cxnSp>
+      <p:cxnSp>
+        <p:nvCxnSpPr>
+          <p:cNvPr id="22" name="连接符: 肘形 21">
+            <a:extLst>
+              <a:ext uri="{FF2B5EF4-FFF2-40B4-BE49-F238E27FC236}">
+                <a16:creationId xmlns:a16="http://schemas.microsoft.com/office/drawing/2014/main" id="{27F874C5-0D53-3DBD-4A96-4A667333C494}"/>
+              </a:ext>
+            </a:extLst>
+          </p:cNvPr>
+          <p:cNvCxnSpPr/>
+          <p:nvPr/>
+        </p:nvCxnSpPr>
+        <p:spPr>
+          <a:xfrm>
+            <a:off x="2288382" y="2628896"/>
+            <a:ext cx="4050507" cy="158754"/>
+          </a:xfrm>
+          <a:prstGeom prst="bentConnector3">
+            <a:avLst>
+              <a:gd name="adj1" fmla="val 931"/>
+            </a:avLst>
+          </a:prstGeom>
+          <a:ln>
+            <a:solidFill>
+              <a:schemeClr val="tx1"/>
+            </a:solidFill>
+            <a:tailEnd type="triangle"/>
+          </a:ln>
+        </p:spPr>
+        <p:style>
+          <a:lnRef idx="1">
+            <a:schemeClr val="accent1"/>
+          </a:lnRef>
+          <a:fillRef idx="0">
+            <a:schemeClr val="accent1"/>
+          </a:fillRef>
+          <a:effectRef idx="0">
+            <a:schemeClr val="accent1"/>
+          </a:effectRef>
+          <a:fontRef idx="minor">
+            <a:schemeClr val="tx1"/>
+          </a:fontRef>
+        </p:style>
+      </p:cxnSp>
+      <p:cxnSp>
+        <p:nvCxnSpPr>
+          <p:cNvPr id="26" name="直接箭头连接符 25">
+            <a:extLst>
+              <a:ext uri="{FF2B5EF4-FFF2-40B4-BE49-F238E27FC236}">
+                <a16:creationId xmlns:a16="http://schemas.microsoft.com/office/drawing/2014/main" id="{D3990D89-AC1A-B39C-FFDA-F4624905C1FA}"/>
+              </a:ext>
+            </a:extLst>
+          </p:cNvPr>
+          <p:cNvCxnSpPr>
+            <a:cxnSpLocks/>
+          </p:cNvCxnSpPr>
+          <p:nvPr/>
+        </p:nvCxnSpPr>
+        <p:spPr>
+          <a:xfrm>
+            <a:off x="1873250" y="4165600"/>
+            <a:ext cx="4465639" cy="0"/>
+          </a:xfrm>
+          <a:prstGeom prst="straightConnector1">
+            <a:avLst/>
+          </a:prstGeom>
+          <a:ln>
+            <a:solidFill>
+              <a:schemeClr val="tx1"/>
+            </a:solidFill>
+            <a:tailEnd type="triangle"/>
+          </a:ln>
+        </p:spPr>
+        <p:style>
+          <a:lnRef idx="1">
+            <a:schemeClr val="accent1"/>
+          </a:lnRef>
+          <a:fillRef idx="0">
+            <a:schemeClr val="accent1"/>
+          </a:fillRef>
+          <a:effectRef idx="0">
+            <a:schemeClr val="accent1"/>
+          </a:effectRef>
+          <a:fontRef idx="minor">
+            <a:schemeClr val="tx1"/>
+          </a:fontRef>
+        </p:style>
+      </p:cxnSp>
+    </p:spTree>
+    <p:extLst>
+      <p:ext uri="{BB962C8B-B14F-4D97-AF65-F5344CB8AC3E}">
+        <p14:creationId xmlns:p14="http://schemas.microsoft.com/office/powerpoint/2010/main" val="3613148644"/>
       </p:ext>
     </p:extLst>
   </p:cSld>
@@ -17179,15 +14289,176 @@
             </a:r>
             <a:r>
               <a:rPr lang="en-US" altLang="zh-CN" sz="1400" dirty="0"/>
-              <a:t>Research - Breath Removal</a:t>
+              <a:t>Research - Getting Template</a:t>
             </a:r>
           </a:p>
         </p:txBody>
       </p:sp>
+      <p:sp>
+        <p:nvSpPr>
+          <p:cNvPr id="5" name="文本框 4">
+            <a:extLst>
+              <a:ext uri="{FF2B5EF4-FFF2-40B4-BE49-F238E27FC236}">
+                <a16:creationId xmlns:a16="http://schemas.microsoft.com/office/drawing/2014/main" id="{ED0D1EB8-1FAD-5C0B-58E9-E5CE0A283F64}"/>
+              </a:ext>
+            </a:extLst>
+          </p:cNvPr>
+          <p:cNvSpPr txBox="1"/>
+          <p:nvPr/>
+        </p:nvSpPr>
+        <p:spPr>
+          <a:xfrm>
+            <a:off x="609600" y="657314"/>
+            <a:ext cx="8291052" cy="3477875"/>
+          </a:xfrm>
+          <a:prstGeom prst="rect">
+            <a:avLst/>
+          </a:prstGeom>
+          <a:noFill/>
+        </p:spPr>
+        <p:txBody>
+          <a:bodyPr wrap="square" rtlCol="0">
+            <a:spAutoFit/>
+          </a:bodyPr>
+          <a:lstStyle/>
+          <a:p>
+            <a:r>
+              <a:rPr lang="en-US" altLang="zh-CN" dirty="0"/>
+              <a:t>At the same time, I have separately run models like </a:t>
+            </a:r>
+            <a:r>
+              <a:rPr lang="en-US" altLang="zh-CN" b="1" dirty="0"/>
+              <a:t>DTW, </a:t>
+            </a:r>
+            <a:r>
+              <a:rPr lang="en-US" altLang="zh-CN" b="1" dirty="0" err="1"/>
+              <a:t>dDTW</a:t>
+            </a:r>
+            <a:r>
+              <a:rPr lang="en-US" altLang="zh-CN" b="1" dirty="0"/>
+              <a:t>, </a:t>
+            </a:r>
+            <a:r>
+              <a:rPr lang="en-US" altLang="zh-CN" b="1" dirty="0" err="1"/>
+              <a:t>wDTW</a:t>
+            </a:r>
+            <a:r>
+              <a:rPr lang="en-US" altLang="zh-CN" b="1" dirty="0"/>
+              <a:t>, and </a:t>
+            </a:r>
+            <a:r>
+              <a:rPr lang="en-US" altLang="zh-CN" b="1" dirty="0" err="1"/>
+              <a:t>shapeDTW</a:t>
+            </a:r>
+            <a:r>
+              <a:rPr lang="en-US" altLang="zh-CN" b="1" dirty="0"/>
+              <a:t> </a:t>
+            </a:r>
+            <a:r>
+              <a:rPr lang="en-US" altLang="zh-CN" dirty="0"/>
+              <a:t>on pure SCG signals. Since SCG signals themselves are not very complex, the matching results are all quite similar.</a:t>
+            </a:r>
+          </a:p>
+          <a:p>
+            <a:endParaRPr lang="en-US" altLang="zh-CN" sz="2000" b="1" dirty="0"/>
+          </a:p>
+          <a:p>
+            <a:r>
+              <a:rPr lang="en-US" altLang="zh-CN" sz="2000" b="1" dirty="0"/>
+              <a:t>Conclusion:</a:t>
+            </a:r>
+          </a:p>
+          <a:p>
+            <a:r>
+              <a:rPr lang="en-US" altLang="zh-CN" dirty="0"/>
+              <a:t>1. Thanks to methods like DBA for calculating the mean of sequences, the issue of small peaks has been largely resolved.</a:t>
+            </a:r>
+          </a:p>
+          <a:p>
+            <a:endParaRPr lang="en-US" altLang="zh-CN" dirty="0"/>
+          </a:p>
+          <a:p>
+            <a:r>
+              <a:rPr lang="en-US" altLang="zh-CN" dirty="0"/>
+              <a:t>2. As can be seen in the graph on the right, the points are scattered. In the future, further analysis is needed to </a:t>
+            </a:r>
+          </a:p>
+          <a:p>
+            <a:r>
+              <a:rPr lang="en-US" altLang="zh-CN" dirty="0"/>
+              <a:t>identify the bottlenecks of this algorithm.</a:t>
+            </a:r>
+          </a:p>
+        </p:txBody>
+      </p:sp>
+      <p:pic>
+        <p:nvPicPr>
+          <p:cNvPr id="2" name="图片 1">
+            <a:extLst>
+              <a:ext uri="{FF2B5EF4-FFF2-40B4-BE49-F238E27FC236}">
+                <a16:creationId xmlns:a16="http://schemas.microsoft.com/office/drawing/2014/main" id="{9EE19ABD-C8F1-951F-CCBF-7E2F9BBE8161}"/>
+              </a:ext>
+            </a:extLst>
+          </p:cNvPr>
+          <p:cNvPicPr>
+            <a:picLocks noChangeAspect="1"/>
+          </p:cNvPicPr>
+          <p:nvPr/>
+        </p:nvPicPr>
+        <p:blipFill rotWithShape="1">
+          <a:blip r:embed="rId3"/>
+          <a:srcRect b="3851"/>
+          <a:stretch/>
+        </p:blipFill>
+        <p:spPr>
+          <a:xfrm>
+            <a:off x="796395" y="4224588"/>
+            <a:ext cx="6191899" cy="2633412"/>
+          </a:xfrm>
+          <a:prstGeom prst="rect">
+            <a:avLst/>
+          </a:prstGeom>
+        </p:spPr>
+      </p:pic>
+      <p:pic>
+        <p:nvPicPr>
+          <p:cNvPr id="4" name="图片 3">
+            <a:extLst>
+              <a:ext uri="{FF2B5EF4-FFF2-40B4-BE49-F238E27FC236}">
+                <a16:creationId xmlns:a16="http://schemas.microsoft.com/office/drawing/2014/main" id="{8ECB7361-68A5-B66E-CD66-E9BD0CA862B4}"/>
+              </a:ext>
+            </a:extLst>
+          </p:cNvPr>
+          <p:cNvPicPr>
+            <a:picLocks noChangeAspect="1"/>
+          </p:cNvPicPr>
+          <p:nvPr/>
+        </p:nvPicPr>
+        <p:blipFill rotWithShape="1">
+          <a:blip r:embed="rId4">
+            <a:extLst>
+              <a:ext uri="{28A0092B-C50C-407E-A947-70E740481C1C}">
+                <a14:useLocalDpi xmlns:a14="http://schemas.microsoft.com/office/drawing/2010/main" val="0"/>
+              </a:ext>
+            </a:extLst>
+          </a:blip>
+          <a:srcRect r="3648"/>
+          <a:stretch/>
+        </p:blipFill>
+        <p:spPr>
+          <a:xfrm>
+            <a:off x="8621969" y="1905000"/>
+            <a:ext cx="3570031" cy="4953000"/>
+          </a:xfrm>
+          <a:prstGeom prst="rect">
+            <a:avLst/>
+          </a:prstGeom>
+        </p:spPr>
+      </p:pic>
     </p:spTree>
     <p:extLst>
       <p:ext uri="{BB962C8B-B14F-4D97-AF65-F5344CB8AC3E}">
-        <p14:creationId xmlns:p14="http://schemas.microsoft.com/office/powerpoint/2010/main" val="3229242848"/>
+        <p14:creationId xmlns:p14="http://schemas.microsoft.com/office/powerpoint/2010/main" val="193996663"/>
       </p:ext>
     </p:extLst>
   </p:cSld>
@@ -17228,8 +14499,8 @@
         </p:nvSpPr>
         <p:spPr>
           <a:xfrm>
-            <a:off x="609599" y="106251"/>
-            <a:ext cx="6898481" cy="461665"/>
+            <a:off x="609600" y="106251"/>
+            <a:ext cx="4584920" cy="461665"/>
           </a:xfrm>
           <a:prstGeom prst="rect">
             <a:avLst/>
@@ -17254,158 +14525,19 @@
           <a:p>
             <a:r>
               <a:rPr lang="en-US" altLang="zh-CN" dirty="0"/>
-              <a:t>Part_2: </a:t>
+              <a:t>Part_1: </a:t>
             </a:r>
             <a:r>
               <a:rPr lang="en-US" altLang="zh-CN" sz="1400" dirty="0"/>
-              <a:t>Paper Reading</a:t>
+              <a:t>Research - Getting Template</a:t>
             </a:r>
           </a:p>
         </p:txBody>
       </p:sp>
-      <p:sp>
-        <p:nvSpPr>
-          <p:cNvPr id="8" name="文本框 7">
-            <a:extLst>
-              <a:ext uri="{FF2B5EF4-FFF2-40B4-BE49-F238E27FC236}">
-                <a16:creationId xmlns:a16="http://schemas.microsoft.com/office/drawing/2014/main" id="{43ECD4F3-F35E-2206-FF84-688217EDEE5A}"/>
-              </a:ext>
-            </a:extLst>
-          </p:cNvPr>
-          <p:cNvSpPr txBox="1"/>
-          <p:nvPr/>
-        </p:nvSpPr>
-        <p:spPr>
-          <a:xfrm>
-            <a:off x="171448" y="745012"/>
-            <a:ext cx="9680473" cy="4247317"/>
-          </a:xfrm>
-          <a:prstGeom prst="rect">
-            <a:avLst/>
-          </a:prstGeom>
-          <a:noFill/>
-        </p:spPr>
-        <p:txBody>
-          <a:bodyPr wrap="square">
-            <a:spAutoFit/>
-          </a:bodyPr>
-          <a:lstStyle/>
-          <a:p>
-            <a:pPr lvl="1"/>
-            <a:r>
-              <a:rPr lang="en-US" altLang="zh-CN" dirty="0"/>
-              <a:t>Paper_1: A global averaging method for DTW</a:t>
-            </a:r>
-          </a:p>
-          <a:p>
-            <a:pPr lvl="1"/>
-            <a:endParaRPr lang="en-US" altLang="zh-CN" dirty="0"/>
-          </a:p>
-          <a:p>
-            <a:pPr lvl="1"/>
-            <a:r>
-              <a:rPr lang="zh-CN" altLang="en-US" dirty="0"/>
-              <a:t>论文的目的</a:t>
-            </a:r>
-            <a:r>
-              <a:rPr lang="en-US" altLang="zh-CN" dirty="0"/>
-              <a:t>: the computation of an average of a set of sequences</a:t>
-            </a:r>
-          </a:p>
-          <a:p>
-            <a:pPr lvl="1"/>
-            <a:endParaRPr lang="en-US" altLang="zh-CN" dirty="0"/>
-          </a:p>
-          <a:p>
-            <a:pPr lvl="1"/>
-            <a:endParaRPr lang="en-US" altLang="zh-CN" dirty="0"/>
-          </a:p>
-          <a:p>
-            <a:pPr lvl="1"/>
-            <a:r>
-              <a:rPr lang="zh-CN" altLang="en-US" dirty="0"/>
-              <a:t>解决的问题</a:t>
-            </a:r>
-            <a:endParaRPr lang="en-US" altLang="zh-CN" dirty="0"/>
-          </a:p>
-          <a:p>
-            <a:pPr marL="800100" lvl="1" indent="-342900">
-              <a:buAutoNum type="arabicPeriod"/>
-            </a:pPr>
-            <a:r>
-              <a:rPr lang="en-US" altLang="zh-CN" dirty="0"/>
-              <a:t>They develop a global technique for averaging a set of sequences, which avoids using iterative pairwise averaging.</a:t>
-            </a:r>
-          </a:p>
-          <a:p>
-            <a:pPr marL="800100" lvl="1" indent="-342900">
-              <a:buAutoNum type="arabicPeriod"/>
-            </a:pPr>
-            <a:endParaRPr lang="en-US" altLang="zh-CN" dirty="0"/>
-          </a:p>
-          <a:p>
-            <a:pPr lvl="1"/>
-            <a:r>
-              <a:rPr lang="en-US" altLang="zh-CN" dirty="0"/>
-              <a:t>2. They describe a new strategy to reduce the length of the resulting average sequence.</a:t>
-            </a:r>
-          </a:p>
-          <a:p>
-            <a:pPr lvl="1"/>
-            <a:endParaRPr lang="en-US" altLang="zh-CN" dirty="0"/>
-          </a:p>
-          <a:p>
-            <a:pPr lvl="1"/>
-            <a:r>
-              <a:rPr lang="zh-CN" altLang="en-US" dirty="0"/>
-              <a:t>使用的方法</a:t>
-            </a:r>
-            <a:endParaRPr lang="en-US" altLang="zh-CN" dirty="0"/>
-          </a:p>
-          <a:p>
-            <a:pPr lvl="1"/>
-            <a:endParaRPr lang="en-US" altLang="zh-CN" dirty="0"/>
-          </a:p>
-          <a:p>
-            <a:pPr lvl="1"/>
-            <a:endParaRPr lang="en-US" altLang="zh-CN" dirty="0"/>
-          </a:p>
-        </p:txBody>
-      </p:sp>
-      <p:pic>
-        <p:nvPicPr>
-          <p:cNvPr id="5" name="图片 4">
-            <a:extLst>
-              <a:ext uri="{FF2B5EF4-FFF2-40B4-BE49-F238E27FC236}">
-                <a16:creationId xmlns:a16="http://schemas.microsoft.com/office/drawing/2014/main" id="{F9038295-602A-BFFF-951C-4EBA4AF61BF0}"/>
-              </a:ext>
-            </a:extLst>
-          </p:cNvPr>
-          <p:cNvPicPr>
-            <a:picLocks noChangeAspect="1"/>
-          </p:cNvPicPr>
-          <p:nvPr/>
-        </p:nvPicPr>
-        <p:blipFill>
-          <a:blip r:embed="rId3"/>
-          <a:stretch>
-            <a:fillRect/>
-          </a:stretch>
-        </p:blipFill>
-        <p:spPr>
-          <a:xfrm>
-            <a:off x="5885570" y="3287116"/>
-            <a:ext cx="6306430" cy="3410426"/>
-          </a:xfrm>
-          <a:prstGeom prst="rect">
-            <a:avLst/>
-          </a:prstGeom>
-        </p:spPr>
-      </p:pic>
     </p:spTree>
     <p:extLst>
       <p:ext uri="{BB962C8B-B14F-4D97-AF65-F5344CB8AC3E}">
-        <p14:creationId xmlns:p14="http://schemas.microsoft.com/office/powerpoint/2010/main" val="2726960845"/>
+        <p14:creationId xmlns:p14="http://schemas.microsoft.com/office/powerpoint/2010/main" val="1137058698"/>
       </p:ext>
     </p:extLst>
   </p:cSld>
@@ -17446,8 +14578,8 @@
         </p:nvSpPr>
         <p:spPr>
           <a:xfrm>
-            <a:off x="609599" y="106251"/>
-            <a:ext cx="6898481" cy="461665"/>
+            <a:off x="609600" y="106251"/>
+            <a:ext cx="4584920" cy="461665"/>
           </a:xfrm>
           <a:prstGeom prst="rect">
             <a:avLst/>
@@ -17472,65 +14604,21 @@
           <a:p>
             <a:r>
               <a:rPr lang="en-US" altLang="zh-CN" dirty="0"/>
-              <a:t>Part_2: </a:t>
+              <a:t>Part_1: </a:t>
             </a:r>
             <a:r>
               <a:rPr lang="en-US" altLang="zh-CN" sz="1400" dirty="0"/>
-              <a:t>Paper Reading</a:t>
+              <a:t>Research - Breath Removal</a:t>
             </a:r>
           </a:p>
         </p:txBody>
       </p:sp>
-      <p:sp>
-        <p:nvSpPr>
-          <p:cNvPr id="8" name="文本框 7">
+      <p:pic>
+        <p:nvPicPr>
+          <p:cNvPr id="3" name="图片 2">
             <a:extLst>
               <a:ext uri="{FF2B5EF4-FFF2-40B4-BE49-F238E27FC236}">
-                <a16:creationId xmlns:a16="http://schemas.microsoft.com/office/drawing/2014/main" id="{43ECD4F3-F35E-2206-FF84-688217EDEE5A}"/>
-              </a:ext>
-            </a:extLst>
-          </p:cNvPr>
-          <p:cNvSpPr txBox="1"/>
-          <p:nvPr/>
-        </p:nvSpPr>
-        <p:spPr>
-          <a:xfrm>
-            <a:off x="149325" y="766604"/>
-            <a:ext cx="6898481" cy="369332"/>
-          </a:xfrm>
-          <a:prstGeom prst="rect">
-            <a:avLst/>
-          </a:prstGeom>
-          <a:noFill/>
-        </p:spPr>
-        <p:txBody>
-          <a:bodyPr wrap="square">
-            <a:spAutoFit/>
-          </a:bodyPr>
-          <a:lstStyle/>
-          <a:p>
-            <a:pPr lvl="1"/>
-            <a:r>
-              <a:rPr lang="en-US" altLang="zh-CN" dirty="0"/>
-              <a:t>Paper_2: </a:t>
-            </a:r>
-            <a:r>
-              <a:rPr lang="en-US" altLang="zh-CN" dirty="0" err="1"/>
-              <a:t>shapeDTW</a:t>
-            </a:r>
-            <a:r>
-              <a:rPr lang="en-US" altLang="zh-CN" dirty="0"/>
-              <a:t>: shape Dynamic Time Warping</a:t>
-            </a:r>
-          </a:p>
-        </p:txBody>
-      </p:sp>
-      <p:pic>
-        <p:nvPicPr>
-          <p:cNvPr id="10" name="图片 9">
-            <a:extLst>
-              <a:ext uri="{FF2B5EF4-FFF2-40B4-BE49-F238E27FC236}">
-                <a16:creationId xmlns:a16="http://schemas.microsoft.com/office/drawing/2014/main" id="{46A6FE53-CD6F-3661-88B7-280C4DD982E3}"/>
+                <a16:creationId xmlns:a16="http://schemas.microsoft.com/office/drawing/2014/main" id="{8D15AC0C-23C0-CAB4-4E79-38B4D17D5657}"/>
               </a:ext>
             </a:extLst>
           </p:cNvPr>
@@ -17539,16 +14627,21 @@
           </p:cNvPicPr>
           <p:nvPr/>
         </p:nvPicPr>
-        <p:blipFill>
-          <a:blip r:embed="rId3"/>
-          <a:stretch>
-            <a:fillRect/>
-          </a:stretch>
+        <p:blipFill rotWithShape="1">
+          <a:blip r:embed="rId3">
+            <a:extLst>
+              <a:ext uri="{28A0092B-C50C-407E-A947-70E740481C1C}">
+                <a14:useLocalDpi xmlns:a14="http://schemas.microsoft.com/office/drawing/2010/main" val="0"/>
+              </a:ext>
+            </a:extLst>
+          </a:blip>
+          <a:srcRect l="5525" r="-851" b="37204"/>
+          <a:stretch/>
         </p:blipFill>
         <p:spPr>
           <a:xfrm>
-            <a:off x="609599" y="1334624"/>
-            <a:ext cx="9065344" cy="5030418"/>
+            <a:off x="0" y="567916"/>
+            <a:ext cx="6617371" cy="6313992"/>
           </a:xfrm>
           <a:prstGeom prst="rect">
             <a:avLst/>
@@ -17557,10 +14650,10 @@
       </p:pic>
       <p:sp>
         <p:nvSpPr>
-          <p:cNvPr id="12" name="文本框 11">
+          <p:cNvPr id="4" name="文本框 3">
             <a:extLst>
               <a:ext uri="{FF2B5EF4-FFF2-40B4-BE49-F238E27FC236}">
-                <a16:creationId xmlns:a16="http://schemas.microsoft.com/office/drawing/2014/main" id="{9331A1B9-8A70-9607-2BA3-C39B3D3F1E85}"/>
+                <a16:creationId xmlns:a16="http://schemas.microsoft.com/office/drawing/2014/main" id="{46EED4B0-F784-5327-54C4-5C1E22DF1567}"/>
               </a:ext>
             </a:extLst>
           </p:cNvPr>
@@ -17569,8 +14662,8 @@
         </p:nvSpPr>
         <p:spPr>
           <a:xfrm>
-            <a:off x="9207297" y="2690336"/>
-            <a:ext cx="2984703" cy="1477328"/>
+            <a:off x="6316703" y="0"/>
+            <a:ext cx="5875297" cy="6524863"/>
           </a:xfrm>
           <a:prstGeom prst="rect">
             <a:avLst/>
@@ -17578,51 +14671,68 @@
           <a:noFill/>
         </p:spPr>
         <p:txBody>
-          <a:bodyPr wrap="square">
+          <a:bodyPr wrap="square" rtlCol="0">
             <a:spAutoFit/>
           </a:bodyPr>
           <a:lstStyle/>
           <a:p>
-            <a:pPr lvl="1"/>
+            <a:r>
+              <a:rPr lang="en-US" altLang="zh-CN" sz="2000" b="1" dirty="0"/>
+              <a:t>Perspective 1:</a:t>
+            </a:r>
+          </a:p>
+          <a:p>
             <a:r>
               <a:rPr lang="en-US" altLang="zh-CN" dirty="0"/>
-              <a:t>Shape Descriptors:</a:t>
-            </a:r>
-          </a:p>
-          <a:p>
-            <a:pPr lvl="1"/>
+              <a:t>The multiplication in the time domain is equivalent to convolution in the frequency domain. It's not easy to approach the problem from this perspective.</a:t>
+            </a:r>
+          </a:p>
+          <a:p>
+            <a:endParaRPr lang="en-US" altLang="zh-CN" dirty="0"/>
+          </a:p>
+          <a:p>
+            <a:r>
+              <a:rPr lang="en-US" altLang="zh-CN" sz="2000" b="1" dirty="0"/>
+              <a:t>Perspective 2:</a:t>
+            </a:r>
+          </a:p>
+          <a:p>
             <a:r>
               <a:rPr lang="en-US" altLang="zh-CN" dirty="0"/>
-              <a:t>Raw-</a:t>
-            </a:r>
-            <a:r>
-              <a:rPr lang="en-US" altLang="zh-CN" dirty="0" err="1"/>
-              <a:t>Subseq</a:t>
-            </a:r>
+              <a:t>The original equation is equivalent to the linear addition of the original signal after it undergoes a frequency shift.</a:t>
+            </a:r>
+          </a:p>
+          <a:p>
+            <a:endParaRPr lang="en-US" altLang="zh-CN" dirty="0"/>
+          </a:p>
+          <a:p>
             <a:r>
               <a:rPr lang="en-US" altLang="zh-CN" dirty="0"/>
-              <a:t>, </a:t>
-            </a:r>
-          </a:p>
-          <a:p>
-            <a:pPr lvl="1"/>
+              <a:t>Provided us with some insights:</a:t>
+            </a:r>
+          </a:p>
+          <a:p>
             <a:r>
               <a:rPr lang="en-US" altLang="zh-CN" dirty="0"/>
-              <a:t>PAA, DWT, </a:t>
-            </a:r>
-          </a:p>
-          <a:p>
-            <a:pPr lvl="1"/>
+              <a:t>    1. Breathing is very likely the lowest-frequency component in meaningful signals.</a:t>
+            </a:r>
+          </a:p>
+          <a:p>
+            <a:endParaRPr lang="en-US" altLang="zh-CN" dirty="0"/>
+          </a:p>
+          <a:p>
             <a:r>
               <a:rPr lang="en-US" altLang="zh-CN" dirty="0"/>
-              <a:t>Slope, HOG1d</a:t>
-            </a:r>
-          </a:p>
-          <a:p>
-            <a:pPr lvl="1"/>
+              <a:t>    2. For time-domain decomposition, there is no way to separate the breathing signal.</a:t>
+            </a:r>
+          </a:p>
+          <a:p>
+            <a:endParaRPr lang="en-US" altLang="zh-CN" dirty="0"/>
+          </a:p>
+          <a:p>
             <a:r>
               <a:rPr lang="en-US" altLang="zh-CN" dirty="0"/>
-              <a:t>Derivative</a:t>
+              <a:t>    3. Multiplying the original signal by a periodic signal in the frequency domain works well. Algorithms that can decompose the frequency domain may be able to solve the problem.</a:t>
             </a:r>
           </a:p>
         </p:txBody>
@@ -17630,7 +14740,7 @@
     </p:spTree>
     <p:extLst>
       <p:ext uri="{BB962C8B-B14F-4D97-AF65-F5344CB8AC3E}">
-        <p14:creationId xmlns:p14="http://schemas.microsoft.com/office/powerpoint/2010/main" val="407941097"/>
+        <p14:creationId xmlns:p14="http://schemas.microsoft.com/office/powerpoint/2010/main" val="3229242848"/>
       </p:ext>
     </p:extLst>
   </p:cSld>
@@ -17720,8 +14830,8 @@
         </p:nvSpPr>
         <p:spPr>
           <a:xfrm>
-            <a:off x="149325" y="766604"/>
-            <a:ext cx="6898481" cy="923330"/>
+            <a:off x="171448" y="745012"/>
+            <a:ext cx="9680473" cy="3416320"/>
           </a:xfrm>
           <a:prstGeom prst="rect">
             <a:avLst/>
@@ -17737,15 +14847,11 @@
             <a:pPr lvl="1"/>
             <a:r>
               <a:rPr lang="en-US" altLang="zh-CN" dirty="0"/>
-              <a:t>Paper_2: </a:t>
-            </a:r>
-            <a:r>
-              <a:rPr lang="en-US" altLang="zh-CN" dirty="0" err="1"/>
-              <a:t>shapeDTW</a:t>
-            </a:r>
-            <a:r>
-              <a:rPr lang="en-US" altLang="zh-CN" dirty="0"/>
-              <a:t>: shape Dynamic Time Warping</a:t>
+              <a:t>Paper_1: </a:t>
+            </a:r>
+            <a:r>
+              <a:rPr lang="en-US" altLang="zh-CN" b="1" dirty="0"/>
+              <a:t>A global averaging method for DTW - DBA</a:t>
             </a:r>
           </a:p>
           <a:p>
@@ -17754,16 +14860,89 @@
           </a:p>
           <a:p>
             <a:pPr lvl="1"/>
+            <a:r>
+              <a:rPr lang="en-US" altLang="zh-CN" b="1" dirty="0"/>
+              <a:t>The Propose of the Paper: </a:t>
+            </a:r>
+            <a:r>
+              <a:rPr lang="en-US" altLang="zh-CN" dirty="0"/>
+              <a:t>the computation of an average of a set of sequences</a:t>
+            </a:r>
+          </a:p>
+          <a:p>
+            <a:pPr lvl="1"/>
+            <a:endParaRPr lang="en-US" altLang="zh-CN" dirty="0"/>
+          </a:p>
+          <a:p>
+            <a:pPr lvl="1"/>
+            <a:r>
+              <a:rPr lang="en-US" altLang="zh-CN" b="1" dirty="0"/>
+              <a:t>Solved Problems:</a:t>
+            </a:r>
+          </a:p>
+          <a:p>
+            <a:pPr marL="800100" lvl="1" indent="-342900">
+              <a:buAutoNum type="arabicPeriod"/>
+            </a:pPr>
+            <a:r>
+              <a:rPr lang="en-US" altLang="zh-CN" dirty="0"/>
+              <a:t>They develop a global technique for averaging a set of sequences, which avoids using iterative pairwise averaging.</a:t>
+            </a:r>
+          </a:p>
+          <a:p>
+            <a:pPr marL="800100" lvl="1" indent="-342900">
+              <a:buAutoNum type="arabicPeriod"/>
+            </a:pPr>
+            <a:endParaRPr lang="en-US" altLang="zh-CN" dirty="0"/>
+          </a:p>
+          <a:p>
+            <a:pPr lvl="1"/>
+            <a:r>
+              <a:rPr lang="en-US" altLang="zh-CN" dirty="0"/>
+              <a:t>2. They describe a new strategy to reduce the length of the resulting average sequence.</a:t>
+            </a:r>
+          </a:p>
+          <a:p>
+            <a:pPr lvl="1"/>
             <a:endParaRPr lang="en-US" altLang="zh-CN" dirty="0"/>
           </a:p>
         </p:txBody>
       </p:sp>
       <p:pic>
         <p:nvPicPr>
-          <p:cNvPr id="7" name="图片 6">
+          <p:cNvPr id="5" name="图片 4">
             <a:extLst>
               <a:ext uri="{FF2B5EF4-FFF2-40B4-BE49-F238E27FC236}">
-                <a16:creationId xmlns:a16="http://schemas.microsoft.com/office/drawing/2014/main" id="{9F094601-D591-B9C0-8940-A7AA1C807275}"/>
+                <a16:creationId xmlns:a16="http://schemas.microsoft.com/office/drawing/2014/main" id="{F9038295-602A-BFFF-951C-4EBA4AF61BF0}"/>
+              </a:ext>
+            </a:extLst>
+          </p:cNvPr>
+          <p:cNvPicPr>
+            <a:picLocks noChangeAspect="1"/>
+          </p:cNvPicPr>
+          <p:nvPr/>
+        </p:nvPicPr>
+        <p:blipFill rotWithShape="1">
+          <a:blip r:embed="rId3"/>
+          <a:srcRect l="3124" t="3243" r="2725" b="442"/>
+          <a:stretch/>
+        </p:blipFill>
+        <p:spPr>
+          <a:xfrm>
+            <a:off x="6191899" y="3573233"/>
+            <a:ext cx="5924552" cy="3284767"/>
+          </a:xfrm>
+          <a:prstGeom prst="rect">
+            <a:avLst/>
+          </a:prstGeom>
+        </p:spPr>
+      </p:pic>
+      <p:pic>
+        <p:nvPicPr>
+          <p:cNvPr id="3" name="图片 2">
+            <a:extLst>
+              <a:ext uri="{FF2B5EF4-FFF2-40B4-BE49-F238E27FC236}">
+                <a16:creationId xmlns:a16="http://schemas.microsoft.com/office/drawing/2014/main" id="{13D69B5E-DE27-C0A3-B883-EAC3C248EFEA}"/>
               </a:ext>
             </a:extLst>
           </p:cNvPr>
@@ -17773,15 +14952,15 @@
           <p:nvPr/>
         </p:nvPicPr>
         <p:blipFill>
-          <a:blip r:embed="rId3"/>
+          <a:blip r:embed="rId4"/>
           <a:stretch>
             <a:fillRect/>
           </a:stretch>
         </p:blipFill>
         <p:spPr>
           <a:xfrm>
-            <a:off x="0" y="1431469"/>
-            <a:ext cx="12192000" cy="4543245"/>
+            <a:off x="0" y="3930637"/>
+            <a:ext cx="6191899" cy="2738885"/>
           </a:xfrm>
           <a:prstGeom prst="rect">
             <a:avLst/>
@@ -17791,7 +14970,7 @@
     </p:spTree>
     <p:extLst>
       <p:ext uri="{BB962C8B-B14F-4D97-AF65-F5344CB8AC3E}">
-        <p14:creationId xmlns:p14="http://schemas.microsoft.com/office/powerpoint/2010/main" val="3554012306"/>
+        <p14:creationId xmlns:p14="http://schemas.microsoft.com/office/powerpoint/2010/main" val="2726960845"/>
       </p:ext>
     </p:extLst>
   </p:cSld>

--- a/Presentation_1106_JiayuChen.pptx
+++ b/Presentation_1106_JiayuChen.pptx
@@ -5,26 +5,28 @@
     <p:sldMasterId id="2147483648" r:id="rId1"/>
   </p:sldMasterIdLst>
   <p:notesMasterIdLst>
-    <p:notesMasterId r:id="rId19"/>
+    <p:notesMasterId r:id="rId21"/>
   </p:notesMasterIdLst>
   <p:sldIdLst>
     <p:sldId id="256" r:id="rId2"/>
     <p:sldId id="291" r:id="rId3"/>
     <p:sldId id="354" r:id="rId4"/>
     <p:sldId id="357" r:id="rId5"/>
-    <p:sldId id="325" r:id="rId6"/>
-    <p:sldId id="355" r:id="rId7"/>
-    <p:sldId id="340" r:id="rId8"/>
-    <p:sldId id="349" r:id="rId9"/>
-    <p:sldId id="351" r:id="rId10"/>
-    <p:sldId id="324" r:id="rId11"/>
-    <p:sldId id="353" r:id="rId12"/>
-    <p:sldId id="352" r:id="rId13"/>
-    <p:sldId id="346" r:id="rId14"/>
-    <p:sldId id="356" r:id="rId15"/>
-    <p:sldId id="348" r:id="rId16"/>
-    <p:sldId id="358" r:id="rId17"/>
-    <p:sldId id="263" r:id="rId18"/>
+    <p:sldId id="360" r:id="rId6"/>
+    <p:sldId id="345" r:id="rId7"/>
+    <p:sldId id="361" r:id="rId8"/>
+    <p:sldId id="325" r:id="rId9"/>
+    <p:sldId id="355" r:id="rId10"/>
+    <p:sldId id="349" r:id="rId11"/>
+    <p:sldId id="351" r:id="rId12"/>
+    <p:sldId id="324" r:id="rId13"/>
+    <p:sldId id="353" r:id="rId14"/>
+    <p:sldId id="352" r:id="rId15"/>
+    <p:sldId id="346" r:id="rId16"/>
+    <p:sldId id="356" r:id="rId17"/>
+    <p:sldId id="348" r:id="rId18"/>
+    <p:sldId id="358" r:id="rId19"/>
+    <p:sldId id="263" r:id="rId20"/>
   </p:sldIdLst>
   <p:sldSz cx="12192000" cy="6858000"/>
   <p:notesSz cx="6858000" cy="9144000"/>
@@ -536,10 +538,6 @@
           <a:bodyPr/>
           <a:lstStyle/>
           <a:p>
-            <a:r>
-              <a:rPr lang="en-US" altLang="zh-CN" dirty="0"/>
-              <a:t>Ok, I will begin my weekly Presentation</a:t>
-            </a:r>
             <a:endParaRPr lang="zh-CN" altLang="en-US" dirty="0"/>
           </a:p>
         </p:txBody>
@@ -624,6 +622,9 @@
           <a:bodyPr/>
           <a:lstStyle/>
           <a:p>
+            <a:pPr marL="228600" indent="-228600">
+              <a:buAutoNum type="arabicPeriod"/>
+            </a:pPr>
             <a:endParaRPr lang="en-US" altLang="zh-CN" dirty="0"/>
           </a:p>
         </p:txBody>
@@ -654,7 +655,7 @@
     </p:spTree>
     <p:extLst>
       <p:ext uri="{BB962C8B-B14F-4D97-AF65-F5344CB8AC3E}">
-        <p14:creationId xmlns:p14="http://schemas.microsoft.com/office/powerpoint/2010/main" val="3282655697"/>
+        <p14:creationId xmlns:p14="http://schemas.microsoft.com/office/powerpoint/2010/main" val="1428298652"/>
       </p:ext>
     </p:extLst>
   </p:cSld>
@@ -738,7 +739,7 @@
     </p:spTree>
     <p:extLst>
       <p:ext uri="{BB962C8B-B14F-4D97-AF65-F5344CB8AC3E}">
-        <p14:creationId xmlns:p14="http://schemas.microsoft.com/office/powerpoint/2010/main" val="1278288585"/>
+        <p14:creationId xmlns:p14="http://schemas.microsoft.com/office/powerpoint/2010/main" val="1896620225"/>
       </p:ext>
     </p:extLst>
   </p:cSld>
@@ -822,7 +823,7 @@
     </p:spTree>
     <p:extLst>
       <p:ext uri="{BB962C8B-B14F-4D97-AF65-F5344CB8AC3E}">
-        <p14:creationId xmlns:p14="http://schemas.microsoft.com/office/powerpoint/2010/main" val="2271989615"/>
+        <p14:creationId xmlns:p14="http://schemas.microsoft.com/office/powerpoint/2010/main" val="3282655697"/>
       </p:ext>
     </p:extLst>
   </p:cSld>
@@ -906,7 +907,7 @@
     </p:spTree>
     <p:extLst>
       <p:ext uri="{BB962C8B-B14F-4D97-AF65-F5344CB8AC3E}">
-        <p14:creationId xmlns:p14="http://schemas.microsoft.com/office/powerpoint/2010/main" val="3611980438"/>
+        <p14:creationId xmlns:p14="http://schemas.microsoft.com/office/powerpoint/2010/main" val="1278288585"/>
       </p:ext>
     </p:extLst>
   </p:cSld>
@@ -990,7 +991,7 @@
     </p:spTree>
     <p:extLst>
       <p:ext uri="{BB962C8B-B14F-4D97-AF65-F5344CB8AC3E}">
-        <p14:creationId xmlns:p14="http://schemas.microsoft.com/office/powerpoint/2010/main" val="1878692281"/>
+        <p14:creationId xmlns:p14="http://schemas.microsoft.com/office/powerpoint/2010/main" val="2271989615"/>
       </p:ext>
     </p:extLst>
   </p:cSld>
@@ -1074,7 +1075,7 @@
     </p:spTree>
     <p:extLst>
       <p:ext uri="{BB962C8B-B14F-4D97-AF65-F5344CB8AC3E}">
-        <p14:creationId xmlns:p14="http://schemas.microsoft.com/office/powerpoint/2010/main" val="3040035200"/>
+        <p14:creationId xmlns:p14="http://schemas.microsoft.com/office/powerpoint/2010/main" val="3611980438"/>
       </p:ext>
     </p:extLst>
   </p:cSld>
@@ -1158,7 +1159,7 @@
     </p:spTree>
     <p:extLst>
       <p:ext uri="{BB962C8B-B14F-4D97-AF65-F5344CB8AC3E}">
-        <p14:creationId xmlns:p14="http://schemas.microsoft.com/office/powerpoint/2010/main" val="722599942"/>
+        <p14:creationId xmlns:p14="http://schemas.microsoft.com/office/powerpoint/2010/main" val="1878692281"/>
       </p:ext>
     </p:extLst>
   </p:cSld>
@@ -1212,7 +1213,7 @@
           <a:bodyPr/>
           <a:lstStyle/>
           <a:p>
-            <a:endParaRPr lang="zh-CN" altLang="en-US" dirty="0"/>
+            <a:endParaRPr lang="en-US" altLang="zh-CN" dirty="0"/>
           </a:p>
         </p:txBody>
       </p:sp>
@@ -1234,6 +1235,174 @@
             <a:fld id="{E39FA662-60CA-45D5-8BB1-0A7D21FB8FF0}" type="slidenum">
               <a:rPr lang="zh-CN" altLang="en-US" smtClean="0"/>
               <a:t>17</a:t>
+            </a:fld>
+            <a:endParaRPr lang="zh-CN" altLang="en-US"/>
+          </a:p>
+        </p:txBody>
+      </p:sp>
+    </p:spTree>
+    <p:extLst>
+      <p:ext uri="{BB962C8B-B14F-4D97-AF65-F5344CB8AC3E}">
+        <p14:creationId xmlns:p14="http://schemas.microsoft.com/office/powerpoint/2010/main" val="3040035200"/>
+      </p:ext>
+    </p:extLst>
+  </p:cSld>
+  <p:clrMapOvr>
+    <a:masterClrMapping/>
+  </p:clrMapOvr>
+</p:notes>
+</file>
+
+<file path=ppt/notesSlides/notesSlide18.xml><?xml version="1.0" encoding="utf-8"?>
+<p:notes xmlns:a="http://schemas.openxmlformats.org/drawingml/2006/main" xmlns:r="http://schemas.openxmlformats.org/officeDocument/2006/relationships" xmlns:p="http://schemas.openxmlformats.org/presentationml/2006/main">
+  <p:cSld>
+    <p:spTree>
+      <p:nvGrpSpPr>
+        <p:cNvPr id="1" name=""/>
+        <p:cNvGrpSpPr/>
+        <p:nvPr/>
+      </p:nvGrpSpPr>
+      <p:grpSpPr>
+        <a:xfrm>
+          <a:off x="0" y="0"/>
+          <a:ext cx="0" cy="0"/>
+          <a:chOff x="0" y="0"/>
+          <a:chExt cx="0" cy="0"/>
+        </a:xfrm>
+      </p:grpSpPr>
+      <p:sp>
+        <p:nvSpPr>
+          <p:cNvPr id="2" name="幻灯片图像占位符 1"/>
+          <p:cNvSpPr>
+            <a:spLocks noGrp="1" noRot="1" noChangeAspect="1"/>
+          </p:cNvSpPr>
+          <p:nvPr>
+            <p:ph type="sldImg"/>
+          </p:nvPr>
+        </p:nvSpPr>
+        <p:spPr/>
+      </p:sp>
+      <p:sp>
+        <p:nvSpPr>
+          <p:cNvPr id="3" name="备注占位符 2"/>
+          <p:cNvSpPr>
+            <a:spLocks noGrp="1"/>
+          </p:cNvSpPr>
+          <p:nvPr>
+            <p:ph type="body" idx="1"/>
+          </p:nvPr>
+        </p:nvSpPr>
+        <p:spPr/>
+        <p:txBody>
+          <a:bodyPr/>
+          <a:lstStyle/>
+          <a:p>
+            <a:endParaRPr lang="en-US" altLang="zh-CN" dirty="0"/>
+          </a:p>
+        </p:txBody>
+      </p:sp>
+      <p:sp>
+        <p:nvSpPr>
+          <p:cNvPr id="4" name="灯片编号占位符 3"/>
+          <p:cNvSpPr>
+            <a:spLocks noGrp="1"/>
+          </p:cNvSpPr>
+          <p:nvPr>
+            <p:ph type="sldNum" sz="quarter" idx="5"/>
+          </p:nvPr>
+        </p:nvSpPr>
+        <p:spPr/>
+        <p:txBody>
+          <a:bodyPr/>
+          <a:lstStyle/>
+          <a:p>
+            <a:fld id="{E39FA662-60CA-45D5-8BB1-0A7D21FB8FF0}" type="slidenum">
+              <a:rPr lang="zh-CN" altLang="en-US" smtClean="0"/>
+              <a:t>18</a:t>
+            </a:fld>
+            <a:endParaRPr lang="zh-CN" altLang="en-US"/>
+          </a:p>
+        </p:txBody>
+      </p:sp>
+    </p:spTree>
+    <p:extLst>
+      <p:ext uri="{BB962C8B-B14F-4D97-AF65-F5344CB8AC3E}">
+        <p14:creationId xmlns:p14="http://schemas.microsoft.com/office/powerpoint/2010/main" val="722599942"/>
+      </p:ext>
+    </p:extLst>
+  </p:cSld>
+  <p:clrMapOvr>
+    <a:masterClrMapping/>
+  </p:clrMapOvr>
+</p:notes>
+</file>
+
+<file path=ppt/notesSlides/notesSlide19.xml><?xml version="1.0" encoding="utf-8"?>
+<p:notes xmlns:a="http://schemas.openxmlformats.org/drawingml/2006/main" xmlns:r="http://schemas.openxmlformats.org/officeDocument/2006/relationships" xmlns:p="http://schemas.openxmlformats.org/presentationml/2006/main">
+  <p:cSld>
+    <p:spTree>
+      <p:nvGrpSpPr>
+        <p:cNvPr id="1" name=""/>
+        <p:cNvGrpSpPr/>
+        <p:nvPr/>
+      </p:nvGrpSpPr>
+      <p:grpSpPr>
+        <a:xfrm>
+          <a:off x="0" y="0"/>
+          <a:ext cx="0" cy="0"/>
+          <a:chOff x="0" y="0"/>
+          <a:chExt cx="0" cy="0"/>
+        </a:xfrm>
+      </p:grpSpPr>
+      <p:sp>
+        <p:nvSpPr>
+          <p:cNvPr id="2" name="幻灯片图像占位符 1"/>
+          <p:cNvSpPr>
+            <a:spLocks noGrp="1" noRot="1" noChangeAspect="1"/>
+          </p:cNvSpPr>
+          <p:nvPr>
+            <p:ph type="sldImg"/>
+          </p:nvPr>
+        </p:nvSpPr>
+        <p:spPr/>
+      </p:sp>
+      <p:sp>
+        <p:nvSpPr>
+          <p:cNvPr id="3" name="备注占位符 2"/>
+          <p:cNvSpPr>
+            <a:spLocks noGrp="1"/>
+          </p:cNvSpPr>
+          <p:nvPr>
+            <p:ph type="body" idx="1"/>
+          </p:nvPr>
+        </p:nvSpPr>
+        <p:spPr/>
+        <p:txBody>
+          <a:bodyPr/>
+          <a:lstStyle/>
+          <a:p>
+            <a:endParaRPr lang="zh-CN" altLang="en-US" dirty="0"/>
+          </a:p>
+        </p:txBody>
+      </p:sp>
+      <p:sp>
+        <p:nvSpPr>
+          <p:cNvPr id="4" name="灯片编号占位符 3"/>
+          <p:cNvSpPr>
+            <a:spLocks noGrp="1"/>
+          </p:cNvSpPr>
+          <p:nvPr>
+            <p:ph type="sldNum" sz="quarter" idx="5"/>
+          </p:nvPr>
+        </p:nvSpPr>
+        <p:spPr/>
+        <p:txBody>
+          <a:bodyPr/>
+          <a:lstStyle/>
+          <a:p>
+            <a:fld id="{E39FA662-60CA-45D5-8BB1-0A7D21FB8FF0}" type="slidenum">
+              <a:rPr lang="zh-CN" altLang="en-US" smtClean="0"/>
+              <a:t>19</a:t>
             </a:fld>
             <a:endParaRPr lang="zh-CN" altLang="en-US"/>
           </a:p>
@@ -1554,6 +1723,9 @@
           <a:bodyPr/>
           <a:lstStyle/>
           <a:p>
+            <a:pPr marL="228600" indent="-228600">
+              <a:buAutoNum type="arabicPeriod"/>
+            </a:pPr>
             <a:endParaRPr lang="en-US" altLang="zh-CN" dirty="0"/>
           </a:p>
         </p:txBody>
@@ -1584,7 +1756,7 @@
     </p:spTree>
     <p:extLst>
       <p:ext uri="{BB962C8B-B14F-4D97-AF65-F5344CB8AC3E}">
-        <p14:creationId xmlns:p14="http://schemas.microsoft.com/office/powerpoint/2010/main" val="1255835210"/>
+        <p14:creationId xmlns:p14="http://schemas.microsoft.com/office/powerpoint/2010/main" val="757290763"/>
       </p:ext>
     </p:extLst>
   </p:cSld>
@@ -1638,9 +1810,6 @@
           <a:bodyPr/>
           <a:lstStyle/>
           <a:p>
-            <a:pPr marL="228600" indent="-228600">
-              <a:buAutoNum type="arabicPeriod"/>
-            </a:pPr>
             <a:endParaRPr lang="en-US" altLang="zh-CN" dirty="0"/>
           </a:p>
         </p:txBody>
@@ -1671,7 +1840,7 @@
     </p:spTree>
     <p:extLst>
       <p:ext uri="{BB962C8B-B14F-4D97-AF65-F5344CB8AC3E}">
-        <p14:creationId xmlns:p14="http://schemas.microsoft.com/office/powerpoint/2010/main" val="2899707417"/>
+        <p14:creationId xmlns:p14="http://schemas.microsoft.com/office/powerpoint/2010/main" val="2993614160"/>
       </p:ext>
     </p:extLst>
   </p:cSld>
@@ -1758,7 +1927,7 @@
     </p:spTree>
     <p:extLst>
       <p:ext uri="{BB962C8B-B14F-4D97-AF65-F5344CB8AC3E}">
-        <p14:creationId xmlns:p14="http://schemas.microsoft.com/office/powerpoint/2010/main" val="2154649929"/>
+        <p14:creationId xmlns:p14="http://schemas.microsoft.com/office/powerpoint/2010/main" val="3824929862"/>
       </p:ext>
     </p:extLst>
   </p:cSld>
@@ -1812,9 +1981,6 @@
           <a:bodyPr/>
           <a:lstStyle/>
           <a:p>
-            <a:pPr marL="228600" indent="-228600">
-              <a:buAutoNum type="arabicPeriod"/>
-            </a:pPr>
             <a:endParaRPr lang="en-US" altLang="zh-CN" dirty="0"/>
           </a:p>
         </p:txBody>
@@ -1845,7 +2011,7 @@
     </p:spTree>
     <p:extLst>
       <p:ext uri="{BB962C8B-B14F-4D97-AF65-F5344CB8AC3E}">
-        <p14:creationId xmlns:p14="http://schemas.microsoft.com/office/powerpoint/2010/main" val="1428298652"/>
+        <p14:creationId xmlns:p14="http://schemas.microsoft.com/office/powerpoint/2010/main" val="1255835210"/>
       </p:ext>
     </p:extLst>
   </p:cSld>
@@ -1899,6 +2065,9 @@
           <a:bodyPr/>
           <a:lstStyle/>
           <a:p>
+            <a:pPr marL="228600" indent="-228600">
+              <a:buAutoNum type="arabicPeriod"/>
+            </a:pPr>
             <a:endParaRPr lang="en-US" altLang="zh-CN" dirty="0"/>
           </a:p>
         </p:txBody>
@@ -1929,7 +2098,7 @@
     </p:spTree>
     <p:extLst>
       <p:ext uri="{BB962C8B-B14F-4D97-AF65-F5344CB8AC3E}">
-        <p14:creationId xmlns:p14="http://schemas.microsoft.com/office/powerpoint/2010/main" val="1896620225"/>
+        <p14:creationId xmlns:p14="http://schemas.microsoft.com/office/powerpoint/2010/main" val="2899707417"/>
       </p:ext>
     </p:extLst>
   </p:cSld>
@@ -5292,6 +5461,439 @@
         </p:nvSpPr>
         <p:spPr>
           <a:xfrm>
+            <a:off x="609600" y="106251"/>
+            <a:ext cx="4584920" cy="461665"/>
+          </a:xfrm>
+          <a:prstGeom prst="rect">
+            <a:avLst/>
+          </a:prstGeom>
+          <a:noFill/>
+        </p:spPr>
+        <p:txBody>
+          <a:bodyPr wrap="square" rtlCol="0">
+            <a:spAutoFit/>
+          </a:bodyPr>
+          <a:lstStyle>
+            <a:defPPr>
+              <a:defRPr lang="zh-CN"/>
+            </a:defPPr>
+            <a:lvl1pPr>
+              <a:defRPr sz="2400">
+                <a:latin typeface="Consolas" panose="020B0609020204030204" pitchFamily="49" charset="0"/>
+                <a:cs typeface="Times New Roman" panose="02020603050405020304" pitchFamily="18" charset="0"/>
+              </a:defRPr>
+            </a:lvl1pPr>
+          </a:lstStyle>
+          <a:p>
+            <a:r>
+              <a:rPr lang="en-US" altLang="zh-CN" dirty="0"/>
+              <a:t>Part_1: </a:t>
+            </a:r>
+            <a:r>
+              <a:rPr lang="en-US" altLang="zh-CN" sz="1400" dirty="0"/>
+              <a:t>Research - Breath Removal</a:t>
+            </a:r>
+          </a:p>
+        </p:txBody>
+      </p:sp>
+      <p:pic>
+        <p:nvPicPr>
+          <p:cNvPr id="3" name="图片 2">
+            <a:extLst>
+              <a:ext uri="{FF2B5EF4-FFF2-40B4-BE49-F238E27FC236}">
+                <a16:creationId xmlns:a16="http://schemas.microsoft.com/office/drawing/2014/main" id="{8D15AC0C-23C0-CAB4-4E79-38B4D17D5657}"/>
+              </a:ext>
+            </a:extLst>
+          </p:cNvPr>
+          <p:cNvPicPr>
+            <a:picLocks noChangeAspect="1"/>
+          </p:cNvPicPr>
+          <p:nvPr/>
+        </p:nvPicPr>
+        <p:blipFill rotWithShape="1">
+          <a:blip r:embed="rId3">
+            <a:extLst>
+              <a:ext uri="{28A0092B-C50C-407E-A947-70E740481C1C}">
+                <a14:useLocalDpi xmlns:a14="http://schemas.microsoft.com/office/drawing/2010/main" val="0"/>
+              </a:ext>
+            </a:extLst>
+          </a:blip>
+          <a:srcRect l="5525" r="-851" b="37204"/>
+          <a:stretch/>
+        </p:blipFill>
+        <p:spPr>
+          <a:xfrm>
+            <a:off x="0" y="567916"/>
+            <a:ext cx="6617371" cy="6313992"/>
+          </a:xfrm>
+          <a:prstGeom prst="rect">
+            <a:avLst/>
+          </a:prstGeom>
+        </p:spPr>
+      </p:pic>
+      <p:sp>
+        <p:nvSpPr>
+          <p:cNvPr id="4" name="文本框 3">
+            <a:extLst>
+              <a:ext uri="{FF2B5EF4-FFF2-40B4-BE49-F238E27FC236}">
+                <a16:creationId xmlns:a16="http://schemas.microsoft.com/office/drawing/2014/main" id="{46EED4B0-F784-5327-54C4-5C1E22DF1567}"/>
+              </a:ext>
+            </a:extLst>
+          </p:cNvPr>
+          <p:cNvSpPr txBox="1"/>
+          <p:nvPr/>
+        </p:nvSpPr>
+        <p:spPr>
+          <a:xfrm>
+            <a:off x="6316703" y="0"/>
+            <a:ext cx="5875297" cy="6524863"/>
+          </a:xfrm>
+          <a:prstGeom prst="rect">
+            <a:avLst/>
+          </a:prstGeom>
+          <a:noFill/>
+        </p:spPr>
+        <p:txBody>
+          <a:bodyPr wrap="square" rtlCol="0">
+            <a:spAutoFit/>
+          </a:bodyPr>
+          <a:lstStyle/>
+          <a:p>
+            <a:r>
+              <a:rPr lang="en-US" altLang="zh-CN" sz="2000" b="1" dirty="0"/>
+              <a:t>Perspective 1:</a:t>
+            </a:r>
+          </a:p>
+          <a:p>
+            <a:r>
+              <a:rPr lang="en-US" altLang="zh-CN" dirty="0"/>
+              <a:t>The multiplication in the time domain is equivalent to convolution in the frequency domain. It's not easy to approach the problem from this perspective.</a:t>
+            </a:r>
+          </a:p>
+          <a:p>
+            <a:endParaRPr lang="en-US" altLang="zh-CN" dirty="0"/>
+          </a:p>
+          <a:p>
+            <a:r>
+              <a:rPr lang="en-US" altLang="zh-CN" sz="2000" b="1" dirty="0"/>
+              <a:t>Perspective 2:</a:t>
+            </a:r>
+          </a:p>
+          <a:p>
+            <a:r>
+              <a:rPr lang="en-US" altLang="zh-CN" dirty="0"/>
+              <a:t>The original equation is equivalent to the linear addition of the original signal after it undergoes a frequency shift.</a:t>
+            </a:r>
+          </a:p>
+          <a:p>
+            <a:endParaRPr lang="en-US" altLang="zh-CN" dirty="0"/>
+          </a:p>
+          <a:p>
+            <a:r>
+              <a:rPr lang="en-US" altLang="zh-CN" dirty="0"/>
+              <a:t>Provided us with some insights:</a:t>
+            </a:r>
+          </a:p>
+          <a:p>
+            <a:r>
+              <a:rPr lang="en-US" altLang="zh-CN" dirty="0"/>
+              <a:t>    1. Breathing is very likely the lowest-frequency component in meaningful signals.</a:t>
+            </a:r>
+          </a:p>
+          <a:p>
+            <a:endParaRPr lang="en-US" altLang="zh-CN" dirty="0"/>
+          </a:p>
+          <a:p>
+            <a:r>
+              <a:rPr lang="en-US" altLang="zh-CN" dirty="0"/>
+              <a:t>    2. For time-domain decomposition, there is no way to separate the breathing signal.</a:t>
+            </a:r>
+          </a:p>
+          <a:p>
+            <a:endParaRPr lang="en-US" altLang="zh-CN" dirty="0"/>
+          </a:p>
+          <a:p>
+            <a:r>
+              <a:rPr lang="en-US" altLang="zh-CN" dirty="0"/>
+              <a:t>    3. Multiplying the original signal by a periodic signal in the frequency domain works well. Algorithms that can decompose the frequency domain may be able to solve the problem.</a:t>
+            </a:r>
+          </a:p>
+        </p:txBody>
+      </p:sp>
+    </p:spTree>
+    <p:extLst>
+      <p:ext uri="{BB962C8B-B14F-4D97-AF65-F5344CB8AC3E}">
+        <p14:creationId xmlns:p14="http://schemas.microsoft.com/office/powerpoint/2010/main" val="3229242848"/>
+      </p:ext>
+    </p:extLst>
+  </p:cSld>
+  <p:clrMapOvr>
+    <a:masterClrMapping/>
+  </p:clrMapOvr>
+</p:sld>
+</file>
+
+<file path=ppt/slides/slide11.xml><?xml version="1.0" encoding="utf-8"?>
+<p:sld xmlns:a="http://schemas.openxmlformats.org/drawingml/2006/main" xmlns:r="http://schemas.openxmlformats.org/officeDocument/2006/relationships" xmlns:p="http://schemas.openxmlformats.org/presentationml/2006/main">
+  <p:cSld>
+    <p:spTree>
+      <p:nvGrpSpPr>
+        <p:cNvPr id="1" name=""/>
+        <p:cNvGrpSpPr/>
+        <p:nvPr/>
+      </p:nvGrpSpPr>
+      <p:grpSpPr>
+        <a:xfrm>
+          <a:off x="0" y="0"/>
+          <a:ext cx="0" cy="0"/>
+          <a:chOff x="0" y="0"/>
+          <a:chExt cx="0" cy="0"/>
+        </a:xfrm>
+      </p:grpSpPr>
+      <p:sp>
+        <p:nvSpPr>
+          <p:cNvPr id="55" name="文本框 54">
+            <a:extLst>
+              <a:ext uri="{FF2B5EF4-FFF2-40B4-BE49-F238E27FC236}">
+                <a16:creationId xmlns:a16="http://schemas.microsoft.com/office/drawing/2014/main" id="{32A2BE86-86A6-F1FC-83EE-91A826B532E5}"/>
+              </a:ext>
+            </a:extLst>
+          </p:cNvPr>
+          <p:cNvSpPr txBox="1"/>
+          <p:nvPr/>
+        </p:nvSpPr>
+        <p:spPr>
+          <a:xfrm>
+            <a:off x="609599" y="106251"/>
+            <a:ext cx="6898481" cy="461665"/>
+          </a:xfrm>
+          <a:prstGeom prst="rect">
+            <a:avLst/>
+          </a:prstGeom>
+          <a:noFill/>
+        </p:spPr>
+        <p:txBody>
+          <a:bodyPr wrap="square" rtlCol="0">
+            <a:spAutoFit/>
+          </a:bodyPr>
+          <a:lstStyle>
+            <a:defPPr>
+              <a:defRPr lang="zh-CN"/>
+            </a:defPPr>
+            <a:lvl1pPr>
+              <a:defRPr sz="2400">
+                <a:latin typeface="Consolas" panose="020B0609020204030204" pitchFamily="49" charset="0"/>
+                <a:cs typeface="Times New Roman" panose="02020603050405020304" pitchFamily="18" charset="0"/>
+              </a:defRPr>
+            </a:lvl1pPr>
+          </a:lstStyle>
+          <a:p>
+            <a:r>
+              <a:rPr lang="en-US" altLang="zh-CN" dirty="0"/>
+              <a:t>Part_2: </a:t>
+            </a:r>
+            <a:r>
+              <a:rPr lang="en-US" altLang="zh-CN" sz="1400" dirty="0"/>
+              <a:t>Paper Reading</a:t>
+            </a:r>
+          </a:p>
+        </p:txBody>
+      </p:sp>
+      <p:sp>
+        <p:nvSpPr>
+          <p:cNvPr id="8" name="文本框 7">
+            <a:extLst>
+              <a:ext uri="{FF2B5EF4-FFF2-40B4-BE49-F238E27FC236}">
+                <a16:creationId xmlns:a16="http://schemas.microsoft.com/office/drawing/2014/main" id="{43ECD4F3-F35E-2206-FF84-688217EDEE5A}"/>
+              </a:ext>
+            </a:extLst>
+          </p:cNvPr>
+          <p:cNvSpPr txBox="1"/>
+          <p:nvPr/>
+        </p:nvSpPr>
+        <p:spPr>
+          <a:xfrm>
+            <a:off x="171448" y="745012"/>
+            <a:ext cx="9680473" cy="3416320"/>
+          </a:xfrm>
+          <a:prstGeom prst="rect">
+            <a:avLst/>
+          </a:prstGeom>
+          <a:noFill/>
+        </p:spPr>
+        <p:txBody>
+          <a:bodyPr wrap="square">
+            <a:spAutoFit/>
+          </a:bodyPr>
+          <a:lstStyle/>
+          <a:p>
+            <a:pPr lvl="1"/>
+            <a:r>
+              <a:rPr lang="en-US" altLang="zh-CN" dirty="0"/>
+              <a:t>Paper_1: </a:t>
+            </a:r>
+            <a:r>
+              <a:rPr lang="en-US" altLang="zh-CN" b="1" dirty="0"/>
+              <a:t>A global averaging method for DTW - DBA</a:t>
+            </a:r>
+          </a:p>
+          <a:p>
+            <a:pPr lvl="1"/>
+            <a:endParaRPr lang="en-US" altLang="zh-CN" dirty="0"/>
+          </a:p>
+          <a:p>
+            <a:pPr lvl="1"/>
+            <a:r>
+              <a:rPr lang="en-US" altLang="zh-CN" b="1" dirty="0"/>
+              <a:t>The Propose of the Paper: </a:t>
+            </a:r>
+            <a:r>
+              <a:rPr lang="en-US" altLang="zh-CN" dirty="0"/>
+              <a:t>the computation of an average of a set of sequences</a:t>
+            </a:r>
+          </a:p>
+          <a:p>
+            <a:pPr lvl="1"/>
+            <a:endParaRPr lang="en-US" altLang="zh-CN" dirty="0"/>
+          </a:p>
+          <a:p>
+            <a:pPr lvl="1"/>
+            <a:r>
+              <a:rPr lang="en-US" altLang="zh-CN" b="1" dirty="0"/>
+              <a:t>Solved Problems:</a:t>
+            </a:r>
+          </a:p>
+          <a:p>
+            <a:pPr marL="800100" lvl="1" indent="-342900">
+              <a:buAutoNum type="arabicPeriod"/>
+            </a:pPr>
+            <a:r>
+              <a:rPr lang="en-US" altLang="zh-CN" dirty="0"/>
+              <a:t>They develop a global technique for averaging a set of sequences, which avoids using iterative pairwise averaging.</a:t>
+            </a:r>
+          </a:p>
+          <a:p>
+            <a:pPr marL="800100" lvl="1" indent="-342900">
+              <a:buAutoNum type="arabicPeriod"/>
+            </a:pPr>
+            <a:endParaRPr lang="en-US" altLang="zh-CN" dirty="0"/>
+          </a:p>
+          <a:p>
+            <a:pPr lvl="1"/>
+            <a:r>
+              <a:rPr lang="en-US" altLang="zh-CN" dirty="0"/>
+              <a:t>2. They describe a new strategy to reduce the length of the resulting average sequence.</a:t>
+            </a:r>
+          </a:p>
+          <a:p>
+            <a:pPr lvl="1"/>
+            <a:endParaRPr lang="en-US" altLang="zh-CN" dirty="0"/>
+          </a:p>
+        </p:txBody>
+      </p:sp>
+      <p:pic>
+        <p:nvPicPr>
+          <p:cNvPr id="5" name="图片 4">
+            <a:extLst>
+              <a:ext uri="{FF2B5EF4-FFF2-40B4-BE49-F238E27FC236}">
+                <a16:creationId xmlns:a16="http://schemas.microsoft.com/office/drawing/2014/main" id="{F9038295-602A-BFFF-951C-4EBA4AF61BF0}"/>
+              </a:ext>
+            </a:extLst>
+          </p:cNvPr>
+          <p:cNvPicPr>
+            <a:picLocks noChangeAspect="1"/>
+          </p:cNvPicPr>
+          <p:nvPr/>
+        </p:nvPicPr>
+        <p:blipFill rotWithShape="1">
+          <a:blip r:embed="rId3"/>
+          <a:srcRect l="3124" t="3243" r="2725" b="442"/>
+          <a:stretch/>
+        </p:blipFill>
+        <p:spPr>
+          <a:xfrm>
+            <a:off x="6191899" y="3573233"/>
+            <a:ext cx="5924552" cy="3284767"/>
+          </a:xfrm>
+          <a:prstGeom prst="rect">
+            <a:avLst/>
+          </a:prstGeom>
+        </p:spPr>
+      </p:pic>
+      <p:pic>
+        <p:nvPicPr>
+          <p:cNvPr id="3" name="图片 2">
+            <a:extLst>
+              <a:ext uri="{FF2B5EF4-FFF2-40B4-BE49-F238E27FC236}">
+                <a16:creationId xmlns:a16="http://schemas.microsoft.com/office/drawing/2014/main" id="{13D69B5E-DE27-C0A3-B883-EAC3C248EFEA}"/>
+              </a:ext>
+            </a:extLst>
+          </p:cNvPr>
+          <p:cNvPicPr>
+            <a:picLocks noChangeAspect="1"/>
+          </p:cNvPicPr>
+          <p:nvPr/>
+        </p:nvPicPr>
+        <p:blipFill>
+          <a:blip r:embed="rId4"/>
+          <a:stretch>
+            <a:fillRect/>
+          </a:stretch>
+        </p:blipFill>
+        <p:spPr>
+          <a:xfrm>
+            <a:off x="0" y="3930637"/>
+            <a:ext cx="6191899" cy="2738885"/>
+          </a:xfrm>
+          <a:prstGeom prst="rect">
+            <a:avLst/>
+          </a:prstGeom>
+        </p:spPr>
+      </p:pic>
+    </p:spTree>
+    <p:extLst>
+      <p:ext uri="{BB962C8B-B14F-4D97-AF65-F5344CB8AC3E}">
+        <p14:creationId xmlns:p14="http://schemas.microsoft.com/office/powerpoint/2010/main" val="2726960845"/>
+      </p:ext>
+    </p:extLst>
+  </p:cSld>
+  <p:clrMapOvr>
+    <a:masterClrMapping/>
+  </p:clrMapOvr>
+</p:sld>
+</file>
+
+<file path=ppt/slides/slide12.xml><?xml version="1.0" encoding="utf-8"?>
+<p:sld xmlns:a="http://schemas.openxmlformats.org/drawingml/2006/main" xmlns:r="http://schemas.openxmlformats.org/officeDocument/2006/relationships" xmlns:p="http://schemas.openxmlformats.org/presentationml/2006/main">
+  <p:cSld>
+    <p:spTree>
+      <p:nvGrpSpPr>
+        <p:cNvPr id="1" name=""/>
+        <p:cNvGrpSpPr/>
+        <p:nvPr/>
+      </p:nvGrpSpPr>
+      <p:grpSpPr>
+        <a:xfrm>
+          <a:off x="0" y="0"/>
+          <a:ext cx="0" cy="0"/>
+          <a:chOff x="0" y="0"/>
+          <a:chExt cx="0" cy="0"/>
+        </a:xfrm>
+      </p:grpSpPr>
+      <p:sp>
+        <p:nvSpPr>
+          <p:cNvPr id="55" name="文本框 54">
+            <a:extLst>
+              <a:ext uri="{FF2B5EF4-FFF2-40B4-BE49-F238E27FC236}">
+                <a16:creationId xmlns:a16="http://schemas.microsoft.com/office/drawing/2014/main" id="{32A2BE86-86A6-F1FC-83EE-91A826B532E5}"/>
+              </a:ext>
+            </a:extLst>
+          </p:cNvPr>
+          <p:cNvSpPr txBox="1"/>
+          <p:nvPr/>
+        </p:nvSpPr>
+        <p:spPr>
+          <a:xfrm>
             <a:off x="609599" y="106251"/>
             <a:ext cx="6898481" cy="461665"/>
           </a:xfrm>
@@ -5486,7 +6088,7 @@
 </p:sld>
 </file>
 
-<file path=ppt/slides/slide11.xml><?xml version="1.0" encoding="utf-8"?>
+<file path=ppt/slides/slide13.xml><?xml version="1.0" encoding="utf-8"?>
 <p:sld xmlns:a="http://schemas.openxmlformats.org/drawingml/2006/main" xmlns:r="http://schemas.openxmlformats.org/officeDocument/2006/relationships" xmlns:p="http://schemas.openxmlformats.org/presentationml/2006/main">
   <p:cSld>
     <p:spTree>
@@ -5647,7 +6249,7 @@
 </p:sld>
 </file>
 
-<file path=ppt/slides/slide12.xml><?xml version="1.0" encoding="utf-8"?>
+<file path=ppt/slides/slide14.xml><?xml version="1.0" encoding="utf-8"?>
 <p:sld xmlns:a="http://schemas.openxmlformats.org/drawingml/2006/main" xmlns:r="http://schemas.openxmlformats.org/officeDocument/2006/relationships" xmlns:p="http://schemas.openxmlformats.org/presentationml/2006/main">
   <p:cSld>
     <p:spTree>
@@ -5837,7 +6439,7 @@
 </p:sld>
 </file>
 
-<file path=ppt/slides/slide13.xml><?xml version="1.0" encoding="utf-8"?>
+<file path=ppt/slides/slide15.xml><?xml version="1.0" encoding="utf-8"?>
 <p:sld xmlns:a="http://schemas.openxmlformats.org/drawingml/2006/main" xmlns:r="http://schemas.openxmlformats.org/officeDocument/2006/relationships" xmlns:p="http://schemas.openxmlformats.org/presentationml/2006/main">
   <p:cSld>
     <p:spTree>
@@ -6163,7 +6765,7 @@
 </p:sld>
 </file>
 
-<file path=ppt/slides/slide14.xml><?xml version="1.0" encoding="utf-8"?>
+<file path=ppt/slides/slide16.xml><?xml version="1.0" encoding="utf-8"?>
 <p:sld xmlns:a="http://schemas.openxmlformats.org/drawingml/2006/main" xmlns:r="http://schemas.openxmlformats.org/officeDocument/2006/relationships" xmlns:p="http://schemas.openxmlformats.org/presentationml/2006/main">
   <p:cSld>
     <p:spTree>
@@ -6441,6 +7043,7 @@
             </a:extLst>
           </p:cNvPr>
           <p:cNvCxnSpPr>
+            <a:cxnSpLocks/>
             <a:stCxn id="6" idx="3"/>
           </p:cNvCxnSpPr>
           <p:nvPr/>
@@ -6448,7 +7051,7 @@
         <p:spPr>
           <a:xfrm>
             <a:off x="9485781" y="2534466"/>
-            <a:ext cx="820993" cy="0"/>
+            <a:ext cx="941329" cy="0"/>
           </a:xfrm>
           <a:prstGeom prst="straightConnector1">
             <a:avLst/>
@@ -7477,7 +8080,7 @@
         </p:nvSpPr>
         <p:spPr>
           <a:xfrm>
-            <a:off x="1614185" y="4849857"/>
+            <a:off x="1192025" y="4857515"/>
             <a:ext cx="1858297" cy="1274790"/>
           </a:xfrm>
           <a:custGeom>
@@ -7648,7 +8251,7 @@
         </p:nvSpPr>
         <p:spPr>
           <a:xfrm>
-            <a:off x="1657474" y="4846998"/>
+            <a:off x="1235314" y="4854656"/>
             <a:ext cx="1858297" cy="1274790"/>
           </a:xfrm>
           <a:custGeom>
@@ -7819,7 +8422,7 @@
         </p:nvSpPr>
         <p:spPr>
           <a:xfrm>
-            <a:off x="1700763" y="4844139"/>
+            <a:off x="1278603" y="4851797"/>
             <a:ext cx="1858297" cy="1274790"/>
           </a:xfrm>
           <a:custGeom>
@@ -7990,7 +8593,7 @@
         </p:nvSpPr>
         <p:spPr>
           <a:xfrm>
-            <a:off x="1744052" y="4841280"/>
+            <a:off x="1321892" y="4848938"/>
             <a:ext cx="1858297" cy="1274790"/>
           </a:xfrm>
           <a:custGeom>
@@ -8161,7 +8764,7 @@
         </p:nvSpPr>
         <p:spPr>
           <a:xfrm>
-            <a:off x="1787341" y="4838421"/>
+            <a:off x="1365181" y="4846079"/>
             <a:ext cx="1858297" cy="1274790"/>
           </a:xfrm>
           <a:custGeom>
@@ -8332,7 +8935,7 @@
         </p:nvSpPr>
         <p:spPr>
           <a:xfrm>
-            <a:off x="1830630" y="4853520"/>
+            <a:off x="1408470" y="4861178"/>
             <a:ext cx="1858297" cy="1274790"/>
           </a:xfrm>
           <a:custGeom>
@@ -8503,7 +9106,7 @@
         </p:nvGrpSpPr>
         <p:grpSpPr>
           <a:xfrm>
-            <a:off x="4640960" y="4757631"/>
+            <a:off x="5061438" y="4768267"/>
             <a:ext cx="1936955" cy="1374342"/>
             <a:chOff x="4640960" y="4757631"/>
             <a:chExt cx="1936955" cy="1374342"/>
@@ -8970,7 +9573,7 @@
         </p:nvGrpSpPr>
         <p:grpSpPr>
           <a:xfrm>
-            <a:off x="4807974" y="4757631"/>
+            <a:off x="5228452" y="4768267"/>
             <a:ext cx="1936955" cy="1374342"/>
             <a:chOff x="4640960" y="4757631"/>
             <a:chExt cx="1936955" cy="1374342"/>
@@ -9437,7 +10040,7 @@
         </p:nvGrpSpPr>
         <p:grpSpPr>
           <a:xfrm>
-            <a:off x="4945066" y="4757631"/>
+            <a:off x="5365544" y="4768267"/>
             <a:ext cx="1936955" cy="1374342"/>
             <a:chOff x="4640960" y="4757631"/>
             <a:chExt cx="1936955" cy="1374342"/>
@@ -9904,7 +10507,7 @@
         </p:nvGrpSpPr>
         <p:grpSpPr>
           <a:xfrm>
-            <a:off x="7760244" y="4757631"/>
+            <a:off x="8701311" y="4770203"/>
             <a:ext cx="1858297" cy="1359243"/>
             <a:chOff x="7760244" y="4757631"/>
             <a:chExt cx="1858297" cy="1359243"/>
@@ -10200,7 +10803,7 @@
         </p:nvGrpSpPr>
         <p:grpSpPr>
           <a:xfrm>
-            <a:off x="7832760" y="4757631"/>
+            <a:off x="8773827" y="4770203"/>
             <a:ext cx="1858297" cy="1359243"/>
             <a:chOff x="7760244" y="4757631"/>
             <a:chExt cx="1858297" cy="1359243"/>
@@ -10496,7 +11099,7 @@
         </p:nvGrpSpPr>
         <p:grpSpPr>
           <a:xfrm>
-            <a:off x="7905256" y="4757631"/>
+            <a:off x="8846323" y="4770203"/>
             <a:ext cx="1858297" cy="1359243"/>
             <a:chOff x="7760244" y="4757631"/>
             <a:chExt cx="1858297" cy="1359243"/>
@@ -10792,7 +11395,7 @@
         </p:nvGrpSpPr>
         <p:grpSpPr>
           <a:xfrm>
-            <a:off x="7977772" y="4757631"/>
+            <a:off x="8918839" y="4770203"/>
             <a:ext cx="1858297" cy="1359243"/>
             <a:chOff x="7760244" y="4757631"/>
             <a:chExt cx="1858297" cy="1359243"/>
@@ -11088,7 +11691,7 @@
         </p:nvGrpSpPr>
         <p:grpSpPr>
           <a:xfrm>
-            <a:off x="8052194" y="4757631"/>
+            <a:off x="8993261" y="4770203"/>
             <a:ext cx="1858297" cy="1359243"/>
             <a:chOff x="7760244" y="4757631"/>
             <a:chExt cx="1858297" cy="1359243"/>
@@ -11384,7 +11987,7 @@
         </p:nvGrpSpPr>
         <p:grpSpPr>
           <a:xfrm>
-            <a:off x="8124710" y="4757631"/>
+            <a:off x="9065777" y="4770203"/>
             <a:ext cx="1858297" cy="1359243"/>
             <a:chOff x="7760244" y="4757631"/>
             <a:chExt cx="1858297" cy="1359243"/>
@@ -11680,7 +12283,7 @@
         </p:nvSpPr>
         <p:spPr>
           <a:xfrm>
-            <a:off x="981175" y="6155062"/>
+            <a:off x="724041" y="6138997"/>
             <a:ext cx="3863066" cy="646331"/>
           </a:xfrm>
           <a:prstGeom prst="rect">
@@ -11716,7 +12319,7 @@
         </p:nvSpPr>
         <p:spPr>
           <a:xfrm>
-            <a:off x="4224457" y="6107197"/>
+            <a:off x="4609689" y="6155252"/>
             <a:ext cx="3370006" cy="646331"/>
           </a:xfrm>
           <a:prstGeom prst="rect">
@@ -11752,7 +12355,7 @@
         </p:nvSpPr>
         <p:spPr>
           <a:xfrm>
-            <a:off x="7627196" y="6107196"/>
+            <a:off x="8271442" y="6177774"/>
             <a:ext cx="3370006" cy="646331"/>
           </a:xfrm>
           <a:prstGeom prst="rect">
@@ -11787,7 +12390,7 @@
 </p:sld>
 </file>
 
-<file path=ppt/slides/slide15.xml><?xml version="1.0" encoding="utf-8"?>
+<file path=ppt/slides/slide17.xml><?xml version="1.0" encoding="utf-8"?>
 <p:sld xmlns:a="http://schemas.openxmlformats.org/drawingml/2006/main" xmlns:r="http://schemas.openxmlformats.org/officeDocument/2006/relationships" xmlns:p="http://schemas.openxmlformats.org/presentationml/2006/main">
   <p:cSld>
     <p:spTree>
@@ -11950,7 +12553,7 @@
 </p:sld>
 </file>
 
-<file path=ppt/slides/slide16.xml><?xml version="1.0" encoding="utf-8"?>
+<file path=ppt/slides/slide18.xml><?xml version="1.0" encoding="utf-8"?>
 <p:sld xmlns:a="http://schemas.openxmlformats.org/drawingml/2006/main" xmlns:r="http://schemas.openxmlformats.org/officeDocument/2006/relationships" xmlns:p="http://schemas.openxmlformats.org/presentationml/2006/main">
   <p:cSld>
     <p:spTree>
@@ -12076,7 +12679,7 @@
 </p:sld>
 </file>
 
-<file path=ppt/slides/slide17.xml><?xml version="1.0" encoding="utf-8"?>
+<file path=ppt/slides/slide19.xml><?xml version="1.0" encoding="utf-8"?>
 <p:sld xmlns:a="http://schemas.openxmlformats.org/drawingml/2006/main" xmlns:r="http://schemas.openxmlformats.org/officeDocument/2006/relationships" xmlns:p="http://schemas.openxmlformats.org/presentationml/2006/main">
   <p:cSld>
     <p:spTree>
@@ -12221,7 +12824,7 @@
         </p:nvSpPr>
         <p:spPr>
           <a:xfrm>
-            <a:off x="2288551" y="1242357"/>
+            <a:off x="2185312" y="1242357"/>
             <a:ext cx="8616079" cy="5078313"/>
           </a:xfrm>
           <a:prstGeom prst="rect">
@@ -12444,13 +13047,13 @@
           <p:nvPr>
             <p:extLst>
               <p:ext uri="{D42A27DB-BD31-4B8C-83A1-F6EECF244321}">
-                <p14:modId xmlns:p14="http://schemas.microsoft.com/office/powerpoint/2010/main" val="4004949845"/>
+                <p14:modId xmlns:p14="http://schemas.microsoft.com/office/powerpoint/2010/main" val="2135905006"/>
               </p:ext>
             </p:extLst>
           </p:nvPr>
         </p:nvGraphicFramePr>
         <p:xfrm>
-          <a:off x="991419" y="1084630"/>
+          <a:off x="991419" y="1630320"/>
           <a:ext cx="10209162" cy="3708400"/>
         </p:xfrm>
         <a:graphic>
@@ -13105,7 +13708,27 @@
                     <a:bodyPr/>
                     <a:lstStyle/>
                     <a:p>
-                      <a:pPr algn="ctr"/>
+                      <a:pPr marL="0" marR="0" lvl="0" indent="0" algn="ctr" defTabSz="914400" rtl="0" eaLnBrk="1" fontAlgn="auto" latinLnBrk="0" hangingPunct="1">
+                        <a:lnSpc>
+                          <a:spcPct val="100000"/>
+                        </a:lnSpc>
+                        <a:spcBef>
+                          <a:spcPts val="0"/>
+                        </a:spcBef>
+                        <a:spcAft>
+                          <a:spcPts val="0"/>
+                        </a:spcAft>
+                        <a:buClrTx/>
+                        <a:buSzTx/>
+                        <a:buFontTx/>
+                        <a:buNone/>
+                        <a:tabLst/>
+                        <a:defRPr/>
+                      </a:pPr>
+                      <a:r>
+                        <a:rPr lang="en-US" altLang="zh-CN" dirty="0"/>
+                        <a:t>1.95 / 1.98</a:t>
+                      </a:r>
                       <a:endParaRPr lang="zh-CN" altLang="en-US" dirty="0"/>
                     </a:p>
                   </a:txBody>
@@ -13116,7 +13739,27 @@
                     <a:bodyPr/>
                     <a:lstStyle/>
                     <a:p>
-                      <a:pPr algn="ctr"/>
+                      <a:pPr marL="0" marR="0" lvl="0" indent="0" algn="ctr" defTabSz="914400" rtl="0" eaLnBrk="1" fontAlgn="auto" latinLnBrk="0" hangingPunct="1">
+                        <a:lnSpc>
+                          <a:spcPct val="100000"/>
+                        </a:lnSpc>
+                        <a:spcBef>
+                          <a:spcPts val="0"/>
+                        </a:spcBef>
+                        <a:spcAft>
+                          <a:spcPts val="0"/>
+                        </a:spcAft>
+                        <a:buClrTx/>
+                        <a:buSzTx/>
+                        <a:buFontTx/>
+                        <a:buNone/>
+                        <a:tabLst/>
+                        <a:defRPr/>
+                      </a:pPr>
+                      <a:r>
+                        <a:rPr lang="en-US" altLang="zh-CN" dirty="0"/>
+                        <a:t>4.63 / 4.74</a:t>
+                      </a:r>
                       <a:endParaRPr lang="zh-CN" altLang="en-US" dirty="0"/>
                     </a:p>
                   </a:txBody>
@@ -13313,6 +13956,2264 @@
                     <a:lstStyle/>
                     <a:p>
                       <a:r>
+                        <a:rPr lang="en-US" altLang="zh-CN" b="1" dirty="0"/>
+                        <a:t>DBA</a:t>
+                      </a:r>
+                      <a:endParaRPr lang="zh-CN" altLang="en-US" b="1" dirty="0"/>
+                    </a:p>
+                  </a:txBody>
+                  <a:tcPr/>
+                </a:tc>
+                <a:tc>
+                  <a:txBody>
+                    <a:bodyPr/>
+                    <a:lstStyle/>
+                    <a:p>
+                      <a:pPr marL="0" marR="0" lvl="0" indent="0" algn="l" defTabSz="914400" rtl="0" eaLnBrk="1" fontAlgn="auto" latinLnBrk="0" hangingPunct="1">
+                        <a:lnSpc>
+                          <a:spcPct val="100000"/>
+                        </a:lnSpc>
+                        <a:spcBef>
+                          <a:spcPts val="0"/>
+                        </a:spcBef>
+                        <a:spcAft>
+                          <a:spcPts val="0"/>
+                        </a:spcAft>
+                        <a:buClrTx/>
+                        <a:buSzTx/>
+                        <a:buFontTx/>
+                        <a:buNone/>
+                        <a:tabLst/>
+                        <a:defRPr/>
+                      </a:pPr>
+                      <a:r>
+                        <a:rPr lang="en-US" altLang="zh-CN" dirty="0"/>
+                        <a:t>No RR, Peak-Based Segmentation</a:t>
+                      </a:r>
+                      <a:endParaRPr lang="zh-CN" altLang="en-US" dirty="0"/>
+                    </a:p>
+                  </a:txBody>
+                  <a:tcPr/>
+                </a:tc>
+                <a:tc>
+                  <a:txBody>
+                    <a:bodyPr/>
+                    <a:lstStyle/>
+                    <a:p>
+                      <a:pPr algn="ctr"/>
+                      <a:r>
+                        <a:rPr lang="en-US" altLang="zh-CN" u="sng" dirty="0"/>
+                        <a:t>2.05 / 1.96</a:t>
+                      </a:r>
+                      <a:endParaRPr lang="zh-CN" altLang="en-US" u="sng" dirty="0"/>
+                    </a:p>
+                  </a:txBody>
+                  <a:tcPr/>
+                </a:tc>
+                <a:tc>
+                  <a:txBody>
+                    <a:bodyPr/>
+                    <a:lstStyle/>
+                    <a:p>
+                      <a:pPr algn="ctr"/>
+                      <a:r>
+                        <a:rPr lang="en-US" altLang="zh-CN" u="sng" dirty="0"/>
+                        <a:t>3.43 / 4.15</a:t>
+                      </a:r>
+                      <a:endParaRPr lang="zh-CN" altLang="en-US" u="sng" dirty="0"/>
+                    </a:p>
+                  </a:txBody>
+                  <a:tcPr/>
+                </a:tc>
+                <a:extLst>
+                  <a:ext uri="{0D108BD9-81ED-4DB2-BD59-A6C34878D82A}">
+                    <a16:rowId xmlns:a16="http://schemas.microsoft.com/office/drawing/2014/main" val="994351504"/>
+                  </a:ext>
+                </a:extLst>
+              </a:tr>
+            </a:tbl>
+          </a:graphicData>
+        </a:graphic>
+      </p:graphicFrame>
+      <p:sp>
+        <p:nvSpPr>
+          <p:cNvPr id="4" name="文本框 3">
+            <a:extLst>
+              <a:ext uri="{FF2B5EF4-FFF2-40B4-BE49-F238E27FC236}">
+                <a16:creationId xmlns:a16="http://schemas.microsoft.com/office/drawing/2014/main" id="{14D98BF9-A99F-6EAF-3F10-E905FE1F2A03}"/>
+              </a:ext>
+            </a:extLst>
+          </p:cNvPr>
+          <p:cNvSpPr txBox="1"/>
+          <p:nvPr/>
+        </p:nvSpPr>
+        <p:spPr>
+          <a:xfrm>
+            <a:off x="938366" y="914452"/>
+            <a:ext cx="6094770" cy="369332"/>
+          </a:xfrm>
+          <a:prstGeom prst="rect">
+            <a:avLst/>
+          </a:prstGeom>
+          <a:noFill/>
+        </p:spPr>
+        <p:txBody>
+          <a:bodyPr wrap="square">
+            <a:spAutoFit/>
+          </a:bodyPr>
+          <a:lstStyle/>
+          <a:p>
+            <a:r>
+              <a:rPr lang="en-US" altLang="zh-CN" dirty="0"/>
+              <a:t>Experiment Results</a:t>
+            </a:r>
+          </a:p>
+        </p:txBody>
+      </p:sp>
+    </p:spTree>
+    <p:extLst>
+      <p:ext uri="{BB962C8B-B14F-4D97-AF65-F5344CB8AC3E}">
+        <p14:creationId xmlns:p14="http://schemas.microsoft.com/office/powerpoint/2010/main" val="2541047928"/>
+      </p:ext>
+    </p:extLst>
+  </p:cSld>
+  <p:clrMapOvr>
+    <a:masterClrMapping/>
+  </p:clrMapOvr>
+</p:sld>
+</file>
+
+<file path=ppt/slides/slide4.xml><?xml version="1.0" encoding="utf-8"?>
+<p:sld xmlns:a="http://schemas.openxmlformats.org/drawingml/2006/main" xmlns:r="http://schemas.openxmlformats.org/officeDocument/2006/relationships" xmlns:p="http://schemas.openxmlformats.org/presentationml/2006/main">
+  <p:cSld>
+    <p:spTree>
+      <p:nvGrpSpPr>
+        <p:cNvPr id="1" name=""/>
+        <p:cNvGrpSpPr/>
+        <p:nvPr/>
+      </p:nvGrpSpPr>
+      <p:grpSpPr>
+        <a:xfrm>
+          <a:off x="0" y="0"/>
+          <a:ext cx="0" cy="0"/>
+          <a:chOff x="0" y="0"/>
+          <a:chExt cx="0" cy="0"/>
+        </a:xfrm>
+      </p:grpSpPr>
+      <p:sp>
+        <p:nvSpPr>
+          <p:cNvPr id="55" name="文本框 54">
+            <a:extLst>
+              <a:ext uri="{FF2B5EF4-FFF2-40B4-BE49-F238E27FC236}">
+                <a16:creationId xmlns:a16="http://schemas.microsoft.com/office/drawing/2014/main" id="{32A2BE86-86A6-F1FC-83EE-91A826B532E5}"/>
+              </a:ext>
+            </a:extLst>
+          </p:cNvPr>
+          <p:cNvSpPr txBox="1"/>
+          <p:nvPr/>
+        </p:nvSpPr>
+        <p:spPr>
+          <a:xfrm>
+            <a:off x="609600" y="106251"/>
+            <a:ext cx="4584920" cy="461665"/>
+          </a:xfrm>
+          <a:prstGeom prst="rect">
+            <a:avLst/>
+          </a:prstGeom>
+          <a:noFill/>
+        </p:spPr>
+        <p:txBody>
+          <a:bodyPr wrap="square" rtlCol="0">
+            <a:spAutoFit/>
+          </a:bodyPr>
+          <a:lstStyle>
+            <a:defPPr>
+              <a:defRPr lang="zh-CN"/>
+            </a:defPPr>
+            <a:lvl1pPr>
+              <a:defRPr sz="2400">
+                <a:latin typeface="Consolas" panose="020B0609020204030204" pitchFamily="49" charset="0"/>
+                <a:cs typeface="Times New Roman" panose="02020603050405020304" pitchFamily="18" charset="0"/>
+              </a:defRPr>
+            </a:lvl1pPr>
+          </a:lstStyle>
+          <a:p>
+            <a:r>
+              <a:rPr lang="en-US" altLang="zh-CN" dirty="0"/>
+              <a:t>Part_1: </a:t>
+            </a:r>
+            <a:r>
+              <a:rPr lang="en-US" altLang="zh-CN" sz="1400" dirty="0"/>
+              <a:t>Research - Getting Template</a:t>
+            </a:r>
+          </a:p>
+        </p:txBody>
+      </p:sp>
+      <p:sp>
+        <p:nvSpPr>
+          <p:cNvPr id="3" name="文本框 2">
+            <a:extLst>
+              <a:ext uri="{FF2B5EF4-FFF2-40B4-BE49-F238E27FC236}">
+                <a16:creationId xmlns:a16="http://schemas.microsoft.com/office/drawing/2014/main" id="{7E6479E6-9587-A2B7-5574-031FC4CC0E72}"/>
+              </a:ext>
+            </a:extLst>
+          </p:cNvPr>
+          <p:cNvSpPr txBox="1"/>
+          <p:nvPr/>
+        </p:nvSpPr>
+        <p:spPr>
+          <a:xfrm>
+            <a:off x="609600" y="766916"/>
+            <a:ext cx="10982632" cy="3139321"/>
+          </a:xfrm>
+          <a:prstGeom prst="rect">
+            <a:avLst/>
+          </a:prstGeom>
+          <a:noFill/>
+        </p:spPr>
+        <p:txBody>
+          <a:bodyPr wrap="square" rtlCol="0">
+            <a:spAutoFit/>
+          </a:bodyPr>
+          <a:lstStyle/>
+          <a:p>
+            <a:r>
+              <a:rPr lang="en-US" altLang="zh-CN" dirty="0"/>
+              <a:t>Preliminary conclusions reflected by experimental results:</a:t>
+            </a:r>
+          </a:p>
+          <a:p>
+            <a:endParaRPr lang="en-US" altLang="zh-CN" dirty="0"/>
+          </a:p>
+          <a:p>
+            <a:endParaRPr lang="en-US" altLang="zh-CN" dirty="0"/>
+          </a:p>
+          <a:p>
+            <a:r>
+              <a:rPr lang="en-US" altLang="zh-CN" dirty="0"/>
+              <a:t>Conclusion1:</a:t>
+            </a:r>
+          </a:p>
+          <a:p>
+            <a:endParaRPr lang="en-US" altLang="zh-CN" dirty="0"/>
+          </a:p>
+          <a:p>
+            <a:r>
+              <a:rPr lang="en-US" altLang="zh-CN" dirty="0"/>
+              <a:t>In the case of using linear regression, </a:t>
+            </a:r>
+            <a:r>
+              <a:rPr lang="en-US" altLang="zh-CN" b="1" dirty="0"/>
+              <a:t>the theoretical upper limit </a:t>
+            </a:r>
+            <a:r>
+              <a:rPr lang="en-US" altLang="zh-CN" dirty="0"/>
+              <a:t>for predicting D of pure SCG signals should be </a:t>
+            </a:r>
+            <a:r>
+              <a:rPr lang="en-US" altLang="zh-CN" b="1" dirty="0"/>
+              <a:t>1.8</a:t>
+            </a:r>
+            <a:r>
+              <a:rPr lang="en-US" altLang="zh-CN" dirty="0"/>
+              <a:t>. </a:t>
+            </a:r>
+          </a:p>
+          <a:p>
+            <a:endParaRPr lang="en-US" altLang="zh-CN" dirty="0"/>
+          </a:p>
+          <a:p>
+            <a:r>
+              <a:rPr lang="en-US" altLang="zh-CN" dirty="0"/>
+              <a:t>However, current results obtained with the DBA algorithm suggest that the process of obtaining a standard template is a denoising process. </a:t>
+            </a:r>
+          </a:p>
+          <a:p>
+            <a:r>
+              <a:rPr lang="en-US" altLang="zh-CN" dirty="0"/>
+              <a:t>(The DBA algorithm will be briefly introduced later.)</a:t>
+            </a:r>
+          </a:p>
+        </p:txBody>
+      </p:sp>
+      <p:graphicFrame>
+        <p:nvGraphicFramePr>
+          <p:cNvPr id="2" name="表格 1">
+            <a:extLst>
+              <a:ext uri="{FF2B5EF4-FFF2-40B4-BE49-F238E27FC236}">
+                <a16:creationId xmlns:a16="http://schemas.microsoft.com/office/drawing/2014/main" id="{DCCB8D94-03FD-2C9F-E4EA-A960C6CB1542}"/>
+              </a:ext>
+            </a:extLst>
+          </p:cNvPr>
+          <p:cNvGraphicFramePr>
+            <a:graphicFrameLocks noGrp="1"/>
+          </p:cNvGraphicFramePr>
+          <p:nvPr>
+            <p:extLst>
+              <p:ext uri="{D42A27DB-BD31-4B8C-83A1-F6EECF244321}">
+                <p14:modId xmlns:p14="http://schemas.microsoft.com/office/powerpoint/2010/main" val="3615856256"/>
+              </p:ext>
+            </p:extLst>
+          </p:nvPr>
+        </p:nvGraphicFramePr>
+        <p:xfrm>
+          <a:off x="748071" y="4491507"/>
+          <a:ext cx="10209162" cy="1107440"/>
+        </p:xfrm>
+        <a:graphic>
+          <a:graphicData uri="http://schemas.openxmlformats.org/drawingml/2006/table">
+            <a:tbl>
+              <a:tblPr firstRow="1" bandRow="1">
+                <a:tableStyleId>{5C22544A-7EE6-4342-B048-85BDC9FD1C3A}</a:tableStyleId>
+              </a:tblPr>
+              <a:tblGrid>
+                <a:gridCol w="2093336">
+                  <a:extLst>
+                    <a:ext uri="{9D8B030D-6E8A-4147-A177-3AD203B41FA5}">
+                      <a16:colId xmlns:a16="http://schemas.microsoft.com/office/drawing/2014/main" val="2721979233"/>
+                    </a:ext>
+                  </a:extLst>
+                </a:gridCol>
+                <a:gridCol w="4001025">
+                  <a:extLst>
+                    <a:ext uri="{9D8B030D-6E8A-4147-A177-3AD203B41FA5}">
+                      <a16:colId xmlns:a16="http://schemas.microsoft.com/office/drawing/2014/main" val="2329472157"/>
+                    </a:ext>
+                  </a:extLst>
+                </a:gridCol>
+                <a:gridCol w="2064774">
+                  <a:extLst>
+                    <a:ext uri="{9D8B030D-6E8A-4147-A177-3AD203B41FA5}">
+                      <a16:colId xmlns:a16="http://schemas.microsoft.com/office/drawing/2014/main" val="3887092843"/>
+                    </a:ext>
+                  </a:extLst>
+                </a:gridCol>
+                <a:gridCol w="2050027">
+                  <a:extLst>
+                    <a:ext uri="{9D8B030D-6E8A-4147-A177-3AD203B41FA5}">
+                      <a16:colId xmlns:a16="http://schemas.microsoft.com/office/drawing/2014/main" val="68501977"/>
+                    </a:ext>
+                  </a:extLst>
+                </a:gridCol>
+              </a:tblGrid>
+              <a:tr h="370840">
+                <a:tc>
+                  <a:txBody>
+                    <a:bodyPr/>
+                    <a:lstStyle/>
+                    <a:p>
+                      <a:r>
+                        <a:rPr lang="en-US" altLang="zh-CN" dirty="0"/>
+                        <a:t>Model</a:t>
+                      </a:r>
+                      <a:endParaRPr lang="zh-CN" altLang="en-US" dirty="0"/>
+                    </a:p>
+                  </a:txBody>
+                  <a:tcPr/>
+                </a:tc>
+                <a:tc>
+                  <a:txBody>
+                    <a:bodyPr/>
+                    <a:lstStyle/>
+                    <a:p>
+                      <a:r>
+                        <a:rPr lang="en-US" altLang="zh-CN" dirty="0"/>
+                        <a:t>State</a:t>
+                      </a:r>
+                      <a:endParaRPr lang="zh-CN" altLang="en-US" dirty="0"/>
+                    </a:p>
+                  </a:txBody>
+                  <a:tcPr/>
+                </a:tc>
+                <a:tc>
+                  <a:txBody>
+                    <a:bodyPr/>
+                    <a:lstStyle/>
+                    <a:p>
+                      <a:r>
+                        <a:rPr lang="en-US" altLang="zh-CN" dirty="0"/>
+                        <a:t>S Prediction</a:t>
+                      </a:r>
+                      <a:endParaRPr lang="zh-CN" altLang="en-US" dirty="0"/>
+                    </a:p>
+                  </a:txBody>
+                  <a:tcPr/>
+                </a:tc>
+                <a:tc>
+                  <a:txBody>
+                    <a:bodyPr/>
+                    <a:lstStyle/>
+                    <a:p>
+                      <a:r>
+                        <a:rPr lang="en-US" altLang="zh-CN" dirty="0"/>
+                        <a:t>D Prediction</a:t>
+                      </a:r>
+                      <a:endParaRPr lang="zh-CN" altLang="en-US" dirty="0"/>
+                    </a:p>
+                  </a:txBody>
+                  <a:tcPr/>
+                </a:tc>
+                <a:extLst>
+                  <a:ext uri="{0D108BD9-81ED-4DB2-BD59-A6C34878D82A}">
+                    <a16:rowId xmlns:a16="http://schemas.microsoft.com/office/drawing/2014/main" val="3312699029"/>
+                  </a:ext>
+                </a:extLst>
+              </a:tr>
+              <a:tr h="370840">
+                <a:tc>
+                  <a:txBody>
+                    <a:bodyPr/>
+                    <a:lstStyle/>
+                    <a:p>
+                      <a:r>
+                        <a:rPr lang="en-US" altLang="zh-CN" dirty="0"/>
+                        <a:t>No Template</a:t>
+                      </a:r>
+                    </a:p>
+                  </a:txBody>
+                  <a:tcPr/>
+                </a:tc>
+                <a:tc>
+                  <a:txBody>
+                    <a:bodyPr/>
+                    <a:lstStyle/>
+                    <a:p>
+                      <a:r>
+                        <a:rPr lang="en-US" altLang="zh-CN" dirty="0"/>
+                        <a:t>No RR, Peak-Based Segmentation</a:t>
+                      </a:r>
+                      <a:endParaRPr lang="zh-CN" altLang="en-US" dirty="0"/>
+                    </a:p>
+                  </a:txBody>
+                  <a:tcPr/>
+                </a:tc>
+                <a:tc>
+                  <a:txBody>
+                    <a:bodyPr/>
+                    <a:lstStyle/>
+                    <a:p>
+                      <a:pPr marL="0" marR="0" lvl="0" indent="0" algn="ctr" defTabSz="914400" rtl="0" eaLnBrk="1" fontAlgn="auto" latinLnBrk="0" hangingPunct="1">
+                        <a:lnSpc>
+                          <a:spcPct val="100000"/>
+                        </a:lnSpc>
+                        <a:spcBef>
+                          <a:spcPts val="0"/>
+                        </a:spcBef>
+                        <a:spcAft>
+                          <a:spcPts val="0"/>
+                        </a:spcAft>
+                        <a:buClrTx/>
+                        <a:buSzTx/>
+                        <a:buFontTx/>
+                        <a:buNone/>
+                        <a:tabLst/>
+                        <a:defRPr/>
+                      </a:pPr>
+                      <a:r>
+                        <a:rPr lang="en-US" altLang="zh-CN" dirty="0"/>
+                        <a:t>0.79 / 1.64</a:t>
+                      </a:r>
+                      <a:endParaRPr lang="zh-CN" altLang="en-US" dirty="0"/>
+                    </a:p>
+                  </a:txBody>
+                  <a:tcPr/>
+                </a:tc>
+                <a:tc>
+                  <a:txBody>
+                    <a:bodyPr/>
+                    <a:lstStyle/>
+                    <a:p>
+                      <a:pPr marL="0" marR="0" lvl="0" indent="0" algn="ctr" defTabSz="914400" rtl="0" eaLnBrk="1" fontAlgn="auto" latinLnBrk="0" hangingPunct="1">
+                        <a:lnSpc>
+                          <a:spcPct val="100000"/>
+                        </a:lnSpc>
+                        <a:spcBef>
+                          <a:spcPts val="0"/>
+                        </a:spcBef>
+                        <a:spcAft>
+                          <a:spcPts val="0"/>
+                        </a:spcAft>
+                        <a:buClrTx/>
+                        <a:buSzTx/>
+                        <a:buFontTx/>
+                        <a:buNone/>
+                        <a:tabLst/>
+                        <a:defRPr/>
+                      </a:pPr>
+                      <a:r>
+                        <a:rPr lang="en-US" altLang="zh-CN" dirty="0"/>
+                        <a:t>1.79 / </a:t>
+                      </a:r>
+                      <a:r>
+                        <a:rPr lang="en-US" altLang="zh-CN" b="1" dirty="0"/>
+                        <a:t>4.31</a:t>
+                      </a:r>
+                      <a:endParaRPr lang="zh-CN" altLang="en-US" b="1" dirty="0"/>
+                    </a:p>
+                  </a:txBody>
+                  <a:tcPr/>
+                </a:tc>
+                <a:extLst>
+                  <a:ext uri="{0D108BD9-81ED-4DB2-BD59-A6C34878D82A}">
+                    <a16:rowId xmlns:a16="http://schemas.microsoft.com/office/drawing/2014/main" val="645629362"/>
+                  </a:ext>
+                </a:extLst>
+              </a:tr>
+              <a:tr h="349078">
+                <a:tc>
+                  <a:txBody>
+                    <a:bodyPr/>
+                    <a:lstStyle/>
+                    <a:p>
+                      <a:r>
+                        <a:rPr lang="en-US" altLang="zh-CN" dirty="0"/>
+                        <a:t>DBA</a:t>
+                      </a:r>
+                      <a:endParaRPr lang="zh-CN" altLang="en-US" dirty="0"/>
+                    </a:p>
+                  </a:txBody>
+                  <a:tcPr/>
+                </a:tc>
+                <a:tc>
+                  <a:txBody>
+                    <a:bodyPr/>
+                    <a:lstStyle/>
+                    <a:p>
+                      <a:pPr marL="0" marR="0" lvl="0" indent="0" algn="l" defTabSz="914400" rtl="0" eaLnBrk="1" fontAlgn="auto" latinLnBrk="0" hangingPunct="1">
+                        <a:lnSpc>
+                          <a:spcPct val="100000"/>
+                        </a:lnSpc>
+                        <a:spcBef>
+                          <a:spcPts val="0"/>
+                        </a:spcBef>
+                        <a:spcAft>
+                          <a:spcPts val="0"/>
+                        </a:spcAft>
+                        <a:buClrTx/>
+                        <a:buSzTx/>
+                        <a:buFontTx/>
+                        <a:buNone/>
+                        <a:tabLst/>
+                        <a:defRPr/>
+                      </a:pPr>
+                      <a:r>
+                        <a:rPr lang="en-US" altLang="zh-CN" dirty="0"/>
+                        <a:t>No RR, Peak-Based Segmentation</a:t>
+                      </a:r>
+                      <a:endParaRPr lang="zh-CN" altLang="en-US" dirty="0"/>
+                    </a:p>
+                  </a:txBody>
+                  <a:tcPr/>
+                </a:tc>
+                <a:tc>
+                  <a:txBody>
+                    <a:bodyPr/>
+                    <a:lstStyle/>
+                    <a:p>
+                      <a:pPr algn="ctr"/>
+                      <a:r>
+                        <a:rPr lang="en-US" altLang="zh-CN" u="sng" dirty="0"/>
+                        <a:t>2.05 / 1.96</a:t>
+                      </a:r>
+                      <a:endParaRPr lang="zh-CN" altLang="en-US" u="sng" dirty="0"/>
+                    </a:p>
+                  </a:txBody>
+                  <a:tcPr/>
+                </a:tc>
+                <a:tc>
+                  <a:txBody>
+                    <a:bodyPr/>
+                    <a:lstStyle/>
+                    <a:p>
+                      <a:pPr algn="ctr"/>
+                      <a:r>
+                        <a:rPr lang="en-US" altLang="zh-CN" u="sng" dirty="0"/>
+                        <a:t>3.43 / </a:t>
+                      </a:r>
+                      <a:r>
+                        <a:rPr lang="en-US" altLang="zh-CN" b="1" u="sng" dirty="0"/>
+                        <a:t>4.15</a:t>
+                      </a:r>
+                      <a:endParaRPr lang="zh-CN" altLang="en-US" b="1" u="sng" dirty="0"/>
+                    </a:p>
+                  </a:txBody>
+                  <a:tcPr/>
+                </a:tc>
+                <a:extLst>
+                  <a:ext uri="{0D108BD9-81ED-4DB2-BD59-A6C34878D82A}">
+                    <a16:rowId xmlns:a16="http://schemas.microsoft.com/office/drawing/2014/main" val="994351504"/>
+                  </a:ext>
+                </a:extLst>
+              </a:tr>
+            </a:tbl>
+          </a:graphicData>
+        </a:graphic>
+      </p:graphicFrame>
+    </p:spTree>
+    <p:extLst>
+      <p:ext uri="{BB962C8B-B14F-4D97-AF65-F5344CB8AC3E}">
+        <p14:creationId xmlns:p14="http://schemas.microsoft.com/office/powerpoint/2010/main" val="1918894836"/>
+      </p:ext>
+    </p:extLst>
+  </p:cSld>
+  <p:clrMapOvr>
+    <a:masterClrMapping/>
+  </p:clrMapOvr>
+</p:sld>
+</file>
+
+<file path=ppt/slides/slide5.xml><?xml version="1.0" encoding="utf-8"?>
+<p:sld xmlns:a="http://schemas.openxmlformats.org/drawingml/2006/main" xmlns:r="http://schemas.openxmlformats.org/officeDocument/2006/relationships" xmlns:p="http://schemas.openxmlformats.org/presentationml/2006/main">
+  <p:cSld>
+    <p:spTree>
+      <p:nvGrpSpPr>
+        <p:cNvPr id="1" name=""/>
+        <p:cNvGrpSpPr/>
+        <p:nvPr/>
+      </p:nvGrpSpPr>
+      <p:grpSpPr>
+        <a:xfrm>
+          <a:off x="0" y="0"/>
+          <a:ext cx="0" cy="0"/>
+          <a:chOff x="0" y="0"/>
+          <a:chExt cx="0" cy="0"/>
+        </a:xfrm>
+      </p:grpSpPr>
+      <p:sp>
+        <p:nvSpPr>
+          <p:cNvPr id="55" name="文本框 54">
+            <a:extLst>
+              <a:ext uri="{FF2B5EF4-FFF2-40B4-BE49-F238E27FC236}">
+                <a16:creationId xmlns:a16="http://schemas.microsoft.com/office/drawing/2014/main" id="{32A2BE86-86A6-F1FC-83EE-91A826B532E5}"/>
+              </a:ext>
+            </a:extLst>
+          </p:cNvPr>
+          <p:cNvSpPr txBox="1"/>
+          <p:nvPr/>
+        </p:nvSpPr>
+        <p:spPr>
+          <a:xfrm>
+            <a:off x="609600" y="106251"/>
+            <a:ext cx="4584920" cy="461665"/>
+          </a:xfrm>
+          <a:prstGeom prst="rect">
+            <a:avLst/>
+          </a:prstGeom>
+          <a:noFill/>
+        </p:spPr>
+        <p:txBody>
+          <a:bodyPr wrap="square" rtlCol="0">
+            <a:spAutoFit/>
+          </a:bodyPr>
+          <a:lstStyle>
+            <a:defPPr>
+              <a:defRPr lang="zh-CN"/>
+            </a:defPPr>
+            <a:lvl1pPr>
+              <a:defRPr sz="2400">
+                <a:latin typeface="Consolas" panose="020B0609020204030204" pitchFamily="49" charset="0"/>
+                <a:cs typeface="Times New Roman" panose="02020603050405020304" pitchFamily="18" charset="0"/>
+              </a:defRPr>
+            </a:lvl1pPr>
+          </a:lstStyle>
+          <a:p>
+            <a:r>
+              <a:rPr lang="en-US" altLang="zh-CN" dirty="0"/>
+              <a:t>Part_1: </a:t>
+            </a:r>
+            <a:r>
+              <a:rPr lang="en-US" altLang="zh-CN" sz="1400" dirty="0"/>
+              <a:t>Research - Getting Template</a:t>
+            </a:r>
+          </a:p>
+        </p:txBody>
+      </p:sp>
+      <p:sp>
+        <p:nvSpPr>
+          <p:cNvPr id="3" name="文本框 2">
+            <a:extLst>
+              <a:ext uri="{FF2B5EF4-FFF2-40B4-BE49-F238E27FC236}">
+                <a16:creationId xmlns:a16="http://schemas.microsoft.com/office/drawing/2014/main" id="{7E6479E6-9587-A2B7-5574-031FC4CC0E72}"/>
+              </a:ext>
+            </a:extLst>
+          </p:cNvPr>
+          <p:cNvSpPr txBox="1"/>
+          <p:nvPr/>
+        </p:nvSpPr>
+        <p:spPr>
+          <a:xfrm>
+            <a:off x="609600" y="766916"/>
+            <a:ext cx="11358716" cy="1754326"/>
+          </a:xfrm>
+          <a:prstGeom prst="rect">
+            <a:avLst/>
+          </a:prstGeom>
+          <a:noFill/>
+        </p:spPr>
+        <p:txBody>
+          <a:bodyPr wrap="square" rtlCol="0">
+            <a:spAutoFit/>
+          </a:bodyPr>
+          <a:lstStyle/>
+          <a:p>
+            <a:r>
+              <a:rPr lang="en-US" altLang="zh-CN" dirty="0"/>
+              <a:t>Preliminary conclusions reflected by experimental results:</a:t>
+            </a:r>
+          </a:p>
+          <a:p>
+            <a:endParaRPr lang="en-US" altLang="zh-CN" dirty="0"/>
+          </a:p>
+          <a:p>
+            <a:endParaRPr lang="en-US" altLang="zh-CN" dirty="0"/>
+          </a:p>
+          <a:p>
+            <a:r>
+              <a:rPr lang="en-US" altLang="zh-CN" dirty="0"/>
+              <a:t>Conclusion2:</a:t>
+            </a:r>
+          </a:p>
+          <a:p>
+            <a:endParaRPr lang="en-US" altLang="zh-CN" dirty="0"/>
+          </a:p>
+          <a:p>
+            <a:r>
+              <a:rPr lang="en-US" altLang="zh-CN" dirty="0"/>
+              <a:t>Our previous use of K-shape and the conclusions (next page) drawn were incorrect.</a:t>
+            </a:r>
+          </a:p>
+        </p:txBody>
+      </p:sp>
+      <p:graphicFrame>
+        <p:nvGraphicFramePr>
+          <p:cNvPr id="2" name="表格 1">
+            <a:extLst>
+              <a:ext uri="{FF2B5EF4-FFF2-40B4-BE49-F238E27FC236}">
+                <a16:creationId xmlns:a16="http://schemas.microsoft.com/office/drawing/2014/main" id="{5417FCED-051A-609E-84E5-B1FE258300E6}"/>
+              </a:ext>
+            </a:extLst>
+          </p:cNvPr>
+          <p:cNvGraphicFramePr>
+            <a:graphicFrameLocks noGrp="1"/>
+          </p:cNvGraphicFramePr>
+          <p:nvPr>
+            <p:extLst>
+              <p:ext uri="{D42A27DB-BD31-4B8C-83A1-F6EECF244321}">
+                <p14:modId xmlns:p14="http://schemas.microsoft.com/office/powerpoint/2010/main" val="1160100873"/>
+              </p:ext>
+            </p:extLst>
+          </p:nvPr>
+        </p:nvGraphicFramePr>
+        <p:xfrm>
+          <a:off x="821813" y="3127280"/>
+          <a:ext cx="10165736" cy="1107440"/>
+        </p:xfrm>
+        <a:graphic>
+          <a:graphicData uri="http://schemas.openxmlformats.org/drawingml/2006/table">
+            <a:tbl>
+              <a:tblPr firstRow="1" bandRow="1">
+                <a:tableStyleId>{5C22544A-7EE6-4342-B048-85BDC9FD1C3A}</a:tableStyleId>
+              </a:tblPr>
+              <a:tblGrid>
+                <a:gridCol w="2093336">
+                  <a:extLst>
+                    <a:ext uri="{9D8B030D-6E8A-4147-A177-3AD203B41FA5}">
+                      <a16:colId xmlns:a16="http://schemas.microsoft.com/office/drawing/2014/main" val="2721979233"/>
+                    </a:ext>
+                  </a:extLst>
+                </a:gridCol>
+                <a:gridCol w="4001025">
+                  <a:extLst>
+                    <a:ext uri="{9D8B030D-6E8A-4147-A177-3AD203B41FA5}">
+                      <a16:colId xmlns:a16="http://schemas.microsoft.com/office/drawing/2014/main" val="2329472157"/>
+                    </a:ext>
+                  </a:extLst>
+                </a:gridCol>
+                <a:gridCol w="2064774">
+                  <a:extLst>
+                    <a:ext uri="{9D8B030D-6E8A-4147-A177-3AD203B41FA5}">
+                      <a16:colId xmlns:a16="http://schemas.microsoft.com/office/drawing/2014/main" val="3887092843"/>
+                    </a:ext>
+                  </a:extLst>
+                </a:gridCol>
+                <a:gridCol w="2006601">
+                  <a:extLst>
+                    <a:ext uri="{9D8B030D-6E8A-4147-A177-3AD203B41FA5}">
+                      <a16:colId xmlns:a16="http://schemas.microsoft.com/office/drawing/2014/main" val="68501977"/>
+                    </a:ext>
+                  </a:extLst>
+                </a:gridCol>
+              </a:tblGrid>
+              <a:tr h="370840">
+                <a:tc>
+                  <a:txBody>
+                    <a:bodyPr/>
+                    <a:lstStyle/>
+                    <a:p>
+                      <a:r>
+                        <a:rPr lang="en-US" altLang="zh-CN" dirty="0"/>
+                        <a:t>Model</a:t>
+                      </a:r>
+                      <a:endParaRPr lang="zh-CN" altLang="en-US" dirty="0"/>
+                    </a:p>
+                  </a:txBody>
+                  <a:tcPr/>
+                </a:tc>
+                <a:tc>
+                  <a:txBody>
+                    <a:bodyPr/>
+                    <a:lstStyle/>
+                    <a:p>
+                      <a:r>
+                        <a:rPr lang="en-US" altLang="zh-CN" dirty="0"/>
+                        <a:t>State</a:t>
+                      </a:r>
+                      <a:endParaRPr lang="zh-CN" altLang="en-US" dirty="0"/>
+                    </a:p>
+                  </a:txBody>
+                  <a:tcPr/>
+                </a:tc>
+                <a:tc>
+                  <a:txBody>
+                    <a:bodyPr/>
+                    <a:lstStyle/>
+                    <a:p>
+                      <a:r>
+                        <a:rPr lang="en-US" altLang="zh-CN" dirty="0"/>
+                        <a:t>S Prediction</a:t>
+                      </a:r>
+                      <a:endParaRPr lang="zh-CN" altLang="en-US" dirty="0"/>
+                    </a:p>
+                  </a:txBody>
+                  <a:tcPr/>
+                </a:tc>
+                <a:tc>
+                  <a:txBody>
+                    <a:bodyPr/>
+                    <a:lstStyle/>
+                    <a:p>
+                      <a:r>
+                        <a:rPr lang="en-US" altLang="zh-CN" dirty="0"/>
+                        <a:t>D Prediction</a:t>
+                      </a:r>
+                      <a:endParaRPr lang="zh-CN" altLang="en-US" dirty="0"/>
+                    </a:p>
+                  </a:txBody>
+                  <a:tcPr/>
+                </a:tc>
+                <a:extLst>
+                  <a:ext uri="{0D108BD9-81ED-4DB2-BD59-A6C34878D82A}">
+                    <a16:rowId xmlns:a16="http://schemas.microsoft.com/office/drawing/2014/main" val="3312699029"/>
+                  </a:ext>
+                </a:extLst>
+              </a:tr>
+              <a:tr h="370840">
+                <a:tc>
+                  <a:txBody>
+                    <a:bodyPr/>
+                    <a:lstStyle/>
+                    <a:p>
+                      <a:r>
+                        <a:rPr lang="en-US" altLang="zh-CN" dirty="0"/>
+                        <a:t>K-shape 1</a:t>
+                      </a:r>
+                    </a:p>
+                  </a:txBody>
+                  <a:tcPr/>
+                </a:tc>
+                <a:tc>
+                  <a:txBody>
+                    <a:bodyPr/>
+                    <a:lstStyle/>
+                    <a:p>
+                      <a:pPr marL="0" marR="0" lvl="0" indent="0" algn="l" defTabSz="914400" rtl="0" eaLnBrk="1" fontAlgn="auto" latinLnBrk="0" hangingPunct="1">
+                        <a:lnSpc>
+                          <a:spcPct val="100000"/>
+                        </a:lnSpc>
+                        <a:spcBef>
+                          <a:spcPts val="0"/>
+                        </a:spcBef>
+                        <a:spcAft>
+                          <a:spcPts val="0"/>
+                        </a:spcAft>
+                        <a:buClrTx/>
+                        <a:buSzTx/>
+                        <a:buFontTx/>
+                        <a:buNone/>
+                        <a:tabLst/>
+                        <a:defRPr/>
+                      </a:pPr>
+                      <a:r>
+                        <a:rPr lang="en-US" altLang="zh-CN" dirty="0"/>
+                        <a:t>No RR, Peak-Based Segmentation</a:t>
+                      </a:r>
+                      <a:endParaRPr lang="zh-CN" altLang="en-US" dirty="0"/>
+                    </a:p>
+                  </a:txBody>
+                  <a:tcPr/>
+                </a:tc>
+                <a:tc>
+                  <a:txBody>
+                    <a:bodyPr/>
+                    <a:lstStyle/>
+                    <a:p>
+                      <a:pPr algn="ctr"/>
+                      <a:r>
+                        <a:rPr lang="en-US" altLang="zh-CN" dirty="0"/>
+                        <a:t>2.20 / 2.74</a:t>
+                      </a:r>
+                      <a:endParaRPr lang="zh-CN" altLang="en-US" dirty="0"/>
+                    </a:p>
+                  </a:txBody>
+                  <a:tcPr/>
+                </a:tc>
+                <a:tc>
+                  <a:txBody>
+                    <a:bodyPr/>
+                    <a:lstStyle/>
+                    <a:p>
+                      <a:pPr algn="ctr"/>
+                      <a:r>
+                        <a:rPr lang="en-US" altLang="zh-CN" dirty="0"/>
+                        <a:t>4.85 / 5.88</a:t>
+                      </a:r>
+                      <a:endParaRPr lang="zh-CN" altLang="en-US" dirty="0"/>
+                    </a:p>
+                  </a:txBody>
+                  <a:tcPr/>
+                </a:tc>
+                <a:extLst>
+                  <a:ext uri="{0D108BD9-81ED-4DB2-BD59-A6C34878D82A}">
+                    <a16:rowId xmlns:a16="http://schemas.microsoft.com/office/drawing/2014/main" val="26936941"/>
+                  </a:ext>
+                </a:extLst>
+              </a:tr>
+              <a:tr h="361697">
+                <a:tc>
+                  <a:txBody>
+                    <a:bodyPr/>
+                    <a:lstStyle/>
+                    <a:p>
+                      <a:r>
+                        <a:rPr lang="en-US" altLang="zh-CN" dirty="0"/>
+                        <a:t>K-shape 2</a:t>
+                      </a:r>
+                      <a:endParaRPr lang="zh-CN" altLang="en-US" dirty="0"/>
+                    </a:p>
+                  </a:txBody>
+                  <a:tcPr/>
+                </a:tc>
+                <a:tc>
+                  <a:txBody>
+                    <a:bodyPr/>
+                    <a:lstStyle/>
+                    <a:p>
+                      <a:pPr marL="0" marR="0" lvl="0" indent="0" algn="l" defTabSz="914400" rtl="0" eaLnBrk="1" fontAlgn="auto" latinLnBrk="0" hangingPunct="1">
+                        <a:lnSpc>
+                          <a:spcPct val="100000"/>
+                        </a:lnSpc>
+                        <a:spcBef>
+                          <a:spcPts val="0"/>
+                        </a:spcBef>
+                        <a:spcAft>
+                          <a:spcPts val="0"/>
+                        </a:spcAft>
+                        <a:buClrTx/>
+                        <a:buSzTx/>
+                        <a:buFontTx/>
+                        <a:buNone/>
+                        <a:tabLst/>
+                        <a:defRPr/>
+                      </a:pPr>
+                      <a:r>
+                        <a:rPr lang="en-US" altLang="zh-CN" dirty="0"/>
+                        <a:t>No RR, Peak-Based Segmentation</a:t>
+                      </a:r>
+                      <a:endParaRPr lang="zh-CN" altLang="en-US" dirty="0"/>
+                    </a:p>
+                  </a:txBody>
+                  <a:tcPr/>
+                </a:tc>
+                <a:tc>
+                  <a:txBody>
+                    <a:bodyPr/>
+                    <a:lstStyle/>
+                    <a:p>
+                      <a:pPr algn="ctr"/>
+                      <a:r>
+                        <a:rPr lang="en-US" altLang="zh-CN" dirty="0"/>
+                        <a:t>2.18 / 1.79</a:t>
+                      </a:r>
+                      <a:endParaRPr lang="zh-CN" altLang="en-US" dirty="0"/>
+                    </a:p>
+                  </a:txBody>
+                  <a:tcPr/>
+                </a:tc>
+                <a:tc>
+                  <a:txBody>
+                    <a:bodyPr/>
+                    <a:lstStyle/>
+                    <a:p>
+                      <a:pPr algn="ctr"/>
+                      <a:r>
+                        <a:rPr lang="en-US" altLang="zh-CN" dirty="0"/>
+                        <a:t>4.76 / 5.24</a:t>
+                      </a:r>
+                      <a:endParaRPr lang="zh-CN" altLang="en-US" dirty="0"/>
+                    </a:p>
+                  </a:txBody>
+                  <a:tcPr/>
+                </a:tc>
+                <a:extLst>
+                  <a:ext uri="{0D108BD9-81ED-4DB2-BD59-A6C34878D82A}">
+                    <a16:rowId xmlns:a16="http://schemas.microsoft.com/office/drawing/2014/main" val="1684763513"/>
+                  </a:ext>
+                </a:extLst>
+              </a:tr>
+            </a:tbl>
+          </a:graphicData>
+        </a:graphic>
+      </p:graphicFrame>
+    </p:spTree>
+    <p:extLst>
+      <p:ext uri="{BB962C8B-B14F-4D97-AF65-F5344CB8AC3E}">
+        <p14:creationId xmlns:p14="http://schemas.microsoft.com/office/powerpoint/2010/main" val="4109831408"/>
+      </p:ext>
+    </p:extLst>
+  </p:cSld>
+  <p:clrMapOvr>
+    <a:masterClrMapping/>
+  </p:clrMapOvr>
+</p:sld>
+</file>
+
+<file path=ppt/slides/slide6.xml><?xml version="1.0" encoding="utf-8"?>
+<p:sld xmlns:a="http://schemas.openxmlformats.org/drawingml/2006/main" xmlns:r="http://schemas.openxmlformats.org/officeDocument/2006/relationships" xmlns:p="http://schemas.openxmlformats.org/presentationml/2006/main">
+  <p:cSld>
+    <p:spTree>
+      <p:nvGrpSpPr>
+        <p:cNvPr id="1" name=""/>
+        <p:cNvGrpSpPr/>
+        <p:nvPr/>
+      </p:nvGrpSpPr>
+      <p:grpSpPr>
+        <a:xfrm>
+          <a:off x="0" y="0"/>
+          <a:ext cx="0" cy="0"/>
+          <a:chOff x="0" y="0"/>
+          <a:chExt cx="0" cy="0"/>
+        </a:xfrm>
+      </p:grpSpPr>
+      <p:graphicFrame>
+        <p:nvGraphicFramePr>
+          <p:cNvPr id="2" name="表格 3">
+            <a:extLst>
+              <a:ext uri="{FF2B5EF4-FFF2-40B4-BE49-F238E27FC236}">
+                <a16:creationId xmlns:a16="http://schemas.microsoft.com/office/drawing/2014/main" id="{B24DB881-6F3A-7407-1861-8BF681DAB37C}"/>
+              </a:ext>
+            </a:extLst>
+          </p:cNvPr>
+          <p:cNvGraphicFramePr>
+            <a:graphicFrameLocks noGrp="1"/>
+          </p:cNvGraphicFramePr>
+          <p:nvPr/>
+        </p:nvGraphicFramePr>
+        <p:xfrm>
+          <a:off x="1928426" y="971535"/>
+          <a:ext cx="8127999" cy="1849120"/>
+        </p:xfrm>
+        <a:graphic>
+          <a:graphicData uri="http://schemas.openxmlformats.org/drawingml/2006/table">
+            <a:tbl>
+              <a:tblPr firstRow="1" bandRow="1">
+                <a:tableStyleId>{5C22544A-7EE6-4342-B048-85BDC9FD1C3A}</a:tableStyleId>
+              </a:tblPr>
+              <a:tblGrid>
+                <a:gridCol w="2709333">
+                  <a:extLst>
+                    <a:ext uri="{9D8B030D-6E8A-4147-A177-3AD203B41FA5}">
+                      <a16:colId xmlns:a16="http://schemas.microsoft.com/office/drawing/2014/main" val="2621986043"/>
+                    </a:ext>
+                  </a:extLst>
+                </a:gridCol>
+                <a:gridCol w="2709333">
+                  <a:extLst>
+                    <a:ext uri="{9D8B030D-6E8A-4147-A177-3AD203B41FA5}">
+                      <a16:colId xmlns:a16="http://schemas.microsoft.com/office/drawing/2014/main" val="518921487"/>
+                    </a:ext>
+                  </a:extLst>
+                </a:gridCol>
+                <a:gridCol w="2709333">
+                  <a:extLst>
+                    <a:ext uri="{9D8B030D-6E8A-4147-A177-3AD203B41FA5}">
+                      <a16:colId xmlns:a16="http://schemas.microsoft.com/office/drawing/2014/main" val="843961580"/>
+                    </a:ext>
+                  </a:extLst>
+                </a:gridCol>
+              </a:tblGrid>
+              <a:tr h="336709">
+                <a:tc gridSpan="3">
+                  <a:txBody>
+                    <a:bodyPr/>
+                    <a:lstStyle/>
+                    <a:p>
+                      <a:pPr marL="0" marR="0" lvl="0" indent="0" algn="ctr" defTabSz="914400" rtl="0" eaLnBrk="1" fontAlgn="auto" latinLnBrk="0" hangingPunct="1">
+                        <a:lnSpc>
+                          <a:spcPct val="100000"/>
+                        </a:lnSpc>
+                        <a:spcBef>
+                          <a:spcPts val="0"/>
+                        </a:spcBef>
+                        <a:spcAft>
+                          <a:spcPts val="0"/>
+                        </a:spcAft>
+                        <a:buClrTx/>
+                        <a:buSzTx/>
+                        <a:buFontTx/>
+                        <a:buNone/>
+                        <a:tabLst/>
+                        <a:defRPr/>
+                      </a:pPr>
+                      <a:r>
+                        <a:rPr lang="en-US" altLang="zh-CN" dirty="0"/>
+                        <a:t>No Noise / Noise Level of 0.1</a:t>
+                      </a:r>
+                      <a:endParaRPr lang="zh-CN" altLang="en-US" dirty="0"/>
+                    </a:p>
+                  </a:txBody>
+                  <a:tcPr/>
+                </a:tc>
+                <a:tc hMerge="1">
+                  <a:txBody>
+                    <a:bodyPr/>
+                    <a:lstStyle/>
+                    <a:p>
+                      <a:endParaRPr lang="zh-CN" altLang="en-US" dirty="0"/>
+                    </a:p>
+                  </a:txBody>
+                  <a:tcPr/>
+                </a:tc>
+                <a:tc hMerge="1">
+                  <a:txBody>
+                    <a:bodyPr/>
+                    <a:lstStyle/>
+                    <a:p>
+                      <a:endParaRPr lang="zh-CN" altLang="en-US" dirty="0"/>
+                    </a:p>
+                  </a:txBody>
+                  <a:tcPr/>
+                </a:tc>
+                <a:extLst>
+                  <a:ext uri="{0D108BD9-81ED-4DB2-BD59-A6C34878D82A}">
+                    <a16:rowId xmlns:a16="http://schemas.microsoft.com/office/drawing/2014/main" val="3909774708"/>
+                  </a:ext>
+                </a:extLst>
+              </a:tr>
+              <a:tr h="370840">
+                <a:tc>
+                  <a:txBody>
+                    <a:bodyPr/>
+                    <a:lstStyle/>
+                    <a:p>
+                      <a:pPr algn="ctr"/>
+                      <a:r>
+                        <a:rPr lang="en-US" altLang="zh-CN" dirty="0"/>
+                        <a:t>Method</a:t>
+                      </a:r>
+                      <a:endParaRPr lang="zh-CN" altLang="en-US" dirty="0"/>
+                    </a:p>
+                  </a:txBody>
+                  <a:tcPr/>
+                </a:tc>
+                <a:tc>
+                  <a:txBody>
+                    <a:bodyPr/>
+                    <a:lstStyle/>
+                    <a:p>
+                      <a:pPr algn="ctr"/>
+                      <a:r>
+                        <a:rPr lang="en-US" altLang="zh-CN" dirty="0"/>
+                        <a:t>S Prediction </a:t>
+                      </a:r>
+                      <a:endParaRPr lang="zh-CN" altLang="en-US" dirty="0"/>
+                    </a:p>
+                  </a:txBody>
+                  <a:tcPr/>
+                </a:tc>
+                <a:tc>
+                  <a:txBody>
+                    <a:bodyPr/>
+                    <a:lstStyle/>
+                    <a:p>
+                      <a:pPr algn="ctr"/>
+                      <a:r>
+                        <a:rPr lang="en-US" altLang="zh-CN" dirty="0"/>
+                        <a:t>D Prediction</a:t>
+                      </a:r>
+                      <a:endParaRPr lang="zh-CN" altLang="en-US" dirty="0"/>
+                    </a:p>
+                  </a:txBody>
+                  <a:tcPr/>
+                </a:tc>
+                <a:extLst>
+                  <a:ext uri="{0D108BD9-81ED-4DB2-BD59-A6C34878D82A}">
+                    <a16:rowId xmlns:a16="http://schemas.microsoft.com/office/drawing/2014/main" val="201775595"/>
+                  </a:ext>
+                </a:extLst>
+              </a:tr>
+              <a:tr h="370840">
+                <a:tc>
+                  <a:txBody>
+                    <a:bodyPr/>
+                    <a:lstStyle/>
+                    <a:p>
+                      <a:pPr algn="ctr"/>
+                      <a:r>
+                        <a:rPr lang="en-US" altLang="zh-CN" dirty="0"/>
+                        <a:t>No Template</a:t>
+                      </a:r>
+                      <a:endParaRPr lang="zh-CN" altLang="en-US" dirty="0"/>
+                    </a:p>
+                  </a:txBody>
+                  <a:tcPr/>
+                </a:tc>
+                <a:tc>
+                  <a:txBody>
+                    <a:bodyPr/>
+                    <a:lstStyle/>
+                    <a:p>
+                      <a:pPr marL="0" marR="0" lvl="0" indent="0" algn="ctr" defTabSz="914400" rtl="0" eaLnBrk="1" fontAlgn="auto" latinLnBrk="0" hangingPunct="1">
+                        <a:lnSpc>
+                          <a:spcPct val="100000"/>
+                        </a:lnSpc>
+                        <a:spcBef>
+                          <a:spcPts val="0"/>
+                        </a:spcBef>
+                        <a:spcAft>
+                          <a:spcPts val="0"/>
+                        </a:spcAft>
+                        <a:buClrTx/>
+                        <a:buSzTx/>
+                        <a:buFontTx/>
+                        <a:buNone/>
+                        <a:tabLst/>
+                        <a:defRPr/>
+                      </a:pPr>
+                      <a:r>
+                        <a:rPr lang="en-US" altLang="zh-CN" dirty="0"/>
+                        <a:t>0.79 / 1.64</a:t>
+                      </a:r>
+                      <a:endParaRPr lang="zh-CN" altLang="en-US" dirty="0"/>
+                    </a:p>
+                  </a:txBody>
+                  <a:tcPr/>
+                </a:tc>
+                <a:tc>
+                  <a:txBody>
+                    <a:bodyPr/>
+                    <a:lstStyle/>
+                    <a:p>
+                      <a:pPr marL="0" marR="0" lvl="0" indent="0" algn="ctr" defTabSz="914400" rtl="0" eaLnBrk="1" fontAlgn="auto" latinLnBrk="0" hangingPunct="1">
+                        <a:lnSpc>
+                          <a:spcPct val="100000"/>
+                        </a:lnSpc>
+                        <a:spcBef>
+                          <a:spcPts val="0"/>
+                        </a:spcBef>
+                        <a:spcAft>
+                          <a:spcPts val="0"/>
+                        </a:spcAft>
+                        <a:buClrTx/>
+                        <a:buSzTx/>
+                        <a:buFontTx/>
+                        <a:buNone/>
+                        <a:tabLst/>
+                        <a:defRPr/>
+                      </a:pPr>
+                      <a:r>
+                        <a:rPr lang="en-US" altLang="zh-CN" dirty="0"/>
+                        <a:t>1.79 / 4.31</a:t>
+                      </a:r>
+                      <a:endParaRPr lang="zh-CN" altLang="en-US" dirty="0"/>
+                    </a:p>
+                  </a:txBody>
+                  <a:tcPr/>
+                </a:tc>
+                <a:extLst>
+                  <a:ext uri="{0D108BD9-81ED-4DB2-BD59-A6C34878D82A}">
+                    <a16:rowId xmlns:a16="http://schemas.microsoft.com/office/drawing/2014/main" val="3388028633"/>
+                  </a:ext>
+                </a:extLst>
+              </a:tr>
+              <a:tr h="370840">
+                <a:tc>
+                  <a:txBody>
+                    <a:bodyPr/>
+                    <a:lstStyle/>
+                    <a:p>
+                      <a:pPr algn="ctr"/>
+                      <a:r>
+                        <a:rPr lang="en-US" altLang="zh-CN" dirty="0"/>
+                        <a:t>Median</a:t>
+                      </a:r>
+                      <a:endParaRPr lang="zh-CN" altLang="en-US" dirty="0"/>
+                    </a:p>
+                  </a:txBody>
+                  <a:tcPr/>
+                </a:tc>
+                <a:tc>
+                  <a:txBody>
+                    <a:bodyPr/>
+                    <a:lstStyle/>
+                    <a:p>
+                      <a:pPr marL="0" marR="0" lvl="0" indent="0" algn="ctr" defTabSz="914400" rtl="0" eaLnBrk="1" fontAlgn="auto" latinLnBrk="0" hangingPunct="1">
+                        <a:lnSpc>
+                          <a:spcPct val="100000"/>
+                        </a:lnSpc>
+                        <a:spcBef>
+                          <a:spcPts val="0"/>
+                        </a:spcBef>
+                        <a:spcAft>
+                          <a:spcPts val="0"/>
+                        </a:spcAft>
+                        <a:buClrTx/>
+                        <a:buSzTx/>
+                        <a:buFontTx/>
+                        <a:buNone/>
+                        <a:tabLst/>
+                        <a:defRPr/>
+                      </a:pPr>
+                      <a:r>
+                        <a:rPr lang="en-US" altLang="zh-CN" dirty="0"/>
+                        <a:t>1.42 / 1.45</a:t>
+                      </a:r>
+                      <a:endParaRPr lang="zh-CN" altLang="en-US" dirty="0"/>
+                    </a:p>
+                  </a:txBody>
+                  <a:tcPr/>
+                </a:tc>
+                <a:tc>
+                  <a:txBody>
+                    <a:bodyPr/>
+                    <a:lstStyle/>
+                    <a:p>
+                      <a:pPr marL="0" marR="0" lvl="0" indent="0" algn="ctr" defTabSz="914400" rtl="0" eaLnBrk="1" fontAlgn="auto" latinLnBrk="0" hangingPunct="1">
+                        <a:lnSpc>
+                          <a:spcPct val="100000"/>
+                        </a:lnSpc>
+                        <a:spcBef>
+                          <a:spcPts val="0"/>
+                        </a:spcBef>
+                        <a:spcAft>
+                          <a:spcPts val="0"/>
+                        </a:spcAft>
+                        <a:buClrTx/>
+                        <a:buSzTx/>
+                        <a:buFontTx/>
+                        <a:buNone/>
+                        <a:tabLst/>
+                        <a:defRPr/>
+                      </a:pPr>
+                      <a:r>
+                        <a:rPr lang="en-US" altLang="zh-CN" dirty="0"/>
+                        <a:t>4.07 / 4.49</a:t>
+                      </a:r>
+                      <a:endParaRPr lang="zh-CN" altLang="en-US" dirty="0"/>
+                    </a:p>
+                  </a:txBody>
+                  <a:tcPr/>
+                </a:tc>
+                <a:extLst>
+                  <a:ext uri="{0D108BD9-81ED-4DB2-BD59-A6C34878D82A}">
+                    <a16:rowId xmlns:a16="http://schemas.microsoft.com/office/drawing/2014/main" val="2570239062"/>
+                  </a:ext>
+                </a:extLst>
+              </a:tr>
+              <a:tr h="370840">
+                <a:tc>
+                  <a:txBody>
+                    <a:bodyPr/>
+                    <a:lstStyle/>
+                    <a:p>
+                      <a:pPr algn="ctr"/>
+                      <a:r>
+                        <a:rPr lang="en-US" altLang="zh-CN" b="1" i="0" u="sng" dirty="0"/>
+                        <a:t>K-shape</a:t>
+                      </a:r>
+                      <a:endParaRPr lang="zh-CN" altLang="en-US" b="1" i="0" u="sng" dirty="0"/>
+                    </a:p>
+                  </a:txBody>
+                  <a:tcPr/>
+                </a:tc>
+                <a:tc>
+                  <a:txBody>
+                    <a:bodyPr/>
+                    <a:lstStyle/>
+                    <a:p>
+                      <a:pPr marL="0" marR="0" lvl="0" indent="0" algn="ctr" defTabSz="914400" rtl="0" eaLnBrk="1" fontAlgn="auto" latinLnBrk="0" hangingPunct="1">
+                        <a:lnSpc>
+                          <a:spcPct val="100000"/>
+                        </a:lnSpc>
+                        <a:spcBef>
+                          <a:spcPts val="0"/>
+                        </a:spcBef>
+                        <a:spcAft>
+                          <a:spcPts val="0"/>
+                        </a:spcAft>
+                        <a:buClrTx/>
+                        <a:buSzTx/>
+                        <a:buFontTx/>
+                        <a:buNone/>
+                        <a:tabLst/>
+                        <a:defRPr/>
+                      </a:pPr>
+                      <a:r>
+                        <a:rPr lang="en-US" altLang="zh-CN" b="1" i="0" u="sng" dirty="0"/>
+                        <a:t>2.20 / 2.74</a:t>
+                      </a:r>
+                      <a:endParaRPr lang="zh-CN" altLang="en-US" b="1" i="0" u="sng" dirty="0"/>
+                    </a:p>
+                  </a:txBody>
+                  <a:tcPr/>
+                </a:tc>
+                <a:tc>
+                  <a:txBody>
+                    <a:bodyPr/>
+                    <a:lstStyle/>
+                    <a:p>
+                      <a:pPr marL="0" marR="0" lvl="0" indent="0" algn="ctr" defTabSz="914400" rtl="0" eaLnBrk="1" fontAlgn="auto" latinLnBrk="0" hangingPunct="1">
+                        <a:lnSpc>
+                          <a:spcPct val="100000"/>
+                        </a:lnSpc>
+                        <a:spcBef>
+                          <a:spcPts val="0"/>
+                        </a:spcBef>
+                        <a:spcAft>
+                          <a:spcPts val="0"/>
+                        </a:spcAft>
+                        <a:buClrTx/>
+                        <a:buSzTx/>
+                        <a:buFontTx/>
+                        <a:buNone/>
+                        <a:tabLst/>
+                        <a:defRPr/>
+                      </a:pPr>
+                      <a:r>
+                        <a:rPr lang="en-US" altLang="zh-CN" b="1" i="0" u="sng" dirty="0"/>
+                        <a:t>4.85 / 5.88</a:t>
+                      </a:r>
+                      <a:endParaRPr lang="zh-CN" altLang="en-US" b="1" i="0" u="sng" dirty="0"/>
+                    </a:p>
+                  </a:txBody>
+                  <a:tcPr/>
+                </a:tc>
+                <a:extLst>
+                  <a:ext uri="{0D108BD9-81ED-4DB2-BD59-A6C34878D82A}">
+                    <a16:rowId xmlns:a16="http://schemas.microsoft.com/office/drawing/2014/main" val="1685611913"/>
+                  </a:ext>
+                </a:extLst>
+              </a:tr>
+            </a:tbl>
+          </a:graphicData>
+        </a:graphic>
+      </p:graphicFrame>
+      <p:sp>
+        <p:nvSpPr>
+          <p:cNvPr id="5" name="文本框 4">
+            <a:extLst>
+              <a:ext uri="{FF2B5EF4-FFF2-40B4-BE49-F238E27FC236}">
+                <a16:creationId xmlns:a16="http://schemas.microsoft.com/office/drawing/2014/main" id="{CCD5C708-541E-7A6C-2981-64F38493D00B}"/>
+              </a:ext>
+            </a:extLst>
+          </p:cNvPr>
+          <p:cNvSpPr txBox="1"/>
+          <p:nvPr/>
+        </p:nvSpPr>
+        <p:spPr>
+          <a:xfrm>
+            <a:off x="1625392" y="3497367"/>
+            <a:ext cx="8941215" cy="2339102"/>
+          </a:xfrm>
+          <a:prstGeom prst="rect">
+            <a:avLst/>
+          </a:prstGeom>
+          <a:noFill/>
+        </p:spPr>
+        <p:txBody>
+          <a:bodyPr wrap="square" rtlCol="0">
+            <a:spAutoFit/>
+          </a:bodyPr>
+          <a:lstStyle/>
+          <a:p>
+            <a:r>
+              <a:rPr lang="en-US" altLang="zh-CN" sz="2000" b="1" dirty="0"/>
+              <a:t>3 Why the performance of K-shape is not satisfactory? </a:t>
+            </a:r>
+          </a:p>
+          <a:p>
+            <a:endParaRPr lang="en-US" altLang="zh-CN" dirty="0"/>
+          </a:p>
+          <a:p>
+            <a:r>
+              <a:rPr lang="en-US" altLang="zh-CN" dirty="0"/>
+              <a:t>The K-shape algorithm </a:t>
+            </a:r>
+            <a:r>
+              <a:rPr lang="en-US" altLang="zh-CN" b="1" dirty="0"/>
+              <a:t>generates a new signal </a:t>
+            </a:r>
+            <a:r>
+              <a:rPr lang="en-US" altLang="zh-CN" dirty="0"/>
+              <a:t>during clustering. The issue lies in the clustering rather than the underlying Time-Warping concept. </a:t>
+            </a:r>
+          </a:p>
+          <a:p>
+            <a:endParaRPr lang="en-US" altLang="zh-CN" dirty="0"/>
+          </a:p>
+          <a:p>
+            <a:r>
+              <a:rPr lang="en-US" altLang="zh-CN" dirty="0"/>
+              <a:t>We should discard clustering and focus on researching how to apply </a:t>
+            </a:r>
+            <a:r>
+              <a:rPr lang="en-US" altLang="zh-CN" b="1" dirty="0"/>
+              <a:t>Time-Warping</a:t>
+            </a:r>
+            <a:r>
+              <a:rPr lang="en-US" altLang="zh-CN" dirty="0"/>
+              <a:t> effectively.</a:t>
+            </a:r>
+          </a:p>
+        </p:txBody>
+      </p:sp>
+      <p:sp>
+        <p:nvSpPr>
+          <p:cNvPr id="4" name="矩形 3">
+            <a:extLst>
+              <a:ext uri="{FF2B5EF4-FFF2-40B4-BE49-F238E27FC236}">
+                <a16:creationId xmlns:a16="http://schemas.microsoft.com/office/drawing/2014/main" id="{EEEAFEDE-052F-9513-6936-C92D6A21FD19}"/>
+              </a:ext>
+            </a:extLst>
+          </p:cNvPr>
+          <p:cNvSpPr/>
+          <p:nvPr/>
+        </p:nvSpPr>
+        <p:spPr>
+          <a:xfrm>
+            <a:off x="435077" y="66368"/>
+            <a:ext cx="3289199" cy="637572"/>
+          </a:xfrm>
+          <a:prstGeom prst="rect">
+            <a:avLst/>
+          </a:prstGeom>
+          <a:noFill/>
+          <a:ln>
+            <a:solidFill>
+              <a:srgbClr val="FF0000"/>
+            </a:solidFill>
+          </a:ln>
+        </p:spPr>
+        <p:style>
+          <a:lnRef idx="2">
+            <a:schemeClr val="accent1">
+              <a:shade val="15000"/>
+            </a:schemeClr>
+          </a:lnRef>
+          <a:fillRef idx="1">
+            <a:schemeClr val="accent1"/>
+          </a:fillRef>
+          <a:effectRef idx="0">
+            <a:schemeClr val="accent1"/>
+          </a:effectRef>
+          <a:fontRef idx="minor">
+            <a:schemeClr val="lt1"/>
+          </a:fontRef>
+        </p:style>
+        <p:txBody>
+          <a:bodyPr rtlCol="0" anchor="ctr"/>
+          <a:lstStyle/>
+          <a:p>
+            <a:pPr algn="ctr"/>
+            <a:r>
+              <a:rPr lang="en-US" altLang="zh-CN" dirty="0">
+                <a:solidFill>
+                  <a:srgbClr val="FF0000"/>
+                </a:solidFill>
+              </a:rPr>
+              <a:t>Previous Slide</a:t>
+            </a:r>
+            <a:endParaRPr lang="zh-CN" altLang="en-US" dirty="0">
+              <a:solidFill>
+                <a:srgbClr val="FF0000"/>
+              </a:solidFill>
+            </a:endParaRPr>
+          </a:p>
+        </p:txBody>
+      </p:sp>
+    </p:spTree>
+    <p:extLst>
+      <p:ext uri="{BB962C8B-B14F-4D97-AF65-F5344CB8AC3E}">
+        <p14:creationId xmlns:p14="http://schemas.microsoft.com/office/powerpoint/2010/main" val="4131804544"/>
+      </p:ext>
+    </p:extLst>
+  </p:cSld>
+  <p:clrMapOvr>
+    <a:masterClrMapping/>
+  </p:clrMapOvr>
+</p:sld>
+</file>
+
+<file path=ppt/slides/slide7.xml><?xml version="1.0" encoding="utf-8"?>
+<p:sld xmlns:a="http://schemas.openxmlformats.org/drawingml/2006/main" xmlns:r="http://schemas.openxmlformats.org/officeDocument/2006/relationships" xmlns:p="http://schemas.openxmlformats.org/presentationml/2006/main">
+  <p:cSld>
+    <p:spTree>
+      <p:nvGrpSpPr>
+        <p:cNvPr id="1" name=""/>
+        <p:cNvGrpSpPr/>
+        <p:nvPr/>
+      </p:nvGrpSpPr>
+      <p:grpSpPr>
+        <a:xfrm>
+          <a:off x="0" y="0"/>
+          <a:ext cx="0" cy="0"/>
+          <a:chOff x="0" y="0"/>
+          <a:chExt cx="0" cy="0"/>
+        </a:xfrm>
+      </p:grpSpPr>
+      <p:sp>
+        <p:nvSpPr>
+          <p:cNvPr id="55" name="文本框 54">
+            <a:extLst>
+              <a:ext uri="{FF2B5EF4-FFF2-40B4-BE49-F238E27FC236}">
+                <a16:creationId xmlns:a16="http://schemas.microsoft.com/office/drawing/2014/main" id="{32A2BE86-86A6-F1FC-83EE-91A826B532E5}"/>
+              </a:ext>
+            </a:extLst>
+          </p:cNvPr>
+          <p:cNvSpPr txBox="1"/>
+          <p:nvPr/>
+        </p:nvSpPr>
+        <p:spPr>
+          <a:xfrm>
+            <a:off x="609600" y="106251"/>
+            <a:ext cx="4584920" cy="461665"/>
+          </a:xfrm>
+          <a:prstGeom prst="rect">
+            <a:avLst/>
+          </a:prstGeom>
+          <a:noFill/>
+        </p:spPr>
+        <p:txBody>
+          <a:bodyPr wrap="square" rtlCol="0">
+            <a:spAutoFit/>
+          </a:bodyPr>
+          <a:lstStyle>
+            <a:defPPr>
+              <a:defRPr lang="zh-CN"/>
+            </a:defPPr>
+            <a:lvl1pPr>
+              <a:defRPr sz="2400">
+                <a:latin typeface="Consolas" panose="020B0609020204030204" pitchFamily="49" charset="0"/>
+                <a:cs typeface="Times New Roman" panose="02020603050405020304" pitchFamily="18" charset="0"/>
+              </a:defRPr>
+            </a:lvl1pPr>
+          </a:lstStyle>
+          <a:p>
+            <a:r>
+              <a:rPr lang="en-US" altLang="zh-CN" dirty="0"/>
+              <a:t>Part_1: </a:t>
+            </a:r>
+            <a:r>
+              <a:rPr lang="en-US" altLang="zh-CN" sz="1400" dirty="0"/>
+              <a:t>Research - Getting Template</a:t>
+            </a:r>
+          </a:p>
+        </p:txBody>
+      </p:sp>
+      <p:sp>
+        <p:nvSpPr>
+          <p:cNvPr id="3" name="文本框 2">
+            <a:extLst>
+              <a:ext uri="{FF2B5EF4-FFF2-40B4-BE49-F238E27FC236}">
+                <a16:creationId xmlns:a16="http://schemas.microsoft.com/office/drawing/2014/main" id="{7E6479E6-9587-A2B7-5574-031FC4CC0E72}"/>
+              </a:ext>
+            </a:extLst>
+          </p:cNvPr>
+          <p:cNvSpPr txBox="1"/>
+          <p:nvPr/>
+        </p:nvSpPr>
+        <p:spPr>
+          <a:xfrm>
+            <a:off x="609600" y="567916"/>
+            <a:ext cx="11358716" cy="2308324"/>
+          </a:xfrm>
+          <a:prstGeom prst="rect">
+            <a:avLst/>
+          </a:prstGeom>
+          <a:noFill/>
+        </p:spPr>
+        <p:txBody>
+          <a:bodyPr wrap="square" rtlCol="0">
+            <a:spAutoFit/>
+          </a:bodyPr>
+          <a:lstStyle/>
+          <a:p>
+            <a:r>
+              <a:rPr lang="en-US" altLang="zh-CN" dirty="0"/>
+              <a:t>Preliminary conclusions reflected by experimental results:</a:t>
+            </a:r>
+          </a:p>
+          <a:p>
+            <a:endParaRPr lang="en-US" altLang="zh-CN" dirty="0"/>
+          </a:p>
+          <a:p>
+            <a:endParaRPr lang="en-US" altLang="zh-CN" dirty="0"/>
+          </a:p>
+          <a:p>
+            <a:r>
+              <a:rPr lang="en-US" altLang="zh-CN" dirty="0"/>
+              <a:t>Conclusion3:</a:t>
+            </a:r>
+          </a:p>
+          <a:p>
+            <a:r>
+              <a:rPr lang="en-US" altLang="zh-CN" dirty="0"/>
+              <a:t>In principle, the Kalman Filter's approach to dealing with multi-sensor confusion can effectively suppress noise. Although the current results are not promising, I still believe that the path of the Kalman Filter has potential. However, it might not be worth publishing.</a:t>
+            </a:r>
+          </a:p>
+        </p:txBody>
+      </p:sp>
+      <p:graphicFrame>
+        <p:nvGraphicFramePr>
+          <p:cNvPr id="2" name="表格 1">
+            <a:extLst>
+              <a:ext uri="{FF2B5EF4-FFF2-40B4-BE49-F238E27FC236}">
+                <a16:creationId xmlns:a16="http://schemas.microsoft.com/office/drawing/2014/main" id="{5417FCED-051A-609E-84E5-B1FE258300E6}"/>
+              </a:ext>
+            </a:extLst>
+          </p:cNvPr>
+          <p:cNvGraphicFramePr>
+            <a:graphicFrameLocks noGrp="1"/>
+          </p:cNvGraphicFramePr>
+          <p:nvPr>
+            <p:extLst>
+              <p:ext uri="{D42A27DB-BD31-4B8C-83A1-F6EECF244321}">
+                <p14:modId xmlns:p14="http://schemas.microsoft.com/office/powerpoint/2010/main" val="3367027168"/>
+              </p:ext>
+            </p:extLst>
+          </p:nvPr>
+        </p:nvGraphicFramePr>
+        <p:xfrm>
+          <a:off x="821813" y="3429000"/>
+          <a:ext cx="10209162" cy="2225040"/>
+        </p:xfrm>
+        <a:graphic>
+          <a:graphicData uri="http://schemas.openxmlformats.org/drawingml/2006/table">
+            <a:tbl>
+              <a:tblPr firstRow="1" bandRow="1">
+                <a:tableStyleId>{5C22544A-7EE6-4342-B048-85BDC9FD1C3A}</a:tableStyleId>
+              </a:tblPr>
+              <a:tblGrid>
+                <a:gridCol w="2093336">
+                  <a:extLst>
+                    <a:ext uri="{9D8B030D-6E8A-4147-A177-3AD203B41FA5}">
+                      <a16:colId xmlns:a16="http://schemas.microsoft.com/office/drawing/2014/main" val="2721979233"/>
+                    </a:ext>
+                  </a:extLst>
+                </a:gridCol>
+                <a:gridCol w="4001025">
+                  <a:extLst>
+                    <a:ext uri="{9D8B030D-6E8A-4147-A177-3AD203B41FA5}">
+                      <a16:colId xmlns:a16="http://schemas.microsoft.com/office/drawing/2014/main" val="2329472157"/>
+                    </a:ext>
+                  </a:extLst>
+                </a:gridCol>
+                <a:gridCol w="2064774">
+                  <a:extLst>
+                    <a:ext uri="{9D8B030D-6E8A-4147-A177-3AD203B41FA5}">
+                      <a16:colId xmlns:a16="http://schemas.microsoft.com/office/drawing/2014/main" val="3887092843"/>
+                    </a:ext>
+                  </a:extLst>
+                </a:gridCol>
+                <a:gridCol w="2050027">
+                  <a:extLst>
+                    <a:ext uri="{9D8B030D-6E8A-4147-A177-3AD203B41FA5}">
+                      <a16:colId xmlns:a16="http://schemas.microsoft.com/office/drawing/2014/main" val="68501977"/>
+                    </a:ext>
+                  </a:extLst>
+                </a:gridCol>
+              </a:tblGrid>
+              <a:tr h="370840">
+                <a:tc>
+                  <a:txBody>
+                    <a:bodyPr/>
+                    <a:lstStyle/>
+                    <a:p>
+                      <a:r>
+                        <a:rPr lang="en-US" altLang="zh-CN" dirty="0"/>
+                        <a:t>Model</a:t>
+                      </a:r>
+                      <a:endParaRPr lang="zh-CN" altLang="en-US" dirty="0"/>
+                    </a:p>
+                  </a:txBody>
+                  <a:tcPr/>
+                </a:tc>
+                <a:tc>
+                  <a:txBody>
+                    <a:bodyPr/>
+                    <a:lstStyle/>
+                    <a:p>
+                      <a:r>
+                        <a:rPr lang="en-US" altLang="zh-CN" dirty="0"/>
+                        <a:t>State</a:t>
+                      </a:r>
+                      <a:endParaRPr lang="zh-CN" altLang="en-US" dirty="0"/>
+                    </a:p>
+                  </a:txBody>
+                  <a:tcPr/>
+                </a:tc>
+                <a:tc>
+                  <a:txBody>
+                    <a:bodyPr/>
+                    <a:lstStyle/>
+                    <a:p>
+                      <a:r>
+                        <a:rPr lang="en-US" altLang="zh-CN" dirty="0"/>
+                        <a:t>S Prediction</a:t>
+                      </a:r>
+                      <a:endParaRPr lang="zh-CN" altLang="en-US" dirty="0"/>
+                    </a:p>
+                  </a:txBody>
+                  <a:tcPr/>
+                </a:tc>
+                <a:tc>
+                  <a:txBody>
+                    <a:bodyPr/>
+                    <a:lstStyle/>
+                    <a:p>
+                      <a:r>
+                        <a:rPr lang="en-US" altLang="zh-CN" dirty="0"/>
+                        <a:t>D Prediction</a:t>
+                      </a:r>
+                      <a:endParaRPr lang="zh-CN" altLang="en-US" dirty="0"/>
+                    </a:p>
+                  </a:txBody>
+                  <a:tcPr/>
+                </a:tc>
+                <a:extLst>
+                  <a:ext uri="{0D108BD9-81ED-4DB2-BD59-A6C34878D82A}">
+                    <a16:rowId xmlns:a16="http://schemas.microsoft.com/office/drawing/2014/main" val="3312699029"/>
+                  </a:ext>
+                </a:extLst>
+              </a:tr>
+              <a:tr h="370840">
+                <a:tc>
+                  <a:txBody>
+                    <a:bodyPr/>
+                    <a:lstStyle/>
+                    <a:p>
+                      <a:r>
+                        <a:rPr lang="en-US" altLang="zh-CN" dirty="0"/>
+                        <a:t>No Template</a:t>
+                      </a:r>
+                    </a:p>
+                  </a:txBody>
+                  <a:tcPr/>
+                </a:tc>
+                <a:tc>
+                  <a:txBody>
+                    <a:bodyPr/>
+                    <a:lstStyle/>
+                    <a:p>
+                      <a:r>
+                        <a:rPr lang="en-US" altLang="zh-CN" dirty="0"/>
+                        <a:t>No RR, Peak-Based Segmentation</a:t>
+                      </a:r>
+                      <a:endParaRPr lang="zh-CN" altLang="en-US" dirty="0"/>
+                    </a:p>
+                  </a:txBody>
+                  <a:tcPr/>
+                </a:tc>
+                <a:tc>
+                  <a:txBody>
+                    <a:bodyPr/>
+                    <a:lstStyle/>
+                    <a:p>
+                      <a:pPr marL="0" marR="0" lvl="0" indent="0" algn="ctr" defTabSz="914400" rtl="0" eaLnBrk="1" fontAlgn="auto" latinLnBrk="0" hangingPunct="1">
+                        <a:lnSpc>
+                          <a:spcPct val="100000"/>
+                        </a:lnSpc>
+                        <a:spcBef>
+                          <a:spcPts val="0"/>
+                        </a:spcBef>
+                        <a:spcAft>
+                          <a:spcPts val="0"/>
+                        </a:spcAft>
+                        <a:buClrTx/>
+                        <a:buSzTx/>
+                        <a:buFontTx/>
+                        <a:buNone/>
+                        <a:tabLst/>
+                        <a:defRPr/>
+                      </a:pPr>
+                      <a:r>
+                        <a:rPr lang="en-US" altLang="zh-CN" dirty="0"/>
+                        <a:t>0.79 / 1.64</a:t>
+                      </a:r>
+                      <a:endParaRPr lang="zh-CN" altLang="en-US" dirty="0"/>
+                    </a:p>
+                  </a:txBody>
+                  <a:tcPr/>
+                </a:tc>
+                <a:tc>
+                  <a:txBody>
+                    <a:bodyPr/>
+                    <a:lstStyle/>
+                    <a:p>
+                      <a:pPr marL="0" marR="0" lvl="0" indent="0" algn="ctr" defTabSz="914400" rtl="0" eaLnBrk="1" fontAlgn="auto" latinLnBrk="0" hangingPunct="1">
+                        <a:lnSpc>
+                          <a:spcPct val="100000"/>
+                        </a:lnSpc>
+                        <a:spcBef>
+                          <a:spcPts val="0"/>
+                        </a:spcBef>
+                        <a:spcAft>
+                          <a:spcPts val="0"/>
+                        </a:spcAft>
+                        <a:buClrTx/>
+                        <a:buSzTx/>
+                        <a:buFontTx/>
+                        <a:buNone/>
+                        <a:tabLst/>
+                        <a:defRPr/>
+                      </a:pPr>
+                      <a:r>
+                        <a:rPr lang="en-US" altLang="zh-CN" dirty="0"/>
+                        <a:t>1.79 / 4.31</a:t>
+                      </a:r>
+                      <a:endParaRPr lang="zh-CN" altLang="en-US" dirty="0"/>
+                    </a:p>
+                  </a:txBody>
+                  <a:tcPr/>
+                </a:tc>
+                <a:extLst>
+                  <a:ext uri="{0D108BD9-81ED-4DB2-BD59-A6C34878D82A}">
+                    <a16:rowId xmlns:a16="http://schemas.microsoft.com/office/drawing/2014/main" val="645629362"/>
+                  </a:ext>
+                </a:extLst>
+              </a:tr>
+              <a:tr h="370840">
+                <a:tc>
+                  <a:txBody>
+                    <a:bodyPr/>
+                    <a:lstStyle/>
+                    <a:p>
+                      <a:r>
+                        <a:rPr lang="en-US" altLang="zh-CN" dirty="0"/>
+                        <a:t>Mean</a:t>
+                      </a:r>
+                    </a:p>
+                  </a:txBody>
+                  <a:tcPr/>
+                </a:tc>
+                <a:tc>
+                  <a:txBody>
+                    <a:bodyPr/>
+                    <a:lstStyle/>
+                    <a:p>
+                      <a:r>
+                        <a:rPr lang="en-US" altLang="zh-CN" dirty="0"/>
+                        <a:t>No RR, Peak-Based Segmentation</a:t>
+                      </a:r>
+                      <a:endParaRPr lang="zh-CN" altLang="en-US" dirty="0"/>
+                    </a:p>
+                  </a:txBody>
+                  <a:tcPr/>
+                </a:tc>
+                <a:tc>
+                  <a:txBody>
+                    <a:bodyPr/>
+                    <a:lstStyle/>
+                    <a:p>
+                      <a:pPr marL="0" marR="0" lvl="0" indent="0" algn="ctr" defTabSz="914400" rtl="0" eaLnBrk="1" fontAlgn="auto" latinLnBrk="0" hangingPunct="1">
+                        <a:lnSpc>
+                          <a:spcPct val="100000"/>
+                        </a:lnSpc>
+                        <a:spcBef>
+                          <a:spcPts val="0"/>
+                        </a:spcBef>
+                        <a:spcAft>
+                          <a:spcPts val="0"/>
+                        </a:spcAft>
+                        <a:buClrTx/>
+                        <a:buSzTx/>
+                        <a:buFontTx/>
+                        <a:buNone/>
+                        <a:tabLst/>
+                        <a:defRPr/>
+                      </a:pPr>
+                      <a:r>
+                        <a:rPr lang="en-US" altLang="zh-CN" dirty="0"/>
+                        <a:t>1.35 / 1.38</a:t>
+                      </a:r>
+                      <a:endParaRPr lang="zh-CN" altLang="en-US" dirty="0"/>
+                    </a:p>
+                  </a:txBody>
+                  <a:tcPr/>
+                </a:tc>
+                <a:tc>
+                  <a:txBody>
+                    <a:bodyPr/>
+                    <a:lstStyle/>
+                    <a:p>
+                      <a:pPr marL="0" marR="0" lvl="0" indent="0" algn="ctr" defTabSz="914400" rtl="0" eaLnBrk="1" fontAlgn="auto" latinLnBrk="0" hangingPunct="1">
+                        <a:lnSpc>
+                          <a:spcPct val="100000"/>
+                        </a:lnSpc>
+                        <a:spcBef>
+                          <a:spcPts val="0"/>
+                        </a:spcBef>
+                        <a:spcAft>
+                          <a:spcPts val="0"/>
+                        </a:spcAft>
+                        <a:buClrTx/>
+                        <a:buSzTx/>
+                        <a:buFontTx/>
+                        <a:buNone/>
+                        <a:tabLst/>
+                        <a:defRPr/>
+                      </a:pPr>
+                      <a:r>
+                        <a:rPr lang="en-US" altLang="zh-CN" dirty="0"/>
+                        <a:t>4.53 / 4.44</a:t>
+                      </a:r>
+                      <a:endParaRPr lang="zh-CN" altLang="en-US" dirty="0"/>
+                    </a:p>
+                  </a:txBody>
+                  <a:tcPr/>
+                </a:tc>
+                <a:extLst>
+                  <a:ext uri="{0D108BD9-81ED-4DB2-BD59-A6C34878D82A}">
+                    <a16:rowId xmlns:a16="http://schemas.microsoft.com/office/drawing/2014/main" val="213170710"/>
+                  </a:ext>
+                </a:extLst>
+              </a:tr>
+              <a:tr h="370840">
+                <a:tc>
+                  <a:txBody>
+                    <a:bodyPr/>
+                    <a:lstStyle/>
+                    <a:p>
+                      <a:r>
+                        <a:rPr lang="en-US" altLang="zh-CN" dirty="0"/>
+                        <a:t>Median</a:t>
+                      </a:r>
+                      <a:endParaRPr lang="zh-CN" altLang="en-US" dirty="0"/>
+                    </a:p>
+                  </a:txBody>
+                  <a:tcPr/>
+                </a:tc>
+                <a:tc>
+                  <a:txBody>
+                    <a:bodyPr/>
+                    <a:lstStyle/>
+                    <a:p>
+                      <a:pPr marL="0" marR="0" lvl="0" indent="0" algn="l" defTabSz="914400" rtl="0" eaLnBrk="1" fontAlgn="auto" latinLnBrk="0" hangingPunct="1">
+                        <a:lnSpc>
+                          <a:spcPct val="100000"/>
+                        </a:lnSpc>
+                        <a:spcBef>
+                          <a:spcPts val="0"/>
+                        </a:spcBef>
+                        <a:spcAft>
+                          <a:spcPts val="0"/>
+                        </a:spcAft>
+                        <a:buClrTx/>
+                        <a:buSzTx/>
+                        <a:buFontTx/>
+                        <a:buNone/>
+                        <a:tabLst/>
+                        <a:defRPr/>
+                      </a:pPr>
+                      <a:r>
+                        <a:rPr lang="en-US" altLang="zh-CN" dirty="0"/>
+                        <a:t>No RR, Peak-Based Segmentation</a:t>
+                      </a:r>
+                      <a:endParaRPr lang="zh-CN" altLang="en-US" dirty="0"/>
+                    </a:p>
+                  </a:txBody>
+                  <a:tcPr/>
+                </a:tc>
+                <a:tc>
+                  <a:txBody>
+                    <a:bodyPr/>
+                    <a:lstStyle/>
+                    <a:p>
+                      <a:pPr marL="0" marR="0" lvl="0" indent="0" algn="ctr" defTabSz="914400" rtl="0" eaLnBrk="1" fontAlgn="auto" latinLnBrk="0" hangingPunct="1">
+                        <a:lnSpc>
+                          <a:spcPct val="100000"/>
+                        </a:lnSpc>
+                        <a:spcBef>
+                          <a:spcPts val="0"/>
+                        </a:spcBef>
+                        <a:spcAft>
+                          <a:spcPts val="0"/>
+                        </a:spcAft>
+                        <a:buClrTx/>
+                        <a:buSzTx/>
+                        <a:buFontTx/>
+                        <a:buNone/>
+                        <a:tabLst/>
+                        <a:defRPr/>
+                      </a:pPr>
+                      <a:r>
+                        <a:rPr lang="en-US" altLang="zh-CN" dirty="0"/>
+                        <a:t>1.42 / 1.45</a:t>
+                      </a:r>
+                      <a:endParaRPr lang="zh-CN" altLang="en-US" dirty="0"/>
+                    </a:p>
+                  </a:txBody>
+                  <a:tcPr/>
+                </a:tc>
+                <a:tc>
+                  <a:txBody>
+                    <a:bodyPr/>
+                    <a:lstStyle/>
+                    <a:p>
+                      <a:pPr marL="0" marR="0" lvl="0" indent="0" algn="ctr" defTabSz="914400" rtl="0" eaLnBrk="1" fontAlgn="auto" latinLnBrk="0" hangingPunct="1">
+                        <a:lnSpc>
+                          <a:spcPct val="100000"/>
+                        </a:lnSpc>
+                        <a:spcBef>
+                          <a:spcPts val="0"/>
+                        </a:spcBef>
+                        <a:spcAft>
+                          <a:spcPts val="0"/>
+                        </a:spcAft>
+                        <a:buClrTx/>
+                        <a:buSzTx/>
+                        <a:buFontTx/>
+                        <a:buNone/>
+                        <a:tabLst/>
+                        <a:defRPr/>
+                      </a:pPr>
+                      <a:r>
+                        <a:rPr lang="en-US" altLang="zh-CN" dirty="0"/>
+                        <a:t>4.07 / 4.49</a:t>
+                      </a:r>
+                      <a:endParaRPr lang="zh-CN" altLang="en-US" dirty="0"/>
+                    </a:p>
+                  </a:txBody>
+                  <a:tcPr/>
+                </a:tc>
+                <a:extLst>
+                  <a:ext uri="{0D108BD9-81ED-4DB2-BD59-A6C34878D82A}">
+                    <a16:rowId xmlns:a16="http://schemas.microsoft.com/office/drawing/2014/main" val="3424492985"/>
+                  </a:ext>
+                </a:extLst>
+              </a:tr>
+              <a:tr h="370840">
+                <a:tc>
+                  <a:txBody>
+                    <a:bodyPr/>
+                    <a:lstStyle/>
+                    <a:p>
+                      <a:r>
+                        <a:rPr lang="en-US" altLang="zh-CN" dirty="0"/>
+                        <a:t>Kalman Filter</a:t>
+                      </a:r>
+                      <a:endParaRPr lang="zh-CN" altLang="en-US" dirty="0"/>
+                    </a:p>
+                  </a:txBody>
+                  <a:tcPr/>
+                </a:tc>
+                <a:tc>
+                  <a:txBody>
+                    <a:bodyPr/>
+                    <a:lstStyle/>
+                    <a:p>
+                      <a:pPr marL="0" marR="0" lvl="0" indent="0" algn="l" defTabSz="914400" rtl="0" eaLnBrk="1" fontAlgn="auto" latinLnBrk="0" hangingPunct="1">
+                        <a:lnSpc>
+                          <a:spcPct val="100000"/>
+                        </a:lnSpc>
+                        <a:spcBef>
+                          <a:spcPts val="0"/>
+                        </a:spcBef>
+                        <a:spcAft>
+                          <a:spcPts val="0"/>
+                        </a:spcAft>
+                        <a:buClrTx/>
+                        <a:buSzTx/>
+                        <a:buFontTx/>
+                        <a:buNone/>
+                        <a:tabLst/>
+                        <a:defRPr/>
+                      </a:pPr>
+                      <a:r>
+                        <a:rPr lang="en-US" altLang="zh-CN" dirty="0"/>
+                        <a:t>No RR, Peak-Based Segmentation</a:t>
+                      </a:r>
+                      <a:endParaRPr lang="zh-CN" altLang="en-US" dirty="0"/>
+                    </a:p>
+                  </a:txBody>
+                  <a:tcPr/>
+                </a:tc>
+                <a:tc>
+                  <a:txBody>
+                    <a:bodyPr/>
+                    <a:lstStyle/>
+                    <a:p>
+                      <a:r>
+                        <a:rPr lang="en-US" altLang="zh-CN" sz="1800" kern="1200" dirty="0">
+                          <a:solidFill>
+                            <a:schemeClr val="dk1"/>
+                          </a:solidFill>
+                          <a:effectLst/>
+                          <a:latin typeface="+mn-lt"/>
+                          <a:ea typeface="+mn-ea"/>
+                          <a:cs typeface="+mn-cs"/>
+                        </a:rPr>
+                        <a:t>  1.45 / 1.37</a:t>
+                      </a:r>
+                      <a:endParaRPr lang="zh-CN" altLang="en-US" dirty="0"/>
+                    </a:p>
+                  </a:txBody>
+                  <a:tcPr/>
+                </a:tc>
+                <a:tc>
+                  <a:txBody>
+                    <a:bodyPr/>
+                    <a:lstStyle/>
+                    <a:p>
+                      <a:r>
+                        <a:rPr lang="en-US" altLang="zh-CN" sz="1800" b="1" kern="1200" dirty="0">
+                          <a:solidFill>
+                            <a:schemeClr val="dk1"/>
+                          </a:solidFill>
+                          <a:effectLst/>
+                          <a:latin typeface="+mn-lt"/>
+                          <a:ea typeface="+mn-ea"/>
+                          <a:cs typeface="+mn-cs"/>
+                        </a:rPr>
+                        <a:t>  4.82 / 4.60</a:t>
+                      </a:r>
+                      <a:endParaRPr lang="zh-CN" altLang="en-US" b="1" dirty="0"/>
+                    </a:p>
+                  </a:txBody>
+                  <a:tcPr/>
+                </a:tc>
+                <a:extLst>
+                  <a:ext uri="{0D108BD9-81ED-4DB2-BD59-A6C34878D82A}">
+                    <a16:rowId xmlns:a16="http://schemas.microsoft.com/office/drawing/2014/main" val="1409619234"/>
+                  </a:ext>
+                </a:extLst>
+              </a:tr>
+              <a:tr h="370840">
+                <a:tc>
+                  <a:txBody>
+                    <a:bodyPr/>
+                    <a:lstStyle/>
+                    <a:p>
+                      <a:r>
                         <a:rPr lang="en-US" altLang="zh-CN" dirty="0"/>
                         <a:t>DBA</a:t>
                       </a:r>
@@ -13395,7 +16296,7 @@
     </p:spTree>
     <p:extLst>
       <p:ext uri="{BB962C8B-B14F-4D97-AF65-F5344CB8AC3E}">
-        <p14:creationId xmlns:p14="http://schemas.microsoft.com/office/powerpoint/2010/main" val="2541047928"/>
+        <p14:creationId xmlns:p14="http://schemas.microsoft.com/office/powerpoint/2010/main" val="103041184"/>
       </p:ext>
     </p:extLst>
   </p:cSld>
@@ -13405,281 +16306,7 @@
 </p:sld>
 </file>
 
-<file path=ppt/slides/slide4.xml><?xml version="1.0" encoding="utf-8"?>
-<p:sld xmlns:a="http://schemas.openxmlformats.org/drawingml/2006/main" xmlns:r="http://schemas.openxmlformats.org/officeDocument/2006/relationships" xmlns:p="http://schemas.openxmlformats.org/presentationml/2006/main">
-  <p:cSld>
-    <p:spTree>
-      <p:nvGrpSpPr>
-        <p:cNvPr id="1" name=""/>
-        <p:cNvGrpSpPr/>
-        <p:nvPr/>
-      </p:nvGrpSpPr>
-      <p:grpSpPr>
-        <a:xfrm>
-          <a:off x="0" y="0"/>
-          <a:ext cx="0" cy="0"/>
-          <a:chOff x="0" y="0"/>
-          <a:chExt cx="0" cy="0"/>
-        </a:xfrm>
-      </p:grpSpPr>
-      <p:sp>
-        <p:nvSpPr>
-          <p:cNvPr id="55" name="文本框 54">
-            <a:extLst>
-              <a:ext uri="{FF2B5EF4-FFF2-40B4-BE49-F238E27FC236}">
-                <a16:creationId xmlns:a16="http://schemas.microsoft.com/office/drawing/2014/main" id="{32A2BE86-86A6-F1FC-83EE-91A826B532E5}"/>
-              </a:ext>
-            </a:extLst>
-          </p:cNvPr>
-          <p:cNvSpPr txBox="1"/>
-          <p:nvPr/>
-        </p:nvSpPr>
-        <p:spPr>
-          <a:xfrm>
-            <a:off x="609600" y="106251"/>
-            <a:ext cx="4584920" cy="461665"/>
-          </a:xfrm>
-          <a:prstGeom prst="rect">
-            <a:avLst/>
-          </a:prstGeom>
-          <a:noFill/>
-        </p:spPr>
-        <p:txBody>
-          <a:bodyPr wrap="square" rtlCol="0">
-            <a:spAutoFit/>
-          </a:bodyPr>
-          <a:lstStyle>
-            <a:defPPr>
-              <a:defRPr lang="zh-CN"/>
-            </a:defPPr>
-            <a:lvl1pPr>
-              <a:defRPr sz="2400">
-                <a:latin typeface="Consolas" panose="020B0609020204030204" pitchFamily="49" charset="0"/>
-                <a:cs typeface="Times New Roman" panose="02020603050405020304" pitchFamily="18" charset="0"/>
-              </a:defRPr>
-            </a:lvl1pPr>
-          </a:lstStyle>
-          <a:p>
-            <a:r>
-              <a:rPr lang="en-US" altLang="zh-CN" dirty="0"/>
-              <a:t>Part_1: </a:t>
-            </a:r>
-            <a:r>
-              <a:rPr lang="en-US" altLang="zh-CN" sz="1400" dirty="0"/>
-              <a:t>Research - Getting Template</a:t>
-            </a:r>
-          </a:p>
-        </p:txBody>
-      </p:sp>
-      <p:sp>
-        <p:nvSpPr>
-          <p:cNvPr id="3" name="文本框 2">
-            <a:extLst>
-              <a:ext uri="{FF2B5EF4-FFF2-40B4-BE49-F238E27FC236}">
-                <a16:creationId xmlns:a16="http://schemas.microsoft.com/office/drawing/2014/main" id="{7E6479E6-9587-A2B7-5574-031FC4CC0E72}"/>
-              </a:ext>
-            </a:extLst>
-          </p:cNvPr>
-          <p:cNvSpPr txBox="1"/>
-          <p:nvPr/>
-        </p:nvSpPr>
-        <p:spPr>
-          <a:xfrm>
-            <a:off x="609600" y="766916"/>
-            <a:ext cx="11358716" cy="4524315"/>
-          </a:xfrm>
-          <a:prstGeom prst="rect">
-            <a:avLst/>
-          </a:prstGeom>
-          <a:noFill/>
-        </p:spPr>
-        <p:txBody>
-          <a:bodyPr wrap="square" rtlCol="0">
-            <a:spAutoFit/>
-          </a:bodyPr>
-          <a:lstStyle/>
-          <a:p>
-            <a:r>
-              <a:rPr lang="zh-CN" altLang="en-US" dirty="0"/>
-              <a:t>实验结果反映的初步结论：</a:t>
-            </a:r>
-            <a:endParaRPr lang="en-US" altLang="zh-CN" dirty="0"/>
-          </a:p>
-          <a:p>
-            <a:endParaRPr lang="en-US" altLang="zh-CN" dirty="0"/>
-          </a:p>
-          <a:p>
-            <a:r>
-              <a:rPr lang="en-US" altLang="zh-CN" dirty="0"/>
-              <a:t>Conclusion1:</a:t>
-            </a:r>
-          </a:p>
-          <a:p>
-            <a:r>
-              <a:rPr lang="zh-CN" altLang="en-US" dirty="0"/>
-              <a:t>在仍然使用线性回归的情况下，对纯净</a:t>
-            </a:r>
-            <a:r>
-              <a:rPr lang="en-US" altLang="zh-CN" dirty="0"/>
-              <a:t>SCG</a:t>
-            </a:r>
-            <a:r>
-              <a:rPr lang="zh-CN" altLang="en-US" dirty="0"/>
-              <a:t>信号的</a:t>
-            </a:r>
-            <a:r>
-              <a:rPr lang="en-US" altLang="zh-CN" dirty="0"/>
-              <a:t>D</a:t>
-            </a:r>
-            <a:r>
-              <a:rPr lang="zh-CN" altLang="en-US" dirty="0"/>
-              <a:t>指标预测的理论上限，应该是</a:t>
-            </a:r>
-            <a:r>
-              <a:rPr lang="en-US" altLang="zh-CN" dirty="0"/>
-              <a:t>1.8</a:t>
-            </a:r>
-            <a:r>
-              <a:rPr lang="zh-CN" altLang="en-US" dirty="0"/>
-              <a:t>。但是，目前使用</a:t>
-            </a:r>
-            <a:r>
-              <a:rPr lang="en-US" altLang="zh-CN" dirty="0"/>
-              <a:t>DBA</a:t>
-            </a:r>
-            <a:r>
-              <a:rPr lang="zh-CN" altLang="en-US" dirty="0"/>
-              <a:t>算法的效果，已经初步得出：获取标准模板的过程，是一个</a:t>
-            </a:r>
-            <a:r>
-              <a:rPr lang="en-US" altLang="zh-CN" dirty="0"/>
-              <a:t>denoising</a:t>
-            </a:r>
-            <a:r>
-              <a:rPr lang="zh-CN" altLang="en-US" dirty="0"/>
-              <a:t>的过程。</a:t>
-            </a:r>
-            <a:endParaRPr lang="en-US" altLang="zh-CN" dirty="0"/>
-          </a:p>
-          <a:p>
-            <a:r>
-              <a:rPr lang="zh-CN" altLang="en-US" dirty="0"/>
-              <a:t>（</a:t>
-            </a:r>
-            <a:r>
-              <a:rPr lang="en-US" altLang="zh-CN" dirty="0"/>
-              <a:t>DBA</a:t>
-            </a:r>
-            <a:r>
-              <a:rPr lang="zh-CN" altLang="en-US" dirty="0"/>
-              <a:t>算法会在之后简单的介绍）</a:t>
-            </a:r>
-            <a:endParaRPr lang="en-US" altLang="zh-CN" dirty="0"/>
-          </a:p>
-          <a:p>
-            <a:endParaRPr lang="en-US" altLang="zh-CN" dirty="0"/>
-          </a:p>
-          <a:p>
-            <a:r>
-              <a:rPr lang="en-US" altLang="zh-CN" dirty="0"/>
-              <a:t>Conclusion2:</a:t>
-            </a:r>
-          </a:p>
-          <a:p>
-            <a:r>
-              <a:rPr lang="zh-CN" altLang="en-US" dirty="0"/>
-              <a:t>我们之前对</a:t>
-            </a:r>
-            <a:r>
-              <a:rPr lang="en-US" altLang="zh-CN" dirty="0"/>
-              <a:t>K-shape</a:t>
-            </a:r>
-            <a:r>
-              <a:rPr lang="zh-CN" altLang="en-US" dirty="0"/>
-              <a:t>的使用和结论是错误的。</a:t>
-            </a:r>
-            <a:endParaRPr lang="en-US" altLang="zh-CN" dirty="0"/>
-          </a:p>
-          <a:p>
-            <a:r>
-              <a:rPr lang="en-US" altLang="zh-CN" dirty="0"/>
-              <a:t>K-shape</a:t>
-            </a:r>
-            <a:r>
-              <a:rPr lang="zh-CN" altLang="en-US" dirty="0"/>
-              <a:t>的精髓</a:t>
-            </a:r>
-            <a:endParaRPr lang="en-US" altLang="zh-CN" dirty="0"/>
-          </a:p>
-          <a:p>
-            <a:endParaRPr lang="en-US" altLang="zh-CN" dirty="0"/>
-          </a:p>
-          <a:p>
-            <a:endParaRPr lang="en-US" altLang="zh-CN" dirty="0"/>
-          </a:p>
-          <a:p>
-            <a:r>
-              <a:rPr lang="en-US" altLang="zh-CN" dirty="0"/>
-              <a:t>Conclusion3:</a:t>
-            </a:r>
-          </a:p>
-          <a:p>
-            <a:r>
-              <a:rPr lang="en-US" altLang="zh-CN" dirty="0"/>
-              <a:t>Kalman Filter</a:t>
-            </a:r>
-            <a:r>
-              <a:rPr lang="zh-CN" altLang="en-US" dirty="0"/>
-              <a:t>从原理上来说，</a:t>
-            </a:r>
-            <a:r>
-              <a:rPr lang="en-US" altLang="zh-CN" dirty="0"/>
-              <a:t>Multi-sensor confusion</a:t>
-            </a:r>
-            <a:r>
-              <a:rPr lang="zh-CN" altLang="en-US" dirty="0"/>
-              <a:t>的思路，是可以很好的抑制噪声的。</a:t>
-            </a:r>
-            <a:endParaRPr lang="en-US" altLang="zh-CN" dirty="0"/>
-          </a:p>
-          <a:p>
-            <a:r>
-              <a:rPr lang="zh-CN" altLang="en-US" dirty="0"/>
-              <a:t>目前虽然效果不好，但我仍然认为，</a:t>
-            </a:r>
-            <a:r>
-              <a:rPr lang="en-US" altLang="zh-CN" dirty="0"/>
-              <a:t>Kalman Filter</a:t>
-            </a:r>
-            <a:r>
-              <a:rPr lang="zh-CN" altLang="en-US" dirty="0"/>
-              <a:t>的道路是能走通的。</a:t>
-            </a:r>
-            <a:endParaRPr lang="en-US" altLang="zh-CN" dirty="0"/>
-          </a:p>
-          <a:p>
-            <a:r>
-              <a:rPr lang="zh-CN" altLang="en-US" dirty="0"/>
-              <a:t>但可能没有发表的价值。</a:t>
-            </a:r>
-            <a:endParaRPr lang="en-US" altLang="zh-CN" dirty="0"/>
-          </a:p>
-        </p:txBody>
-      </p:sp>
-    </p:spTree>
-    <p:extLst>
-      <p:ext uri="{BB962C8B-B14F-4D97-AF65-F5344CB8AC3E}">
-        <p14:creationId xmlns:p14="http://schemas.microsoft.com/office/powerpoint/2010/main" val="1918894836"/>
-      </p:ext>
-    </p:extLst>
-  </p:cSld>
-  <p:clrMapOvr>
-    <a:masterClrMapping/>
-  </p:clrMapOvr>
-</p:sld>
-</file>
-
-<file path=ppt/slides/slide5.xml><?xml version="1.0" encoding="utf-8"?>
+<file path=ppt/slides/slide8.xml><?xml version="1.0" encoding="utf-8"?>
 <p:sld xmlns:a="http://schemas.openxmlformats.org/drawingml/2006/main" xmlns:r="http://schemas.openxmlformats.org/officeDocument/2006/relationships" xmlns:p="http://schemas.openxmlformats.org/presentationml/2006/main">
   <p:cSld>
     <p:spTree>
@@ -14215,6 +16842,70 @@
           </a:fontRef>
         </p:style>
       </p:cxnSp>
+      <p:sp>
+        <p:nvSpPr>
+          <p:cNvPr id="4" name="矩形 3">
+            <a:extLst>
+              <a:ext uri="{FF2B5EF4-FFF2-40B4-BE49-F238E27FC236}">
+                <a16:creationId xmlns:a16="http://schemas.microsoft.com/office/drawing/2014/main" id="{1D2A253D-8C03-1F00-5BA3-06CC17712154}"/>
+              </a:ext>
+            </a:extLst>
+          </p:cNvPr>
+          <p:cNvSpPr/>
+          <p:nvPr/>
+        </p:nvSpPr>
+        <p:spPr>
+          <a:xfrm>
+            <a:off x="435077" y="66368"/>
+            <a:ext cx="3289199" cy="637572"/>
+          </a:xfrm>
+          <a:prstGeom prst="rect">
+            <a:avLst/>
+          </a:prstGeom>
+          <a:noFill/>
+          <a:ln>
+            <a:solidFill>
+              <a:srgbClr val="FF0000"/>
+            </a:solidFill>
+          </a:ln>
+        </p:spPr>
+        <p:style>
+          <a:lnRef idx="2">
+            <a:schemeClr val="accent1">
+              <a:shade val="15000"/>
+            </a:schemeClr>
+          </a:lnRef>
+          <a:fillRef idx="1">
+            <a:schemeClr val="accent1"/>
+          </a:fillRef>
+          <a:effectRef idx="0">
+            <a:schemeClr val="accent1"/>
+          </a:effectRef>
+          <a:fontRef idx="minor">
+            <a:schemeClr val="lt1"/>
+          </a:fontRef>
+        </p:style>
+        <p:txBody>
+          <a:bodyPr rtlCol="0" anchor="ctr"/>
+          <a:lstStyle/>
+          <a:p>
+            <a:pPr algn="ctr"/>
+            <a:r>
+              <a:rPr lang="en-US" altLang="zh-CN" dirty="0">
+                <a:solidFill>
+                  <a:srgbClr val="FF0000"/>
+                </a:solidFill>
+              </a:rPr>
+              <a:t>Previous Slide</a:t>
+            </a:r>
+            <a:endParaRPr lang="zh-CN" altLang="en-US" dirty="0">
+              <a:solidFill>
+                <a:srgbClr val="FF0000"/>
+              </a:solidFill>
+            </a:endParaRPr>
+          </a:p>
+        </p:txBody>
+      </p:sp>
     </p:spTree>
     <p:extLst>
       <p:ext uri="{BB962C8B-B14F-4D97-AF65-F5344CB8AC3E}">
@@ -14228,7 +16919,7 @@
 </p:sld>
 </file>
 
-<file path=ppt/slides/slide6.xml><?xml version="1.0" encoding="utf-8"?>
+<file path=ppt/slides/slide9.xml><?xml version="1.0" encoding="utf-8"?>
 <p:sld xmlns:a="http://schemas.openxmlformats.org/drawingml/2006/main" xmlns:r="http://schemas.openxmlformats.org/officeDocument/2006/relationships" xmlns:p="http://schemas.openxmlformats.org/presentationml/2006/main">
   <p:cSld>
     <p:spTree>
@@ -14459,518 +17150,6 @@
     <p:extLst>
       <p:ext uri="{BB962C8B-B14F-4D97-AF65-F5344CB8AC3E}">
         <p14:creationId xmlns:p14="http://schemas.microsoft.com/office/powerpoint/2010/main" val="193996663"/>
-      </p:ext>
-    </p:extLst>
-  </p:cSld>
-  <p:clrMapOvr>
-    <a:masterClrMapping/>
-  </p:clrMapOvr>
-</p:sld>
-</file>
-
-<file path=ppt/slides/slide7.xml><?xml version="1.0" encoding="utf-8"?>
-<p:sld xmlns:a="http://schemas.openxmlformats.org/drawingml/2006/main" xmlns:r="http://schemas.openxmlformats.org/officeDocument/2006/relationships" xmlns:p="http://schemas.openxmlformats.org/presentationml/2006/main">
-  <p:cSld>
-    <p:spTree>
-      <p:nvGrpSpPr>
-        <p:cNvPr id="1" name=""/>
-        <p:cNvGrpSpPr/>
-        <p:nvPr/>
-      </p:nvGrpSpPr>
-      <p:grpSpPr>
-        <a:xfrm>
-          <a:off x="0" y="0"/>
-          <a:ext cx="0" cy="0"/>
-          <a:chOff x="0" y="0"/>
-          <a:chExt cx="0" cy="0"/>
-        </a:xfrm>
-      </p:grpSpPr>
-      <p:sp>
-        <p:nvSpPr>
-          <p:cNvPr id="55" name="文本框 54">
-            <a:extLst>
-              <a:ext uri="{FF2B5EF4-FFF2-40B4-BE49-F238E27FC236}">
-                <a16:creationId xmlns:a16="http://schemas.microsoft.com/office/drawing/2014/main" id="{32A2BE86-86A6-F1FC-83EE-91A826B532E5}"/>
-              </a:ext>
-            </a:extLst>
-          </p:cNvPr>
-          <p:cNvSpPr txBox="1"/>
-          <p:nvPr/>
-        </p:nvSpPr>
-        <p:spPr>
-          <a:xfrm>
-            <a:off x="609600" y="106251"/>
-            <a:ext cx="4584920" cy="461665"/>
-          </a:xfrm>
-          <a:prstGeom prst="rect">
-            <a:avLst/>
-          </a:prstGeom>
-          <a:noFill/>
-        </p:spPr>
-        <p:txBody>
-          <a:bodyPr wrap="square" rtlCol="0">
-            <a:spAutoFit/>
-          </a:bodyPr>
-          <a:lstStyle>
-            <a:defPPr>
-              <a:defRPr lang="zh-CN"/>
-            </a:defPPr>
-            <a:lvl1pPr>
-              <a:defRPr sz="2400">
-                <a:latin typeface="Consolas" panose="020B0609020204030204" pitchFamily="49" charset="0"/>
-                <a:cs typeface="Times New Roman" panose="02020603050405020304" pitchFamily="18" charset="0"/>
-              </a:defRPr>
-            </a:lvl1pPr>
-          </a:lstStyle>
-          <a:p>
-            <a:r>
-              <a:rPr lang="en-US" altLang="zh-CN" dirty="0"/>
-              <a:t>Part_1: </a:t>
-            </a:r>
-            <a:r>
-              <a:rPr lang="en-US" altLang="zh-CN" sz="1400" dirty="0"/>
-              <a:t>Research - Getting Template</a:t>
-            </a:r>
-          </a:p>
-        </p:txBody>
-      </p:sp>
-    </p:spTree>
-    <p:extLst>
-      <p:ext uri="{BB962C8B-B14F-4D97-AF65-F5344CB8AC3E}">
-        <p14:creationId xmlns:p14="http://schemas.microsoft.com/office/powerpoint/2010/main" val="1137058698"/>
-      </p:ext>
-    </p:extLst>
-  </p:cSld>
-  <p:clrMapOvr>
-    <a:masterClrMapping/>
-  </p:clrMapOvr>
-</p:sld>
-</file>
-
-<file path=ppt/slides/slide8.xml><?xml version="1.0" encoding="utf-8"?>
-<p:sld xmlns:a="http://schemas.openxmlformats.org/drawingml/2006/main" xmlns:r="http://schemas.openxmlformats.org/officeDocument/2006/relationships" xmlns:p="http://schemas.openxmlformats.org/presentationml/2006/main">
-  <p:cSld>
-    <p:spTree>
-      <p:nvGrpSpPr>
-        <p:cNvPr id="1" name=""/>
-        <p:cNvGrpSpPr/>
-        <p:nvPr/>
-      </p:nvGrpSpPr>
-      <p:grpSpPr>
-        <a:xfrm>
-          <a:off x="0" y="0"/>
-          <a:ext cx="0" cy="0"/>
-          <a:chOff x="0" y="0"/>
-          <a:chExt cx="0" cy="0"/>
-        </a:xfrm>
-      </p:grpSpPr>
-      <p:sp>
-        <p:nvSpPr>
-          <p:cNvPr id="55" name="文本框 54">
-            <a:extLst>
-              <a:ext uri="{FF2B5EF4-FFF2-40B4-BE49-F238E27FC236}">
-                <a16:creationId xmlns:a16="http://schemas.microsoft.com/office/drawing/2014/main" id="{32A2BE86-86A6-F1FC-83EE-91A826B532E5}"/>
-              </a:ext>
-            </a:extLst>
-          </p:cNvPr>
-          <p:cNvSpPr txBox="1"/>
-          <p:nvPr/>
-        </p:nvSpPr>
-        <p:spPr>
-          <a:xfrm>
-            <a:off x="609600" y="106251"/>
-            <a:ext cx="4584920" cy="461665"/>
-          </a:xfrm>
-          <a:prstGeom prst="rect">
-            <a:avLst/>
-          </a:prstGeom>
-          <a:noFill/>
-        </p:spPr>
-        <p:txBody>
-          <a:bodyPr wrap="square" rtlCol="0">
-            <a:spAutoFit/>
-          </a:bodyPr>
-          <a:lstStyle>
-            <a:defPPr>
-              <a:defRPr lang="zh-CN"/>
-            </a:defPPr>
-            <a:lvl1pPr>
-              <a:defRPr sz="2400">
-                <a:latin typeface="Consolas" panose="020B0609020204030204" pitchFamily="49" charset="0"/>
-                <a:cs typeface="Times New Roman" panose="02020603050405020304" pitchFamily="18" charset="0"/>
-              </a:defRPr>
-            </a:lvl1pPr>
-          </a:lstStyle>
-          <a:p>
-            <a:r>
-              <a:rPr lang="en-US" altLang="zh-CN" dirty="0"/>
-              <a:t>Part_1: </a:t>
-            </a:r>
-            <a:r>
-              <a:rPr lang="en-US" altLang="zh-CN" sz="1400" dirty="0"/>
-              <a:t>Research - Breath Removal</a:t>
-            </a:r>
-          </a:p>
-        </p:txBody>
-      </p:sp>
-      <p:pic>
-        <p:nvPicPr>
-          <p:cNvPr id="3" name="图片 2">
-            <a:extLst>
-              <a:ext uri="{FF2B5EF4-FFF2-40B4-BE49-F238E27FC236}">
-                <a16:creationId xmlns:a16="http://schemas.microsoft.com/office/drawing/2014/main" id="{8D15AC0C-23C0-CAB4-4E79-38B4D17D5657}"/>
-              </a:ext>
-            </a:extLst>
-          </p:cNvPr>
-          <p:cNvPicPr>
-            <a:picLocks noChangeAspect="1"/>
-          </p:cNvPicPr>
-          <p:nvPr/>
-        </p:nvPicPr>
-        <p:blipFill rotWithShape="1">
-          <a:blip r:embed="rId3">
-            <a:extLst>
-              <a:ext uri="{28A0092B-C50C-407E-A947-70E740481C1C}">
-                <a14:useLocalDpi xmlns:a14="http://schemas.microsoft.com/office/drawing/2010/main" val="0"/>
-              </a:ext>
-            </a:extLst>
-          </a:blip>
-          <a:srcRect l="5525" r="-851" b="37204"/>
-          <a:stretch/>
-        </p:blipFill>
-        <p:spPr>
-          <a:xfrm>
-            <a:off x="0" y="567916"/>
-            <a:ext cx="6617371" cy="6313992"/>
-          </a:xfrm>
-          <a:prstGeom prst="rect">
-            <a:avLst/>
-          </a:prstGeom>
-        </p:spPr>
-      </p:pic>
-      <p:sp>
-        <p:nvSpPr>
-          <p:cNvPr id="4" name="文本框 3">
-            <a:extLst>
-              <a:ext uri="{FF2B5EF4-FFF2-40B4-BE49-F238E27FC236}">
-                <a16:creationId xmlns:a16="http://schemas.microsoft.com/office/drawing/2014/main" id="{46EED4B0-F784-5327-54C4-5C1E22DF1567}"/>
-              </a:ext>
-            </a:extLst>
-          </p:cNvPr>
-          <p:cNvSpPr txBox="1"/>
-          <p:nvPr/>
-        </p:nvSpPr>
-        <p:spPr>
-          <a:xfrm>
-            <a:off x="6316703" y="0"/>
-            <a:ext cx="5875297" cy="6524863"/>
-          </a:xfrm>
-          <a:prstGeom prst="rect">
-            <a:avLst/>
-          </a:prstGeom>
-          <a:noFill/>
-        </p:spPr>
-        <p:txBody>
-          <a:bodyPr wrap="square" rtlCol="0">
-            <a:spAutoFit/>
-          </a:bodyPr>
-          <a:lstStyle/>
-          <a:p>
-            <a:r>
-              <a:rPr lang="en-US" altLang="zh-CN" sz="2000" b="1" dirty="0"/>
-              <a:t>Perspective 1:</a:t>
-            </a:r>
-          </a:p>
-          <a:p>
-            <a:r>
-              <a:rPr lang="en-US" altLang="zh-CN" dirty="0"/>
-              <a:t>The multiplication in the time domain is equivalent to convolution in the frequency domain. It's not easy to approach the problem from this perspective.</a:t>
-            </a:r>
-          </a:p>
-          <a:p>
-            <a:endParaRPr lang="en-US" altLang="zh-CN" dirty="0"/>
-          </a:p>
-          <a:p>
-            <a:r>
-              <a:rPr lang="en-US" altLang="zh-CN" sz="2000" b="1" dirty="0"/>
-              <a:t>Perspective 2:</a:t>
-            </a:r>
-          </a:p>
-          <a:p>
-            <a:r>
-              <a:rPr lang="en-US" altLang="zh-CN" dirty="0"/>
-              <a:t>The original equation is equivalent to the linear addition of the original signal after it undergoes a frequency shift.</a:t>
-            </a:r>
-          </a:p>
-          <a:p>
-            <a:endParaRPr lang="en-US" altLang="zh-CN" dirty="0"/>
-          </a:p>
-          <a:p>
-            <a:r>
-              <a:rPr lang="en-US" altLang="zh-CN" dirty="0"/>
-              <a:t>Provided us with some insights:</a:t>
-            </a:r>
-          </a:p>
-          <a:p>
-            <a:r>
-              <a:rPr lang="en-US" altLang="zh-CN" dirty="0"/>
-              <a:t>    1. Breathing is very likely the lowest-frequency component in meaningful signals.</a:t>
-            </a:r>
-          </a:p>
-          <a:p>
-            <a:endParaRPr lang="en-US" altLang="zh-CN" dirty="0"/>
-          </a:p>
-          <a:p>
-            <a:r>
-              <a:rPr lang="en-US" altLang="zh-CN" dirty="0"/>
-              <a:t>    2. For time-domain decomposition, there is no way to separate the breathing signal.</a:t>
-            </a:r>
-          </a:p>
-          <a:p>
-            <a:endParaRPr lang="en-US" altLang="zh-CN" dirty="0"/>
-          </a:p>
-          <a:p>
-            <a:r>
-              <a:rPr lang="en-US" altLang="zh-CN" dirty="0"/>
-              <a:t>    3. Multiplying the original signal by a periodic signal in the frequency domain works well. Algorithms that can decompose the frequency domain may be able to solve the problem.</a:t>
-            </a:r>
-          </a:p>
-        </p:txBody>
-      </p:sp>
-    </p:spTree>
-    <p:extLst>
-      <p:ext uri="{BB962C8B-B14F-4D97-AF65-F5344CB8AC3E}">
-        <p14:creationId xmlns:p14="http://schemas.microsoft.com/office/powerpoint/2010/main" val="3229242848"/>
-      </p:ext>
-    </p:extLst>
-  </p:cSld>
-  <p:clrMapOvr>
-    <a:masterClrMapping/>
-  </p:clrMapOvr>
-</p:sld>
-</file>
-
-<file path=ppt/slides/slide9.xml><?xml version="1.0" encoding="utf-8"?>
-<p:sld xmlns:a="http://schemas.openxmlformats.org/drawingml/2006/main" xmlns:r="http://schemas.openxmlformats.org/officeDocument/2006/relationships" xmlns:p="http://schemas.openxmlformats.org/presentationml/2006/main">
-  <p:cSld>
-    <p:spTree>
-      <p:nvGrpSpPr>
-        <p:cNvPr id="1" name=""/>
-        <p:cNvGrpSpPr/>
-        <p:nvPr/>
-      </p:nvGrpSpPr>
-      <p:grpSpPr>
-        <a:xfrm>
-          <a:off x="0" y="0"/>
-          <a:ext cx="0" cy="0"/>
-          <a:chOff x="0" y="0"/>
-          <a:chExt cx="0" cy="0"/>
-        </a:xfrm>
-      </p:grpSpPr>
-      <p:sp>
-        <p:nvSpPr>
-          <p:cNvPr id="55" name="文本框 54">
-            <a:extLst>
-              <a:ext uri="{FF2B5EF4-FFF2-40B4-BE49-F238E27FC236}">
-                <a16:creationId xmlns:a16="http://schemas.microsoft.com/office/drawing/2014/main" id="{32A2BE86-86A6-F1FC-83EE-91A826B532E5}"/>
-              </a:ext>
-            </a:extLst>
-          </p:cNvPr>
-          <p:cNvSpPr txBox="1"/>
-          <p:nvPr/>
-        </p:nvSpPr>
-        <p:spPr>
-          <a:xfrm>
-            <a:off x="609599" y="106251"/>
-            <a:ext cx="6898481" cy="461665"/>
-          </a:xfrm>
-          <a:prstGeom prst="rect">
-            <a:avLst/>
-          </a:prstGeom>
-          <a:noFill/>
-        </p:spPr>
-        <p:txBody>
-          <a:bodyPr wrap="square" rtlCol="0">
-            <a:spAutoFit/>
-          </a:bodyPr>
-          <a:lstStyle>
-            <a:defPPr>
-              <a:defRPr lang="zh-CN"/>
-            </a:defPPr>
-            <a:lvl1pPr>
-              <a:defRPr sz="2400">
-                <a:latin typeface="Consolas" panose="020B0609020204030204" pitchFamily="49" charset="0"/>
-                <a:cs typeface="Times New Roman" panose="02020603050405020304" pitchFamily="18" charset="0"/>
-              </a:defRPr>
-            </a:lvl1pPr>
-          </a:lstStyle>
-          <a:p>
-            <a:r>
-              <a:rPr lang="en-US" altLang="zh-CN" dirty="0"/>
-              <a:t>Part_2: </a:t>
-            </a:r>
-            <a:r>
-              <a:rPr lang="en-US" altLang="zh-CN" sz="1400" dirty="0"/>
-              <a:t>Paper Reading</a:t>
-            </a:r>
-          </a:p>
-        </p:txBody>
-      </p:sp>
-      <p:sp>
-        <p:nvSpPr>
-          <p:cNvPr id="8" name="文本框 7">
-            <a:extLst>
-              <a:ext uri="{FF2B5EF4-FFF2-40B4-BE49-F238E27FC236}">
-                <a16:creationId xmlns:a16="http://schemas.microsoft.com/office/drawing/2014/main" id="{43ECD4F3-F35E-2206-FF84-688217EDEE5A}"/>
-              </a:ext>
-            </a:extLst>
-          </p:cNvPr>
-          <p:cNvSpPr txBox="1"/>
-          <p:nvPr/>
-        </p:nvSpPr>
-        <p:spPr>
-          <a:xfrm>
-            <a:off x="171448" y="745012"/>
-            <a:ext cx="9680473" cy="3416320"/>
-          </a:xfrm>
-          <a:prstGeom prst="rect">
-            <a:avLst/>
-          </a:prstGeom>
-          <a:noFill/>
-        </p:spPr>
-        <p:txBody>
-          <a:bodyPr wrap="square">
-            <a:spAutoFit/>
-          </a:bodyPr>
-          <a:lstStyle/>
-          <a:p>
-            <a:pPr lvl="1"/>
-            <a:r>
-              <a:rPr lang="en-US" altLang="zh-CN" dirty="0"/>
-              <a:t>Paper_1: </a:t>
-            </a:r>
-            <a:r>
-              <a:rPr lang="en-US" altLang="zh-CN" b="1" dirty="0"/>
-              <a:t>A global averaging method for DTW - DBA</a:t>
-            </a:r>
-          </a:p>
-          <a:p>
-            <a:pPr lvl="1"/>
-            <a:endParaRPr lang="en-US" altLang="zh-CN" dirty="0"/>
-          </a:p>
-          <a:p>
-            <a:pPr lvl="1"/>
-            <a:r>
-              <a:rPr lang="en-US" altLang="zh-CN" b="1" dirty="0"/>
-              <a:t>The Propose of the Paper: </a:t>
-            </a:r>
-            <a:r>
-              <a:rPr lang="en-US" altLang="zh-CN" dirty="0"/>
-              <a:t>the computation of an average of a set of sequences</a:t>
-            </a:r>
-          </a:p>
-          <a:p>
-            <a:pPr lvl="1"/>
-            <a:endParaRPr lang="en-US" altLang="zh-CN" dirty="0"/>
-          </a:p>
-          <a:p>
-            <a:pPr lvl="1"/>
-            <a:r>
-              <a:rPr lang="en-US" altLang="zh-CN" b="1" dirty="0"/>
-              <a:t>Solved Problems:</a:t>
-            </a:r>
-          </a:p>
-          <a:p>
-            <a:pPr marL="800100" lvl="1" indent="-342900">
-              <a:buAutoNum type="arabicPeriod"/>
-            </a:pPr>
-            <a:r>
-              <a:rPr lang="en-US" altLang="zh-CN" dirty="0"/>
-              <a:t>They develop a global technique for averaging a set of sequences, which avoids using iterative pairwise averaging.</a:t>
-            </a:r>
-          </a:p>
-          <a:p>
-            <a:pPr marL="800100" lvl="1" indent="-342900">
-              <a:buAutoNum type="arabicPeriod"/>
-            </a:pPr>
-            <a:endParaRPr lang="en-US" altLang="zh-CN" dirty="0"/>
-          </a:p>
-          <a:p>
-            <a:pPr lvl="1"/>
-            <a:r>
-              <a:rPr lang="en-US" altLang="zh-CN" dirty="0"/>
-              <a:t>2. They describe a new strategy to reduce the length of the resulting average sequence.</a:t>
-            </a:r>
-          </a:p>
-          <a:p>
-            <a:pPr lvl="1"/>
-            <a:endParaRPr lang="en-US" altLang="zh-CN" dirty="0"/>
-          </a:p>
-        </p:txBody>
-      </p:sp>
-      <p:pic>
-        <p:nvPicPr>
-          <p:cNvPr id="5" name="图片 4">
-            <a:extLst>
-              <a:ext uri="{FF2B5EF4-FFF2-40B4-BE49-F238E27FC236}">
-                <a16:creationId xmlns:a16="http://schemas.microsoft.com/office/drawing/2014/main" id="{F9038295-602A-BFFF-951C-4EBA4AF61BF0}"/>
-              </a:ext>
-            </a:extLst>
-          </p:cNvPr>
-          <p:cNvPicPr>
-            <a:picLocks noChangeAspect="1"/>
-          </p:cNvPicPr>
-          <p:nvPr/>
-        </p:nvPicPr>
-        <p:blipFill rotWithShape="1">
-          <a:blip r:embed="rId3"/>
-          <a:srcRect l="3124" t="3243" r="2725" b="442"/>
-          <a:stretch/>
-        </p:blipFill>
-        <p:spPr>
-          <a:xfrm>
-            <a:off x="6191899" y="3573233"/>
-            <a:ext cx="5924552" cy="3284767"/>
-          </a:xfrm>
-          <a:prstGeom prst="rect">
-            <a:avLst/>
-          </a:prstGeom>
-        </p:spPr>
-      </p:pic>
-      <p:pic>
-        <p:nvPicPr>
-          <p:cNvPr id="3" name="图片 2">
-            <a:extLst>
-              <a:ext uri="{FF2B5EF4-FFF2-40B4-BE49-F238E27FC236}">
-                <a16:creationId xmlns:a16="http://schemas.microsoft.com/office/drawing/2014/main" id="{13D69B5E-DE27-C0A3-B883-EAC3C248EFEA}"/>
-              </a:ext>
-            </a:extLst>
-          </p:cNvPr>
-          <p:cNvPicPr>
-            <a:picLocks noChangeAspect="1"/>
-          </p:cNvPicPr>
-          <p:nvPr/>
-        </p:nvPicPr>
-        <p:blipFill>
-          <a:blip r:embed="rId4"/>
-          <a:stretch>
-            <a:fillRect/>
-          </a:stretch>
-        </p:blipFill>
-        <p:spPr>
-          <a:xfrm>
-            <a:off x="0" y="3930637"/>
-            <a:ext cx="6191899" cy="2738885"/>
-          </a:xfrm>
-          <a:prstGeom prst="rect">
-            <a:avLst/>
-          </a:prstGeom>
-        </p:spPr>
-      </p:pic>
-    </p:spTree>
-    <p:extLst>
-      <p:ext uri="{BB962C8B-B14F-4D97-AF65-F5344CB8AC3E}">
-        <p14:creationId xmlns:p14="http://schemas.microsoft.com/office/powerpoint/2010/main" val="2726960845"/>
       </p:ext>
     </p:extLst>
   </p:cSld>

--- a/Presentation_1106_JiayuChen.pptx
+++ b/Presentation_1106_JiayuChen.pptx
@@ -227,7 +227,7 @@
           <a:p>
             <a:fld id="{F724740E-8F52-4821-8A8D-03DDEC038A3B}" type="datetimeFigureOut">
               <a:rPr lang="zh-CN" altLang="en-US" smtClean="0"/>
-              <a:t>2023-11-06</a:t>
+              <a:t>2023-11-07</a:t>
             </a:fld>
             <a:endParaRPr lang="zh-CN" altLang="en-US"/>
           </a:p>
@@ -2255,7 +2255,7 @@
           <a:p>
             <a:fld id="{5647DC1B-4743-47FE-A400-A2B750CAD470}" type="datetimeFigureOut">
               <a:rPr lang="zh-CN" altLang="en-US" smtClean="0"/>
-              <a:t>2023-11-06</a:t>
+              <a:t>2023-11-07</a:t>
             </a:fld>
             <a:endParaRPr lang="zh-CN" altLang="en-US"/>
           </a:p>
@@ -2453,7 +2453,7 @@
           <a:p>
             <a:fld id="{5647DC1B-4743-47FE-A400-A2B750CAD470}" type="datetimeFigureOut">
               <a:rPr lang="zh-CN" altLang="en-US" smtClean="0"/>
-              <a:t>2023-11-06</a:t>
+              <a:t>2023-11-07</a:t>
             </a:fld>
             <a:endParaRPr lang="zh-CN" altLang="en-US"/>
           </a:p>
@@ -2661,7 +2661,7 @@
           <a:p>
             <a:fld id="{5647DC1B-4743-47FE-A400-A2B750CAD470}" type="datetimeFigureOut">
               <a:rPr lang="zh-CN" altLang="en-US" smtClean="0"/>
-              <a:t>2023-11-06</a:t>
+              <a:t>2023-11-07</a:t>
             </a:fld>
             <a:endParaRPr lang="zh-CN" altLang="en-US"/>
           </a:p>
@@ -2859,7 +2859,7 @@
           <a:p>
             <a:fld id="{5647DC1B-4743-47FE-A400-A2B750CAD470}" type="datetimeFigureOut">
               <a:rPr lang="zh-CN" altLang="en-US" smtClean="0"/>
-              <a:t>2023-11-06</a:t>
+              <a:t>2023-11-07</a:t>
             </a:fld>
             <a:endParaRPr lang="zh-CN" altLang="en-US"/>
           </a:p>
@@ -3134,7 +3134,7 @@
           <a:p>
             <a:fld id="{5647DC1B-4743-47FE-A400-A2B750CAD470}" type="datetimeFigureOut">
               <a:rPr lang="zh-CN" altLang="en-US" smtClean="0"/>
-              <a:t>2023-11-06</a:t>
+              <a:t>2023-11-07</a:t>
             </a:fld>
             <a:endParaRPr lang="zh-CN" altLang="en-US"/>
           </a:p>
@@ -3399,7 +3399,7 @@
           <a:p>
             <a:fld id="{5647DC1B-4743-47FE-A400-A2B750CAD470}" type="datetimeFigureOut">
               <a:rPr lang="zh-CN" altLang="en-US" smtClean="0"/>
-              <a:t>2023-11-06</a:t>
+              <a:t>2023-11-07</a:t>
             </a:fld>
             <a:endParaRPr lang="zh-CN" altLang="en-US"/>
           </a:p>
@@ -3811,7 +3811,7 @@
           <a:p>
             <a:fld id="{5647DC1B-4743-47FE-A400-A2B750CAD470}" type="datetimeFigureOut">
               <a:rPr lang="zh-CN" altLang="en-US" smtClean="0"/>
-              <a:t>2023-11-06</a:t>
+              <a:t>2023-11-07</a:t>
             </a:fld>
             <a:endParaRPr lang="zh-CN" altLang="en-US"/>
           </a:p>
@@ -3952,7 +3952,7 @@
           <a:p>
             <a:fld id="{5647DC1B-4743-47FE-A400-A2B750CAD470}" type="datetimeFigureOut">
               <a:rPr lang="zh-CN" altLang="en-US" smtClean="0"/>
-              <a:t>2023-11-06</a:t>
+              <a:t>2023-11-07</a:t>
             </a:fld>
             <a:endParaRPr lang="zh-CN" altLang="en-US"/>
           </a:p>
@@ -4065,7 +4065,7 @@
           <a:p>
             <a:fld id="{5647DC1B-4743-47FE-A400-A2B750CAD470}" type="datetimeFigureOut">
               <a:rPr lang="zh-CN" altLang="en-US" smtClean="0"/>
-              <a:t>2023-11-06</a:t>
+              <a:t>2023-11-07</a:t>
             </a:fld>
             <a:endParaRPr lang="zh-CN" altLang="en-US"/>
           </a:p>
@@ -4376,7 +4376,7 @@
           <a:p>
             <a:fld id="{5647DC1B-4743-47FE-A400-A2B750CAD470}" type="datetimeFigureOut">
               <a:rPr lang="zh-CN" altLang="en-US" smtClean="0"/>
-              <a:t>2023-11-06</a:t>
+              <a:t>2023-11-07</a:t>
             </a:fld>
             <a:endParaRPr lang="zh-CN" altLang="en-US"/>
           </a:p>
@@ -4664,7 +4664,7 @@
           <a:p>
             <a:fld id="{5647DC1B-4743-47FE-A400-A2B750CAD470}" type="datetimeFigureOut">
               <a:rPr lang="zh-CN" altLang="en-US" smtClean="0"/>
-              <a:t>2023-11-06</a:t>
+              <a:t>2023-11-07</a:t>
             </a:fld>
             <a:endParaRPr lang="zh-CN" altLang="en-US"/>
           </a:p>
@@ -4905,7 +4905,7 @@
           <a:p>
             <a:fld id="{5647DC1B-4743-47FE-A400-A2B750CAD470}" type="datetimeFigureOut">
               <a:rPr lang="zh-CN" altLang="en-US" smtClean="0"/>
-              <a:t>2023-11-06</a:t>
+              <a:t>2023-11-07</a:t>
             </a:fld>
             <a:endParaRPr lang="zh-CN" altLang="en-US"/>
           </a:p>
@@ -5850,6 +5850,98 @@
           </a:prstGeom>
         </p:spPr>
       </p:pic>
+      <p:sp>
+        <p:nvSpPr>
+          <p:cNvPr id="4" name="文本框 3">
+            <a:extLst>
+              <a:ext uri="{FF2B5EF4-FFF2-40B4-BE49-F238E27FC236}">
+                <a16:creationId xmlns:a16="http://schemas.microsoft.com/office/drawing/2014/main" id="{B70F3605-0C61-4028-8820-7B026695C46E}"/>
+              </a:ext>
+            </a:extLst>
+          </p:cNvPr>
+          <p:cNvSpPr txBox="1"/>
+          <p:nvPr/>
+        </p:nvSpPr>
+        <p:spPr>
+          <a:xfrm>
+            <a:off x="6365772" y="0"/>
+            <a:ext cx="6094770" cy="461665"/>
+          </a:xfrm>
+          <a:prstGeom prst="rect">
+            <a:avLst/>
+          </a:prstGeom>
+          <a:noFill/>
+        </p:spPr>
+        <p:txBody>
+          <a:bodyPr wrap="square">
+            <a:spAutoFit/>
+          </a:bodyPr>
+          <a:lstStyle/>
+          <a:p>
+            <a:r>
+              <a:rPr lang="en-US" altLang="zh-CN" sz="1200" b="0" i="0" dirty="0" err="1">
+                <a:solidFill>
+                  <a:srgbClr val="222222"/>
+                </a:solidFill>
+                <a:effectLst/>
+                <a:latin typeface="Arial" panose="020B0604020202020204" pitchFamily="34" charset="0"/>
+              </a:rPr>
+              <a:t>Petitjean</a:t>
+            </a:r>
+            <a:r>
+              <a:rPr lang="en-US" altLang="zh-CN" sz="1200" b="0" i="0" dirty="0">
+                <a:solidFill>
+                  <a:srgbClr val="222222"/>
+                </a:solidFill>
+                <a:effectLst/>
+                <a:latin typeface="Arial" panose="020B0604020202020204" pitchFamily="34" charset="0"/>
+              </a:rPr>
+              <a:t> F, </a:t>
+            </a:r>
+            <a:r>
+              <a:rPr lang="en-US" altLang="zh-CN" sz="1200" b="0" i="0" dirty="0" err="1">
+                <a:solidFill>
+                  <a:srgbClr val="222222"/>
+                </a:solidFill>
+                <a:effectLst/>
+                <a:latin typeface="Arial" panose="020B0604020202020204" pitchFamily="34" charset="0"/>
+              </a:rPr>
+              <a:t>Ketterlin</a:t>
+            </a:r>
+            <a:r>
+              <a:rPr lang="en-US" altLang="zh-CN" sz="1200" b="0" i="0" dirty="0">
+                <a:solidFill>
+                  <a:srgbClr val="222222"/>
+                </a:solidFill>
+                <a:effectLst/>
+                <a:latin typeface="Arial" panose="020B0604020202020204" pitchFamily="34" charset="0"/>
+              </a:rPr>
+              <a:t> A, </a:t>
+            </a:r>
+            <a:r>
+              <a:rPr lang="en-US" altLang="zh-CN" sz="1200" b="0" i="0" dirty="0" err="1">
+                <a:solidFill>
+                  <a:srgbClr val="222222"/>
+                </a:solidFill>
+                <a:effectLst/>
+                <a:latin typeface="Arial" panose="020B0604020202020204" pitchFamily="34" charset="0"/>
+              </a:rPr>
+              <a:t>Gançarski</a:t>
+            </a:r>
+            <a:r>
+              <a:rPr lang="en-US" altLang="zh-CN" sz="1200" b="0" i="0" dirty="0">
+                <a:solidFill>
+                  <a:srgbClr val="222222"/>
+                </a:solidFill>
+                <a:effectLst/>
+                <a:latin typeface="Arial" panose="020B0604020202020204" pitchFamily="34" charset="0"/>
+              </a:rPr>
+              <a:t> P. A global averaging method for dynamic time warping, with applications to clustering[J]. Pattern recognition, 2011, 44(3): 678-693.</a:t>
+            </a:r>
+            <a:endParaRPr lang="zh-CN" altLang="en-US" sz="1200" dirty="0"/>
+          </a:p>
+        </p:txBody>
+      </p:sp>
     </p:spTree>
     <p:extLst>
       <p:ext uri="{BB962C8B-B14F-4D97-AF65-F5344CB8AC3E}">
@@ -6072,6 +6164,88 @@
               <a:rPr lang="en-US" altLang="zh-CN" dirty="0"/>
               <a:t>Derivative</a:t>
             </a:r>
+          </a:p>
+        </p:txBody>
+      </p:sp>
+      <p:sp>
+        <p:nvSpPr>
+          <p:cNvPr id="3" name="文本框 2">
+            <a:extLst>
+              <a:ext uri="{FF2B5EF4-FFF2-40B4-BE49-F238E27FC236}">
+                <a16:creationId xmlns:a16="http://schemas.microsoft.com/office/drawing/2014/main" id="{DAA0D7C9-8180-7B42-161A-85C2F2440028}"/>
+              </a:ext>
+            </a:extLst>
+          </p:cNvPr>
+          <p:cNvSpPr txBox="1"/>
+          <p:nvPr/>
+        </p:nvSpPr>
+        <p:spPr>
+          <a:xfrm>
+            <a:off x="6096000" y="78105"/>
+            <a:ext cx="6094770" cy="461665"/>
+          </a:xfrm>
+          <a:prstGeom prst="rect">
+            <a:avLst/>
+          </a:prstGeom>
+          <a:noFill/>
+        </p:spPr>
+        <p:txBody>
+          <a:bodyPr wrap="square">
+            <a:spAutoFit/>
+          </a:bodyPr>
+          <a:lstStyle/>
+          <a:p>
+            <a:r>
+              <a:rPr lang="en-US" altLang="zh-CN" sz="1200" b="0" i="0" dirty="0">
+                <a:solidFill>
+                  <a:srgbClr val="222222"/>
+                </a:solidFill>
+                <a:effectLst/>
+                <a:latin typeface="Arial" panose="020B0604020202020204" pitchFamily="34" charset="0"/>
+              </a:rPr>
+              <a:t>Zhao J, </a:t>
+            </a:r>
+            <a:r>
+              <a:rPr lang="en-US" altLang="zh-CN" sz="1200" b="0" i="0" dirty="0" err="1">
+                <a:solidFill>
+                  <a:srgbClr val="222222"/>
+                </a:solidFill>
+                <a:effectLst/>
+                <a:latin typeface="Arial" panose="020B0604020202020204" pitchFamily="34" charset="0"/>
+              </a:rPr>
+              <a:t>Itti</a:t>
+            </a:r>
+            <a:r>
+              <a:rPr lang="en-US" altLang="zh-CN" sz="1200" b="0" i="0" dirty="0">
+                <a:solidFill>
+                  <a:srgbClr val="222222"/>
+                </a:solidFill>
+                <a:effectLst/>
+                <a:latin typeface="Arial" panose="020B0604020202020204" pitchFamily="34" charset="0"/>
+              </a:rPr>
+              <a:t> L. </a:t>
+            </a:r>
+            <a:r>
+              <a:rPr lang="en-US" altLang="zh-CN" sz="1200" b="0" i="0" dirty="0" err="1">
+                <a:solidFill>
+                  <a:srgbClr val="222222"/>
+                </a:solidFill>
+                <a:effectLst/>
+                <a:latin typeface="Arial" panose="020B0604020202020204" pitchFamily="34" charset="0"/>
+              </a:rPr>
+              <a:t>shapedtw</a:t>
+            </a:r>
+            <a:r>
+              <a:rPr lang="en-US" altLang="zh-CN" sz="1200" b="0" i="0" dirty="0">
+                <a:solidFill>
+                  <a:srgbClr val="222222"/>
+                </a:solidFill>
+                <a:effectLst/>
+                <a:latin typeface="Arial" panose="020B0604020202020204" pitchFamily="34" charset="0"/>
+              </a:rPr>
+              <a:t>: Shape dynamic time warping[J]. Pattern Recognition, 2018, 74: 171-184.</a:t>
+            </a:r>
+            <a:endParaRPr lang="zh-CN" altLang="en-US" sz="1200" dirty="0"/>
           </a:p>
         </p:txBody>
       </p:sp>
@@ -6423,6 +6597,78 @@
               <a:rPr lang="en-US" altLang="zh-CN" dirty="0"/>
               <a:t>KSC: K-Spectral Centroid Clustering</a:t>
             </a:r>
+          </a:p>
+        </p:txBody>
+      </p:sp>
+      <p:sp>
+        <p:nvSpPr>
+          <p:cNvPr id="3" name="文本框 2">
+            <a:extLst>
+              <a:ext uri="{FF2B5EF4-FFF2-40B4-BE49-F238E27FC236}">
+                <a16:creationId xmlns:a16="http://schemas.microsoft.com/office/drawing/2014/main" id="{FC6AE8EB-51B3-63E5-94CE-D2B0E63AAEE1}"/>
+              </a:ext>
+            </a:extLst>
+          </p:cNvPr>
+          <p:cNvSpPr txBox="1"/>
+          <p:nvPr/>
+        </p:nvSpPr>
+        <p:spPr>
+          <a:xfrm>
+            <a:off x="6097230" y="0"/>
+            <a:ext cx="6094770" cy="600164"/>
+          </a:xfrm>
+          <a:prstGeom prst="rect">
+            <a:avLst/>
+          </a:prstGeom>
+          <a:noFill/>
+        </p:spPr>
+        <p:txBody>
+          <a:bodyPr wrap="square">
+            <a:spAutoFit/>
+          </a:bodyPr>
+          <a:lstStyle/>
+          <a:p>
+            <a:r>
+              <a:rPr lang="en-US" altLang="zh-CN" sz="1100" b="0" i="0" dirty="0" err="1">
+                <a:solidFill>
+                  <a:srgbClr val="222222"/>
+                </a:solidFill>
+                <a:effectLst/>
+                <a:latin typeface="Arial" panose="020B0604020202020204" pitchFamily="34" charset="0"/>
+              </a:rPr>
+              <a:t>Paparrizos</a:t>
+            </a:r>
+            <a:r>
+              <a:rPr lang="en-US" altLang="zh-CN" sz="1100" b="0" i="0" dirty="0">
+                <a:solidFill>
+                  <a:srgbClr val="222222"/>
+                </a:solidFill>
+                <a:effectLst/>
+                <a:latin typeface="Arial" panose="020B0604020202020204" pitchFamily="34" charset="0"/>
+              </a:rPr>
+              <a:t> J, </a:t>
+            </a:r>
+            <a:r>
+              <a:rPr lang="en-US" altLang="zh-CN" sz="1100" b="0" i="0" dirty="0" err="1">
+                <a:solidFill>
+                  <a:srgbClr val="222222"/>
+                </a:solidFill>
+                <a:effectLst/>
+                <a:latin typeface="Arial" panose="020B0604020202020204" pitchFamily="34" charset="0"/>
+              </a:rPr>
+              <a:t>Gravano</a:t>
+            </a:r>
+            <a:r>
+              <a:rPr lang="en-US" altLang="zh-CN" sz="1100" b="0" i="0" dirty="0">
+                <a:solidFill>
+                  <a:srgbClr val="222222"/>
+                </a:solidFill>
+                <a:effectLst/>
+                <a:latin typeface="Arial" panose="020B0604020202020204" pitchFamily="34" charset="0"/>
+              </a:rPr>
+              <a:t> L. k-shape: Efficient and accurate clustering of time series[C]//Proceedings of the 2015 ACM SIGMOD international conference on management of data. 2015: 1855-1870.</a:t>
+            </a:r>
+            <a:endParaRPr lang="zh-CN" altLang="en-US" sz="1100" dirty="0"/>
           </a:p>
         </p:txBody>
       </p:sp>
@@ -12421,7 +12667,7 @@
         </p:nvSpPr>
         <p:spPr>
           <a:xfrm>
-            <a:off x="1122219" y="423950"/>
+            <a:off x="1122219" y="92845"/>
             <a:ext cx="5931724" cy="461665"/>
           </a:xfrm>
           <a:prstGeom prst="rect">
@@ -12467,8 +12713,8 @@
         </p:nvSpPr>
         <p:spPr>
           <a:xfrm>
-            <a:off x="1122219" y="1184152"/>
-            <a:ext cx="10111839" cy="5355312"/>
+            <a:off x="1122219" y="554510"/>
+            <a:ext cx="10111839" cy="6186309"/>
           </a:xfrm>
           <a:prstGeom prst="rect">
             <a:avLst/>
@@ -12536,6 +12782,18 @@
             <a:r>
               <a:rPr lang="en-US" altLang="zh-CN" dirty="0"/>
               <a:t>4. In the current thesis, when mentioning 'Time Alignment' or 'DTW,' they are often used for clustering, classification, and data argumentation. Can we refer to the current work as 'DTW for Regression'? Compared to 'DTW for Classification,' 'DTW for Regression' has a distinct focus.</a:t>
+            </a:r>
+          </a:p>
+          <a:p>
+            <a:endParaRPr lang="en-US" altLang="zh-CN" dirty="0"/>
+          </a:p>
+          <a:p>
+            <a:endParaRPr lang="en-US" altLang="zh-CN" dirty="0"/>
+          </a:p>
+          <a:p>
+            <a:r>
+              <a:rPr lang="en-US" altLang="zh-CN" dirty="0"/>
+              <a:t>5. Do you think the tutorial we wrote is too simple?</a:t>
             </a:r>
           </a:p>
         </p:txBody>
@@ -13047,13 +13305,13 @@
           <p:nvPr>
             <p:extLst>
               <p:ext uri="{D42A27DB-BD31-4B8C-83A1-F6EECF244321}">
-                <p14:modId xmlns:p14="http://schemas.microsoft.com/office/powerpoint/2010/main" val="2135905006"/>
+                <p14:modId xmlns:p14="http://schemas.microsoft.com/office/powerpoint/2010/main" val="706128819"/>
               </p:ext>
             </p:extLst>
           </p:nvPr>
         </p:nvGraphicFramePr>
         <p:xfrm>
-          <a:off x="991419" y="1630320"/>
+          <a:off x="609600" y="702759"/>
           <a:ext cx="10209162" cy="3708400"/>
         </p:xfrm>
         <a:graphic>
@@ -14035,41 +14293,66 @@
           </a:graphicData>
         </a:graphic>
       </p:graphicFrame>
-      <p:sp>
-        <p:nvSpPr>
-          <p:cNvPr id="4" name="文本框 3">
+      <p:pic>
+        <p:nvPicPr>
+          <p:cNvPr id="5" name="图片 4">
             <a:extLst>
               <a:ext uri="{FF2B5EF4-FFF2-40B4-BE49-F238E27FC236}">
-                <a16:creationId xmlns:a16="http://schemas.microsoft.com/office/drawing/2014/main" id="{14D98BF9-A99F-6EAF-3F10-E905FE1F2A03}"/>
+                <a16:creationId xmlns:a16="http://schemas.microsoft.com/office/drawing/2014/main" id="{F58FBEDA-0D0F-353F-F66E-0F1A331F74EA}"/>
               </a:ext>
             </a:extLst>
           </p:cNvPr>
-          <p:cNvSpPr txBox="1"/>
+          <p:cNvPicPr>
+            <a:picLocks noChangeAspect="1"/>
+          </p:cNvPicPr>
           <p:nvPr/>
-        </p:nvSpPr>
+        </p:nvPicPr>
+        <p:blipFill>
+          <a:blip r:embed="rId3"/>
+          <a:stretch>
+            <a:fillRect/>
+          </a:stretch>
+        </p:blipFill>
         <p:spPr>
           <a:xfrm>
-            <a:off x="938366" y="914452"/>
-            <a:ext cx="6094770" cy="369332"/>
+            <a:off x="413827" y="4546002"/>
+            <a:ext cx="5958197" cy="2179749"/>
           </a:xfrm>
           <a:prstGeom prst="rect">
             <a:avLst/>
           </a:prstGeom>
-          <a:noFill/>
         </p:spPr>
-        <p:txBody>
-          <a:bodyPr wrap="square">
-            <a:spAutoFit/>
-          </a:bodyPr>
-          <a:lstStyle/>
-          <a:p>
-            <a:r>
-              <a:rPr lang="en-US" altLang="zh-CN" dirty="0"/>
-              <a:t>Experiment Results</a:t>
-            </a:r>
-          </a:p>
-        </p:txBody>
-      </p:sp>
+      </p:pic>
+      <p:pic>
+        <p:nvPicPr>
+          <p:cNvPr id="7" name="图片 6">
+            <a:extLst>
+              <a:ext uri="{FF2B5EF4-FFF2-40B4-BE49-F238E27FC236}">
+                <a16:creationId xmlns:a16="http://schemas.microsoft.com/office/drawing/2014/main" id="{3C23FA2F-AE80-462C-576D-36CA5A388D7F}"/>
+              </a:ext>
+            </a:extLst>
+          </p:cNvPr>
+          <p:cNvPicPr>
+            <a:picLocks noChangeAspect="1"/>
+          </p:cNvPicPr>
+          <p:nvPr/>
+        </p:nvPicPr>
+        <p:blipFill>
+          <a:blip r:embed="rId4"/>
+          <a:stretch>
+            <a:fillRect/>
+          </a:stretch>
+        </p:blipFill>
+        <p:spPr>
+          <a:xfrm>
+            <a:off x="6096000" y="4678252"/>
+            <a:ext cx="5610426" cy="2047500"/>
+          </a:xfrm>
+          <a:prstGeom prst="rect">
+            <a:avLst/>
+          </a:prstGeom>
+        </p:spPr>
+      </p:pic>
     </p:spTree>
     <p:extLst>
       <p:ext uri="{BB962C8B-B14F-4D97-AF65-F5344CB8AC3E}">
